--- a/AngularJS.pptx
+++ b/AngularJS.pptx
@@ -14,12 +14,24 @@
     <p:sldId id="272" r:id="rId8"/>
     <p:sldId id="274" r:id="rId9"/>
     <p:sldId id="275" r:id="rId10"/>
-    <p:sldId id="276" r:id="rId11"/>
-    <p:sldId id="278" r:id="rId12"/>
-    <p:sldId id="280" r:id="rId13"/>
-    <p:sldId id="279" r:id="rId14"/>
-    <p:sldId id="277" r:id="rId15"/>
-    <p:sldId id="269" r:id="rId16"/>
+    <p:sldId id="280" r:id="rId11"/>
+    <p:sldId id="283" r:id="rId12"/>
+    <p:sldId id="284" r:id="rId13"/>
+    <p:sldId id="285" r:id="rId14"/>
+    <p:sldId id="286" r:id="rId15"/>
+    <p:sldId id="287" r:id="rId16"/>
+    <p:sldId id="290" r:id="rId17"/>
+    <p:sldId id="288" r:id="rId18"/>
+    <p:sldId id="282" r:id="rId19"/>
+    <p:sldId id="289" r:id="rId20"/>
+    <p:sldId id="276" r:id="rId21"/>
+    <p:sldId id="291" r:id="rId22"/>
+    <p:sldId id="292" r:id="rId23"/>
+    <p:sldId id="281" r:id="rId24"/>
+    <p:sldId id="278" r:id="rId25"/>
+    <p:sldId id="279" r:id="rId26"/>
+    <p:sldId id="277" r:id="rId27"/>
+    <p:sldId id="269" r:id="rId28"/>
   </p:sldIdLst>
   <p:sldSz cx="9144000" cy="6858000" type="screen4x3"/>
   <p:notesSz cx="6858000" cy="9144000"/>
@@ -309,7 +321,7 @@
           <a:p>
             <a:fld id="{8F235549-BF0A-4B98-8561-3786244E808C}" type="datetimeFigureOut">
               <a:rPr lang="en-US" smtClean="0"/>
-              <a:t>3/1/2016</a:t>
+              <a:t>3/2/2016</a:t>
             </a:fld>
             <a:endParaRPr lang="en-US"/>
           </a:p>
@@ -509,7 +521,7 @@
           <a:p>
             <a:fld id="{8F235549-BF0A-4B98-8561-3786244E808C}" type="datetimeFigureOut">
               <a:rPr lang="en-US" smtClean="0"/>
-              <a:t>3/1/2016</a:t>
+              <a:t>3/2/2016</a:t>
             </a:fld>
             <a:endParaRPr lang="en-US"/>
           </a:p>
@@ -684,7 +696,7 @@
           <a:p>
             <a:fld id="{8F235549-BF0A-4B98-8561-3786244E808C}" type="datetimeFigureOut">
               <a:rPr lang="en-US" smtClean="0"/>
-              <a:t>3/1/2016</a:t>
+              <a:t>3/2/2016</a:t>
             </a:fld>
             <a:endParaRPr lang="en-US"/>
           </a:p>
@@ -849,7 +861,7 @@
           <a:p>
             <a:fld id="{8F235549-BF0A-4B98-8561-3786244E808C}" type="datetimeFigureOut">
               <a:rPr lang="en-US" smtClean="0"/>
-              <a:t>3/1/2016</a:t>
+              <a:t>3/2/2016</a:t>
             </a:fld>
             <a:endParaRPr lang="en-US"/>
           </a:p>
@@ -1097,7 +1109,7 @@
           <a:p>
             <a:fld id="{8F235549-BF0A-4B98-8561-3786244E808C}" type="datetimeFigureOut">
               <a:rPr lang="en-US" smtClean="0"/>
-              <a:t>3/1/2016</a:t>
+              <a:t>3/2/2016</a:t>
             </a:fld>
             <a:endParaRPr lang="en-US"/>
           </a:p>
@@ -1415,7 +1427,7 @@
           <a:p>
             <a:fld id="{8F235549-BF0A-4B98-8561-3786244E808C}" type="datetimeFigureOut">
               <a:rPr lang="en-US" smtClean="0"/>
-              <a:t>3/1/2016</a:t>
+              <a:t>3/2/2016</a:t>
             </a:fld>
             <a:endParaRPr lang="en-US"/>
           </a:p>
@@ -1881,7 +1893,7 @@
           <a:p>
             <a:fld id="{8F235549-BF0A-4B98-8561-3786244E808C}" type="datetimeFigureOut">
               <a:rPr lang="en-US" smtClean="0"/>
-              <a:t>3/1/2016</a:t>
+              <a:t>3/2/2016</a:t>
             </a:fld>
             <a:endParaRPr lang="en-US"/>
           </a:p>
@@ -2029,7 +2041,7 @@
           <a:p>
             <a:fld id="{8F235549-BF0A-4B98-8561-3786244E808C}" type="datetimeFigureOut">
               <a:rPr lang="en-US" smtClean="0"/>
-              <a:t>3/1/2016</a:t>
+              <a:t>3/2/2016</a:t>
             </a:fld>
             <a:endParaRPr lang="en-US"/>
           </a:p>
@@ -2119,7 +2131,7 @@
           <a:p>
             <a:fld id="{8F235549-BF0A-4B98-8561-3786244E808C}" type="datetimeFigureOut">
               <a:rPr lang="en-US" smtClean="0"/>
-              <a:t>3/1/2016</a:t>
+              <a:t>3/2/2016</a:t>
             </a:fld>
             <a:endParaRPr lang="en-US"/>
           </a:p>
@@ -2393,7 +2405,7 @@
           <a:p>
             <a:fld id="{8F235549-BF0A-4B98-8561-3786244E808C}" type="datetimeFigureOut">
               <a:rPr lang="en-US" smtClean="0"/>
-              <a:t>3/1/2016</a:t>
+              <a:t>3/2/2016</a:t>
             </a:fld>
             <a:endParaRPr lang="en-US"/>
           </a:p>
@@ -2698,7 +2710,7 @@
           <a:p>
             <a:fld id="{8F235549-BF0A-4B98-8561-3786244E808C}" type="datetimeFigureOut">
               <a:rPr lang="en-US" smtClean="0"/>
-              <a:t>3/1/2016</a:t>
+              <a:t>3/2/2016</a:t>
             </a:fld>
             <a:endParaRPr lang="en-US"/>
           </a:p>
@@ -2996,7 +3008,7 @@
           <a:p>
             <a:fld id="{8F235549-BF0A-4B98-8561-3786244E808C}" type="datetimeFigureOut">
               <a:rPr lang="en-US" smtClean="0"/>
-              <a:t>3/1/2016</a:t>
+              <a:t>3/2/2016</a:t>
             </a:fld>
             <a:endParaRPr lang="en-US"/>
           </a:p>
@@ -3410,11 +3422,7 @@
           <a:p>
             <a:r>
               <a:rPr lang="en-US" dirty="0" smtClean="0"/>
-              <a:t>Angular</a:t>
-            </a:r>
-            <a:r>
-              <a:rPr lang="en-US" dirty="0" smtClean="0"/>
-              <a:t>JS</a:t>
+              <a:t>AngularJS</a:t>
             </a:r>
             <a:endParaRPr lang="en-US" dirty="0"/>
           </a:p>
@@ -3474,7 +3482,11 @@
           <a:p>
             <a:r>
               <a:rPr lang="en-US" dirty="0" smtClean="0"/>
-              <a:t>Routing and Multiple Views</a:t>
+              <a:t>AngularJS </a:t>
+            </a:r>
+            <a:r>
+              <a:rPr lang="en-US" dirty="0" smtClean="0"/>
+              <a:t>Directive</a:t>
             </a:r>
             <a:endParaRPr lang="en-US" dirty="0"/>
           </a:p>
@@ -3671,66 +3683,75 @@
           </a:lstStyle>
           <a:p>
             <a:r>
-              <a:rPr lang="en-GB" sz="1600" b="1" dirty="0" smtClean="0"/>
-              <a:t>ngRoute module: </a:t>
+              <a:rPr lang="en-GB" sz="1600" dirty="0"/>
+              <a:t>AngularJS directives are used to extend HTML. These are special attributes starting with </a:t>
+            </a:r>
+            <a:r>
+              <a:rPr lang="en-GB" sz="1600" b="1" dirty="0">
+                <a:solidFill>
+                  <a:srgbClr val="00B050"/>
+                </a:solidFill>
+              </a:rPr>
+              <a:t>ng-</a:t>
+            </a:r>
+            <a:r>
+              <a:rPr lang="en-GB" sz="1600" dirty="0"/>
+              <a:t> </a:t>
             </a:r>
             <a:r>
               <a:rPr lang="en-GB" sz="1600" dirty="0" smtClean="0"/>
-              <a:t>is disturbed separately from the core Angular framework</a:t>
+              <a:t>prefix</a:t>
             </a:r>
           </a:p>
           <a:p>
             <a:r>
               <a:rPr lang="en-GB" sz="1600" dirty="0" smtClean="0"/>
-              <a:t>Provides routing and deep linking services and directives for angular apps</a:t>
-            </a:r>
-          </a:p>
-          <a:p>
-            <a:r>
-              <a:rPr lang="en-GB" sz="1600" dirty="0"/>
-              <a:t>Application routes in Angular are declared via the </a:t>
-            </a:r>
-            <a:r>
-              <a:rPr lang="en-GB" sz="1600" dirty="0">
-                <a:hlinkClick r:id="rId2"/>
-              </a:rPr>
-              <a:t>$routeProvider</a:t>
-            </a:r>
-            <a:r>
-              <a:rPr lang="en-GB" sz="1600" dirty="0"/>
-              <a:t>, which is the provider of the </a:t>
-            </a:r>
-            <a:r>
-              <a:rPr lang="en-GB" sz="1600" dirty="0">
-                <a:hlinkClick r:id="rId3"/>
-              </a:rPr>
-              <a:t>$route service</a:t>
-            </a:r>
-            <a:r>
-              <a:rPr lang="en-GB" sz="1600" dirty="0"/>
-              <a:t>.  This service makes it easy to wire together controllers, view templates, and the current URL location in the browser. Using this feature, we can implement </a:t>
-            </a:r>
-            <a:r>
-              <a:rPr lang="en-GB" sz="1600" dirty="0">
-                <a:hlinkClick r:id="rId4"/>
-              </a:rPr>
-              <a:t>deep linking</a:t>
-            </a:r>
-            <a:r>
-              <a:rPr lang="en-GB" sz="1600" dirty="0"/>
-              <a:t>, which lets us utilize the browser's history (back and forward navigation) and </a:t>
-            </a:r>
-            <a:r>
-              <a:rPr lang="en-GB" sz="1600" dirty="0" smtClean="0"/>
-              <a:t>bookmarks</a:t>
-            </a:r>
+              <a:t>Some directives:</a:t>
+            </a:r>
+          </a:p>
+          <a:p>
+            <a:pPr lvl="1"/>
+            <a:r>
+              <a:rPr lang="en-GB" sz="1400" dirty="0" smtClean="0"/>
+              <a:t>ng-app – Starts an AngularJS application</a:t>
+            </a:r>
+          </a:p>
+          <a:p>
+            <a:pPr lvl="1"/>
+            <a:r>
+              <a:rPr lang="en-GB" sz="1400" dirty="0" smtClean="0"/>
+              <a:t>ng-</a:t>
+            </a:r>
+            <a:r>
+              <a:rPr lang="en-GB" sz="1400" dirty="0" err="1" smtClean="0"/>
+              <a:t>init</a:t>
+            </a:r>
+            <a:r>
+              <a:rPr lang="en-GB" sz="1400" dirty="0" smtClean="0"/>
+              <a:t> – Initializes application data</a:t>
+            </a:r>
+          </a:p>
+          <a:p>
+            <a:pPr lvl="1"/>
+            <a:r>
+              <a:rPr lang="en-GB" sz="1400" dirty="0" smtClean="0"/>
+              <a:t>ng-model – defines the model that is variable to be used in AngularJS</a:t>
+            </a:r>
+          </a:p>
+          <a:p>
+            <a:pPr lvl="1"/>
+            <a:r>
+              <a:rPr lang="en-GB" sz="1400" dirty="0" smtClean="0"/>
+              <a:t>ng-repeat – Repeats the html elements for each item in a collection</a:t>
+            </a:r>
+            <a:endParaRPr lang="en-GB" sz="1400" dirty="0"/>
           </a:p>
         </p:txBody>
       </p:sp>
     </p:spTree>
     <p:extLst>
       <p:ext uri="{BB962C8B-B14F-4D97-AF65-F5344CB8AC3E}">
-        <p14:creationId xmlns:p14="http://schemas.microsoft.com/office/powerpoint/2010/main" val="475202200"/>
+        <p14:creationId xmlns:p14="http://schemas.microsoft.com/office/powerpoint/2010/main" val="2505645077"/>
       </p:ext>
     </p:extLst>
   </p:cSld>
@@ -3781,7 +3802,11 @@
           <a:p>
             <a:r>
               <a:rPr lang="en-US" dirty="0" smtClean="0"/>
-              <a:t>AngularJS Testability</a:t>
+              <a:t>AngularJS </a:t>
+            </a:r>
+            <a:r>
+              <a:rPr lang="en-US" dirty="0" smtClean="0"/>
+              <a:t>Expression &amp; Controller</a:t>
             </a:r>
             <a:endParaRPr lang="en-US" dirty="0"/>
           </a:p>
@@ -3978,211 +4003,246 @@
           </a:lstStyle>
           <a:p>
             <a:r>
+              <a:rPr lang="en-GB" sz="1600" dirty="0"/>
+              <a:t>AngularJS </a:t>
+            </a:r>
+            <a:r>
               <a:rPr lang="en-GB" sz="1600" dirty="0" smtClean="0"/>
-              <a:t>AngularJS has </a:t>
-            </a:r>
-            <a:r>
-              <a:rPr lang="en-GB" sz="1600" dirty="0"/>
-              <a:t>an integrated dependency injection framework, provides mocks for many heavy dependencies (server-side communication) </a:t>
-            </a:r>
-            <a:endParaRPr lang="en-GB" sz="1600" dirty="0" smtClean="0"/>
-          </a:p>
-          <a:p>
-            <a:r>
-              <a:rPr lang="en-GB" sz="1600" b="1" dirty="0" smtClean="0"/>
-              <a:t>ngMock: </a:t>
-            </a:r>
-            <a:r>
-              <a:rPr lang="en-GB" sz="1600" dirty="0"/>
-              <a:t>module provides support to inject and mock Angular services into unit tests. In addition, ngMock also extends various core ng services such that they can be inspected and controlled in a synchronous manner within test </a:t>
-            </a:r>
-            <a:r>
-              <a:rPr lang="en-GB" sz="1600" dirty="0" smtClean="0"/>
-              <a:t>code</a:t>
-            </a:r>
-          </a:p>
-          <a:p>
-            <a:r>
-              <a:rPr lang="en-GB" sz="1600" b="1" dirty="0" smtClean="0"/>
-              <a:t>angular.mock: </a:t>
-            </a:r>
-            <a:r>
-              <a:rPr lang="en-GB" sz="1600" dirty="0"/>
-              <a:t>Namespace from 'angular-mocks.js' which contains testing related </a:t>
-            </a:r>
-            <a:r>
-              <a:rPr lang="en-GB" sz="1600" dirty="0" smtClean="0"/>
-              <a:t>code</a:t>
-            </a:r>
-          </a:p>
-          <a:p>
-            <a:r>
-              <a:rPr lang="en-GB" sz="1600" b="1" dirty="0"/>
-              <a:t>Jasmine: </a:t>
-            </a:r>
-            <a:r>
-              <a:rPr lang="en-GB" sz="1600" dirty="0"/>
-              <a:t>Jasmine is a behavior-driven development framework for testing JavaScript code. It does not depend on any other JavaScript frameworks. It does not require a </a:t>
-            </a:r>
-            <a:r>
-              <a:rPr lang="en-GB" sz="1600" dirty="0" smtClean="0"/>
-              <a:t>DOM</a:t>
-            </a:r>
-            <a:endParaRPr lang="en-GB" sz="1600" dirty="0"/>
-          </a:p>
-          <a:p>
-            <a:pPr lvl="1"/>
-            <a:r>
-              <a:rPr lang="en-GB" sz="1200" dirty="0" smtClean="0"/>
-              <a:t>describe – Global Jasmine function with two parameters: a string and a function</a:t>
-            </a:r>
-          </a:p>
-          <a:p>
-            <a:pPr lvl="1"/>
-            <a:r>
-              <a:rPr lang="en-GB" sz="1200" dirty="0" smtClean="0"/>
-              <a:t>Matchers – Each matcher implements a boolean comparison between actual and expected value</a:t>
-            </a:r>
-          </a:p>
-          <a:p>
-            <a:pPr lvl="2"/>
-            <a:r>
-              <a:rPr lang="en-US" sz="1200" dirty="0"/>
-              <a:t>expect(a).toBe(b);</a:t>
-            </a:r>
-            <a:r>
-              <a:rPr lang="en-US" sz="1200" dirty="0"/>
-              <a:t> </a:t>
-            </a:r>
-            <a:r>
-              <a:rPr lang="en-US" sz="1200" dirty="0"/>
-              <a:t>expect(a).not.toBe(</a:t>
-            </a:r>
-            <a:r>
-              <a:rPr lang="en-US" sz="1200" b="1" dirty="0"/>
-              <a:t>null</a:t>
-            </a:r>
-            <a:r>
-              <a:rPr lang="en-US" sz="1200" dirty="0" smtClean="0"/>
-              <a:t>);</a:t>
-            </a:r>
-          </a:p>
-          <a:p>
-            <a:pPr lvl="1"/>
-            <a:r>
-              <a:rPr lang="en-US" sz="1200" dirty="0"/>
-              <a:t>Jasmine unit test are run with </a:t>
-            </a:r>
-            <a:r>
-              <a:rPr lang="en-US" sz="1200" b="1" dirty="0">
+              <a:t>expressions are used to bind application data to html. Expressions are written in </a:t>
+            </a:r>
+            <a:r>
+              <a:rPr lang="en-US" sz="1600" dirty="0"/>
+              <a:t>double braces like </a:t>
+            </a:r>
+            <a:r>
+              <a:rPr lang="en-US" sz="1600" b="1" dirty="0">
                 <a:solidFill>
                   <a:srgbClr val="00B050"/>
                 </a:solidFill>
               </a:rPr>
-              <a:t>Karma Test </a:t>
-            </a:r>
-            <a:r>
-              <a:rPr lang="en-US" sz="1200" b="1" dirty="0" smtClean="0">
-                <a:solidFill>
-                  <a:srgbClr val="00B050"/>
-                </a:solidFill>
-              </a:rPr>
-              <a:t>Runner</a:t>
-            </a:r>
-          </a:p>
-          <a:p>
-            <a:pPr lvl="1"/>
-            <a:r>
-              <a:rPr lang="en-US" sz="1200" dirty="0" smtClean="0"/>
-              <a:t>Jasmine end to end tests are run with </a:t>
-            </a:r>
-            <a:r>
-              <a:rPr lang="en-US" sz="1200" b="1" dirty="0" smtClean="0">
-                <a:solidFill>
-                  <a:srgbClr val="00B050"/>
-                </a:solidFill>
-              </a:rPr>
-              <a:t>Protracter End-to-End test runner</a:t>
-            </a:r>
-          </a:p>
-          <a:p>
-            <a:pPr lvl="1"/>
-            <a:r>
-              <a:rPr lang="en-US" sz="1200" dirty="0" smtClean="0"/>
-              <a:t>Web driver is required to </a:t>
-            </a:r>
-            <a:r>
-              <a:rPr lang="en-US" sz="1200" dirty="0"/>
-              <a:t>execute the </a:t>
-            </a:r>
-            <a:r>
-              <a:rPr lang="en-US" sz="1200" dirty="0" smtClean="0"/>
-              <a:t>Protracter script : </a:t>
-            </a:r>
-            <a:r>
-              <a:rPr lang="en-US" sz="1200" b="1" dirty="0" smtClean="0">
-                <a:solidFill>
-                  <a:srgbClr val="00B050"/>
-                </a:solidFill>
-              </a:rPr>
-              <a:t>npm </a:t>
-            </a:r>
-            <a:r>
-              <a:rPr lang="en-US" sz="1200" b="1" dirty="0">
-                <a:solidFill>
-                  <a:srgbClr val="00B050"/>
-                </a:solidFill>
-              </a:rPr>
-              <a:t>run </a:t>
-            </a:r>
-            <a:r>
-              <a:rPr lang="en-US" sz="1200" b="1" dirty="0" smtClean="0">
-                <a:solidFill>
-                  <a:srgbClr val="00B050"/>
-                </a:solidFill>
-              </a:rPr>
-              <a:t>update-</a:t>
-            </a:r>
-            <a:r>
-              <a:rPr lang="en-US" sz="1200" b="1" dirty="0" err="1" smtClean="0">
-                <a:solidFill>
-                  <a:srgbClr val="00B050"/>
-                </a:solidFill>
-              </a:rPr>
-              <a:t>webdriver</a:t>
-            </a:r>
-            <a:endParaRPr lang="en-US" sz="1200" b="1" dirty="0" smtClean="0">
+              <a:t>{{ expression}}</a:t>
+            </a:r>
+            <a:endParaRPr lang="en-GB" sz="1600" b="1" dirty="0" smtClean="0">
               <a:solidFill>
                 <a:srgbClr val="00B050"/>
               </a:solidFill>
             </a:endParaRPr>
           </a:p>
           <a:p>
+            <a:r>
+              <a:rPr lang="en-GB" sz="1600" dirty="0" smtClean="0"/>
+              <a:t>AngularJS controller controls the flow of data in the application. It is </a:t>
+            </a:r>
+            <a:r>
+              <a:rPr lang="en-GB" sz="1600" dirty="0"/>
+              <a:t>defined using </a:t>
+            </a:r>
+            <a:r>
+              <a:rPr lang="en-US" sz="1600" b="1" dirty="0">
+                <a:solidFill>
+                  <a:srgbClr val="00B050"/>
+                </a:solidFill>
+              </a:rPr>
+              <a:t>ng-controller</a:t>
+            </a:r>
+            <a:r>
+              <a:rPr lang="en-US" sz="1600" dirty="0"/>
+              <a:t> </a:t>
+            </a:r>
+            <a:r>
+              <a:rPr lang="en-US" sz="1600" dirty="0" smtClean="0"/>
+              <a:t>directive</a:t>
+            </a:r>
+          </a:p>
+          <a:p>
             <a:pPr lvl="1"/>
             <a:r>
-              <a:rPr lang="en-US" sz="1200" dirty="0"/>
-              <a:t>Run the Protracter test : </a:t>
-            </a:r>
-            <a:r>
-              <a:rPr lang="en-US" sz="1200" b="1" dirty="0">
+              <a:rPr lang="en-US" sz="1400" dirty="0" smtClean="0"/>
+              <a:t>Controller is a JavaScript object containing attributes / properties and functions</a:t>
+            </a:r>
+          </a:p>
+          <a:p>
+            <a:pPr lvl="1"/>
+            <a:r>
+              <a:rPr lang="en-US" sz="1400" dirty="0" smtClean="0"/>
+              <a:t>Controller accepts </a:t>
+            </a:r>
+            <a:r>
+              <a:rPr lang="en-US" sz="1400" b="1" dirty="0" smtClean="0">
                 <a:solidFill>
                   <a:srgbClr val="00B050"/>
                 </a:solidFill>
               </a:rPr>
-              <a:t>npm run protractor</a:t>
-            </a:r>
-            <a:endParaRPr lang="en-GB" sz="1200" b="1" dirty="0">
-              <a:solidFill>
-                <a:srgbClr val="00B050"/>
-              </a:solidFill>
-            </a:endParaRPr>
+              <a:t>$scope </a:t>
+            </a:r>
+            <a:r>
+              <a:rPr lang="en-GB" sz="1400" dirty="0"/>
+              <a:t>as a parameter which refers to the application/module that controller is to </a:t>
+            </a:r>
+            <a:r>
+              <a:rPr lang="en-GB" sz="1400" dirty="0" smtClean="0"/>
+              <a:t>control</a:t>
+            </a:r>
+          </a:p>
+          <a:p>
+            <a:r>
+              <a:rPr lang="en-US" sz="1600" b="1" dirty="0" smtClean="0"/>
+              <a:t>Sample controller:</a:t>
+            </a:r>
+          </a:p>
+          <a:p>
+            <a:endParaRPr lang="en-US" sz="1600" dirty="0"/>
+          </a:p>
+          <a:p>
+            <a:endParaRPr lang="en-US" sz="1600" dirty="0" smtClean="0"/>
+          </a:p>
+          <a:p>
+            <a:endParaRPr lang="en-US" sz="1400" dirty="0" smtClean="0"/>
+          </a:p>
+          <a:p>
+            <a:pPr lvl="1"/>
+            <a:endParaRPr lang="en-US" sz="1400" dirty="0" smtClean="0"/>
+          </a:p>
+          <a:p>
+            <a:pPr lvl="1"/>
+            <a:endParaRPr lang="en-US" sz="1400" dirty="0"/>
+          </a:p>
+          <a:p>
+            <a:pPr lvl="1"/>
+            <a:r>
+              <a:rPr lang="en-US" sz="1400" dirty="0" smtClean="0"/>
+              <a:t>$scope – refers to application which is to use the studentController object</a:t>
+            </a:r>
+          </a:p>
+          <a:p>
+            <a:pPr lvl="1"/>
+            <a:r>
+              <a:rPr lang="en-GB" sz="1400" dirty="0"/>
+              <a:t>$</a:t>
+            </a:r>
+            <a:r>
+              <a:rPr lang="en-GB" sz="1400" dirty="0" err="1"/>
+              <a:t>scope.student</a:t>
+            </a:r>
+            <a:r>
+              <a:rPr lang="en-GB" sz="1400" dirty="0"/>
+              <a:t> is property of studentController </a:t>
+            </a:r>
+            <a:r>
+              <a:rPr lang="en-GB" sz="1400" dirty="0" smtClean="0"/>
+              <a:t>object</a:t>
+            </a:r>
+          </a:p>
+          <a:p>
+            <a:pPr lvl="1"/>
+            <a:r>
+              <a:rPr lang="en-GB" sz="1400" dirty="0" err="1"/>
+              <a:t>firstName</a:t>
+            </a:r>
+            <a:r>
+              <a:rPr lang="en-GB" sz="1400" dirty="0"/>
+              <a:t> and </a:t>
+            </a:r>
+            <a:r>
+              <a:rPr lang="en-GB" sz="1400" dirty="0" err="1"/>
+              <a:t>lastName</a:t>
+            </a:r>
+            <a:r>
+              <a:rPr lang="en-GB" sz="1400" dirty="0"/>
+              <a:t> are two properties of $</a:t>
+            </a:r>
+            <a:r>
+              <a:rPr lang="en-GB" sz="1400" dirty="0" err="1"/>
+              <a:t>scope.student</a:t>
+            </a:r>
+            <a:r>
+              <a:rPr lang="en-GB" sz="1400" dirty="0"/>
+              <a:t> </a:t>
+            </a:r>
+            <a:r>
+              <a:rPr lang="en-GB" sz="1400" dirty="0" smtClean="0"/>
+              <a:t>object</a:t>
+            </a:r>
+          </a:p>
+          <a:p>
+            <a:pPr lvl="1"/>
+            <a:r>
+              <a:rPr lang="en-GB" sz="1400" dirty="0" err="1"/>
+              <a:t>fullName</a:t>
+            </a:r>
+            <a:r>
+              <a:rPr lang="en-GB" sz="1400" dirty="0"/>
+              <a:t> is the function of $</a:t>
+            </a:r>
+            <a:r>
+              <a:rPr lang="en-GB" sz="1400" dirty="0" err="1"/>
+              <a:t>scope.student</a:t>
+            </a:r>
+            <a:r>
+              <a:rPr lang="en-GB" sz="1400" dirty="0"/>
+              <a:t> object whose task is to return the combined name</a:t>
+            </a:r>
           </a:p>
         </p:txBody>
       </p:sp>
+      <p:pic>
+        <p:nvPicPr>
+          <p:cNvPr id="1026" name="Picture 2"/>
+          <p:cNvPicPr>
+            <a:picLocks noChangeAspect="1" noChangeArrowheads="1"/>
+          </p:cNvPicPr>
+          <p:nvPr/>
+        </p:nvPicPr>
+        <p:blipFill>
+          <a:blip r:embed="rId2">
+            <a:extLst>
+              <a:ext uri="{28A0092B-C50C-407E-A947-70E740481C1C}">
+                <a14:useLocalDpi xmlns:a14="http://schemas.microsoft.com/office/drawing/2010/main" val="0"/>
+              </a:ext>
+            </a:extLst>
+          </a:blip>
+          <a:srcRect/>
+          <a:stretch>
+            <a:fillRect/>
+          </a:stretch>
+        </p:blipFill>
+        <p:spPr bwMode="auto">
+          <a:xfrm>
+            <a:off x="1043608" y="3861048"/>
+            <a:ext cx="5410200" cy="1133475"/>
+          </a:xfrm>
+          <a:prstGeom prst="rect">
+            <a:avLst/>
+          </a:prstGeom>
+          <a:noFill/>
+          <a:ln>
+            <a:noFill/>
+          </a:ln>
+          <a:extLst>
+            <a:ext uri="{909E8E84-426E-40DD-AFC4-6F175D3DCCD1}">
+              <a14:hiddenFill xmlns:a14="http://schemas.microsoft.com/office/drawing/2010/main">
+                <a:solidFill>
+                  <a:schemeClr val="accent1"/>
+                </a:solidFill>
+              </a14:hiddenFill>
+            </a:ext>
+            <a:ext uri="{91240B29-F687-4F45-9708-019B960494DF}">
+              <a14:hiddenLine xmlns:a14="http://schemas.microsoft.com/office/drawing/2010/main" w="9525">
+                <a:solidFill>
+                  <a:schemeClr val="tx1"/>
+                </a:solidFill>
+                <a:miter lim="800000"/>
+                <a:headEnd/>
+                <a:tailEnd/>
+              </a14:hiddenLine>
+            </a:ext>
+          </a:extLst>
+        </p:spPr>
+      </p:pic>
     </p:spTree>
     <p:extLst>
       <p:ext uri="{BB962C8B-B14F-4D97-AF65-F5344CB8AC3E}">
-        <p14:creationId xmlns:p14="http://schemas.microsoft.com/office/powerpoint/2010/main" val="2250921310"/>
+        <p14:creationId xmlns:p14="http://schemas.microsoft.com/office/powerpoint/2010/main" val="506101935"/>
       </p:ext>
     </p:extLst>
   </p:cSld>
@@ -4233,7 +4293,11 @@
           <a:p>
             <a:r>
               <a:rPr lang="en-US" dirty="0" smtClean="0"/>
-              <a:t>AngularJS Testability</a:t>
+              <a:t>AngularJS </a:t>
+            </a:r>
+            <a:r>
+              <a:rPr lang="en-US" dirty="0" smtClean="0"/>
+              <a:t>Scope</a:t>
             </a:r>
             <a:endParaRPr lang="en-US" dirty="0"/>
           </a:p>
@@ -4430,211 +4494,191 @@
           </a:lstStyle>
           <a:p>
             <a:r>
+              <a:rPr lang="en-GB" sz="1600" dirty="0"/>
+              <a:t>Scope is a special </a:t>
+            </a:r>
+            <a:r>
               <a:rPr lang="en-GB" sz="1600" dirty="0" smtClean="0"/>
-              <a:t>AngularJS has </a:t>
+              <a:t>JavaScript </a:t>
             </a:r>
             <a:r>
               <a:rPr lang="en-GB" sz="1600" dirty="0"/>
-              <a:t>an integrated dependency injection framework, provides mocks for many heavy dependencies (server-side communication) </a:t>
+              <a:t>object which plays the role of joining controller with the views. </a:t>
             </a:r>
             <a:endParaRPr lang="en-GB" sz="1600" dirty="0" smtClean="0"/>
           </a:p>
           <a:p>
             <a:r>
+              <a:rPr lang="en-GB" sz="1600" dirty="0" smtClean="0"/>
+              <a:t>Scope </a:t>
+            </a:r>
+            <a:r>
+              <a:rPr lang="en-GB" sz="1600" dirty="0"/>
+              <a:t>contains the model data. In controllers, model data is accessed via </a:t>
+            </a:r>
+            <a:r>
+              <a:rPr lang="en-GB" sz="1600" b="1" dirty="0">
+                <a:solidFill>
+                  <a:srgbClr val="00B050"/>
+                </a:solidFill>
+              </a:rPr>
+              <a:t>$scope </a:t>
+            </a:r>
+            <a:r>
+              <a:rPr lang="en-GB" sz="1600" dirty="0" smtClean="0"/>
+              <a:t>object</a:t>
+            </a:r>
+          </a:p>
+          <a:p>
+            <a:r>
+              <a:rPr lang="en-US" sz="1600" b="1" dirty="0" smtClean="0"/>
+              <a:t>Sample controller:</a:t>
+            </a:r>
+          </a:p>
+          <a:p>
+            <a:endParaRPr lang="en-US" sz="1600" dirty="0"/>
+          </a:p>
+          <a:p>
+            <a:endParaRPr lang="en-US" sz="1600" dirty="0" smtClean="0"/>
+          </a:p>
+          <a:p>
+            <a:endParaRPr lang="en-US" sz="1400" dirty="0" smtClean="0"/>
+          </a:p>
+          <a:p>
+            <a:pPr lvl="1"/>
+            <a:endParaRPr lang="en-US" sz="1400" dirty="0" smtClean="0"/>
+          </a:p>
+          <a:p>
+            <a:pPr lvl="1"/>
+            <a:endParaRPr lang="en-US" sz="1400" dirty="0"/>
+          </a:p>
+          <a:p>
+            <a:pPr lvl="1"/>
+            <a:endParaRPr lang="en-US" sz="1400" dirty="0" smtClean="0"/>
+          </a:p>
+          <a:p>
+            <a:pPr lvl="1"/>
+            <a:r>
+              <a:rPr lang="en-GB" sz="1400" dirty="0"/>
+              <a:t>$scope is passed as first argument to controller during its constructor </a:t>
+            </a:r>
+            <a:r>
+              <a:rPr lang="en-GB" sz="1400" dirty="0" smtClean="0"/>
+              <a:t>definition</a:t>
+            </a:r>
+          </a:p>
+          <a:p>
+            <a:pPr lvl="1"/>
+            <a:r>
+              <a:rPr lang="en-GB" sz="1400" dirty="0"/>
+              <a:t>$scope.message and $scope.type are the models which are to be used in the HTML </a:t>
+            </a:r>
+            <a:r>
+              <a:rPr lang="en-GB" sz="1400" dirty="0" smtClean="0"/>
+              <a:t>page</a:t>
+            </a:r>
+          </a:p>
+          <a:p>
+            <a:pPr lvl="1"/>
+            <a:r>
+              <a:rPr lang="en-GB" sz="1400" dirty="0"/>
+              <a:t>We've set values to models which will be reflected in the application module whose controller is </a:t>
+            </a:r>
+            <a:r>
+              <a:rPr lang="en-GB" sz="1400" dirty="0" smtClean="0"/>
+              <a:t>shapeController</a:t>
+            </a:r>
+          </a:p>
+          <a:p>
+            <a:pPr lvl="1"/>
+            <a:r>
+              <a:rPr lang="en-GB" sz="1400" dirty="0"/>
+              <a:t>We can define functions as well in $</a:t>
+            </a:r>
+            <a:r>
+              <a:rPr lang="en-GB" sz="1400" dirty="0" smtClean="0"/>
+              <a:t>scope</a:t>
+            </a:r>
+            <a:endParaRPr lang="en-GB" sz="1400" dirty="0"/>
+          </a:p>
+          <a:p>
+            <a:r>
               <a:rPr lang="en-GB" sz="1600" b="1" dirty="0" smtClean="0"/>
-              <a:t>ngMock: </a:t>
+              <a:t>Scope Inheritance:</a:t>
+            </a:r>
+            <a:r>
+              <a:rPr lang="en-GB" sz="1600" dirty="0" smtClean="0"/>
+              <a:t> </a:t>
             </a:r>
             <a:r>
               <a:rPr lang="en-GB" sz="1600" dirty="0"/>
-              <a:t>module provides support to inject and mock Angular services into unit tests. In addition, ngMock also extends various core ng services such that they can be inspected and controlled in a synchronous manner within test </a:t>
+              <a:t>Scope are controllers specific. If we defines nested controllers then child controller will inherit the scope of its parent </a:t>
             </a:r>
             <a:r>
               <a:rPr lang="en-GB" sz="1600" dirty="0" smtClean="0"/>
-              <a:t>code</a:t>
-            </a:r>
-          </a:p>
-          <a:p>
-            <a:r>
-              <a:rPr lang="en-GB" sz="1600" b="1" dirty="0" smtClean="0"/>
-              <a:t>angular.mock: </a:t>
-            </a:r>
-            <a:r>
-              <a:rPr lang="en-GB" sz="1600" dirty="0"/>
-              <a:t>Namespace from 'angular-mocks.js' which contains testing related </a:t>
-            </a:r>
-            <a:r>
-              <a:rPr lang="en-GB" sz="1600" dirty="0" smtClean="0"/>
-              <a:t>code</a:t>
-            </a:r>
-          </a:p>
-          <a:p>
-            <a:r>
-              <a:rPr lang="en-GB" sz="1600" b="1" dirty="0"/>
-              <a:t>Jasmine: </a:t>
-            </a:r>
-            <a:r>
-              <a:rPr lang="en-GB" sz="1600" dirty="0"/>
-              <a:t>Jasmine is a behavior-driven development framework for testing JavaScript code. It does not depend on any other JavaScript frameworks. It does not require a </a:t>
-            </a:r>
-            <a:r>
-              <a:rPr lang="en-GB" sz="1600" dirty="0" smtClean="0"/>
-              <a:t>DOM</a:t>
-            </a:r>
-            <a:endParaRPr lang="en-GB" sz="1600" dirty="0"/>
-          </a:p>
-          <a:p>
-            <a:pPr lvl="1"/>
-            <a:r>
-              <a:rPr lang="en-GB" sz="1200" dirty="0" smtClean="0"/>
-              <a:t>describe – Global Jasmine function with two parameters: a string and a function</a:t>
-            </a:r>
-          </a:p>
-          <a:p>
-            <a:pPr lvl="1"/>
-            <a:r>
-              <a:rPr lang="en-GB" sz="1200" dirty="0" smtClean="0"/>
-              <a:t>Matchers – Each matcher implements a boolean comparison between actual and expected value</a:t>
-            </a:r>
-          </a:p>
-          <a:p>
-            <a:pPr lvl="2"/>
-            <a:r>
-              <a:rPr lang="en-US" sz="1200" dirty="0"/>
-              <a:t>expect(a).toBe(b);</a:t>
-            </a:r>
-            <a:r>
-              <a:rPr lang="en-US" sz="1200" dirty="0"/>
-              <a:t> </a:t>
-            </a:r>
-            <a:r>
-              <a:rPr lang="en-US" sz="1200" dirty="0"/>
-              <a:t>expect(a).not.toBe(</a:t>
-            </a:r>
-            <a:r>
-              <a:rPr lang="en-US" sz="1200" b="1" dirty="0"/>
-              <a:t>null</a:t>
-            </a:r>
-            <a:r>
-              <a:rPr lang="en-US" sz="1200" dirty="0" smtClean="0"/>
-              <a:t>);</a:t>
-            </a:r>
-          </a:p>
-          <a:p>
-            <a:pPr lvl="1"/>
-            <a:r>
-              <a:rPr lang="en-US" sz="1200" dirty="0"/>
-              <a:t>Jasmine unit test are run with </a:t>
-            </a:r>
-            <a:r>
-              <a:rPr lang="en-US" sz="1200" b="1" dirty="0">
-                <a:solidFill>
-                  <a:srgbClr val="00B050"/>
-                </a:solidFill>
-              </a:rPr>
-              <a:t>Karma Test </a:t>
-            </a:r>
-            <a:r>
-              <a:rPr lang="en-US" sz="1200" b="1" dirty="0" smtClean="0">
-                <a:solidFill>
-                  <a:srgbClr val="00B050"/>
-                </a:solidFill>
-              </a:rPr>
-              <a:t>Runner</a:t>
-            </a:r>
-          </a:p>
-          <a:p>
-            <a:pPr lvl="1"/>
-            <a:r>
-              <a:rPr lang="en-US" sz="1200" dirty="0" smtClean="0"/>
-              <a:t>Jasmine end to end tests are run with </a:t>
-            </a:r>
-            <a:r>
-              <a:rPr lang="en-US" sz="1200" b="1" dirty="0" smtClean="0">
-                <a:solidFill>
-                  <a:srgbClr val="00B050"/>
-                </a:solidFill>
-              </a:rPr>
-              <a:t>Protracter End-to-End test runner</a:t>
-            </a:r>
-          </a:p>
-          <a:p>
-            <a:pPr lvl="1"/>
-            <a:r>
-              <a:rPr lang="en-US" sz="1200" dirty="0" smtClean="0"/>
-              <a:t>Web driver is required to </a:t>
-            </a:r>
-            <a:r>
-              <a:rPr lang="en-US" sz="1200" dirty="0"/>
-              <a:t>execute the </a:t>
-            </a:r>
-            <a:r>
-              <a:rPr lang="en-US" sz="1200" dirty="0" smtClean="0"/>
-              <a:t>Protracter script : </a:t>
-            </a:r>
-            <a:r>
-              <a:rPr lang="en-US" sz="1200" b="1" dirty="0" smtClean="0">
-                <a:solidFill>
-                  <a:srgbClr val="00B050"/>
-                </a:solidFill>
-              </a:rPr>
-              <a:t>npm </a:t>
-            </a:r>
-            <a:r>
-              <a:rPr lang="en-US" sz="1200" b="1" dirty="0">
-                <a:solidFill>
-                  <a:srgbClr val="00B050"/>
-                </a:solidFill>
-              </a:rPr>
-              <a:t>run </a:t>
-            </a:r>
-            <a:r>
-              <a:rPr lang="en-US" sz="1200" b="1" dirty="0" smtClean="0">
-                <a:solidFill>
-                  <a:srgbClr val="00B050"/>
-                </a:solidFill>
-              </a:rPr>
-              <a:t>update-</a:t>
-            </a:r>
-            <a:r>
-              <a:rPr lang="en-US" sz="1200" b="1" dirty="0" err="1" smtClean="0">
-                <a:solidFill>
-                  <a:srgbClr val="00B050"/>
-                </a:solidFill>
-              </a:rPr>
-              <a:t>webdriver</a:t>
-            </a:r>
-            <a:endParaRPr lang="en-US" sz="1200" b="1" dirty="0" smtClean="0">
-              <a:solidFill>
-                <a:srgbClr val="00B050"/>
-              </a:solidFill>
-            </a:endParaRPr>
-          </a:p>
-          <a:p>
-            <a:pPr lvl="1"/>
-            <a:r>
-              <a:rPr lang="en-US" sz="1200" dirty="0"/>
-              <a:t>Run the Protracter test : </a:t>
-            </a:r>
-            <a:r>
-              <a:rPr lang="en-US" sz="1200" b="1" dirty="0">
-                <a:solidFill>
-                  <a:srgbClr val="00B050"/>
-                </a:solidFill>
-              </a:rPr>
-              <a:t>npm run protractor</a:t>
-            </a:r>
-            <a:endParaRPr lang="en-GB" sz="1200" b="1" dirty="0">
-              <a:solidFill>
-                <a:srgbClr val="00B050"/>
-              </a:solidFill>
-            </a:endParaRPr>
+              <a:t>controller </a:t>
+            </a:r>
           </a:p>
         </p:txBody>
       </p:sp>
+      <p:pic>
+        <p:nvPicPr>
+          <p:cNvPr id="2050" name="Picture 2"/>
+          <p:cNvPicPr>
+            <a:picLocks noChangeAspect="1" noChangeArrowheads="1"/>
+          </p:cNvPicPr>
+          <p:nvPr/>
+        </p:nvPicPr>
+        <p:blipFill>
+          <a:blip r:embed="rId2">
+            <a:extLst>
+              <a:ext uri="{28A0092B-C50C-407E-A947-70E740481C1C}">
+                <a14:useLocalDpi xmlns:a14="http://schemas.microsoft.com/office/drawing/2010/main" val="0"/>
+              </a:ext>
+            </a:extLst>
+          </a:blip>
+          <a:srcRect/>
+          <a:stretch>
+            <a:fillRect/>
+          </a:stretch>
+        </p:blipFill>
+        <p:spPr bwMode="auto">
+          <a:xfrm>
+            <a:off x="1403648" y="3068960"/>
+            <a:ext cx="4133850" cy="1438275"/>
+          </a:xfrm>
+          <a:prstGeom prst="rect">
+            <a:avLst/>
+          </a:prstGeom>
+          <a:noFill/>
+          <a:ln>
+            <a:noFill/>
+          </a:ln>
+          <a:extLst>
+            <a:ext uri="{909E8E84-426E-40DD-AFC4-6F175D3DCCD1}">
+              <a14:hiddenFill xmlns:a14="http://schemas.microsoft.com/office/drawing/2010/main">
+                <a:solidFill>
+                  <a:schemeClr val="accent1"/>
+                </a:solidFill>
+              </a14:hiddenFill>
+            </a:ext>
+            <a:ext uri="{91240B29-F687-4F45-9708-019B960494DF}">
+              <a14:hiddenLine xmlns:a14="http://schemas.microsoft.com/office/drawing/2010/main" w="9525">
+                <a:solidFill>
+                  <a:schemeClr val="tx1"/>
+                </a:solidFill>
+                <a:miter lim="800000"/>
+                <a:headEnd/>
+                <a:tailEnd/>
+              </a14:hiddenLine>
+            </a:ext>
+          </a:extLst>
+        </p:spPr>
+      </p:pic>
     </p:spTree>
     <p:extLst>
       <p:ext uri="{BB962C8B-B14F-4D97-AF65-F5344CB8AC3E}">
-        <p14:creationId xmlns:p14="http://schemas.microsoft.com/office/powerpoint/2010/main" val="2505645077"/>
+        <p14:creationId xmlns:p14="http://schemas.microsoft.com/office/powerpoint/2010/main" val="3802558768"/>
       </p:ext>
     </p:extLst>
   </p:cSld>
@@ -4685,7 +4729,11 @@
           <a:p>
             <a:r>
               <a:rPr lang="en-US" dirty="0" smtClean="0"/>
-              <a:t>JQuery</a:t>
+              <a:t>AngularJS </a:t>
+            </a:r>
+            <a:r>
+              <a:rPr lang="en-US" dirty="0" smtClean="0"/>
+              <a:t>Services</a:t>
             </a:r>
             <a:endParaRPr lang="en-US" dirty="0"/>
           </a:p>
@@ -4882,96 +4930,197 @@
           </a:lstStyle>
           <a:p>
             <a:r>
+              <a:rPr lang="en-GB" sz="1600" dirty="0"/>
+              <a:t>AngularJS supports the concepts of "Separation of Concerns" using services </a:t>
+            </a:r>
+            <a:r>
               <a:rPr lang="en-GB" sz="1600" dirty="0" smtClean="0"/>
-              <a:t>AngularJS can </a:t>
-            </a:r>
+              <a:t>architecture</a:t>
+            </a:r>
+          </a:p>
+          <a:p>
             <a:r>
               <a:rPr lang="en-GB" sz="1600" dirty="0"/>
-              <a:t>use </a:t>
-            </a:r>
-            <a:r>
-              <a:rPr lang="en-GB" sz="1600" dirty="0">
+              <a:t>Services are </a:t>
+            </a:r>
+            <a:r>
+              <a:rPr lang="en-GB" sz="1600" dirty="0" smtClean="0"/>
+              <a:t>JavaScript </a:t>
+            </a:r>
+            <a:r>
+              <a:rPr lang="en-GB" sz="1600" dirty="0"/>
+              <a:t>functions and are responsible to do a specific tasks </a:t>
+            </a:r>
+            <a:r>
+              <a:rPr lang="en-GB" sz="1600" dirty="0" smtClean="0"/>
+              <a:t>only. Controllers</a:t>
+            </a:r>
+            <a:r>
+              <a:rPr lang="en-GB" sz="1600" dirty="0"/>
+              <a:t>, filters can call them as on requirement basis. Services are normally injected using dependency injection mechanism of </a:t>
+            </a:r>
+            <a:r>
+              <a:rPr lang="en-GB" sz="1600" dirty="0" smtClean="0"/>
+              <a:t>AngularJS</a:t>
+            </a:r>
+          </a:p>
+          <a:p>
+            <a:r>
+              <a:rPr lang="en-GB" sz="1600" dirty="0" smtClean="0"/>
+              <a:t>Sample built-in services include </a:t>
+            </a:r>
+            <a:r>
+              <a:rPr lang="en-GB" sz="1600" b="1" dirty="0" smtClean="0">
+                <a:solidFill>
+                  <a:srgbClr val="00B050"/>
+                </a:solidFill>
+              </a:rPr>
+              <a:t>$http, $route, $window, $location </a:t>
+            </a:r>
+            <a:r>
+              <a:rPr lang="en-GB" sz="1600" dirty="0" smtClean="0"/>
+              <a:t>etc.</a:t>
+            </a:r>
+          </a:p>
+          <a:p>
+            <a:r>
+              <a:rPr lang="en-GB" sz="1600" dirty="0" smtClean="0"/>
+              <a:t>There are two ways to create service:-</a:t>
+            </a:r>
+          </a:p>
+          <a:p>
+            <a:pPr lvl="1"/>
+            <a:r>
+              <a:rPr lang="en-GB" sz="1400" dirty="0" smtClean="0"/>
+              <a:t>factory - </a:t>
+            </a:r>
+            <a:r>
+              <a:rPr lang="en-US" sz="1400" dirty="0"/>
+              <a:t>module.factory( '</a:t>
+            </a:r>
+            <a:r>
+              <a:rPr lang="en-US" sz="1400" dirty="0" err="1"/>
+              <a:t>factoryName</a:t>
+            </a:r>
+            <a:r>
+              <a:rPr lang="en-US" sz="1400" dirty="0"/>
+              <a:t>', function </a:t>
+            </a:r>
+            <a:r>
+              <a:rPr lang="en-US" sz="1400" dirty="0" smtClean="0"/>
+              <a:t>);	- </a:t>
+            </a:r>
+            <a:r>
+              <a:rPr lang="en-GB" sz="1400" dirty="0"/>
+              <a:t>When you’re using a </a:t>
+            </a:r>
+            <a:r>
+              <a:rPr lang="en-GB" sz="1400" b="1" dirty="0"/>
+              <a:t>Factory</a:t>
+            </a:r>
+            <a:r>
+              <a:rPr lang="en-GB" sz="1400" dirty="0"/>
+              <a:t> you create an object, add properties to it, then return that same object. When you pass this service into your controller, those properties on the object will now be available in that controller through your </a:t>
+            </a:r>
+            <a:r>
+              <a:rPr lang="en-GB" sz="1400" dirty="0" smtClean="0"/>
+              <a:t>factory</a:t>
+            </a:r>
+          </a:p>
+          <a:p>
+            <a:pPr lvl="1"/>
+            <a:r>
+              <a:rPr lang="en-GB" sz="1400" dirty="0" smtClean="0"/>
+              <a:t>service - </a:t>
+            </a:r>
+            <a:r>
+              <a:rPr lang="en-US" sz="1400" dirty="0"/>
+              <a:t>module.service( '</a:t>
+            </a:r>
+            <a:r>
+              <a:rPr lang="en-US" sz="1400" dirty="0" err="1"/>
+              <a:t>serviceName</a:t>
+            </a:r>
+            <a:r>
+              <a:rPr lang="en-US" sz="1400" dirty="0"/>
+              <a:t>', function </a:t>
+            </a:r>
+            <a:r>
+              <a:rPr lang="en-US" sz="1400" dirty="0" smtClean="0"/>
+              <a:t>);	- </a:t>
+            </a:r>
+            <a:r>
+              <a:rPr lang="en-GB" sz="1400" dirty="0"/>
+              <a:t>When you’re using </a:t>
+            </a:r>
+            <a:r>
+              <a:rPr lang="en-GB" sz="1400" b="1" dirty="0"/>
+              <a:t>Service</a:t>
+            </a:r>
+            <a:r>
+              <a:rPr lang="en-GB" sz="1400" dirty="0"/>
+              <a:t>, it’s instantiated with the ‘new’ keyword. Because of that, you’ll add properties to ‘this’ and the service will return ‘this’. When you pass the service into your controller, those properties on ‘this’ will now be available on that controller through your service</a:t>
+            </a:r>
+            <a:r>
+              <a:rPr lang="en-GB" sz="1400" dirty="0" smtClean="0"/>
+              <a:t>.</a:t>
+            </a:r>
+          </a:p>
+          <a:p>
+            <a:pPr lvl="1"/>
+            <a:r>
+              <a:rPr lang="en-GB" sz="1400" dirty="0">
                 <a:hlinkClick r:id="rId2"/>
               </a:rPr>
-              <a:t>jQuery</a:t>
+              <a:t>http://tylermcginnis.com/angularjs-factory-vs-service-vs-provider</a:t>
+            </a:r>
+            <a:r>
+              <a:rPr lang="en-GB" sz="1400" dirty="0" smtClean="0">
+                <a:hlinkClick r:id="rId2"/>
+              </a:rPr>
+              <a:t>/</a:t>
+            </a:r>
+            <a:endParaRPr lang="en-GB" sz="1400" dirty="0" smtClean="0"/>
+          </a:p>
+          <a:p>
+            <a:r>
+              <a:rPr lang="en-GB" sz="1600" dirty="0" smtClean="0"/>
+              <a:t>AngularJS services are </a:t>
+            </a:r>
+            <a:r>
+              <a:rPr lang="en-GB" sz="1600" b="1" dirty="0" smtClean="0">
+                <a:solidFill>
+                  <a:srgbClr val="00B050"/>
+                </a:solidFill>
+              </a:rPr>
+              <a:t>singleton</a:t>
+            </a:r>
+          </a:p>
+          <a:p>
+            <a:r>
+              <a:rPr lang="en-GB" sz="1600" b="1" dirty="0" smtClean="0"/>
+              <a:t>Providers</a:t>
             </a:r>
             <a:r>
               <a:rPr lang="en-GB" sz="1600" dirty="0"/>
-              <a:t> if it's present in your app when the application is being bootstrapped. If jQuery is not present in your script path, Angular falls back to its own implementation of the subset of jQuery that we call </a:t>
-            </a:r>
-            <a:r>
-              <a:rPr lang="en-GB" sz="1600" dirty="0" smtClean="0">
-                <a:hlinkClick r:id="rId3"/>
-              </a:rPr>
-              <a:t>jQLite</a:t>
+              <a:t> are the only service you can pass into your .</a:t>
+            </a:r>
+            <a:r>
+              <a:rPr lang="en-GB" sz="1600" dirty="0" err="1"/>
+              <a:t>config</a:t>
+            </a:r>
+            <a:r>
+              <a:rPr lang="en-GB" sz="1600" dirty="0"/>
+              <a:t>() function</a:t>
             </a:r>
             <a:endParaRPr lang="en-GB" sz="1600" dirty="0" smtClean="0"/>
-          </a:p>
-          <a:p>
-            <a:r>
-              <a:rPr lang="en-GB" sz="1600" b="1" dirty="0"/>
-              <a:t>jqLite</a:t>
-            </a:r>
-            <a:r>
-              <a:rPr lang="en-GB" sz="1600" dirty="0"/>
-              <a:t> is a tiny, API-compatible subset of jQuery that allows Angular to manipulate the DOM in a cross-browser compatible way. jqLite implements only the most commonly needed functionality with the goal of having a very small </a:t>
-            </a:r>
-            <a:r>
-              <a:rPr lang="en-GB" sz="1600" dirty="0" smtClean="0"/>
-              <a:t>footprint</a:t>
-            </a:r>
-          </a:p>
-          <a:p>
-            <a:r>
-              <a:rPr lang="en-GB" sz="1600" dirty="0"/>
-              <a:t>To use jQuery, simply ensure it is loaded before the angular.js file. You can also use the </a:t>
-            </a:r>
-            <a:r>
-              <a:rPr lang="en-GB" sz="1600" dirty="0">
-                <a:hlinkClick r:id="rId4"/>
-              </a:rPr>
-              <a:t>ngJq</a:t>
-            </a:r>
-            <a:r>
-              <a:rPr lang="en-GB" sz="1600" dirty="0"/>
-              <a:t> directive to specify that jqlite should be used over jQuery, or to use a specific version of jQuery if multiple versions exist on the </a:t>
-            </a:r>
-            <a:r>
-              <a:rPr lang="en-GB" sz="1600" dirty="0" smtClean="0"/>
-              <a:t>page</a:t>
-            </a:r>
-          </a:p>
-          <a:p>
-            <a:r>
-              <a:rPr lang="en-GB" sz="1600" dirty="0"/>
-              <a:t>If jQuery is available, angular.element is an alias for the </a:t>
-            </a:r>
-            <a:r>
-              <a:rPr lang="en-GB" sz="1600" dirty="0">
-                <a:hlinkClick r:id="rId5"/>
-              </a:rPr>
-              <a:t>jQuery</a:t>
-            </a:r>
-            <a:r>
-              <a:rPr lang="en-GB" sz="1600" dirty="0"/>
-              <a:t> function. If jQuery is not available, angular.element delegates to Angular's built-in subset of jQuery, called "jQuery lite" or </a:t>
-            </a:r>
-            <a:r>
-              <a:rPr lang="en-GB" sz="1600" b="1" dirty="0"/>
-              <a:t>jqLite</a:t>
-            </a:r>
-            <a:r>
-              <a:rPr lang="en-GB" sz="1600" dirty="0"/>
-              <a:t>.</a:t>
-            </a:r>
-            <a:endParaRPr lang="en-GB" sz="1600" b="1" dirty="0" smtClean="0"/>
           </a:p>
         </p:txBody>
       </p:sp>
     </p:spTree>
     <p:extLst>
       <p:ext uri="{BB962C8B-B14F-4D97-AF65-F5344CB8AC3E}">
-        <p14:creationId xmlns:p14="http://schemas.microsoft.com/office/powerpoint/2010/main" val="1507745833"/>
+        <p14:creationId xmlns:p14="http://schemas.microsoft.com/office/powerpoint/2010/main" val="2970492343"/>
       </p:ext>
     </p:extLst>
   </p:cSld>
@@ -5022,7 +5171,11 @@
           <a:p>
             <a:r>
               <a:rPr lang="en-US" dirty="0" smtClean="0"/>
-              <a:t>Best Practices</a:t>
+              <a:t>AngularJS </a:t>
+            </a:r>
+            <a:r>
+              <a:rPr lang="en-US" dirty="0" smtClean="0"/>
+              <a:t>Filter</a:t>
             </a:r>
             <a:endParaRPr lang="en-US" dirty="0"/>
           </a:p>
@@ -5219,111 +5372,115 @@
           </a:lstStyle>
           <a:p>
             <a:r>
-              <a:rPr lang="en-GB" sz="1600" b="1" dirty="0" smtClean="0"/>
-              <a:t>Namespace</a:t>
+              <a:rPr lang="en-GB" sz="1600" dirty="0"/>
+              <a:t>AngularJS </a:t>
             </a:r>
             <a:r>
               <a:rPr lang="en-GB" sz="1600" dirty="0" smtClean="0"/>
-              <a:t> distributed code – OpenSource code should be name spaced</a:t>
-            </a:r>
-          </a:p>
-          <a:p>
+              <a:t>filters are used to </a:t>
+            </a:r>
+            <a:r>
+              <a:rPr lang="en-GB" sz="1600" dirty="0"/>
+              <a:t>change modify the data and can be clubbed in expression or directives using pipe </a:t>
+            </a:r>
             <a:r>
               <a:rPr lang="en-GB" sz="1600" dirty="0" smtClean="0"/>
-              <a:t>Only use .$broadcast(), .$emit(), and .$on() for atomic events</a:t>
-            </a:r>
-          </a:p>
-          <a:p>
-            <a:r>
-              <a:rPr lang="en-GB" sz="1600" dirty="0" smtClean="0"/>
-              <a:t>Always let users use </a:t>
-            </a:r>
-            <a:r>
-              <a:rPr lang="en-GB" sz="1600" b="1" dirty="0" smtClean="0"/>
-              <a:t>expressions</a:t>
-            </a:r>
-            <a:r>
-              <a:rPr lang="en-GB" sz="1600" dirty="0" smtClean="0"/>
-              <a:t> “{{}}” whenever possible</a:t>
-            </a:r>
-          </a:p>
-          <a:p>
-            <a:r>
-              <a:rPr lang="en-GB" sz="1600" dirty="0" smtClean="0"/>
-              <a:t>Extend directives by using </a:t>
-            </a:r>
-            <a:r>
-              <a:rPr lang="en-GB" sz="1600" b="1" dirty="0" smtClean="0"/>
-              <a:t>Directive Controllers</a:t>
-            </a:r>
-          </a:p>
-          <a:p>
-            <a:r>
-              <a:rPr lang="en-GB" sz="1600" dirty="0" smtClean="0"/>
-              <a:t>Add </a:t>
-            </a:r>
-            <a:r>
-              <a:rPr lang="en-GB" sz="1600" b="1" dirty="0" smtClean="0"/>
-              <a:t>teardown code to controllers and directives </a:t>
-            </a:r>
-            <a:r>
-              <a:rPr lang="en-GB" sz="1600" dirty="0" smtClean="0"/>
-              <a:t>- Controllers </a:t>
-            </a:r>
-            <a:r>
-              <a:rPr lang="en-GB" sz="1600" dirty="0"/>
-              <a:t>and </a:t>
-            </a:r>
-            <a:r>
-              <a:rPr lang="en-GB" sz="1600" dirty="0" smtClean="0"/>
-              <a:t>directives emit an event right before they are destroyed. You can perform the garbage collection there.</a:t>
-            </a:r>
-          </a:p>
-          <a:p>
-            <a:r>
-              <a:rPr lang="en-GB" sz="1600" dirty="0" smtClean="0"/>
-              <a:t>Leverage </a:t>
-            </a:r>
-            <a:r>
-              <a:rPr lang="en-GB" sz="1600" b="1" dirty="0" smtClean="0"/>
-              <a:t>modules</a:t>
-            </a:r>
-            <a:r>
-              <a:rPr lang="en-GB" sz="1600" dirty="0" smtClean="0"/>
-              <a:t> properly – Group your code into related bundles. This way if you remove a module, your app still works</a:t>
-            </a:r>
-          </a:p>
-          <a:p>
-            <a:r>
-              <a:rPr lang="en-GB" sz="1600" dirty="0" smtClean="0"/>
-              <a:t>Add </a:t>
-            </a:r>
-            <a:r>
-              <a:rPr lang="en-GB" sz="1600" b="1" dirty="0" smtClean="0"/>
-              <a:t>NPM</a:t>
-            </a:r>
-            <a:r>
-              <a:rPr lang="en-GB" sz="1600" dirty="0" smtClean="0"/>
-              <a:t> and </a:t>
-            </a:r>
-            <a:r>
-              <a:rPr lang="en-GB" sz="1600" b="1" dirty="0" smtClean="0"/>
-              <a:t>Bower</a:t>
-            </a:r>
-            <a:r>
-              <a:rPr lang="en-GB" sz="1600" dirty="0" smtClean="0"/>
-              <a:t> support</a:t>
-            </a:r>
-          </a:p>
-          <a:p>
-            <a:endParaRPr lang="en-GB" sz="1600" dirty="0" smtClean="0"/>
+              <a:t>character</a:t>
+            </a:r>
+          </a:p>
+          <a:p>
+            <a:pPr lvl="1">
+              <a:buFont typeface="Wingdings" panose="05000000000000000000" pitchFamily="2" charset="2"/>
+              <a:buChar char="Ø"/>
+            </a:pPr>
+            <a:r>
+              <a:rPr lang="en-GB" sz="1400" dirty="0" smtClean="0"/>
+              <a:t>uppercase - </a:t>
+            </a:r>
+            <a:r>
+              <a:rPr lang="en-GB" sz="1400" dirty="0"/>
+              <a:t>converts a text to upper case </a:t>
+            </a:r>
+            <a:r>
+              <a:rPr lang="en-GB" sz="1400" dirty="0" smtClean="0"/>
+              <a:t>text</a:t>
+            </a:r>
+          </a:p>
+          <a:p>
+            <a:pPr lvl="1">
+              <a:buFont typeface="Wingdings" panose="05000000000000000000" pitchFamily="2" charset="2"/>
+              <a:buChar char="Ø"/>
+            </a:pPr>
+            <a:r>
+              <a:rPr lang="en-GB" sz="1400" dirty="0" smtClean="0"/>
+              <a:t>lowercase - </a:t>
+            </a:r>
+            <a:r>
+              <a:rPr lang="en-GB" sz="1400" dirty="0"/>
+              <a:t>converts a text to lower case </a:t>
+            </a:r>
+            <a:r>
+              <a:rPr lang="en-GB" sz="1400" dirty="0" smtClean="0"/>
+              <a:t>text</a:t>
+            </a:r>
+          </a:p>
+          <a:p>
+            <a:pPr lvl="1">
+              <a:buFont typeface="Wingdings" panose="05000000000000000000" pitchFamily="2" charset="2"/>
+              <a:buChar char="Ø"/>
+            </a:pPr>
+            <a:r>
+              <a:rPr lang="en-GB" sz="1400" dirty="0" smtClean="0"/>
+              <a:t>currency - </a:t>
+            </a:r>
+            <a:r>
+              <a:rPr lang="en-GB" sz="1400" dirty="0"/>
+              <a:t>formats text in a currency </a:t>
+            </a:r>
+            <a:r>
+              <a:rPr lang="en-GB" sz="1400" dirty="0" smtClean="0"/>
+              <a:t>format</a:t>
+            </a:r>
+          </a:p>
+          <a:p>
+            <a:pPr lvl="1">
+              <a:buFont typeface="Wingdings" panose="05000000000000000000" pitchFamily="2" charset="2"/>
+              <a:buChar char="Ø"/>
+            </a:pPr>
+            <a:r>
+              <a:rPr lang="en-US" sz="1400" dirty="0" smtClean="0"/>
+              <a:t>filter - </a:t>
+            </a:r>
+            <a:r>
+              <a:rPr lang="en-GB" sz="1400" dirty="0"/>
+              <a:t>filter the array to a subset of it based on provided </a:t>
+            </a:r>
+            <a:r>
+              <a:rPr lang="en-GB" sz="1400" dirty="0" smtClean="0"/>
+              <a:t>criteria</a:t>
+            </a:r>
+          </a:p>
+          <a:p>
+            <a:pPr lvl="1">
+              <a:buFont typeface="Wingdings" panose="05000000000000000000" pitchFamily="2" charset="2"/>
+              <a:buChar char="Ø"/>
+            </a:pPr>
+            <a:r>
+              <a:rPr lang="en-US" sz="1400" dirty="0" smtClean="0"/>
+              <a:t>orderby - </a:t>
+            </a:r>
+            <a:r>
+              <a:rPr lang="en-GB" sz="1400" dirty="0"/>
+              <a:t>orders the array based on provided criteria</a:t>
+            </a:r>
+            <a:endParaRPr lang="en-GB" sz="1400" dirty="0" smtClean="0"/>
           </a:p>
         </p:txBody>
       </p:sp>
     </p:spTree>
     <p:extLst>
       <p:ext uri="{BB962C8B-B14F-4D97-AF65-F5344CB8AC3E}">
-        <p14:creationId xmlns:p14="http://schemas.microsoft.com/office/powerpoint/2010/main" val="1523614148"/>
+        <p14:creationId xmlns:p14="http://schemas.microsoft.com/office/powerpoint/2010/main" val="1416244511"/>
       </p:ext>
     </p:extLst>
   </p:cSld>
@@ -5374,7 +5531,11 @@
           <a:p>
             <a:r>
               <a:rPr lang="en-US" dirty="0" smtClean="0"/>
-              <a:t>References</a:t>
+              <a:t>AngularJS </a:t>
+            </a:r>
+            <a:r>
+              <a:rPr lang="en-US" dirty="0" smtClean="0"/>
+              <a:t>Table &amp; Include</a:t>
             </a:r>
             <a:endParaRPr lang="en-US" dirty="0"/>
           </a:p>
@@ -5382,119 +5543,2091 @@
       </p:sp>
       <p:sp>
         <p:nvSpPr>
-          <p:cNvPr id="3" name="Content Placeholder 2"/>
+          <p:cNvPr id="6" name="Content Placeholder 2"/>
+          <p:cNvSpPr txBox="1">
+            <a:spLocks/>
+          </p:cNvSpPr>
+          <p:nvPr/>
+        </p:nvSpPr>
+        <p:spPr>
+          <a:xfrm>
+            <a:off x="457200" y="1600200"/>
+            <a:ext cx="8229600" cy="4876800"/>
+          </a:xfrm>
+          <a:prstGeom prst="rect">
+            <a:avLst/>
+          </a:prstGeom>
+        </p:spPr>
+        <p:txBody>
+          <a:bodyPr vert="horz" lIns="91440" tIns="45720" rIns="91440" bIns="45720" rtlCol="0">
+            <a:normAutofit/>
+          </a:bodyPr>
+          <a:lstStyle>
+            <a:lvl1pPr marL="182880" indent="-182880" algn="l" defTabSz="914400" rtl="0" eaLnBrk="1" latinLnBrk="0" hangingPunct="1">
+              <a:spcBef>
+                <a:spcPct val="20000"/>
+              </a:spcBef>
+              <a:buClr>
+                <a:schemeClr val="accent1"/>
+              </a:buClr>
+              <a:buSzPct val="85000"/>
+              <a:buFont typeface="Arial" pitchFamily="34" charset="0"/>
+              <a:buChar char="•"/>
+              <a:defRPr sz="2400" kern="1200">
+                <a:solidFill>
+                  <a:schemeClr val="tx1"/>
+                </a:solidFill>
+                <a:latin typeface="+mn-lt"/>
+                <a:ea typeface="+mn-ea"/>
+                <a:cs typeface="+mn-cs"/>
+              </a:defRPr>
+            </a:lvl1pPr>
+            <a:lvl2pPr marL="457200" indent="-182880" algn="l" defTabSz="914400" rtl="0" eaLnBrk="1" latinLnBrk="0" hangingPunct="1">
+              <a:spcBef>
+                <a:spcPct val="20000"/>
+              </a:spcBef>
+              <a:buClr>
+                <a:schemeClr val="accent1"/>
+              </a:buClr>
+              <a:buSzPct val="85000"/>
+              <a:buFont typeface="Arial" pitchFamily="34" charset="0"/>
+              <a:buChar char="•"/>
+              <a:defRPr sz="2000" kern="1200">
+                <a:solidFill>
+                  <a:schemeClr val="tx1"/>
+                </a:solidFill>
+                <a:latin typeface="+mn-lt"/>
+                <a:ea typeface="+mn-ea"/>
+                <a:cs typeface="+mn-cs"/>
+              </a:defRPr>
+            </a:lvl2pPr>
+            <a:lvl3pPr marL="731520" indent="-182880" algn="l" defTabSz="914400" rtl="0" eaLnBrk="1" latinLnBrk="0" hangingPunct="1">
+              <a:spcBef>
+                <a:spcPct val="20000"/>
+              </a:spcBef>
+              <a:buClr>
+                <a:schemeClr val="accent1"/>
+              </a:buClr>
+              <a:buSzPct val="90000"/>
+              <a:buFont typeface="Arial" pitchFamily="34" charset="0"/>
+              <a:buChar char="•"/>
+              <a:defRPr sz="1800" kern="1200">
+                <a:solidFill>
+                  <a:schemeClr val="tx1"/>
+                </a:solidFill>
+                <a:latin typeface="+mn-lt"/>
+                <a:ea typeface="+mn-ea"/>
+                <a:cs typeface="+mn-cs"/>
+              </a:defRPr>
+            </a:lvl3pPr>
+            <a:lvl4pPr marL="1005840" indent="-182880" algn="l" defTabSz="914400" rtl="0" eaLnBrk="1" latinLnBrk="0" hangingPunct="1">
+              <a:spcBef>
+                <a:spcPct val="20000"/>
+              </a:spcBef>
+              <a:buClr>
+                <a:schemeClr val="accent1"/>
+              </a:buClr>
+              <a:buFont typeface="Arial" pitchFamily="34" charset="0"/>
+              <a:buChar char="•"/>
+              <a:defRPr sz="1600" kern="1200">
+                <a:solidFill>
+                  <a:schemeClr val="tx1"/>
+                </a:solidFill>
+                <a:latin typeface="+mn-lt"/>
+                <a:ea typeface="+mn-ea"/>
+                <a:cs typeface="+mn-cs"/>
+              </a:defRPr>
+            </a:lvl4pPr>
+            <a:lvl5pPr marL="1188720" indent="-137160" algn="l" defTabSz="914400" rtl="0" eaLnBrk="1" latinLnBrk="0" hangingPunct="1">
+              <a:spcBef>
+                <a:spcPct val="20000"/>
+              </a:spcBef>
+              <a:buClr>
+                <a:schemeClr val="accent1"/>
+              </a:buClr>
+              <a:buSzPct val="100000"/>
+              <a:buFont typeface="Arial" pitchFamily="34" charset="0"/>
+              <a:buChar char="•"/>
+              <a:defRPr sz="1400" kern="1200" baseline="0">
+                <a:solidFill>
+                  <a:schemeClr val="tx1"/>
+                </a:solidFill>
+                <a:latin typeface="+mn-lt"/>
+                <a:ea typeface="+mn-ea"/>
+                <a:cs typeface="+mn-cs"/>
+              </a:defRPr>
+            </a:lvl5pPr>
+            <a:lvl6pPr marL="1371600" indent="-182880" algn="l" defTabSz="914400" rtl="0" eaLnBrk="1" latinLnBrk="0" hangingPunct="1">
+              <a:spcBef>
+                <a:spcPct val="20000"/>
+              </a:spcBef>
+              <a:buClr>
+                <a:schemeClr val="accent1"/>
+              </a:buClr>
+              <a:buFont typeface="Arial" pitchFamily="34" charset="0"/>
+              <a:buChar char="•"/>
+              <a:defRPr sz="1300" kern="1200">
+                <a:solidFill>
+                  <a:schemeClr val="tx1"/>
+                </a:solidFill>
+                <a:latin typeface="+mn-lt"/>
+                <a:ea typeface="+mn-ea"/>
+                <a:cs typeface="+mn-cs"/>
+              </a:defRPr>
+            </a:lvl6pPr>
+            <a:lvl7pPr marL="1554480" indent="-182880" algn="l" defTabSz="914400" rtl="0" eaLnBrk="1" latinLnBrk="0" hangingPunct="1">
+              <a:spcBef>
+                <a:spcPct val="20000"/>
+              </a:spcBef>
+              <a:buClr>
+                <a:schemeClr val="accent1"/>
+              </a:buClr>
+              <a:buFont typeface="Arial" pitchFamily="34" charset="0"/>
+              <a:buChar char="•"/>
+              <a:defRPr sz="1300" kern="1200">
+                <a:solidFill>
+                  <a:schemeClr val="tx1"/>
+                </a:solidFill>
+                <a:latin typeface="+mn-lt"/>
+                <a:ea typeface="+mn-ea"/>
+                <a:cs typeface="+mn-cs"/>
+              </a:defRPr>
+            </a:lvl7pPr>
+            <a:lvl8pPr marL="1737360" indent="-182880" algn="l" defTabSz="914400" rtl="0" eaLnBrk="1" latinLnBrk="0" hangingPunct="1">
+              <a:spcBef>
+                <a:spcPct val="20000"/>
+              </a:spcBef>
+              <a:buClr>
+                <a:schemeClr val="accent1"/>
+              </a:buClr>
+              <a:buFont typeface="Arial" pitchFamily="34" charset="0"/>
+              <a:buChar char="•"/>
+              <a:defRPr sz="1300" kern="1200">
+                <a:solidFill>
+                  <a:schemeClr val="tx1"/>
+                </a:solidFill>
+                <a:latin typeface="+mn-lt"/>
+                <a:ea typeface="+mn-ea"/>
+                <a:cs typeface="+mn-cs"/>
+              </a:defRPr>
+            </a:lvl8pPr>
+            <a:lvl9pPr marL="1920240" indent="-182880" algn="l" defTabSz="914400" rtl="0" eaLnBrk="1" latinLnBrk="0" hangingPunct="1">
+              <a:spcBef>
+                <a:spcPct val="20000"/>
+              </a:spcBef>
+              <a:buClr>
+                <a:schemeClr val="accent1"/>
+              </a:buClr>
+              <a:buFont typeface="Arial" pitchFamily="34" charset="0"/>
+              <a:buChar char="•"/>
+              <a:defRPr sz="1300" kern="1200">
+                <a:solidFill>
+                  <a:schemeClr val="tx1"/>
+                </a:solidFill>
+                <a:latin typeface="+mn-lt"/>
+                <a:ea typeface="+mn-ea"/>
+                <a:cs typeface="+mn-cs"/>
+              </a:defRPr>
+            </a:lvl9pPr>
+          </a:lstStyle>
+          <a:p>
+            <a:r>
+              <a:rPr lang="en-US" sz="1600" b="1" dirty="0" smtClean="0"/>
+              <a:t>ng-repeat</a:t>
+            </a:r>
+            <a:r>
+              <a:rPr lang="en-US" sz="1600" dirty="0" smtClean="0"/>
+              <a:t> directive can be used to draw table easily</a:t>
+            </a:r>
+          </a:p>
+          <a:p>
+            <a:endParaRPr lang="en-US" sz="1600" dirty="0"/>
+          </a:p>
+          <a:p>
+            <a:endParaRPr lang="en-US" sz="1600" dirty="0" smtClean="0"/>
+          </a:p>
+          <a:p>
+            <a:endParaRPr lang="en-US" sz="1600" dirty="0"/>
+          </a:p>
+          <a:p>
+            <a:endParaRPr lang="en-US" sz="1600" dirty="0" smtClean="0"/>
+          </a:p>
+          <a:p>
+            <a:r>
+              <a:rPr lang="en-GB" sz="1600" dirty="0"/>
+              <a:t>HTML does not support embedding html pages within html page. </a:t>
+            </a:r>
+            <a:r>
+              <a:rPr lang="en-GB" sz="1600" dirty="0"/>
+              <a:t>To achieve this functionality following ways are </a:t>
+            </a:r>
+            <a:r>
+              <a:rPr lang="en-GB" sz="1600" dirty="0" smtClean="0"/>
+              <a:t>used:</a:t>
+            </a:r>
+          </a:p>
+          <a:p>
+            <a:pPr lvl="1">
+              <a:buFont typeface="Wingdings" panose="05000000000000000000" pitchFamily="2" charset="2"/>
+              <a:buChar char="Ø"/>
+            </a:pPr>
+            <a:r>
+              <a:rPr lang="en-GB" sz="1400" dirty="0" smtClean="0"/>
+              <a:t>Using AJAX </a:t>
+            </a:r>
+          </a:p>
+          <a:p>
+            <a:pPr lvl="1">
+              <a:buFont typeface="Wingdings" panose="05000000000000000000" pitchFamily="2" charset="2"/>
+              <a:buChar char="Ø"/>
+            </a:pPr>
+            <a:r>
+              <a:rPr lang="en-GB" sz="1400" dirty="0" smtClean="0"/>
+              <a:t>Using Server Side Includes</a:t>
+            </a:r>
+          </a:p>
+          <a:p>
+            <a:r>
+              <a:rPr lang="en-GB" sz="1600" b="1" dirty="0" smtClean="0"/>
+              <a:t>ng-include </a:t>
+            </a:r>
+            <a:r>
+              <a:rPr lang="en-GB" sz="1600" dirty="0" smtClean="0"/>
+              <a:t>can be used to embed HTML pages within a HTML page</a:t>
+            </a:r>
+          </a:p>
+          <a:p>
+            <a:endParaRPr lang="en-US" sz="1600" dirty="0"/>
+          </a:p>
+          <a:p>
+            <a:endParaRPr lang="en-US" sz="1600" dirty="0" smtClean="0"/>
+          </a:p>
+        </p:txBody>
+      </p:sp>
+      <p:pic>
+        <p:nvPicPr>
+          <p:cNvPr id="3074" name="Picture 2"/>
+          <p:cNvPicPr>
+            <a:picLocks noChangeAspect="1" noChangeArrowheads="1"/>
+          </p:cNvPicPr>
+          <p:nvPr/>
+        </p:nvPicPr>
+        <p:blipFill>
+          <a:blip r:embed="rId2">
+            <a:extLst>
+              <a:ext uri="{28A0092B-C50C-407E-A947-70E740481C1C}">
+                <a14:useLocalDpi xmlns:a14="http://schemas.microsoft.com/office/drawing/2010/main" val="0"/>
+              </a:ext>
+            </a:extLst>
+          </a:blip>
+          <a:srcRect/>
+          <a:stretch>
+            <a:fillRect/>
+          </a:stretch>
+        </p:blipFill>
+        <p:spPr bwMode="auto">
+          <a:xfrm>
+            <a:off x="827584" y="2132856"/>
+            <a:ext cx="3086100" cy="800100"/>
+          </a:xfrm>
+          <a:prstGeom prst="rect">
+            <a:avLst/>
+          </a:prstGeom>
+          <a:noFill/>
+          <a:ln>
+            <a:noFill/>
+          </a:ln>
+          <a:extLst>
+            <a:ext uri="{909E8E84-426E-40DD-AFC4-6F175D3DCCD1}">
+              <a14:hiddenFill xmlns:a14="http://schemas.microsoft.com/office/drawing/2010/main">
+                <a:solidFill>
+                  <a:schemeClr val="accent1"/>
+                </a:solidFill>
+              </a14:hiddenFill>
+            </a:ext>
+            <a:ext uri="{91240B29-F687-4F45-9708-019B960494DF}">
+              <a14:hiddenLine xmlns:a14="http://schemas.microsoft.com/office/drawing/2010/main" w="9525">
+                <a:solidFill>
+                  <a:schemeClr val="tx1"/>
+                </a:solidFill>
+                <a:miter lim="800000"/>
+                <a:headEnd/>
+                <a:tailEnd/>
+              </a14:hiddenLine>
+            </a:ext>
+          </a:extLst>
+        </p:spPr>
+      </p:pic>
+      <p:pic>
+        <p:nvPicPr>
+          <p:cNvPr id="3075" name="Picture 3"/>
+          <p:cNvPicPr>
+            <a:picLocks noChangeAspect="1" noChangeArrowheads="1"/>
+          </p:cNvPicPr>
+          <p:nvPr/>
+        </p:nvPicPr>
+        <p:blipFill>
+          <a:blip r:embed="rId3">
+            <a:extLst>
+              <a:ext uri="{28A0092B-C50C-407E-A947-70E740481C1C}">
+                <a14:useLocalDpi xmlns:a14="http://schemas.microsoft.com/office/drawing/2010/main" val="0"/>
+              </a:ext>
+            </a:extLst>
+          </a:blip>
+          <a:srcRect/>
+          <a:stretch>
+            <a:fillRect/>
+          </a:stretch>
+        </p:blipFill>
+        <p:spPr bwMode="auto">
+          <a:xfrm>
+            <a:off x="827584" y="4581128"/>
+            <a:ext cx="3552825" cy="771525"/>
+          </a:xfrm>
+          <a:prstGeom prst="rect">
+            <a:avLst/>
+          </a:prstGeom>
+          <a:noFill/>
+          <a:ln>
+            <a:noFill/>
+          </a:ln>
+          <a:extLst>
+            <a:ext uri="{909E8E84-426E-40DD-AFC4-6F175D3DCCD1}">
+              <a14:hiddenFill xmlns:a14="http://schemas.microsoft.com/office/drawing/2010/main">
+                <a:solidFill>
+                  <a:schemeClr val="accent1"/>
+                </a:solidFill>
+              </a14:hiddenFill>
+            </a:ext>
+            <a:ext uri="{91240B29-F687-4F45-9708-019B960494DF}">
+              <a14:hiddenLine xmlns:a14="http://schemas.microsoft.com/office/drawing/2010/main" w="9525">
+                <a:solidFill>
+                  <a:schemeClr val="tx1"/>
+                </a:solidFill>
+                <a:miter lim="800000"/>
+                <a:headEnd/>
+                <a:tailEnd/>
+              </a14:hiddenLine>
+            </a:ext>
+          </a:extLst>
+        </p:spPr>
+      </p:pic>
+    </p:spTree>
+    <p:extLst>
+      <p:ext uri="{BB962C8B-B14F-4D97-AF65-F5344CB8AC3E}">
+        <p14:creationId xmlns:p14="http://schemas.microsoft.com/office/powerpoint/2010/main" val="2764337699"/>
+      </p:ext>
+    </p:extLst>
+  </p:cSld>
+  <p:clrMapOvr>
+    <a:masterClrMapping/>
+  </p:clrMapOvr>
+  <p:timing>
+    <p:tnLst>
+      <p:par>
+        <p:cTn id="1" dur="indefinite" restart="never" nodeType="tmRoot"/>
+      </p:par>
+    </p:tnLst>
+  </p:timing>
+</p:sld>
+</file>
+
+<file path=ppt/slides/slide16.xml><?xml version="1.0" encoding="utf-8"?>
+<p:sld xmlns:a="http://schemas.openxmlformats.org/drawingml/2006/main" xmlns:r="http://schemas.openxmlformats.org/officeDocument/2006/relationships" xmlns:p="http://schemas.openxmlformats.org/presentationml/2006/main">
+  <p:cSld>
+    <p:spTree>
+      <p:nvGrpSpPr>
+        <p:cNvPr id="1" name=""/>
+        <p:cNvGrpSpPr/>
+        <p:nvPr/>
+      </p:nvGrpSpPr>
+      <p:grpSpPr>
+        <a:xfrm>
+          <a:off x="0" y="0"/>
+          <a:ext cx="0" cy="0"/>
+          <a:chOff x="0" y="0"/>
+          <a:chExt cx="0" cy="0"/>
+        </a:xfrm>
+      </p:grpSpPr>
+      <p:sp>
+        <p:nvSpPr>
+          <p:cNvPr id="2" name="Title 1"/>
           <p:cNvSpPr>
             <a:spLocks noGrp="1"/>
           </p:cNvSpPr>
           <p:nvPr>
-            <p:ph idx="1"/>
+            <p:ph type="title"/>
           </p:nvPr>
         </p:nvSpPr>
         <p:spPr/>
         <p:txBody>
-          <a:bodyPr>
+          <a:bodyPr/>
+          <a:lstStyle/>
+          <a:p>
+            <a:r>
+              <a:rPr lang="en-US" dirty="0" smtClean="0"/>
+              <a:t>AngularJS </a:t>
+            </a:r>
+            <a:r>
+              <a:rPr lang="en-US" dirty="0" smtClean="0"/>
+              <a:t>Forms</a:t>
+            </a:r>
+            <a:endParaRPr lang="en-US" dirty="0"/>
+          </a:p>
+        </p:txBody>
+      </p:sp>
+      <p:sp>
+        <p:nvSpPr>
+          <p:cNvPr id="6" name="Content Placeholder 2"/>
+          <p:cNvSpPr txBox="1">
+            <a:spLocks/>
+          </p:cNvSpPr>
+          <p:nvPr/>
+        </p:nvSpPr>
+        <p:spPr>
+          <a:xfrm>
+            <a:off x="457200" y="1600200"/>
+            <a:ext cx="8229600" cy="4876800"/>
+          </a:xfrm>
+          <a:prstGeom prst="rect">
+            <a:avLst/>
+          </a:prstGeom>
+        </p:spPr>
+        <p:txBody>
+          <a:bodyPr vert="horz" lIns="91440" tIns="45720" rIns="91440" bIns="45720" rtlCol="0">
             <a:normAutofit/>
           </a:bodyPr>
+          <a:lstStyle>
+            <a:lvl1pPr marL="182880" indent="-182880" algn="l" defTabSz="914400" rtl="0" eaLnBrk="1" latinLnBrk="0" hangingPunct="1">
+              <a:spcBef>
+                <a:spcPct val="20000"/>
+              </a:spcBef>
+              <a:buClr>
+                <a:schemeClr val="accent1"/>
+              </a:buClr>
+              <a:buSzPct val="85000"/>
+              <a:buFont typeface="Arial" pitchFamily="34" charset="0"/>
+              <a:buChar char="•"/>
+              <a:defRPr sz="2400" kern="1200">
+                <a:solidFill>
+                  <a:schemeClr val="tx1"/>
+                </a:solidFill>
+                <a:latin typeface="+mn-lt"/>
+                <a:ea typeface="+mn-ea"/>
+                <a:cs typeface="+mn-cs"/>
+              </a:defRPr>
+            </a:lvl1pPr>
+            <a:lvl2pPr marL="457200" indent="-182880" algn="l" defTabSz="914400" rtl="0" eaLnBrk="1" latinLnBrk="0" hangingPunct="1">
+              <a:spcBef>
+                <a:spcPct val="20000"/>
+              </a:spcBef>
+              <a:buClr>
+                <a:schemeClr val="accent1"/>
+              </a:buClr>
+              <a:buSzPct val="85000"/>
+              <a:buFont typeface="Arial" pitchFamily="34" charset="0"/>
+              <a:buChar char="•"/>
+              <a:defRPr sz="2000" kern="1200">
+                <a:solidFill>
+                  <a:schemeClr val="tx1"/>
+                </a:solidFill>
+                <a:latin typeface="+mn-lt"/>
+                <a:ea typeface="+mn-ea"/>
+                <a:cs typeface="+mn-cs"/>
+              </a:defRPr>
+            </a:lvl2pPr>
+            <a:lvl3pPr marL="731520" indent="-182880" algn="l" defTabSz="914400" rtl="0" eaLnBrk="1" latinLnBrk="0" hangingPunct="1">
+              <a:spcBef>
+                <a:spcPct val="20000"/>
+              </a:spcBef>
+              <a:buClr>
+                <a:schemeClr val="accent1"/>
+              </a:buClr>
+              <a:buSzPct val="90000"/>
+              <a:buFont typeface="Arial" pitchFamily="34" charset="0"/>
+              <a:buChar char="•"/>
+              <a:defRPr sz="1800" kern="1200">
+                <a:solidFill>
+                  <a:schemeClr val="tx1"/>
+                </a:solidFill>
+                <a:latin typeface="+mn-lt"/>
+                <a:ea typeface="+mn-ea"/>
+                <a:cs typeface="+mn-cs"/>
+              </a:defRPr>
+            </a:lvl3pPr>
+            <a:lvl4pPr marL="1005840" indent="-182880" algn="l" defTabSz="914400" rtl="0" eaLnBrk="1" latinLnBrk="0" hangingPunct="1">
+              <a:spcBef>
+                <a:spcPct val="20000"/>
+              </a:spcBef>
+              <a:buClr>
+                <a:schemeClr val="accent1"/>
+              </a:buClr>
+              <a:buFont typeface="Arial" pitchFamily="34" charset="0"/>
+              <a:buChar char="•"/>
+              <a:defRPr sz="1600" kern="1200">
+                <a:solidFill>
+                  <a:schemeClr val="tx1"/>
+                </a:solidFill>
+                <a:latin typeface="+mn-lt"/>
+                <a:ea typeface="+mn-ea"/>
+                <a:cs typeface="+mn-cs"/>
+              </a:defRPr>
+            </a:lvl4pPr>
+            <a:lvl5pPr marL="1188720" indent="-137160" algn="l" defTabSz="914400" rtl="0" eaLnBrk="1" latinLnBrk="0" hangingPunct="1">
+              <a:spcBef>
+                <a:spcPct val="20000"/>
+              </a:spcBef>
+              <a:buClr>
+                <a:schemeClr val="accent1"/>
+              </a:buClr>
+              <a:buSzPct val="100000"/>
+              <a:buFont typeface="Arial" pitchFamily="34" charset="0"/>
+              <a:buChar char="•"/>
+              <a:defRPr sz="1400" kern="1200" baseline="0">
+                <a:solidFill>
+                  <a:schemeClr val="tx1"/>
+                </a:solidFill>
+                <a:latin typeface="+mn-lt"/>
+                <a:ea typeface="+mn-ea"/>
+                <a:cs typeface="+mn-cs"/>
+              </a:defRPr>
+            </a:lvl5pPr>
+            <a:lvl6pPr marL="1371600" indent="-182880" algn="l" defTabSz="914400" rtl="0" eaLnBrk="1" latinLnBrk="0" hangingPunct="1">
+              <a:spcBef>
+                <a:spcPct val="20000"/>
+              </a:spcBef>
+              <a:buClr>
+                <a:schemeClr val="accent1"/>
+              </a:buClr>
+              <a:buFont typeface="Arial" pitchFamily="34" charset="0"/>
+              <a:buChar char="•"/>
+              <a:defRPr sz="1300" kern="1200">
+                <a:solidFill>
+                  <a:schemeClr val="tx1"/>
+                </a:solidFill>
+                <a:latin typeface="+mn-lt"/>
+                <a:ea typeface="+mn-ea"/>
+                <a:cs typeface="+mn-cs"/>
+              </a:defRPr>
+            </a:lvl6pPr>
+            <a:lvl7pPr marL="1554480" indent="-182880" algn="l" defTabSz="914400" rtl="0" eaLnBrk="1" latinLnBrk="0" hangingPunct="1">
+              <a:spcBef>
+                <a:spcPct val="20000"/>
+              </a:spcBef>
+              <a:buClr>
+                <a:schemeClr val="accent1"/>
+              </a:buClr>
+              <a:buFont typeface="Arial" pitchFamily="34" charset="0"/>
+              <a:buChar char="•"/>
+              <a:defRPr sz="1300" kern="1200">
+                <a:solidFill>
+                  <a:schemeClr val="tx1"/>
+                </a:solidFill>
+                <a:latin typeface="+mn-lt"/>
+                <a:ea typeface="+mn-ea"/>
+                <a:cs typeface="+mn-cs"/>
+              </a:defRPr>
+            </a:lvl7pPr>
+            <a:lvl8pPr marL="1737360" indent="-182880" algn="l" defTabSz="914400" rtl="0" eaLnBrk="1" latinLnBrk="0" hangingPunct="1">
+              <a:spcBef>
+                <a:spcPct val="20000"/>
+              </a:spcBef>
+              <a:buClr>
+                <a:schemeClr val="accent1"/>
+              </a:buClr>
+              <a:buFont typeface="Arial" pitchFamily="34" charset="0"/>
+              <a:buChar char="•"/>
+              <a:defRPr sz="1300" kern="1200">
+                <a:solidFill>
+                  <a:schemeClr val="tx1"/>
+                </a:solidFill>
+                <a:latin typeface="+mn-lt"/>
+                <a:ea typeface="+mn-ea"/>
+                <a:cs typeface="+mn-cs"/>
+              </a:defRPr>
+            </a:lvl8pPr>
+            <a:lvl9pPr marL="1920240" indent="-182880" algn="l" defTabSz="914400" rtl="0" eaLnBrk="1" latinLnBrk="0" hangingPunct="1">
+              <a:spcBef>
+                <a:spcPct val="20000"/>
+              </a:spcBef>
+              <a:buClr>
+                <a:schemeClr val="accent1"/>
+              </a:buClr>
+              <a:buFont typeface="Arial" pitchFamily="34" charset="0"/>
+              <a:buChar char="•"/>
+              <a:defRPr sz="1300" kern="1200">
+                <a:solidFill>
+                  <a:schemeClr val="tx1"/>
+                </a:solidFill>
+                <a:latin typeface="+mn-lt"/>
+                <a:ea typeface="+mn-ea"/>
+                <a:cs typeface="+mn-cs"/>
+              </a:defRPr>
+            </a:lvl9pPr>
+          </a:lstStyle>
+          <a:p>
+            <a:r>
+              <a:rPr lang="en-GB" sz="1600" dirty="0"/>
+              <a:t>AngularJS enriches form filling and </a:t>
+            </a:r>
+            <a:r>
+              <a:rPr lang="en-GB" sz="1600" dirty="0" smtClean="0"/>
+              <a:t>validation</a:t>
+            </a:r>
+          </a:p>
+          <a:p>
+            <a:r>
+              <a:rPr lang="en-GB" sz="1600" b="1" dirty="0" smtClean="0"/>
+              <a:t>Events:</a:t>
+            </a:r>
+            <a:r>
+              <a:rPr lang="en-GB" sz="1600" dirty="0" smtClean="0"/>
+              <a:t> AngularJS provides multiple events which can be associated with the HTML controls. Some of the events are as follows:</a:t>
+            </a:r>
+          </a:p>
+          <a:p>
+            <a:pPr lvl="1"/>
+            <a:r>
+              <a:rPr lang="en-GB" sz="1400" dirty="0" smtClean="0"/>
+              <a:t>ng-click</a:t>
+            </a:r>
+          </a:p>
+          <a:p>
+            <a:pPr lvl="1"/>
+            <a:r>
+              <a:rPr lang="en-GB" sz="1400" dirty="0" smtClean="0"/>
+              <a:t>ng-</a:t>
+            </a:r>
+            <a:r>
+              <a:rPr lang="en-GB" sz="1400" dirty="0" err="1" smtClean="0"/>
+              <a:t>dbl</a:t>
+            </a:r>
+            <a:r>
+              <a:rPr lang="en-GB" sz="1400" dirty="0" smtClean="0"/>
+              <a:t>-click</a:t>
+            </a:r>
+          </a:p>
+          <a:p>
+            <a:pPr lvl="1"/>
+            <a:r>
+              <a:rPr lang="en-GB" sz="1400" dirty="0" smtClean="0"/>
+              <a:t>ng-</a:t>
+            </a:r>
+            <a:r>
+              <a:rPr lang="en-GB" sz="1400" dirty="0" err="1" smtClean="0"/>
+              <a:t>mousedown</a:t>
+            </a:r>
+            <a:endParaRPr lang="en-GB" sz="1400" dirty="0" smtClean="0"/>
+          </a:p>
+          <a:p>
+            <a:pPr lvl="1"/>
+            <a:r>
+              <a:rPr lang="en-GB" sz="1400" dirty="0" smtClean="0"/>
+              <a:t>ng-</a:t>
+            </a:r>
+            <a:r>
+              <a:rPr lang="en-GB" sz="1400" dirty="0" err="1" smtClean="0"/>
+              <a:t>mouseup</a:t>
+            </a:r>
+            <a:endParaRPr lang="en-GB" sz="1400" dirty="0" smtClean="0"/>
+          </a:p>
+          <a:p>
+            <a:pPr lvl="1"/>
+            <a:r>
+              <a:rPr lang="en-GB" sz="1400" dirty="0" smtClean="0"/>
+              <a:t>ng-change</a:t>
+            </a:r>
+          </a:p>
+          <a:p>
+            <a:r>
+              <a:rPr lang="en-GB" sz="1600" b="1" dirty="0" smtClean="0"/>
+              <a:t>Validate Data:</a:t>
+            </a:r>
+            <a:r>
+              <a:rPr lang="en-GB" sz="1600" dirty="0" smtClean="0"/>
+              <a:t> Following can be used to track error</a:t>
+            </a:r>
+          </a:p>
+          <a:p>
+            <a:pPr lvl="1"/>
+            <a:r>
+              <a:rPr lang="en-GB" sz="1400" dirty="0" smtClean="0"/>
+              <a:t>$dirty - </a:t>
+            </a:r>
+            <a:r>
+              <a:rPr lang="en-GB" sz="1400" dirty="0"/>
+              <a:t>states that value has been </a:t>
+            </a:r>
+            <a:r>
+              <a:rPr lang="en-GB" sz="1400" dirty="0" smtClean="0"/>
+              <a:t>changed</a:t>
+            </a:r>
+          </a:p>
+          <a:p>
+            <a:pPr lvl="1"/>
+            <a:r>
+              <a:rPr lang="en-GB" sz="1400" dirty="0" smtClean="0"/>
+              <a:t>$invalid - </a:t>
+            </a:r>
+            <a:r>
+              <a:rPr lang="en-GB" sz="1400" dirty="0"/>
+              <a:t>states that value entered is </a:t>
+            </a:r>
+            <a:r>
+              <a:rPr lang="en-GB" sz="1400" dirty="0" smtClean="0"/>
+              <a:t>invalid</a:t>
+            </a:r>
+          </a:p>
+          <a:p>
+            <a:pPr lvl="1"/>
+            <a:r>
+              <a:rPr lang="en-GB" sz="1400" dirty="0" smtClean="0"/>
+              <a:t>$error - </a:t>
+            </a:r>
+            <a:r>
+              <a:rPr lang="en-US" sz="1400" dirty="0"/>
+              <a:t>states the exact </a:t>
+            </a:r>
+            <a:r>
+              <a:rPr lang="en-US" sz="1400" dirty="0" smtClean="0"/>
+              <a:t>error</a:t>
+            </a:r>
+          </a:p>
+          <a:p>
+            <a:pPr lvl="1"/>
+            <a:endParaRPr lang="en-US" sz="1400" dirty="0"/>
+          </a:p>
+          <a:p>
+            <a:pPr lvl="1"/>
+            <a:endParaRPr lang="en-US" sz="1400" dirty="0"/>
+          </a:p>
+        </p:txBody>
+      </p:sp>
+      <p:pic>
+        <p:nvPicPr>
+          <p:cNvPr id="4098" name="Picture 2"/>
+          <p:cNvPicPr>
+            <a:picLocks noChangeAspect="1" noChangeArrowheads="1"/>
+          </p:cNvPicPr>
+          <p:nvPr/>
+        </p:nvPicPr>
+        <p:blipFill>
+          <a:blip r:embed="rId2">
+            <a:extLst>
+              <a:ext uri="{28A0092B-C50C-407E-A947-70E740481C1C}">
+                <a14:useLocalDpi xmlns:a14="http://schemas.microsoft.com/office/drawing/2010/main" val="0"/>
+              </a:ext>
+            </a:extLst>
+          </a:blip>
+          <a:srcRect/>
+          <a:stretch>
+            <a:fillRect/>
+          </a:stretch>
+        </p:blipFill>
+        <p:spPr bwMode="auto">
+          <a:xfrm>
+            <a:off x="768279" y="4941168"/>
+            <a:ext cx="7915275" cy="952500"/>
+          </a:xfrm>
+          <a:prstGeom prst="rect">
+            <a:avLst/>
+          </a:prstGeom>
+          <a:noFill/>
+          <a:ln>
+            <a:noFill/>
+          </a:ln>
+          <a:extLst>
+            <a:ext uri="{909E8E84-426E-40DD-AFC4-6F175D3DCCD1}">
+              <a14:hiddenFill xmlns:a14="http://schemas.microsoft.com/office/drawing/2010/main">
+                <a:solidFill>
+                  <a:schemeClr val="accent1"/>
+                </a:solidFill>
+              </a14:hiddenFill>
+            </a:ext>
+            <a:ext uri="{91240B29-F687-4F45-9708-019B960494DF}">
+              <a14:hiddenLine xmlns:a14="http://schemas.microsoft.com/office/drawing/2010/main" w="9525">
+                <a:solidFill>
+                  <a:schemeClr val="tx1"/>
+                </a:solidFill>
+                <a:miter lim="800000"/>
+                <a:headEnd/>
+                <a:tailEnd/>
+              </a14:hiddenLine>
+            </a:ext>
+          </a:extLst>
+        </p:spPr>
+      </p:pic>
+    </p:spTree>
+    <p:extLst>
+      <p:ext uri="{BB962C8B-B14F-4D97-AF65-F5344CB8AC3E}">
+        <p14:creationId xmlns:p14="http://schemas.microsoft.com/office/powerpoint/2010/main" val="2226374511"/>
+      </p:ext>
+    </p:extLst>
+  </p:cSld>
+  <p:clrMapOvr>
+    <a:masterClrMapping/>
+  </p:clrMapOvr>
+  <p:timing>
+    <p:tnLst>
+      <p:par>
+        <p:cTn id="1" dur="indefinite" restart="never" nodeType="tmRoot"/>
+      </p:par>
+    </p:tnLst>
+  </p:timing>
+</p:sld>
+</file>
+
+<file path=ppt/slides/slide17.xml><?xml version="1.0" encoding="utf-8"?>
+<p:sld xmlns:a="http://schemas.openxmlformats.org/drawingml/2006/main" xmlns:r="http://schemas.openxmlformats.org/officeDocument/2006/relationships" xmlns:p="http://schemas.openxmlformats.org/presentationml/2006/main">
+  <p:cSld>
+    <p:spTree>
+      <p:nvGrpSpPr>
+        <p:cNvPr id="1" name=""/>
+        <p:cNvGrpSpPr/>
+        <p:nvPr/>
+      </p:nvGrpSpPr>
+      <p:grpSpPr>
+        <a:xfrm>
+          <a:off x="0" y="0"/>
+          <a:ext cx="0" cy="0"/>
+          <a:chOff x="0" y="0"/>
+          <a:chExt cx="0" cy="0"/>
+        </a:xfrm>
+      </p:grpSpPr>
+      <p:sp>
+        <p:nvSpPr>
+          <p:cNvPr id="2" name="Title 1"/>
+          <p:cNvSpPr>
+            <a:spLocks noGrp="1"/>
+          </p:cNvSpPr>
+          <p:nvPr>
+            <p:ph type="title"/>
+          </p:nvPr>
+        </p:nvSpPr>
+        <p:spPr/>
+        <p:txBody>
+          <a:bodyPr/>
           <a:lstStyle/>
           <a:p>
             <a:r>
-              <a:rPr lang="en-US" sz="1600" dirty="0">
-                <a:hlinkClick r:id="rId2"/>
+              <a:rPr lang="en-US" dirty="0" smtClean="0"/>
+              <a:t>AngularJS </a:t>
+            </a:r>
+            <a:r>
+              <a:rPr lang="en-US" dirty="0" smtClean="0"/>
+              <a:t>HTML DOM</a:t>
+            </a:r>
+            <a:endParaRPr lang="en-US" dirty="0"/>
+          </a:p>
+        </p:txBody>
+      </p:sp>
+      <p:sp>
+        <p:nvSpPr>
+          <p:cNvPr id="6" name="Content Placeholder 2"/>
+          <p:cNvSpPr txBox="1">
+            <a:spLocks/>
+          </p:cNvSpPr>
+          <p:nvPr/>
+        </p:nvSpPr>
+        <p:spPr>
+          <a:xfrm>
+            <a:off x="457200" y="1600200"/>
+            <a:ext cx="8229600" cy="4876800"/>
+          </a:xfrm>
+          <a:prstGeom prst="rect">
+            <a:avLst/>
+          </a:prstGeom>
+        </p:spPr>
+        <p:txBody>
+          <a:bodyPr vert="horz" lIns="91440" tIns="45720" rIns="91440" bIns="45720" rtlCol="0">
+            <a:normAutofit/>
+          </a:bodyPr>
+          <a:lstStyle>
+            <a:lvl1pPr marL="182880" indent="-182880" algn="l" defTabSz="914400" rtl="0" eaLnBrk="1" latinLnBrk="0" hangingPunct="1">
+              <a:spcBef>
+                <a:spcPct val="20000"/>
+              </a:spcBef>
+              <a:buClr>
+                <a:schemeClr val="accent1"/>
+              </a:buClr>
+              <a:buSzPct val="85000"/>
+              <a:buFont typeface="Arial" pitchFamily="34" charset="0"/>
+              <a:buChar char="•"/>
+              <a:defRPr sz="2400" kern="1200">
+                <a:solidFill>
+                  <a:schemeClr val="tx1"/>
+                </a:solidFill>
+                <a:latin typeface="+mn-lt"/>
+                <a:ea typeface="+mn-ea"/>
+                <a:cs typeface="+mn-cs"/>
+              </a:defRPr>
+            </a:lvl1pPr>
+            <a:lvl2pPr marL="457200" indent="-182880" algn="l" defTabSz="914400" rtl="0" eaLnBrk="1" latinLnBrk="0" hangingPunct="1">
+              <a:spcBef>
+                <a:spcPct val="20000"/>
+              </a:spcBef>
+              <a:buClr>
+                <a:schemeClr val="accent1"/>
+              </a:buClr>
+              <a:buSzPct val="85000"/>
+              <a:buFont typeface="Arial" pitchFamily="34" charset="0"/>
+              <a:buChar char="•"/>
+              <a:defRPr sz="2000" kern="1200">
+                <a:solidFill>
+                  <a:schemeClr val="tx1"/>
+                </a:solidFill>
+                <a:latin typeface="+mn-lt"/>
+                <a:ea typeface="+mn-ea"/>
+                <a:cs typeface="+mn-cs"/>
+              </a:defRPr>
+            </a:lvl2pPr>
+            <a:lvl3pPr marL="731520" indent="-182880" algn="l" defTabSz="914400" rtl="0" eaLnBrk="1" latinLnBrk="0" hangingPunct="1">
+              <a:spcBef>
+                <a:spcPct val="20000"/>
+              </a:spcBef>
+              <a:buClr>
+                <a:schemeClr val="accent1"/>
+              </a:buClr>
+              <a:buSzPct val="90000"/>
+              <a:buFont typeface="Arial" pitchFamily="34" charset="0"/>
+              <a:buChar char="•"/>
+              <a:defRPr sz="1800" kern="1200">
+                <a:solidFill>
+                  <a:schemeClr val="tx1"/>
+                </a:solidFill>
+                <a:latin typeface="+mn-lt"/>
+                <a:ea typeface="+mn-ea"/>
+                <a:cs typeface="+mn-cs"/>
+              </a:defRPr>
+            </a:lvl3pPr>
+            <a:lvl4pPr marL="1005840" indent="-182880" algn="l" defTabSz="914400" rtl="0" eaLnBrk="1" latinLnBrk="0" hangingPunct="1">
+              <a:spcBef>
+                <a:spcPct val="20000"/>
+              </a:spcBef>
+              <a:buClr>
+                <a:schemeClr val="accent1"/>
+              </a:buClr>
+              <a:buFont typeface="Arial" pitchFamily="34" charset="0"/>
+              <a:buChar char="•"/>
+              <a:defRPr sz="1600" kern="1200">
+                <a:solidFill>
+                  <a:schemeClr val="tx1"/>
+                </a:solidFill>
+                <a:latin typeface="+mn-lt"/>
+                <a:ea typeface="+mn-ea"/>
+                <a:cs typeface="+mn-cs"/>
+              </a:defRPr>
+            </a:lvl4pPr>
+            <a:lvl5pPr marL="1188720" indent="-137160" algn="l" defTabSz="914400" rtl="0" eaLnBrk="1" latinLnBrk="0" hangingPunct="1">
+              <a:spcBef>
+                <a:spcPct val="20000"/>
+              </a:spcBef>
+              <a:buClr>
+                <a:schemeClr val="accent1"/>
+              </a:buClr>
+              <a:buSzPct val="100000"/>
+              <a:buFont typeface="Arial" pitchFamily="34" charset="0"/>
+              <a:buChar char="•"/>
+              <a:defRPr sz="1400" kern="1200" baseline="0">
+                <a:solidFill>
+                  <a:schemeClr val="tx1"/>
+                </a:solidFill>
+                <a:latin typeface="+mn-lt"/>
+                <a:ea typeface="+mn-ea"/>
+                <a:cs typeface="+mn-cs"/>
+              </a:defRPr>
+            </a:lvl5pPr>
+            <a:lvl6pPr marL="1371600" indent="-182880" algn="l" defTabSz="914400" rtl="0" eaLnBrk="1" latinLnBrk="0" hangingPunct="1">
+              <a:spcBef>
+                <a:spcPct val="20000"/>
+              </a:spcBef>
+              <a:buClr>
+                <a:schemeClr val="accent1"/>
+              </a:buClr>
+              <a:buFont typeface="Arial" pitchFamily="34" charset="0"/>
+              <a:buChar char="•"/>
+              <a:defRPr sz="1300" kern="1200">
+                <a:solidFill>
+                  <a:schemeClr val="tx1"/>
+                </a:solidFill>
+                <a:latin typeface="+mn-lt"/>
+                <a:ea typeface="+mn-ea"/>
+                <a:cs typeface="+mn-cs"/>
+              </a:defRPr>
+            </a:lvl6pPr>
+            <a:lvl7pPr marL="1554480" indent="-182880" algn="l" defTabSz="914400" rtl="0" eaLnBrk="1" latinLnBrk="0" hangingPunct="1">
+              <a:spcBef>
+                <a:spcPct val="20000"/>
+              </a:spcBef>
+              <a:buClr>
+                <a:schemeClr val="accent1"/>
+              </a:buClr>
+              <a:buFont typeface="Arial" pitchFamily="34" charset="0"/>
+              <a:buChar char="•"/>
+              <a:defRPr sz="1300" kern="1200">
+                <a:solidFill>
+                  <a:schemeClr val="tx1"/>
+                </a:solidFill>
+                <a:latin typeface="+mn-lt"/>
+                <a:ea typeface="+mn-ea"/>
+                <a:cs typeface="+mn-cs"/>
+              </a:defRPr>
+            </a:lvl7pPr>
+            <a:lvl8pPr marL="1737360" indent="-182880" algn="l" defTabSz="914400" rtl="0" eaLnBrk="1" latinLnBrk="0" hangingPunct="1">
+              <a:spcBef>
+                <a:spcPct val="20000"/>
+              </a:spcBef>
+              <a:buClr>
+                <a:schemeClr val="accent1"/>
+              </a:buClr>
+              <a:buFont typeface="Arial" pitchFamily="34" charset="0"/>
+              <a:buChar char="•"/>
+              <a:defRPr sz="1300" kern="1200">
+                <a:solidFill>
+                  <a:schemeClr val="tx1"/>
+                </a:solidFill>
+                <a:latin typeface="+mn-lt"/>
+                <a:ea typeface="+mn-ea"/>
+                <a:cs typeface="+mn-cs"/>
+              </a:defRPr>
+            </a:lvl8pPr>
+            <a:lvl9pPr marL="1920240" indent="-182880" algn="l" defTabSz="914400" rtl="0" eaLnBrk="1" latinLnBrk="0" hangingPunct="1">
+              <a:spcBef>
+                <a:spcPct val="20000"/>
+              </a:spcBef>
+              <a:buClr>
+                <a:schemeClr val="accent1"/>
+              </a:buClr>
+              <a:buFont typeface="Arial" pitchFamily="34" charset="0"/>
+              <a:buChar char="•"/>
+              <a:defRPr sz="1300" kern="1200">
+                <a:solidFill>
+                  <a:schemeClr val="tx1"/>
+                </a:solidFill>
+                <a:latin typeface="+mn-lt"/>
+                <a:ea typeface="+mn-ea"/>
+                <a:cs typeface="+mn-cs"/>
+              </a:defRPr>
+            </a:lvl9pPr>
+          </a:lstStyle>
+          <a:p>
+            <a:r>
+              <a:rPr lang="en-US" sz="1600" dirty="0" smtClean="0"/>
+              <a:t>The following directive can be used to bind application data to attributes of HTML DOM Elements</a:t>
+            </a:r>
+          </a:p>
+          <a:p>
+            <a:pPr lvl="1">
+              <a:buFont typeface="Wingdings" panose="05000000000000000000" pitchFamily="2" charset="2"/>
+              <a:buChar char="Ø"/>
+            </a:pPr>
+            <a:r>
+              <a:rPr lang="en-US" sz="1400" dirty="0" smtClean="0"/>
+              <a:t>ng-disabled – disables a given control</a:t>
+            </a:r>
+          </a:p>
+          <a:p>
+            <a:pPr lvl="1">
+              <a:buFont typeface="Wingdings" panose="05000000000000000000" pitchFamily="2" charset="2"/>
+              <a:buChar char="Ø"/>
+            </a:pPr>
+            <a:r>
+              <a:rPr lang="en-US" sz="1400" dirty="0" smtClean="0"/>
+              <a:t>ng-show – shows a given control</a:t>
+            </a:r>
+          </a:p>
+          <a:p>
+            <a:pPr lvl="1">
+              <a:buFont typeface="Wingdings" panose="05000000000000000000" pitchFamily="2" charset="2"/>
+              <a:buChar char="Ø"/>
+            </a:pPr>
+            <a:r>
+              <a:rPr lang="en-US" sz="1400" dirty="0" smtClean="0"/>
+              <a:t>ng-hide – hides a given control</a:t>
+            </a:r>
+          </a:p>
+          <a:p>
+            <a:pPr lvl="1">
+              <a:buFont typeface="Wingdings" panose="05000000000000000000" pitchFamily="2" charset="2"/>
+              <a:buChar char="Ø"/>
+            </a:pPr>
+            <a:r>
+              <a:rPr lang="en-US" sz="1400" dirty="0" smtClean="0"/>
+              <a:t>ng-click – represents a AngularJS click event</a:t>
+            </a:r>
+          </a:p>
+          <a:p>
+            <a:endParaRPr lang="en-US" sz="1600" dirty="0"/>
+          </a:p>
+          <a:p>
+            <a:endParaRPr lang="en-US" sz="1600" dirty="0" smtClean="0"/>
+          </a:p>
+          <a:p>
+            <a:endParaRPr lang="en-US" sz="1600" dirty="0"/>
+          </a:p>
+          <a:p>
+            <a:endParaRPr lang="en-US" sz="1600" dirty="0" smtClean="0"/>
+          </a:p>
+        </p:txBody>
+      </p:sp>
+      <p:pic>
+        <p:nvPicPr>
+          <p:cNvPr id="5122" name="Picture 2"/>
+          <p:cNvPicPr>
+            <a:picLocks noChangeAspect="1" noChangeArrowheads="1"/>
+          </p:cNvPicPr>
+          <p:nvPr/>
+        </p:nvPicPr>
+        <p:blipFill>
+          <a:blip r:embed="rId2">
+            <a:extLst>
+              <a:ext uri="{28A0092B-C50C-407E-A947-70E740481C1C}">
+                <a14:useLocalDpi xmlns:a14="http://schemas.microsoft.com/office/drawing/2010/main" val="0"/>
+              </a:ext>
+            </a:extLst>
+          </a:blip>
+          <a:srcRect/>
+          <a:stretch>
+            <a:fillRect/>
+          </a:stretch>
+        </p:blipFill>
+        <p:spPr bwMode="auto">
+          <a:xfrm>
+            <a:off x="755576" y="3309937"/>
+            <a:ext cx="5791200" cy="1457325"/>
+          </a:xfrm>
+          <a:prstGeom prst="rect">
+            <a:avLst/>
+          </a:prstGeom>
+          <a:noFill/>
+          <a:ln>
+            <a:noFill/>
+          </a:ln>
+          <a:extLst>
+            <a:ext uri="{909E8E84-426E-40DD-AFC4-6F175D3DCCD1}">
+              <a14:hiddenFill xmlns:a14="http://schemas.microsoft.com/office/drawing/2010/main">
+                <a:solidFill>
+                  <a:schemeClr val="accent1"/>
+                </a:solidFill>
+              </a14:hiddenFill>
+            </a:ext>
+            <a:ext uri="{91240B29-F687-4F45-9708-019B960494DF}">
+              <a14:hiddenLine xmlns:a14="http://schemas.microsoft.com/office/drawing/2010/main" w="9525">
+                <a:solidFill>
+                  <a:schemeClr val="tx1"/>
+                </a:solidFill>
+                <a:miter lim="800000"/>
+                <a:headEnd/>
+                <a:tailEnd/>
+              </a14:hiddenLine>
+            </a:ext>
+          </a:extLst>
+        </p:spPr>
+      </p:pic>
+    </p:spTree>
+    <p:extLst>
+      <p:ext uri="{BB962C8B-B14F-4D97-AF65-F5344CB8AC3E}">
+        <p14:creationId xmlns:p14="http://schemas.microsoft.com/office/powerpoint/2010/main" val="2094990842"/>
+      </p:ext>
+    </p:extLst>
+  </p:cSld>
+  <p:clrMapOvr>
+    <a:masterClrMapping/>
+  </p:clrMapOvr>
+  <p:timing>
+    <p:tnLst>
+      <p:par>
+        <p:cTn id="1" dur="indefinite" restart="never" nodeType="tmRoot"/>
+      </p:par>
+    </p:tnLst>
+  </p:timing>
+</p:sld>
+</file>
+
+<file path=ppt/slides/slide18.xml><?xml version="1.0" encoding="utf-8"?>
+<p:sld xmlns:a="http://schemas.openxmlformats.org/drawingml/2006/main" xmlns:r="http://schemas.openxmlformats.org/officeDocument/2006/relationships" xmlns:p="http://schemas.openxmlformats.org/presentationml/2006/main">
+  <p:cSld>
+    <p:spTree>
+      <p:nvGrpSpPr>
+        <p:cNvPr id="1" name=""/>
+        <p:cNvGrpSpPr/>
+        <p:nvPr/>
+      </p:nvGrpSpPr>
+      <p:grpSpPr>
+        <a:xfrm>
+          <a:off x="0" y="0"/>
+          <a:ext cx="0" cy="0"/>
+          <a:chOff x="0" y="0"/>
+          <a:chExt cx="0" cy="0"/>
+        </a:xfrm>
+      </p:grpSpPr>
+      <p:sp>
+        <p:nvSpPr>
+          <p:cNvPr id="2" name="Title 1"/>
+          <p:cNvSpPr>
+            <a:spLocks noGrp="1"/>
+          </p:cNvSpPr>
+          <p:nvPr>
+            <p:ph type="title"/>
+          </p:nvPr>
+        </p:nvSpPr>
+        <p:spPr/>
+        <p:txBody>
+          <a:bodyPr/>
+          <a:lstStyle/>
+          <a:p>
+            <a:r>
+              <a:rPr lang="en-US" dirty="0" smtClean="0"/>
+              <a:t>AngularJS </a:t>
+            </a:r>
+            <a:r>
+              <a:rPr lang="en-US" dirty="0" smtClean="0"/>
+              <a:t>Custom Directive</a:t>
+            </a:r>
+            <a:endParaRPr lang="en-US" dirty="0"/>
+          </a:p>
+        </p:txBody>
+      </p:sp>
+      <p:sp>
+        <p:nvSpPr>
+          <p:cNvPr id="6" name="Content Placeholder 2"/>
+          <p:cNvSpPr txBox="1">
+            <a:spLocks/>
+          </p:cNvSpPr>
+          <p:nvPr/>
+        </p:nvSpPr>
+        <p:spPr>
+          <a:xfrm>
+            <a:off x="457200" y="1600200"/>
+            <a:ext cx="8229600" cy="4876800"/>
+          </a:xfrm>
+          <a:prstGeom prst="rect">
+            <a:avLst/>
+          </a:prstGeom>
+        </p:spPr>
+        <p:txBody>
+          <a:bodyPr vert="horz" lIns="91440" tIns="45720" rIns="91440" bIns="45720" rtlCol="0">
+            <a:normAutofit/>
+          </a:bodyPr>
+          <a:lstStyle>
+            <a:lvl1pPr marL="182880" indent="-182880" algn="l" defTabSz="914400" rtl="0" eaLnBrk="1" latinLnBrk="0" hangingPunct="1">
+              <a:spcBef>
+                <a:spcPct val="20000"/>
+              </a:spcBef>
+              <a:buClr>
+                <a:schemeClr val="accent1"/>
+              </a:buClr>
+              <a:buSzPct val="85000"/>
+              <a:buFont typeface="Arial" pitchFamily="34" charset="0"/>
+              <a:buChar char="•"/>
+              <a:defRPr sz="2400" kern="1200">
+                <a:solidFill>
+                  <a:schemeClr val="tx1"/>
+                </a:solidFill>
+                <a:latin typeface="+mn-lt"/>
+                <a:ea typeface="+mn-ea"/>
+                <a:cs typeface="+mn-cs"/>
+              </a:defRPr>
+            </a:lvl1pPr>
+            <a:lvl2pPr marL="457200" indent="-182880" algn="l" defTabSz="914400" rtl="0" eaLnBrk="1" latinLnBrk="0" hangingPunct="1">
+              <a:spcBef>
+                <a:spcPct val="20000"/>
+              </a:spcBef>
+              <a:buClr>
+                <a:schemeClr val="accent1"/>
+              </a:buClr>
+              <a:buSzPct val="85000"/>
+              <a:buFont typeface="Arial" pitchFamily="34" charset="0"/>
+              <a:buChar char="•"/>
+              <a:defRPr sz="2000" kern="1200">
+                <a:solidFill>
+                  <a:schemeClr val="tx1"/>
+                </a:solidFill>
+                <a:latin typeface="+mn-lt"/>
+                <a:ea typeface="+mn-ea"/>
+                <a:cs typeface="+mn-cs"/>
+              </a:defRPr>
+            </a:lvl2pPr>
+            <a:lvl3pPr marL="731520" indent="-182880" algn="l" defTabSz="914400" rtl="0" eaLnBrk="1" latinLnBrk="0" hangingPunct="1">
+              <a:spcBef>
+                <a:spcPct val="20000"/>
+              </a:spcBef>
+              <a:buClr>
+                <a:schemeClr val="accent1"/>
+              </a:buClr>
+              <a:buSzPct val="90000"/>
+              <a:buFont typeface="Arial" pitchFamily="34" charset="0"/>
+              <a:buChar char="•"/>
+              <a:defRPr sz="1800" kern="1200">
+                <a:solidFill>
+                  <a:schemeClr val="tx1"/>
+                </a:solidFill>
+                <a:latin typeface="+mn-lt"/>
+                <a:ea typeface="+mn-ea"/>
+                <a:cs typeface="+mn-cs"/>
+              </a:defRPr>
+            </a:lvl3pPr>
+            <a:lvl4pPr marL="1005840" indent="-182880" algn="l" defTabSz="914400" rtl="0" eaLnBrk="1" latinLnBrk="0" hangingPunct="1">
+              <a:spcBef>
+                <a:spcPct val="20000"/>
+              </a:spcBef>
+              <a:buClr>
+                <a:schemeClr val="accent1"/>
+              </a:buClr>
+              <a:buFont typeface="Arial" pitchFamily="34" charset="0"/>
+              <a:buChar char="•"/>
+              <a:defRPr sz="1600" kern="1200">
+                <a:solidFill>
+                  <a:schemeClr val="tx1"/>
+                </a:solidFill>
+                <a:latin typeface="+mn-lt"/>
+                <a:ea typeface="+mn-ea"/>
+                <a:cs typeface="+mn-cs"/>
+              </a:defRPr>
+            </a:lvl4pPr>
+            <a:lvl5pPr marL="1188720" indent="-137160" algn="l" defTabSz="914400" rtl="0" eaLnBrk="1" latinLnBrk="0" hangingPunct="1">
+              <a:spcBef>
+                <a:spcPct val="20000"/>
+              </a:spcBef>
+              <a:buClr>
+                <a:schemeClr val="accent1"/>
+              </a:buClr>
+              <a:buSzPct val="100000"/>
+              <a:buFont typeface="Arial" pitchFamily="34" charset="0"/>
+              <a:buChar char="•"/>
+              <a:defRPr sz="1400" kern="1200" baseline="0">
+                <a:solidFill>
+                  <a:schemeClr val="tx1"/>
+                </a:solidFill>
+                <a:latin typeface="+mn-lt"/>
+                <a:ea typeface="+mn-ea"/>
+                <a:cs typeface="+mn-cs"/>
+              </a:defRPr>
+            </a:lvl5pPr>
+            <a:lvl6pPr marL="1371600" indent="-182880" algn="l" defTabSz="914400" rtl="0" eaLnBrk="1" latinLnBrk="0" hangingPunct="1">
+              <a:spcBef>
+                <a:spcPct val="20000"/>
+              </a:spcBef>
+              <a:buClr>
+                <a:schemeClr val="accent1"/>
+              </a:buClr>
+              <a:buFont typeface="Arial" pitchFamily="34" charset="0"/>
+              <a:buChar char="•"/>
+              <a:defRPr sz="1300" kern="1200">
+                <a:solidFill>
+                  <a:schemeClr val="tx1"/>
+                </a:solidFill>
+                <a:latin typeface="+mn-lt"/>
+                <a:ea typeface="+mn-ea"/>
+                <a:cs typeface="+mn-cs"/>
+              </a:defRPr>
+            </a:lvl6pPr>
+            <a:lvl7pPr marL="1554480" indent="-182880" algn="l" defTabSz="914400" rtl="0" eaLnBrk="1" latinLnBrk="0" hangingPunct="1">
+              <a:spcBef>
+                <a:spcPct val="20000"/>
+              </a:spcBef>
+              <a:buClr>
+                <a:schemeClr val="accent1"/>
+              </a:buClr>
+              <a:buFont typeface="Arial" pitchFamily="34" charset="0"/>
+              <a:buChar char="•"/>
+              <a:defRPr sz="1300" kern="1200">
+                <a:solidFill>
+                  <a:schemeClr val="tx1"/>
+                </a:solidFill>
+                <a:latin typeface="+mn-lt"/>
+                <a:ea typeface="+mn-ea"/>
+                <a:cs typeface="+mn-cs"/>
+              </a:defRPr>
+            </a:lvl7pPr>
+            <a:lvl8pPr marL="1737360" indent="-182880" algn="l" defTabSz="914400" rtl="0" eaLnBrk="1" latinLnBrk="0" hangingPunct="1">
+              <a:spcBef>
+                <a:spcPct val="20000"/>
+              </a:spcBef>
+              <a:buClr>
+                <a:schemeClr val="accent1"/>
+              </a:buClr>
+              <a:buFont typeface="Arial" pitchFamily="34" charset="0"/>
+              <a:buChar char="•"/>
+              <a:defRPr sz="1300" kern="1200">
+                <a:solidFill>
+                  <a:schemeClr val="tx1"/>
+                </a:solidFill>
+                <a:latin typeface="+mn-lt"/>
+                <a:ea typeface="+mn-ea"/>
+                <a:cs typeface="+mn-cs"/>
+              </a:defRPr>
+            </a:lvl8pPr>
+            <a:lvl9pPr marL="1920240" indent="-182880" algn="l" defTabSz="914400" rtl="0" eaLnBrk="1" latinLnBrk="0" hangingPunct="1">
+              <a:spcBef>
+                <a:spcPct val="20000"/>
+              </a:spcBef>
+              <a:buClr>
+                <a:schemeClr val="accent1"/>
+              </a:buClr>
+              <a:buFont typeface="Arial" pitchFamily="34" charset="0"/>
+              <a:buChar char="•"/>
+              <a:defRPr sz="1300" kern="1200">
+                <a:solidFill>
+                  <a:schemeClr val="tx1"/>
+                </a:solidFill>
+                <a:latin typeface="+mn-lt"/>
+                <a:ea typeface="+mn-ea"/>
+                <a:cs typeface="+mn-cs"/>
+              </a:defRPr>
+            </a:lvl9pPr>
+          </a:lstStyle>
+          <a:p>
+            <a:r>
+              <a:rPr lang="en-GB" sz="1600" dirty="0"/>
+              <a:t>Custom directives are used in AngularJS to extend the functionality of HTML. Custom directives are defined using </a:t>
+            </a:r>
+            <a:r>
+              <a:rPr lang="en-GB" sz="1600" b="1" dirty="0">
+                <a:solidFill>
+                  <a:srgbClr val="00B050"/>
+                </a:solidFill>
               </a:rPr>
-              <a:t>https://docs.angularjs.org/tutorial</a:t>
-            </a:r>
-            <a:r>
-              <a:rPr lang="en-US" sz="1600" dirty="0" smtClean="0">
-                <a:hlinkClick r:id="rId2"/>
+              <a:t>"directive" </a:t>
+            </a:r>
+            <a:r>
+              <a:rPr lang="en-GB" sz="1600" dirty="0" smtClean="0"/>
+              <a:t>function</a:t>
+            </a:r>
+            <a:endParaRPr lang="en-GB" sz="1600" dirty="0"/>
+          </a:p>
+          <a:p>
+            <a:r>
+              <a:rPr lang="en-GB" sz="1600" dirty="0" smtClean="0"/>
+              <a:t>During bootstrap (one time activity),</a:t>
+            </a:r>
+          </a:p>
+          <a:p>
+            <a:pPr lvl="1"/>
+            <a:r>
+              <a:rPr lang="en-GB" sz="1400" b="1" dirty="0" smtClean="0">
+                <a:solidFill>
+                  <a:srgbClr val="00B050"/>
+                </a:solidFill>
               </a:rPr>
-              <a:t>/</a:t>
-            </a:r>
-            <a:endParaRPr lang="en-US" sz="1600" dirty="0" smtClean="0"/>
-          </a:p>
-          <a:p>
-            <a:r>
-              <a:rPr lang="en-US" sz="1600" dirty="0">
-                <a:hlinkClick r:id="rId3"/>
+              <a:t>compile() </a:t>
+            </a:r>
+            <a:r>
+              <a:rPr lang="en-GB" sz="1400" dirty="0" smtClean="0"/>
+              <a:t>method finds the matching elements </a:t>
+            </a:r>
+          </a:p>
+          <a:p>
+            <a:pPr lvl="1"/>
+            <a:r>
+              <a:rPr lang="en-GB" sz="1400" b="1" dirty="0" smtClean="0">
+                <a:solidFill>
+                  <a:srgbClr val="00B050"/>
+                </a:solidFill>
               </a:rPr>
-              <a:t>https://</a:t>
-            </a:r>
-            <a:r>
-              <a:rPr lang="en-US" sz="1600" dirty="0" smtClean="0">
-                <a:hlinkClick r:id="rId3"/>
+              <a:t>link()</a:t>
+            </a:r>
+            <a:r>
+              <a:rPr lang="en-GB" sz="1400" dirty="0" smtClean="0"/>
+              <a:t> method will process the element based on the scope of the directive</a:t>
+            </a:r>
+          </a:p>
+          <a:p>
+            <a:r>
+              <a:rPr lang="en-GB" sz="1600" dirty="0" smtClean="0"/>
+              <a:t>AngularJS provides support to create custom directives for following type of elements</a:t>
+            </a:r>
+          </a:p>
+          <a:p>
+            <a:pPr lvl="1"/>
+            <a:r>
+              <a:rPr lang="en-GB" sz="1400" b="1" dirty="0" smtClean="0">
+                <a:solidFill>
+                  <a:srgbClr val="00B050"/>
+                </a:solidFill>
               </a:rPr>
-              <a:t>github.com/angular/angular-seed</a:t>
-            </a:r>
-            <a:endParaRPr lang="en-US" sz="1600" dirty="0" smtClean="0"/>
-          </a:p>
-          <a:p>
-            <a:r>
-              <a:rPr lang="en-US" sz="1600" dirty="0">
-                <a:hlinkClick r:id="rId4"/>
+              <a:t>Element directives </a:t>
+            </a:r>
+            <a:r>
+              <a:rPr lang="en-GB" sz="1400" dirty="0" smtClean="0"/>
+              <a:t>– Activates when a matching element is encountered</a:t>
+            </a:r>
+          </a:p>
+          <a:p>
+            <a:pPr lvl="1"/>
+            <a:r>
+              <a:rPr lang="en-GB" sz="1400" b="1" dirty="0" smtClean="0">
+                <a:solidFill>
+                  <a:srgbClr val="00B050"/>
+                </a:solidFill>
               </a:rPr>
-              <a:t>https://</a:t>
-            </a:r>
-            <a:r>
-              <a:rPr lang="en-US" sz="1600" dirty="0" smtClean="0">
-                <a:hlinkClick r:id="rId4"/>
+              <a:t>Attribute</a:t>
+            </a:r>
+            <a:r>
+              <a:rPr lang="en-GB" sz="1400" dirty="0" smtClean="0"/>
+              <a:t> - Activates </a:t>
+            </a:r>
+            <a:r>
+              <a:rPr lang="en-GB" sz="1400" dirty="0"/>
+              <a:t>when </a:t>
+            </a:r>
+            <a:r>
+              <a:rPr lang="en-GB" sz="1400" dirty="0" smtClean="0"/>
+              <a:t>a matching attribute is encountered</a:t>
+            </a:r>
+          </a:p>
+          <a:p>
+            <a:pPr lvl="1"/>
+            <a:r>
+              <a:rPr lang="en-GB" sz="1400" b="1" dirty="0">
+                <a:solidFill>
+                  <a:srgbClr val="00B050"/>
+                </a:solidFill>
               </a:rPr>
-              <a:t>docs.angularjs.org/tutorial/step_00</a:t>
-            </a:r>
-            <a:endParaRPr lang="en-US" sz="1600" dirty="0" smtClean="0"/>
-          </a:p>
-          <a:p>
-            <a:r>
-              <a:rPr lang="en-US" sz="1600" dirty="0">
-                <a:hlinkClick r:id="rId5"/>
+              <a:t>CSS</a:t>
+            </a:r>
+            <a:r>
+              <a:rPr lang="en-GB" sz="1400" dirty="0" smtClean="0"/>
+              <a:t> – Activates when a matching CSS is encountered</a:t>
+            </a:r>
+          </a:p>
+          <a:p>
+            <a:pPr lvl="1"/>
+            <a:r>
+              <a:rPr lang="en-GB" sz="1400" b="1" dirty="0">
+                <a:solidFill>
+                  <a:srgbClr val="00B050"/>
+                </a:solidFill>
               </a:rPr>
-              <a:t>https://www.madewithangular.com</a:t>
-            </a:r>
-            <a:r>
-              <a:rPr lang="en-US" sz="1600" dirty="0" smtClean="0">
-                <a:hlinkClick r:id="rId5"/>
-              </a:rPr>
-              <a:t>/#/</a:t>
-            </a:r>
-            <a:endParaRPr lang="en-US" sz="1600" dirty="0" smtClean="0"/>
-          </a:p>
-          <a:p>
-            <a:r>
-              <a:rPr lang="en-US" sz="1600" dirty="0">
-                <a:hlinkClick r:id="rId6"/>
-              </a:rPr>
-              <a:t>https://</a:t>
-            </a:r>
-            <a:r>
-              <a:rPr lang="en-US" sz="1600" dirty="0" smtClean="0">
-                <a:hlinkClick r:id="rId6"/>
-              </a:rPr>
-              <a:t>github.com/angular/angular.js/wiki/Best-Practices</a:t>
-            </a:r>
-            <a:endParaRPr lang="en-US" sz="1600" dirty="0" smtClean="0"/>
-          </a:p>
-          <a:p>
-            <a:r>
-              <a:rPr lang="en-US" sz="1600" dirty="0">
-                <a:hlinkClick r:id="rId3"/>
-              </a:rPr>
-              <a:t>https://</a:t>
-            </a:r>
-            <a:r>
-              <a:rPr lang="en-US" sz="1600" dirty="0" smtClean="0">
-                <a:hlinkClick r:id="rId3"/>
-              </a:rPr>
-              <a:t>github.com/angular/angular-seed</a:t>
-            </a:r>
-            <a:endParaRPr lang="en-US" sz="1600" dirty="0" smtClean="0"/>
-          </a:p>
-          <a:p>
-            <a:endParaRPr lang="en-US" sz="1600" dirty="0" smtClean="0"/>
+              <a:t>Comment</a:t>
+            </a:r>
+            <a:r>
+              <a:rPr lang="en-GB" sz="1400" dirty="0" smtClean="0"/>
+              <a:t> – Activates when a matching comment is encountered</a:t>
+            </a:r>
+          </a:p>
+          <a:p>
+            <a:r>
+              <a:rPr lang="en-GB" sz="1600" dirty="0" smtClean="0"/>
+              <a:t>Define custom html tags</a:t>
+            </a:r>
+          </a:p>
+          <a:p>
+            <a:pPr lvl="1"/>
+            <a:r>
+              <a:rPr lang="nl-NL" sz="1200" dirty="0"/>
+              <a:t>&lt;student</a:t>
+            </a:r>
+            <a:r>
+              <a:rPr lang="nl-NL" sz="1200" dirty="0"/>
+              <a:t> </a:t>
+            </a:r>
+            <a:r>
+              <a:rPr lang="nl-NL" sz="1200" dirty="0"/>
+              <a:t>name</a:t>
+            </a:r>
+            <a:r>
+              <a:rPr lang="nl-NL" sz="1200" dirty="0"/>
+              <a:t> </a:t>
+            </a:r>
+            <a:r>
+              <a:rPr lang="nl-NL" sz="1200" dirty="0"/>
+              <a:t>=</a:t>
+            </a:r>
+            <a:r>
+              <a:rPr lang="nl-NL" sz="1200" dirty="0"/>
+              <a:t> </a:t>
+            </a:r>
+            <a:r>
+              <a:rPr lang="nl-NL" sz="1200" dirty="0" smtClean="0"/>
+              <a:t>“Hello"&gt;&lt;/</a:t>
+            </a:r>
+            <a:r>
+              <a:rPr lang="nl-NL" sz="1200" dirty="0"/>
+              <a:t>student&gt;&lt;br/&gt;</a:t>
+            </a:r>
+            <a:r>
+              <a:rPr lang="nl-NL" sz="1200" dirty="0"/>
+              <a:t> </a:t>
+            </a:r>
+            <a:endParaRPr lang="nl-NL" sz="1200" dirty="0" smtClean="0"/>
+          </a:p>
+          <a:p>
+            <a:pPr lvl="1"/>
+            <a:r>
+              <a:rPr lang="nl-NL" sz="1200" dirty="0" smtClean="0"/>
+              <a:t>&lt;</a:t>
+            </a:r>
+            <a:r>
+              <a:rPr lang="nl-NL" sz="1200" dirty="0"/>
+              <a:t>student</a:t>
+            </a:r>
+            <a:r>
+              <a:rPr lang="nl-NL" sz="1200" dirty="0"/>
+              <a:t> </a:t>
+            </a:r>
+            <a:r>
+              <a:rPr lang="nl-NL" sz="1200" dirty="0"/>
+              <a:t>name</a:t>
+            </a:r>
+            <a:r>
+              <a:rPr lang="nl-NL" sz="1200" dirty="0"/>
+              <a:t> </a:t>
+            </a:r>
+            <a:r>
+              <a:rPr lang="nl-NL" sz="1200" dirty="0"/>
+              <a:t>=</a:t>
+            </a:r>
+            <a:r>
+              <a:rPr lang="nl-NL" sz="1200" dirty="0"/>
+              <a:t> </a:t>
+            </a:r>
+            <a:r>
+              <a:rPr lang="nl-NL" sz="1200" dirty="0" smtClean="0"/>
+              <a:t>“World"&gt;&lt;/</a:t>
+            </a:r>
+            <a:r>
+              <a:rPr lang="nl-NL" sz="1200" dirty="0"/>
+              <a:t>student</a:t>
+            </a:r>
+            <a:r>
+              <a:rPr lang="nl-NL" sz="1200" dirty="0" smtClean="0"/>
+              <a:t>&gt;</a:t>
+            </a:r>
+          </a:p>
+          <a:p>
+            <a:r>
+              <a:rPr lang="nl-NL" sz="1600" dirty="0" smtClean="0"/>
+              <a:t>Define the </a:t>
+            </a:r>
+            <a:r>
+              <a:rPr lang="en-GB" sz="1600" dirty="0"/>
+              <a:t>custom directive to handle above custom html </a:t>
+            </a:r>
+            <a:r>
+              <a:rPr lang="en-GB" sz="1600" dirty="0" smtClean="0"/>
+              <a:t>tags</a:t>
+            </a:r>
+          </a:p>
+          <a:p>
+            <a:pPr lvl="1"/>
+            <a:r>
+              <a:rPr lang="en-US" sz="1200" dirty="0" err="1"/>
+              <a:t>mainApp</a:t>
+            </a:r>
+            <a:r>
+              <a:rPr lang="en-US" sz="1200" dirty="0" err="1"/>
+              <a:t>.</a:t>
+            </a:r>
+            <a:r>
+              <a:rPr lang="en-US" sz="1200" dirty="0" err="1"/>
+              <a:t>directive</a:t>
+            </a:r>
+            <a:r>
+              <a:rPr lang="en-US" sz="1200" dirty="0"/>
+              <a:t>('student',</a:t>
+            </a:r>
+            <a:r>
+              <a:rPr lang="en-US" sz="1200" dirty="0"/>
+              <a:t> </a:t>
+            </a:r>
+            <a:r>
+              <a:rPr lang="en-US" sz="1200" dirty="0"/>
+              <a:t>function()</a:t>
+            </a:r>
+            <a:r>
+              <a:rPr lang="en-US" sz="1200" dirty="0"/>
+              <a:t> </a:t>
+            </a:r>
+            <a:r>
+              <a:rPr lang="en-US" sz="1200" dirty="0"/>
+              <a:t>{</a:t>
+            </a:r>
+            <a:endParaRPr lang="en-GB" sz="1200" dirty="0"/>
+          </a:p>
+          <a:p>
+            <a:pPr lvl="1"/>
+            <a:endParaRPr lang="en-GB" sz="1400" b="1" dirty="0">
+              <a:solidFill>
+                <a:srgbClr val="00B050"/>
+              </a:solidFill>
+            </a:endParaRPr>
           </a:p>
         </p:txBody>
       </p:sp>
     </p:spTree>
     <p:extLst>
       <p:ext uri="{BB962C8B-B14F-4D97-AF65-F5344CB8AC3E}">
-        <p14:creationId xmlns:p14="http://schemas.microsoft.com/office/powerpoint/2010/main" val="924403351"/>
+        <p14:creationId xmlns:p14="http://schemas.microsoft.com/office/powerpoint/2010/main" val="455349659"/>
+      </p:ext>
+    </p:extLst>
+  </p:cSld>
+  <p:clrMapOvr>
+    <a:masterClrMapping/>
+  </p:clrMapOvr>
+  <p:timing>
+    <p:tnLst>
+      <p:par>
+        <p:cTn id="1" dur="indefinite" restart="never" nodeType="tmRoot"/>
+      </p:par>
+    </p:tnLst>
+  </p:timing>
+</p:sld>
+</file>
+
+<file path=ppt/slides/slide19.xml><?xml version="1.0" encoding="utf-8"?>
+<p:sld xmlns:a="http://schemas.openxmlformats.org/drawingml/2006/main" xmlns:r="http://schemas.openxmlformats.org/officeDocument/2006/relationships" xmlns:p="http://schemas.openxmlformats.org/presentationml/2006/main">
+  <p:cSld>
+    <p:spTree>
+      <p:nvGrpSpPr>
+        <p:cNvPr id="1" name=""/>
+        <p:cNvGrpSpPr/>
+        <p:nvPr/>
+      </p:nvGrpSpPr>
+      <p:grpSpPr>
+        <a:xfrm>
+          <a:off x="0" y="0"/>
+          <a:ext cx="0" cy="0"/>
+          <a:chOff x="0" y="0"/>
+          <a:chExt cx="0" cy="0"/>
+        </a:xfrm>
+      </p:grpSpPr>
+      <p:sp>
+        <p:nvSpPr>
+          <p:cNvPr id="2" name="Title 1"/>
+          <p:cNvSpPr>
+            <a:spLocks noGrp="1"/>
+          </p:cNvSpPr>
+          <p:nvPr>
+            <p:ph type="title"/>
+          </p:nvPr>
+        </p:nvSpPr>
+        <p:spPr/>
+        <p:txBody>
+          <a:bodyPr/>
+          <a:lstStyle/>
+          <a:p>
+            <a:r>
+              <a:rPr lang="en-US" dirty="0" smtClean="0"/>
+              <a:t>AngularJS </a:t>
+            </a:r>
+            <a:r>
+              <a:rPr lang="en-US" dirty="0" smtClean="0"/>
+              <a:t>Views</a:t>
+            </a:r>
+            <a:endParaRPr lang="en-US" dirty="0"/>
+          </a:p>
+        </p:txBody>
+      </p:sp>
+      <p:sp>
+        <p:nvSpPr>
+          <p:cNvPr id="6" name="Content Placeholder 2"/>
+          <p:cNvSpPr txBox="1">
+            <a:spLocks/>
+          </p:cNvSpPr>
+          <p:nvPr/>
+        </p:nvSpPr>
+        <p:spPr>
+          <a:xfrm>
+            <a:off x="457200" y="1600200"/>
+            <a:ext cx="8229600" cy="4876800"/>
+          </a:xfrm>
+          <a:prstGeom prst="rect">
+            <a:avLst/>
+          </a:prstGeom>
+        </p:spPr>
+        <p:txBody>
+          <a:bodyPr vert="horz" lIns="91440" tIns="45720" rIns="91440" bIns="45720" rtlCol="0">
+            <a:normAutofit/>
+          </a:bodyPr>
+          <a:lstStyle>
+            <a:lvl1pPr marL="182880" indent="-182880" algn="l" defTabSz="914400" rtl="0" eaLnBrk="1" latinLnBrk="0" hangingPunct="1">
+              <a:spcBef>
+                <a:spcPct val="20000"/>
+              </a:spcBef>
+              <a:buClr>
+                <a:schemeClr val="accent1"/>
+              </a:buClr>
+              <a:buSzPct val="85000"/>
+              <a:buFont typeface="Arial" pitchFamily="34" charset="0"/>
+              <a:buChar char="•"/>
+              <a:defRPr sz="2400" kern="1200">
+                <a:solidFill>
+                  <a:schemeClr val="tx1"/>
+                </a:solidFill>
+                <a:latin typeface="+mn-lt"/>
+                <a:ea typeface="+mn-ea"/>
+                <a:cs typeface="+mn-cs"/>
+              </a:defRPr>
+            </a:lvl1pPr>
+            <a:lvl2pPr marL="457200" indent="-182880" algn="l" defTabSz="914400" rtl="0" eaLnBrk="1" latinLnBrk="0" hangingPunct="1">
+              <a:spcBef>
+                <a:spcPct val="20000"/>
+              </a:spcBef>
+              <a:buClr>
+                <a:schemeClr val="accent1"/>
+              </a:buClr>
+              <a:buSzPct val="85000"/>
+              <a:buFont typeface="Arial" pitchFamily="34" charset="0"/>
+              <a:buChar char="•"/>
+              <a:defRPr sz="2000" kern="1200">
+                <a:solidFill>
+                  <a:schemeClr val="tx1"/>
+                </a:solidFill>
+                <a:latin typeface="+mn-lt"/>
+                <a:ea typeface="+mn-ea"/>
+                <a:cs typeface="+mn-cs"/>
+              </a:defRPr>
+            </a:lvl2pPr>
+            <a:lvl3pPr marL="731520" indent="-182880" algn="l" defTabSz="914400" rtl="0" eaLnBrk="1" latinLnBrk="0" hangingPunct="1">
+              <a:spcBef>
+                <a:spcPct val="20000"/>
+              </a:spcBef>
+              <a:buClr>
+                <a:schemeClr val="accent1"/>
+              </a:buClr>
+              <a:buSzPct val="90000"/>
+              <a:buFont typeface="Arial" pitchFamily="34" charset="0"/>
+              <a:buChar char="•"/>
+              <a:defRPr sz="1800" kern="1200">
+                <a:solidFill>
+                  <a:schemeClr val="tx1"/>
+                </a:solidFill>
+                <a:latin typeface="+mn-lt"/>
+                <a:ea typeface="+mn-ea"/>
+                <a:cs typeface="+mn-cs"/>
+              </a:defRPr>
+            </a:lvl3pPr>
+            <a:lvl4pPr marL="1005840" indent="-182880" algn="l" defTabSz="914400" rtl="0" eaLnBrk="1" latinLnBrk="0" hangingPunct="1">
+              <a:spcBef>
+                <a:spcPct val="20000"/>
+              </a:spcBef>
+              <a:buClr>
+                <a:schemeClr val="accent1"/>
+              </a:buClr>
+              <a:buFont typeface="Arial" pitchFamily="34" charset="0"/>
+              <a:buChar char="•"/>
+              <a:defRPr sz="1600" kern="1200">
+                <a:solidFill>
+                  <a:schemeClr val="tx1"/>
+                </a:solidFill>
+                <a:latin typeface="+mn-lt"/>
+                <a:ea typeface="+mn-ea"/>
+                <a:cs typeface="+mn-cs"/>
+              </a:defRPr>
+            </a:lvl4pPr>
+            <a:lvl5pPr marL="1188720" indent="-137160" algn="l" defTabSz="914400" rtl="0" eaLnBrk="1" latinLnBrk="0" hangingPunct="1">
+              <a:spcBef>
+                <a:spcPct val="20000"/>
+              </a:spcBef>
+              <a:buClr>
+                <a:schemeClr val="accent1"/>
+              </a:buClr>
+              <a:buSzPct val="100000"/>
+              <a:buFont typeface="Arial" pitchFamily="34" charset="0"/>
+              <a:buChar char="•"/>
+              <a:defRPr sz="1400" kern="1200" baseline="0">
+                <a:solidFill>
+                  <a:schemeClr val="tx1"/>
+                </a:solidFill>
+                <a:latin typeface="+mn-lt"/>
+                <a:ea typeface="+mn-ea"/>
+                <a:cs typeface="+mn-cs"/>
+              </a:defRPr>
+            </a:lvl5pPr>
+            <a:lvl6pPr marL="1371600" indent="-182880" algn="l" defTabSz="914400" rtl="0" eaLnBrk="1" latinLnBrk="0" hangingPunct="1">
+              <a:spcBef>
+                <a:spcPct val="20000"/>
+              </a:spcBef>
+              <a:buClr>
+                <a:schemeClr val="accent1"/>
+              </a:buClr>
+              <a:buFont typeface="Arial" pitchFamily="34" charset="0"/>
+              <a:buChar char="•"/>
+              <a:defRPr sz="1300" kern="1200">
+                <a:solidFill>
+                  <a:schemeClr val="tx1"/>
+                </a:solidFill>
+                <a:latin typeface="+mn-lt"/>
+                <a:ea typeface="+mn-ea"/>
+                <a:cs typeface="+mn-cs"/>
+              </a:defRPr>
+            </a:lvl6pPr>
+            <a:lvl7pPr marL="1554480" indent="-182880" algn="l" defTabSz="914400" rtl="0" eaLnBrk="1" latinLnBrk="0" hangingPunct="1">
+              <a:spcBef>
+                <a:spcPct val="20000"/>
+              </a:spcBef>
+              <a:buClr>
+                <a:schemeClr val="accent1"/>
+              </a:buClr>
+              <a:buFont typeface="Arial" pitchFamily="34" charset="0"/>
+              <a:buChar char="•"/>
+              <a:defRPr sz="1300" kern="1200">
+                <a:solidFill>
+                  <a:schemeClr val="tx1"/>
+                </a:solidFill>
+                <a:latin typeface="+mn-lt"/>
+                <a:ea typeface="+mn-ea"/>
+                <a:cs typeface="+mn-cs"/>
+              </a:defRPr>
+            </a:lvl7pPr>
+            <a:lvl8pPr marL="1737360" indent="-182880" algn="l" defTabSz="914400" rtl="0" eaLnBrk="1" latinLnBrk="0" hangingPunct="1">
+              <a:spcBef>
+                <a:spcPct val="20000"/>
+              </a:spcBef>
+              <a:buClr>
+                <a:schemeClr val="accent1"/>
+              </a:buClr>
+              <a:buFont typeface="Arial" pitchFamily="34" charset="0"/>
+              <a:buChar char="•"/>
+              <a:defRPr sz="1300" kern="1200">
+                <a:solidFill>
+                  <a:schemeClr val="tx1"/>
+                </a:solidFill>
+                <a:latin typeface="+mn-lt"/>
+                <a:ea typeface="+mn-ea"/>
+                <a:cs typeface="+mn-cs"/>
+              </a:defRPr>
+            </a:lvl8pPr>
+            <a:lvl9pPr marL="1920240" indent="-182880" algn="l" defTabSz="914400" rtl="0" eaLnBrk="1" latinLnBrk="0" hangingPunct="1">
+              <a:spcBef>
+                <a:spcPct val="20000"/>
+              </a:spcBef>
+              <a:buClr>
+                <a:schemeClr val="accent1"/>
+              </a:buClr>
+              <a:buFont typeface="Arial" pitchFamily="34" charset="0"/>
+              <a:buChar char="•"/>
+              <a:defRPr sz="1300" kern="1200">
+                <a:solidFill>
+                  <a:schemeClr val="tx1"/>
+                </a:solidFill>
+                <a:latin typeface="+mn-lt"/>
+                <a:ea typeface="+mn-ea"/>
+                <a:cs typeface="+mn-cs"/>
+              </a:defRPr>
+            </a:lvl9pPr>
+          </a:lstStyle>
+          <a:p>
+            <a:r>
+              <a:rPr lang="en-GB" sz="1600" dirty="0"/>
+              <a:t>AngularJS supports Single Page Application via multiple views on a single page. To do this AngularJS has provided </a:t>
+            </a:r>
+            <a:r>
+              <a:rPr lang="en-GB" sz="1600" b="1" dirty="0">
+                <a:solidFill>
+                  <a:srgbClr val="00B050"/>
+                </a:solidFill>
+              </a:rPr>
+              <a:t>ng-view</a:t>
+            </a:r>
+            <a:r>
+              <a:rPr lang="en-GB" sz="1600" dirty="0"/>
+              <a:t> and </a:t>
+            </a:r>
+            <a:r>
+              <a:rPr lang="en-GB" sz="1600" b="1" dirty="0">
+                <a:solidFill>
+                  <a:srgbClr val="00B050"/>
+                </a:solidFill>
+              </a:rPr>
+              <a:t>ng-template</a:t>
+            </a:r>
+            <a:r>
+              <a:rPr lang="en-GB" sz="1600" dirty="0"/>
+              <a:t> directives and </a:t>
+            </a:r>
+            <a:r>
+              <a:rPr lang="en-GB" sz="1600" b="1" dirty="0">
+                <a:solidFill>
+                  <a:srgbClr val="00B050"/>
+                </a:solidFill>
+              </a:rPr>
+              <a:t>$routeProvider </a:t>
+            </a:r>
+            <a:r>
+              <a:rPr lang="en-GB" sz="1600" dirty="0" smtClean="0"/>
+              <a:t>services</a:t>
+            </a:r>
+          </a:p>
+          <a:p>
+            <a:pPr lvl="1">
+              <a:buFont typeface="Wingdings" panose="05000000000000000000" pitchFamily="2" charset="2"/>
+              <a:buChar char="Ø"/>
+            </a:pPr>
+            <a:r>
+              <a:rPr lang="en-US" sz="1400" b="1" dirty="0" smtClean="0"/>
+              <a:t>ng-view</a:t>
+            </a:r>
+            <a:r>
+              <a:rPr lang="en-US" sz="1400" dirty="0" smtClean="0"/>
+              <a:t> – simply creates a place holder where a corresponding view can be placed based on the configuration</a:t>
+            </a:r>
+          </a:p>
+          <a:p>
+            <a:pPr lvl="1">
+              <a:buFont typeface="Wingdings" panose="05000000000000000000" pitchFamily="2" charset="2"/>
+              <a:buChar char="Ø"/>
+            </a:pPr>
+            <a:r>
+              <a:rPr lang="en-US" sz="1400" b="1" dirty="0" smtClean="0"/>
+              <a:t>ng-template</a:t>
+            </a:r>
+            <a:r>
+              <a:rPr lang="en-US" sz="1400" dirty="0" smtClean="0"/>
+              <a:t> – </a:t>
+            </a:r>
+            <a:r>
+              <a:rPr lang="en-GB" sz="1400" dirty="0" smtClean="0"/>
+              <a:t>directive </a:t>
+            </a:r>
+            <a:r>
+              <a:rPr lang="en-GB" sz="1400" dirty="0"/>
+              <a:t>is used to create an html view using script tag. It contains "id" attribute which is used by $routeProvider to map a view with a </a:t>
+            </a:r>
+            <a:r>
+              <a:rPr lang="en-GB" sz="1400" dirty="0" smtClean="0"/>
+              <a:t>controller</a:t>
+            </a:r>
+          </a:p>
+          <a:p>
+            <a:pPr lvl="1">
+              <a:buFont typeface="Wingdings" panose="05000000000000000000" pitchFamily="2" charset="2"/>
+              <a:buChar char="Ø"/>
+            </a:pPr>
+            <a:r>
+              <a:rPr lang="en-GB" sz="1400" b="1" dirty="0"/>
+              <a:t>$routeProvider</a:t>
+            </a:r>
+            <a:r>
+              <a:rPr lang="en-GB" sz="1400" dirty="0"/>
+              <a:t> is the key service which set the configuration of </a:t>
+            </a:r>
+            <a:r>
+              <a:rPr lang="en-GB" sz="1400" dirty="0" smtClean="0"/>
+              <a:t>URLs, </a:t>
+            </a:r>
+            <a:r>
+              <a:rPr lang="en-GB" sz="1400" dirty="0"/>
+              <a:t>map them with the corresponding html page or ng-template, and attach a controller with the same</a:t>
+            </a:r>
+            <a:endParaRPr lang="en-US" sz="1600" dirty="0"/>
+          </a:p>
+          <a:p>
+            <a:endParaRPr lang="en-US" sz="1600" dirty="0" smtClean="0"/>
+          </a:p>
+          <a:p>
+            <a:endParaRPr lang="en-US" sz="1600" dirty="0"/>
+          </a:p>
+          <a:p>
+            <a:endParaRPr lang="en-US" sz="1600" dirty="0" smtClean="0"/>
+          </a:p>
+        </p:txBody>
+      </p:sp>
+    </p:spTree>
+    <p:extLst>
+      <p:ext uri="{BB962C8B-B14F-4D97-AF65-F5344CB8AC3E}">
+        <p14:creationId xmlns:p14="http://schemas.microsoft.com/office/powerpoint/2010/main" val="4187617310"/>
       </p:ext>
     </p:extLst>
   </p:cSld>
@@ -5545,11 +7678,7 @@
           <a:p>
             <a:r>
               <a:rPr lang="en-US" dirty="0" smtClean="0"/>
-              <a:t>Angular</a:t>
-            </a:r>
-            <a:r>
-              <a:rPr lang="en-US" dirty="0" smtClean="0"/>
-              <a:t>JS</a:t>
+              <a:t>AngularJS</a:t>
             </a:r>
             <a:endParaRPr lang="en-US" dirty="0"/>
           </a:p>
@@ -5576,14 +7705,12 @@
               <a:rPr lang="en-GB" sz="1600" dirty="0" smtClean="0"/>
               <a:t>AngularJS is a powerful JavaScript framework</a:t>
             </a:r>
-            <a:endParaRPr lang="en-GB" sz="1600" dirty="0" smtClean="0"/>
           </a:p>
           <a:p>
             <a:r>
               <a:rPr lang="en-GB" sz="1600" dirty="0" smtClean="0"/>
               <a:t>Used in a Single Page Application (SPA) projects</a:t>
             </a:r>
-            <a:endParaRPr lang="en-GB" sz="1600" dirty="0" smtClean="0"/>
           </a:p>
           <a:p>
             <a:r>
@@ -5634,6 +7761,2575 @@
     <p:extLst>
       <p:ext uri="{BB962C8B-B14F-4D97-AF65-F5344CB8AC3E}">
         <p14:creationId xmlns:p14="http://schemas.microsoft.com/office/powerpoint/2010/main" val="3578744401"/>
+      </p:ext>
+    </p:extLst>
+  </p:cSld>
+  <p:clrMapOvr>
+    <a:masterClrMapping/>
+  </p:clrMapOvr>
+  <p:timing>
+    <p:tnLst>
+      <p:par>
+        <p:cTn id="1" dur="indefinite" restart="never" nodeType="tmRoot"/>
+      </p:par>
+    </p:tnLst>
+  </p:timing>
+</p:sld>
+</file>
+
+<file path=ppt/slides/slide20.xml><?xml version="1.0" encoding="utf-8"?>
+<p:sld xmlns:a="http://schemas.openxmlformats.org/drawingml/2006/main" xmlns:r="http://schemas.openxmlformats.org/officeDocument/2006/relationships" xmlns:p="http://schemas.openxmlformats.org/presentationml/2006/main">
+  <p:cSld>
+    <p:spTree>
+      <p:nvGrpSpPr>
+        <p:cNvPr id="1" name=""/>
+        <p:cNvGrpSpPr/>
+        <p:nvPr/>
+      </p:nvGrpSpPr>
+      <p:grpSpPr>
+        <a:xfrm>
+          <a:off x="0" y="0"/>
+          <a:ext cx="0" cy="0"/>
+          <a:chOff x="0" y="0"/>
+          <a:chExt cx="0" cy="0"/>
+        </a:xfrm>
+      </p:grpSpPr>
+      <p:sp>
+        <p:nvSpPr>
+          <p:cNvPr id="2" name="Title 1"/>
+          <p:cNvSpPr>
+            <a:spLocks noGrp="1"/>
+          </p:cNvSpPr>
+          <p:nvPr>
+            <p:ph type="title"/>
+          </p:nvPr>
+        </p:nvSpPr>
+        <p:spPr/>
+        <p:txBody>
+          <a:bodyPr/>
+          <a:lstStyle/>
+          <a:p>
+            <a:r>
+              <a:rPr lang="en-US" dirty="0" smtClean="0"/>
+              <a:t>Routing and Multiple Views</a:t>
+            </a:r>
+            <a:endParaRPr lang="en-US" dirty="0"/>
+          </a:p>
+        </p:txBody>
+      </p:sp>
+      <p:sp>
+        <p:nvSpPr>
+          <p:cNvPr id="6" name="Content Placeholder 2"/>
+          <p:cNvSpPr txBox="1">
+            <a:spLocks/>
+          </p:cNvSpPr>
+          <p:nvPr/>
+        </p:nvSpPr>
+        <p:spPr>
+          <a:xfrm>
+            <a:off x="457200" y="1600200"/>
+            <a:ext cx="8229600" cy="4876800"/>
+          </a:xfrm>
+          <a:prstGeom prst="rect">
+            <a:avLst/>
+          </a:prstGeom>
+        </p:spPr>
+        <p:txBody>
+          <a:bodyPr vert="horz" lIns="91440" tIns="45720" rIns="91440" bIns="45720" rtlCol="0">
+            <a:normAutofit/>
+          </a:bodyPr>
+          <a:lstStyle>
+            <a:lvl1pPr marL="182880" indent="-182880" algn="l" defTabSz="914400" rtl="0" eaLnBrk="1" latinLnBrk="0" hangingPunct="1">
+              <a:spcBef>
+                <a:spcPct val="20000"/>
+              </a:spcBef>
+              <a:buClr>
+                <a:schemeClr val="accent1"/>
+              </a:buClr>
+              <a:buSzPct val="85000"/>
+              <a:buFont typeface="Arial" pitchFamily="34" charset="0"/>
+              <a:buChar char="•"/>
+              <a:defRPr sz="2400" kern="1200">
+                <a:solidFill>
+                  <a:schemeClr val="tx1"/>
+                </a:solidFill>
+                <a:latin typeface="+mn-lt"/>
+                <a:ea typeface="+mn-ea"/>
+                <a:cs typeface="+mn-cs"/>
+              </a:defRPr>
+            </a:lvl1pPr>
+            <a:lvl2pPr marL="457200" indent="-182880" algn="l" defTabSz="914400" rtl="0" eaLnBrk="1" latinLnBrk="0" hangingPunct="1">
+              <a:spcBef>
+                <a:spcPct val="20000"/>
+              </a:spcBef>
+              <a:buClr>
+                <a:schemeClr val="accent1"/>
+              </a:buClr>
+              <a:buSzPct val="85000"/>
+              <a:buFont typeface="Arial" pitchFamily="34" charset="0"/>
+              <a:buChar char="•"/>
+              <a:defRPr sz="2000" kern="1200">
+                <a:solidFill>
+                  <a:schemeClr val="tx1"/>
+                </a:solidFill>
+                <a:latin typeface="+mn-lt"/>
+                <a:ea typeface="+mn-ea"/>
+                <a:cs typeface="+mn-cs"/>
+              </a:defRPr>
+            </a:lvl2pPr>
+            <a:lvl3pPr marL="731520" indent="-182880" algn="l" defTabSz="914400" rtl="0" eaLnBrk="1" latinLnBrk="0" hangingPunct="1">
+              <a:spcBef>
+                <a:spcPct val="20000"/>
+              </a:spcBef>
+              <a:buClr>
+                <a:schemeClr val="accent1"/>
+              </a:buClr>
+              <a:buSzPct val="90000"/>
+              <a:buFont typeface="Arial" pitchFamily="34" charset="0"/>
+              <a:buChar char="•"/>
+              <a:defRPr sz="1800" kern="1200">
+                <a:solidFill>
+                  <a:schemeClr val="tx1"/>
+                </a:solidFill>
+                <a:latin typeface="+mn-lt"/>
+                <a:ea typeface="+mn-ea"/>
+                <a:cs typeface="+mn-cs"/>
+              </a:defRPr>
+            </a:lvl3pPr>
+            <a:lvl4pPr marL="1005840" indent="-182880" algn="l" defTabSz="914400" rtl="0" eaLnBrk="1" latinLnBrk="0" hangingPunct="1">
+              <a:spcBef>
+                <a:spcPct val="20000"/>
+              </a:spcBef>
+              <a:buClr>
+                <a:schemeClr val="accent1"/>
+              </a:buClr>
+              <a:buFont typeface="Arial" pitchFamily="34" charset="0"/>
+              <a:buChar char="•"/>
+              <a:defRPr sz="1600" kern="1200">
+                <a:solidFill>
+                  <a:schemeClr val="tx1"/>
+                </a:solidFill>
+                <a:latin typeface="+mn-lt"/>
+                <a:ea typeface="+mn-ea"/>
+                <a:cs typeface="+mn-cs"/>
+              </a:defRPr>
+            </a:lvl4pPr>
+            <a:lvl5pPr marL="1188720" indent="-137160" algn="l" defTabSz="914400" rtl="0" eaLnBrk="1" latinLnBrk="0" hangingPunct="1">
+              <a:spcBef>
+                <a:spcPct val="20000"/>
+              </a:spcBef>
+              <a:buClr>
+                <a:schemeClr val="accent1"/>
+              </a:buClr>
+              <a:buSzPct val="100000"/>
+              <a:buFont typeface="Arial" pitchFamily="34" charset="0"/>
+              <a:buChar char="•"/>
+              <a:defRPr sz="1400" kern="1200" baseline="0">
+                <a:solidFill>
+                  <a:schemeClr val="tx1"/>
+                </a:solidFill>
+                <a:latin typeface="+mn-lt"/>
+                <a:ea typeface="+mn-ea"/>
+                <a:cs typeface="+mn-cs"/>
+              </a:defRPr>
+            </a:lvl5pPr>
+            <a:lvl6pPr marL="1371600" indent="-182880" algn="l" defTabSz="914400" rtl="0" eaLnBrk="1" latinLnBrk="0" hangingPunct="1">
+              <a:spcBef>
+                <a:spcPct val="20000"/>
+              </a:spcBef>
+              <a:buClr>
+                <a:schemeClr val="accent1"/>
+              </a:buClr>
+              <a:buFont typeface="Arial" pitchFamily="34" charset="0"/>
+              <a:buChar char="•"/>
+              <a:defRPr sz="1300" kern="1200">
+                <a:solidFill>
+                  <a:schemeClr val="tx1"/>
+                </a:solidFill>
+                <a:latin typeface="+mn-lt"/>
+                <a:ea typeface="+mn-ea"/>
+                <a:cs typeface="+mn-cs"/>
+              </a:defRPr>
+            </a:lvl6pPr>
+            <a:lvl7pPr marL="1554480" indent="-182880" algn="l" defTabSz="914400" rtl="0" eaLnBrk="1" latinLnBrk="0" hangingPunct="1">
+              <a:spcBef>
+                <a:spcPct val="20000"/>
+              </a:spcBef>
+              <a:buClr>
+                <a:schemeClr val="accent1"/>
+              </a:buClr>
+              <a:buFont typeface="Arial" pitchFamily="34" charset="0"/>
+              <a:buChar char="•"/>
+              <a:defRPr sz="1300" kern="1200">
+                <a:solidFill>
+                  <a:schemeClr val="tx1"/>
+                </a:solidFill>
+                <a:latin typeface="+mn-lt"/>
+                <a:ea typeface="+mn-ea"/>
+                <a:cs typeface="+mn-cs"/>
+              </a:defRPr>
+            </a:lvl7pPr>
+            <a:lvl8pPr marL="1737360" indent="-182880" algn="l" defTabSz="914400" rtl="0" eaLnBrk="1" latinLnBrk="0" hangingPunct="1">
+              <a:spcBef>
+                <a:spcPct val="20000"/>
+              </a:spcBef>
+              <a:buClr>
+                <a:schemeClr val="accent1"/>
+              </a:buClr>
+              <a:buFont typeface="Arial" pitchFamily="34" charset="0"/>
+              <a:buChar char="•"/>
+              <a:defRPr sz="1300" kern="1200">
+                <a:solidFill>
+                  <a:schemeClr val="tx1"/>
+                </a:solidFill>
+                <a:latin typeface="+mn-lt"/>
+                <a:ea typeface="+mn-ea"/>
+                <a:cs typeface="+mn-cs"/>
+              </a:defRPr>
+            </a:lvl8pPr>
+            <a:lvl9pPr marL="1920240" indent="-182880" algn="l" defTabSz="914400" rtl="0" eaLnBrk="1" latinLnBrk="0" hangingPunct="1">
+              <a:spcBef>
+                <a:spcPct val="20000"/>
+              </a:spcBef>
+              <a:buClr>
+                <a:schemeClr val="accent1"/>
+              </a:buClr>
+              <a:buFont typeface="Arial" pitchFamily="34" charset="0"/>
+              <a:buChar char="•"/>
+              <a:defRPr sz="1300" kern="1200">
+                <a:solidFill>
+                  <a:schemeClr val="tx1"/>
+                </a:solidFill>
+                <a:latin typeface="+mn-lt"/>
+                <a:ea typeface="+mn-ea"/>
+                <a:cs typeface="+mn-cs"/>
+              </a:defRPr>
+            </a:lvl9pPr>
+          </a:lstStyle>
+          <a:p>
+            <a:r>
+              <a:rPr lang="en-GB" sz="1600" b="1" dirty="0" smtClean="0"/>
+              <a:t>ngRoute module: </a:t>
+            </a:r>
+            <a:r>
+              <a:rPr lang="en-GB" sz="1600" dirty="0" smtClean="0"/>
+              <a:t>is disturbed separately from the core Angular framework</a:t>
+            </a:r>
+          </a:p>
+          <a:p>
+            <a:r>
+              <a:rPr lang="en-GB" sz="1600" dirty="0" smtClean="0"/>
+              <a:t>Provides routing and deep linking services and directives for angular apps</a:t>
+            </a:r>
+          </a:p>
+          <a:p>
+            <a:r>
+              <a:rPr lang="en-GB" sz="1600" dirty="0"/>
+              <a:t>Application routes in Angular are declared via the </a:t>
+            </a:r>
+            <a:r>
+              <a:rPr lang="en-GB" sz="1600" dirty="0">
+                <a:hlinkClick r:id="rId2"/>
+              </a:rPr>
+              <a:t>$routeProvider</a:t>
+            </a:r>
+            <a:r>
+              <a:rPr lang="en-GB" sz="1600" dirty="0"/>
+              <a:t>, which is the provider of the </a:t>
+            </a:r>
+            <a:r>
+              <a:rPr lang="en-GB" sz="1600" dirty="0">
+                <a:hlinkClick r:id="rId3"/>
+              </a:rPr>
+              <a:t>$route service</a:t>
+            </a:r>
+            <a:r>
+              <a:rPr lang="en-GB" sz="1600" dirty="0"/>
+              <a:t>.  This service makes it easy to wire together controllers, view templates, and the current URL location in the browser. Using this feature, we can implement </a:t>
+            </a:r>
+            <a:r>
+              <a:rPr lang="en-GB" sz="1600" dirty="0">
+                <a:hlinkClick r:id="rId4"/>
+              </a:rPr>
+              <a:t>deep linking</a:t>
+            </a:r>
+            <a:r>
+              <a:rPr lang="en-GB" sz="1600" dirty="0"/>
+              <a:t>, which lets us utilize the browser's history (back and forward navigation) and </a:t>
+            </a:r>
+            <a:r>
+              <a:rPr lang="en-GB" sz="1600" dirty="0" smtClean="0"/>
+              <a:t>bookmarks</a:t>
+            </a:r>
+          </a:p>
+        </p:txBody>
+      </p:sp>
+    </p:spTree>
+    <p:extLst>
+      <p:ext uri="{BB962C8B-B14F-4D97-AF65-F5344CB8AC3E}">
+        <p14:creationId xmlns:p14="http://schemas.microsoft.com/office/powerpoint/2010/main" val="475202200"/>
+      </p:ext>
+    </p:extLst>
+  </p:cSld>
+  <p:clrMapOvr>
+    <a:masterClrMapping/>
+  </p:clrMapOvr>
+  <p:timing>
+    <p:tnLst>
+      <p:par>
+        <p:cTn id="1" dur="indefinite" restart="never" nodeType="tmRoot"/>
+      </p:par>
+    </p:tnLst>
+  </p:timing>
+</p:sld>
+</file>
+
+<file path=ppt/slides/slide21.xml><?xml version="1.0" encoding="utf-8"?>
+<p:sld xmlns:a="http://schemas.openxmlformats.org/drawingml/2006/main" xmlns:r="http://schemas.openxmlformats.org/officeDocument/2006/relationships" xmlns:p="http://schemas.openxmlformats.org/presentationml/2006/main">
+  <p:cSld>
+    <p:spTree>
+      <p:nvGrpSpPr>
+        <p:cNvPr id="1" name=""/>
+        <p:cNvGrpSpPr/>
+        <p:nvPr/>
+      </p:nvGrpSpPr>
+      <p:grpSpPr>
+        <a:xfrm>
+          <a:off x="0" y="0"/>
+          <a:ext cx="0" cy="0"/>
+          <a:chOff x="0" y="0"/>
+          <a:chExt cx="0" cy="0"/>
+        </a:xfrm>
+      </p:grpSpPr>
+      <p:sp>
+        <p:nvSpPr>
+          <p:cNvPr id="2" name="Title 1"/>
+          <p:cNvSpPr>
+            <a:spLocks noGrp="1"/>
+          </p:cNvSpPr>
+          <p:nvPr>
+            <p:ph type="title"/>
+          </p:nvPr>
+        </p:nvSpPr>
+        <p:spPr/>
+        <p:txBody>
+          <a:bodyPr/>
+          <a:lstStyle/>
+          <a:p>
+            <a:r>
+              <a:rPr lang="en-US" dirty="0" smtClean="0"/>
+              <a:t>AngularJS – HTTP Service</a:t>
+            </a:r>
+            <a:endParaRPr lang="en-US" dirty="0"/>
+          </a:p>
+        </p:txBody>
+      </p:sp>
+      <p:sp>
+        <p:nvSpPr>
+          <p:cNvPr id="6" name="Content Placeholder 2"/>
+          <p:cNvSpPr txBox="1">
+            <a:spLocks/>
+          </p:cNvSpPr>
+          <p:nvPr/>
+        </p:nvSpPr>
+        <p:spPr>
+          <a:xfrm>
+            <a:off x="457200" y="1600200"/>
+            <a:ext cx="8229600" cy="4876800"/>
+          </a:xfrm>
+          <a:prstGeom prst="rect">
+            <a:avLst/>
+          </a:prstGeom>
+        </p:spPr>
+        <p:txBody>
+          <a:bodyPr vert="horz" lIns="91440" tIns="45720" rIns="91440" bIns="45720" rtlCol="0">
+            <a:normAutofit/>
+          </a:bodyPr>
+          <a:lstStyle>
+            <a:lvl1pPr marL="182880" indent="-182880" algn="l" defTabSz="914400" rtl="0" eaLnBrk="1" latinLnBrk="0" hangingPunct="1">
+              <a:spcBef>
+                <a:spcPct val="20000"/>
+              </a:spcBef>
+              <a:buClr>
+                <a:schemeClr val="accent1"/>
+              </a:buClr>
+              <a:buSzPct val="85000"/>
+              <a:buFont typeface="Arial" pitchFamily="34" charset="0"/>
+              <a:buChar char="•"/>
+              <a:defRPr sz="2400" kern="1200">
+                <a:solidFill>
+                  <a:schemeClr val="tx1"/>
+                </a:solidFill>
+                <a:latin typeface="+mn-lt"/>
+                <a:ea typeface="+mn-ea"/>
+                <a:cs typeface="+mn-cs"/>
+              </a:defRPr>
+            </a:lvl1pPr>
+            <a:lvl2pPr marL="457200" indent="-182880" algn="l" defTabSz="914400" rtl="0" eaLnBrk="1" latinLnBrk="0" hangingPunct="1">
+              <a:spcBef>
+                <a:spcPct val="20000"/>
+              </a:spcBef>
+              <a:buClr>
+                <a:schemeClr val="accent1"/>
+              </a:buClr>
+              <a:buSzPct val="85000"/>
+              <a:buFont typeface="Arial" pitchFamily="34" charset="0"/>
+              <a:buChar char="•"/>
+              <a:defRPr sz="2000" kern="1200">
+                <a:solidFill>
+                  <a:schemeClr val="tx1"/>
+                </a:solidFill>
+                <a:latin typeface="+mn-lt"/>
+                <a:ea typeface="+mn-ea"/>
+                <a:cs typeface="+mn-cs"/>
+              </a:defRPr>
+            </a:lvl2pPr>
+            <a:lvl3pPr marL="731520" indent="-182880" algn="l" defTabSz="914400" rtl="0" eaLnBrk="1" latinLnBrk="0" hangingPunct="1">
+              <a:spcBef>
+                <a:spcPct val="20000"/>
+              </a:spcBef>
+              <a:buClr>
+                <a:schemeClr val="accent1"/>
+              </a:buClr>
+              <a:buSzPct val="90000"/>
+              <a:buFont typeface="Arial" pitchFamily="34" charset="0"/>
+              <a:buChar char="•"/>
+              <a:defRPr sz="1800" kern="1200">
+                <a:solidFill>
+                  <a:schemeClr val="tx1"/>
+                </a:solidFill>
+                <a:latin typeface="+mn-lt"/>
+                <a:ea typeface="+mn-ea"/>
+                <a:cs typeface="+mn-cs"/>
+              </a:defRPr>
+            </a:lvl3pPr>
+            <a:lvl4pPr marL="1005840" indent="-182880" algn="l" defTabSz="914400" rtl="0" eaLnBrk="1" latinLnBrk="0" hangingPunct="1">
+              <a:spcBef>
+                <a:spcPct val="20000"/>
+              </a:spcBef>
+              <a:buClr>
+                <a:schemeClr val="accent1"/>
+              </a:buClr>
+              <a:buFont typeface="Arial" pitchFamily="34" charset="0"/>
+              <a:buChar char="•"/>
+              <a:defRPr sz="1600" kern="1200">
+                <a:solidFill>
+                  <a:schemeClr val="tx1"/>
+                </a:solidFill>
+                <a:latin typeface="+mn-lt"/>
+                <a:ea typeface="+mn-ea"/>
+                <a:cs typeface="+mn-cs"/>
+              </a:defRPr>
+            </a:lvl4pPr>
+            <a:lvl5pPr marL="1188720" indent="-137160" algn="l" defTabSz="914400" rtl="0" eaLnBrk="1" latinLnBrk="0" hangingPunct="1">
+              <a:spcBef>
+                <a:spcPct val="20000"/>
+              </a:spcBef>
+              <a:buClr>
+                <a:schemeClr val="accent1"/>
+              </a:buClr>
+              <a:buSzPct val="100000"/>
+              <a:buFont typeface="Arial" pitchFamily="34" charset="0"/>
+              <a:buChar char="•"/>
+              <a:defRPr sz="1400" kern="1200" baseline="0">
+                <a:solidFill>
+                  <a:schemeClr val="tx1"/>
+                </a:solidFill>
+                <a:latin typeface="+mn-lt"/>
+                <a:ea typeface="+mn-ea"/>
+                <a:cs typeface="+mn-cs"/>
+              </a:defRPr>
+            </a:lvl5pPr>
+            <a:lvl6pPr marL="1371600" indent="-182880" algn="l" defTabSz="914400" rtl="0" eaLnBrk="1" latinLnBrk="0" hangingPunct="1">
+              <a:spcBef>
+                <a:spcPct val="20000"/>
+              </a:spcBef>
+              <a:buClr>
+                <a:schemeClr val="accent1"/>
+              </a:buClr>
+              <a:buFont typeface="Arial" pitchFamily="34" charset="0"/>
+              <a:buChar char="•"/>
+              <a:defRPr sz="1300" kern="1200">
+                <a:solidFill>
+                  <a:schemeClr val="tx1"/>
+                </a:solidFill>
+                <a:latin typeface="+mn-lt"/>
+                <a:ea typeface="+mn-ea"/>
+                <a:cs typeface="+mn-cs"/>
+              </a:defRPr>
+            </a:lvl6pPr>
+            <a:lvl7pPr marL="1554480" indent="-182880" algn="l" defTabSz="914400" rtl="0" eaLnBrk="1" latinLnBrk="0" hangingPunct="1">
+              <a:spcBef>
+                <a:spcPct val="20000"/>
+              </a:spcBef>
+              <a:buClr>
+                <a:schemeClr val="accent1"/>
+              </a:buClr>
+              <a:buFont typeface="Arial" pitchFamily="34" charset="0"/>
+              <a:buChar char="•"/>
+              <a:defRPr sz="1300" kern="1200">
+                <a:solidFill>
+                  <a:schemeClr val="tx1"/>
+                </a:solidFill>
+                <a:latin typeface="+mn-lt"/>
+                <a:ea typeface="+mn-ea"/>
+                <a:cs typeface="+mn-cs"/>
+              </a:defRPr>
+            </a:lvl7pPr>
+            <a:lvl8pPr marL="1737360" indent="-182880" algn="l" defTabSz="914400" rtl="0" eaLnBrk="1" latinLnBrk="0" hangingPunct="1">
+              <a:spcBef>
+                <a:spcPct val="20000"/>
+              </a:spcBef>
+              <a:buClr>
+                <a:schemeClr val="accent1"/>
+              </a:buClr>
+              <a:buFont typeface="Arial" pitchFamily="34" charset="0"/>
+              <a:buChar char="•"/>
+              <a:defRPr sz="1300" kern="1200">
+                <a:solidFill>
+                  <a:schemeClr val="tx1"/>
+                </a:solidFill>
+                <a:latin typeface="+mn-lt"/>
+                <a:ea typeface="+mn-ea"/>
+                <a:cs typeface="+mn-cs"/>
+              </a:defRPr>
+            </a:lvl8pPr>
+            <a:lvl9pPr marL="1920240" indent="-182880" algn="l" defTabSz="914400" rtl="0" eaLnBrk="1" latinLnBrk="0" hangingPunct="1">
+              <a:spcBef>
+                <a:spcPct val="20000"/>
+              </a:spcBef>
+              <a:buClr>
+                <a:schemeClr val="accent1"/>
+              </a:buClr>
+              <a:buFont typeface="Arial" pitchFamily="34" charset="0"/>
+              <a:buChar char="•"/>
+              <a:defRPr sz="1300" kern="1200">
+                <a:solidFill>
+                  <a:schemeClr val="tx1"/>
+                </a:solidFill>
+                <a:latin typeface="+mn-lt"/>
+                <a:ea typeface="+mn-ea"/>
+                <a:cs typeface="+mn-cs"/>
+              </a:defRPr>
+            </a:lvl9pPr>
+          </a:lstStyle>
+          <a:p>
+            <a:r>
+              <a:rPr lang="en-GB" sz="1600" dirty="0"/>
+              <a:t>AngularJS provides </a:t>
+            </a:r>
+            <a:r>
+              <a:rPr lang="en-GB" sz="1600" b="1" dirty="0">
+                <a:solidFill>
+                  <a:srgbClr val="00B050"/>
+                </a:solidFill>
+              </a:rPr>
+              <a:t>$http </a:t>
+            </a:r>
+            <a:r>
+              <a:rPr lang="en-GB" sz="1600" dirty="0"/>
+              <a:t>control which works as a service to read data from the server. The server makes a database call to get the desired </a:t>
+            </a:r>
+            <a:r>
+              <a:rPr lang="en-GB" sz="1600" dirty="0" smtClean="0"/>
+              <a:t>records</a:t>
+            </a:r>
+          </a:p>
+          <a:p>
+            <a:endParaRPr lang="en-GB" sz="1600" dirty="0" smtClean="0"/>
+          </a:p>
+        </p:txBody>
+      </p:sp>
+      <p:pic>
+        <p:nvPicPr>
+          <p:cNvPr id="6146" name="Picture 2"/>
+          <p:cNvPicPr>
+            <a:picLocks noChangeAspect="1" noChangeArrowheads="1"/>
+          </p:cNvPicPr>
+          <p:nvPr/>
+        </p:nvPicPr>
+        <p:blipFill>
+          <a:blip r:embed="rId2">
+            <a:extLst>
+              <a:ext uri="{28A0092B-C50C-407E-A947-70E740481C1C}">
+                <a14:useLocalDpi xmlns:a14="http://schemas.microsoft.com/office/drawing/2010/main" val="0"/>
+              </a:ext>
+            </a:extLst>
+          </a:blip>
+          <a:srcRect/>
+          <a:stretch>
+            <a:fillRect/>
+          </a:stretch>
+        </p:blipFill>
+        <p:spPr bwMode="auto">
+          <a:xfrm>
+            <a:off x="755576" y="2420888"/>
+            <a:ext cx="3238500" cy="1295400"/>
+          </a:xfrm>
+          <a:prstGeom prst="rect">
+            <a:avLst/>
+          </a:prstGeom>
+          <a:noFill/>
+          <a:ln>
+            <a:noFill/>
+          </a:ln>
+          <a:extLst>
+            <a:ext uri="{909E8E84-426E-40DD-AFC4-6F175D3DCCD1}">
+              <a14:hiddenFill xmlns:a14="http://schemas.microsoft.com/office/drawing/2010/main">
+                <a:solidFill>
+                  <a:schemeClr val="accent1"/>
+                </a:solidFill>
+              </a14:hiddenFill>
+            </a:ext>
+            <a:ext uri="{91240B29-F687-4F45-9708-019B960494DF}">
+              <a14:hiddenLine xmlns:a14="http://schemas.microsoft.com/office/drawing/2010/main" w="9525">
+                <a:solidFill>
+                  <a:schemeClr val="tx1"/>
+                </a:solidFill>
+                <a:miter lim="800000"/>
+                <a:headEnd/>
+                <a:tailEnd/>
+              </a14:hiddenLine>
+            </a:ext>
+          </a:extLst>
+        </p:spPr>
+      </p:pic>
+    </p:spTree>
+    <p:extLst>
+      <p:ext uri="{BB962C8B-B14F-4D97-AF65-F5344CB8AC3E}">
+        <p14:creationId xmlns:p14="http://schemas.microsoft.com/office/powerpoint/2010/main" val="1605535473"/>
+      </p:ext>
+    </p:extLst>
+  </p:cSld>
+  <p:clrMapOvr>
+    <a:masterClrMapping/>
+  </p:clrMapOvr>
+  <p:timing>
+    <p:tnLst>
+      <p:par>
+        <p:cTn id="1" dur="indefinite" restart="never" nodeType="tmRoot"/>
+      </p:par>
+    </p:tnLst>
+  </p:timing>
+</p:sld>
+</file>
+
+<file path=ppt/slides/slide22.xml><?xml version="1.0" encoding="utf-8"?>
+<p:sld xmlns:a="http://schemas.openxmlformats.org/drawingml/2006/main" xmlns:r="http://schemas.openxmlformats.org/officeDocument/2006/relationships" xmlns:p="http://schemas.openxmlformats.org/presentationml/2006/main">
+  <p:cSld>
+    <p:spTree>
+      <p:nvGrpSpPr>
+        <p:cNvPr id="1" name=""/>
+        <p:cNvGrpSpPr/>
+        <p:nvPr/>
+      </p:nvGrpSpPr>
+      <p:grpSpPr>
+        <a:xfrm>
+          <a:off x="0" y="0"/>
+          <a:ext cx="0" cy="0"/>
+          <a:chOff x="0" y="0"/>
+          <a:chExt cx="0" cy="0"/>
+        </a:xfrm>
+      </p:grpSpPr>
+      <p:sp>
+        <p:nvSpPr>
+          <p:cNvPr id="2" name="Title 1"/>
+          <p:cNvSpPr>
+            <a:spLocks noGrp="1"/>
+          </p:cNvSpPr>
+          <p:nvPr>
+            <p:ph type="title"/>
+          </p:nvPr>
+        </p:nvSpPr>
+        <p:spPr/>
+        <p:txBody>
+          <a:bodyPr/>
+          <a:lstStyle/>
+          <a:p>
+            <a:r>
+              <a:rPr lang="en-US" dirty="0" smtClean="0"/>
+              <a:t>AngularJS – Internationalization</a:t>
+            </a:r>
+            <a:endParaRPr lang="en-US" dirty="0"/>
+          </a:p>
+        </p:txBody>
+      </p:sp>
+      <p:sp>
+        <p:nvSpPr>
+          <p:cNvPr id="6" name="Content Placeholder 2"/>
+          <p:cNvSpPr txBox="1">
+            <a:spLocks/>
+          </p:cNvSpPr>
+          <p:nvPr/>
+        </p:nvSpPr>
+        <p:spPr>
+          <a:xfrm>
+            <a:off x="457200" y="1600200"/>
+            <a:ext cx="8229600" cy="4876800"/>
+          </a:xfrm>
+          <a:prstGeom prst="rect">
+            <a:avLst/>
+          </a:prstGeom>
+        </p:spPr>
+        <p:txBody>
+          <a:bodyPr vert="horz" lIns="91440" tIns="45720" rIns="91440" bIns="45720" rtlCol="0">
+            <a:normAutofit/>
+          </a:bodyPr>
+          <a:lstStyle>
+            <a:lvl1pPr marL="182880" indent="-182880" algn="l" defTabSz="914400" rtl="0" eaLnBrk="1" latinLnBrk="0" hangingPunct="1">
+              <a:spcBef>
+                <a:spcPct val="20000"/>
+              </a:spcBef>
+              <a:buClr>
+                <a:schemeClr val="accent1"/>
+              </a:buClr>
+              <a:buSzPct val="85000"/>
+              <a:buFont typeface="Arial" pitchFamily="34" charset="0"/>
+              <a:buChar char="•"/>
+              <a:defRPr sz="2400" kern="1200">
+                <a:solidFill>
+                  <a:schemeClr val="tx1"/>
+                </a:solidFill>
+                <a:latin typeface="+mn-lt"/>
+                <a:ea typeface="+mn-ea"/>
+                <a:cs typeface="+mn-cs"/>
+              </a:defRPr>
+            </a:lvl1pPr>
+            <a:lvl2pPr marL="457200" indent="-182880" algn="l" defTabSz="914400" rtl="0" eaLnBrk="1" latinLnBrk="0" hangingPunct="1">
+              <a:spcBef>
+                <a:spcPct val="20000"/>
+              </a:spcBef>
+              <a:buClr>
+                <a:schemeClr val="accent1"/>
+              </a:buClr>
+              <a:buSzPct val="85000"/>
+              <a:buFont typeface="Arial" pitchFamily="34" charset="0"/>
+              <a:buChar char="•"/>
+              <a:defRPr sz="2000" kern="1200">
+                <a:solidFill>
+                  <a:schemeClr val="tx1"/>
+                </a:solidFill>
+                <a:latin typeface="+mn-lt"/>
+                <a:ea typeface="+mn-ea"/>
+                <a:cs typeface="+mn-cs"/>
+              </a:defRPr>
+            </a:lvl2pPr>
+            <a:lvl3pPr marL="731520" indent="-182880" algn="l" defTabSz="914400" rtl="0" eaLnBrk="1" latinLnBrk="0" hangingPunct="1">
+              <a:spcBef>
+                <a:spcPct val="20000"/>
+              </a:spcBef>
+              <a:buClr>
+                <a:schemeClr val="accent1"/>
+              </a:buClr>
+              <a:buSzPct val="90000"/>
+              <a:buFont typeface="Arial" pitchFamily="34" charset="0"/>
+              <a:buChar char="•"/>
+              <a:defRPr sz="1800" kern="1200">
+                <a:solidFill>
+                  <a:schemeClr val="tx1"/>
+                </a:solidFill>
+                <a:latin typeface="+mn-lt"/>
+                <a:ea typeface="+mn-ea"/>
+                <a:cs typeface="+mn-cs"/>
+              </a:defRPr>
+            </a:lvl3pPr>
+            <a:lvl4pPr marL="1005840" indent="-182880" algn="l" defTabSz="914400" rtl="0" eaLnBrk="1" latinLnBrk="0" hangingPunct="1">
+              <a:spcBef>
+                <a:spcPct val="20000"/>
+              </a:spcBef>
+              <a:buClr>
+                <a:schemeClr val="accent1"/>
+              </a:buClr>
+              <a:buFont typeface="Arial" pitchFamily="34" charset="0"/>
+              <a:buChar char="•"/>
+              <a:defRPr sz="1600" kern="1200">
+                <a:solidFill>
+                  <a:schemeClr val="tx1"/>
+                </a:solidFill>
+                <a:latin typeface="+mn-lt"/>
+                <a:ea typeface="+mn-ea"/>
+                <a:cs typeface="+mn-cs"/>
+              </a:defRPr>
+            </a:lvl4pPr>
+            <a:lvl5pPr marL="1188720" indent="-137160" algn="l" defTabSz="914400" rtl="0" eaLnBrk="1" latinLnBrk="0" hangingPunct="1">
+              <a:spcBef>
+                <a:spcPct val="20000"/>
+              </a:spcBef>
+              <a:buClr>
+                <a:schemeClr val="accent1"/>
+              </a:buClr>
+              <a:buSzPct val="100000"/>
+              <a:buFont typeface="Arial" pitchFamily="34" charset="0"/>
+              <a:buChar char="•"/>
+              <a:defRPr sz="1400" kern="1200" baseline="0">
+                <a:solidFill>
+                  <a:schemeClr val="tx1"/>
+                </a:solidFill>
+                <a:latin typeface="+mn-lt"/>
+                <a:ea typeface="+mn-ea"/>
+                <a:cs typeface="+mn-cs"/>
+              </a:defRPr>
+            </a:lvl5pPr>
+            <a:lvl6pPr marL="1371600" indent="-182880" algn="l" defTabSz="914400" rtl="0" eaLnBrk="1" latinLnBrk="0" hangingPunct="1">
+              <a:spcBef>
+                <a:spcPct val="20000"/>
+              </a:spcBef>
+              <a:buClr>
+                <a:schemeClr val="accent1"/>
+              </a:buClr>
+              <a:buFont typeface="Arial" pitchFamily="34" charset="0"/>
+              <a:buChar char="•"/>
+              <a:defRPr sz="1300" kern="1200">
+                <a:solidFill>
+                  <a:schemeClr val="tx1"/>
+                </a:solidFill>
+                <a:latin typeface="+mn-lt"/>
+                <a:ea typeface="+mn-ea"/>
+                <a:cs typeface="+mn-cs"/>
+              </a:defRPr>
+            </a:lvl6pPr>
+            <a:lvl7pPr marL="1554480" indent="-182880" algn="l" defTabSz="914400" rtl="0" eaLnBrk="1" latinLnBrk="0" hangingPunct="1">
+              <a:spcBef>
+                <a:spcPct val="20000"/>
+              </a:spcBef>
+              <a:buClr>
+                <a:schemeClr val="accent1"/>
+              </a:buClr>
+              <a:buFont typeface="Arial" pitchFamily="34" charset="0"/>
+              <a:buChar char="•"/>
+              <a:defRPr sz="1300" kern="1200">
+                <a:solidFill>
+                  <a:schemeClr val="tx1"/>
+                </a:solidFill>
+                <a:latin typeface="+mn-lt"/>
+                <a:ea typeface="+mn-ea"/>
+                <a:cs typeface="+mn-cs"/>
+              </a:defRPr>
+            </a:lvl7pPr>
+            <a:lvl8pPr marL="1737360" indent="-182880" algn="l" defTabSz="914400" rtl="0" eaLnBrk="1" latinLnBrk="0" hangingPunct="1">
+              <a:spcBef>
+                <a:spcPct val="20000"/>
+              </a:spcBef>
+              <a:buClr>
+                <a:schemeClr val="accent1"/>
+              </a:buClr>
+              <a:buFont typeface="Arial" pitchFamily="34" charset="0"/>
+              <a:buChar char="•"/>
+              <a:defRPr sz="1300" kern="1200">
+                <a:solidFill>
+                  <a:schemeClr val="tx1"/>
+                </a:solidFill>
+                <a:latin typeface="+mn-lt"/>
+                <a:ea typeface="+mn-ea"/>
+                <a:cs typeface="+mn-cs"/>
+              </a:defRPr>
+            </a:lvl8pPr>
+            <a:lvl9pPr marL="1920240" indent="-182880" algn="l" defTabSz="914400" rtl="0" eaLnBrk="1" latinLnBrk="0" hangingPunct="1">
+              <a:spcBef>
+                <a:spcPct val="20000"/>
+              </a:spcBef>
+              <a:buClr>
+                <a:schemeClr val="accent1"/>
+              </a:buClr>
+              <a:buFont typeface="Arial" pitchFamily="34" charset="0"/>
+              <a:buChar char="•"/>
+              <a:defRPr sz="1300" kern="1200">
+                <a:solidFill>
+                  <a:schemeClr val="tx1"/>
+                </a:solidFill>
+                <a:latin typeface="+mn-lt"/>
+                <a:ea typeface="+mn-ea"/>
+                <a:cs typeface="+mn-cs"/>
+              </a:defRPr>
+            </a:lvl9pPr>
+          </a:lstStyle>
+          <a:p>
+            <a:r>
+              <a:rPr lang="en-GB" sz="1600" dirty="0"/>
+              <a:t>AngularJS supports inbuilt </a:t>
+            </a:r>
+            <a:r>
+              <a:rPr lang="en-GB" sz="1600" dirty="0" smtClean="0"/>
+              <a:t>internationalization for </a:t>
+            </a:r>
+            <a:r>
+              <a:rPr lang="en-GB" sz="1600" dirty="0"/>
+              <a:t>three types of </a:t>
+            </a:r>
+            <a:r>
+              <a:rPr lang="en-GB" sz="1600" dirty="0" smtClean="0"/>
+              <a:t>filters:</a:t>
+            </a:r>
+          </a:p>
+          <a:p>
+            <a:pPr lvl="1"/>
+            <a:r>
+              <a:rPr lang="en-GB" sz="1400" dirty="0" smtClean="0"/>
+              <a:t>currency</a:t>
+            </a:r>
+            <a:r>
+              <a:rPr lang="en-GB" sz="1400" dirty="0"/>
+              <a:t>, date and </a:t>
+            </a:r>
+            <a:r>
+              <a:rPr lang="en-GB" sz="1400" dirty="0" smtClean="0"/>
+              <a:t>numbers</a:t>
+            </a:r>
+            <a:endParaRPr lang="en-GB" sz="1400" dirty="0" smtClean="0"/>
+          </a:p>
+        </p:txBody>
+      </p:sp>
+      <p:pic>
+        <p:nvPicPr>
+          <p:cNvPr id="7170" name="Picture 2"/>
+          <p:cNvPicPr>
+            <a:picLocks noChangeAspect="1" noChangeArrowheads="1"/>
+          </p:cNvPicPr>
+          <p:nvPr/>
+        </p:nvPicPr>
+        <p:blipFill>
+          <a:blip r:embed="rId2">
+            <a:extLst>
+              <a:ext uri="{28A0092B-C50C-407E-A947-70E740481C1C}">
+                <a14:useLocalDpi xmlns:a14="http://schemas.microsoft.com/office/drawing/2010/main" val="0"/>
+              </a:ext>
+            </a:extLst>
+          </a:blip>
+          <a:srcRect/>
+          <a:stretch>
+            <a:fillRect/>
+          </a:stretch>
+        </p:blipFill>
+        <p:spPr bwMode="auto">
+          <a:xfrm>
+            <a:off x="683568" y="2276872"/>
+            <a:ext cx="6619875" cy="4000500"/>
+          </a:xfrm>
+          <a:prstGeom prst="rect">
+            <a:avLst/>
+          </a:prstGeom>
+          <a:noFill/>
+          <a:ln>
+            <a:noFill/>
+          </a:ln>
+          <a:extLst>
+            <a:ext uri="{909E8E84-426E-40DD-AFC4-6F175D3DCCD1}">
+              <a14:hiddenFill xmlns:a14="http://schemas.microsoft.com/office/drawing/2010/main">
+                <a:solidFill>
+                  <a:schemeClr val="accent1"/>
+                </a:solidFill>
+              </a14:hiddenFill>
+            </a:ext>
+            <a:ext uri="{91240B29-F687-4F45-9708-019B960494DF}">
+              <a14:hiddenLine xmlns:a14="http://schemas.microsoft.com/office/drawing/2010/main" w="9525">
+                <a:solidFill>
+                  <a:schemeClr val="tx1"/>
+                </a:solidFill>
+                <a:miter lim="800000"/>
+                <a:headEnd/>
+                <a:tailEnd/>
+              </a14:hiddenLine>
+            </a:ext>
+          </a:extLst>
+        </p:spPr>
+      </p:pic>
+    </p:spTree>
+    <p:extLst>
+      <p:ext uri="{BB962C8B-B14F-4D97-AF65-F5344CB8AC3E}">
+        <p14:creationId xmlns:p14="http://schemas.microsoft.com/office/powerpoint/2010/main" val="1514800240"/>
+      </p:ext>
+    </p:extLst>
+  </p:cSld>
+  <p:clrMapOvr>
+    <a:masterClrMapping/>
+  </p:clrMapOvr>
+  <p:timing>
+    <p:tnLst>
+      <p:par>
+        <p:cTn id="1" dur="indefinite" restart="never" nodeType="tmRoot"/>
+      </p:par>
+    </p:tnLst>
+  </p:timing>
+</p:sld>
+</file>
+
+<file path=ppt/slides/slide23.xml><?xml version="1.0" encoding="utf-8"?>
+<p:sld xmlns:a="http://schemas.openxmlformats.org/drawingml/2006/main" xmlns:r="http://schemas.openxmlformats.org/officeDocument/2006/relationships" xmlns:p="http://schemas.openxmlformats.org/presentationml/2006/main">
+  <p:cSld>
+    <p:spTree>
+      <p:nvGrpSpPr>
+        <p:cNvPr id="1" name=""/>
+        <p:cNvGrpSpPr/>
+        <p:nvPr/>
+      </p:nvGrpSpPr>
+      <p:grpSpPr>
+        <a:xfrm>
+          <a:off x="0" y="0"/>
+          <a:ext cx="0" cy="0"/>
+          <a:chOff x="0" y="0"/>
+          <a:chExt cx="0" cy="0"/>
+        </a:xfrm>
+      </p:grpSpPr>
+      <p:sp>
+        <p:nvSpPr>
+          <p:cNvPr id="2" name="Title 1"/>
+          <p:cNvSpPr>
+            <a:spLocks noGrp="1"/>
+          </p:cNvSpPr>
+          <p:nvPr>
+            <p:ph type="title"/>
+          </p:nvPr>
+        </p:nvSpPr>
+        <p:spPr/>
+        <p:txBody>
+          <a:bodyPr/>
+          <a:lstStyle/>
+          <a:p>
+            <a:r>
+              <a:rPr lang="en-US" dirty="0" smtClean="0"/>
+              <a:t>AngularJS Testability</a:t>
+            </a:r>
+            <a:endParaRPr lang="en-US" dirty="0"/>
+          </a:p>
+        </p:txBody>
+      </p:sp>
+      <p:sp>
+        <p:nvSpPr>
+          <p:cNvPr id="6" name="Content Placeholder 2"/>
+          <p:cNvSpPr txBox="1">
+            <a:spLocks/>
+          </p:cNvSpPr>
+          <p:nvPr/>
+        </p:nvSpPr>
+        <p:spPr>
+          <a:xfrm>
+            <a:off x="457200" y="1600200"/>
+            <a:ext cx="8229600" cy="4876800"/>
+          </a:xfrm>
+          <a:prstGeom prst="rect">
+            <a:avLst/>
+          </a:prstGeom>
+        </p:spPr>
+        <p:txBody>
+          <a:bodyPr vert="horz" lIns="91440" tIns="45720" rIns="91440" bIns="45720" rtlCol="0">
+            <a:normAutofit/>
+          </a:bodyPr>
+          <a:lstStyle>
+            <a:lvl1pPr marL="182880" indent="-182880" algn="l" defTabSz="914400" rtl="0" eaLnBrk="1" latinLnBrk="0" hangingPunct="1">
+              <a:spcBef>
+                <a:spcPct val="20000"/>
+              </a:spcBef>
+              <a:buClr>
+                <a:schemeClr val="accent1"/>
+              </a:buClr>
+              <a:buSzPct val="85000"/>
+              <a:buFont typeface="Arial" pitchFamily="34" charset="0"/>
+              <a:buChar char="•"/>
+              <a:defRPr sz="2400" kern="1200">
+                <a:solidFill>
+                  <a:schemeClr val="tx1"/>
+                </a:solidFill>
+                <a:latin typeface="+mn-lt"/>
+                <a:ea typeface="+mn-ea"/>
+                <a:cs typeface="+mn-cs"/>
+              </a:defRPr>
+            </a:lvl1pPr>
+            <a:lvl2pPr marL="457200" indent="-182880" algn="l" defTabSz="914400" rtl="0" eaLnBrk="1" latinLnBrk="0" hangingPunct="1">
+              <a:spcBef>
+                <a:spcPct val="20000"/>
+              </a:spcBef>
+              <a:buClr>
+                <a:schemeClr val="accent1"/>
+              </a:buClr>
+              <a:buSzPct val="85000"/>
+              <a:buFont typeface="Arial" pitchFamily="34" charset="0"/>
+              <a:buChar char="•"/>
+              <a:defRPr sz="2000" kern="1200">
+                <a:solidFill>
+                  <a:schemeClr val="tx1"/>
+                </a:solidFill>
+                <a:latin typeface="+mn-lt"/>
+                <a:ea typeface="+mn-ea"/>
+                <a:cs typeface="+mn-cs"/>
+              </a:defRPr>
+            </a:lvl2pPr>
+            <a:lvl3pPr marL="731520" indent="-182880" algn="l" defTabSz="914400" rtl="0" eaLnBrk="1" latinLnBrk="0" hangingPunct="1">
+              <a:spcBef>
+                <a:spcPct val="20000"/>
+              </a:spcBef>
+              <a:buClr>
+                <a:schemeClr val="accent1"/>
+              </a:buClr>
+              <a:buSzPct val="90000"/>
+              <a:buFont typeface="Arial" pitchFamily="34" charset="0"/>
+              <a:buChar char="•"/>
+              <a:defRPr sz="1800" kern="1200">
+                <a:solidFill>
+                  <a:schemeClr val="tx1"/>
+                </a:solidFill>
+                <a:latin typeface="+mn-lt"/>
+                <a:ea typeface="+mn-ea"/>
+                <a:cs typeface="+mn-cs"/>
+              </a:defRPr>
+            </a:lvl3pPr>
+            <a:lvl4pPr marL="1005840" indent="-182880" algn="l" defTabSz="914400" rtl="0" eaLnBrk="1" latinLnBrk="0" hangingPunct="1">
+              <a:spcBef>
+                <a:spcPct val="20000"/>
+              </a:spcBef>
+              <a:buClr>
+                <a:schemeClr val="accent1"/>
+              </a:buClr>
+              <a:buFont typeface="Arial" pitchFamily="34" charset="0"/>
+              <a:buChar char="•"/>
+              <a:defRPr sz="1600" kern="1200">
+                <a:solidFill>
+                  <a:schemeClr val="tx1"/>
+                </a:solidFill>
+                <a:latin typeface="+mn-lt"/>
+                <a:ea typeface="+mn-ea"/>
+                <a:cs typeface="+mn-cs"/>
+              </a:defRPr>
+            </a:lvl4pPr>
+            <a:lvl5pPr marL="1188720" indent="-137160" algn="l" defTabSz="914400" rtl="0" eaLnBrk="1" latinLnBrk="0" hangingPunct="1">
+              <a:spcBef>
+                <a:spcPct val="20000"/>
+              </a:spcBef>
+              <a:buClr>
+                <a:schemeClr val="accent1"/>
+              </a:buClr>
+              <a:buSzPct val="100000"/>
+              <a:buFont typeface="Arial" pitchFamily="34" charset="0"/>
+              <a:buChar char="•"/>
+              <a:defRPr sz="1400" kern="1200" baseline="0">
+                <a:solidFill>
+                  <a:schemeClr val="tx1"/>
+                </a:solidFill>
+                <a:latin typeface="+mn-lt"/>
+                <a:ea typeface="+mn-ea"/>
+                <a:cs typeface="+mn-cs"/>
+              </a:defRPr>
+            </a:lvl5pPr>
+            <a:lvl6pPr marL="1371600" indent="-182880" algn="l" defTabSz="914400" rtl="0" eaLnBrk="1" latinLnBrk="0" hangingPunct="1">
+              <a:spcBef>
+                <a:spcPct val="20000"/>
+              </a:spcBef>
+              <a:buClr>
+                <a:schemeClr val="accent1"/>
+              </a:buClr>
+              <a:buFont typeface="Arial" pitchFamily="34" charset="0"/>
+              <a:buChar char="•"/>
+              <a:defRPr sz="1300" kern="1200">
+                <a:solidFill>
+                  <a:schemeClr val="tx1"/>
+                </a:solidFill>
+                <a:latin typeface="+mn-lt"/>
+                <a:ea typeface="+mn-ea"/>
+                <a:cs typeface="+mn-cs"/>
+              </a:defRPr>
+            </a:lvl6pPr>
+            <a:lvl7pPr marL="1554480" indent="-182880" algn="l" defTabSz="914400" rtl="0" eaLnBrk="1" latinLnBrk="0" hangingPunct="1">
+              <a:spcBef>
+                <a:spcPct val="20000"/>
+              </a:spcBef>
+              <a:buClr>
+                <a:schemeClr val="accent1"/>
+              </a:buClr>
+              <a:buFont typeface="Arial" pitchFamily="34" charset="0"/>
+              <a:buChar char="•"/>
+              <a:defRPr sz="1300" kern="1200">
+                <a:solidFill>
+                  <a:schemeClr val="tx1"/>
+                </a:solidFill>
+                <a:latin typeface="+mn-lt"/>
+                <a:ea typeface="+mn-ea"/>
+                <a:cs typeface="+mn-cs"/>
+              </a:defRPr>
+            </a:lvl7pPr>
+            <a:lvl8pPr marL="1737360" indent="-182880" algn="l" defTabSz="914400" rtl="0" eaLnBrk="1" latinLnBrk="0" hangingPunct="1">
+              <a:spcBef>
+                <a:spcPct val="20000"/>
+              </a:spcBef>
+              <a:buClr>
+                <a:schemeClr val="accent1"/>
+              </a:buClr>
+              <a:buFont typeface="Arial" pitchFamily="34" charset="0"/>
+              <a:buChar char="•"/>
+              <a:defRPr sz="1300" kern="1200">
+                <a:solidFill>
+                  <a:schemeClr val="tx1"/>
+                </a:solidFill>
+                <a:latin typeface="+mn-lt"/>
+                <a:ea typeface="+mn-ea"/>
+                <a:cs typeface="+mn-cs"/>
+              </a:defRPr>
+            </a:lvl8pPr>
+            <a:lvl9pPr marL="1920240" indent="-182880" algn="l" defTabSz="914400" rtl="0" eaLnBrk="1" latinLnBrk="0" hangingPunct="1">
+              <a:spcBef>
+                <a:spcPct val="20000"/>
+              </a:spcBef>
+              <a:buClr>
+                <a:schemeClr val="accent1"/>
+              </a:buClr>
+              <a:buFont typeface="Arial" pitchFamily="34" charset="0"/>
+              <a:buChar char="•"/>
+              <a:defRPr sz="1300" kern="1200">
+                <a:solidFill>
+                  <a:schemeClr val="tx1"/>
+                </a:solidFill>
+                <a:latin typeface="+mn-lt"/>
+                <a:ea typeface="+mn-ea"/>
+                <a:cs typeface="+mn-cs"/>
+              </a:defRPr>
+            </a:lvl9pPr>
+          </a:lstStyle>
+          <a:p>
+            <a:r>
+              <a:rPr lang="en-GB" sz="1600" dirty="0" smtClean="0"/>
+              <a:t>AngularJS has </a:t>
+            </a:r>
+            <a:r>
+              <a:rPr lang="en-GB" sz="1600" dirty="0"/>
+              <a:t>an integrated dependency injection framework, provides mocks for many heavy dependencies (server-side communication) </a:t>
+            </a:r>
+            <a:endParaRPr lang="en-GB" sz="1600" dirty="0" smtClean="0"/>
+          </a:p>
+          <a:p>
+            <a:r>
+              <a:rPr lang="en-GB" sz="1600" b="1" dirty="0" smtClean="0"/>
+              <a:t>ngMock: </a:t>
+            </a:r>
+            <a:r>
+              <a:rPr lang="en-GB" sz="1600" dirty="0"/>
+              <a:t>module provides support to inject and mock Angular services into unit tests. In addition, ngMock also extends various core ng services such that they can be inspected and controlled in a synchronous manner within test </a:t>
+            </a:r>
+            <a:r>
+              <a:rPr lang="en-GB" sz="1600" dirty="0" smtClean="0"/>
+              <a:t>code</a:t>
+            </a:r>
+          </a:p>
+          <a:p>
+            <a:r>
+              <a:rPr lang="en-GB" sz="1600" b="1" dirty="0" smtClean="0"/>
+              <a:t>angular.mock: </a:t>
+            </a:r>
+            <a:r>
+              <a:rPr lang="en-GB" sz="1600" dirty="0"/>
+              <a:t>Namespace from 'angular-mocks.js' which contains testing related </a:t>
+            </a:r>
+            <a:r>
+              <a:rPr lang="en-GB" sz="1600" dirty="0" smtClean="0"/>
+              <a:t>code</a:t>
+            </a:r>
+          </a:p>
+          <a:p>
+            <a:r>
+              <a:rPr lang="en-GB" sz="1600" b="1" dirty="0"/>
+              <a:t>Jasmine: </a:t>
+            </a:r>
+            <a:r>
+              <a:rPr lang="en-GB" sz="1600" dirty="0"/>
+              <a:t>Jasmine is a behavior-driven development framework for testing JavaScript code. It does not depend on any other JavaScript frameworks. It does not require a </a:t>
+            </a:r>
+            <a:r>
+              <a:rPr lang="en-GB" sz="1600" dirty="0" smtClean="0"/>
+              <a:t>DOM</a:t>
+            </a:r>
+            <a:endParaRPr lang="en-GB" sz="1600" dirty="0"/>
+          </a:p>
+          <a:p>
+            <a:pPr lvl="1"/>
+            <a:r>
+              <a:rPr lang="en-GB" sz="1200" dirty="0" smtClean="0"/>
+              <a:t>describe – Global Jasmine function with two parameters: a string and a function</a:t>
+            </a:r>
+          </a:p>
+          <a:p>
+            <a:pPr lvl="1"/>
+            <a:r>
+              <a:rPr lang="en-GB" sz="1200" dirty="0" smtClean="0"/>
+              <a:t>Matchers – Each matcher implements a boolean comparison between actual and expected value</a:t>
+            </a:r>
+          </a:p>
+          <a:p>
+            <a:pPr lvl="2"/>
+            <a:r>
+              <a:rPr lang="en-US" sz="1200" dirty="0"/>
+              <a:t>expect(a).toBe(b); expect(a).not.toBe(</a:t>
+            </a:r>
+            <a:r>
+              <a:rPr lang="en-US" sz="1200" b="1" dirty="0"/>
+              <a:t>null</a:t>
+            </a:r>
+            <a:r>
+              <a:rPr lang="en-US" sz="1200" dirty="0" smtClean="0"/>
+              <a:t>);</a:t>
+            </a:r>
+          </a:p>
+          <a:p>
+            <a:pPr lvl="1"/>
+            <a:r>
+              <a:rPr lang="en-US" sz="1200" dirty="0"/>
+              <a:t>Jasmine unit test are run with </a:t>
+            </a:r>
+            <a:r>
+              <a:rPr lang="en-US" sz="1200" b="1" dirty="0">
+                <a:solidFill>
+                  <a:srgbClr val="00B050"/>
+                </a:solidFill>
+              </a:rPr>
+              <a:t>Karma Test </a:t>
+            </a:r>
+            <a:r>
+              <a:rPr lang="en-US" sz="1200" b="1" dirty="0" smtClean="0">
+                <a:solidFill>
+                  <a:srgbClr val="00B050"/>
+                </a:solidFill>
+              </a:rPr>
+              <a:t>Runner</a:t>
+            </a:r>
+          </a:p>
+          <a:p>
+            <a:pPr lvl="1"/>
+            <a:r>
+              <a:rPr lang="en-US" sz="1200" dirty="0" smtClean="0"/>
+              <a:t>Jasmine end to end tests are run with </a:t>
+            </a:r>
+            <a:r>
+              <a:rPr lang="en-US" sz="1200" b="1" dirty="0" smtClean="0">
+                <a:solidFill>
+                  <a:srgbClr val="00B050"/>
+                </a:solidFill>
+              </a:rPr>
+              <a:t>Protracter End-to-End test runner</a:t>
+            </a:r>
+          </a:p>
+          <a:p>
+            <a:pPr lvl="1"/>
+            <a:r>
+              <a:rPr lang="en-US" sz="1200" dirty="0" smtClean="0"/>
+              <a:t>Web driver is required to </a:t>
+            </a:r>
+            <a:r>
+              <a:rPr lang="en-US" sz="1200" dirty="0"/>
+              <a:t>execute the </a:t>
+            </a:r>
+            <a:r>
+              <a:rPr lang="en-US" sz="1200" dirty="0" smtClean="0"/>
+              <a:t>Protracter script : </a:t>
+            </a:r>
+            <a:r>
+              <a:rPr lang="en-US" sz="1200" b="1" dirty="0" smtClean="0">
+                <a:solidFill>
+                  <a:srgbClr val="00B050"/>
+                </a:solidFill>
+              </a:rPr>
+              <a:t>npm </a:t>
+            </a:r>
+            <a:r>
+              <a:rPr lang="en-US" sz="1200" b="1" dirty="0">
+                <a:solidFill>
+                  <a:srgbClr val="00B050"/>
+                </a:solidFill>
+              </a:rPr>
+              <a:t>run </a:t>
+            </a:r>
+            <a:r>
+              <a:rPr lang="en-US" sz="1200" b="1" dirty="0" smtClean="0">
+                <a:solidFill>
+                  <a:srgbClr val="00B050"/>
+                </a:solidFill>
+              </a:rPr>
+              <a:t>update-</a:t>
+            </a:r>
+            <a:r>
+              <a:rPr lang="en-US" sz="1200" b="1" dirty="0" err="1" smtClean="0">
+                <a:solidFill>
+                  <a:srgbClr val="00B050"/>
+                </a:solidFill>
+              </a:rPr>
+              <a:t>webdriver</a:t>
+            </a:r>
+            <a:endParaRPr lang="en-US" sz="1200" b="1" dirty="0" smtClean="0">
+              <a:solidFill>
+                <a:srgbClr val="00B050"/>
+              </a:solidFill>
+            </a:endParaRPr>
+          </a:p>
+          <a:p>
+            <a:pPr lvl="1"/>
+            <a:r>
+              <a:rPr lang="en-US" sz="1200" dirty="0"/>
+              <a:t>Run the Protracter test : </a:t>
+            </a:r>
+            <a:r>
+              <a:rPr lang="en-US" sz="1200" b="1" dirty="0">
+                <a:solidFill>
+                  <a:srgbClr val="00B050"/>
+                </a:solidFill>
+              </a:rPr>
+              <a:t>npm run protractor</a:t>
+            </a:r>
+            <a:endParaRPr lang="en-GB" sz="1200" b="1" dirty="0">
+              <a:solidFill>
+                <a:srgbClr val="00B050"/>
+              </a:solidFill>
+            </a:endParaRPr>
+          </a:p>
+        </p:txBody>
+      </p:sp>
+    </p:spTree>
+    <p:extLst>
+      <p:ext uri="{BB962C8B-B14F-4D97-AF65-F5344CB8AC3E}">
+        <p14:creationId xmlns:p14="http://schemas.microsoft.com/office/powerpoint/2010/main" val="634700337"/>
+      </p:ext>
+    </p:extLst>
+  </p:cSld>
+  <p:clrMapOvr>
+    <a:masterClrMapping/>
+  </p:clrMapOvr>
+  <p:timing>
+    <p:tnLst>
+      <p:par>
+        <p:cTn id="1" dur="indefinite" restart="never" nodeType="tmRoot"/>
+      </p:par>
+    </p:tnLst>
+  </p:timing>
+</p:sld>
+</file>
+
+<file path=ppt/slides/slide24.xml><?xml version="1.0" encoding="utf-8"?>
+<p:sld xmlns:a="http://schemas.openxmlformats.org/drawingml/2006/main" xmlns:r="http://schemas.openxmlformats.org/officeDocument/2006/relationships" xmlns:p="http://schemas.openxmlformats.org/presentationml/2006/main">
+  <p:cSld>
+    <p:spTree>
+      <p:nvGrpSpPr>
+        <p:cNvPr id="1" name=""/>
+        <p:cNvGrpSpPr/>
+        <p:nvPr/>
+      </p:nvGrpSpPr>
+      <p:grpSpPr>
+        <a:xfrm>
+          <a:off x="0" y="0"/>
+          <a:ext cx="0" cy="0"/>
+          <a:chOff x="0" y="0"/>
+          <a:chExt cx="0" cy="0"/>
+        </a:xfrm>
+      </p:grpSpPr>
+      <p:sp>
+        <p:nvSpPr>
+          <p:cNvPr id="2" name="Title 1"/>
+          <p:cNvSpPr>
+            <a:spLocks noGrp="1"/>
+          </p:cNvSpPr>
+          <p:nvPr>
+            <p:ph type="title"/>
+          </p:nvPr>
+        </p:nvSpPr>
+        <p:spPr/>
+        <p:txBody>
+          <a:bodyPr/>
+          <a:lstStyle/>
+          <a:p>
+            <a:r>
+              <a:rPr lang="en-US" dirty="0" smtClean="0"/>
+              <a:t>AngularJS </a:t>
+            </a:r>
+            <a:r>
+              <a:rPr lang="en-US" dirty="0" smtClean="0"/>
+              <a:t>Continuous Integration</a:t>
+            </a:r>
+            <a:endParaRPr lang="en-US" dirty="0"/>
+          </a:p>
+        </p:txBody>
+      </p:sp>
+      <p:sp>
+        <p:nvSpPr>
+          <p:cNvPr id="6" name="Content Placeholder 2"/>
+          <p:cNvSpPr txBox="1">
+            <a:spLocks/>
+          </p:cNvSpPr>
+          <p:nvPr/>
+        </p:nvSpPr>
+        <p:spPr>
+          <a:xfrm>
+            <a:off x="457200" y="1600200"/>
+            <a:ext cx="8229600" cy="4876800"/>
+          </a:xfrm>
+          <a:prstGeom prst="rect">
+            <a:avLst/>
+          </a:prstGeom>
+        </p:spPr>
+        <p:txBody>
+          <a:bodyPr vert="horz" lIns="91440" tIns="45720" rIns="91440" bIns="45720" rtlCol="0">
+            <a:normAutofit/>
+          </a:bodyPr>
+          <a:lstStyle>
+            <a:lvl1pPr marL="182880" indent="-182880" algn="l" defTabSz="914400" rtl="0" eaLnBrk="1" latinLnBrk="0" hangingPunct="1">
+              <a:spcBef>
+                <a:spcPct val="20000"/>
+              </a:spcBef>
+              <a:buClr>
+                <a:schemeClr val="accent1"/>
+              </a:buClr>
+              <a:buSzPct val="85000"/>
+              <a:buFont typeface="Arial" pitchFamily="34" charset="0"/>
+              <a:buChar char="•"/>
+              <a:defRPr sz="2400" kern="1200">
+                <a:solidFill>
+                  <a:schemeClr val="tx1"/>
+                </a:solidFill>
+                <a:latin typeface="+mn-lt"/>
+                <a:ea typeface="+mn-ea"/>
+                <a:cs typeface="+mn-cs"/>
+              </a:defRPr>
+            </a:lvl1pPr>
+            <a:lvl2pPr marL="457200" indent="-182880" algn="l" defTabSz="914400" rtl="0" eaLnBrk="1" latinLnBrk="0" hangingPunct="1">
+              <a:spcBef>
+                <a:spcPct val="20000"/>
+              </a:spcBef>
+              <a:buClr>
+                <a:schemeClr val="accent1"/>
+              </a:buClr>
+              <a:buSzPct val="85000"/>
+              <a:buFont typeface="Arial" pitchFamily="34" charset="0"/>
+              <a:buChar char="•"/>
+              <a:defRPr sz="2000" kern="1200">
+                <a:solidFill>
+                  <a:schemeClr val="tx1"/>
+                </a:solidFill>
+                <a:latin typeface="+mn-lt"/>
+                <a:ea typeface="+mn-ea"/>
+                <a:cs typeface="+mn-cs"/>
+              </a:defRPr>
+            </a:lvl2pPr>
+            <a:lvl3pPr marL="731520" indent="-182880" algn="l" defTabSz="914400" rtl="0" eaLnBrk="1" latinLnBrk="0" hangingPunct="1">
+              <a:spcBef>
+                <a:spcPct val="20000"/>
+              </a:spcBef>
+              <a:buClr>
+                <a:schemeClr val="accent1"/>
+              </a:buClr>
+              <a:buSzPct val="90000"/>
+              <a:buFont typeface="Arial" pitchFamily="34" charset="0"/>
+              <a:buChar char="•"/>
+              <a:defRPr sz="1800" kern="1200">
+                <a:solidFill>
+                  <a:schemeClr val="tx1"/>
+                </a:solidFill>
+                <a:latin typeface="+mn-lt"/>
+                <a:ea typeface="+mn-ea"/>
+                <a:cs typeface="+mn-cs"/>
+              </a:defRPr>
+            </a:lvl3pPr>
+            <a:lvl4pPr marL="1005840" indent="-182880" algn="l" defTabSz="914400" rtl="0" eaLnBrk="1" latinLnBrk="0" hangingPunct="1">
+              <a:spcBef>
+                <a:spcPct val="20000"/>
+              </a:spcBef>
+              <a:buClr>
+                <a:schemeClr val="accent1"/>
+              </a:buClr>
+              <a:buFont typeface="Arial" pitchFamily="34" charset="0"/>
+              <a:buChar char="•"/>
+              <a:defRPr sz="1600" kern="1200">
+                <a:solidFill>
+                  <a:schemeClr val="tx1"/>
+                </a:solidFill>
+                <a:latin typeface="+mn-lt"/>
+                <a:ea typeface="+mn-ea"/>
+                <a:cs typeface="+mn-cs"/>
+              </a:defRPr>
+            </a:lvl4pPr>
+            <a:lvl5pPr marL="1188720" indent="-137160" algn="l" defTabSz="914400" rtl="0" eaLnBrk="1" latinLnBrk="0" hangingPunct="1">
+              <a:spcBef>
+                <a:spcPct val="20000"/>
+              </a:spcBef>
+              <a:buClr>
+                <a:schemeClr val="accent1"/>
+              </a:buClr>
+              <a:buSzPct val="100000"/>
+              <a:buFont typeface="Arial" pitchFamily="34" charset="0"/>
+              <a:buChar char="•"/>
+              <a:defRPr sz="1400" kern="1200" baseline="0">
+                <a:solidFill>
+                  <a:schemeClr val="tx1"/>
+                </a:solidFill>
+                <a:latin typeface="+mn-lt"/>
+                <a:ea typeface="+mn-ea"/>
+                <a:cs typeface="+mn-cs"/>
+              </a:defRPr>
+            </a:lvl5pPr>
+            <a:lvl6pPr marL="1371600" indent="-182880" algn="l" defTabSz="914400" rtl="0" eaLnBrk="1" latinLnBrk="0" hangingPunct="1">
+              <a:spcBef>
+                <a:spcPct val="20000"/>
+              </a:spcBef>
+              <a:buClr>
+                <a:schemeClr val="accent1"/>
+              </a:buClr>
+              <a:buFont typeface="Arial" pitchFamily="34" charset="0"/>
+              <a:buChar char="•"/>
+              <a:defRPr sz="1300" kern="1200">
+                <a:solidFill>
+                  <a:schemeClr val="tx1"/>
+                </a:solidFill>
+                <a:latin typeface="+mn-lt"/>
+                <a:ea typeface="+mn-ea"/>
+                <a:cs typeface="+mn-cs"/>
+              </a:defRPr>
+            </a:lvl6pPr>
+            <a:lvl7pPr marL="1554480" indent="-182880" algn="l" defTabSz="914400" rtl="0" eaLnBrk="1" latinLnBrk="0" hangingPunct="1">
+              <a:spcBef>
+                <a:spcPct val="20000"/>
+              </a:spcBef>
+              <a:buClr>
+                <a:schemeClr val="accent1"/>
+              </a:buClr>
+              <a:buFont typeface="Arial" pitchFamily="34" charset="0"/>
+              <a:buChar char="•"/>
+              <a:defRPr sz="1300" kern="1200">
+                <a:solidFill>
+                  <a:schemeClr val="tx1"/>
+                </a:solidFill>
+                <a:latin typeface="+mn-lt"/>
+                <a:ea typeface="+mn-ea"/>
+                <a:cs typeface="+mn-cs"/>
+              </a:defRPr>
+            </a:lvl7pPr>
+            <a:lvl8pPr marL="1737360" indent="-182880" algn="l" defTabSz="914400" rtl="0" eaLnBrk="1" latinLnBrk="0" hangingPunct="1">
+              <a:spcBef>
+                <a:spcPct val="20000"/>
+              </a:spcBef>
+              <a:buClr>
+                <a:schemeClr val="accent1"/>
+              </a:buClr>
+              <a:buFont typeface="Arial" pitchFamily="34" charset="0"/>
+              <a:buChar char="•"/>
+              <a:defRPr sz="1300" kern="1200">
+                <a:solidFill>
+                  <a:schemeClr val="tx1"/>
+                </a:solidFill>
+                <a:latin typeface="+mn-lt"/>
+                <a:ea typeface="+mn-ea"/>
+                <a:cs typeface="+mn-cs"/>
+              </a:defRPr>
+            </a:lvl8pPr>
+            <a:lvl9pPr marL="1920240" indent="-182880" algn="l" defTabSz="914400" rtl="0" eaLnBrk="1" latinLnBrk="0" hangingPunct="1">
+              <a:spcBef>
+                <a:spcPct val="20000"/>
+              </a:spcBef>
+              <a:buClr>
+                <a:schemeClr val="accent1"/>
+              </a:buClr>
+              <a:buFont typeface="Arial" pitchFamily="34" charset="0"/>
+              <a:buChar char="•"/>
+              <a:defRPr sz="1300" kern="1200">
+                <a:solidFill>
+                  <a:schemeClr val="tx1"/>
+                </a:solidFill>
+                <a:latin typeface="+mn-lt"/>
+                <a:ea typeface="+mn-ea"/>
+                <a:cs typeface="+mn-cs"/>
+              </a:defRPr>
+            </a:lvl9pPr>
+          </a:lstStyle>
+          <a:p>
+            <a:r>
+              <a:rPr lang="en-GB" sz="1600" b="1" dirty="0"/>
+              <a:t>Travis CI</a:t>
+            </a:r>
+            <a:r>
+              <a:rPr lang="en-GB" sz="1600" b="1" dirty="0" smtClean="0"/>
+              <a:t>: </a:t>
+            </a:r>
+            <a:r>
+              <a:rPr lang="en-GB" sz="1600" dirty="0" smtClean="0"/>
+              <a:t>Travis </a:t>
+            </a:r>
+            <a:r>
+              <a:rPr lang="en-GB" sz="1600" dirty="0"/>
+              <a:t>CI is a continuous integration service, which can monitor GitHub for new commits to your repository and execute scripts such as building the app or running </a:t>
+            </a:r>
+            <a:r>
+              <a:rPr lang="en-GB" sz="1600" dirty="0" smtClean="0"/>
+              <a:t>tests</a:t>
+            </a:r>
+            <a:endParaRPr lang="en-GB" sz="1600" dirty="0"/>
+          </a:p>
+          <a:p>
+            <a:r>
+              <a:rPr lang="en-GB" sz="1600" b="1" dirty="0" smtClean="0"/>
+              <a:t>CloudBees:</a:t>
+            </a:r>
+            <a:r>
+              <a:rPr lang="en-GB" sz="1600" dirty="0" smtClean="0"/>
+              <a:t> CloudBees have provided a CI/deployment setup</a:t>
+            </a:r>
+            <a:endParaRPr lang="en-GB" sz="1600" dirty="0" smtClean="0"/>
+          </a:p>
+        </p:txBody>
+      </p:sp>
+    </p:spTree>
+    <p:extLst>
+      <p:ext uri="{BB962C8B-B14F-4D97-AF65-F5344CB8AC3E}">
+        <p14:creationId xmlns:p14="http://schemas.microsoft.com/office/powerpoint/2010/main" val="2250921310"/>
+      </p:ext>
+    </p:extLst>
+  </p:cSld>
+  <p:clrMapOvr>
+    <a:masterClrMapping/>
+  </p:clrMapOvr>
+  <p:timing>
+    <p:tnLst>
+      <p:par>
+        <p:cTn id="1" dur="indefinite" restart="never" nodeType="tmRoot"/>
+      </p:par>
+    </p:tnLst>
+  </p:timing>
+</p:sld>
+</file>
+
+<file path=ppt/slides/slide25.xml><?xml version="1.0" encoding="utf-8"?>
+<p:sld xmlns:a="http://schemas.openxmlformats.org/drawingml/2006/main" xmlns:r="http://schemas.openxmlformats.org/officeDocument/2006/relationships" xmlns:p="http://schemas.openxmlformats.org/presentationml/2006/main">
+  <p:cSld>
+    <p:spTree>
+      <p:nvGrpSpPr>
+        <p:cNvPr id="1" name=""/>
+        <p:cNvGrpSpPr/>
+        <p:nvPr/>
+      </p:nvGrpSpPr>
+      <p:grpSpPr>
+        <a:xfrm>
+          <a:off x="0" y="0"/>
+          <a:ext cx="0" cy="0"/>
+          <a:chOff x="0" y="0"/>
+          <a:chExt cx="0" cy="0"/>
+        </a:xfrm>
+      </p:grpSpPr>
+      <p:sp>
+        <p:nvSpPr>
+          <p:cNvPr id="2" name="Title 1"/>
+          <p:cNvSpPr>
+            <a:spLocks noGrp="1"/>
+          </p:cNvSpPr>
+          <p:nvPr>
+            <p:ph type="title"/>
+          </p:nvPr>
+        </p:nvSpPr>
+        <p:spPr/>
+        <p:txBody>
+          <a:bodyPr/>
+          <a:lstStyle/>
+          <a:p>
+            <a:r>
+              <a:rPr lang="en-US" dirty="0" smtClean="0"/>
+              <a:t>JQuery</a:t>
+            </a:r>
+            <a:endParaRPr lang="en-US" dirty="0"/>
+          </a:p>
+        </p:txBody>
+      </p:sp>
+      <p:sp>
+        <p:nvSpPr>
+          <p:cNvPr id="6" name="Content Placeholder 2"/>
+          <p:cNvSpPr txBox="1">
+            <a:spLocks/>
+          </p:cNvSpPr>
+          <p:nvPr/>
+        </p:nvSpPr>
+        <p:spPr>
+          <a:xfrm>
+            <a:off x="457200" y="1600200"/>
+            <a:ext cx="8229600" cy="4876800"/>
+          </a:xfrm>
+          <a:prstGeom prst="rect">
+            <a:avLst/>
+          </a:prstGeom>
+        </p:spPr>
+        <p:txBody>
+          <a:bodyPr vert="horz" lIns="91440" tIns="45720" rIns="91440" bIns="45720" rtlCol="0">
+            <a:normAutofit/>
+          </a:bodyPr>
+          <a:lstStyle>
+            <a:lvl1pPr marL="182880" indent="-182880" algn="l" defTabSz="914400" rtl="0" eaLnBrk="1" latinLnBrk="0" hangingPunct="1">
+              <a:spcBef>
+                <a:spcPct val="20000"/>
+              </a:spcBef>
+              <a:buClr>
+                <a:schemeClr val="accent1"/>
+              </a:buClr>
+              <a:buSzPct val="85000"/>
+              <a:buFont typeface="Arial" pitchFamily="34" charset="0"/>
+              <a:buChar char="•"/>
+              <a:defRPr sz="2400" kern="1200">
+                <a:solidFill>
+                  <a:schemeClr val="tx1"/>
+                </a:solidFill>
+                <a:latin typeface="+mn-lt"/>
+                <a:ea typeface="+mn-ea"/>
+                <a:cs typeface="+mn-cs"/>
+              </a:defRPr>
+            </a:lvl1pPr>
+            <a:lvl2pPr marL="457200" indent="-182880" algn="l" defTabSz="914400" rtl="0" eaLnBrk="1" latinLnBrk="0" hangingPunct="1">
+              <a:spcBef>
+                <a:spcPct val="20000"/>
+              </a:spcBef>
+              <a:buClr>
+                <a:schemeClr val="accent1"/>
+              </a:buClr>
+              <a:buSzPct val="85000"/>
+              <a:buFont typeface="Arial" pitchFamily="34" charset="0"/>
+              <a:buChar char="•"/>
+              <a:defRPr sz="2000" kern="1200">
+                <a:solidFill>
+                  <a:schemeClr val="tx1"/>
+                </a:solidFill>
+                <a:latin typeface="+mn-lt"/>
+                <a:ea typeface="+mn-ea"/>
+                <a:cs typeface="+mn-cs"/>
+              </a:defRPr>
+            </a:lvl2pPr>
+            <a:lvl3pPr marL="731520" indent="-182880" algn="l" defTabSz="914400" rtl="0" eaLnBrk="1" latinLnBrk="0" hangingPunct="1">
+              <a:spcBef>
+                <a:spcPct val="20000"/>
+              </a:spcBef>
+              <a:buClr>
+                <a:schemeClr val="accent1"/>
+              </a:buClr>
+              <a:buSzPct val="90000"/>
+              <a:buFont typeface="Arial" pitchFamily="34" charset="0"/>
+              <a:buChar char="•"/>
+              <a:defRPr sz="1800" kern="1200">
+                <a:solidFill>
+                  <a:schemeClr val="tx1"/>
+                </a:solidFill>
+                <a:latin typeface="+mn-lt"/>
+                <a:ea typeface="+mn-ea"/>
+                <a:cs typeface="+mn-cs"/>
+              </a:defRPr>
+            </a:lvl3pPr>
+            <a:lvl4pPr marL="1005840" indent="-182880" algn="l" defTabSz="914400" rtl="0" eaLnBrk="1" latinLnBrk="0" hangingPunct="1">
+              <a:spcBef>
+                <a:spcPct val="20000"/>
+              </a:spcBef>
+              <a:buClr>
+                <a:schemeClr val="accent1"/>
+              </a:buClr>
+              <a:buFont typeface="Arial" pitchFamily="34" charset="0"/>
+              <a:buChar char="•"/>
+              <a:defRPr sz="1600" kern="1200">
+                <a:solidFill>
+                  <a:schemeClr val="tx1"/>
+                </a:solidFill>
+                <a:latin typeface="+mn-lt"/>
+                <a:ea typeface="+mn-ea"/>
+                <a:cs typeface="+mn-cs"/>
+              </a:defRPr>
+            </a:lvl4pPr>
+            <a:lvl5pPr marL="1188720" indent="-137160" algn="l" defTabSz="914400" rtl="0" eaLnBrk="1" latinLnBrk="0" hangingPunct="1">
+              <a:spcBef>
+                <a:spcPct val="20000"/>
+              </a:spcBef>
+              <a:buClr>
+                <a:schemeClr val="accent1"/>
+              </a:buClr>
+              <a:buSzPct val="100000"/>
+              <a:buFont typeface="Arial" pitchFamily="34" charset="0"/>
+              <a:buChar char="•"/>
+              <a:defRPr sz="1400" kern="1200" baseline="0">
+                <a:solidFill>
+                  <a:schemeClr val="tx1"/>
+                </a:solidFill>
+                <a:latin typeface="+mn-lt"/>
+                <a:ea typeface="+mn-ea"/>
+                <a:cs typeface="+mn-cs"/>
+              </a:defRPr>
+            </a:lvl5pPr>
+            <a:lvl6pPr marL="1371600" indent="-182880" algn="l" defTabSz="914400" rtl="0" eaLnBrk="1" latinLnBrk="0" hangingPunct="1">
+              <a:spcBef>
+                <a:spcPct val="20000"/>
+              </a:spcBef>
+              <a:buClr>
+                <a:schemeClr val="accent1"/>
+              </a:buClr>
+              <a:buFont typeface="Arial" pitchFamily="34" charset="0"/>
+              <a:buChar char="•"/>
+              <a:defRPr sz="1300" kern="1200">
+                <a:solidFill>
+                  <a:schemeClr val="tx1"/>
+                </a:solidFill>
+                <a:latin typeface="+mn-lt"/>
+                <a:ea typeface="+mn-ea"/>
+                <a:cs typeface="+mn-cs"/>
+              </a:defRPr>
+            </a:lvl6pPr>
+            <a:lvl7pPr marL="1554480" indent="-182880" algn="l" defTabSz="914400" rtl="0" eaLnBrk="1" latinLnBrk="0" hangingPunct="1">
+              <a:spcBef>
+                <a:spcPct val="20000"/>
+              </a:spcBef>
+              <a:buClr>
+                <a:schemeClr val="accent1"/>
+              </a:buClr>
+              <a:buFont typeface="Arial" pitchFamily="34" charset="0"/>
+              <a:buChar char="•"/>
+              <a:defRPr sz="1300" kern="1200">
+                <a:solidFill>
+                  <a:schemeClr val="tx1"/>
+                </a:solidFill>
+                <a:latin typeface="+mn-lt"/>
+                <a:ea typeface="+mn-ea"/>
+                <a:cs typeface="+mn-cs"/>
+              </a:defRPr>
+            </a:lvl7pPr>
+            <a:lvl8pPr marL="1737360" indent="-182880" algn="l" defTabSz="914400" rtl="0" eaLnBrk="1" latinLnBrk="0" hangingPunct="1">
+              <a:spcBef>
+                <a:spcPct val="20000"/>
+              </a:spcBef>
+              <a:buClr>
+                <a:schemeClr val="accent1"/>
+              </a:buClr>
+              <a:buFont typeface="Arial" pitchFamily="34" charset="0"/>
+              <a:buChar char="•"/>
+              <a:defRPr sz="1300" kern="1200">
+                <a:solidFill>
+                  <a:schemeClr val="tx1"/>
+                </a:solidFill>
+                <a:latin typeface="+mn-lt"/>
+                <a:ea typeface="+mn-ea"/>
+                <a:cs typeface="+mn-cs"/>
+              </a:defRPr>
+            </a:lvl8pPr>
+            <a:lvl9pPr marL="1920240" indent="-182880" algn="l" defTabSz="914400" rtl="0" eaLnBrk="1" latinLnBrk="0" hangingPunct="1">
+              <a:spcBef>
+                <a:spcPct val="20000"/>
+              </a:spcBef>
+              <a:buClr>
+                <a:schemeClr val="accent1"/>
+              </a:buClr>
+              <a:buFont typeface="Arial" pitchFamily="34" charset="0"/>
+              <a:buChar char="•"/>
+              <a:defRPr sz="1300" kern="1200">
+                <a:solidFill>
+                  <a:schemeClr val="tx1"/>
+                </a:solidFill>
+                <a:latin typeface="+mn-lt"/>
+                <a:ea typeface="+mn-ea"/>
+                <a:cs typeface="+mn-cs"/>
+              </a:defRPr>
+            </a:lvl9pPr>
+          </a:lstStyle>
+          <a:p>
+            <a:r>
+              <a:rPr lang="en-GB" sz="1600" dirty="0" smtClean="0"/>
+              <a:t>AngularJS can </a:t>
+            </a:r>
+            <a:r>
+              <a:rPr lang="en-GB" sz="1600" dirty="0"/>
+              <a:t>use </a:t>
+            </a:r>
+            <a:r>
+              <a:rPr lang="en-GB" sz="1600" dirty="0">
+                <a:hlinkClick r:id="rId2"/>
+              </a:rPr>
+              <a:t>jQuery</a:t>
+            </a:r>
+            <a:r>
+              <a:rPr lang="en-GB" sz="1600" dirty="0"/>
+              <a:t> if it's present in your app when the application is being bootstrapped. If jQuery is not present in your script path, Angular falls back to its own implementation of the subset of jQuery that we call </a:t>
+            </a:r>
+            <a:r>
+              <a:rPr lang="en-GB" sz="1600" dirty="0" smtClean="0">
+                <a:hlinkClick r:id="rId3"/>
+              </a:rPr>
+              <a:t>jQLite</a:t>
+            </a:r>
+            <a:endParaRPr lang="en-GB" sz="1600" dirty="0" smtClean="0"/>
+          </a:p>
+          <a:p>
+            <a:r>
+              <a:rPr lang="en-GB" sz="1600" b="1" dirty="0"/>
+              <a:t>jqLite</a:t>
+            </a:r>
+            <a:r>
+              <a:rPr lang="en-GB" sz="1600" dirty="0"/>
+              <a:t> is a tiny, API-compatible subset of jQuery that allows Angular to manipulate the DOM in a cross-browser compatible way. jqLite implements only the most commonly needed functionality with the goal of having a very small </a:t>
+            </a:r>
+            <a:r>
+              <a:rPr lang="en-GB" sz="1600" dirty="0" smtClean="0"/>
+              <a:t>footprint</a:t>
+            </a:r>
+          </a:p>
+          <a:p>
+            <a:r>
+              <a:rPr lang="en-GB" sz="1600" dirty="0"/>
+              <a:t>To use jQuery, simply ensure it is loaded before the angular.js file. You can also use the </a:t>
+            </a:r>
+            <a:r>
+              <a:rPr lang="en-GB" sz="1600" dirty="0">
+                <a:hlinkClick r:id="rId4"/>
+              </a:rPr>
+              <a:t>ngJq</a:t>
+            </a:r>
+            <a:r>
+              <a:rPr lang="en-GB" sz="1600" dirty="0"/>
+              <a:t> directive to specify that jqlite should be used over jQuery, or to use a specific version of jQuery if multiple versions exist on the </a:t>
+            </a:r>
+            <a:r>
+              <a:rPr lang="en-GB" sz="1600" dirty="0" smtClean="0"/>
+              <a:t>page</a:t>
+            </a:r>
+          </a:p>
+          <a:p>
+            <a:r>
+              <a:rPr lang="en-GB" sz="1600" dirty="0"/>
+              <a:t>If jQuery is available, angular.element is an alias for the </a:t>
+            </a:r>
+            <a:r>
+              <a:rPr lang="en-GB" sz="1600" dirty="0">
+                <a:hlinkClick r:id="rId5"/>
+              </a:rPr>
+              <a:t>jQuery</a:t>
+            </a:r>
+            <a:r>
+              <a:rPr lang="en-GB" sz="1600" dirty="0"/>
+              <a:t> function. If jQuery is not available, angular.element delegates to Angular's built-in subset of jQuery, called "jQuery lite" or </a:t>
+            </a:r>
+            <a:r>
+              <a:rPr lang="en-GB" sz="1600" b="1" dirty="0"/>
+              <a:t>jqLite</a:t>
+            </a:r>
+            <a:r>
+              <a:rPr lang="en-GB" sz="1600" dirty="0"/>
+              <a:t>.</a:t>
+            </a:r>
+            <a:endParaRPr lang="en-GB" sz="1600" b="1" dirty="0" smtClean="0"/>
+          </a:p>
+        </p:txBody>
+      </p:sp>
+    </p:spTree>
+    <p:extLst>
+      <p:ext uri="{BB962C8B-B14F-4D97-AF65-F5344CB8AC3E}">
+        <p14:creationId xmlns:p14="http://schemas.microsoft.com/office/powerpoint/2010/main" val="1507745833"/>
+      </p:ext>
+    </p:extLst>
+  </p:cSld>
+  <p:clrMapOvr>
+    <a:masterClrMapping/>
+  </p:clrMapOvr>
+  <p:timing>
+    <p:tnLst>
+      <p:par>
+        <p:cTn id="1" dur="indefinite" restart="never" nodeType="tmRoot"/>
+      </p:par>
+    </p:tnLst>
+  </p:timing>
+</p:sld>
+</file>
+
+<file path=ppt/slides/slide26.xml><?xml version="1.0" encoding="utf-8"?>
+<p:sld xmlns:a="http://schemas.openxmlformats.org/drawingml/2006/main" xmlns:r="http://schemas.openxmlformats.org/officeDocument/2006/relationships" xmlns:p="http://schemas.openxmlformats.org/presentationml/2006/main">
+  <p:cSld>
+    <p:spTree>
+      <p:nvGrpSpPr>
+        <p:cNvPr id="1" name=""/>
+        <p:cNvGrpSpPr/>
+        <p:nvPr/>
+      </p:nvGrpSpPr>
+      <p:grpSpPr>
+        <a:xfrm>
+          <a:off x="0" y="0"/>
+          <a:ext cx="0" cy="0"/>
+          <a:chOff x="0" y="0"/>
+          <a:chExt cx="0" cy="0"/>
+        </a:xfrm>
+      </p:grpSpPr>
+      <p:sp>
+        <p:nvSpPr>
+          <p:cNvPr id="2" name="Title 1"/>
+          <p:cNvSpPr>
+            <a:spLocks noGrp="1"/>
+          </p:cNvSpPr>
+          <p:nvPr>
+            <p:ph type="title"/>
+          </p:nvPr>
+        </p:nvSpPr>
+        <p:spPr/>
+        <p:txBody>
+          <a:bodyPr/>
+          <a:lstStyle/>
+          <a:p>
+            <a:r>
+              <a:rPr lang="en-US" dirty="0" smtClean="0"/>
+              <a:t>Best Practices</a:t>
+            </a:r>
+            <a:endParaRPr lang="en-US" dirty="0"/>
+          </a:p>
+        </p:txBody>
+      </p:sp>
+      <p:sp>
+        <p:nvSpPr>
+          <p:cNvPr id="6" name="Content Placeholder 2"/>
+          <p:cNvSpPr txBox="1">
+            <a:spLocks/>
+          </p:cNvSpPr>
+          <p:nvPr/>
+        </p:nvSpPr>
+        <p:spPr>
+          <a:xfrm>
+            <a:off x="457200" y="1600200"/>
+            <a:ext cx="8229600" cy="4876800"/>
+          </a:xfrm>
+          <a:prstGeom prst="rect">
+            <a:avLst/>
+          </a:prstGeom>
+        </p:spPr>
+        <p:txBody>
+          <a:bodyPr vert="horz" lIns="91440" tIns="45720" rIns="91440" bIns="45720" rtlCol="0">
+            <a:normAutofit/>
+          </a:bodyPr>
+          <a:lstStyle>
+            <a:lvl1pPr marL="182880" indent="-182880" algn="l" defTabSz="914400" rtl="0" eaLnBrk="1" latinLnBrk="0" hangingPunct="1">
+              <a:spcBef>
+                <a:spcPct val="20000"/>
+              </a:spcBef>
+              <a:buClr>
+                <a:schemeClr val="accent1"/>
+              </a:buClr>
+              <a:buSzPct val="85000"/>
+              <a:buFont typeface="Arial" pitchFamily="34" charset="0"/>
+              <a:buChar char="•"/>
+              <a:defRPr sz="2400" kern="1200">
+                <a:solidFill>
+                  <a:schemeClr val="tx1"/>
+                </a:solidFill>
+                <a:latin typeface="+mn-lt"/>
+                <a:ea typeface="+mn-ea"/>
+                <a:cs typeface="+mn-cs"/>
+              </a:defRPr>
+            </a:lvl1pPr>
+            <a:lvl2pPr marL="457200" indent="-182880" algn="l" defTabSz="914400" rtl="0" eaLnBrk="1" latinLnBrk="0" hangingPunct="1">
+              <a:spcBef>
+                <a:spcPct val="20000"/>
+              </a:spcBef>
+              <a:buClr>
+                <a:schemeClr val="accent1"/>
+              </a:buClr>
+              <a:buSzPct val="85000"/>
+              <a:buFont typeface="Arial" pitchFamily="34" charset="0"/>
+              <a:buChar char="•"/>
+              <a:defRPr sz="2000" kern="1200">
+                <a:solidFill>
+                  <a:schemeClr val="tx1"/>
+                </a:solidFill>
+                <a:latin typeface="+mn-lt"/>
+                <a:ea typeface="+mn-ea"/>
+                <a:cs typeface="+mn-cs"/>
+              </a:defRPr>
+            </a:lvl2pPr>
+            <a:lvl3pPr marL="731520" indent="-182880" algn="l" defTabSz="914400" rtl="0" eaLnBrk="1" latinLnBrk="0" hangingPunct="1">
+              <a:spcBef>
+                <a:spcPct val="20000"/>
+              </a:spcBef>
+              <a:buClr>
+                <a:schemeClr val="accent1"/>
+              </a:buClr>
+              <a:buSzPct val="90000"/>
+              <a:buFont typeface="Arial" pitchFamily="34" charset="0"/>
+              <a:buChar char="•"/>
+              <a:defRPr sz="1800" kern="1200">
+                <a:solidFill>
+                  <a:schemeClr val="tx1"/>
+                </a:solidFill>
+                <a:latin typeface="+mn-lt"/>
+                <a:ea typeface="+mn-ea"/>
+                <a:cs typeface="+mn-cs"/>
+              </a:defRPr>
+            </a:lvl3pPr>
+            <a:lvl4pPr marL="1005840" indent="-182880" algn="l" defTabSz="914400" rtl="0" eaLnBrk="1" latinLnBrk="0" hangingPunct="1">
+              <a:spcBef>
+                <a:spcPct val="20000"/>
+              </a:spcBef>
+              <a:buClr>
+                <a:schemeClr val="accent1"/>
+              </a:buClr>
+              <a:buFont typeface="Arial" pitchFamily="34" charset="0"/>
+              <a:buChar char="•"/>
+              <a:defRPr sz="1600" kern="1200">
+                <a:solidFill>
+                  <a:schemeClr val="tx1"/>
+                </a:solidFill>
+                <a:latin typeface="+mn-lt"/>
+                <a:ea typeface="+mn-ea"/>
+                <a:cs typeface="+mn-cs"/>
+              </a:defRPr>
+            </a:lvl4pPr>
+            <a:lvl5pPr marL="1188720" indent="-137160" algn="l" defTabSz="914400" rtl="0" eaLnBrk="1" latinLnBrk="0" hangingPunct="1">
+              <a:spcBef>
+                <a:spcPct val="20000"/>
+              </a:spcBef>
+              <a:buClr>
+                <a:schemeClr val="accent1"/>
+              </a:buClr>
+              <a:buSzPct val="100000"/>
+              <a:buFont typeface="Arial" pitchFamily="34" charset="0"/>
+              <a:buChar char="•"/>
+              <a:defRPr sz="1400" kern="1200" baseline="0">
+                <a:solidFill>
+                  <a:schemeClr val="tx1"/>
+                </a:solidFill>
+                <a:latin typeface="+mn-lt"/>
+                <a:ea typeface="+mn-ea"/>
+                <a:cs typeface="+mn-cs"/>
+              </a:defRPr>
+            </a:lvl5pPr>
+            <a:lvl6pPr marL="1371600" indent="-182880" algn="l" defTabSz="914400" rtl="0" eaLnBrk="1" latinLnBrk="0" hangingPunct="1">
+              <a:spcBef>
+                <a:spcPct val="20000"/>
+              </a:spcBef>
+              <a:buClr>
+                <a:schemeClr val="accent1"/>
+              </a:buClr>
+              <a:buFont typeface="Arial" pitchFamily="34" charset="0"/>
+              <a:buChar char="•"/>
+              <a:defRPr sz="1300" kern="1200">
+                <a:solidFill>
+                  <a:schemeClr val="tx1"/>
+                </a:solidFill>
+                <a:latin typeface="+mn-lt"/>
+                <a:ea typeface="+mn-ea"/>
+                <a:cs typeface="+mn-cs"/>
+              </a:defRPr>
+            </a:lvl6pPr>
+            <a:lvl7pPr marL="1554480" indent="-182880" algn="l" defTabSz="914400" rtl="0" eaLnBrk="1" latinLnBrk="0" hangingPunct="1">
+              <a:spcBef>
+                <a:spcPct val="20000"/>
+              </a:spcBef>
+              <a:buClr>
+                <a:schemeClr val="accent1"/>
+              </a:buClr>
+              <a:buFont typeface="Arial" pitchFamily="34" charset="0"/>
+              <a:buChar char="•"/>
+              <a:defRPr sz="1300" kern="1200">
+                <a:solidFill>
+                  <a:schemeClr val="tx1"/>
+                </a:solidFill>
+                <a:latin typeface="+mn-lt"/>
+                <a:ea typeface="+mn-ea"/>
+                <a:cs typeface="+mn-cs"/>
+              </a:defRPr>
+            </a:lvl7pPr>
+            <a:lvl8pPr marL="1737360" indent="-182880" algn="l" defTabSz="914400" rtl="0" eaLnBrk="1" latinLnBrk="0" hangingPunct="1">
+              <a:spcBef>
+                <a:spcPct val="20000"/>
+              </a:spcBef>
+              <a:buClr>
+                <a:schemeClr val="accent1"/>
+              </a:buClr>
+              <a:buFont typeface="Arial" pitchFamily="34" charset="0"/>
+              <a:buChar char="•"/>
+              <a:defRPr sz="1300" kern="1200">
+                <a:solidFill>
+                  <a:schemeClr val="tx1"/>
+                </a:solidFill>
+                <a:latin typeface="+mn-lt"/>
+                <a:ea typeface="+mn-ea"/>
+                <a:cs typeface="+mn-cs"/>
+              </a:defRPr>
+            </a:lvl8pPr>
+            <a:lvl9pPr marL="1920240" indent="-182880" algn="l" defTabSz="914400" rtl="0" eaLnBrk="1" latinLnBrk="0" hangingPunct="1">
+              <a:spcBef>
+                <a:spcPct val="20000"/>
+              </a:spcBef>
+              <a:buClr>
+                <a:schemeClr val="accent1"/>
+              </a:buClr>
+              <a:buFont typeface="Arial" pitchFamily="34" charset="0"/>
+              <a:buChar char="•"/>
+              <a:defRPr sz="1300" kern="1200">
+                <a:solidFill>
+                  <a:schemeClr val="tx1"/>
+                </a:solidFill>
+                <a:latin typeface="+mn-lt"/>
+                <a:ea typeface="+mn-ea"/>
+                <a:cs typeface="+mn-cs"/>
+              </a:defRPr>
+            </a:lvl9pPr>
+          </a:lstStyle>
+          <a:p>
+            <a:r>
+              <a:rPr lang="en-GB" sz="1600" b="1" dirty="0" smtClean="0"/>
+              <a:t>Namespace</a:t>
+            </a:r>
+            <a:r>
+              <a:rPr lang="en-GB" sz="1600" dirty="0" smtClean="0"/>
+              <a:t> distributed code – OpenSource code should be name spaced</a:t>
+            </a:r>
+          </a:p>
+          <a:p>
+            <a:r>
+              <a:rPr lang="en-GB" sz="1600" dirty="0" smtClean="0"/>
+              <a:t>Only use .$broadcast(), .$emit(), and .$on() for atomic events</a:t>
+            </a:r>
+          </a:p>
+          <a:p>
+            <a:r>
+              <a:rPr lang="en-GB" sz="1600" dirty="0" smtClean="0"/>
+              <a:t>Always let users use </a:t>
+            </a:r>
+            <a:r>
+              <a:rPr lang="en-GB" sz="1600" b="1" dirty="0" smtClean="0"/>
+              <a:t>expressions</a:t>
+            </a:r>
+            <a:r>
+              <a:rPr lang="en-GB" sz="1600" dirty="0" smtClean="0"/>
+              <a:t> “{{}}” whenever possible</a:t>
+            </a:r>
+          </a:p>
+          <a:p>
+            <a:r>
+              <a:rPr lang="en-GB" sz="1600" dirty="0" smtClean="0"/>
+              <a:t>Extend directives by using </a:t>
+            </a:r>
+            <a:r>
+              <a:rPr lang="en-GB" sz="1600" b="1" dirty="0" smtClean="0"/>
+              <a:t>Directive Controllers</a:t>
+            </a:r>
+          </a:p>
+          <a:p>
+            <a:r>
+              <a:rPr lang="en-GB" sz="1600" dirty="0" smtClean="0"/>
+              <a:t>Add </a:t>
+            </a:r>
+            <a:r>
+              <a:rPr lang="en-GB" sz="1600" b="1" dirty="0" smtClean="0"/>
+              <a:t>teardown code to controllers and directives </a:t>
+            </a:r>
+            <a:r>
+              <a:rPr lang="en-GB" sz="1600" dirty="0" smtClean="0"/>
+              <a:t>- Controllers </a:t>
+            </a:r>
+            <a:r>
+              <a:rPr lang="en-GB" sz="1600" dirty="0"/>
+              <a:t>and </a:t>
+            </a:r>
+            <a:r>
+              <a:rPr lang="en-GB" sz="1600" dirty="0" smtClean="0"/>
+              <a:t>directives emit an event right before they are destroyed. You can perform the garbage collection there.</a:t>
+            </a:r>
+          </a:p>
+          <a:p>
+            <a:r>
+              <a:rPr lang="en-GB" sz="1600" dirty="0" smtClean="0"/>
+              <a:t>Leverage </a:t>
+            </a:r>
+            <a:r>
+              <a:rPr lang="en-GB" sz="1600" b="1" dirty="0" smtClean="0"/>
+              <a:t>modules</a:t>
+            </a:r>
+            <a:r>
+              <a:rPr lang="en-GB" sz="1600" dirty="0" smtClean="0"/>
+              <a:t> properly – Group your code into related bundles. This way if you remove a module, your app still works</a:t>
+            </a:r>
+          </a:p>
+          <a:p>
+            <a:r>
+              <a:rPr lang="en-GB" sz="1600" dirty="0" smtClean="0"/>
+              <a:t>Add </a:t>
+            </a:r>
+            <a:r>
+              <a:rPr lang="en-GB" sz="1600" b="1" dirty="0" smtClean="0"/>
+              <a:t>NPM</a:t>
+            </a:r>
+            <a:r>
+              <a:rPr lang="en-GB" sz="1600" dirty="0" smtClean="0"/>
+              <a:t> and </a:t>
+            </a:r>
+            <a:r>
+              <a:rPr lang="en-GB" sz="1600" b="1" dirty="0" smtClean="0"/>
+              <a:t>Bower</a:t>
+            </a:r>
+            <a:r>
+              <a:rPr lang="en-GB" sz="1600" dirty="0" smtClean="0"/>
+              <a:t> support</a:t>
+            </a:r>
+          </a:p>
+          <a:p>
+            <a:endParaRPr lang="en-GB" sz="1600" dirty="0" smtClean="0"/>
+          </a:p>
+        </p:txBody>
+      </p:sp>
+    </p:spTree>
+    <p:extLst>
+      <p:ext uri="{BB962C8B-B14F-4D97-AF65-F5344CB8AC3E}">
+        <p14:creationId xmlns:p14="http://schemas.microsoft.com/office/powerpoint/2010/main" val="1523614148"/>
+      </p:ext>
+    </p:extLst>
+  </p:cSld>
+  <p:clrMapOvr>
+    <a:masterClrMapping/>
+  </p:clrMapOvr>
+  <p:timing>
+    <p:tnLst>
+      <p:par>
+        <p:cTn id="1" dur="indefinite" restart="never" nodeType="tmRoot"/>
+      </p:par>
+    </p:tnLst>
+  </p:timing>
+</p:sld>
+</file>
+
+<file path=ppt/slides/slide27.xml><?xml version="1.0" encoding="utf-8"?>
+<p:sld xmlns:a="http://schemas.openxmlformats.org/drawingml/2006/main" xmlns:r="http://schemas.openxmlformats.org/officeDocument/2006/relationships" xmlns:p="http://schemas.openxmlformats.org/presentationml/2006/main">
+  <p:cSld>
+    <p:spTree>
+      <p:nvGrpSpPr>
+        <p:cNvPr id="1" name=""/>
+        <p:cNvGrpSpPr/>
+        <p:nvPr/>
+      </p:nvGrpSpPr>
+      <p:grpSpPr>
+        <a:xfrm>
+          <a:off x="0" y="0"/>
+          <a:ext cx="0" cy="0"/>
+          <a:chOff x="0" y="0"/>
+          <a:chExt cx="0" cy="0"/>
+        </a:xfrm>
+      </p:grpSpPr>
+      <p:sp>
+        <p:nvSpPr>
+          <p:cNvPr id="2" name="Title 1"/>
+          <p:cNvSpPr>
+            <a:spLocks noGrp="1"/>
+          </p:cNvSpPr>
+          <p:nvPr>
+            <p:ph type="title"/>
+          </p:nvPr>
+        </p:nvSpPr>
+        <p:spPr/>
+        <p:txBody>
+          <a:bodyPr/>
+          <a:lstStyle/>
+          <a:p>
+            <a:r>
+              <a:rPr lang="en-US" dirty="0" smtClean="0"/>
+              <a:t>References</a:t>
+            </a:r>
+            <a:endParaRPr lang="en-US" dirty="0"/>
+          </a:p>
+        </p:txBody>
+      </p:sp>
+      <p:sp>
+        <p:nvSpPr>
+          <p:cNvPr id="3" name="Content Placeholder 2"/>
+          <p:cNvSpPr>
+            <a:spLocks noGrp="1"/>
+          </p:cNvSpPr>
+          <p:nvPr>
+            <p:ph idx="1"/>
+          </p:nvPr>
+        </p:nvSpPr>
+        <p:spPr/>
+        <p:txBody>
+          <a:bodyPr>
+            <a:normAutofit/>
+          </a:bodyPr>
+          <a:lstStyle/>
+          <a:p>
+            <a:r>
+              <a:rPr lang="en-US" sz="1600" dirty="0">
+                <a:hlinkClick r:id="rId2"/>
+              </a:rPr>
+              <a:t>https://docs.angularjs.org/tutorial</a:t>
+            </a:r>
+            <a:r>
+              <a:rPr lang="en-US" sz="1600" dirty="0" smtClean="0">
+                <a:hlinkClick r:id="rId2"/>
+              </a:rPr>
+              <a:t>/</a:t>
+            </a:r>
+            <a:endParaRPr lang="en-US" sz="1600" dirty="0" smtClean="0"/>
+          </a:p>
+          <a:p>
+            <a:r>
+              <a:rPr lang="en-US" sz="1600" dirty="0">
+                <a:hlinkClick r:id="rId3"/>
+              </a:rPr>
+              <a:t>https://</a:t>
+            </a:r>
+            <a:r>
+              <a:rPr lang="en-US" sz="1600" dirty="0" smtClean="0">
+                <a:hlinkClick r:id="rId3"/>
+              </a:rPr>
+              <a:t>github.com/angular/angular-seed</a:t>
+            </a:r>
+            <a:endParaRPr lang="en-US" sz="1600" dirty="0" smtClean="0"/>
+          </a:p>
+          <a:p>
+            <a:r>
+              <a:rPr lang="en-US" sz="1600" dirty="0">
+                <a:hlinkClick r:id="rId4"/>
+              </a:rPr>
+              <a:t>https://</a:t>
+            </a:r>
+            <a:r>
+              <a:rPr lang="en-US" sz="1600" dirty="0" smtClean="0">
+                <a:hlinkClick r:id="rId4"/>
+              </a:rPr>
+              <a:t>docs.angularjs.org/tutorial/step_00</a:t>
+            </a:r>
+            <a:endParaRPr lang="en-US" sz="1600" dirty="0" smtClean="0"/>
+          </a:p>
+          <a:p>
+            <a:r>
+              <a:rPr lang="en-US" sz="1600" dirty="0">
+                <a:hlinkClick r:id="rId5"/>
+              </a:rPr>
+              <a:t>https://www.madewithangular.com</a:t>
+            </a:r>
+            <a:r>
+              <a:rPr lang="en-US" sz="1600" dirty="0" smtClean="0">
+                <a:hlinkClick r:id="rId5"/>
+              </a:rPr>
+              <a:t>/#/</a:t>
+            </a:r>
+            <a:endParaRPr lang="en-US" sz="1600" dirty="0" smtClean="0"/>
+          </a:p>
+          <a:p>
+            <a:r>
+              <a:rPr lang="en-US" sz="1600" dirty="0">
+                <a:hlinkClick r:id="rId6"/>
+              </a:rPr>
+              <a:t>https://</a:t>
+            </a:r>
+            <a:r>
+              <a:rPr lang="en-US" sz="1600" dirty="0" smtClean="0">
+                <a:hlinkClick r:id="rId6"/>
+              </a:rPr>
+              <a:t>github.com/angular/angular.js/wiki/Best-Practices</a:t>
+            </a:r>
+            <a:endParaRPr lang="en-US" sz="1600" dirty="0" smtClean="0"/>
+          </a:p>
+          <a:p>
+            <a:r>
+              <a:rPr lang="en-US" sz="1600" dirty="0">
+                <a:hlinkClick r:id="rId3"/>
+              </a:rPr>
+              <a:t>https://</a:t>
+            </a:r>
+            <a:r>
+              <a:rPr lang="en-US" sz="1600" dirty="0" smtClean="0">
+                <a:hlinkClick r:id="rId3"/>
+              </a:rPr>
+              <a:t>github.com/angular/angular-seed</a:t>
+            </a:r>
+            <a:endParaRPr lang="en-US" sz="1600" dirty="0" smtClean="0"/>
+          </a:p>
+          <a:p>
+            <a:endParaRPr lang="en-US" sz="1600" dirty="0" smtClean="0"/>
+          </a:p>
+        </p:txBody>
+      </p:sp>
+    </p:spTree>
+    <p:extLst>
+      <p:ext uri="{BB962C8B-B14F-4D97-AF65-F5344CB8AC3E}">
+        <p14:creationId xmlns:p14="http://schemas.microsoft.com/office/powerpoint/2010/main" val="924403351"/>
       </p:ext>
     </p:extLst>
   </p:cSld>
@@ -6213,8 +10909,23 @@
           <a:p>
             <a:r>
               <a:rPr lang="en-US" sz="1600" dirty="0" smtClean="0"/>
-              <a:t>Applications can run on all major browsers and smart phones including Android and iOS based phones/tablets</a:t>
-            </a:r>
+              <a:t>Applications can run on all major browsers and smart phones including Android and iOS based </a:t>
+            </a:r>
+            <a:r>
+              <a:rPr lang="en-US" sz="1600" dirty="0" smtClean="0"/>
+              <a:t>phones/tablets</a:t>
+            </a:r>
+          </a:p>
+          <a:p>
+            <a:r>
+              <a:rPr lang="en-US" sz="1600" dirty="0" smtClean="0"/>
+              <a:t>ng-include can be used to embed html within another html. This </a:t>
+            </a:r>
+            <a:r>
+              <a:rPr lang="en-US" sz="1600" dirty="0" smtClean="0"/>
+              <a:t>feature is not available in HTML</a:t>
+            </a:r>
+            <a:endParaRPr lang="en-US" sz="1600" dirty="0" smtClean="0"/>
           </a:p>
         </p:txBody>
       </p:sp>

--- a/AngularJS.pptx
+++ b/AngularJS.pptx
@@ -15,23 +15,26 @@
     <p:sldId id="274" r:id="rId9"/>
     <p:sldId id="275" r:id="rId10"/>
     <p:sldId id="280" r:id="rId11"/>
-    <p:sldId id="283" r:id="rId12"/>
-    <p:sldId id="284" r:id="rId13"/>
-    <p:sldId id="285" r:id="rId14"/>
-    <p:sldId id="286" r:id="rId15"/>
-    <p:sldId id="287" r:id="rId16"/>
-    <p:sldId id="290" r:id="rId17"/>
-    <p:sldId id="288" r:id="rId18"/>
-    <p:sldId id="282" r:id="rId19"/>
-    <p:sldId id="289" r:id="rId20"/>
-    <p:sldId id="276" r:id="rId21"/>
-    <p:sldId id="291" r:id="rId22"/>
-    <p:sldId id="292" r:id="rId23"/>
-    <p:sldId id="281" r:id="rId24"/>
-    <p:sldId id="278" r:id="rId25"/>
-    <p:sldId id="279" r:id="rId26"/>
-    <p:sldId id="277" r:id="rId27"/>
-    <p:sldId id="269" r:id="rId28"/>
+    <p:sldId id="293" r:id="rId12"/>
+    <p:sldId id="294" r:id="rId13"/>
+    <p:sldId id="283" r:id="rId14"/>
+    <p:sldId id="284" r:id="rId15"/>
+    <p:sldId id="285" r:id="rId16"/>
+    <p:sldId id="286" r:id="rId17"/>
+    <p:sldId id="287" r:id="rId18"/>
+    <p:sldId id="290" r:id="rId19"/>
+    <p:sldId id="288" r:id="rId20"/>
+    <p:sldId id="282" r:id="rId21"/>
+    <p:sldId id="289" r:id="rId22"/>
+    <p:sldId id="276" r:id="rId23"/>
+    <p:sldId id="291" r:id="rId24"/>
+    <p:sldId id="292" r:id="rId25"/>
+    <p:sldId id="281" r:id="rId26"/>
+    <p:sldId id="278" r:id="rId27"/>
+    <p:sldId id="279" r:id="rId28"/>
+    <p:sldId id="277" r:id="rId29"/>
+    <p:sldId id="295" r:id="rId30"/>
+    <p:sldId id="269" r:id="rId31"/>
   </p:sldIdLst>
   <p:sldSz cx="9144000" cy="6858000" type="screen4x3"/>
   <p:notesSz cx="6858000" cy="9144000"/>
@@ -321,7 +324,7 @@
           <a:p>
             <a:fld id="{8F235549-BF0A-4B98-8561-3786244E808C}" type="datetimeFigureOut">
               <a:rPr lang="en-US" smtClean="0"/>
-              <a:t>3/2/2016</a:t>
+              <a:t>3/4/2016</a:t>
             </a:fld>
             <a:endParaRPr lang="en-US"/>
           </a:p>
@@ -521,7 +524,7 @@
           <a:p>
             <a:fld id="{8F235549-BF0A-4B98-8561-3786244E808C}" type="datetimeFigureOut">
               <a:rPr lang="en-US" smtClean="0"/>
-              <a:t>3/2/2016</a:t>
+              <a:t>3/4/2016</a:t>
             </a:fld>
             <a:endParaRPr lang="en-US"/>
           </a:p>
@@ -696,7 +699,7 @@
           <a:p>
             <a:fld id="{8F235549-BF0A-4B98-8561-3786244E808C}" type="datetimeFigureOut">
               <a:rPr lang="en-US" smtClean="0"/>
-              <a:t>3/2/2016</a:t>
+              <a:t>3/4/2016</a:t>
             </a:fld>
             <a:endParaRPr lang="en-US"/>
           </a:p>
@@ -861,7 +864,7 @@
           <a:p>
             <a:fld id="{8F235549-BF0A-4B98-8561-3786244E808C}" type="datetimeFigureOut">
               <a:rPr lang="en-US" smtClean="0"/>
-              <a:t>3/2/2016</a:t>
+              <a:t>3/4/2016</a:t>
             </a:fld>
             <a:endParaRPr lang="en-US"/>
           </a:p>
@@ -1109,7 +1112,7 @@
           <a:p>
             <a:fld id="{8F235549-BF0A-4B98-8561-3786244E808C}" type="datetimeFigureOut">
               <a:rPr lang="en-US" smtClean="0"/>
-              <a:t>3/2/2016</a:t>
+              <a:t>3/4/2016</a:t>
             </a:fld>
             <a:endParaRPr lang="en-US"/>
           </a:p>
@@ -1427,7 +1430,7 @@
           <a:p>
             <a:fld id="{8F235549-BF0A-4B98-8561-3786244E808C}" type="datetimeFigureOut">
               <a:rPr lang="en-US" smtClean="0"/>
-              <a:t>3/2/2016</a:t>
+              <a:t>3/4/2016</a:t>
             </a:fld>
             <a:endParaRPr lang="en-US"/>
           </a:p>
@@ -1893,7 +1896,7 @@
           <a:p>
             <a:fld id="{8F235549-BF0A-4B98-8561-3786244E808C}" type="datetimeFigureOut">
               <a:rPr lang="en-US" smtClean="0"/>
-              <a:t>3/2/2016</a:t>
+              <a:t>3/4/2016</a:t>
             </a:fld>
             <a:endParaRPr lang="en-US"/>
           </a:p>
@@ -2041,7 +2044,7 @@
           <a:p>
             <a:fld id="{8F235549-BF0A-4B98-8561-3786244E808C}" type="datetimeFigureOut">
               <a:rPr lang="en-US" smtClean="0"/>
-              <a:t>3/2/2016</a:t>
+              <a:t>3/4/2016</a:t>
             </a:fld>
             <a:endParaRPr lang="en-US"/>
           </a:p>
@@ -2131,7 +2134,7 @@
           <a:p>
             <a:fld id="{8F235549-BF0A-4B98-8561-3786244E808C}" type="datetimeFigureOut">
               <a:rPr lang="en-US" smtClean="0"/>
-              <a:t>3/2/2016</a:t>
+              <a:t>3/4/2016</a:t>
             </a:fld>
             <a:endParaRPr lang="en-US"/>
           </a:p>
@@ -2405,7 +2408,7 @@
           <a:p>
             <a:fld id="{8F235549-BF0A-4B98-8561-3786244E808C}" type="datetimeFigureOut">
               <a:rPr lang="en-US" smtClean="0"/>
-              <a:t>3/2/2016</a:t>
+              <a:t>3/4/2016</a:t>
             </a:fld>
             <a:endParaRPr lang="en-US"/>
           </a:p>
@@ -2710,7 +2713,7 @@
           <a:p>
             <a:fld id="{8F235549-BF0A-4B98-8561-3786244E808C}" type="datetimeFigureOut">
               <a:rPr lang="en-US" smtClean="0"/>
-              <a:t>3/2/2016</a:t>
+              <a:t>3/4/2016</a:t>
             </a:fld>
             <a:endParaRPr lang="en-US"/>
           </a:p>
@@ -3008,7 +3011,7 @@
           <a:p>
             <a:fld id="{8F235549-BF0A-4B98-8561-3786244E808C}" type="datetimeFigureOut">
               <a:rPr lang="en-US" smtClean="0"/>
-              <a:t>3/2/2016</a:t>
+              <a:t>3/4/2016</a:t>
             </a:fld>
             <a:endParaRPr lang="en-US"/>
           </a:p>
@@ -3482,11 +3485,7 @@
           <a:p>
             <a:r>
               <a:rPr lang="en-US" dirty="0" smtClean="0"/>
-              <a:t>AngularJS </a:t>
-            </a:r>
-            <a:r>
-              <a:rPr lang="en-US" dirty="0" smtClean="0"/>
-              <a:t>Directive</a:t>
+              <a:t>AngularJS Directive</a:t>
             </a:r>
             <a:endParaRPr lang="en-US" dirty="0"/>
           </a:p>
@@ -3806,7 +3805,7 @@
             </a:r>
             <a:r>
               <a:rPr lang="en-US" dirty="0" smtClean="0"/>
-              <a:t>Expression &amp; Controller</a:t>
+              <a:t>– ngBind</a:t>
             </a:r>
             <a:endParaRPr lang="en-US" dirty="0"/>
           </a:p>
@@ -4004,245 +4003,92 @@
           <a:p>
             <a:r>
               <a:rPr lang="en-GB" sz="1600" dirty="0"/>
-              <a:t>AngularJS </a:t>
+              <a:t>The </a:t>
+            </a:r>
+            <a:r>
+              <a:rPr lang="en-GB" sz="1600" b="1" dirty="0"/>
+              <a:t>ngBind</a:t>
+            </a:r>
+            <a:r>
+              <a:rPr lang="en-GB" sz="1600" dirty="0"/>
+              <a:t> attribute tells Angular to replace the text content of the specified HTML element with the value of a given expression, and to update the text content when the value of that expression </a:t>
             </a:r>
             <a:r>
               <a:rPr lang="en-GB" sz="1600" dirty="0" smtClean="0"/>
-              <a:t>expressions are used to bind application data to html. Expressions are written in </a:t>
-            </a:r>
-            <a:r>
-              <a:rPr lang="en-US" sz="1600" dirty="0"/>
-              <a:t>double braces like </a:t>
-            </a:r>
-            <a:r>
-              <a:rPr lang="en-US" sz="1600" b="1" dirty="0">
+              <a:t>changes</a:t>
+            </a:r>
+          </a:p>
+          <a:p>
+            <a:r>
+              <a:rPr lang="en-GB" sz="1600" dirty="0"/>
+              <a:t>Typically, you don't use ngBind directly, but instead you use the double curly </a:t>
+            </a:r>
+            <a:r>
+              <a:rPr lang="en-GB" sz="1600" dirty="0" smtClean="0"/>
+              <a:t>mark up </a:t>
+            </a:r>
+            <a:r>
+              <a:rPr lang="en-GB" sz="1600" dirty="0"/>
+              <a:t>like {{ expression }} which is similar but less </a:t>
+            </a:r>
+            <a:r>
+              <a:rPr lang="en-GB" sz="1600" dirty="0" smtClean="0"/>
+              <a:t>verbose</a:t>
+            </a:r>
+          </a:p>
+          <a:p>
+            <a:r>
+              <a:rPr lang="en-GB" sz="1600" dirty="0"/>
+              <a:t>It is preferable to use ngBind instead of </a:t>
+            </a:r>
+            <a:r>
+              <a:rPr lang="en-GB" sz="1600" b="1" dirty="0">
                 <a:solidFill>
                   <a:srgbClr val="00B050"/>
                 </a:solidFill>
               </a:rPr>
-              <a:t>{{ expression}}</a:t>
-            </a:r>
-            <a:endParaRPr lang="en-GB" sz="1600" b="1" dirty="0" smtClean="0">
-              <a:solidFill>
-                <a:srgbClr val="00B050"/>
-              </a:solidFill>
-            </a:endParaRPr>
-          </a:p>
-          <a:p>
+              <a:t>{{ expression }}</a:t>
+            </a:r>
+            <a:r>
+              <a:rPr lang="en-GB" sz="1600" dirty="0"/>
+              <a:t> if a template is momentarily displayed by the browser in its raw </a:t>
+            </a:r>
             <a:r>
               <a:rPr lang="en-GB" sz="1600" dirty="0" smtClean="0"/>
-              <a:t>AngularJS controller controls the flow of data in the application. It is </a:t>
+              <a:t>state (i.e. un-compiled state) </a:t>
             </a:r>
             <a:r>
               <a:rPr lang="en-GB" sz="1600" dirty="0"/>
-              <a:t>defined using </a:t>
-            </a:r>
-            <a:r>
-              <a:rPr lang="en-US" sz="1600" b="1" dirty="0">
-                <a:solidFill>
-                  <a:srgbClr val="00B050"/>
-                </a:solidFill>
+              <a:t>before Angular compiles it. Since ngBind is an element attribute, it makes the bindings invisible to the user while the page is loading</a:t>
+            </a:r>
+            <a:endParaRPr lang="en-GB" sz="1600" dirty="0"/>
+          </a:p>
+          <a:p>
+            <a:r>
+              <a:rPr lang="en-GB" sz="1600" dirty="0"/>
+              <a:t>An alternative solution to this problem would be using the </a:t>
+            </a:r>
+            <a:r>
+              <a:rPr lang="en-GB" sz="1600" dirty="0">
+                <a:hlinkClick r:id="rId2"/>
               </a:rPr>
-              <a:t>ng-controller</a:t>
-            </a:r>
-            <a:r>
-              <a:rPr lang="en-US" sz="1600" dirty="0"/>
-              <a:t> </a:t>
-            </a:r>
-            <a:r>
-              <a:rPr lang="en-US" sz="1600" dirty="0" smtClean="0"/>
+              <a:t>ngCloak</a:t>
+            </a:r>
+            <a:r>
+              <a:rPr lang="en-GB" sz="1600" dirty="0"/>
+              <a:t> </a:t>
+            </a:r>
+            <a:r>
+              <a:rPr lang="en-GB" sz="1600" dirty="0" smtClean="0"/>
               <a:t>directive</a:t>
-            </a:r>
-          </a:p>
-          <a:p>
-            <a:pPr lvl="1"/>
-            <a:r>
-              <a:rPr lang="en-US" sz="1400" dirty="0" smtClean="0"/>
-              <a:t>Controller is a JavaScript object containing attributes / properties and functions</a:t>
-            </a:r>
-          </a:p>
-          <a:p>
-            <a:pPr lvl="1"/>
-            <a:r>
-              <a:rPr lang="en-US" sz="1400" dirty="0" smtClean="0"/>
-              <a:t>Controller accepts </a:t>
-            </a:r>
-            <a:r>
-              <a:rPr lang="en-US" sz="1400" b="1" dirty="0" smtClean="0">
-                <a:solidFill>
-                  <a:srgbClr val="00B050"/>
-                </a:solidFill>
-              </a:rPr>
-              <a:t>$scope </a:t>
-            </a:r>
-            <a:r>
-              <a:rPr lang="en-GB" sz="1400" dirty="0"/>
-              <a:t>as a parameter which refers to the application/module that controller is to </a:t>
-            </a:r>
-            <a:r>
-              <a:rPr lang="en-GB" sz="1400" dirty="0" smtClean="0"/>
-              <a:t>control</a:t>
-            </a:r>
-          </a:p>
-          <a:p>
-            <a:r>
-              <a:rPr lang="en-US" sz="1600" b="1" dirty="0" smtClean="0"/>
-              <a:t>Sample controller:</a:t>
-            </a:r>
-          </a:p>
-          <a:p>
-            <a:endParaRPr lang="en-US" sz="1600" dirty="0"/>
-          </a:p>
-          <a:p>
-            <a:endParaRPr lang="en-US" sz="1600" dirty="0" smtClean="0"/>
-          </a:p>
-          <a:p>
-            <a:endParaRPr lang="en-US" sz="1400" dirty="0" smtClean="0"/>
-          </a:p>
-          <a:p>
-            <a:pPr lvl="1"/>
-            <a:endParaRPr lang="en-US" sz="1400" dirty="0" smtClean="0"/>
-          </a:p>
-          <a:p>
-            <a:pPr lvl="1"/>
-            <a:endParaRPr lang="en-US" sz="1400" dirty="0"/>
-          </a:p>
-          <a:p>
-            <a:pPr lvl="1"/>
-            <a:r>
-              <a:rPr lang="en-US" sz="1400" dirty="0" smtClean="0"/>
-              <a:t>$scope – refers to application which is to use the studentController object</a:t>
-            </a:r>
-          </a:p>
-          <a:p>
-            <a:pPr lvl="1"/>
-            <a:r>
-              <a:rPr lang="en-GB" sz="1400" dirty="0"/>
-              <a:t>$</a:t>
-            </a:r>
-            <a:r>
-              <a:rPr lang="en-GB" sz="1400" dirty="0" err="1"/>
-              <a:t>scope.student</a:t>
-            </a:r>
-            <a:r>
-              <a:rPr lang="en-GB" sz="1400" dirty="0"/>
-              <a:t> is property of studentController </a:t>
-            </a:r>
-            <a:r>
-              <a:rPr lang="en-GB" sz="1400" dirty="0" smtClean="0"/>
-              <a:t>object</a:t>
-            </a:r>
-          </a:p>
-          <a:p>
-            <a:pPr lvl="1"/>
-            <a:r>
-              <a:rPr lang="en-GB" sz="1400" dirty="0" err="1"/>
-              <a:t>firstName</a:t>
-            </a:r>
-            <a:r>
-              <a:rPr lang="en-GB" sz="1400" dirty="0"/>
-              <a:t> and </a:t>
-            </a:r>
-            <a:r>
-              <a:rPr lang="en-GB" sz="1400" dirty="0" err="1"/>
-              <a:t>lastName</a:t>
-            </a:r>
-            <a:r>
-              <a:rPr lang="en-GB" sz="1400" dirty="0"/>
-              <a:t> are two properties of $</a:t>
-            </a:r>
-            <a:r>
-              <a:rPr lang="en-GB" sz="1400" dirty="0" err="1"/>
-              <a:t>scope.student</a:t>
-            </a:r>
-            <a:r>
-              <a:rPr lang="en-GB" sz="1400" dirty="0"/>
-              <a:t> </a:t>
-            </a:r>
-            <a:r>
-              <a:rPr lang="en-GB" sz="1400" dirty="0" smtClean="0"/>
-              <a:t>object</a:t>
-            </a:r>
-          </a:p>
-          <a:p>
-            <a:pPr lvl="1"/>
-            <a:r>
-              <a:rPr lang="en-GB" sz="1400" dirty="0" err="1"/>
-              <a:t>fullName</a:t>
-            </a:r>
-            <a:r>
-              <a:rPr lang="en-GB" sz="1400" dirty="0"/>
-              <a:t> is the function of $</a:t>
-            </a:r>
-            <a:r>
-              <a:rPr lang="en-GB" sz="1400" dirty="0" err="1"/>
-              <a:t>scope.student</a:t>
-            </a:r>
-            <a:r>
-              <a:rPr lang="en-GB" sz="1400" dirty="0"/>
-              <a:t> object whose task is to return the combined name</a:t>
             </a:r>
           </a:p>
         </p:txBody>
       </p:sp>
-      <p:pic>
-        <p:nvPicPr>
-          <p:cNvPr id="1026" name="Picture 2"/>
-          <p:cNvPicPr>
-            <a:picLocks noChangeAspect="1" noChangeArrowheads="1"/>
-          </p:cNvPicPr>
-          <p:nvPr/>
-        </p:nvPicPr>
-        <p:blipFill>
-          <a:blip r:embed="rId2">
-            <a:extLst>
-              <a:ext uri="{28A0092B-C50C-407E-A947-70E740481C1C}">
-                <a14:useLocalDpi xmlns:a14="http://schemas.microsoft.com/office/drawing/2010/main" val="0"/>
-              </a:ext>
-            </a:extLst>
-          </a:blip>
-          <a:srcRect/>
-          <a:stretch>
-            <a:fillRect/>
-          </a:stretch>
-        </p:blipFill>
-        <p:spPr bwMode="auto">
-          <a:xfrm>
-            <a:off x="1043608" y="3861048"/>
-            <a:ext cx="5410200" cy="1133475"/>
-          </a:xfrm>
-          <a:prstGeom prst="rect">
-            <a:avLst/>
-          </a:prstGeom>
-          <a:noFill/>
-          <a:ln>
-            <a:noFill/>
-          </a:ln>
-          <a:extLst>
-            <a:ext uri="{909E8E84-426E-40DD-AFC4-6F175D3DCCD1}">
-              <a14:hiddenFill xmlns:a14="http://schemas.microsoft.com/office/drawing/2010/main">
-                <a:solidFill>
-                  <a:schemeClr val="accent1"/>
-                </a:solidFill>
-              </a14:hiddenFill>
-            </a:ext>
-            <a:ext uri="{91240B29-F687-4F45-9708-019B960494DF}">
-              <a14:hiddenLine xmlns:a14="http://schemas.microsoft.com/office/drawing/2010/main" w="9525">
-                <a:solidFill>
-                  <a:schemeClr val="tx1"/>
-                </a:solidFill>
-                <a:miter lim="800000"/>
-                <a:headEnd/>
-                <a:tailEnd/>
-              </a14:hiddenLine>
-            </a:ext>
-          </a:extLst>
-        </p:spPr>
-      </p:pic>
     </p:spTree>
     <p:extLst>
       <p:ext uri="{BB962C8B-B14F-4D97-AF65-F5344CB8AC3E}">
-        <p14:creationId xmlns:p14="http://schemas.microsoft.com/office/powerpoint/2010/main" val="506101935"/>
+        <p14:creationId xmlns:p14="http://schemas.microsoft.com/office/powerpoint/2010/main" val="814310637"/>
       </p:ext>
     </p:extLst>
   </p:cSld>
@@ -4297,7 +4143,7 @@
             </a:r>
             <a:r>
               <a:rPr lang="en-US" dirty="0" smtClean="0"/>
-              <a:t>Scope</a:t>
+              <a:t>– ngCloak</a:t>
             </a:r>
             <a:endParaRPr lang="en-US" dirty="0"/>
           </a:p>
@@ -4495,190 +4341,93 @@
           <a:p>
             <a:r>
               <a:rPr lang="en-GB" sz="1600" dirty="0"/>
-              <a:t>Scope is a special </a:t>
+              <a:t>The </a:t>
+            </a:r>
+            <a:r>
+              <a:rPr lang="en-GB" sz="1600" b="1" dirty="0"/>
+              <a:t>ngCloak</a:t>
+            </a:r>
+            <a:r>
+              <a:rPr lang="en-GB" sz="1600" dirty="0"/>
+              <a:t> directive is used to </a:t>
+            </a:r>
+            <a:r>
+              <a:rPr lang="en-GB" sz="1600" dirty="0">
+                <a:solidFill>
+                  <a:srgbClr val="00B050"/>
+                </a:solidFill>
+              </a:rPr>
+              <a:t>prevent </a:t>
+            </a:r>
+            <a:r>
+              <a:rPr lang="en-GB" sz="1600" dirty="0"/>
+              <a:t>the Angular html template </a:t>
+            </a:r>
+            <a:r>
+              <a:rPr lang="en-GB" sz="1600" dirty="0">
+                <a:solidFill>
+                  <a:srgbClr val="00B050"/>
+                </a:solidFill>
+              </a:rPr>
+              <a:t>from being briefly displayed</a:t>
+            </a:r>
+            <a:r>
+              <a:rPr lang="en-GB" sz="1600" dirty="0"/>
+              <a:t> by the browser in its raw (</a:t>
             </a:r>
             <a:r>
               <a:rPr lang="en-GB" sz="1600" dirty="0" smtClean="0"/>
-              <a:t>JavaScript </a:t>
+              <a:t>un-compiled</a:t>
             </a:r>
             <a:r>
               <a:rPr lang="en-GB" sz="1600" dirty="0"/>
-              <a:t>object which plays the role of joining controller with the views. </a:t>
+              <a:t>) form while your application is </a:t>
+            </a:r>
+            <a:r>
+              <a:rPr lang="en-GB" sz="1600" dirty="0" smtClean="0"/>
+              <a:t>loading</a:t>
+            </a:r>
+          </a:p>
+          <a:p>
+            <a:r>
+              <a:rPr lang="en-GB" sz="1600" dirty="0" smtClean="0"/>
+              <a:t>Use </a:t>
+            </a:r>
+            <a:r>
+              <a:rPr lang="en-GB" sz="1600" dirty="0"/>
+              <a:t>this directive to avoid the undesirable flicker effect caused by the html template </a:t>
+            </a:r>
+            <a:r>
+              <a:rPr lang="en-GB" sz="1600" dirty="0" smtClean="0"/>
+              <a:t>display</a:t>
+            </a:r>
+            <a:endParaRPr lang="en-GB" sz="1600" dirty="0"/>
+          </a:p>
+          <a:p>
+            <a:r>
+              <a:rPr lang="en-GB" sz="1600" dirty="0"/>
+              <a:t>The directive can be applied to the &lt;body&gt; element, but the preferred usage is to apply multiple ngCloak directives to small portions of the page to permit </a:t>
+            </a:r>
+            <a:r>
+              <a:rPr lang="en-GB" sz="1600" dirty="0">
+                <a:solidFill>
+                  <a:srgbClr val="00B050"/>
+                </a:solidFill>
+              </a:rPr>
+              <a:t>progressive rendering</a:t>
+            </a:r>
+            <a:r>
+              <a:rPr lang="en-GB" sz="1600" dirty="0"/>
+              <a:t> of the browser view</a:t>
             </a:r>
             <a:endParaRPr lang="en-GB" sz="1600" dirty="0" smtClean="0"/>
-          </a:p>
-          <a:p>
-            <a:r>
-              <a:rPr lang="en-GB" sz="1600" dirty="0" smtClean="0"/>
-              <a:t>Scope </a:t>
-            </a:r>
-            <a:r>
-              <a:rPr lang="en-GB" sz="1600" dirty="0"/>
-              <a:t>contains the model data. In controllers, model data is accessed via </a:t>
-            </a:r>
-            <a:r>
-              <a:rPr lang="en-GB" sz="1600" b="1" dirty="0">
-                <a:solidFill>
-                  <a:srgbClr val="00B050"/>
-                </a:solidFill>
-              </a:rPr>
-              <a:t>$scope </a:t>
-            </a:r>
-            <a:r>
-              <a:rPr lang="en-GB" sz="1600" dirty="0" smtClean="0"/>
-              <a:t>object</a:t>
-            </a:r>
-          </a:p>
-          <a:p>
-            <a:r>
-              <a:rPr lang="en-US" sz="1600" b="1" dirty="0" smtClean="0"/>
-              <a:t>Sample controller:</a:t>
-            </a:r>
-          </a:p>
-          <a:p>
-            <a:endParaRPr lang="en-US" sz="1600" dirty="0"/>
-          </a:p>
-          <a:p>
-            <a:endParaRPr lang="en-US" sz="1600" dirty="0" smtClean="0"/>
-          </a:p>
-          <a:p>
-            <a:endParaRPr lang="en-US" sz="1400" dirty="0" smtClean="0"/>
-          </a:p>
-          <a:p>
-            <a:pPr lvl="1"/>
-            <a:endParaRPr lang="en-US" sz="1400" dirty="0" smtClean="0"/>
-          </a:p>
-          <a:p>
-            <a:pPr lvl="1"/>
-            <a:endParaRPr lang="en-US" sz="1400" dirty="0"/>
-          </a:p>
-          <a:p>
-            <a:pPr lvl="1"/>
-            <a:endParaRPr lang="en-US" sz="1400" dirty="0" smtClean="0"/>
-          </a:p>
-          <a:p>
-            <a:pPr lvl="1"/>
-            <a:r>
-              <a:rPr lang="en-GB" sz="1400" dirty="0"/>
-              <a:t>$scope is passed as first argument to controller during its constructor </a:t>
-            </a:r>
-            <a:r>
-              <a:rPr lang="en-GB" sz="1400" dirty="0" smtClean="0"/>
-              <a:t>definition</a:t>
-            </a:r>
-          </a:p>
-          <a:p>
-            <a:pPr lvl="1"/>
-            <a:r>
-              <a:rPr lang="en-GB" sz="1400" dirty="0"/>
-              <a:t>$scope.message and $scope.type are the models which are to be used in the HTML </a:t>
-            </a:r>
-            <a:r>
-              <a:rPr lang="en-GB" sz="1400" dirty="0" smtClean="0"/>
-              <a:t>page</a:t>
-            </a:r>
-          </a:p>
-          <a:p>
-            <a:pPr lvl="1"/>
-            <a:r>
-              <a:rPr lang="en-GB" sz="1400" dirty="0"/>
-              <a:t>We've set values to models which will be reflected in the application module whose controller is </a:t>
-            </a:r>
-            <a:r>
-              <a:rPr lang="en-GB" sz="1400" dirty="0" smtClean="0"/>
-              <a:t>shapeController</a:t>
-            </a:r>
-          </a:p>
-          <a:p>
-            <a:pPr lvl="1"/>
-            <a:r>
-              <a:rPr lang="en-GB" sz="1400" dirty="0"/>
-              <a:t>We can define functions as well in $</a:t>
-            </a:r>
-            <a:r>
-              <a:rPr lang="en-GB" sz="1400" dirty="0" smtClean="0"/>
-              <a:t>scope</a:t>
-            </a:r>
-            <a:endParaRPr lang="en-GB" sz="1400" dirty="0"/>
-          </a:p>
-          <a:p>
-            <a:r>
-              <a:rPr lang="en-GB" sz="1600" b="1" dirty="0" smtClean="0"/>
-              <a:t>Scope Inheritance:</a:t>
-            </a:r>
-            <a:r>
-              <a:rPr lang="en-GB" sz="1600" dirty="0" smtClean="0"/>
-              <a:t> </a:t>
-            </a:r>
-            <a:r>
-              <a:rPr lang="en-GB" sz="1600" dirty="0"/>
-              <a:t>Scope are controllers specific. If we defines nested controllers then child controller will inherit the scope of its parent </a:t>
-            </a:r>
-            <a:r>
-              <a:rPr lang="en-GB" sz="1600" dirty="0" smtClean="0"/>
-              <a:t>controller </a:t>
-            </a:r>
           </a:p>
         </p:txBody>
       </p:sp>
-      <p:pic>
-        <p:nvPicPr>
-          <p:cNvPr id="2050" name="Picture 2"/>
-          <p:cNvPicPr>
-            <a:picLocks noChangeAspect="1" noChangeArrowheads="1"/>
-          </p:cNvPicPr>
-          <p:nvPr/>
-        </p:nvPicPr>
-        <p:blipFill>
-          <a:blip r:embed="rId2">
-            <a:extLst>
-              <a:ext uri="{28A0092B-C50C-407E-A947-70E740481C1C}">
-                <a14:useLocalDpi xmlns:a14="http://schemas.microsoft.com/office/drawing/2010/main" val="0"/>
-              </a:ext>
-            </a:extLst>
-          </a:blip>
-          <a:srcRect/>
-          <a:stretch>
-            <a:fillRect/>
-          </a:stretch>
-        </p:blipFill>
-        <p:spPr bwMode="auto">
-          <a:xfrm>
-            <a:off x="1403648" y="3068960"/>
-            <a:ext cx="4133850" cy="1438275"/>
-          </a:xfrm>
-          <a:prstGeom prst="rect">
-            <a:avLst/>
-          </a:prstGeom>
-          <a:noFill/>
-          <a:ln>
-            <a:noFill/>
-          </a:ln>
-          <a:extLst>
-            <a:ext uri="{909E8E84-426E-40DD-AFC4-6F175D3DCCD1}">
-              <a14:hiddenFill xmlns:a14="http://schemas.microsoft.com/office/drawing/2010/main">
-                <a:solidFill>
-                  <a:schemeClr val="accent1"/>
-                </a:solidFill>
-              </a14:hiddenFill>
-            </a:ext>
-            <a:ext uri="{91240B29-F687-4F45-9708-019B960494DF}">
-              <a14:hiddenLine xmlns:a14="http://schemas.microsoft.com/office/drawing/2010/main" w="9525">
-                <a:solidFill>
-                  <a:schemeClr val="tx1"/>
-                </a:solidFill>
-                <a:miter lim="800000"/>
-                <a:headEnd/>
-                <a:tailEnd/>
-              </a14:hiddenLine>
-            </a:ext>
-          </a:extLst>
-        </p:spPr>
-      </p:pic>
     </p:spTree>
     <p:extLst>
       <p:ext uri="{BB962C8B-B14F-4D97-AF65-F5344CB8AC3E}">
-        <p14:creationId xmlns:p14="http://schemas.microsoft.com/office/powerpoint/2010/main" val="3802558768"/>
+        <p14:creationId xmlns:p14="http://schemas.microsoft.com/office/powerpoint/2010/main" val="1887175961"/>
       </p:ext>
     </p:extLst>
   </p:cSld>
@@ -4729,11 +4478,7 @@
           <a:p>
             <a:r>
               <a:rPr lang="en-US" dirty="0" smtClean="0"/>
-              <a:t>AngularJS </a:t>
-            </a:r>
-            <a:r>
-              <a:rPr lang="en-US" dirty="0" smtClean="0"/>
-              <a:t>Services</a:t>
+              <a:t>AngularJS Expression &amp; Controller</a:t>
             </a:r>
             <a:endParaRPr lang="en-US" dirty="0"/>
           </a:p>
@@ -4931,196 +4676,245 @@
           <a:p>
             <a:r>
               <a:rPr lang="en-GB" sz="1600" dirty="0"/>
-              <a:t>AngularJS supports the concepts of "Separation of Concerns" using services </a:t>
+              <a:t>AngularJS </a:t>
             </a:r>
             <a:r>
               <a:rPr lang="en-GB" sz="1600" dirty="0" smtClean="0"/>
-              <a:t>architecture</a:t>
-            </a:r>
-          </a:p>
-          <a:p>
+              <a:t>expressions are used to bind application data to html. Expressions are written in </a:t>
+            </a:r>
+            <a:r>
+              <a:rPr lang="en-US" sz="1600" dirty="0"/>
+              <a:t>double braces like </a:t>
+            </a:r>
+            <a:r>
+              <a:rPr lang="en-US" sz="1600" b="1" dirty="0">
+                <a:solidFill>
+                  <a:srgbClr val="00B050"/>
+                </a:solidFill>
+              </a:rPr>
+              <a:t>{{ expression}}</a:t>
+            </a:r>
+            <a:endParaRPr lang="en-GB" sz="1600" b="1" dirty="0" smtClean="0">
+              <a:solidFill>
+                <a:srgbClr val="00B050"/>
+              </a:solidFill>
+            </a:endParaRPr>
+          </a:p>
+          <a:p>
+            <a:r>
+              <a:rPr lang="en-GB" sz="1600" dirty="0" smtClean="0"/>
+              <a:t>AngularJS controller controls the flow of data in the application. It is </a:t>
+            </a:r>
             <a:r>
               <a:rPr lang="en-GB" sz="1600" dirty="0"/>
-              <a:t>Services are </a:t>
-            </a:r>
-            <a:r>
-              <a:rPr lang="en-GB" sz="1600" dirty="0" smtClean="0"/>
-              <a:t>JavaScript </a:t>
-            </a:r>
-            <a:r>
-              <a:rPr lang="en-GB" sz="1600" dirty="0"/>
-              <a:t>functions and are responsible to do a specific tasks </a:t>
-            </a:r>
-            <a:r>
-              <a:rPr lang="en-GB" sz="1600" dirty="0" smtClean="0"/>
-              <a:t>only. Controllers</a:t>
-            </a:r>
-            <a:r>
-              <a:rPr lang="en-GB" sz="1600" dirty="0"/>
-              <a:t>, filters can call them as on requirement basis. Services are normally injected using dependency injection mechanism of </a:t>
-            </a:r>
-            <a:r>
-              <a:rPr lang="en-GB" sz="1600" dirty="0" smtClean="0"/>
-              <a:t>AngularJS</a:t>
-            </a:r>
-          </a:p>
-          <a:p>
-            <a:r>
-              <a:rPr lang="en-GB" sz="1600" dirty="0" smtClean="0"/>
-              <a:t>Sample built-in services include </a:t>
-            </a:r>
-            <a:r>
-              <a:rPr lang="en-GB" sz="1600" b="1" dirty="0" smtClean="0">
+              <a:t>defined using </a:t>
+            </a:r>
+            <a:r>
+              <a:rPr lang="en-US" sz="1600" b="1" dirty="0">
                 <a:solidFill>
                   <a:srgbClr val="00B050"/>
                 </a:solidFill>
               </a:rPr>
-              <a:t>$http, $route, $window, $location </a:t>
-            </a:r>
-            <a:r>
-              <a:rPr lang="en-GB" sz="1600" dirty="0" smtClean="0"/>
-              <a:t>etc.</a:t>
-            </a:r>
-          </a:p>
-          <a:p>
-            <a:r>
-              <a:rPr lang="en-GB" sz="1600" dirty="0" smtClean="0"/>
-              <a:t>There are two ways to create service:-</a:t>
+              <a:t>ng-controller</a:t>
+            </a:r>
+            <a:r>
+              <a:rPr lang="en-US" sz="1600" dirty="0"/>
+              <a:t> </a:t>
+            </a:r>
+            <a:r>
+              <a:rPr lang="en-US" sz="1600" dirty="0" smtClean="0"/>
+              <a:t>directive</a:t>
             </a:r>
           </a:p>
           <a:p>
             <a:pPr lvl="1"/>
             <a:r>
+              <a:rPr lang="en-US" sz="1400" dirty="0" smtClean="0"/>
+              <a:t>Controller is a JavaScript object containing attributes / properties and functions</a:t>
+            </a:r>
+          </a:p>
+          <a:p>
+            <a:pPr lvl="1"/>
+            <a:r>
+              <a:rPr lang="en-US" sz="1400" dirty="0" smtClean="0"/>
+              <a:t>Controller accepts </a:t>
+            </a:r>
+            <a:r>
+              <a:rPr lang="en-US" sz="1400" b="1" dirty="0" smtClean="0">
+                <a:solidFill>
+                  <a:srgbClr val="00B050"/>
+                </a:solidFill>
+              </a:rPr>
+              <a:t>$scope </a:t>
+            </a:r>
+            <a:r>
+              <a:rPr lang="en-GB" sz="1400" dirty="0"/>
+              <a:t>as a parameter which refers to the application/module that controller is to </a:t>
+            </a:r>
+            <a:r>
               <a:rPr lang="en-GB" sz="1400" dirty="0" smtClean="0"/>
-              <a:t>factory - </a:t>
-            </a:r>
-            <a:r>
-              <a:rPr lang="en-US" sz="1400" dirty="0"/>
-              <a:t>module.factory( '</a:t>
-            </a:r>
-            <a:r>
-              <a:rPr lang="en-US" sz="1400" dirty="0" err="1"/>
-              <a:t>factoryName</a:t>
-            </a:r>
-            <a:r>
-              <a:rPr lang="en-US" sz="1400" dirty="0"/>
-              <a:t>', function </a:t>
-            </a:r>
+              <a:t>control</a:t>
+            </a:r>
+          </a:p>
+          <a:p>
+            <a:r>
+              <a:rPr lang="en-US" sz="1600" b="1" dirty="0" smtClean="0"/>
+              <a:t>Sample controller:</a:t>
+            </a:r>
+          </a:p>
+          <a:p>
+            <a:endParaRPr lang="en-US" sz="1600" dirty="0"/>
+          </a:p>
+          <a:p>
+            <a:endParaRPr lang="en-US" sz="1600" dirty="0" smtClean="0"/>
+          </a:p>
+          <a:p>
+            <a:endParaRPr lang="en-US" sz="1400" dirty="0" smtClean="0"/>
+          </a:p>
+          <a:p>
+            <a:pPr lvl="1"/>
+            <a:endParaRPr lang="en-US" sz="1400" dirty="0" smtClean="0"/>
+          </a:p>
+          <a:p>
+            <a:pPr lvl="1"/>
+            <a:endParaRPr lang="en-US" sz="1400" dirty="0"/>
+          </a:p>
+          <a:p>
+            <a:pPr lvl="1"/>
             <a:r>
               <a:rPr lang="en-US" sz="1400" dirty="0" smtClean="0"/>
-              <a:t>);	- </a:t>
-            </a:r>
+              <a:t>$scope – refers to application which is to use the studentController object</a:t>
+            </a:r>
+          </a:p>
+          <a:p>
+            <a:pPr lvl="1"/>
             <a:r>
               <a:rPr lang="en-GB" sz="1400" dirty="0"/>
-              <a:t>When you’re using a </a:t>
-            </a:r>
-            <a:r>
-              <a:rPr lang="en-GB" sz="1400" b="1" dirty="0"/>
-              <a:t>Factory</a:t>
+              <a:t>$</a:t>
+            </a:r>
+            <a:r>
+              <a:rPr lang="en-GB" sz="1400" dirty="0" err="1"/>
+              <a:t>scope.student</a:t>
             </a:r>
             <a:r>
               <a:rPr lang="en-GB" sz="1400" dirty="0"/>
-              <a:t> you create an object, add properties to it, then return that same object. When you pass this service into your controller, those properties on the object will now be available in that controller through your </a:t>
+              <a:t> is property of studentController </a:t>
             </a:r>
             <a:r>
               <a:rPr lang="en-GB" sz="1400" dirty="0" smtClean="0"/>
-              <a:t>factory</a:t>
+              <a:t>object</a:t>
             </a:r>
           </a:p>
           <a:p>
             <a:pPr lvl="1"/>
             <a:r>
+              <a:rPr lang="en-GB" sz="1400" dirty="0" err="1"/>
+              <a:t>firstName</a:t>
+            </a:r>
+            <a:r>
+              <a:rPr lang="en-GB" sz="1400" dirty="0"/>
+              <a:t> and </a:t>
+            </a:r>
+            <a:r>
+              <a:rPr lang="en-GB" sz="1400" dirty="0" err="1"/>
+              <a:t>lastName</a:t>
+            </a:r>
+            <a:r>
+              <a:rPr lang="en-GB" sz="1400" dirty="0"/>
+              <a:t> are two properties of $</a:t>
+            </a:r>
+            <a:r>
+              <a:rPr lang="en-GB" sz="1400" dirty="0" err="1"/>
+              <a:t>scope.student</a:t>
+            </a:r>
+            <a:r>
+              <a:rPr lang="en-GB" sz="1400" dirty="0"/>
+              <a:t> </a:t>
+            </a:r>
+            <a:r>
               <a:rPr lang="en-GB" sz="1400" dirty="0" smtClean="0"/>
-              <a:t>service - </a:t>
-            </a:r>
-            <a:r>
-              <a:rPr lang="en-US" sz="1400" dirty="0"/>
-              <a:t>module.service( '</a:t>
-            </a:r>
-            <a:r>
-              <a:rPr lang="en-US" sz="1400" dirty="0" err="1"/>
-              <a:t>serviceName</a:t>
-            </a:r>
-            <a:r>
-              <a:rPr lang="en-US" sz="1400" dirty="0"/>
-              <a:t>', function </a:t>
-            </a:r>
-            <a:r>
-              <a:rPr lang="en-US" sz="1400" dirty="0" smtClean="0"/>
-              <a:t>);	- </a:t>
+              <a:t>object</a:t>
+            </a:r>
+          </a:p>
+          <a:p>
+            <a:pPr lvl="1"/>
+            <a:r>
+              <a:rPr lang="en-GB" sz="1400" dirty="0" err="1"/>
+              <a:t>fullName</a:t>
             </a:r>
             <a:r>
               <a:rPr lang="en-GB" sz="1400" dirty="0"/>
-              <a:t>When you’re using </a:t>
-            </a:r>
-            <a:r>
-              <a:rPr lang="en-GB" sz="1400" b="1" dirty="0"/>
-              <a:t>Service</a:t>
+              <a:t> is the function of $</a:t>
+            </a:r>
+            <a:r>
+              <a:rPr lang="en-GB" sz="1400" dirty="0" err="1"/>
+              <a:t>scope.student</a:t>
             </a:r>
             <a:r>
               <a:rPr lang="en-GB" sz="1400" dirty="0"/>
-              <a:t>, it’s instantiated with the ‘new’ keyword. Because of that, you’ll add properties to ‘this’ and the service will return ‘this’. When you pass the service into your controller, those properties on ‘this’ will now be available on that controller through your service</a:t>
-            </a:r>
-            <a:r>
-              <a:rPr lang="en-GB" sz="1400" dirty="0" smtClean="0"/>
-              <a:t>.</a:t>
-            </a:r>
-          </a:p>
-          <a:p>
-            <a:pPr lvl="1"/>
-            <a:r>
-              <a:rPr lang="en-GB" sz="1400" dirty="0">
-                <a:hlinkClick r:id="rId2"/>
-              </a:rPr>
-              <a:t>http://tylermcginnis.com/angularjs-factory-vs-service-vs-provider</a:t>
-            </a:r>
-            <a:r>
-              <a:rPr lang="en-GB" sz="1400" dirty="0" smtClean="0">
-                <a:hlinkClick r:id="rId2"/>
-              </a:rPr>
-              <a:t>/</a:t>
-            </a:r>
-            <a:endParaRPr lang="en-GB" sz="1400" dirty="0" smtClean="0"/>
-          </a:p>
-          <a:p>
-            <a:r>
-              <a:rPr lang="en-GB" sz="1600" dirty="0" smtClean="0"/>
-              <a:t>AngularJS services are </a:t>
-            </a:r>
-            <a:r>
-              <a:rPr lang="en-GB" sz="1600" b="1" dirty="0" smtClean="0">
-                <a:solidFill>
-                  <a:srgbClr val="00B050"/>
-                </a:solidFill>
-              </a:rPr>
-              <a:t>singleton</a:t>
-            </a:r>
-          </a:p>
-          <a:p>
-            <a:r>
-              <a:rPr lang="en-GB" sz="1600" b="1" dirty="0" smtClean="0"/>
-              <a:t>Providers</a:t>
-            </a:r>
-            <a:r>
-              <a:rPr lang="en-GB" sz="1600" dirty="0"/>
-              <a:t> are the only service you can pass into your .</a:t>
-            </a:r>
-            <a:r>
-              <a:rPr lang="en-GB" sz="1600" dirty="0" err="1"/>
-              <a:t>config</a:t>
-            </a:r>
-            <a:r>
-              <a:rPr lang="en-GB" sz="1600" dirty="0"/>
-              <a:t>() function</a:t>
-            </a:r>
-            <a:endParaRPr lang="en-GB" sz="1600" dirty="0" smtClean="0"/>
+              <a:t> object whose task is to return the combined name</a:t>
+            </a:r>
           </a:p>
         </p:txBody>
       </p:sp>
+      <p:pic>
+        <p:nvPicPr>
+          <p:cNvPr id="1026" name="Picture 2"/>
+          <p:cNvPicPr>
+            <a:picLocks noChangeAspect="1" noChangeArrowheads="1"/>
+          </p:cNvPicPr>
+          <p:nvPr/>
+        </p:nvPicPr>
+        <p:blipFill>
+          <a:blip r:embed="rId2">
+            <a:extLst>
+              <a:ext uri="{28A0092B-C50C-407E-A947-70E740481C1C}">
+                <a14:useLocalDpi xmlns:a14="http://schemas.microsoft.com/office/drawing/2010/main" val="0"/>
+              </a:ext>
+            </a:extLst>
+          </a:blip>
+          <a:srcRect/>
+          <a:stretch>
+            <a:fillRect/>
+          </a:stretch>
+        </p:blipFill>
+        <p:spPr bwMode="auto">
+          <a:xfrm>
+            <a:off x="1043608" y="3861048"/>
+            <a:ext cx="5410200" cy="1133475"/>
+          </a:xfrm>
+          <a:prstGeom prst="rect">
+            <a:avLst/>
+          </a:prstGeom>
+          <a:noFill/>
+          <a:ln>
+            <a:noFill/>
+          </a:ln>
+          <a:extLst>
+            <a:ext uri="{909E8E84-426E-40DD-AFC4-6F175D3DCCD1}">
+              <a14:hiddenFill xmlns:a14="http://schemas.microsoft.com/office/drawing/2010/main">
+                <a:solidFill>
+                  <a:schemeClr val="accent1"/>
+                </a:solidFill>
+              </a14:hiddenFill>
+            </a:ext>
+            <a:ext uri="{91240B29-F687-4F45-9708-019B960494DF}">
+              <a14:hiddenLine xmlns:a14="http://schemas.microsoft.com/office/drawing/2010/main" w="9525">
+                <a:solidFill>
+                  <a:schemeClr val="tx1"/>
+                </a:solidFill>
+                <a:miter lim="800000"/>
+                <a:headEnd/>
+                <a:tailEnd/>
+              </a14:hiddenLine>
+            </a:ext>
+          </a:extLst>
+        </p:spPr>
+      </p:pic>
     </p:spTree>
     <p:extLst>
       <p:ext uri="{BB962C8B-B14F-4D97-AF65-F5344CB8AC3E}">
-        <p14:creationId xmlns:p14="http://schemas.microsoft.com/office/powerpoint/2010/main" val="2970492343"/>
+        <p14:creationId xmlns:p14="http://schemas.microsoft.com/office/powerpoint/2010/main" val="506101935"/>
       </p:ext>
     </p:extLst>
   </p:cSld>
@@ -5171,11 +4965,7 @@
           <a:p>
             <a:r>
               <a:rPr lang="en-US" dirty="0" smtClean="0"/>
-              <a:t>AngularJS </a:t>
-            </a:r>
-            <a:r>
-              <a:rPr lang="en-US" dirty="0" smtClean="0"/>
-              <a:t>Filter</a:t>
+              <a:t>AngularJS Scope</a:t>
             </a:r>
             <a:endParaRPr lang="en-US" dirty="0"/>
           </a:p>
@@ -5373,114 +5163,161 @@
           <a:p>
             <a:r>
               <a:rPr lang="en-GB" sz="1600" dirty="0"/>
-              <a:t>AngularJS </a:t>
+              <a:t>Scope is a special </a:t>
             </a:r>
             <a:r>
               <a:rPr lang="en-GB" sz="1600" dirty="0" smtClean="0"/>
-              <a:t>filters are used to </a:t>
+              <a:t>JavaScript </a:t>
             </a:r>
             <a:r>
               <a:rPr lang="en-GB" sz="1600" dirty="0"/>
-              <a:t>change modify the data and can be clubbed in expression or directives using pipe </a:t>
-            </a:r>
+              <a:t>object which plays the role of joining controller with the views. </a:t>
+            </a:r>
+          </a:p>
+          <a:p>
             <a:r>
               <a:rPr lang="en-GB" sz="1600" dirty="0" smtClean="0"/>
-              <a:t>character</a:t>
-            </a:r>
-          </a:p>
-          <a:p>
-            <a:pPr lvl="1">
-              <a:buFont typeface="Wingdings" panose="05000000000000000000" pitchFamily="2" charset="2"/>
-              <a:buChar char="Ø"/>
-            </a:pPr>
+              <a:t>Scope contains the model data. In controllers, model data is accessed via </a:t>
+            </a:r>
+            <a:r>
+              <a:rPr lang="en-GB" sz="1600" b="1" dirty="0" smtClean="0">
+                <a:solidFill>
+                  <a:srgbClr val="00B050"/>
+                </a:solidFill>
+              </a:rPr>
+              <a:t>$scope </a:t>
+            </a:r>
+            <a:r>
+              <a:rPr lang="en-GB" sz="1600" dirty="0" smtClean="0"/>
+              <a:t>object</a:t>
+            </a:r>
+          </a:p>
+          <a:p>
+            <a:r>
+              <a:rPr lang="en-US" sz="1600" b="1" dirty="0" smtClean="0"/>
+              <a:t>Sample controller:</a:t>
+            </a:r>
+          </a:p>
+          <a:p>
+            <a:endParaRPr lang="en-US" sz="1600" dirty="0" smtClean="0"/>
+          </a:p>
+          <a:p>
+            <a:endParaRPr lang="en-US" sz="1600" dirty="0" smtClean="0"/>
+          </a:p>
+          <a:p>
+            <a:endParaRPr lang="en-US" sz="1400" dirty="0" smtClean="0"/>
+          </a:p>
+          <a:p>
+            <a:pPr lvl="1"/>
+            <a:endParaRPr lang="en-US" sz="1400" dirty="0" smtClean="0"/>
+          </a:p>
+          <a:p>
+            <a:pPr lvl="1"/>
+            <a:endParaRPr lang="en-US" sz="1400" dirty="0" smtClean="0"/>
+          </a:p>
+          <a:p>
+            <a:pPr lvl="1"/>
+            <a:endParaRPr lang="en-US" sz="1400" dirty="0" smtClean="0"/>
+          </a:p>
+          <a:p>
+            <a:pPr lvl="1"/>
             <a:r>
               <a:rPr lang="en-GB" sz="1400" dirty="0" smtClean="0"/>
-              <a:t>uppercase - </a:t>
-            </a:r>
-            <a:r>
-              <a:rPr lang="en-GB" sz="1400" dirty="0"/>
-              <a:t>converts a text to upper case </a:t>
-            </a:r>
+              <a:t>$scope is passed as first argument to controller during its constructor definition</a:t>
+            </a:r>
+          </a:p>
+          <a:p>
+            <a:pPr lvl="1"/>
             <a:r>
               <a:rPr lang="en-GB" sz="1400" dirty="0" smtClean="0"/>
-              <a:t>text</a:t>
-            </a:r>
-          </a:p>
-          <a:p>
-            <a:pPr lvl="1">
-              <a:buFont typeface="Wingdings" panose="05000000000000000000" pitchFamily="2" charset="2"/>
-              <a:buChar char="Ø"/>
-            </a:pPr>
+              <a:t>$scope.message and $scope.type are the models which are to be used in the HTML page</a:t>
+            </a:r>
+          </a:p>
+          <a:p>
+            <a:pPr lvl="1"/>
             <a:r>
               <a:rPr lang="en-GB" sz="1400" dirty="0" smtClean="0"/>
-              <a:t>lowercase - </a:t>
-            </a:r>
-            <a:r>
-              <a:rPr lang="en-GB" sz="1400" dirty="0"/>
-              <a:t>converts a text to lower case </a:t>
-            </a:r>
+              <a:t>We've set values to models which will be reflected in the application module whose controller is shapeController</a:t>
+            </a:r>
+          </a:p>
+          <a:p>
+            <a:pPr lvl="1"/>
             <a:r>
               <a:rPr lang="en-GB" sz="1400" dirty="0" smtClean="0"/>
-              <a:t>text</a:t>
-            </a:r>
-          </a:p>
-          <a:p>
-            <a:pPr lvl="1">
-              <a:buFont typeface="Wingdings" panose="05000000000000000000" pitchFamily="2" charset="2"/>
-              <a:buChar char="Ø"/>
-            </a:pPr>
-            <a:r>
-              <a:rPr lang="en-GB" sz="1400" dirty="0" smtClean="0"/>
-              <a:t>currency - </a:t>
-            </a:r>
-            <a:r>
-              <a:rPr lang="en-GB" sz="1400" dirty="0"/>
-              <a:t>formats text in a currency </a:t>
-            </a:r>
-            <a:r>
-              <a:rPr lang="en-GB" sz="1400" dirty="0" smtClean="0"/>
-              <a:t>format</a:t>
-            </a:r>
-          </a:p>
-          <a:p>
-            <a:pPr lvl="1">
-              <a:buFont typeface="Wingdings" panose="05000000000000000000" pitchFamily="2" charset="2"/>
-              <a:buChar char="Ø"/>
-            </a:pPr>
-            <a:r>
-              <a:rPr lang="en-US" sz="1400" dirty="0" smtClean="0"/>
-              <a:t>filter - </a:t>
-            </a:r>
-            <a:r>
-              <a:rPr lang="en-GB" sz="1400" dirty="0"/>
-              <a:t>filter the array to a subset of it based on provided </a:t>
-            </a:r>
-            <a:r>
-              <a:rPr lang="en-GB" sz="1400" dirty="0" smtClean="0"/>
-              <a:t>criteria</a:t>
-            </a:r>
-          </a:p>
-          <a:p>
-            <a:pPr lvl="1">
-              <a:buFont typeface="Wingdings" panose="05000000000000000000" pitchFamily="2" charset="2"/>
-              <a:buChar char="Ø"/>
-            </a:pPr>
-            <a:r>
-              <a:rPr lang="en-US" sz="1400" dirty="0" smtClean="0"/>
-              <a:t>orderby - </a:t>
-            </a:r>
-            <a:r>
-              <a:rPr lang="en-GB" sz="1400" dirty="0"/>
-              <a:t>orders the array based on provided criteria</a:t>
-            </a:r>
-            <a:endParaRPr lang="en-GB" sz="1400" dirty="0" smtClean="0"/>
+              <a:t>We can define functions as well in $scope</a:t>
+            </a:r>
+          </a:p>
+          <a:p>
+            <a:r>
+              <a:rPr lang="en-GB" sz="1600" b="1" dirty="0" smtClean="0"/>
+              <a:t>Scope Inheritance:</a:t>
+            </a:r>
+            <a:r>
+              <a:rPr lang="en-GB" sz="1600" dirty="0" smtClean="0"/>
+              <a:t> Scope are controllers specific. If we defines nested controllers then child controller will inherit the scope of its parent controller </a:t>
+            </a:r>
+            <a:endParaRPr lang="en-GB" sz="1600" dirty="0" smtClean="0"/>
           </a:p>
         </p:txBody>
       </p:sp>
+      <p:pic>
+        <p:nvPicPr>
+          <p:cNvPr id="2050" name="Picture 2"/>
+          <p:cNvPicPr>
+            <a:picLocks noChangeAspect="1" noChangeArrowheads="1"/>
+          </p:cNvPicPr>
+          <p:nvPr/>
+        </p:nvPicPr>
+        <p:blipFill>
+          <a:blip r:embed="rId2">
+            <a:extLst>
+              <a:ext uri="{28A0092B-C50C-407E-A947-70E740481C1C}">
+                <a14:useLocalDpi xmlns:a14="http://schemas.microsoft.com/office/drawing/2010/main" val="0"/>
+              </a:ext>
+            </a:extLst>
+          </a:blip>
+          <a:srcRect/>
+          <a:stretch>
+            <a:fillRect/>
+          </a:stretch>
+        </p:blipFill>
+        <p:spPr bwMode="auto">
+          <a:xfrm>
+            <a:off x="1403648" y="3068960"/>
+            <a:ext cx="4133850" cy="1438275"/>
+          </a:xfrm>
+          <a:prstGeom prst="rect">
+            <a:avLst/>
+          </a:prstGeom>
+          <a:noFill/>
+          <a:ln>
+            <a:noFill/>
+          </a:ln>
+          <a:extLst>
+            <a:ext uri="{909E8E84-426E-40DD-AFC4-6F175D3DCCD1}">
+              <a14:hiddenFill xmlns:a14="http://schemas.microsoft.com/office/drawing/2010/main">
+                <a:solidFill>
+                  <a:schemeClr val="accent1"/>
+                </a:solidFill>
+              </a14:hiddenFill>
+            </a:ext>
+            <a:ext uri="{91240B29-F687-4F45-9708-019B960494DF}">
+              <a14:hiddenLine xmlns:a14="http://schemas.microsoft.com/office/drawing/2010/main" w="9525">
+                <a:solidFill>
+                  <a:schemeClr val="tx1"/>
+                </a:solidFill>
+                <a:miter lim="800000"/>
+                <a:headEnd/>
+                <a:tailEnd/>
+              </a14:hiddenLine>
+            </a:ext>
+          </a:extLst>
+        </p:spPr>
+      </p:pic>
     </p:spTree>
     <p:extLst>
       <p:ext uri="{BB962C8B-B14F-4D97-AF65-F5344CB8AC3E}">
-        <p14:creationId xmlns:p14="http://schemas.microsoft.com/office/powerpoint/2010/main" val="1416244511"/>
+        <p14:creationId xmlns:p14="http://schemas.microsoft.com/office/powerpoint/2010/main" val="3802558768"/>
       </p:ext>
     </p:extLst>
   </p:cSld>
@@ -5531,11 +5368,7 @@
           <a:p>
             <a:r>
               <a:rPr lang="en-US" dirty="0" smtClean="0"/>
-              <a:t>AngularJS </a:t>
-            </a:r>
-            <a:r>
-              <a:rPr lang="en-US" dirty="0" smtClean="0"/>
-              <a:t>Table &amp; Include</a:t>
+              <a:t>AngularJS Services</a:t>
             </a:r>
             <a:endParaRPr lang="en-US" dirty="0"/>
           </a:p>
@@ -5732,190 +5565,197 @@
           </a:lstStyle>
           <a:p>
             <a:r>
-              <a:rPr lang="en-US" sz="1600" b="1" dirty="0" smtClean="0"/>
-              <a:t>ng-repeat</a:t>
-            </a:r>
-            <a:r>
-              <a:rPr lang="en-US" sz="1600" dirty="0" smtClean="0"/>
-              <a:t> directive can be used to draw table easily</a:t>
-            </a:r>
-          </a:p>
-          <a:p>
-            <a:endParaRPr lang="en-US" sz="1600" dirty="0"/>
-          </a:p>
-          <a:p>
-            <a:endParaRPr lang="en-US" sz="1600" dirty="0" smtClean="0"/>
-          </a:p>
-          <a:p>
-            <a:endParaRPr lang="en-US" sz="1600" dirty="0"/>
-          </a:p>
-          <a:p>
-            <a:endParaRPr lang="en-US" sz="1600" dirty="0" smtClean="0"/>
-          </a:p>
-          <a:p>
-            <a:r>
               <a:rPr lang="en-GB" sz="1600" dirty="0"/>
-              <a:t>HTML does not support embedding html pages within html page. </a:t>
-            </a:r>
+              <a:t>AngularJS supports the concepts of "Separation of Concerns" using services </a:t>
+            </a:r>
+            <a:r>
+              <a:rPr lang="en-GB" sz="1600" dirty="0" smtClean="0"/>
+              <a:t>architecture</a:t>
+            </a:r>
+          </a:p>
+          <a:p>
             <a:r>
               <a:rPr lang="en-GB" sz="1600" dirty="0"/>
-              <a:t>To achieve this functionality following ways are </a:t>
+              <a:t>Services are </a:t>
             </a:r>
             <a:r>
               <a:rPr lang="en-GB" sz="1600" dirty="0" smtClean="0"/>
-              <a:t>used:</a:t>
-            </a:r>
-          </a:p>
-          <a:p>
-            <a:pPr lvl="1">
-              <a:buFont typeface="Wingdings" panose="05000000000000000000" pitchFamily="2" charset="2"/>
-              <a:buChar char="Ø"/>
-            </a:pPr>
+              <a:t>JavaScript </a:t>
+            </a:r>
+            <a:r>
+              <a:rPr lang="en-GB" sz="1600" dirty="0"/>
+              <a:t>functions and are responsible to do a specific tasks </a:t>
+            </a:r>
+            <a:r>
+              <a:rPr lang="en-GB" sz="1600" dirty="0" smtClean="0"/>
+              <a:t>only. Controllers</a:t>
+            </a:r>
+            <a:r>
+              <a:rPr lang="en-GB" sz="1600" dirty="0"/>
+              <a:t>, filters can call them as on requirement basis. Services are normally injected using dependency injection mechanism of </a:t>
+            </a:r>
+            <a:r>
+              <a:rPr lang="en-GB" sz="1600" dirty="0" smtClean="0"/>
+              <a:t>AngularJS</a:t>
+            </a:r>
+          </a:p>
+          <a:p>
+            <a:r>
+              <a:rPr lang="en-GB" sz="1600" dirty="0" smtClean="0"/>
+              <a:t>Sample built-in services include </a:t>
+            </a:r>
+            <a:r>
+              <a:rPr lang="en-GB" sz="1600" b="1" dirty="0" smtClean="0">
+                <a:solidFill>
+                  <a:srgbClr val="00B050"/>
+                </a:solidFill>
+              </a:rPr>
+              <a:t>$http, $route, $window, $location </a:t>
+            </a:r>
+            <a:r>
+              <a:rPr lang="en-GB" sz="1600" dirty="0" smtClean="0"/>
+              <a:t>etc.</a:t>
+            </a:r>
+          </a:p>
+          <a:p>
+            <a:r>
+              <a:rPr lang="en-GB" sz="1600" dirty="0" smtClean="0"/>
+              <a:t>There are two ways to create service:-</a:t>
+            </a:r>
+          </a:p>
+          <a:p>
+            <a:pPr lvl="1"/>
             <a:r>
               <a:rPr lang="en-GB" sz="1400" dirty="0" smtClean="0"/>
-              <a:t>Using AJAX </a:t>
-            </a:r>
-          </a:p>
-          <a:p>
-            <a:pPr lvl="1">
-              <a:buFont typeface="Wingdings" panose="05000000000000000000" pitchFamily="2" charset="2"/>
-              <a:buChar char="Ø"/>
-            </a:pPr>
+              <a:t>factory - </a:t>
+            </a:r>
+            <a:r>
+              <a:rPr lang="en-US" sz="1400" dirty="0"/>
+              <a:t>module.factory( '</a:t>
+            </a:r>
+            <a:r>
+              <a:rPr lang="en-US" sz="1400" dirty="0" err="1"/>
+              <a:t>factoryName</a:t>
+            </a:r>
+            <a:r>
+              <a:rPr lang="en-US" sz="1400" dirty="0"/>
+              <a:t>', function </a:t>
+            </a:r>
+            <a:r>
+              <a:rPr lang="en-US" sz="1400" dirty="0" smtClean="0"/>
+              <a:t>);	- </a:t>
+            </a:r>
+            <a:r>
+              <a:rPr lang="en-GB" sz="1400" dirty="0"/>
+              <a:t>When you’re using a </a:t>
+            </a:r>
+            <a:r>
+              <a:rPr lang="en-GB" sz="1400" b="1" dirty="0"/>
+              <a:t>Factory</a:t>
+            </a:r>
+            <a:r>
+              <a:rPr lang="en-GB" sz="1400" dirty="0"/>
+              <a:t> you create an object, add properties to it, then return that same object. When you pass this service into your controller, those properties on the object will now be available in that controller through your </a:t>
+            </a:r>
             <a:r>
               <a:rPr lang="en-GB" sz="1400" dirty="0" smtClean="0"/>
-              <a:t>Using Server Side Includes</a:t>
+              <a:t>factory</a:t>
+            </a:r>
+          </a:p>
+          <a:p>
+            <a:pPr lvl="1"/>
+            <a:r>
+              <a:rPr lang="en-GB" sz="1400" dirty="0" smtClean="0"/>
+              <a:t>service - </a:t>
+            </a:r>
+            <a:r>
+              <a:rPr lang="en-US" sz="1400" dirty="0"/>
+              <a:t>module.service( '</a:t>
+            </a:r>
+            <a:r>
+              <a:rPr lang="en-US" sz="1400" dirty="0" err="1"/>
+              <a:t>serviceName</a:t>
+            </a:r>
+            <a:r>
+              <a:rPr lang="en-US" sz="1400" dirty="0"/>
+              <a:t>', function </a:t>
+            </a:r>
+            <a:r>
+              <a:rPr lang="en-US" sz="1400" dirty="0" smtClean="0"/>
+              <a:t>);	- </a:t>
+            </a:r>
+            <a:r>
+              <a:rPr lang="en-GB" sz="1400" dirty="0"/>
+              <a:t>When you’re using </a:t>
+            </a:r>
+            <a:r>
+              <a:rPr lang="en-GB" sz="1400" b="1" dirty="0"/>
+              <a:t>Service</a:t>
+            </a:r>
+            <a:r>
+              <a:rPr lang="en-GB" sz="1400" dirty="0"/>
+              <a:t>, it’s instantiated with the ‘new’ keyword. Because of that, you’ll add properties to ‘this’ and the service will return ‘this’. When you pass the service into your controller, those properties on ‘this’ will now be available on that controller through your service</a:t>
+            </a:r>
+            <a:r>
+              <a:rPr lang="en-GB" sz="1400" dirty="0" smtClean="0"/>
+              <a:t>.</a:t>
+            </a:r>
+          </a:p>
+          <a:p>
+            <a:pPr lvl="1"/>
+            <a:r>
+              <a:rPr lang="en-GB" sz="1400" dirty="0">
+                <a:hlinkClick r:id="rId2"/>
+              </a:rPr>
+              <a:t>http://tylermcginnis.com/angularjs-factory-vs-service-vs-provider</a:t>
+            </a:r>
+            <a:r>
+              <a:rPr lang="en-GB" sz="1400" dirty="0" smtClean="0">
+                <a:hlinkClick r:id="rId2"/>
+              </a:rPr>
+              <a:t>/</a:t>
+            </a:r>
+            <a:endParaRPr lang="en-GB" sz="1400" dirty="0" smtClean="0"/>
+          </a:p>
+          <a:p>
+            <a:r>
+              <a:rPr lang="en-GB" sz="1600" dirty="0" smtClean="0"/>
+              <a:t>AngularJS services are </a:t>
+            </a:r>
+            <a:r>
+              <a:rPr lang="en-GB" sz="1600" b="1" dirty="0" smtClean="0">
+                <a:solidFill>
+                  <a:srgbClr val="00B050"/>
+                </a:solidFill>
+              </a:rPr>
+              <a:t>singleton</a:t>
             </a:r>
           </a:p>
           <a:p>
             <a:r>
               <a:rPr lang="en-GB" sz="1600" b="1" dirty="0" smtClean="0"/>
-              <a:t>ng-include </a:t>
-            </a:r>
-            <a:r>
-              <a:rPr lang="en-GB" sz="1600" dirty="0" smtClean="0"/>
-              <a:t>can be used to embed HTML pages within a HTML page</a:t>
-            </a:r>
-          </a:p>
-          <a:p>
-            <a:endParaRPr lang="en-US" sz="1600" dirty="0"/>
-          </a:p>
-          <a:p>
-            <a:endParaRPr lang="en-US" sz="1600" dirty="0" smtClean="0"/>
+              <a:t>Providers</a:t>
+            </a:r>
+            <a:r>
+              <a:rPr lang="en-GB" sz="1600" dirty="0"/>
+              <a:t> are the only service you can pass into your .</a:t>
+            </a:r>
+            <a:r>
+              <a:rPr lang="en-GB" sz="1600" dirty="0" err="1"/>
+              <a:t>config</a:t>
+            </a:r>
+            <a:r>
+              <a:rPr lang="en-GB" sz="1600" dirty="0"/>
+              <a:t>() function</a:t>
+            </a:r>
+            <a:endParaRPr lang="en-GB" sz="1600" dirty="0" smtClean="0"/>
           </a:p>
         </p:txBody>
       </p:sp>
-      <p:pic>
-        <p:nvPicPr>
-          <p:cNvPr id="3074" name="Picture 2"/>
-          <p:cNvPicPr>
-            <a:picLocks noChangeAspect="1" noChangeArrowheads="1"/>
-          </p:cNvPicPr>
-          <p:nvPr/>
-        </p:nvPicPr>
-        <p:blipFill>
-          <a:blip r:embed="rId2">
-            <a:extLst>
-              <a:ext uri="{28A0092B-C50C-407E-A947-70E740481C1C}">
-                <a14:useLocalDpi xmlns:a14="http://schemas.microsoft.com/office/drawing/2010/main" val="0"/>
-              </a:ext>
-            </a:extLst>
-          </a:blip>
-          <a:srcRect/>
-          <a:stretch>
-            <a:fillRect/>
-          </a:stretch>
-        </p:blipFill>
-        <p:spPr bwMode="auto">
-          <a:xfrm>
-            <a:off x="827584" y="2132856"/>
-            <a:ext cx="3086100" cy="800100"/>
-          </a:xfrm>
-          <a:prstGeom prst="rect">
-            <a:avLst/>
-          </a:prstGeom>
-          <a:noFill/>
-          <a:ln>
-            <a:noFill/>
-          </a:ln>
-          <a:extLst>
-            <a:ext uri="{909E8E84-426E-40DD-AFC4-6F175D3DCCD1}">
-              <a14:hiddenFill xmlns:a14="http://schemas.microsoft.com/office/drawing/2010/main">
-                <a:solidFill>
-                  <a:schemeClr val="accent1"/>
-                </a:solidFill>
-              </a14:hiddenFill>
-            </a:ext>
-            <a:ext uri="{91240B29-F687-4F45-9708-019B960494DF}">
-              <a14:hiddenLine xmlns:a14="http://schemas.microsoft.com/office/drawing/2010/main" w="9525">
-                <a:solidFill>
-                  <a:schemeClr val="tx1"/>
-                </a:solidFill>
-                <a:miter lim="800000"/>
-                <a:headEnd/>
-                <a:tailEnd/>
-              </a14:hiddenLine>
-            </a:ext>
-          </a:extLst>
-        </p:spPr>
-      </p:pic>
-      <p:pic>
-        <p:nvPicPr>
-          <p:cNvPr id="3075" name="Picture 3"/>
-          <p:cNvPicPr>
-            <a:picLocks noChangeAspect="1" noChangeArrowheads="1"/>
-          </p:cNvPicPr>
-          <p:nvPr/>
-        </p:nvPicPr>
-        <p:blipFill>
-          <a:blip r:embed="rId3">
-            <a:extLst>
-              <a:ext uri="{28A0092B-C50C-407E-A947-70E740481C1C}">
-                <a14:useLocalDpi xmlns:a14="http://schemas.microsoft.com/office/drawing/2010/main" val="0"/>
-              </a:ext>
-            </a:extLst>
-          </a:blip>
-          <a:srcRect/>
-          <a:stretch>
-            <a:fillRect/>
-          </a:stretch>
-        </p:blipFill>
-        <p:spPr bwMode="auto">
-          <a:xfrm>
-            <a:off x="827584" y="4581128"/>
-            <a:ext cx="3552825" cy="771525"/>
-          </a:xfrm>
-          <a:prstGeom prst="rect">
-            <a:avLst/>
-          </a:prstGeom>
-          <a:noFill/>
-          <a:ln>
-            <a:noFill/>
-          </a:ln>
-          <a:extLst>
-            <a:ext uri="{909E8E84-426E-40DD-AFC4-6F175D3DCCD1}">
-              <a14:hiddenFill xmlns:a14="http://schemas.microsoft.com/office/drawing/2010/main">
-                <a:solidFill>
-                  <a:schemeClr val="accent1"/>
-                </a:solidFill>
-              </a14:hiddenFill>
-            </a:ext>
-            <a:ext uri="{91240B29-F687-4F45-9708-019B960494DF}">
-              <a14:hiddenLine xmlns:a14="http://schemas.microsoft.com/office/drawing/2010/main" w="9525">
-                <a:solidFill>
-                  <a:schemeClr val="tx1"/>
-                </a:solidFill>
-                <a:miter lim="800000"/>
-                <a:headEnd/>
-                <a:tailEnd/>
-              </a14:hiddenLine>
-            </a:ext>
-          </a:extLst>
-        </p:spPr>
-      </p:pic>
     </p:spTree>
     <p:extLst>
       <p:ext uri="{BB962C8B-B14F-4D97-AF65-F5344CB8AC3E}">
-        <p14:creationId xmlns:p14="http://schemas.microsoft.com/office/powerpoint/2010/main" val="2764337699"/>
+        <p14:creationId xmlns:p14="http://schemas.microsoft.com/office/powerpoint/2010/main" val="2970492343"/>
       </p:ext>
     </p:extLst>
   </p:cSld>
@@ -5966,11 +5806,7 @@
           <a:p>
             <a:r>
               <a:rPr lang="en-US" dirty="0" smtClean="0"/>
-              <a:t>AngularJS </a:t>
-            </a:r>
-            <a:r>
-              <a:rPr lang="en-US" dirty="0" smtClean="0"/>
-              <a:t>Forms</a:t>
+              <a:t>AngularJS Filter</a:t>
             </a:r>
             <a:endParaRPr lang="en-US" dirty="0"/>
           </a:p>
@@ -6168,199 +6004,114 @@
           <a:p>
             <a:r>
               <a:rPr lang="en-GB" sz="1600" dirty="0"/>
-              <a:t>AngularJS enriches form filling and </a:t>
+              <a:t>AngularJS </a:t>
             </a:r>
             <a:r>
               <a:rPr lang="en-GB" sz="1600" dirty="0" smtClean="0"/>
-              <a:t>validation</a:t>
-            </a:r>
-          </a:p>
-          <a:p>
-            <a:r>
-              <a:rPr lang="en-GB" sz="1600" b="1" dirty="0" smtClean="0"/>
-              <a:t>Events:</a:t>
+              <a:t>filters are used to </a:t>
+            </a:r>
+            <a:r>
+              <a:rPr lang="en-GB" sz="1600" dirty="0"/>
+              <a:t>change modify the data and can be clubbed in expression or directives using pipe </a:t>
             </a:r>
             <a:r>
               <a:rPr lang="en-GB" sz="1600" dirty="0" smtClean="0"/>
-              <a:t> AngularJS provides multiple events which can be associated with the HTML controls. Some of the events are as follows:</a:t>
-            </a:r>
-          </a:p>
-          <a:p>
-            <a:pPr lvl="1"/>
+              <a:t>character</a:t>
+            </a:r>
+          </a:p>
+          <a:p>
+            <a:pPr lvl="1">
+              <a:buFont typeface="Wingdings" panose="05000000000000000000" pitchFamily="2" charset="2"/>
+              <a:buChar char="Ø"/>
+            </a:pPr>
             <a:r>
               <a:rPr lang="en-GB" sz="1400" dirty="0" smtClean="0"/>
-              <a:t>ng-click</a:t>
-            </a:r>
-          </a:p>
-          <a:p>
-            <a:pPr lvl="1"/>
+              <a:t>uppercase - </a:t>
+            </a:r>
+            <a:r>
+              <a:rPr lang="en-GB" sz="1400" dirty="0"/>
+              <a:t>converts a text to upper case </a:t>
+            </a:r>
             <a:r>
               <a:rPr lang="en-GB" sz="1400" dirty="0" smtClean="0"/>
-              <a:t>ng-</a:t>
-            </a:r>
-            <a:r>
-              <a:rPr lang="en-GB" sz="1400" dirty="0" err="1" smtClean="0"/>
-              <a:t>dbl</a:t>
-            </a:r>
+              <a:t>text</a:t>
+            </a:r>
+          </a:p>
+          <a:p>
+            <a:pPr lvl="1">
+              <a:buFont typeface="Wingdings" panose="05000000000000000000" pitchFamily="2" charset="2"/>
+              <a:buChar char="Ø"/>
+            </a:pPr>
             <a:r>
               <a:rPr lang="en-GB" sz="1400" dirty="0" smtClean="0"/>
-              <a:t>-click</a:t>
-            </a:r>
-          </a:p>
-          <a:p>
-            <a:pPr lvl="1"/>
+              <a:t>lowercase - </a:t>
+            </a:r>
+            <a:r>
+              <a:rPr lang="en-GB" sz="1400" dirty="0"/>
+              <a:t>converts a text to lower case </a:t>
+            </a:r>
             <a:r>
               <a:rPr lang="en-GB" sz="1400" dirty="0" smtClean="0"/>
-              <a:t>ng-</a:t>
-            </a:r>
-            <a:r>
-              <a:rPr lang="en-GB" sz="1400" dirty="0" err="1" smtClean="0"/>
-              <a:t>mousedown</a:t>
+              <a:t>text</a:t>
+            </a:r>
+          </a:p>
+          <a:p>
+            <a:pPr lvl="1">
+              <a:buFont typeface="Wingdings" panose="05000000000000000000" pitchFamily="2" charset="2"/>
+              <a:buChar char="Ø"/>
+            </a:pPr>
+            <a:r>
+              <a:rPr lang="en-GB" sz="1400" dirty="0" smtClean="0"/>
+              <a:t>currency - </a:t>
+            </a:r>
+            <a:r>
+              <a:rPr lang="en-GB" sz="1400" dirty="0"/>
+              <a:t>formats text in a currency </a:t>
+            </a:r>
+            <a:r>
+              <a:rPr lang="en-GB" sz="1400" dirty="0" smtClean="0"/>
+              <a:t>format</a:t>
+            </a:r>
+          </a:p>
+          <a:p>
+            <a:pPr lvl="1">
+              <a:buFont typeface="Wingdings" panose="05000000000000000000" pitchFamily="2" charset="2"/>
+              <a:buChar char="Ø"/>
+            </a:pPr>
+            <a:r>
+              <a:rPr lang="en-US" sz="1400" dirty="0" smtClean="0"/>
+              <a:t>filter - </a:t>
+            </a:r>
+            <a:r>
+              <a:rPr lang="en-GB" sz="1400" dirty="0"/>
+              <a:t>filter the array to a subset of it based on provided </a:t>
+            </a:r>
+            <a:r>
+              <a:rPr lang="en-GB" sz="1400" dirty="0" smtClean="0"/>
+              <a:t>criteria</a:t>
+            </a:r>
+          </a:p>
+          <a:p>
+            <a:pPr lvl="1">
+              <a:buFont typeface="Wingdings" panose="05000000000000000000" pitchFamily="2" charset="2"/>
+              <a:buChar char="Ø"/>
+            </a:pPr>
+            <a:r>
+              <a:rPr lang="en-US" sz="1400" dirty="0" smtClean="0"/>
+              <a:t>orderby - </a:t>
+            </a:r>
+            <a:r>
+              <a:rPr lang="en-GB" sz="1400" dirty="0"/>
+              <a:t>orders the array based on provided criteria</a:t>
             </a:r>
             <a:endParaRPr lang="en-GB" sz="1400" dirty="0" smtClean="0"/>
-          </a:p>
-          <a:p>
-            <a:pPr lvl="1"/>
-            <a:r>
-              <a:rPr lang="en-GB" sz="1400" dirty="0" smtClean="0"/>
-              <a:t>ng-</a:t>
-            </a:r>
-            <a:r>
-              <a:rPr lang="en-GB" sz="1400" dirty="0" err="1" smtClean="0"/>
-              <a:t>mouseup</a:t>
-            </a:r>
-            <a:endParaRPr lang="en-GB" sz="1400" dirty="0" smtClean="0"/>
-          </a:p>
-          <a:p>
-            <a:pPr lvl="1"/>
-            <a:r>
-              <a:rPr lang="en-GB" sz="1400" dirty="0" smtClean="0"/>
-              <a:t>ng-change</a:t>
-            </a:r>
-          </a:p>
-          <a:p>
-            <a:r>
-              <a:rPr lang="en-GB" sz="1600" b="1" dirty="0" smtClean="0"/>
-              <a:t>Validate Data:</a:t>
-            </a:r>
-            <a:r>
-              <a:rPr lang="en-GB" sz="1600" dirty="0" smtClean="0"/>
-              <a:t> Following can be used to track error</a:t>
-            </a:r>
-          </a:p>
-          <a:p>
-            <a:pPr lvl="1"/>
-            <a:r>
-              <a:rPr lang="en-GB" sz="1400" dirty="0" smtClean="0"/>
-              <a:t>$dirty - </a:t>
-            </a:r>
-            <a:r>
-              <a:rPr lang="en-GB" sz="1400" dirty="0"/>
-              <a:t>states that value has been </a:t>
-            </a:r>
-            <a:r>
-              <a:rPr lang="en-GB" sz="1400" dirty="0" smtClean="0"/>
-              <a:t>changed</a:t>
-            </a:r>
-          </a:p>
-          <a:p>
-            <a:pPr lvl="1"/>
-            <a:r>
-              <a:rPr lang="en-GB" sz="1400" dirty="0" smtClean="0"/>
-              <a:t>$invalid - </a:t>
-            </a:r>
-            <a:r>
-              <a:rPr lang="en-GB" sz="1400" dirty="0"/>
-              <a:t>states that value entered is </a:t>
-            </a:r>
-            <a:r>
-              <a:rPr lang="en-GB" sz="1400" dirty="0" smtClean="0"/>
-              <a:t>invalid</a:t>
-            </a:r>
-          </a:p>
-          <a:p>
-            <a:pPr lvl="1"/>
-            <a:r>
-              <a:rPr lang="en-GB" sz="1400" dirty="0" smtClean="0"/>
-              <a:t>$error - </a:t>
-            </a:r>
-            <a:r>
-              <a:rPr lang="en-US" sz="1400" dirty="0"/>
-              <a:t>states the exact </a:t>
-            </a:r>
-            <a:r>
-              <a:rPr lang="en-US" sz="1400" dirty="0" smtClean="0"/>
-              <a:t>error</a:t>
-            </a:r>
-          </a:p>
-          <a:p>
-            <a:pPr lvl="1"/>
-            <a:endParaRPr lang="en-US" sz="1400" dirty="0"/>
-          </a:p>
-          <a:p>
-            <a:pPr lvl="1"/>
-            <a:endParaRPr lang="en-US" sz="1400" dirty="0"/>
           </a:p>
         </p:txBody>
       </p:sp>
-      <p:pic>
-        <p:nvPicPr>
-          <p:cNvPr id="4098" name="Picture 2"/>
-          <p:cNvPicPr>
-            <a:picLocks noChangeAspect="1" noChangeArrowheads="1"/>
-          </p:cNvPicPr>
-          <p:nvPr/>
-        </p:nvPicPr>
-        <p:blipFill>
-          <a:blip r:embed="rId2">
-            <a:extLst>
-              <a:ext uri="{28A0092B-C50C-407E-A947-70E740481C1C}">
-                <a14:useLocalDpi xmlns:a14="http://schemas.microsoft.com/office/drawing/2010/main" val="0"/>
-              </a:ext>
-            </a:extLst>
-          </a:blip>
-          <a:srcRect/>
-          <a:stretch>
-            <a:fillRect/>
-          </a:stretch>
-        </p:blipFill>
-        <p:spPr bwMode="auto">
-          <a:xfrm>
-            <a:off x="768279" y="4941168"/>
-            <a:ext cx="7915275" cy="952500"/>
-          </a:xfrm>
-          <a:prstGeom prst="rect">
-            <a:avLst/>
-          </a:prstGeom>
-          <a:noFill/>
-          <a:ln>
-            <a:noFill/>
-          </a:ln>
-          <a:extLst>
-            <a:ext uri="{909E8E84-426E-40DD-AFC4-6F175D3DCCD1}">
-              <a14:hiddenFill xmlns:a14="http://schemas.microsoft.com/office/drawing/2010/main">
-                <a:solidFill>
-                  <a:schemeClr val="accent1"/>
-                </a:solidFill>
-              </a14:hiddenFill>
-            </a:ext>
-            <a:ext uri="{91240B29-F687-4F45-9708-019B960494DF}">
-              <a14:hiddenLine xmlns:a14="http://schemas.microsoft.com/office/drawing/2010/main" w="9525">
-                <a:solidFill>
-                  <a:schemeClr val="tx1"/>
-                </a:solidFill>
-                <a:miter lim="800000"/>
-                <a:headEnd/>
-                <a:tailEnd/>
-              </a14:hiddenLine>
-            </a:ext>
-          </a:extLst>
-        </p:spPr>
-      </p:pic>
     </p:spTree>
     <p:extLst>
       <p:ext uri="{BB962C8B-B14F-4D97-AF65-F5344CB8AC3E}">
-        <p14:creationId xmlns:p14="http://schemas.microsoft.com/office/powerpoint/2010/main" val="2226374511"/>
+        <p14:creationId xmlns:p14="http://schemas.microsoft.com/office/powerpoint/2010/main" val="1416244511"/>
       </p:ext>
     </p:extLst>
   </p:cSld>
@@ -6411,11 +6162,7 @@
           <a:p>
             <a:r>
               <a:rPr lang="en-US" dirty="0" smtClean="0"/>
-              <a:t>AngularJS </a:t>
-            </a:r>
-            <a:r>
-              <a:rPr lang="en-US" dirty="0" smtClean="0"/>
-              <a:t>HTML DOM</a:t>
+              <a:t>AngularJS Table &amp; Include</a:t>
             </a:r>
             <a:endParaRPr lang="en-US" dirty="0"/>
           </a:p>
@@ -6612,8 +6359,34 @@
           </a:lstStyle>
           <a:p>
             <a:r>
+              <a:rPr lang="en-US" sz="1600" b="1" dirty="0" smtClean="0"/>
+              <a:t>ng-repeat</a:t>
+            </a:r>
+            <a:r>
               <a:rPr lang="en-US" sz="1600" dirty="0" smtClean="0"/>
-              <a:t>The following directive can be used to bind application data to attributes of HTML DOM Elements</a:t>
+              <a:t> directive can be used to draw table easily</a:t>
+            </a:r>
+          </a:p>
+          <a:p>
+            <a:endParaRPr lang="en-US" sz="1600" dirty="0"/>
+          </a:p>
+          <a:p>
+            <a:endParaRPr lang="en-US" sz="1600" dirty="0" smtClean="0"/>
+          </a:p>
+          <a:p>
+            <a:endParaRPr lang="en-US" sz="1600" dirty="0"/>
+          </a:p>
+          <a:p>
+            <a:endParaRPr lang="en-US" sz="1600" dirty="0" smtClean="0"/>
+          </a:p>
+          <a:p>
+            <a:r>
+              <a:rPr lang="en-GB" sz="1600" dirty="0"/>
+              <a:t>HTML does not support embedding html pages within html page. To achieve this functionality following ways are </a:t>
+            </a:r>
+            <a:r>
+              <a:rPr lang="en-GB" sz="1600" dirty="0" smtClean="0"/>
+              <a:t>used:</a:t>
             </a:r>
           </a:p>
           <a:p>
@@ -6622,8 +6395,8 @@
               <a:buChar char="Ø"/>
             </a:pPr>
             <a:r>
-              <a:rPr lang="en-US" sz="1400" dirty="0" smtClean="0"/>
-              <a:t>ng-disabled – disables a given control</a:t>
+              <a:rPr lang="en-GB" sz="1400" dirty="0" smtClean="0"/>
+              <a:t>Using AJAX </a:t>
             </a:r>
           </a:p>
           <a:p>
@@ -6632,35 +6405,19 @@
               <a:buChar char="Ø"/>
             </a:pPr>
             <a:r>
-              <a:rPr lang="en-US" sz="1400" dirty="0" smtClean="0"/>
-              <a:t>ng-show – shows a given control</a:t>
-            </a:r>
-          </a:p>
-          <a:p>
-            <a:pPr lvl="1">
-              <a:buFont typeface="Wingdings" panose="05000000000000000000" pitchFamily="2" charset="2"/>
-              <a:buChar char="Ø"/>
-            </a:pPr>
-            <a:r>
-              <a:rPr lang="en-US" sz="1400" dirty="0" smtClean="0"/>
-              <a:t>ng-hide – hides a given control</a:t>
-            </a:r>
-          </a:p>
-          <a:p>
-            <a:pPr lvl="1">
-              <a:buFont typeface="Wingdings" panose="05000000000000000000" pitchFamily="2" charset="2"/>
-              <a:buChar char="Ø"/>
-            </a:pPr>
-            <a:r>
-              <a:rPr lang="en-US" sz="1400" dirty="0" smtClean="0"/>
-              <a:t>ng-click – represents a AngularJS click event</a:t>
-            </a:r>
-          </a:p>
-          <a:p>
-            <a:endParaRPr lang="en-US" sz="1600" dirty="0"/>
-          </a:p>
-          <a:p>
-            <a:endParaRPr lang="en-US" sz="1600" dirty="0" smtClean="0"/>
+              <a:rPr lang="en-GB" sz="1400" dirty="0" smtClean="0"/>
+              <a:t>Using Server Side Includes</a:t>
+            </a:r>
+          </a:p>
+          <a:p>
+            <a:r>
+              <a:rPr lang="en-GB" sz="1600" b="1" dirty="0" smtClean="0"/>
+              <a:t>ng-include </a:t>
+            </a:r>
+            <a:r>
+              <a:rPr lang="en-GB" sz="1600" dirty="0" smtClean="0"/>
+              <a:t>can be used to embed HTML pages within a HTML page</a:t>
+            </a:r>
           </a:p>
           <a:p>
             <a:endParaRPr lang="en-US" sz="1600" dirty="0"/>
@@ -6672,7 +6429,7 @@
       </p:sp>
       <p:pic>
         <p:nvPicPr>
-          <p:cNvPr id="5122" name="Picture 2"/>
+          <p:cNvPr id="3074" name="Picture 2"/>
           <p:cNvPicPr>
             <a:picLocks noChangeAspect="1" noChangeArrowheads="1"/>
           </p:cNvPicPr>
@@ -6693,8 +6450,8 @@
         </p:blipFill>
         <p:spPr bwMode="auto">
           <a:xfrm>
-            <a:off x="755576" y="3309937"/>
-            <a:ext cx="5791200" cy="1457325"/>
+            <a:off x="827584" y="2132856"/>
+            <a:ext cx="3086100" cy="800100"/>
           </a:xfrm>
           <a:prstGeom prst="rect">
             <a:avLst/>
@@ -6724,10 +6481,64 @@
           </a:extLst>
         </p:spPr>
       </p:pic>
+      <p:pic>
+        <p:nvPicPr>
+          <p:cNvPr id="3075" name="Picture 3"/>
+          <p:cNvPicPr>
+            <a:picLocks noChangeAspect="1" noChangeArrowheads="1"/>
+          </p:cNvPicPr>
+          <p:nvPr/>
+        </p:nvPicPr>
+        <p:blipFill>
+          <a:blip r:embed="rId3">
+            <a:extLst>
+              <a:ext uri="{28A0092B-C50C-407E-A947-70E740481C1C}">
+                <a14:useLocalDpi xmlns:a14="http://schemas.microsoft.com/office/drawing/2010/main" val="0"/>
+              </a:ext>
+            </a:extLst>
+          </a:blip>
+          <a:srcRect/>
+          <a:stretch>
+            <a:fillRect/>
+          </a:stretch>
+        </p:blipFill>
+        <p:spPr bwMode="auto">
+          <a:xfrm>
+            <a:off x="827584" y="4581128"/>
+            <a:ext cx="3552825" cy="771525"/>
+          </a:xfrm>
+          <a:prstGeom prst="rect">
+            <a:avLst/>
+          </a:prstGeom>
+          <a:noFill/>
+          <a:ln>
+            <a:noFill/>
+          </a:ln>
+          <a:extLst>
+            <a:ext uri="{909E8E84-426E-40DD-AFC4-6F175D3DCCD1}">
+              <a14:hiddenFill xmlns:a14="http://schemas.microsoft.com/office/drawing/2010/main">
+                <a:solidFill>
+                  <a:schemeClr val="accent1"/>
+                </a:solidFill>
+              </a14:hiddenFill>
+            </a:ext>
+            <a:ext uri="{91240B29-F687-4F45-9708-019B960494DF}">
+              <a14:hiddenLine xmlns:a14="http://schemas.microsoft.com/office/drawing/2010/main" w="9525">
+                <a:solidFill>
+                  <a:schemeClr val="tx1"/>
+                </a:solidFill>
+                <a:miter lim="800000"/>
+                <a:headEnd/>
+                <a:tailEnd/>
+              </a14:hiddenLine>
+            </a:ext>
+          </a:extLst>
+        </p:spPr>
+      </p:pic>
     </p:spTree>
     <p:extLst>
       <p:ext uri="{BB962C8B-B14F-4D97-AF65-F5344CB8AC3E}">
-        <p14:creationId xmlns:p14="http://schemas.microsoft.com/office/powerpoint/2010/main" val="2094990842"/>
+        <p14:creationId xmlns:p14="http://schemas.microsoft.com/office/powerpoint/2010/main" val="2764337699"/>
       </p:ext>
     </p:extLst>
   </p:cSld>
@@ -6778,11 +6589,7 @@
           <a:p>
             <a:r>
               <a:rPr lang="en-US" dirty="0" smtClean="0"/>
-              <a:t>AngularJS </a:t>
-            </a:r>
-            <a:r>
-              <a:rPr lang="en-US" dirty="0" smtClean="0"/>
-              <a:t>Custom Directive</a:t>
+              <a:t>AngularJS Forms</a:t>
             </a:r>
             <a:endParaRPr lang="en-US" dirty="0"/>
           </a:p>
@@ -6980,285 +6787,199 @@
           <a:p>
             <a:r>
               <a:rPr lang="en-GB" sz="1600" dirty="0"/>
-              <a:t>Custom directives are used in AngularJS to extend the functionality of HTML. Custom directives are defined using </a:t>
-            </a:r>
-            <a:r>
-              <a:rPr lang="en-GB" sz="1600" b="1" dirty="0">
-                <a:solidFill>
-                  <a:srgbClr val="00B050"/>
-                </a:solidFill>
-              </a:rPr>
-              <a:t>"directive" </a:t>
+              <a:t>AngularJS enriches form filling and </a:t>
             </a:r>
             <a:r>
               <a:rPr lang="en-GB" sz="1600" dirty="0" smtClean="0"/>
-              <a:t>function</a:t>
-            </a:r>
-            <a:endParaRPr lang="en-GB" sz="1600" dirty="0"/>
-          </a:p>
-          <a:p>
+              <a:t>validation</a:t>
+            </a:r>
+          </a:p>
+          <a:p>
+            <a:r>
+              <a:rPr lang="en-GB" sz="1600" b="1" dirty="0" smtClean="0"/>
+              <a:t>Events:</a:t>
+            </a:r>
             <a:r>
               <a:rPr lang="en-GB" sz="1600" dirty="0" smtClean="0"/>
-              <a:t>During bootstrap (one time activity),</a:t>
+              <a:t> AngularJS provides multiple events which can be associated with the HTML controls. Some of the events are as follows:</a:t>
             </a:r>
           </a:p>
           <a:p>
             <a:pPr lvl="1"/>
             <a:r>
-              <a:rPr lang="en-GB" sz="1400" b="1" dirty="0" smtClean="0">
-                <a:solidFill>
-                  <a:srgbClr val="00B050"/>
-                </a:solidFill>
-              </a:rPr>
-              <a:t>compile() </a:t>
-            </a:r>
-            <a:r>
               <a:rPr lang="en-GB" sz="1400" dirty="0" smtClean="0"/>
-              <a:t>method finds the matching elements </a:t>
+              <a:t>ng-click</a:t>
             </a:r>
           </a:p>
           <a:p>
             <a:pPr lvl="1"/>
             <a:r>
-              <a:rPr lang="en-GB" sz="1400" b="1" dirty="0" smtClean="0">
-                <a:solidFill>
-                  <a:srgbClr val="00B050"/>
-                </a:solidFill>
-              </a:rPr>
-              <a:t>link()</a:t>
-            </a:r>
-            <a:r>
               <a:rPr lang="en-GB" sz="1400" dirty="0" smtClean="0"/>
-              <a:t> method will process the element based on the scope of the directive</a:t>
-            </a:r>
-          </a:p>
-          <a:p>
+              <a:t>ng-</a:t>
+            </a:r>
+            <a:r>
+              <a:rPr lang="en-GB" sz="1400" dirty="0" err="1" smtClean="0"/>
+              <a:t>dbl</a:t>
+            </a:r>
+            <a:r>
+              <a:rPr lang="en-GB" sz="1400" dirty="0" smtClean="0"/>
+              <a:t>-click</a:t>
+            </a:r>
+          </a:p>
+          <a:p>
+            <a:pPr lvl="1"/>
+            <a:r>
+              <a:rPr lang="en-GB" sz="1400" dirty="0" smtClean="0"/>
+              <a:t>ng-</a:t>
+            </a:r>
+            <a:r>
+              <a:rPr lang="en-GB" sz="1400" dirty="0" err="1" smtClean="0"/>
+              <a:t>mousedown</a:t>
+            </a:r>
+            <a:endParaRPr lang="en-GB" sz="1400" dirty="0" smtClean="0"/>
+          </a:p>
+          <a:p>
+            <a:pPr lvl="1"/>
+            <a:r>
+              <a:rPr lang="en-GB" sz="1400" dirty="0" smtClean="0"/>
+              <a:t>ng-</a:t>
+            </a:r>
+            <a:r>
+              <a:rPr lang="en-GB" sz="1400" dirty="0" err="1" smtClean="0"/>
+              <a:t>mouseup</a:t>
+            </a:r>
+            <a:endParaRPr lang="en-GB" sz="1400" dirty="0" smtClean="0"/>
+          </a:p>
+          <a:p>
+            <a:pPr lvl="1"/>
+            <a:r>
+              <a:rPr lang="en-GB" sz="1400" dirty="0" smtClean="0"/>
+              <a:t>ng-change</a:t>
+            </a:r>
+          </a:p>
+          <a:p>
+            <a:r>
+              <a:rPr lang="en-GB" sz="1600" b="1" dirty="0" smtClean="0"/>
+              <a:t>Validate Data:</a:t>
+            </a:r>
             <a:r>
               <a:rPr lang="en-GB" sz="1600" dirty="0" smtClean="0"/>
-              <a:t>AngularJS provides support to create custom directives for following type of elements</a:t>
+              <a:t> Following can be used to track error</a:t>
             </a:r>
           </a:p>
           <a:p>
             <a:pPr lvl="1"/>
             <a:r>
-              <a:rPr lang="en-GB" sz="1400" b="1" dirty="0" smtClean="0">
-                <a:solidFill>
-                  <a:srgbClr val="00B050"/>
-                </a:solidFill>
-              </a:rPr>
-              <a:t>Element directives </a:t>
-            </a:r>
-            <a:r>
               <a:rPr lang="en-GB" sz="1400" dirty="0" smtClean="0"/>
-              <a:t>– Activates when a matching element is encountered</a:t>
+              <a:t>$dirty - </a:t>
+            </a:r>
+            <a:r>
+              <a:rPr lang="en-GB" sz="1400" dirty="0"/>
+              <a:t>states that value has been </a:t>
+            </a:r>
+            <a:r>
+              <a:rPr lang="en-GB" sz="1400" dirty="0" smtClean="0"/>
+              <a:t>changed</a:t>
             </a:r>
           </a:p>
           <a:p>
             <a:pPr lvl="1"/>
             <a:r>
-              <a:rPr lang="en-GB" sz="1400" b="1" dirty="0" smtClean="0">
-                <a:solidFill>
-                  <a:srgbClr val="00B050"/>
-                </a:solidFill>
-              </a:rPr>
-              <a:t>Attribute</a:t>
-            </a:r>
-            <a:r>
               <a:rPr lang="en-GB" sz="1400" dirty="0" smtClean="0"/>
-              <a:t> - Activates </a:t>
+              <a:t>$invalid - </a:t>
             </a:r>
             <a:r>
               <a:rPr lang="en-GB" sz="1400" dirty="0"/>
-              <a:t>when </a:t>
+              <a:t>states that value entered is </a:t>
             </a:r>
             <a:r>
               <a:rPr lang="en-GB" sz="1400" dirty="0" smtClean="0"/>
-              <a:t>a matching attribute is encountered</a:t>
+              <a:t>invalid</a:t>
             </a:r>
           </a:p>
           <a:p>
             <a:pPr lvl="1"/>
             <a:r>
-              <a:rPr lang="en-GB" sz="1400" b="1" dirty="0">
-                <a:solidFill>
-                  <a:srgbClr val="00B050"/>
-                </a:solidFill>
-              </a:rPr>
-              <a:t>CSS</a:t>
-            </a:r>
-            <a:r>
               <a:rPr lang="en-GB" sz="1400" dirty="0" smtClean="0"/>
-              <a:t> – Activates when a matching CSS is encountered</a:t>
+              <a:t>$error - </a:t>
+            </a:r>
+            <a:r>
+              <a:rPr lang="en-US" sz="1400" dirty="0"/>
+              <a:t>states the exact </a:t>
+            </a:r>
+            <a:r>
+              <a:rPr lang="en-US" sz="1400" dirty="0" smtClean="0"/>
+              <a:t>error</a:t>
             </a:r>
           </a:p>
           <a:p>
             <a:pPr lvl="1"/>
-            <a:r>
-              <a:rPr lang="en-GB" sz="1400" b="1" dirty="0">
-                <a:solidFill>
-                  <a:srgbClr val="00B050"/>
-                </a:solidFill>
-              </a:rPr>
-              <a:t>Comment</a:t>
-            </a:r>
-            <a:r>
-              <a:rPr lang="en-GB" sz="1400" dirty="0" smtClean="0"/>
-              <a:t> – Activates when a matching comment is encountered</a:t>
-            </a:r>
-          </a:p>
-          <a:p>
-            <a:r>
-              <a:rPr lang="en-GB" sz="1600" dirty="0" smtClean="0"/>
-              <a:t>Define custom html tags</a:t>
-            </a:r>
+            <a:endParaRPr lang="en-US" sz="1400" dirty="0"/>
           </a:p>
           <a:p>
             <a:pPr lvl="1"/>
-            <a:r>
-              <a:rPr lang="nl-NL" sz="1200" dirty="0"/>
-              <a:t>&lt;student</a:t>
-            </a:r>
-            <a:r>
-              <a:rPr lang="nl-NL" sz="1200" dirty="0"/>
-              <a:t> </a:t>
-            </a:r>
-            <a:r>
-              <a:rPr lang="nl-NL" sz="1200" dirty="0"/>
-              <a:t>name</a:t>
-            </a:r>
-            <a:r>
-              <a:rPr lang="nl-NL" sz="1200" dirty="0"/>
-              <a:t> </a:t>
-            </a:r>
-            <a:r>
-              <a:rPr lang="nl-NL" sz="1200" dirty="0"/>
-              <a:t>=</a:t>
-            </a:r>
-            <a:r>
-              <a:rPr lang="nl-NL" sz="1200" dirty="0"/>
-              <a:t> </a:t>
-            </a:r>
-            <a:r>
-              <a:rPr lang="nl-NL" sz="1200" dirty="0" smtClean="0"/>
-              <a:t>“Hello"&gt;&lt;/</a:t>
-            </a:r>
-            <a:r>
-              <a:rPr lang="nl-NL" sz="1200" dirty="0"/>
-              <a:t>student&gt;&lt;br/&gt;</a:t>
-            </a:r>
-            <a:r>
-              <a:rPr lang="nl-NL" sz="1200" dirty="0"/>
-              <a:t> </a:t>
-            </a:r>
-            <a:endParaRPr lang="nl-NL" sz="1200" dirty="0" smtClean="0"/>
-          </a:p>
-          <a:p>
-            <a:pPr lvl="1"/>
-            <a:r>
-              <a:rPr lang="nl-NL" sz="1200" dirty="0" smtClean="0"/>
-              <a:t>&lt;</a:t>
-            </a:r>
-            <a:r>
-              <a:rPr lang="nl-NL" sz="1200" dirty="0"/>
-              <a:t>student</a:t>
-            </a:r>
-            <a:r>
-              <a:rPr lang="nl-NL" sz="1200" dirty="0"/>
-              <a:t> </a:t>
-            </a:r>
-            <a:r>
-              <a:rPr lang="nl-NL" sz="1200" dirty="0"/>
-              <a:t>name</a:t>
-            </a:r>
-            <a:r>
-              <a:rPr lang="nl-NL" sz="1200" dirty="0"/>
-              <a:t> </a:t>
-            </a:r>
-            <a:r>
-              <a:rPr lang="nl-NL" sz="1200" dirty="0"/>
-              <a:t>=</a:t>
-            </a:r>
-            <a:r>
-              <a:rPr lang="nl-NL" sz="1200" dirty="0"/>
-              <a:t> </a:t>
-            </a:r>
-            <a:r>
-              <a:rPr lang="nl-NL" sz="1200" dirty="0" smtClean="0"/>
-              <a:t>“World"&gt;&lt;/</a:t>
-            </a:r>
-            <a:r>
-              <a:rPr lang="nl-NL" sz="1200" dirty="0"/>
-              <a:t>student</a:t>
-            </a:r>
-            <a:r>
-              <a:rPr lang="nl-NL" sz="1200" dirty="0" smtClean="0"/>
-              <a:t>&gt;</a:t>
-            </a:r>
-          </a:p>
-          <a:p>
-            <a:r>
-              <a:rPr lang="nl-NL" sz="1600" dirty="0" smtClean="0"/>
-              <a:t>Define the </a:t>
-            </a:r>
-            <a:r>
-              <a:rPr lang="en-GB" sz="1600" dirty="0"/>
-              <a:t>custom directive to handle above custom html </a:t>
-            </a:r>
-            <a:r>
-              <a:rPr lang="en-GB" sz="1600" dirty="0" smtClean="0"/>
-              <a:t>tags</a:t>
-            </a:r>
-          </a:p>
-          <a:p>
-            <a:pPr lvl="1"/>
-            <a:r>
-              <a:rPr lang="en-US" sz="1200" dirty="0" err="1"/>
-              <a:t>mainApp</a:t>
-            </a:r>
-            <a:r>
-              <a:rPr lang="en-US" sz="1200" dirty="0" err="1"/>
-              <a:t>.</a:t>
-            </a:r>
-            <a:r>
-              <a:rPr lang="en-US" sz="1200" dirty="0" err="1"/>
-              <a:t>directive</a:t>
-            </a:r>
-            <a:r>
-              <a:rPr lang="en-US" sz="1200" dirty="0"/>
-              <a:t>('student',</a:t>
-            </a:r>
-            <a:r>
-              <a:rPr lang="en-US" sz="1200" dirty="0"/>
-              <a:t> </a:t>
-            </a:r>
-            <a:r>
-              <a:rPr lang="en-US" sz="1200" dirty="0"/>
-              <a:t>function()</a:t>
-            </a:r>
-            <a:r>
-              <a:rPr lang="en-US" sz="1200" dirty="0"/>
-              <a:t> </a:t>
-            </a:r>
-            <a:r>
-              <a:rPr lang="en-US" sz="1200" dirty="0"/>
-              <a:t>{</a:t>
-            </a:r>
-            <a:endParaRPr lang="en-GB" sz="1200" dirty="0"/>
-          </a:p>
-          <a:p>
-            <a:pPr lvl="1"/>
-            <a:endParaRPr lang="en-GB" sz="1400" b="1" dirty="0">
-              <a:solidFill>
-                <a:srgbClr val="00B050"/>
-              </a:solidFill>
-            </a:endParaRPr>
+            <a:endParaRPr lang="en-US" sz="1400" dirty="0"/>
           </a:p>
         </p:txBody>
       </p:sp>
+      <p:pic>
+        <p:nvPicPr>
+          <p:cNvPr id="4098" name="Picture 2"/>
+          <p:cNvPicPr>
+            <a:picLocks noChangeAspect="1" noChangeArrowheads="1"/>
+          </p:cNvPicPr>
+          <p:nvPr/>
+        </p:nvPicPr>
+        <p:blipFill>
+          <a:blip r:embed="rId2">
+            <a:extLst>
+              <a:ext uri="{28A0092B-C50C-407E-A947-70E740481C1C}">
+                <a14:useLocalDpi xmlns:a14="http://schemas.microsoft.com/office/drawing/2010/main" val="0"/>
+              </a:ext>
+            </a:extLst>
+          </a:blip>
+          <a:srcRect/>
+          <a:stretch>
+            <a:fillRect/>
+          </a:stretch>
+        </p:blipFill>
+        <p:spPr bwMode="auto">
+          <a:xfrm>
+            <a:off x="768279" y="4941168"/>
+            <a:ext cx="7915275" cy="952500"/>
+          </a:xfrm>
+          <a:prstGeom prst="rect">
+            <a:avLst/>
+          </a:prstGeom>
+          <a:noFill/>
+          <a:ln>
+            <a:noFill/>
+          </a:ln>
+          <a:extLst>
+            <a:ext uri="{909E8E84-426E-40DD-AFC4-6F175D3DCCD1}">
+              <a14:hiddenFill xmlns:a14="http://schemas.microsoft.com/office/drawing/2010/main">
+                <a:solidFill>
+                  <a:schemeClr val="accent1"/>
+                </a:solidFill>
+              </a14:hiddenFill>
+            </a:ext>
+            <a:ext uri="{91240B29-F687-4F45-9708-019B960494DF}">
+              <a14:hiddenLine xmlns:a14="http://schemas.microsoft.com/office/drawing/2010/main" w="9525">
+                <a:solidFill>
+                  <a:schemeClr val="tx1"/>
+                </a:solidFill>
+                <a:miter lim="800000"/>
+                <a:headEnd/>
+                <a:tailEnd/>
+              </a14:hiddenLine>
+            </a:ext>
+          </a:extLst>
+        </p:spPr>
+      </p:pic>
     </p:spTree>
     <p:extLst>
       <p:ext uri="{BB962C8B-B14F-4D97-AF65-F5344CB8AC3E}">
-        <p14:creationId xmlns:p14="http://schemas.microsoft.com/office/powerpoint/2010/main" val="455349659"/>
+        <p14:creationId xmlns:p14="http://schemas.microsoft.com/office/powerpoint/2010/main" val="2226374511"/>
       </p:ext>
     </p:extLst>
   </p:cSld>
@@ -7309,11 +7030,7 @@
           <a:p>
             <a:r>
               <a:rPr lang="en-US" dirty="0" smtClean="0"/>
-              <a:t>AngularJS </a:t>
-            </a:r>
-            <a:r>
-              <a:rPr lang="en-US" dirty="0" smtClean="0"/>
-              <a:t>Views</a:t>
+              <a:t>AngularJS HTML DOM</a:t>
             </a:r>
             <a:endParaRPr lang="en-US" dirty="0"/>
           </a:p>
@@ -7510,44 +7227,8 @@
           </a:lstStyle>
           <a:p>
             <a:r>
-              <a:rPr lang="en-GB" sz="1600" dirty="0"/>
-              <a:t>AngularJS supports Single Page Application via multiple views on a single page. To do this AngularJS has provided </a:t>
-            </a:r>
-            <a:r>
-              <a:rPr lang="en-GB" sz="1600" b="1" dirty="0">
-                <a:solidFill>
-                  <a:srgbClr val="00B050"/>
-                </a:solidFill>
-              </a:rPr>
-              <a:t>ng-view</a:t>
-            </a:r>
-            <a:r>
-              <a:rPr lang="en-GB" sz="1600" dirty="0"/>
-              <a:t> and </a:t>
-            </a:r>
-            <a:r>
-              <a:rPr lang="en-GB" sz="1600" b="1" dirty="0">
-                <a:solidFill>
-                  <a:srgbClr val="00B050"/>
-                </a:solidFill>
-              </a:rPr>
-              <a:t>ng-template</a:t>
-            </a:r>
-            <a:r>
-              <a:rPr lang="en-GB" sz="1600" dirty="0"/>
-              <a:t> directives and </a:t>
-            </a:r>
-            <a:r>
-              <a:rPr lang="en-GB" sz="1600" b="1" dirty="0">
-                <a:solidFill>
-                  <a:srgbClr val="00B050"/>
-                </a:solidFill>
-              </a:rPr>
-              <a:t>$routeProvider </a:t>
-            </a:r>
-            <a:r>
-              <a:rPr lang="en-GB" sz="1600" dirty="0" smtClean="0"/>
-              <a:t>services</a:t>
+              <a:rPr lang="en-US" sz="1600" dirty="0" smtClean="0"/>
+              <a:t>The following directive can be used to bind application data to attributes of HTML DOM Elements</a:t>
             </a:r>
           </a:p>
           <a:p>
@@ -7556,12 +7237,8 @@
               <a:buChar char="Ø"/>
             </a:pPr>
             <a:r>
-              <a:rPr lang="en-US" sz="1400" b="1" dirty="0" smtClean="0"/>
-              <a:t>ng-view</a:t>
-            </a:r>
-            <a:r>
               <a:rPr lang="en-US" sz="1400" dirty="0" smtClean="0"/>
-              <a:t> – simply creates a place holder where a corresponding view can be placed based on the configuration</a:t>
+              <a:t>ng-disabled – disables a given control</a:t>
             </a:r>
           </a:p>
           <a:p>
@@ -7570,24 +7247,8 @@
               <a:buChar char="Ø"/>
             </a:pPr>
             <a:r>
-              <a:rPr lang="en-US" sz="1400" b="1" dirty="0" smtClean="0"/>
-              <a:t>ng-template</a:t>
-            </a:r>
-            <a:r>
               <a:rPr lang="en-US" sz="1400" dirty="0" smtClean="0"/>
-              <a:t> – </a:t>
-            </a:r>
-            <a:r>
-              <a:rPr lang="en-GB" sz="1400" dirty="0" smtClean="0"/>
-              <a:t>directive </a:t>
-            </a:r>
-            <a:r>
-              <a:rPr lang="en-GB" sz="1400" dirty="0"/>
-              <a:t>is used to create an html view using script tag. It contains "id" attribute which is used by $routeProvider to map a view with a </a:t>
-            </a:r>
-            <a:r>
-              <a:rPr lang="en-GB" sz="1400" dirty="0" smtClean="0"/>
-              <a:t>controller</a:t>
+              <a:t>ng-show – shows a given control</a:t>
             </a:r>
           </a:p>
           <a:p>
@@ -7596,21 +7257,21 @@
               <a:buChar char="Ø"/>
             </a:pPr>
             <a:r>
-              <a:rPr lang="en-GB" sz="1400" b="1" dirty="0"/>
-              <a:t>$routeProvider</a:t>
-            </a:r>
-            <a:r>
-              <a:rPr lang="en-GB" sz="1400" dirty="0"/>
-              <a:t> is the key service which set the configuration of </a:t>
-            </a:r>
-            <a:r>
-              <a:rPr lang="en-GB" sz="1400" dirty="0" smtClean="0"/>
-              <a:t>URLs, </a:t>
-            </a:r>
-            <a:r>
-              <a:rPr lang="en-GB" sz="1400" dirty="0"/>
-              <a:t>map them with the corresponding html page or ng-template, and attach a controller with the same</a:t>
-            </a:r>
+              <a:rPr lang="en-US" sz="1400" dirty="0" smtClean="0"/>
+              <a:t>ng-hide – hides a given control</a:t>
+            </a:r>
+          </a:p>
+          <a:p>
+            <a:pPr lvl="1">
+              <a:buFont typeface="Wingdings" panose="05000000000000000000" pitchFamily="2" charset="2"/>
+              <a:buChar char="Ø"/>
+            </a:pPr>
+            <a:r>
+              <a:rPr lang="en-US" sz="1400" dirty="0" smtClean="0"/>
+              <a:t>ng-click – represents a AngularJS click event</a:t>
+            </a:r>
+          </a:p>
+          <a:p>
             <a:endParaRPr lang="en-US" sz="1600" dirty="0"/>
           </a:p>
           <a:p>
@@ -7624,10 +7285,64 @@
           </a:p>
         </p:txBody>
       </p:sp>
+      <p:pic>
+        <p:nvPicPr>
+          <p:cNvPr id="5122" name="Picture 2"/>
+          <p:cNvPicPr>
+            <a:picLocks noChangeAspect="1" noChangeArrowheads="1"/>
+          </p:cNvPicPr>
+          <p:nvPr/>
+        </p:nvPicPr>
+        <p:blipFill>
+          <a:blip r:embed="rId2">
+            <a:extLst>
+              <a:ext uri="{28A0092B-C50C-407E-A947-70E740481C1C}">
+                <a14:useLocalDpi xmlns:a14="http://schemas.microsoft.com/office/drawing/2010/main" val="0"/>
+              </a:ext>
+            </a:extLst>
+          </a:blip>
+          <a:srcRect/>
+          <a:stretch>
+            <a:fillRect/>
+          </a:stretch>
+        </p:blipFill>
+        <p:spPr bwMode="auto">
+          <a:xfrm>
+            <a:off x="755576" y="3309937"/>
+            <a:ext cx="5791200" cy="1457325"/>
+          </a:xfrm>
+          <a:prstGeom prst="rect">
+            <a:avLst/>
+          </a:prstGeom>
+          <a:noFill/>
+          <a:ln>
+            <a:noFill/>
+          </a:ln>
+          <a:extLst>
+            <a:ext uri="{909E8E84-426E-40DD-AFC4-6F175D3DCCD1}">
+              <a14:hiddenFill xmlns:a14="http://schemas.microsoft.com/office/drawing/2010/main">
+                <a:solidFill>
+                  <a:schemeClr val="accent1"/>
+                </a:solidFill>
+              </a14:hiddenFill>
+            </a:ext>
+            <a:ext uri="{91240B29-F687-4F45-9708-019B960494DF}">
+              <a14:hiddenLine xmlns:a14="http://schemas.microsoft.com/office/drawing/2010/main" w="9525">
+                <a:solidFill>
+                  <a:schemeClr val="tx1"/>
+                </a:solidFill>
+                <a:miter lim="800000"/>
+                <a:headEnd/>
+                <a:tailEnd/>
+              </a14:hiddenLine>
+            </a:ext>
+          </a:extLst>
+        </p:spPr>
+      </p:pic>
     </p:spTree>
     <p:extLst>
       <p:ext uri="{BB962C8B-B14F-4D97-AF65-F5344CB8AC3E}">
-        <p14:creationId xmlns:p14="http://schemas.microsoft.com/office/powerpoint/2010/main" val="4187617310"/>
+        <p14:creationId xmlns:p14="http://schemas.microsoft.com/office/powerpoint/2010/main" val="2094990842"/>
       </p:ext>
     </p:extLst>
   </p:cSld>
@@ -7811,7 +7526,7 @@
           <a:p>
             <a:r>
               <a:rPr lang="en-US" dirty="0" smtClean="0"/>
-              <a:t>Routing and Multiple Views</a:t>
+              <a:t>AngularJS Custom Directive</a:t>
             </a:r>
             <a:endParaRPr lang="en-US" dirty="0"/>
           </a:p>
@@ -8008,66 +7723,218 @@
           </a:lstStyle>
           <a:p>
             <a:r>
-              <a:rPr lang="en-GB" sz="1600" b="1" dirty="0" smtClean="0"/>
-              <a:t>ngRoute module: </a:t>
+              <a:rPr lang="en-GB" sz="1600" dirty="0"/>
+              <a:t>Custom directives are used in AngularJS to extend the functionality of HTML. Custom directives are defined using </a:t>
+            </a:r>
+            <a:r>
+              <a:rPr lang="en-GB" sz="1600" b="1" dirty="0">
+                <a:solidFill>
+                  <a:srgbClr val="00B050"/>
+                </a:solidFill>
+              </a:rPr>
+              <a:t>"directive" </a:t>
             </a:r>
             <a:r>
               <a:rPr lang="en-GB" sz="1600" dirty="0" smtClean="0"/>
-              <a:t>is disturbed separately from the core Angular framework</a:t>
-            </a:r>
+              <a:t>function</a:t>
+            </a:r>
+            <a:endParaRPr lang="en-GB" sz="1600" dirty="0"/>
           </a:p>
           <a:p>
             <a:r>
               <a:rPr lang="en-GB" sz="1600" dirty="0" smtClean="0"/>
-              <a:t>Provides routing and deep linking services and directives for angular apps</a:t>
-            </a:r>
-          </a:p>
-          <a:p>
+              <a:t>During bootstrap (one time activity),</a:t>
+            </a:r>
+          </a:p>
+          <a:p>
+            <a:pPr lvl="1"/>
+            <a:r>
+              <a:rPr lang="en-GB" sz="1400" b="1" dirty="0" smtClean="0">
+                <a:solidFill>
+                  <a:srgbClr val="00B050"/>
+                </a:solidFill>
+              </a:rPr>
+              <a:t>compile() </a:t>
+            </a:r>
+            <a:r>
+              <a:rPr lang="en-GB" sz="1400" dirty="0" smtClean="0"/>
+              <a:t>method finds the matching elements </a:t>
+            </a:r>
+          </a:p>
+          <a:p>
+            <a:pPr lvl="1"/>
+            <a:r>
+              <a:rPr lang="en-GB" sz="1400" b="1" dirty="0" smtClean="0">
+                <a:solidFill>
+                  <a:srgbClr val="00B050"/>
+                </a:solidFill>
+              </a:rPr>
+              <a:t>link()</a:t>
+            </a:r>
+            <a:r>
+              <a:rPr lang="en-GB" sz="1400" dirty="0" smtClean="0"/>
+              <a:t> method will process the element based on the scope of the directive</a:t>
+            </a:r>
+          </a:p>
+          <a:p>
+            <a:r>
+              <a:rPr lang="en-GB" sz="1600" dirty="0" smtClean="0"/>
+              <a:t>AngularJS provides support to create custom directives for following type of elements</a:t>
+            </a:r>
+          </a:p>
+          <a:p>
+            <a:pPr lvl="1"/>
+            <a:r>
+              <a:rPr lang="en-GB" sz="1400" b="1" dirty="0" smtClean="0">
+                <a:solidFill>
+                  <a:srgbClr val="00B050"/>
+                </a:solidFill>
+              </a:rPr>
+              <a:t>Element directives </a:t>
+            </a:r>
+            <a:r>
+              <a:rPr lang="en-GB" sz="1400" dirty="0" smtClean="0"/>
+              <a:t>– Activates when a matching element is encountered</a:t>
+            </a:r>
+          </a:p>
+          <a:p>
+            <a:pPr lvl="1"/>
+            <a:r>
+              <a:rPr lang="en-GB" sz="1400" b="1" dirty="0" smtClean="0">
+                <a:solidFill>
+                  <a:srgbClr val="00B050"/>
+                </a:solidFill>
+              </a:rPr>
+              <a:t>Attribute</a:t>
+            </a:r>
+            <a:r>
+              <a:rPr lang="en-GB" sz="1400" dirty="0" smtClean="0"/>
+              <a:t> - Activates </a:t>
+            </a:r>
+            <a:r>
+              <a:rPr lang="en-GB" sz="1400" dirty="0"/>
+              <a:t>when </a:t>
+            </a:r>
+            <a:r>
+              <a:rPr lang="en-GB" sz="1400" dirty="0" smtClean="0"/>
+              <a:t>a matching attribute is encountered</a:t>
+            </a:r>
+          </a:p>
+          <a:p>
+            <a:pPr lvl="1"/>
+            <a:r>
+              <a:rPr lang="en-GB" sz="1400" b="1" dirty="0">
+                <a:solidFill>
+                  <a:srgbClr val="00B050"/>
+                </a:solidFill>
+              </a:rPr>
+              <a:t>CSS</a:t>
+            </a:r>
+            <a:r>
+              <a:rPr lang="en-GB" sz="1400" dirty="0" smtClean="0"/>
+              <a:t> – Activates when a matching CSS is encountered</a:t>
+            </a:r>
+          </a:p>
+          <a:p>
+            <a:pPr lvl="1"/>
+            <a:r>
+              <a:rPr lang="en-GB" sz="1400" b="1" dirty="0">
+                <a:solidFill>
+                  <a:srgbClr val="00B050"/>
+                </a:solidFill>
+              </a:rPr>
+              <a:t>Comment</a:t>
+            </a:r>
+            <a:r>
+              <a:rPr lang="en-GB" sz="1400" dirty="0" smtClean="0"/>
+              <a:t> – Activates when a matching comment is encountered</a:t>
+            </a:r>
+          </a:p>
+          <a:p>
+            <a:r>
+              <a:rPr lang="en-GB" sz="1600" dirty="0" smtClean="0"/>
+              <a:t>Define custom html tags</a:t>
+            </a:r>
+          </a:p>
+          <a:p>
+            <a:pPr lvl="1"/>
+            <a:r>
+              <a:rPr lang="nl-NL" sz="1200" dirty="0"/>
+              <a:t>&lt;student name = </a:t>
+            </a:r>
+            <a:r>
+              <a:rPr lang="nl-NL" sz="1200" dirty="0" smtClean="0"/>
+              <a:t>“Hello"&gt;&lt;/</a:t>
+            </a:r>
+            <a:r>
+              <a:rPr lang="nl-NL" sz="1200" dirty="0"/>
+              <a:t>student&gt;&lt;br/&gt; </a:t>
+            </a:r>
+            <a:endParaRPr lang="nl-NL" sz="1200" dirty="0" smtClean="0"/>
+          </a:p>
+          <a:p>
+            <a:pPr lvl="1"/>
+            <a:r>
+              <a:rPr lang="nl-NL" sz="1200" dirty="0" smtClean="0"/>
+              <a:t>&lt;</a:t>
+            </a:r>
+            <a:r>
+              <a:rPr lang="nl-NL" sz="1200" dirty="0"/>
+              <a:t>student name = </a:t>
+            </a:r>
+            <a:r>
+              <a:rPr lang="nl-NL" sz="1200" dirty="0" smtClean="0"/>
+              <a:t>“World"&gt;&lt;/</a:t>
+            </a:r>
+            <a:r>
+              <a:rPr lang="nl-NL" sz="1200" dirty="0"/>
+              <a:t>student</a:t>
+            </a:r>
+            <a:r>
+              <a:rPr lang="nl-NL" sz="1200" dirty="0" smtClean="0"/>
+              <a:t>&gt;</a:t>
+            </a:r>
+          </a:p>
+          <a:p>
+            <a:r>
+              <a:rPr lang="nl-NL" sz="1600" dirty="0" smtClean="0"/>
+              <a:t>Define the </a:t>
+            </a:r>
             <a:r>
               <a:rPr lang="en-GB" sz="1600" dirty="0"/>
-              <a:t>Application routes in Angular are declared via the </a:t>
-            </a:r>
-            <a:r>
-              <a:rPr lang="en-GB" sz="1600" dirty="0">
-                <a:hlinkClick r:id="rId2"/>
-              </a:rPr>
-              <a:t>$routeProvider</a:t>
-            </a:r>
-            <a:r>
-              <a:rPr lang="en-GB" sz="1600" dirty="0"/>
-              <a:t>, which is the provider of the </a:t>
-            </a:r>
-            <a:r>
-              <a:rPr lang="en-GB" sz="1600" dirty="0">
-                <a:hlinkClick r:id="rId3"/>
-              </a:rPr>
-              <a:t>$route service</a:t>
-            </a:r>
-            <a:r>
-              <a:rPr lang="en-GB" sz="1600" dirty="0"/>
-              <a:t>.  This service makes it easy to wire together controllers, view templates, and the current URL location in the browser. Using this feature, we can implement </a:t>
-            </a:r>
-            <a:r>
-              <a:rPr lang="en-GB" sz="1600" dirty="0">
-                <a:hlinkClick r:id="rId4"/>
-              </a:rPr>
-              <a:t>deep linking</a:t>
-            </a:r>
-            <a:r>
-              <a:rPr lang="en-GB" sz="1600" dirty="0"/>
-              <a:t>, which lets us utilize the browser's history (back and forward navigation) and </a:t>
+              <a:t>custom directive to handle above custom html </a:t>
             </a:r>
             <a:r>
               <a:rPr lang="en-GB" sz="1600" dirty="0" smtClean="0"/>
-              <a:t>bookmarks</a:t>
-            </a:r>
+              <a:t>tags</a:t>
+            </a:r>
+          </a:p>
+          <a:p>
+            <a:pPr lvl="1"/>
+            <a:r>
+              <a:rPr lang="en-US" sz="1200" dirty="0" err="1"/>
+              <a:t>mainApp.directive</a:t>
+            </a:r>
+            <a:r>
+              <a:rPr lang="en-US" sz="1200" dirty="0"/>
+              <a:t>('student', function() {</a:t>
+            </a:r>
+            <a:endParaRPr lang="en-GB" sz="1200" dirty="0"/>
+          </a:p>
+          <a:p>
+            <a:pPr lvl="1"/>
+            <a:endParaRPr lang="en-GB" sz="1400" b="1" dirty="0">
+              <a:solidFill>
+                <a:srgbClr val="00B050"/>
+              </a:solidFill>
+            </a:endParaRPr>
           </a:p>
         </p:txBody>
       </p:sp>
     </p:spTree>
     <p:extLst>
       <p:ext uri="{BB962C8B-B14F-4D97-AF65-F5344CB8AC3E}">
-        <p14:creationId xmlns:p14="http://schemas.microsoft.com/office/powerpoint/2010/main" val="475202200"/>
+        <p14:creationId xmlns:p14="http://schemas.microsoft.com/office/powerpoint/2010/main" val="455349659"/>
       </p:ext>
     </p:extLst>
   </p:cSld>
@@ -8118,7 +7985,7 @@
           <a:p>
             <a:r>
               <a:rPr lang="en-US" dirty="0" smtClean="0"/>
-              <a:t>AngularJS – HTTP Service</a:t>
+              <a:t>AngularJS Views</a:t>
             </a:r>
             <a:endParaRPr lang="en-US" dirty="0"/>
           </a:p>
@@ -8316,7 +8183,7 @@
           <a:p>
             <a:r>
               <a:rPr lang="en-GB" sz="1600" dirty="0"/>
-              <a:t>AngularJS provides </a:t>
+              <a:t>AngularJS supports Single Page Application via multiple views on a single page. To do this AngularJS has provided </a:t>
             </a:r>
             <a:r>
               <a:rPr lang="en-GB" sz="1600" b="1" dirty="0">
@@ -8324,80 +8191,115 @@
                   <a:srgbClr val="00B050"/>
                 </a:solidFill>
               </a:rPr>
-              <a:t>$http </a:t>
+              <a:t>ng-view</a:t>
             </a:r>
             <a:r>
               <a:rPr lang="en-GB" sz="1600" dirty="0"/>
-              <a:t>control which works as a service to read data from the server. The server makes a database call to get the desired </a:t>
+              <a:t> and </a:t>
+            </a:r>
+            <a:r>
+              <a:rPr lang="en-GB" sz="1600" b="1" dirty="0">
+                <a:solidFill>
+                  <a:srgbClr val="00B050"/>
+                </a:solidFill>
+              </a:rPr>
+              <a:t>ng-template</a:t>
+            </a:r>
+            <a:r>
+              <a:rPr lang="en-GB" sz="1600" dirty="0"/>
+              <a:t> directives and </a:t>
+            </a:r>
+            <a:r>
+              <a:rPr lang="en-GB" sz="1600" b="1" dirty="0">
+                <a:solidFill>
+                  <a:srgbClr val="00B050"/>
+                </a:solidFill>
+              </a:rPr>
+              <a:t>$routeProvider </a:t>
             </a:r>
             <a:r>
               <a:rPr lang="en-GB" sz="1600" dirty="0" smtClean="0"/>
-              <a:t>records</a:t>
-            </a:r>
-          </a:p>
-          <a:p>
-            <a:endParaRPr lang="en-GB" sz="1600" dirty="0" smtClean="0"/>
+              <a:t>services</a:t>
+            </a:r>
+          </a:p>
+          <a:p>
+            <a:pPr lvl="1">
+              <a:buFont typeface="Wingdings" panose="05000000000000000000" pitchFamily="2" charset="2"/>
+              <a:buChar char="Ø"/>
+            </a:pPr>
+            <a:r>
+              <a:rPr lang="en-US" sz="1400" b="1" dirty="0" smtClean="0"/>
+              <a:t>ng-view</a:t>
+            </a:r>
+            <a:r>
+              <a:rPr lang="en-US" sz="1400" dirty="0" smtClean="0"/>
+              <a:t> – simply creates a place holder where a corresponding view can be placed based on the configuration</a:t>
+            </a:r>
+          </a:p>
+          <a:p>
+            <a:pPr lvl="1">
+              <a:buFont typeface="Wingdings" panose="05000000000000000000" pitchFamily="2" charset="2"/>
+              <a:buChar char="Ø"/>
+            </a:pPr>
+            <a:r>
+              <a:rPr lang="en-US" sz="1400" b="1" dirty="0" smtClean="0"/>
+              <a:t>ng-template</a:t>
+            </a:r>
+            <a:r>
+              <a:rPr lang="en-US" sz="1400" dirty="0" smtClean="0"/>
+              <a:t> – </a:t>
+            </a:r>
+            <a:r>
+              <a:rPr lang="en-GB" sz="1400" dirty="0" smtClean="0"/>
+              <a:t>directive </a:t>
+            </a:r>
+            <a:r>
+              <a:rPr lang="en-GB" sz="1400" dirty="0"/>
+              <a:t>is used to create an html view using script tag. It contains "id" attribute which is used by $routeProvider to map a view with a </a:t>
+            </a:r>
+            <a:r>
+              <a:rPr lang="en-GB" sz="1400" dirty="0" smtClean="0"/>
+              <a:t>controller</a:t>
+            </a:r>
+          </a:p>
+          <a:p>
+            <a:pPr lvl="1">
+              <a:buFont typeface="Wingdings" panose="05000000000000000000" pitchFamily="2" charset="2"/>
+              <a:buChar char="Ø"/>
+            </a:pPr>
+            <a:r>
+              <a:rPr lang="en-GB" sz="1400" b="1" dirty="0"/>
+              <a:t>$routeProvider</a:t>
+            </a:r>
+            <a:r>
+              <a:rPr lang="en-GB" sz="1400" dirty="0"/>
+              <a:t> is the key service which set the configuration of </a:t>
+            </a:r>
+            <a:r>
+              <a:rPr lang="en-GB" sz="1400" dirty="0" smtClean="0"/>
+              <a:t>URLs, </a:t>
+            </a:r>
+            <a:r>
+              <a:rPr lang="en-GB" sz="1400" dirty="0"/>
+              <a:t>map them with the corresponding html page or ng-template, and attach a controller with the same</a:t>
+            </a:r>
+            <a:endParaRPr lang="en-US" sz="1600" dirty="0"/>
+          </a:p>
+          <a:p>
+            <a:endParaRPr lang="en-US" sz="1600" dirty="0" smtClean="0"/>
+          </a:p>
+          <a:p>
+            <a:endParaRPr lang="en-US" sz="1600" dirty="0"/>
+          </a:p>
+          <a:p>
+            <a:endParaRPr lang="en-US" sz="1600" dirty="0" smtClean="0"/>
           </a:p>
         </p:txBody>
       </p:sp>
-      <p:pic>
-        <p:nvPicPr>
-          <p:cNvPr id="6146" name="Picture 2"/>
-          <p:cNvPicPr>
-            <a:picLocks noChangeAspect="1" noChangeArrowheads="1"/>
-          </p:cNvPicPr>
-          <p:nvPr/>
-        </p:nvPicPr>
-        <p:blipFill>
-          <a:blip r:embed="rId2">
-            <a:extLst>
-              <a:ext uri="{28A0092B-C50C-407E-A947-70E740481C1C}">
-                <a14:useLocalDpi xmlns:a14="http://schemas.microsoft.com/office/drawing/2010/main" val="0"/>
-              </a:ext>
-            </a:extLst>
-          </a:blip>
-          <a:srcRect/>
-          <a:stretch>
-            <a:fillRect/>
-          </a:stretch>
-        </p:blipFill>
-        <p:spPr bwMode="auto">
-          <a:xfrm>
-            <a:off x="755576" y="2420888"/>
-            <a:ext cx="3238500" cy="1295400"/>
-          </a:xfrm>
-          <a:prstGeom prst="rect">
-            <a:avLst/>
-          </a:prstGeom>
-          <a:noFill/>
-          <a:ln>
-            <a:noFill/>
-          </a:ln>
-          <a:extLst>
-            <a:ext uri="{909E8E84-426E-40DD-AFC4-6F175D3DCCD1}">
-              <a14:hiddenFill xmlns:a14="http://schemas.microsoft.com/office/drawing/2010/main">
-                <a:solidFill>
-                  <a:schemeClr val="accent1"/>
-                </a:solidFill>
-              </a14:hiddenFill>
-            </a:ext>
-            <a:ext uri="{91240B29-F687-4F45-9708-019B960494DF}">
-              <a14:hiddenLine xmlns:a14="http://schemas.microsoft.com/office/drawing/2010/main" w="9525">
-                <a:solidFill>
-                  <a:schemeClr val="tx1"/>
-                </a:solidFill>
-                <a:miter lim="800000"/>
-                <a:headEnd/>
-                <a:tailEnd/>
-              </a14:hiddenLine>
-            </a:ext>
-          </a:extLst>
-        </p:spPr>
-      </p:pic>
     </p:spTree>
     <p:extLst>
       <p:ext uri="{BB962C8B-B14F-4D97-AF65-F5344CB8AC3E}">
-        <p14:creationId xmlns:p14="http://schemas.microsoft.com/office/powerpoint/2010/main" val="1605535473"/>
+        <p14:creationId xmlns:p14="http://schemas.microsoft.com/office/powerpoint/2010/main" val="4187617310"/>
       </p:ext>
     </p:extLst>
   </p:cSld>
@@ -8448,7 +8350,7 @@
           <a:p>
             <a:r>
               <a:rPr lang="en-US" dirty="0" smtClean="0"/>
-              <a:t>AngularJS – Internationalization</a:t>
+              <a:t>Routing and Multiple Views</a:t>
             </a:r>
             <a:endParaRPr lang="en-US" dirty="0"/>
           </a:p>
@@ -8645,98 +8547,66 @@
           </a:lstStyle>
           <a:p>
             <a:r>
+              <a:rPr lang="en-GB" sz="1600" b="1" dirty="0" smtClean="0"/>
+              <a:t>ngRoute module: </a:t>
+            </a:r>
+            <a:r>
+              <a:rPr lang="en-GB" sz="1600" dirty="0" smtClean="0"/>
+              <a:t>is disturbed separately from the core Angular framework</a:t>
+            </a:r>
+          </a:p>
+          <a:p>
+            <a:r>
+              <a:rPr lang="en-GB" sz="1600" dirty="0" smtClean="0"/>
+              <a:t>Provides routing and deep linking services and directives for angular apps</a:t>
+            </a:r>
+          </a:p>
+          <a:p>
+            <a:r>
               <a:rPr lang="en-GB" sz="1600" dirty="0"/>
-              <a:t>AngularJS supports inbuilt </a:t>
+              <a:t>Application routes in Angular are declared via the </a:t>
+            </a:r>
+            <a:r>
+              <a:rPr lang="en-GB" sz="1600" dirty="0">
+                <a:hlinkClick r:id="rId2"/>
+              </a:rPr>
+              <a:t>$routeProvider</a:t>
+            </a:r>
+            <a:r>
+              <a:rPr lang="en-GB" sz="1600" dirty="0"/>
+              <a:t>, which is the provider of the </a:t>
+            </a:r>
+            <a:r>
+              <a:rPr lang="en-GB" sz="1600" dirty="0">
+                <a:hlinkClick r:id="rId3"/>
+              </a:rPr>
+              <a:t>$route service</a:t>
+            </a:r>
+            <a:r>
+              <a:rPr lang="en-GB" sz="1600" dirty="0"/>
+              <a:t>.  This service makes it easy to wire together controllers, view templates, and the current URL location in the browser. Using this feature, we can implement </a:t>
+            </a:r>
+            <a:r>
+              <a:rPr lang="en-GB" sz="1600" dirty="0">
+                <a:hlinkClick r:id="rId4"/>
+              </a:rPr>
+              <a:t>deep linking</a:t>
+            </a:r>
+            <a:r>
+              <a:rPr lang="en-GB" sz="1600" dirty="0"/>
+              <a:t>, which lets us utilize the browser's history (back and forward navigation) and </a:t>
             </a:r>
             <a:r>
               <a:rPr lang="en-GB" sz="1600" dirty="0" smtClean="0"/>
-              <a:t>internationalization for </a:t>
-            </a:r>
-            <a:r>
-              <a:rPr lang="en-GB" sz="1600" dirty="0"/>
-              <a:t>three types of </a:t>
-            </a:r>
-            <a:r>
-              <a:rPr lang="en-GB" sz="1600" dirty="0" smtClean="0"/>
-              <a:t>filters:</a:t>
-            </a:r>
-          </a:p>
-          <a:p>
-            <a:pPr lvl="1"/>
-            <a:r>
-              <a:rPr lang="en-GB" sz="1400" dirty="0" smtClean="0"/>
-              <a:t>currency</a:t>
-            </a:r>
-            <a:r>
-              <a:rPr lang="en-GB" sz="1400" dirty="0"/>
-              <a:t>, date and </a:t>
-            </a:r>
-            <a:r>
-              <a:rPr lang="en-GB" sz="1400" dirty="0" smtClean="0"/>
-              <a:t>numbers</a:t>
-            </a:r>
-            <a:endParaRPr lang="en-GB" sz="1400" dirty="0" smtClean="0"/>
+              <a:t>bookmarks</a:t>
+            </a:r>
           </a:p>
         </p:txBody>
       </p:sp>
-      <p:pic>
-        <p:nvPicPr>
-          <p:cNvPr id="7170" name="Picture 2"/>
-          <p:cNvPicPr>
-            <a:picLocks noChangeAspect="1" noChangeArrowheads="1"/>
-          </p:cNvPicPr>
-          <p:nvPr/>
-        </p:nvPicPr>
-        <p:blipFill>
-          <a:blip r:embed="rId2">
-            <a:extLst>
-              <a:ext uri="{28A0092B-C50C-407E-A947-70E740481C1C}">
-                <a14:useLocalDpi xmlns:a14="http://schemas.microsoft.com/office/drawing/2010/main" val="0"/>
-              </a:ext>
-            </a:extLst>
-          </a:blip>
-          <a:srcRect/>
-          <a:stretch>
-            <a:fillRect/>
-          </a:stretch>
-        </p:blipFill>
-        <p:spPr bwMode="auto">
-          <a:xfrm>
-            <a:off x="683568" y="2276872"/>
-            <a:ext cx="6619875" cy="4000500"/>
-          </a:xfrm>
-          <a:prstGeom prst="rect">
-            <a:avLst/>
-          </a:prstGeom>
-          <a:noFill/>
-          <a:ln>
-            <a:noFill/>
-          </a:ln>
-          <a:extLst>
-            <a:ext uri="{909E8E84-426E-40DD-AFC4-6F175D3DCCD1}">
-              <a14:hiddenFill xmlns:a14="http://schemas.microsoft.com/office/drawing/2010/main">
-                <a:solidFill>
-                  <a:schemeClr val="accent1"/>
-                </a:solidFill>
-              </a14:hiddenFill>
-            </a:ext>
-            <a:ext uri="{91240B29-F687-4F45-9708-019B960494DF}">
-              <a14:hiddenLine xmlns:a14="http://schemas.microsoft.com/office/drawing/2010/main" w="9525">
-                <a:solidFill>
-                  <a:schemeClr val="tx1"/>
-                </a:solidFill>
-                <a:miter lim="800000"/>
-                <a:headEnd/>
-                <a:tailEnd/>
-              </a14:hiddenLine>
-            </a:ext>
-          </a:extLst>
-        </p:spPr>
-      </p:pic>
     </p:spTree>
     <p:extLst>
       <p:ext uri="{BB962C8B-B14F-4D97-AF65-F5344CB8AC3E}">
-        <p14:creationId xmlns:p14="http://schemas.microsoft.com/office/powerpoint/2010/main" val="1514800240"/>
+        <p14:creationId xmlns:p14="http://schemas.microsoft.com/office/powerpoint/2010/main" val="475202200"/>
       </p:ext>
     </p:extLst>
   </p:cSld>
@@ -8787,7 +8657,7 @@
           <a:p>
             <a:r>
               <a:rPr lang="en-US" dirty="0" smtClean="0"/>
-              <a:t>AngularJS Testability</a:t>
+              <a:t>AngularJS – HTTP Service</a:t>
             </a:r>
             <a:endParaRPr lang="en-US" dirty="0"/>
           </a:p>
@@ -8984,203 +8854,89 @@
           </a:lstStyle>
           <a:p>
             <a:r>
+              <a:rPr lang="en-GB" sz="1600" dirty="0"/>
+              <a:t>AngularJS provides </a:t>
+            </a:r>
+            <a:r>
+              <a:rPr lang="en-GB" sz="1600" b="1" dirty="0">
+                <a:solidFill>
+                  <a:srgbClr val="00B050"/>
+                </a:solidFill>
+              </a:rPr>
+              <a:t>$http </a:t>
+            </a:r>
+            <a:r>
+              <a:rPr lang="en-GB" sz="1600" dirty="0"/>
+              <a:t>control which works as a service to read data from the server. The server makes a database call to get the desired </a:t>
+            </a:r>
+            <a:r>
               <a:rPr lang="en-GB" sz="1600" dirty="0" smtClean="0"/>
-              <a:t>AngularJS has </a:t>
-            </a:r>
-            <a:r>
-              <a:rPr lang="en-GB" sz="1600" dirty="0"/>
-              <a:t>an integrated dependency injection framework, provides mocks for many heavy dependencies (server-side communication) </a:t>
-            </a:r>
+              <a:t>records</a:t>
+            </a:r>
+          </a:p>
+          <a:p>
             <a:endParaRPr lang="en-GB" sz="1600" dirty="0" smtClean="0"/>
-          </a:p>
-          <a:p>
-            <a:r>
-              <a:rPr lang="en-GB" sz="1600" b="1" dirty="0" smtClean="0"/>
-              <a:t>ngMock: </a:t>
-            </a:r>
-            <a:r>
-              <a:rPr lang="en-GB" sz="1600" dirty="0"/>
-              <a:t>module provides support to inject and mock Angular services into unit tests. In addition, ngMock also extends various core ng services such that they can be inspected and controlled in a synchronous manner within test </a:t>
-            </a:r>
-            <a:r>
-              <a:rPr lang="en-GB" sz="1600" dirty="0" smtClean="0"/>
-              <a:t>code</a:t>
-            </a:r>
-          </a:p>
-          <a:p>
-            <a:r>
-              <a:rPr lang="en-GB" sz="1600" b="1" dirty="0" smtClean="0"/>
-              <a:t>angular.mock: </a:t>
-            </a:r>
-            <a:r>
-              <a:rPr lang="en-GB" sz="1600" dirty="0"/>
-              <a:t>Namespace from 'angular-mocks.js' which contains testing related </a:t>
-            </a:r>
-            <a:r>
-              <a:rPr lang="en-GB" sz="1600" dirty="0" smtClean="0"/>
-              <a:t>code</a:t>
-            </a:r>
-          </a:p>
-          <a:p>
-            <a:r>
-              <a:rPr lang="en-GB" sz="1600" b="1" dirty="0"/>
-              <a:t>Jasmine: </a:t>
-            </a:r>
-            <a:r>
-              <a:rPr lang="en-GB" sz="1600" dirty="0"/>
-              <a:t>Jasmine is a behavior-driven development framework for testing JavaScript code. It does not depend on any other JavaScript frameworks. It does not require a </a:t>
-            </a:r>
-            <a:r>
-              <a:rPr lang="en-GB" sz="1600" dirty="0" smtClean="0"/>
-              <a:t>DOM</a:t>
-            </a:r>
-            <a:endParaRPr lang="en-GB" sz="1600" dirty="0"/>
-          </a:p>
-          <a:p>
-            <a:pPr lvl="1"/>
-            <a:r>
-              <a:rPr lang="en-GB" sz="1200" dirty="0" smtClean="0"/>
-              <a:t>describe – Global Jasmine function with two parameters: a string and a function</a:t>
-            </a:r>
-          </a:p>
-          <a:p>
-            <a:pPr lvl="1"/>
-            <a:r>
-              <a:rPr lang="en-GB" sz="1200" dirty="0" smtClean="0"/>
-              <a:t>Matchers – Each matcher implements a boolean comparison between actual and expected value</a:t>
-            </a:r>
-          </a:p>
-          <a:p>
-            <a:pPr lvl="2"/>
-            <a:r>
-              <a:rPr lang="en-US" sz="1200" dirty="0"/>
-              <a:t>expect(a).toBe(b); expect(a).not.toBe(</a:t>
-            </a:r>
-            <a:r>
-              <a:rPr lang="en-US" sz="1200" b="1" dirty="0"/>
-              <a:t>null</a:t>
-            </a:r>
-            <a:r>
-              <a:rPr lang="en-US" sz="1200" dirty="0" smtClean="0"/>
-              <a:t>);</a:t>
-            </a:r>
-          </a:p>
-          <a:p>
-            <a:pPr lvl="1"/>
-            <a:r>
-              <a:rPr lang="en-US" sz="1200" dirty="0"/>
-              <a:t>Jasmine unit test are run with </a:t>
-            </a:r>
-            <a:r>
-              <a:rPr lang="en-US" sz="1200" b="1" dirty="0">
-                <a:solidFill>
-                  <a:srgbClr val="00B050"/>
-                </a:solidFill>
-              </a:rPr>
-              <a:t>Karma Test </a:t>
-            </a:r>
-            <a:r>
-              <a:rPr lang="en-US" sz="1200" b="1" dirty="0" smtClean="0">
-                <a:solidFill>
-                  <a:srgbClr val="00B050"/>
-                </a:solidFill>
-              </a:rPr>
-              <a:t>Runner</a:t>
-            </a:r>
-          </a:p>
-          <a:p>
-            <a:pPr lvl="1"/>
-            <a:r>
-              <a:rPr lang="en-US" sz="1200" dirty="0" smtClean="0"/>
-              <a:t>Jasmine end to end tests are run with </a:t>
-            </a:r>
-            <a:r>
-              <a:rPr lang="en-US" sz="1200" b="1" dirty="0" smtClean="0">
-                <a:solidFill>
-                  <a:srgbClr val="00B050"/>
-                </a:solidFill>
-              </a:rPr>
-              <a:t>Protracter End-to-End test runner</a:t>
-            </a:r>
-          </a:p>
-          <a:p>
-            <a:pPr lvl="1"/>
-            <a:r>
-              <a:rPr lang="en-US" sz="1200" dirty="0" smtClean="0"/>
-              <a:t>Web driver is required to </a:t>
-            </a:r>
-            <a:r>
-              <a:rPr lang="en-US" sz="1200" dirty="0"/>
-              <a:t>execute the </a:t>
-            </a:r>
-            <a:r>
-              <a:rPr lang="en-US" sz="1200" dirty="0" smtClean="0"/>
-              <a:t>Protracter script : </a:t>
-            </a:r>
-            <a:r>
-              <a:rPr lang="en-US" sz="1200" b="1" dirty="0" smtClean="0">
-                <a:solidFill>
-                  <a:srgbClr val="00B050"/>
-                </a:solidFill>
-              </a:rPr>
-              <a:t>npm </a:t>
-            </a:r>
-            <a:r>
-              <a:rPr lang="en-US" sz="1200" b="1" dirty="0">
-                <a:solidFill>
-                  <a:srgbClr val="00B050"/>
-                </a:solidFill>
-              </a:rPr>
-              <a:t>run </a:t>
-            </a:r>
-            <a:r>
-              <a:rPr lang="en-US" sz="1200" b="1" dirty="0" smtClean="0">
-                <a:solidFill>
-                  <a:srgbClr val="00B050"/>
-                </a:solidFill>
-              </a:rPr>
-              <a:t>update-</a:t>
-            </a:r>
-            <a:r>
-              <a:rPr lang="en-US" sz="1200" b="1" dirty="0" err="1" smtClean="0">
-                <a:solidFill>
-                  <a:srgbClr val="00B050"/>
-                </a:solidFill>
-              </a:rPr>
-              <a:t>webdriver</a:t>
-            </a:r>
-            <a:endParaRPr lang="en-US" sz="1200" b="1" dirty="0" smtClean="0">
-              <a:solidFill>
-                <a:srgbClr val="00B050"/>
-              </a:solidFill>
-            </a:endParaRPr>
-          </a:p>
-          <a:p>
-            <a:pPr lvl="1"/>
-            <a:r>
-              <a:rPr lang="en-US" sz="1200" dirty="0"/>
-              <a:t>Run the Protracter test : </a:t>
-            </a:r>
-            <a:r>
-              <a:rPr lang="en-US" sz="1200" b="1" dirty="0">
-                <a:solidFill>
-                  <a:srgbClr val="00B050"/>
-                </a:solidFill>
-              </a:rPr>
-              <a:t>npm run protractor</a:t>
-            </a:r>
-            <a:endParaRPr lang="en-GB" sz="1200" b="1" dirty="0">
-              <a:solidFill>
-                <a:srgbClr val="00B050"/>
-              </a:solidFill>
-            </a:endParaRPr>
           </a:p>
         </p:txBody>
       </p:sp>
+      <p:pic>
+        <p:nvPicPr>
+          <p:cNvPr id="6146" name="Picture 2"/>
+          <p:cNvPicPr>
+            <a:picLocks noChangeAspect="1" noChangeArrowheads="1"/>
+          </p:cNvPicPr>
+          <p:nvPr/>
+        </p:nvPicPr>
+        <p:blipFill>
+          <a:blip r:embed="rId2">
+            <a:extLst>
+              <a:ext uri="{28A0092B-C50C-407E-A947-70E740481C1C}">
+                <a14:useLocalDpi xmlns:a14="http://schemas.microsoft.com/office/drawing/2010/main" val="0"/>
+              </a:ext>
+            </a:extLst>
+          </a:blip>
+          <a:srcRect/>
+          <a:stretch>
+            <a:fillRect/>
+          </a:stretch>
+        </p:blipFill>
+        <p:spPr bwMode="auto">
+          <a:xfrm>
+            <a:off x="755576" y="2420888"/>
+            <a:ext cx="3238500" cy="1295400"/>
+          </a:xfrm>
+          <a:prstGeom prst="rect">
+            <a:avLst/>
+          </a:prstGeom>
+          <a:noFill/>
+          <a:ln>
+            <a:noFill/>
+          </a:ln>
+          <a:extLst>
+            <a:ext uri="{909E8E84-426E-40DD-AFC4-6F175D3DCCD1}">
+              <a14:hiddenFill xmlns:a14="http://schemas.microsoft.com/office/drawing/2010/main">
+                <a:solidFill>
+                  <a:schemeClr val="accent1"/>
+                </a:solidFill>
+              </a14:hiddenFill>
+            </a:ext>
+            <a:ext uri="{91240B29-F687-4F45-9708-019B960494DF}">
+              <a14:hiddenLine xmlns:a14="http://schemas.microsoft.com/office/drawing/2010/main" w="9525">
+                <a:solidFill>
+                  <a:schemeClr val="tx1"/>
+                </a:solidFill>
+                <a:miter lim="800000"/>
+                <a:headEnd/>
+                <a:tailEnd/>
+              </a14:hiddenLine>
+            </a:ext>
+          </a:extLst>
+        </p:spPr>
+      </p:pic>
     </p:spTree>
     <p:extLst>
       <p:ext uri="{BB962C8B-B14F-4D97-AF65-F5344CB8AC3E}">
-        <p14:creationId xmlns:p14="http://schemas.microsoft.com/office/powerpoint/2010/main" val="634700337"/>
+        <p14:creationId xmlns:p14="http://schemas.microsoft.com/office/powerpoint/2010/main" val="1605535473"/>
       </p:ext>
     </p:extLst>
   </p:cSld>
@@ -9231,11 +8987,7 @@
           <a:p>
             <a:r>
               <a:rPr lang="en-US" dirty="0" smtClean="0"/>
-              <a:t>AngularJS </a:t>
-            </a:r>
-            <a:r>
-              <a:rPr lang="en-US" dirty="0" smtClean="0"/>
-              <a:t>Continuous Integration</a:t>
+              <a:t>AngularJS – Internationalization</a:t>
             </a:r>
             <a:endParaRPr lang="en-US" dirty="0"/>
           </a:p>
@@ -9432,44 +9184,97 @@
           </a:lstStyle>
           <a:p>
             <a:r>
-              <a:rPr lang="en-GB" sz="1600" b="1" dirty="0"/>
-              <a:t>Travis CI</a:t>
-            </a:r>
-            <a:r>
-              <a:rPr lang="en-GB" sz="1600" b="1" dirty="0" smtClean="0"/>
-              <a:t>: </a:t>
+              <a:rPr lang="en-GB" sz="1600" dirty="0"/>
+              <a:t>AngularJS supports inbuilt </a:t>
             </a:r>
             <a:r>
               <a:rPr lang="en-GB" sz="1600" dirty="0" smtClean="0"/>
-              <a:t>Travis </a:t>
+              <a:t>internationalization for </a:t>
             </a:r>
             <a:r>
               <a:rPr lang="en-GB" sz="1600" dirty="0"/>
-              <a:t>CI is a continuous integration service, which can monitor GitHub for new commits to your repository and execute scripts such as building the app or running </a:t>
+              <a:t>three types of </a:t>
             </a:r>
             <a:r>
               <a:rPr lang="en-GB" sz="1600" dirty="0" smtClean="0"/>
-              <a:t>tests</a:t>
-            </a:r>
-            <a:endParaRPr lang="en-GB" sz="1600" dirty="0"/>
-          </a:p>
-          <a:p>
-            <a:r>
-              <a:rPr lang="en-GB" sz="1600" b="1" dirty="0" smtClean="0"/>
-              <a:t>CloudBees:</a:t>
-            </a:r>
-            <a:r>
-              <a:rPr lang="en-GB" sz="1600" dirty="0" smtClean="0"/>
-              <a:t> CloudBees have provided a CI/deployment setup</a:t>
-            </a:r>
-            <a:endParaRPr lang="en-GB" sz="1600" dirty="0" smtClean="0"/>
+              <a:t>filters:</a:t>
+            </a:r>
+          </a:p>
+          <a:p>
+            <a:pPr lvl="1"/>
+            <a:r>
+              <a:rPr lang="en-GB" sz="1400" dirty="0" smtClean="0"/>
+              <a:t>currency</a:t>
+            </a:r>
+            <a:r>
+              <a:rPr lang="en-GB" sz="1400" dirty="0"/>
+              <a:t>, date and </a:t>
+            </a:r>
+            <a:r>
+              <a:rPr lang="en-GB" sz="1400" dirty="0" smtClean="0"/>
+              <a:t>numbers</a:t>
+            </a:r>
           </a:p>
         </p:txBody>
       </p:sp>
+      <p:pic>
+        <p:nvPicPr>
+          <p:cNvPr id="7170" name="Picture 2"/>
+          <p:cNvPicPr>
+            <a:picLocks noChangeAspect="1" noChangeArrowheads="1"/>
+          </p:cNvPicPr>
+          <p:nvPr/>
+        </p:nvPicPr>
+        <p:blipFill>
+          <a:blip r:embed="rId2">
+            <a:extLst>
+              <a:ext uri="{28A0092B-C50C-407E-A947-70E740481C1C}">
+                <a14:useLocalDpi xmlns:a14="http://schemas.microsoft.com/office/drawing/2010/main" val="0"/>
+              </a:ext>
+            </a:extLst>
+          </a:blip>
+          <a:srcRect/>
+          <a:stretch>
+            <a:fillRect/>
+          </a:stretch>
+        </p:blipFill>
+        <p:spPr bwMode="auto">
+          <a:xfrm>
+            <a:off x="683568" y="2276872"/>
+            <a:ext cx="6619875" cy="4000500"/>
+          </a:xfrm>
+          <a:prstGeom prst="rect">
+            <a:avLst/>
+          </a:prstGeom>
+          <a:noFill/>
+          <a:ln>
+            <a:noFill/>
+          </a:ln>
+          <a:extLst>
+            <a:ext uri="{909E8E84-426E-40DD-AFC4-6F175D3DCCD1}">
+              <a14:hiddenFill xmlns:a14="http://schemas.microsoft.com/office/drawing/2010/main">
+                <a:solidFill>
+                  <a:schemeClr val="accent1"/>
+                </a:solidFill>
+              </a14:hiddenFill>
+            </a:ext>
+            <a:ext uri="{91240B29-F687-4F45-9708-019B960494DF}">
+              <a14:hiddenLine xmlns:a14="http://schemas.microsoft.com/office/drawing/2010/main" w="9525">
+                <a:solidFill>
+                  <a:schemeClr val="tx1"/>
+                </a:solidFill>
+                <a:miter lim="800000"/>
+                <a:headEnd/>
+                <a:tailEnd/>
+              </a14:hiddenLine>
+            </a:ext>
+          </a:extLst>
+        </p:spPr>
+      </p:pic>
     </p:spTree>
     <p:extLst>
       <p:ext uri="{BB962C8B-B14F-4D97-AF65-F5344CB8AC3E}">
-        <p14:creationId xmlns:p14="http://schemas.microsoft.com/office/powerpoint/2010/main" val="2250921310"/>
+        <p14:creationId xmlns:p14="http://schemas.microsoft.com/office/powerpoint/2010/main" val="1514800240"/>
       </p:ext>
     </p:extLst>
   </p:cSld>
@@ -9520,7 +9325,7 @@
           <a:p>
             <a:r>
               <a:rPr lang="en-US" dirty="0" smtClean="0"/>
-              <a:t>JQuery</a:t>
+              <a:t>AngularJS Testability</a:t>
             </a:r>
             <a:endParaRPr lang="en-US" dirty="0"/>
           </a:p>
@@ -9718,95 +9523,202 @@
           <a:p>
             <a:r>
               <a:rPr lang="en-GB" sz="1600" dirty="0" smtClean="0"/>
-              <a:t>AngularJS can </a:t>
+              <a:t>AngularJS has </a:t>
             </a:r>
             <a:r>
               <a:rPr lang="en-GB" sz="1600" dirty="0"/>
-              <a:t>use </a:t>
-            </a:r>
-            <a:r>
-              <a:rPr lang="en-GB" sz="1600" dirty="0">
-                <a:hlinkClick r:id="rId2"/>
+              <a:t>an integrated dependency injection framework, provides mocks for many heavy dependencies (server-side communication) </a:t>
+            </a:r>
+            <a:endParaRPr lang="en-GB" sz="1600" dirty="0" smtClean="0"/>
+          </a:p>
+          <a:p>
+            <a:r>
+              <a:rPr lang="en-GB" sz="1600" b="1" dirty="0" smtClean="0"/>
+              <a:t>ngMock: </a:t>
+            </a:r>
+            <a:r>
+              <a:rPr lang="en-GB" sz="1600" dirty="0"/>
+              <a:t>module provides support to inject and mock Angular services into unit tests. In addition, ngMock also extends various core ng services such that they can be inspected and controlled in a synchronous manner within test </a:t>
+            </a:r>
+            <a:r>
+              <a:rPr lang="en-GB" sz="1600" dirty="0" smtClean="0"/>
+              <a:t>code</a:t>
+            </a:r>
+          </a:p>
+          <a:p>
+            <a:r>
+              <a:rPr lang="en-GB" sz="1600" b="1" dirty="0" smtClean="0"/>
+              <a:t>angular.mock: </a:t>
+            </a:r>
+            <a:r>
+              <a:rPr lang="en-GB" sz="1600" dirty="0"/>
+              <a:t>Namespace from 'angular-mocks.js' which contains testing related </a:t>
+            </a:r>
+            <a:r>
+              <a:rPr lang="en-GB" sz="1600" dirty="0" smtClean="0"/>
+              <a:t>code</a:t>
+            </a:r>
+          </a:p>
+          <a:p>
+            <a:r>
+              <a:rPr lang="en-GB" sz="1600" b="1" dirty="0"/>
+              <a:t>Jasmine: </a:t>
+            </a:r>
+            <a:r>
+              <a:rPr lang="en-GB" sz="1600" dirty="0"/>
+              <a:t>Jasmine is a behavior-driven development framework for testing JavaScript code. It does not depend on any other JavaScript frameworks. It does not require a </a:t>
+            </a:r>
+            <a:r>
+              <a:rPr lang="en-GB" sz="1600" dirty="0" smtClean="0"/>
+              <a:t>DOM</a:t>
+            </a:r>
+            <a:endParaRPr lang="en-GB" sz="1600" dirty="0"/>
+          </a:p>
+          <a:p>
+            <a:pPr lvl="1"/>
+            <a:r>
+              <a:rPr lang="en-GB" sz="1200" dirty="0" smtClean="0"/>
+              <a:t>describe – Global Jasmine function with two parameters: a string and a function</a:t>
+            </a:r>
+          </a:p>
+          <a:p>
+            <a:pPr lvl="1"/>
+            <a:r>
+              <a:rPr lang="en-GB" sz="1200" dirty="0" smtClean="0"/>
+              <a:t>Matchers – Each matcher implements a boolean comparison between actual and expected value</a:t>
+            </a:r>
+          </a:p>
+          <a:p>
+            <a:pPr lvl="2"/>
+            <a:r>
+              <a:rPr lang="en-US" sz="1200" dirty="0"/>
+              <a:t>expect(a).toBe(b); expect(a).not.toBe(</a:t>
+            </a:r>
+            <a:r>
+              <a:rPr lang="en-US" sz="1200" b="1" dirty="0"/>
+              <a:t>null</a:t>
+            </a:r>
+            <a:r>
+              <a:rPr lang="en-US" sz="1200" dirty="0" smtClean="0"/>
+              <a:t>);</a:t>
+            </a:r>
+          </a:p>
+          <a:p>
+            <a:pPr lvl="1"/>
+            <a:r>
+              <a:rPr lang="en-US" sz="1200" dirty="0"/>
+              <a:t>Jasmine unit test are run with </a:t>
+            </a:r>
+            <a:r>
+              <a:rPr lang="en-US" sz="1200" b="1" dirty="0">
+                <a:solidFill>
+                  <a:srgbClr val="00B050"/>
+                </a:solidFill>
               </a:rPr>
-              <a:t>jQuery</a:t>
-            </a:r>
-            <a:r>
-              <a:rPr lang="en-GB" sz="1600" dirty="0"/>
-              <a:t> if it's present in your app when the application is being bootstrapped. If jQuery is not present in your script path, Angular falls back to its own implementation of the subset of jQuery that we call </a:t>
-            </a:r>
-            <a:r>
-              <a:rPr lang="en-GB" sz="1600" dirty="0" smtClean="0">
-                <a:hlinkClick r:id="rId3"/>
+              <a:t>Karma Test </a:t>
+            </a:r>
+            <a:r>
+              <a:rPr lang="en-US" sz="1200" b="1" dirty="0" smtClean="0">
+                <a:solidFill>
+                  <a:srgbClr val="00B050"/>
+                </a:solidFill>
               </a:rPr>
-              <a:t>jQLite</a:t>
-            </a:r>
-            <a:endParaRPr lang="en-GB" sz="1600" dirty="0" smtClean="0"/>
-          </a:p>
-          <a:p>
-            <a:r>
-              <a:rPr lang="en-GB" sz="1600" b="1" dirty="0"/>
-              <a:t>jqLite</a:t>
-            </a:r>
-            <a:r>
-              <a:rPr lang="en-GB" sz="1600" dirty="0"/>
-              <a:t> is a tiny, API-compatible subset of jQuery that allows Angular to manipulate the DOM in a cross-browser compatible way. jqLite implements only the most commonly needed functionality with the goal of having a very small </a:t>
-            </a:r>
-            <a:r>
-              <a:rPr lang="en-GB" sz="1600" dirty="0" smtClean="0"/>
-              <a:t>footprint</a:t>
-            </a:r>
-          </a:p>
-          <a:p>
-            <a:r>
-              <a:rPr lang="en-GB" sz="1600" dirty="0"/>
-              <a:t>To use jQuery, simply ensure it is loaded before the angular.js file. You can also use the </a:t>
-            </a:r>
-            <a:r>
-              <a:rPr lang="en-GB" sz="1600" dirty="0">
-                <a:hlinkClick r:id="rId4"/>
+              <a:t>Runner</a:t>
+            </a:r>
+          </a:p>
+          <a:p>
+            <a:pPr lvl="1"/>
+            <a:r>
+              <a:rPr lang="en-US" sz="1200" dirty="0" smtClean="0"/>
+              <a:t>Jasmine end to end tests are run with </a:t>
+            </a:r>
+            <a:r>
+              <a:rPr lang="en-US" sz="1200" b="1" dirty="0" smtClean="0">
+                <a:solidFill>
+                  <a:srgbClr val="00B050"/>
+                </a:solidFill>
               </a:rPr>
-              <a:t>ngJq</a:t>
-            </a:r>
-            <a:r>
-              <a:rPr lang="en-GB" sz="1600" dirty="0"/>
-              <a:t> directive to specify that jqlite should be used over jQuery, or to use a specific version of jQuery if multiple versions exist on the </a:t>
-            </a:r>
-            <a:r>
-              <a:rPr lang="en-GB" sz="1600" dirty="0" smtClean="0"/>
-              <a:t>page</a:t>
-            </a:r>
-          </a:p>
-          <a:p>
-            <a:r>
-              <a:rPr lang="en-GB" sz="1600" dirty="0"/>
-              <a:t>If jQuery is available, angular.element is an alias for the </a:t>
-            </a:r>
-            <a:r>
-              <a:rPr lang="en-GB" sz="1600" dirty="0">
-                <a:hlinkClick r:id="rId5"/>
+              <a:t>Protracter End-to-End test runner</a:t>
+            </a:r>
+          </a:p>
+          <a:p>
+            <a:pPr lvl="1"/>
+            <a:r>
+              <a:rPr lang="en-US" sz="1200" dirty="0" smtClean="0"/>
+              <a:t>Web driver is required to </a:t>
+            </a:r>
+            <a:r>
+              <a:rPr lang="en-US" sz="1200" dirty="0"/>
+              <a:t>execute the </a:t>
+            </a:r>
+            <a:r>
+              <a:rPr lang="en-US" sz="1200" dirty="0" smtClean="0"/>
+              <a:t>Protracter script : </a:t>
+            </a:r>
+            <a:r>
+              <a:rPr lang="en-US" sz="1200" b="1" dirty="0" smtClean="0">
+                <a:solidFill>
+                  <a:srgbClr val="00B050"/>
+                </a:solidFill>
               </a:rPr>
-              <a:t>jQuery</a:t>
-            </a:r>
-            <a:r>
-              <a:rPr lang="en-GB" sz="1600" dirty="0"/>
-              <a:t> function. If jQuery is not available, angular.element delegates to Angular's built-in subset of jQuery, called "jQuery lite" or </a:t>
-            </a:r>
-            <a:r>
-              <a:rPr lang="en-GB" sz="1600" b="1" dirty="0"/>
-              <a:t>jqLite</a:t>
-            </a:r>
-            <a:r>
-              <a:rPr lang="en-GB" sz="1600" dirty="0"/>
-              <a:t>.</a:t>
-            </a:r>
-            <a:endParaRPr lang="en-GB" sz="1600" b="1" dirty="0" smtClean="0"/>
+              <a:t>npm </a:t>
+            </a:r>
+            <a:r>
+              <a:rPr lang="en-US" sz="1200" b="1" dirty="0">
+                <a:solidFill>
+                  <a:srgbClr val="00B050"/>
+                </a:solidFill>
+              </a:rPr>
+              <a:t>run </a:t>
+            </a:r>
+            <a:r>
+              <a:rPr lang="en-US" sz="1200" b="1" dirty="0" smtClean="0">
+                <a:solidFill>
+                  <a:srgbClr val="00B050"/>
+                </a:solidFill>
+              </a:rPr>
+              <a:t>update-</a:t>
+            </a:r>
+            <a:r>
+              <a:rPr lang="en-US" sz="1200" b="1" dirty="0" err="1" smtClean="0">
+                <a:solidFill>
+                  <a:srgbClr val="00B050"/>
+                </a:solidFill>
+              </a:rPr>
+              <a:t>webdriver</a:t>
+            </a:r>
+            <a:endParaRPr lang="en-US" sz="1200" b="1" dirty="0" smtClean="0">
+              <a:solidFill>
+                <a:srgbClr val="00B050"/>
+              </a:solidFill>
+            </a:endParaRPr>
+          </a:p>
+          <a:p>
+            <a:pPr lvl="1"/>
+            <a:r>
+              <a:rPr lang="en-US" sz="1200" dirty="0"/>
+              <a:t>Run the Protracter test : </a:t>
+            </a:r>
+            <a:r>
+              <a:rPr lang="en-US" sz="1200" b="1" dirty="0">
+                <a:solidFill>
+                  <a:srgbClr val="00B050"/>
+                </a:solidFill>
+              </a:rPr>
+              <a:t>npm run protractor</a:t>
+            </a:r>
+            <a:endParaRPr lang="en-GB" sz="1200" b="1" dirty="0">
+              <a:solidFill>
+                <a:srgbClr val="00B050"/>
+              </a:solidFill>
+            </a:endParaRPr>
           </a:p>
         </p:txBody>
       </p:sp>
     </p:spTree>
     <p:extLst>
       <p:ext uri="{BB962C8B-B14F-4D97-AF65-F5344CB8AC3E}">
-        <p14:creationId xmlns:p14="http://schemas.microsoft.com/office/powerpoint/2010/main" val="1507745833"/>
+        <p14:creationId xmlns:p14="http://schemas.microsoft.com/office/powerpoint/2010/main" val="634700337"/>
       </p:ext>
     </p:extLst>
   </p:cSld>
@@ -9857,7 +9769,7 @@
           <a:p>
             <a:r>
               <a:rPr lang="en-US" dirty="0" smtClean="0"/>
-              <a:t>Best Practices</a:t>
+              <a:t>AngularJS Continuous Integration</a:t>
             </a:r>
             <a:endParaRPr lang="en-US" dirty="0"/>
           </a:p>
@@ -10054,111 +9966,43 @@
           </a:lstStyle>
           <a:p>
             <a:r>
+              <a:rPr lang="en-GB" sz="1600" b="1" dirty="0"/>
+              <a:t>Travis CI</a:t>
+            </a:r>
+            <a:r>
               <a:rPr lang="en-GB" sz="1600" b="1" dirty="0" smtClean="0"/>
-              <a:t>Namespace</a:t>
+              <a:t>: </a:t>
             </a:r>
             <a:r>
               <a:rPr lang="en-GB" sz="1600" dirty="0" smtClean="0"/>
-              <a:t> distributed code – OpenSource code should be name spaced</a:t>
-            </a:r>
-          </a:p>
-          <a:p>
+              <a:t>Travis </a:t>
+            </a:r>
+            <a:r>
+              <a:rPr lang="en-GB" sz="1600" dirty="0"/>
+              <a:t>CI is a continuous integration service, which can monitor GitHub for new commits to your repository and execute scripts such as building the app or running </a:t>
+            </a:r>
             <a:r>
               <a:rPr lang="en-GB" sz="1600" dirty="0" smtClean="0"/>
-              <a:t>Only use .$broadcast(), .$emit(), and .$on() for atomic events</a:t>
-            </a:r>
-          </a:p>
-          <a:p>
+              <a:t>tests</a:t>
+            </a:r>
+            <a:endParaRPr lang="en-GB" sz="1600" dirty="0"/>
+          </a:p>
+          <a:p>
+            <a:r>
+              <a:rPr lang="en-GB" sz="1600" b="1" dirty="0" smtClean="0"/>
+              <a:t>CloudBees:</a:t>
+            </a:r>
             <a:r>
               <a:rPr lang="en-GB" sz="1600" dirty="0" smtClean="0"/>
-              <a:t>Always let users use </a:t>
-            </a:r>
-            <a:r>
-              <a:rPr lang="en-GB" sz="1600" b="1" dirty="0" smtClean="0"/>
-              <a:t>expressions</a:t>
-            </a:r>
-            <a:r>
-              <a:rPr lang="en-GB" sz="1600" dirty="0" smtClean="0"/>
-              <a:t> “{{}}” whenever possible</a:t>
-            </a:r>
-          </a:p>
-          <a:p>
-            <a:r>
-              <a:rPr lang="en-GB" sz="1600" dirty="0" smtClean="0"/>
-              <a:t>Extend directives by using </a:t>
-            </a:r>
-            <a:r>
-              <a:rPr lang="en-GB" sz="1600" b="1" dirty="0" smtClean="0"/>
-              <a:t>Directive Controllers</a:t>
-            </a:r>
-          </a:p>
-          <a:p>
-            <a:r>
-              <a:rPr lang="en-GB" sz="1600" dirty="0" smtClean="0"/>
-              <a:t>Add </a:t>
-            </a:r>
-            <a:r>
-              <a:rPr lang="en-GB" sz="1600" b="1" dirty="0" smtClean="0"/>
-              <a:t>teardown code to controllers and directives </a:t>
-            </a:r>
-            <a:r>
-              <a:rPr lang="en-GB" sz="1600" dirty="0" smtClean="0"/>
-              <a:t>- Controllers </a:t>
-            </a:r>
-            <a:r>
-              <a:rPr lang="en-GB" sz="1600" dirty="0"/>
-              <a:t>and </a:t>
-            </a:r>
-            <a:r>
-              <a:rPr lang="en-GB" sz="1600" dirty="0" smtClean="0"/>
-              <a:t>directives emit an event right before they are destroyed. You can perform the garbage collection there.</a:t>
-            </a:r>
-          </a:p>
-          <a:p>
-            <a:r>
-              <a:rPr lang="en-GB" sz="1600" dirty="0" smtClean="0"/>
-              <a:t>Leverage </a:t>
-            </a:r>
-            <a:r>
-              <a:rPr lang="en-GB" sz="1600" b="1" dirty="0" smtClean="0"/>
-              <a:t>modules</a:t>
-            </a:r>
-            <a:r>
-              <a:rPr lang="en-GB" sz="1600" dirty="0" smtClean="0"/>
-              <a:t> properly – Group your code into related bundles. This way if you remove a module, your app still works</a:t>
-            </a:r>
-          </a:p>
-          <a:p>
-            <a:r>
-              <a:rPr lang="en-GB" sz="1600" dirty="0" smtClean="0"/>
-              <a:t>Add </a:t>
-            </a:r>
-            <a:r>
-              <a:rPr lang="en-GB" sz="1600" b="1" dirty="0" smtClean="0"/>
-              <a:t>NPM</a:t>
-            </a:r>
-            <a:r>
-              <a:rPr lang="en-GB" sz="1600" dirty="0" smtClean="0"/>
-              <a:t> and </a:t>
-            </a:r>
-            <a:r>
-              <a:rPr lang="en-GB" sz="1600" b="1" dirty="0" smtClean="0"/>
-              <a:t>Bower</a:t>
-            </a:r>
-            <a:r>
-              <a:rPr lang="en-GB" sz="1600" dirty="0" smtClean="0"/>
-              <a:t> support</a:t>
-            </a:r>
-          </a:p>
-          <a:p>
-            <a:endParaRPr lang="en-GB" sz="1600" dirty="0" smtClean="0"/>
+              <a:t> CloudBees have provided a CI/deployment setup</a:t>
+            </a:r>
           </a:p>
         </p:txBody>
       </p:sp>
     </p:spTree>
     <p:extLst>
       <p:ext uri="{BB962C8B-B14F-4D97-AF65-F5344CB8AC3E}">
-        <p14:creationId xmlns:p14="http://schemas.microsoft.com/office/powerpoint/2010/main" val="1523614148"/>
+        <p14:creationId xmlns:p14="http://schemas.microsoft.com/office/powerpoint/2010/main" val="2250921310"/>
       </p:ext>
     </p:extLst>
   </p:cSld>
@@ -10209,7 +10053,7 @@
           <a:p>
             <a:r>
               <a:rPr lang="en-US" dirty="0" smtClean="0"/>
-              <a:t>References</a:t>
+              <a:t>JQuery</a:t>
             </a:r>
             <a:endParaRPr lang="en-US" dirty="0"/>
           </a:p>
@@ -10217,12 +10061,678 @@
       </p:sp>
       <p:sp>
         <p:nvSpPr>
-          <p:cNvPr id="3" name="Content Placeholder 2"/>
+          <p:cNvPr id="6" name="Content Placeholder 2"/>
+          <p:cNvSpPr txBox="1">
+            <a:spLocks/>
+          </p:cNvSpPr>
+          <p:nvPr/>
+        </p:nvSpPr>
+        <p:spPr>
+          <a:xfrm>
+            <a:off x="457200" y="1600200"/>
+            <a:ext cx="8229600" cy="4876800"/>
+          </a:xfrm>
+          <a:prstGeom prst="rect">
+            <a:avLst/>
+          </a:prstGeom>
+        </p:spPr>
+        <p:txBody>
+          <a:bodyPr vert="horz" lIns="91440" tIns="45720" rIns="91440" bIns="45720" rtlCol="0">
+            <a:normAutofit/>
+          </a:bodyPr>
+          <a:lstStyle>
+            <a:lvl1pPr marL="182880" indent="-182880" algn="l" defTabSz="914400" rtl="0" eaLnBrk="1" latinLnBrk="0" hangingPunct="1">
+              <a:spcBef>
+                <a:spcPct val="20000"/>
+              </a:spcBef>
+              <a:buClr>
+                <a:schemeClr val="accent1"/>
+              </a:buClr>
+              <a:buSzPct val="85000"/>
+              <a:buFont typeface="Arial" pitchFamily="34" charset="0"/>
+              <a:buChar char="•"/>
+              <a:defRPr sz="2400" kern="1200">
+                <a:solidFill>
+                  <a:schemeClr val="tx1"/>
+                </a:solidFill>
+                <a:latin typeface="+mn-lt"/>
+                <a:ea typeface="+mn-ea"/>
+                <a:cs typeface="+mn-cs"/>
+              </a:defRPr>
+            </a:lvl1pPr>
+            <a:lvl2pPr marL="457200" indent="-182880" algn="l" defTabSz="914400" rtl="0" eaLnBrk="1" latinLnBrk="0" hangingPunct="1">
+              <a:spcBef>
+                <a:spcPct val="20000"/>
+              </a:spcBef>
+              <a:buClr>
+                <a:schemeClr val="accent1"/>
+              </a:buClr>
+              <a:buSzPct val="85000"/>
+              <a:buFont typeface="Arial" pitchFamily="34" charset="0"/>
+              <a:buChar char="•"/>
+              <a:defRPr sz="2000" kern="1200">
+                <a:solidFill>
+                  <a:schemeClr val="tx1"/>
+                </a:solidFill>
+                <a:latin typeface="+mn-lt"/>
+                <a:ea typeface="+mn-ea"/>
+                <a:cs typeface="+mn-cs"/>
+              </a:defRPr>
+            </a:lvl2pPr>
+            <a:lvl3pPr marL="731520" indent="-182880" algn="l" defTabSz="914400" rtl="0" eaLnBrk="1" latinLnBrk="0" hangingPunct="1">
+              <a:spcBef>
+                <a:spcPct val="20000"/>
+              </a:spcBef>
+              <a:buClr>
+                <a:schemeClr val="accent1"/>
+              </a:buClr>
+              <a:buSzPct val="90000"/>
+              <a:buFont typeface="Arial" pitchFamily="34" charset="0"/>
+              <a:buChar char="•"/>
+              <a:defRPr sz="1800" kern="1200">
+                <a:solidFill>
+                  <a:schemeClr val="tx1"/>
+                </a:solidFill>
+                <a:latin typeface="+mn-lt"/>
+                <a:ea typeface="+mn-ea"/>
+                <a:cs typeface="+mn-cs"/>
+              </a:defRPr>
+            </a:lvl3pPr>
+            <a:lvl4pPr marL="1005840" indent="-182880" algn="l" defTabSz="914400" rtl="0" eaLnBrk="1" latinLnBrk="0" hangingPunct="1">
+              <a:spcBef>
+                <a:spcPct val="20000"/>
+              </a:spcBef>
+              <a:buClr>
+                <a:schemeClr val="accent1"/>
+              </a:buClr>
+              <a:buFont typeface="Arial" pitchFamily="34" charset="0"/>
+              <a:buChar char="•"/>
+              <a:defRPr sz="1600" kern="1200">
+                <a:solidFill>
+                  <a:schemeClr val="tx1"/>
+                </a:solidFill>
+                <a:latin typeface="+mn-lt"/>
+                <a:ea typeface="+mn-ea"/>
+                <a:cs typeface="+mn-cs"/>
+              </a:defRPr>
+            </a:lvl4pPr>
+            <a:lvl5pPr marL="1188720" indent="-137160" algn="l" defTabSz="914400" rtl="0" eaLnBrk="1" latinLnBrk="0" hangingPunct="1">
+              <a:spcBef>
+                <a:spcPct val="20000"/>
+              </a:spcBef>
+              <a:buClr>
+                <a:schemeClr val="accent1"/>
+              </a:buClr>
+              <a:buSzPct val="100000"/>
+              <a:buFont typeface="Arial" pitchFamily="34" charset="0"/>
+              <a:buChar char="•"/>
+              <a:defRPr sz="1400" kern="1200" baseline="0">
+                <a:solidFill>
+                  <a:schemeClr val="tx1"/>
+                </a:solidFill>
+                <a:latin typeface="+mn-lt"/>
+                <a:ea typeface="+mn-ea"/>
+                <a:cs typeface="+mn-cs"/>
+              </a:defRPr>
+            </a:lvl5pPr>
+            <a:lvl6pPr marL="1371600" indent="-182880" algn="l" defTabSz="914400" rtl="0" eaLnBrk="1" latinLnBrk="0" hangingPunct="1">
+              <a:spcBef>
+                <a:spcPct val="20000"/>
+              </a:spcBef>
+              <a:buClr>
+                <a:schemeClr val="accent1"/>
+              </a:buClr>
+              <a:buFont typeface="Arial" pitchFamily="34" charset="0"/>
+              <a:buChar char="•"/>
+              <a:defRPr sz="1300" kern="1200">
+                <a:solidFill>
+                  <a:schemeClr val="tx1"/>
+                </a:solidFill>
+                <a:latin typeface="+mn-lt"/>
+                <a:ea typeface="+mn-ea"/>
+                <a:cs typeface="+mn-cs"/>
+              </a:defRPr>
+            </a:lvl6pPr>
+            <a:lvl7pPr marL="1554480" indent="-182880" algn="l" defTabSz="914400" rtl="0" eaLnBrk="1" latinLnBrk="0" hangingPunct="1">
+              <a:spcBef>
+                <a:spcPct val="20000"/>
+              </a:spcBef>
+              <a:buClr>
+                <a:schemeClr val="accent1"/>
+              </a:buClr>
+              <a:buFont typeface="Arial" pitchFamily="34" charset="0"/>
+              <a:buChar char="•"/>
+              <a:defRPr sz="1300" kern="1200">
+                <a:solidFill>
+                  <a:schemeClr val="tx1"/>
+                </a:solidFill>
+                <a:latin typeface="+mn-lt"/>
+                <a:ea typeface="+mn-ea"/>
+                <a:cs typeface="+mn-cs"/>
+              </a:defRPr>
+            </a:lvl7pPr>
+            <a:lvl8pPr marL="1737360" indent="-182880" algn="l" defTabSz="914400" rtl="0" eaLnBrk="1" latinLnBrk="0" hangingPunct="1">
+              <a:spcBef>
+                <a:spcPct val="20000"/>
+              </a:spcBef>
+              <a:buClr>
+                <a:schemeClr val="accent1"/>
+              </a:buClr>
+              <a:buFont typeface="Arial" pitchFamily="34" charset="0"/>
+              <a:buChar char="•"/>
+              <a:defRPr sz="1300" kern="1200">
+                <a:solidFill>
+                  <a:schemeClr val="tx1"/>
+                </a:solidFill>
+                <a:latin typeface="+mn-lt"/>
+                <a:ea typeface="+mn-ea"/>
+                <a:cs typeface="+mn-cs"/>
+              </a:defRPr>
+            </a:lvl8pPr>
+            <a:lvl9pPr marL="1920240" indent="-182880" algn="l" defTabSz="914400" rtl="0" eaLnBrk="1" latinLnBrk="0" hangingPunct="1">
+              <a:spcBef>
+                <a:spcPct val="20000"/>
+              </a:spcBef>
+              <a:buClr>
+                <a:schemeClr val="accent1"/>
+              </a:buClr>
+              <a:buFont typeface="Arial" pitchFamily="34" charset="0"/>
+              <a:buChar char="•"/>
+              <a:defRPr sz="1300" kern="1200">
+                <a:solidFill>
+                  <a:schemeClr val="tx1"/>
+                </a:solidFill>
+                <a:latin typeface="+mn-lt"/>
+                <a:ea typeface="+mn-ea"/>
+                <a:cs typeface="+mn-cs"/>
+              </a:defRPr>
+            </a:lvl9pPr>
+          </a:lstStyle>
+          <a:p>
+            <a:r>
+              <a:rPr lang="en-GB" sz="1600" dirty="0" smtClean="0"/>
+              <a:t>AngularJS can </a:t>
+            </a:r>
+            <a:r>
+              <a:rPr lang="en-GB" sz="1600" dirty="0"/>
+              <a:t>use </a:t>
+            </a:r>
+            <a:r>
+              <a:rPr lang="en-GB" sz="1600" dirty="0">
+                <a:hlinkClick r:id="rId2"/>
+              </a:rPr>
+              <a:t>jQuery</a:t>
+            </a:r>
+            <a:r>
+              <a:rPr lang="en-GB" sz="1600" dirty="0"/>
+              <a:t> if it's present in your app when the application is being bootstrapped. If jQuery is not present in your script path, Angular falls back to its own implementation of the subset of jQuery that we call </a:t>
+            </a:r>
+            <a:r>
+              <a:rPr lang="en-GB" sz="1600" dirty="0" smtClean="0">
+                <a:hlinkClick r:id="rId3"/>
+              </a:rPr>
+              <a:t>jQLite</a:t>
+            </a:r>
+            <a:endParaRPr lang="en-GB" sz="1600" dirty="0" smtClean="0"/>
+          </a:p>
+          <a:p>
+            <a:r>
+              <a:rPr lang="en-GB" sz="1600" b="1" dirty="0"/>
+              <a:t>jqLite</a:t>
+            </a:r>
+            <a:r>
+              <a:rPr lang="en-GB" sz="1600" dirty="0"/>
+              <a:t> is a tiny, API-compatible subset of jQuery that allows Angular to manipulate the DOM in a cross-browser compatible way. jqLite implements only the most commonly needed functionality with the goal of having a very small </a:t>
+            </a:r>
+            <a:r>
+              <a:rPr lang="en-GB" sz="1600" dirty="0" smtClean="0"/>
+              <a:t>footprint</a:t>
+            </a:r>
+          </a:p>
+          <a:p>
+            <a:r>
+              <a:rPr lang="en-GB" sz="1600" dirty="0"/>
+              <a:t>To use jQuery, simply ensure it is loaded before the angular.js file. You can also use the </a:t>
+            </a:r>
+            <a:r>
+              <a:rPr lang="en-GB" sz="1600" dirty="0">
+                <a:hlinkClick r:id="rId4"/>
+              </a:rPr>
+              <a:t>ngJq</a:t>
+            </a:r>
+            <a:r>
+              <a:rPr lang="en-GB" sz="1600" dirty="0"/>
+              <a:t> directive to specify that jqlite should be used over jQuery, or to use a specific version of jQuery if multiple versions exist on the </a:t>
+            </a:r>
+            <a:r>
+              <a:rPr lang="en-GB" sz="1600" dirty="0" smtClean="0"/>
+              <a:t>page</a:t>
+            </a:r>
+          </a:p>
+          <a:p>
+            <a:r>
+              <a:rPr lang="en-GB" sz="1600" dirty="0"/>
+              <a:t>If jQuery is available, angular.element is an alias for the </a:t>
+            </a:r>
+            <a:r>
+              <a:rPr lang="en-GB" sz="1600" dirty="0">
+                <a:hlinkClick r:id="rId5"/>
+              </a:rPr>
+              <a:t>jQuery</a:t>
+            </a:r>
+            <a:r>
+              <a:rPr lang="en-GB" sz="1600" dirty="0"/>
+              <a:t> function. If jQuery is not available, angular.element delegates to Angular's built-in subset of jQuery, called "jQuery lite" or </a:t>
+            </a:r>
+            <a:r>
+              <a:rPr lang="en-GB" sz="1600" b="1" dirty="0"/>
+              <a:t>jqLite</a:t>
+            </a:r>
+            <a:r>
+              <a:rPr lang="en-GB" sz="1600" dirty="0"/>
+              <a:t>.</a:t>
+            </a:r>
+            <a:endParaRPr lang="en-GB" sz="1600" b="1" dirty="0" smtClean="0"/>
+          </a:p>
+        </p:txBody>
+      </p:sp>
+    </p:spTree>
+    <p:extLst>
+      <p:ext uri="{BB962C8B-B14F-4D97-AF65-F5344CB8AC3E}">
+        <p14:creationId xmlns:p14="http://schemas.microsoft.com/office/powerpoint/2010/main" val="1507745833"/>
+      </p:ext>
+    </p:extLst>
+  </p:cSld>
+  <p:clrMapOvr>
+    <a:masterClrMapping/>
+  </p:clrMapOvr>
+  <p:timing>
+    <p:tnLst>
+      <p:par>
+        <p:cTn id="1" dur="indefinite" restart="never" nodeType="tmRoot"/>
+      </p:par>
+    </p:tnLst>
+  </p:timing>
+</p:sld>
+</file>
+
+<file path=ppt/slides/slide28.xml><?xml version="1.0" encoding="utf-8"?>
+<p:sld xmlns:a="http://schemas.openxmlformats.org/drawingml/2006/main" xmlns:r="http://schemas.openxmlformats.org/officeDocument/2006/relationships" xmlns:p="http://schemas.openxmlformats.org/presentationml/2006/main">
+  <p:cSld>
+    <p:spTree>
+      <p:nvGrpSpPr>
+        <p:cNvPr id="1" name=""/>
+        <p:cNvGrpSpPr/>
+        <p:nvPr/>
+      </p:nvGrpSpPr>
+      <p:grpSpPr>
+        <a:xfrm>
+          <a:off x="0" y="0"/>
+          <a:ext cx="0" cy="0"/>
+          <a:chOff x="0" y="0"/>
+          <a:chExt cx="0" cy="0"/>
+        </a:xfrm>
+      </p:grpSpPr>
+      <p:sp>
+        <p:nvSpPr>
+          <p:cNvPr id="2" name="Title 1"/>
           <p:cNvSpPr>
             <a:spLocks noGrp="1"/>
           </p:cNvSpPr>
           <p:nvPr>
-            <p:ph idx="1"/>
+            <p:ph type="title"/>
+          </p:nvPr>
+        </p:nvSpPr>
+        <p:spPr/>
+        <p:txBody>
+          <a:bodyPr/>
+          <a:lstStyle/>
+          <a:p>
+            <a:r>
+              <a:rPr lang="en-US" dirty="0" smtClean="0"/>
+              <a:t>Best Practices</a:t>
+            </a:r>
+            <a:endParaRPr lang="en-US" dirty="0"/>
+          </a:p>
+        </p:txBody>
+      </p:sp>
+      <p:sp>
+        <p:nvSpPr>
+          <p:cNvPr id="6" name="Content Placeholder 2"/>
+          <p:cNvSpPr txBox="1">
+            <a:spLocks/>
+          </p:cNvSpPr>
+          <p:nvPr/>
+        </p:nvSpPr>
+        <p:spPr>
+          <a:xfrm>
+            <a:off x="457200" y="1600200"/>
+            <a:ext cx="8229600" cy="4876800"/>
+          </a:xfrm>
+          <a:prstGeom prst="rect">
+            <a:avLst/>
+          </a:prstGeom>
+        </p:spPr>
+        <p:txBody>
+          <a:bodyPr vert="horz" lIns="91440" tIns="45720" rIns="91440" bIns="45720" rtlCol="0">
+            <a:normAutofit/>
+          </a:bodyPr>
+          <a:lstStyle>
+            <a:lvl1pPr marL="182880" indent="-182880" algn="l" defTabSz="914400" rtl="0" eaLnBrk="1" latinLnBrk="0" hangingPunct="1">
+              <a:spcBef>
+                <a:spcPct val="20000"/>
+              </a:spcBef>
+              <a:buClr>
+                <a:schemeClr val="accent1"/>
+              </a:buClr>
+              <a:buSzPct val="85000"/>
+              <a:buFont typeface="Arial" pitchFamily="34" charset="0"/>
+              <a:buChar char="•"/>
+              <a:defRPr sz="2400" kern="1200">
+                <a:solidFill>
+                  <a:schemeClr val="tx1"/>
+                </a:solidFill>
+                <a:latin typeface="+mn-lt"/>
+                <a:ea typeface="+mn-ea"/>
+                <a:cs typeface="+mn-cs"/>
+              </a:defRPr>
+            </a:lvl1pPr>
+            <a:lvl2pPr marL="457200" indent="-182880" algn="l" defTabSz="914400" rtl="0" eaLnBrk="1" latinLnBrk="0" hangingPunct="1">
+              <a:spcBef>
+                <a:spcPct val="20000"/>
+              </a:spcBef>
+              <a:buClr>
+                <a:schemeClr val="accent1"/>
+              </a:buClr>
+              <a:buSzPct val="85000"/>
+              <a:buFont typeface="Arial" pitchFamily="34" charset="0"/>
+              <a:buChar char="•"/>
+              <a:defRPr sz="2000" kern="1200">
+                <a:solidFill>
+                  <a:schemeClr val="tx1"/>
+                </a:solidFill>
+                <a:latin typeface="+mn-lt"/>
+                <a:ea typeface="+mn-ea"/>
+                <a:cs typeface="+mn-cs"/>
+              </a:defRPr>
+            </a:lvl2pPr>
+            <a:lvl3pPr marL="731520" indent="-182880" algn="l" defTabSz="914400" rtl="0" eaLnBrk="1" latinLnBrk="0" hangingPunct="1">
+              <a:spcBef>
+                <a:spcPct val="20000"/>
+              </a:spcBef>
+              <a:buClr>
+                <a:schemeClr val="accent1"/>
+              </a:buClr>
+              <a:buSzPct val="90000"/>
+              <a:buFont typeface="Arial" pitchFamily="34" charset="0"/>
+              <a:buChar char="•"/>
+              <a:defRPr sz="1800" kern="1200">
+                <a:solidFill>
+                  <a:schemeClr val="tx1"/>
+                </a:solidFill>
+                <a:latin typeface="+mn-lt"/>
+                <a:ea typeface="+mn-ea"/>
+                <a:cs typeface="+mn-cs"/>
+              </a:defRPr>
+            </a:lvl3pPr>
+            <a:lvl4pPr marL="1005840" indent="-182880" algn="l" defTabSz="914400" rtl="0" eaLnBrk="1" latinLnBrk="0" hangingPunct="1">
+              <a:spcBef>
+                <a:spcPct val="20000"/>
+              </a:spcBef>
+              <a:buClr>
+                <a:schemeClr val="accent1"/>
+              </a:buClr>
+              <a:buFont typeface="Arial" pitchFamily="34" charset="0"/>
+              <a:buChar char="•"/>
+              <a:defRPr sz="1600" kern="1200">
+                <a:solidFill>
+                  <a:schemeClr val="tx1"/>
+                </a:solidFill>
+                <a:latin typeface="+mn-lt"/>
+                <a:ea typeface="+mn-ea"/>
+                <a:cs typeface="+mn-cs"/>
+              </a:defRPr>
+            </a:lvl4pPr>
+            <a:lvl5pPr marL="1188720" indent="-137160" algn="l" defTabSz="914400" rtl="0" eaLnBrk="1" latinLnBrk="0" hangingPunct="1">
+              <a:spcBef>
+                <a:spcPct val="20000"/>
+              </a:spcBef>
+              <a:buClr>
+                <a:schemeClr val="accent1"/>
+              </a:buClr>
+              <a:buSzPct val="100000"/>
+              <a:buFont typeface="Arial" pitchFamily="34" charset="0"/>
+              <a:buChar char="•"/>
+              <a:defRPr sz="1400" kern="1200" baseline="0">
+                <a:solidFill>
+                  <a:schemeClr val="tx1"/>
+                </a:solidFill>
+                <a:latin typeface="+mn-lt"/>
+                <a:ea typeface="+mn-ea"/>
+                <a:cs typeface="+mn-cs"/>
+              </a:defRPr>
+            </a:lvl5pPr>
+            <a:lvl6pPr marL="1371600" indent="-182880" algn="l" defTabSz="914400" rtl="0" eaLnBrk="1" latinLnBrk="0" hangingPunct="1">
+              <a:spcBef>
+                <a:spcPct val="20000"/>
+              </a:spcBef>
+              <a:buClr>
+                <a:schemeClr val="accent1"/>
+              </a:buClr>
+              <a:buFont typeface="Arial" pitchFamily="34" charset="0"/>
+              <a:buChar char="•"/>
+              <a:defRPr sz="1300" kern="1200">
+                <a:solidFill>
+                  <a:schemeClr val="tx1"/>
+                </a:solidFill>
+                <a:latin typeface="+mn-lt"/>
+                <a:ea typeface="+mn-ea"/>
+                <a:cs typeface="+mn-cs"/>
+              </a:defRPr>
+            </a:lvl6pPr>
+            <a:lvl7pPr marL="1554480" indent="-182880" algn="l" defTabSz="914400" rtl="0" eaLnBrk="1" latinLnBrk="0" hangingPunct="1">
+              <a:spcBef>
+                <a:spcPct val="20000"/>
+              </a:spcBef>
+              <a:buClr>
+                <a:schemeClr val="accent1"/>
+              </a:buClr>
+              <a:buFont typeface="Arial" pitchFamily="34" charset="0"/>
+              <a:buChar char="•"/>
+              <a:defRPr sz="1300" kern="1200">
+                <a:solidFill>
+                  <a:schemeClr val="tx1"/>
+                </a:solidFill>
+                <a:latin typeface="+mn-lt"/>
+                <a:ea typeface="+mn-ea"/>
+                <a:cs typeface="+mn-cs"/>
+              </a:defRPr>
+            </a:lvl7pPr>
+            <a:lvl8pPr marL="1737360" indent="-182880" algn="l" defTabSz="914400" rtl="0" eaLnBrk="1" latinLnBrk="0" hangingPunct="1">
+              <a:spcBef>
+                <a:spcPct val="20000"/>
+              </a:spcBef>
+              <a:buClr>
+                <a:schemeClr val="accent1"/>
+              </a:buClr>
+              <a:buFont typeface="Arial" pitchFamily="34" charset="0"/>
+              <a:buChar char="•"/>
+              <a:defRPr sz="1300" kern="1200">
+                <a:solidFill>
+                  <a:schemeClr val="tx1"/>
+                </a:solidFill>
+                <a:latin typeface="+mn-lt"/>
+                <a:ea typeface="+mn-ea"/>
+                <a:cs typeface="+mn-cs"/>
+              </a:defRPr>
+            </a:lvl8pPr>
+            <a:lvl9pPr marL="1920240" indent="-182880" algn="l" defTabSz="914400" rtl="0" eaLnBrk="1" latinLnBrk="0" hangingPunct="1">
+              <a:spcBef>
+                <a:spcPct val="20000"/>
+              </a:spcBef>
+              <a:buClr>
+                <a:schemeClr val="accent1"/>
+              </a:buClr>
+              <a:buFont typeface="Arial" pitchFamily="34" charset="0"/>
+              <a:buChar char="•"/>
+              <a:defRPr sz="1300" kern="1200">
+                <a:solidFill>
+                  <a:schemeClr val="tx1"/>
+                </a:solidFill>
+                <a:latin typeface="+mn-lt"/>
+                <a:ea typeface="+mn-ea"/>
+                <a:cs typeface="+mn-cs"/>
+              </a:defRPr>
+            </a:lvl9pPr>
+          </a:lstStyle>
+          <a:p>
+            <a:r>
+              <a:rPr lang="en-GB" sz="1600" b="1" dirty="0" smtClean="0"/>
+              <a:t>Namespace</a:t>
+            </a:r>
+            <a:r>
+              <a:rPr lang="en-GB" sz="1600" dirty="0" smtClean="0"/>
+              <a:t> distributed code – OpenSource code should be name spaced</a:t>
+            </a:r>
+          </a:p>
+          <a:p>
+            <a:r>
+              <a:rPr lang="en-GB" sz="1600" dirty="0" smtClean="0"/>
+              <a:t>Only use .$broadcast(), .$emit(), and .$on() for atomic events</a:t>
+            </a:r>
+          </a:p>
+          <a:p>
+            <a:r>
+              <a:rPr lang="en-GB" sz="1600" dirty="0" smtClean="0"/>
+              <a:t>Always let users use </a:t>
+            </a:r>
+            <a:r>
+              <a:rPr lang="en-GB" sz="1600" b="1" dirty="0" smtClean="0"/>
+              <a:t>expressions</a:t>
+            </a:r>
+            <a:r>
+              <a:rPr lang="en-GB" sz="1600" dirty="0" smtClean="0"/>
+              <a:t> “{{}}” whenever possible</a:t>
+            </a:r>
+          </a:p>
+          <a:p>
+            <a:r>
+              <a:rPr lang="en-GB" sz="1600" dirty="0" smtClean="0"/>
+              <a:t>Extend directives by using </a:t>
+            </a:r>
+            <a:r>
+              <a:rPr lang="en-GB" sz="1600" b="1" dirty="0" smtClean="0"/>
+              <a:t>Directive Controllers</a:t>
+            </a:r>
+          </a:p>
+          <a:p>
+            <a:r>
+              <a:rPr lang="en-GB" sz="1600" dirty="0" smtClean="0"/>
+              <a:t>Add </a:t>
+            </a:r>
+            <a:r>
+              <a:rPr lang="en-GB" sz="1600" b="1" dirty="0" smtClean="0"/>
+              <a:t>teardown code to controllers and directives </a:t>
+            </a:r>
+            <a:r>
+              <a:rPr lang="en-GB" sz="1600" dirty="0" smtClean="0"/>
+              <a:t>- Controllers </a:t>
+            </a:r>
+            <a:r>
+              <a:rPr lang="en-GB" sz="1600" dirty="0"/>
+              <a:t>and </a:t>
+            </a:r>
+            <a:r>
+              <a:rPr lang="en-GB" sz="1600" dirty="0" smtClean="0"/>
+              <a:t>directives emit an event right before they are destroyed. You can perform the garbage collection there.</a:t>
+            </a:r>
+          </a:p>
+          <a:p>
+            <a:r>
+              <a:rPr lang="en-GB" sz="1600" dirty="0" smtClean="0"/>
+              <a:t>Leverage </a:t>
+            </a:r>
+            <a:r>
+              <a:rPr lang="en-GB" sz="1600" b="1" dirty="0" smtClean="0"/>
+              <a:t>modules</a:t>
+            </a:r>
+            <a:r>
+              <a:rPr lang="en-GB" sz="1600" dirty="0" smtClean="0"/>
+              <a:t> properly – Group your code into related bundles. This way if you remove a module, your app still works</a:t>
+            </a:r>
+          </a:p>
+          <a:p>
+            <a:r>
+              <a:rPr lang="en-GB" sz="1600" dirty="0" smtClean="0"/>
+              <a:t>Add </a:t>
+            </a:r>
+            <a:r>
+              <a:rPr lang="en-GB" sz="1600" b="1" dirty="0" smtClean="0"/>
+              <a:t>NPM</a:t>
+            </a:r>
+            <a:r>
+              <a:rPr lang="en-GB" sz="1600" dirty="0" smtClean="0"/>
+              <a:t> and </a:t>
+            </a:r>
+            <a:r>
+              <a:rPr lang="en-GB" sz="1600" b="1" dirty="0" smtClean="0"/>
+              <a:t>Bower</a:t>
+            </a:r>
+            <a:r>
+              <a:rPr lang="en-GB" sz="1600" dirty="0" smtClean="0"/>
+              <a:t> support</a:t>
+            </a:r>
+          </a:p>
+          <a:p>
+            <a:endParaRPr lang="en-GB" sz="1600" dirty="0" smtClean="0"/>
+          </a:p>
+        </p:txBody>
+      </p:sp>
+    </p:spTree>
+    <p:extLst>
+      <p:ext uri="{BB962C8B-B14F-4D97-AF65-F5344CB8AC3E}">
+        <p14:creationId xmlns:p14="http://schemas.microsoft.com/office/powerpoint/2010/main" val="1523614148"/>
+      </p:ext>
+    </p:extLst>
+  </p:cSld>
+  <p:clrMapOvr>
+    <a:masterClrMapping/>
+  </p:clrMapOvr>
+  <p:timing>
+    <p:tnLst>
+      <p:par>
+        <p:cTn id="1" dur="indefinite" restart="never" nodeType="tmRoot"/>
+      </p:par>
+    </p:tnLst>
+  </p:timing>
+</p:sld>
+</file>
+
+<file path=ppt/slides/slide29.xml><?xml version="1.0" encoding="utf-8"?>
+<p:sld xmlns:a="http://schemas.openxmlformats.org/drawingml/2006/main" xmlns:r="http://schemas.openxmlformats.org/officeDocument/2006/relationships" xmlns:p="http://schemas.openxmlformats.org/presentationml/2006/main">
+  <p:cSld>
+    <p:spTree>
+      <p:nvGrpSpPr>
+        <p:cNvPr id="1" name=""/>
+        <p:cNvGrpSpPr/>
+        <p:nvPr/>
+      </p:nvGrpSpPr>
+      <p:grpSpPr>
+        <a:xfrm>
+          <a:off x="0" y="0"/>
+          <a:ext cx="0" cy="0"/>
+          <a:chOff x="0" y="0"/>
+          <a:chExt cx="0" cy="0"/>
+        </a:xfrm>
+      </p:grpSpPr>
+      <p:sp>
+        <p:nvSpPr>
+          <p:cNvPr id="2" name="Title 1"/>
+          <p:cNvSpPr>
+            <a:spLocks noGrp="1"/>
+          </p:cNvSpPr>
+          <p:nvPr>
+            <p:ph type="title"/>
           </p:nvPr>
         </p:nvSpPr>
         <p:spPr/>
@@ -10233,103 +10743,328 @@
           <a:lstStyle/>
           <a:p>
             <a:r>
-              <a:rPr lang="en-US" sz="1600" dirty="0">
-                <a:hlinkClick r:id="rId2"/>
-              </a:rPr>
-              <a:t>https://docs.angularjs.org/tutorial</a:t>
-            </a:r>
-            <a:r>
-              <a:rPr lang="en-US" sz="1600" dirty="0" smtClean="0">
-                <a:hlinkClick r:id="rId2"/>
-              </a:rPr>
-              <a:t>/</a:t>
-            </a:r>
-            <a:endParaRPr lang="en-US" sz="1600" dirty="0" smtClean="0"/>
-          </a:p>
-          <a:p>
-            <a:r>
-              <a:rPr lang="en-US" sz="1600" dirty="0">
-                <a:hlinkClick r:id="rId3"/>
-              </a:rPr>
-              <a:t>https://</a:t>
-            </a:r>
-            <a:r>
-              <a:rPr lang="en-US" sz="1600" dirty="0" smtClean="0">
-                <a:hlinkClick r:id="rId3"/>
-              </a:rPr>
-              <a:t>github.com/angular/angular-seed</a:t>
-            </a:r>
-            <a:endParaRPr lang="en-US" sz="1600" dirty="0" smtClean="0"/>
-          </a:p>
-          <a:p>
-            <a:r>
-              <a:rPr lang="en-US" sz="1600" dirty="0">
-                <a:hlinkClick r:id="rId4"/>
-              </a:rPr>
-              <a:t>https://</a:t>
-            </a:r>
-            <a:r>
-              <a:rPr lang="en-US" sz="1600" dirty="0" smtClean="0">
-                <a:hlinkClick r:id="rId4"/>
-              </a:rPr>
-              <a:t>docs.angularjs.org/tutorial/step_00</a:t>
-            </a:r>
-            <a:endParaRPr lang="en-US" sz="1600" dirty="0" smtClean="0"/>
-          </a:p>
-          <a:p>
-            <a:r>
-              <a:rPr lang="en-US" sz="1600" dirty="0">
-                <a:hlinkClick r:id="rId5"/>
-              </a:rPr>
-              <a:t>https://www.madewithangular.com</a:t>
-            </a:r>
-            <a:r>
-              <a:rPr lang="en-US" sz="1600" dirty="0" smtClean="0">
-                <a:hlinkClick r:id="rId5"/>
-              </a:rPr>
-              <a:t>/#/</a:t>
-            </a:r>
-            <a:endParaRPr lang="en-US" sz="1600" dirty="0" smtClean="0"/>
-          </a:p>
-          <a:p>
-            <a:r>
-              <a:rPr lang="en-US" sz="1600" dirty="0">
-                <a:hlinkClick r:id="rId6"/>
-              </a:rPr>
-              <a:t>https://</a:t>
-            </a:r>
-            <a:r>
-              <a:rPr lang="en-US" sz="1600" dirty="0" smtClean="0">
-                <a:hlinkClick r:id="rId6"/>
-              </a:rPr>
-              <a:t>github.com/angular/angular.js/wiki/Best-Practices</a:t>
-            </a:r>
-            <a:endParaRPr lang="en-US" sz="1600" dirty="0" smtClean="0"/>
-          </a:p>
-          <a:p>
-            <a:r>
-              <a:rPr lang="en-US" sz="1600" dirty="0">
-                <a:hlinkClick r:id="rId3"/>
-              </a:rPr>
-              <a:t>https://</a:t>
-            </a:r>
-            <a:r>
-              <a:rPr lang="en-US" sz="1600" dirty="0" smtClean="0">
-                <a:hlinkClick r:id="rId3"/>
-              </a:rPr>
-              <a:t>github.com/angular/angular-seed</a:t>
-            </a:r>
-            <a:endParaRPr lang="en-US" sz="1600" dirty="0" smtClean="0"/>
-          </a:p>
-          <a:p>
-            <a:endParaRPr lang="en-US" sz="1600" dirty="0" smtClean="0"/>
+              <a:rPr lang="en-US" dirty="0" smtClean="0"/>
+              <a:t>Angular – Performance Improvement</a:t>
+            </a:r>
+            <a:endParaRPr lang="en-US" dirty="0"/>
+          </a:p>
+        </p:txBody>
+      </p:sp>
+      <p:sp>
+        <p:nvSpPr>
+          <p:cNvPr id="6" name="Content Placeholder 2"/>
+          <p:cNvSpPr txBox="1">
+            <a:spLocks/>
+          </p:cNvSpPr>
+          <p:nvPr/>
+        </p:nvSpPr>
+        <p:spPr>
+          <a:xfrm>
+            <a:off x="457200" y="1600200"/>
+            <a:ext cx="8229600" cy="4876800"/>
+          </a:xfrm>
+          <a:prstGeom prst="rect">
+            <a:avLst/>
+          </a:prstGeom>
+        </p:spPr>
+        <p:txBody>
+          <a:bodyPr vert="horz" lIns="91440" tIns="45720" rIns="91440" bIns="45720" rtlCol="0">
+            <a:normAutofit/>
+          </a:bodyPr>
+          <a:lstStyle>
+            <a:lvl1pPr marL="182880" indent="-182880" algn="l" defTabSz="914400" rtl="0" eaLnBrk="1" latinLnBrk="0" hangingPunct="1">
+              <a:spcBef>
+                <a:spcPct val="20000"/>
+              </a:spcBef>
+              <a:buClr>
+                <a:schemeClr val="accent1"/>
+              </a:buClr>
+              <a:buSzPct val="85000"/>
+              <a:buFont typeface="Arial" pitchFamily="34" charset="0"/>
+              <a:buChar char="•"/>
+              <a:defRPr sz="2400" kern="1200">
+                <a:solidFill>
+                  <a:schemeClr val="tx1"/>
+                </a:solidFill>
+                <a:latin typeface="+mn-lt"/>
+                <a:ea typeface="+mn-ea"/>
+                <a:cs typeface="+mn-cs"/>
+              </a:defRPr>
+            </a:lvl1pPr>
+            <a:lvl2pPr marL="457200" indent="-182880" algn="l" defTabSz="914400" rtl="0" eaLnBrk="1" latinLnBrk="0" hangingPunct="1">
+              <a:spcBef>
+                <a:spcPct val="20000"/>
+              </a:spcBef>
+              <a:buClr>
+                <a:schemeClr val="accent1"/>
+              </a:buClr>
+              <a:buSzPct val="85000"/>
+              <a:buFont typeface="Arial" pitchFamily="34" charset="0"/>
+              <a:buChar char="•"/>
+              <a:defRPr sz="2000" kern="1200">
+                <a:solidFill>
+                  <a:schemeClr val="tx1"/>
+                </a:solidFill>
+                <a:latin typeface="+mn-lt"/>
+                <a:ea typeface="+mn-ea"/>
+                <a:cs typeface="+mn-cs"/>
+              </a:defRPr>
+            </a:lvl2pPr>
+            <a:lvl3pPr marL="731520" indent="-182880" algn="l" defTabSz="914400" rtl="0" eaLnBrk="1" latinLnBrk="0" hangingPunct="1">
+              <a:spcBef>
+                <a:spcPct val="20000"/>
+              </a:spcBef>
+              <a:buClr>
+                <a:schemeClr val="accent1"/>
+              </a:buClr>
+              <a:buSzPct val="90000"/>
+              <a:buFont typeface="Arial" pitchFamily="34" charset="0"/>
+              <a:buChar char="•"/>
+              <a:defRPr sz="1800" kern="1200">
+                <a:solidFill>
+                  <a:schemeClr val="tx1"/>
+                </a:solidFill>
+                <a:latin typeface="+mn-lt"/>
+                <a:ea typeface="+mn-ea"/>
+                <a:cs typeface="+mn-cs"/>
+              </a:defRPr>
+            </a:lvl3pPr>
+            <a:lvl4pPr marL="1005840" indent="-182880" algn="l" defTabSz="914400" rtl="0" eaLnBrk="1" latinLnBrk="0" hangingPunct="1">
+              <a:spcBef>
+                <a:spcPct val="20000"/>
+              </a:spcBef>
+              <a:buClr>
+                <a:schemeClr val="accent1"/>
+              </a:buClr>
+              <a:buFont typeface="Arial" pitchFamily="34" charset="0"/>
+              <a:buChar char="•"/>
+              <a:defRPr sz="1600" kern="1200">
+                <a:solidFill>
+                  <a:schemeClr val="tx1"/>
+                </a:solidFill>
+                <a:latin typeface="+mn-lt"/>
+                <a:ea typeface="+mn-ea"/>
+                <a:cs typeface="+mn-cs"/>
+              </a:defRPr>
+            </a:lvl4pPr>
+            <a:lvl5pPr marL="1188720" indent="-137160" algn="l" defTabSz="914400" rtl="0" eaLnBrk="1" latinLnBrk="0" hangingPunct="1">
+              <a:spcBef>
+                <a:spcPct val="20000"/>
+              </a:spcBef>
+              <a:buClr>
+                <a:schemeClr val="accent1"/>
+              </a:buClr>
+              <a:buSzPct val="100000"/>
+              <a:buFont typeface="Arial" pitchFamily="34" charset="0"/>
+              <a:buChar char="•"/>
+              <a:defRPr sz="1400" kern="1200" baseline="0">
+                <a:solidFill>
+                  <a:schemeClr val="tx1"/>
+                </a:solidFill>
+                <a:latin typeface="+mn-lt"/>
+                <a:ea typeface="+mn-ea"/>
+                <a:cs typeface="+mn-cs"/>
+              </a:defRPr>
+            </a:lvl5pPr>
+            <a:lvl6pPr marL="1371600" indent="-182880" algn="l" defTabSz="914400" rtl="0" eaLnBrk="1" latinLnBrk="0" hangingPunct="1">
+              <a:spcBef>
+                <a:spcPct val="20000"/>
+              </a:spcBef>
+              <a:buClr>
+                <a:schemeClr val="accent1"/>
+              </a:buClr>
+              <a:buFont typeface="Arial" pitchFamily="34" charset="0"/>
+              <a:buChar char="•"/>
+              <a:defRPr sz="1300" kern="1200">
+                <a:solidFill>
+                  <a:schemeClr val="tx1"/>
+                </a:solidFill>
+                <a:latin typeface="+mn-lt"/>
+                <a:ea typeface="+mn-ea"/>
+                <a:cs typeface="+mn-cs"/>
+              </a:defRPr>
+            </a:lvl6pPr>
+            <a:lvl7pPr marL="1554480" indent="-182880" algn="l" defTabSz="914400" rtl="0" eaLnBrk="1" latinLnBrk="0" hangingPunct="1">
+              <a:spcBef>
+                <a:spcPct val="20000"/>
+              </a:spcBef>
+              <a:buClr>
+                <a:schemeClr val="accent1"/>
+              </a:buClr>
+              <a:buFont typeface="Arial" pitchFamily="34" charset="0"/>
+              <a:buChar char="•"/>
+              <a:defRPr sz="1300" kern="1200">
+                <a:solidFill>
+                  <a:schemeClr val="tx1"/>
+                </a:solidFill>
+                <a:latin typeface="+mn-lt"/>
+                <a:ea typeface="+mn-ea"/>
+                <a:cs typeface="+mn-cs"/>
+              </a:defRPr>
+            </a:lvl7pPr>
+            <a:lvl8pPr marL="1737360" indent="-182880" algn="l" defTabSz="914400" rtl="0" eaLnBrk="1" latinLnBrk="0" hangingPunct="1">
+              <a:spcBef>
+                <a:spcPct val="20000"/>
+              </a:spcBef>
+              <a:buClr>
+                <a:schemeClr val="accent1"/>
+              </a:buClr>
+              <a:buFont typeface="Arial" pitchFamily="34" charset="0"/>
+              <a:buChar char="•"/>
+              <a:defRPr sz="1300" kern="1200">
+                <a:solidFill>
+                  <a:schemeClr val="tx1"/>
+                </a:solidFill>
+                <a:latin typeface="+mn-lt"/>
+                <a:ea typeface="+mn-ea"/>
+                <a:cs typeface="+mn-cs"/>
+              </a:defRPr>
+            </a:lvl8pPr>
+            <a:lvl9pPr marL="1920240" indent="-182880" algn="l" defTabSz="914400" rtl="0" eaLnBrk="1" latinLnBrk="0" hangingPunct="1">
+              <a:spcBef>
+                <a:spcPct val="20000"/>
+              </a:spcBef>
+              <a:buClr>
+                <a:schemeClr val="accent1"/>
+              </a:buClr>
+              <a:buFont typeface="Arial" pitchFamily="34" charset="0"/>
+              <a:buChar char="•"/>
+              <a:defRPr sz="1300" kern="1200">
+                <a:solidFill>
+                  <a:schemeClr val="tx1"/>
+                </a:solidFill>
+                <a:latin typeface="+mn-lt"/>
+                <a:ea typeface="+mn-ea"/>
+                <a:cs typeface="+mn-cs"/>
+              </a:defRPr>
+            </a:lvl9pPr>
+          </a:lstStyle>
+          <a:p>
+            <a:r>
+              <a:rPr lang="en-GB" sz="1600" dirty="0" smtClean="0"/>
+              <a:t>Minimize the number of registered watchers</a:t>
+            </a:r>
+          </a:p>
+          <a:p>
+            <a:pPr lvl="1">
+              <a:buFont typeface="Wingdings" panose="05000000000000000000" pitchFamily="2" charset="2"/>
+              <a:buChar char="Ø"/>
+            </a:pPr>
+            <a:r>
+              <a:rPr lang="en-GB" sz="1400" dirty="0" smtClean="0"/>
+              <a:t>Tools such as Batarang, chrome Angular watchers are useful tools</a:t>
+            </a:r>
+            <a:endParaRPr lang="en-GB" sz="1400" dirty="0" smtClean="0"/>
+          </a:p>
+          <a:p>
+            <a:r>
+              <a:rPr lang="en-GB" sz="1600" dirty="0" smtClean="0"/>
+              <a:t>Maximum the performance of registered watchers</a:t>
+            </a:r>
+          </a:p>
+          <a:p>
+            <a:r>
+              <a:rPr lang="en-GB" sz="1600" dirty="0" smtClean="0"/>
+              <a:t>Use ng-if rather than ng-show</a:t>
+            </a:r>
+          </a:p>
+          <a:p>
+            <a:r>
+              <a:rPr lang="en-GB" sz="1600" dirty="0" smtClean="0"/>
+              <a:t>As AngularJS doesn’t have native support for unregistering watchers, you can use solutions like </a:t>
+            </a:r>
+            <a:r>
+              <a:rPr lang="en-GB" sz="1600" b="1" dirty="0" smtClean="0"/>
+              <a:t>bindonce </a:t>
+            </a:r>
+          </a:p>
+          <a:p>
+            <a:pPr lvl="1">
+              <a:buFont typeface="Wingdings" panose="05000000000000000000" pitchFamily="2" charset="2"/>
+              <a:buChar char="Ø"/>
+            </a:pPr>
+            <a:r>
+              <a:rPr lang="en-GB" sz="1400" dirty="0"/>
+              <a:t>&lt;div bindonce </a:t>
+            </a:r>
+            <a:r>
+              <a:rPr lang="en-GB" sz="1400" dirty="0" err="1"/>
+              <a:t>bo</a:t>
+            </a:r>
+            <a:r>
+              <a:rPr lang="en-GB" sz="1400" dirty="0"/>
+              <a:t>-text=” ’TRANSLATION.KEY’ | translate ”&gt;&lt;/div</a:t>
+            </a:r>
+            <a:r>
+              <a:rPr lang="en-GB" sz="1400" dirty="0" smtClean="0"/>
+              <a:t>&gt;</a:t>
+            </a:r>
+          </a:p>
+          <a:p>
+            <a:r>
+              <a:rPr lang="en-GB" sz="1600" dirty="0" smtClean="0"/>
+              <a:t>Pagination i.e. use paginate:page in &lt;ng-repeat&gt; directory</a:t>
+            </a:r>
+          </a:p>
+          <a:p>
+            <a:r>
+              <a:rPr lang="en-GB" sz="1600" dirty="0" smtClean="0"/>
+              <a:t>Infinite scrolling</a:t>
+            </a:r>
+          </a:p>
+          <a:p>
+            <a:r>
+              <a:rPr lang="en-GB" sz="1600" dirty="0" smtClean="0"/>
+              <a:t>Cache calculated properties</a:t>
+            </a:r>
+          </a:p>
+          <a:p>
+            <a:r>
+              <a:rPr lang="en-GB" sz="1600" dirty="0" smtClean="0"/>
+              <a:t>Scalyr Directives</a:t>
+            </a:r>
+          </a:p>
+          <a:p>
+            <a:r>
+              <a:rPr lang="en-GB" sz="1600" dirty="0" smtClean="0"/>
+              <a:t>Angular Fastscroll (in div tags)</a:t>
+            </a:r>
+            <a:endParaRPr lang="en-GB" sz="1600" dirty="0" smtClean="0"/>
+          </a:p>
+          <a:p>
+            <a:r>
+              <a:rPr lang="en-GB" sz="1600" dirty="0" smtClean="0"/>
+              <a:t>Tools:</a:t>
+            </a:r>
+          </a:p>
+          <a:p>
+            <a:pPr lvl="1"/>
+            <a:r>
+              <a:rPr lang="en-GB" sz="1200" dirty="0" smtClean="0"/>
+              <a:t>Chrome DevTools</a:t>
+            </a:r>
+          </a:p>
+          <a:p>
+            <a:pPr lvl="1"/>
+            <a:r>
+              <a:rPr lang="en-GB" sz="1200" dirty="0" smtClean="0"/>
+              <a:t>Batarang Plugin</a:t>
+            </a:r>
+          </a:p>
+          <a:p>
+            <a:pPr lvl="1"/>
+            <a:r>
+              <a:rPr lang="en-GB" sz="1200" dirty="0" smtClean="0"/>
+              <a:t>angular-instruments</a:t>
+            </a:r>
+            <a:endParaRPr lang="en-GB" sz="1200" dirty="0" smtClean="0"/>
           </a:p>
         </p:txBody>
       </p:sp>
     </p:spTree>
     <p:extLst>
       <p:ext uri="{BB962C8B-B14F-4D97-AF65-F5344CB8AC3E}">
-        <p14:creationId xmlns:p14="http://schemas.microsoft.com/office/powerpoint/2010/main" val="924403351"/>
+        <p14:creationId xmlns:p14="http://schemas.microsoft.com/office/powerpoint/2010/main" val="866641604"/>
       </p:ext>
     </p:extLst>
   </p:cSld>
@@ -10519,6 +11254,184 @@
     <p:extLst>
       <p:ext uri="{BB962C8B-B14F-4D97-AF65-F5344CB8AC3E}">
         <p14:creationId xmlns:p14="http://schemas.microsoft.com/office/powerpoint/2010/main" val="1500557261"/>
+      </p:ext>
+    </p:extLst>
+  </p:cSld>
+  <p:clrMapOvr>
+    <a:masterClrMapping/>
+  </p:clrMapOvr>
+  <p:timing>
+    <p:tnLst>
+      <p:par>
+        <p:cTn id="1" dur="indefinite" restart="never" nodeType="tmRoot"/>
+      </p:par>
+    </p:tnLst>
+  </p:timing>
+</p:sld>
+</file>
+
+<file path=ppt/slides/slide30.xml><?xml version="1.0" encoding="utf-8"?>
+<p:sld xmlns:a="http://schemas.openxmlformats.org/drawingml/2006/main" xmlns:r="http://schemas.openxmlformats.org/officeDocument/2006/relationships" xmlns:p="http://schemas.openxmlformats.org/presentationml/2006/main">
+  <p:cSld>
+    <p:spTree>
+      <p:nvGrpSpPr>
+        <p:cNvPr id="1" name=""/>
+        <p:cNvGrpSpPr/>
+        <p:nvPr/>
+      </p:nvGrpSpPr>
+      <p:grpSpPr>
+        <a:xfrm>
+          <a:off x="0" y="0"/>
+          <a:ext cx="0" cy="0"/>
+          <a:chOff x="0" y="0"/>
+          <a:chExt cx="0" cy="0"/>
+        </a:xfrm>
+      </p:grpSpPr>
+      <p:sp>
+        <p:nvSpPr>
+          <p:cNvPr id="2" name="Title 1"/>
+          <p:cNvSpPr>
+            <a:spLocks noGrp="1"/>
+          </p:cNvSpPr>
+          <p:nvPr>
+            <p:ph type="title"/>
+          </p:nvPr>
+        </p:nvSpPr>
+        <p:spPr/>
+        <p:txBody>
+          <a:bodyPr/>
+          <a:lstStyle/>
+          <a:p>
+            <a:r>
+              <a:rPr lang="en-US" dirty="0" smtClean="0"/>
+              <a:t>References</a:t>
+            </a:r>
+            <a:endParaRPr lang="en-US" dirty="0"/>
+          </a:p>
+        </p:txBody>
+      </p:sp>
+      <p:sp>
+        <p:nvSpPr>
+          <p:cNvPr id="3" name="Content Placeholder 2"/>
+          <p:cNvSpPr>
+            <a:spLocks noGrp="1"/>
+          </p:cNvSpPr>
+          <p:nvPr>
+            <p:ph idx="1"/>
+          </p:nvPr>
+        </p:nvSpPr>
+        <p:spPr/>
+        <p:txBody>
+          <a:bodyPr>
+            <a:normAutofit/>
+          </a:bodyPr>
+          <a:lstStyle/>
+          <a:p>
+            <a:r>
+              <a:rPr lang="en-US" sz="1600" dirty="0">
+                <a:hlinkClick r:id="rId2"/>
+              </a:rPr>
+              <a:t>https://docs.angularjs.org/tutorial</a:t>
+            </a:r>
+            <a:r>
+              <a:rPr lang="en-US" sz="1600" dirty="0" smtClean="0">
+                <a:hlinkClick r:id="rId2"/>
+              </a:rPr>
+              <a:t>/</a:t>
+            </a:r>
+            <a:endParaRPr lang="en-US" sz="1600" dirty="0" smtClean="0"/>
+          </a:p>
+          <a:p>
+            <a:r>
+              <a:rPr lang="en-US" sz="1600" dirty="0">
+                <a:hlinkClick r:id="rId3"/>
+              </a:rPr>
+              <a:t>https://</a:t>
+            </a:r>
+            <a:r>
+              <a:rPr lang="en-US" sz="1600" dirty="0" smtClean="0">
+                <a:hlinkClick r:id="rId3"/>
+              </a:rPr>
+              <a:t>github.com/angular/angular-seed</a:t>
+            </a:r>
+            <a:endParaRPr lang="en-US" sz="1600" dirty="0" smtClean="0"/>
+          </a:p>
+          <a:p>
+            <a:r>
+              <a:rPr lang="en-US" sz="1600" dirty="0">
+                <a:hlinkClick r:id="rId4"/>
+              </a:rPr>
+              <a:t>https://</a:t>
+            </a:r>
+            <a:r>
+              <a:rPr lang="en-US" sz="1600" dirty="0" smtClean="0">
+                <a:hlinkClick r:id="rId4"/>
+              </a:rPr>
+              <a:t>docs.angularjs.org/tutorial/step_00</a:t>
+            </a:r>
+            <a:endParaRPr lang="en-US" sz="1600" dirty="0" smtClean="0"/>
+          </a:p>
+          <a:p>
+            <a:r>
+              <a:rPr lang="en-US" sz="1600" dirty="0">
+                <a:hlinkClick r:id="rId5"/>
+              </a:rPr>
+              <a:t>https://www.madewithangular.com</a:t>
+            </a:r>
+            <a:r>
+              <a:rPr lang="en-US" sz="1600" dirty="0" smtClean="0">
+                <a:hlinkClick r:id="rId5"/>
+              </a:rPr>
+              <a:t>/#/</a:t>
+            </a:r>
+            <a:endParaRPr lang="en-US" sz="1600" dirty="0" smtClean="0"/>
+          </a:p>
+          <a:p>
+            <a:r>
+              <a:rPr lang="en-US" sz="1600" dirty="0">
+                <a:hlinkClick r:id="rId6"/>
+              </a:rPr>
+              <a:t>https://</a:t>
+            </a:r>
+            <a:r>
+              <a:rPr lang="en-US" sz="1600" dirty="0" smtClean="0">
+                <a:hlinkClick r:id="rId6"/>
+              </a:rPr>
+              <a:t>github.com/angular/angular.js/wiki/Best-Practices</a:t>
+            </a:r>
+            <a:endParaRPr lang="en-US" sz="1600" dirty="0" smtClean="0"/>
+          </a:p>
+          <a:p>
+            <a:r>
+              <a:rPr lang="en-US" sz="1600" dirty="0">
+                <a:hlinkClick r:id="rId3"/>
+              </a:rPr>
+              <a:t>https://</a:t>
+            </a:r>
+            <a:r>
+              <a:rPr lang="en-US" sz="1600" dirty="0" smtClean="0">
+                <a:hlinkClick r:id="rId3"/>
+              </a:rPr>
+              <a:t>github.com/angular/angular-seed</a:t>
+            </a:r>
+            <a:endParaRPr lang="en-US" sz="1600" dirty="0" smtClean="0"/>
+          </a:p>
+          <a:p>
+            <a:r>
+              <a:rPr lang="en-US" sz="1600" dirty="0"/>
+              <a:t>http://www.slideshare.net/damienklinnert/angular-performance-tuning-for-large</a:t>
+            </a:r>
+            <a:endParaRPr lang="en-US" sz="1600" dirty="0" smtClean="0"/>
+          </a:p>
+          <a:p>
+            <a:endParaRPr lang="en-US" sz="1600" dirty="0" smtClean="0"/>
+          </a:p>
+        </p:txBody>
+      </p:sp>
+    </p:spTree>
+    <p:extLst>
+      <p:ext uri="{BB962C8B-B14F-4D97-AF65-F5344CB8AC3E}">
+        <p14:creationId xmlns:p14="http://schemas.microsoft.com/office/powerpoint/2010/main" val="924403351"/>
       </p:ext>
     </p:extLst>
   </p:cSld>
@@ -10909,23 +11822,14 @@
           <a:p>
             <a:r>
               <a:rPr lang="en-US" sz="1600" dirty="0" smtClean="0"/>
-              <a:t>Applications can run on all major browsers and smart phones including Android and iOS based </a:t>
-            </a:r>
+              <a:t>Applications can run on all major browsers and smart phones including Android and iOS based phones/tablets</a:t>
+            </a:r>
+          </a:p>
+          <a:p>
             <a:r>
               <a:rPr lang="en-US" sz="1600" dirty="0" smtClean="0"/>
-              <a:t>phones/tablets</a:t>
-            </a:r>
-          </a:p>
-          <a:p>
-            <a:r>
-              <a:rPr lang="en-US" sz="1600" dirty="0" smtClean="0"/>
-              <a:t>ng-include can be used to embed html within another html. This </a:t>
-            </a:r>
-            <a:r>
-              <a:rPr lang="en-US" sz="1600" dirty="0" smtClean="0"/>
-              <a:t>feature is not available in HTML</a:t>
-            </a:r>
-            <a:endParaRPr lang="en-US" sz="1600" dirty="0" smtClean="0"/>
+              <a:t>ng-include can be used to embed html within another html. This feature is not available in HTML</a:t>
+            </a:r>
           </a:p>
         </p:txBody>
       </p:sp>

--- a/AngularJS.pptx
+++ b/AngularJS.pptx
@@ -17,24 +17,27 @@
     <p:sldId id="280" r:id="rId11"/>
     <p:sldId id="293" r:id="rId12"/>
     <p:sldId id="294" r:id="rId13"/>
-    <p:sldId id="283" r:id="rId14"/>
-    <p:sldId id="284" r:id="rId15"/>
-    <p:sldId id="285" r:id="rId16"/>
-    <p:sldId id="286" r:id="rId17"/>
-    <p:sldId id="287" r:id="rId18"/>
-    <p:sldId id="290" r:id="rId19"/>
-    <p:sldId id="288" r:id="rId20"/>
-    <p:sldId id="282" r:id="rId21"/>
-    <p:sldId id="289" r:id="rId22"/>
-    <p:sldId id="276" r:id="rId23"/>
-    <p:sldId id="291" r:id="rId24"/>
-    <p:sldId id="292" r:id="rId25"/>
-    <p:sldId id="281" r:id="rId26"/>
-    <p:sldId id="278" r:id="rId27"/>
-    <p:sldId id="279" r:id="rId28"/>
-    <p:sldId id="277" r:id="rId29"/>
-    <p:sldId id="295" r:id="rId30"/>
-    <p:sldId id="269" r:id="rId31"/>
+    <p:sldId id="296" r:id="rId14"/>
+    <p:sldId id="283" r:id="rId15"/>
+    <p:sldId id="284" r:id="rId16"/>
+    <p:sldId id="297" r:id="rId17"/>
+    <p:sldId id="285" r:id="rId18"/>
+    <p:sldId id="298" r:id="rId19"/>
+    <p:sldId id="286" r:id="rId20"/>
+    <p:sldId id="287" r:id="rId21"/>
+    <p:sldId id="290" r:id="rId22"/>
+    <p:sldId id="288" r:id="rId23"/>
+    <p:sldId id="282" r:id="rId24"/>
+    <p:sldId id="289" r:id="rId25"/>
+    <p:sldId id="276" r:id="rId26"/>
+    <p:sldId id="291" r:id="rId27"/>
+    <p:sldId id="292" r:id="rId28"/>
+    <p:sldId id="281" r:id="rId29"/>
+    <p:sldId id="278" r:id="rId30"/>
+    <p:sldId id="279" r:id="rId31"/>
+    <p:sldId id="277" r:id="rId32"/>
+    <p:sldId id="295" r:id="rId33"/>
+    <p:sldId id="269" r:id="rId34"/>
   </p:sldIdLst>
   <p:sldSz cx="9144000" cy="6858000" type="screen4x3"/>
   <p:notesSz cx="6858000" cy="9144000"/>
@@ -3709,14 +3712,20 @@
             </a:r>
           </a:p>
           <a:p>
-            <a:pPr lvl="1"/>
+            <a:pPr lvl="1">
+              <a:buFont typeface="Wingdings" panose="05000000000000000000" pitchFamily="2" charset="2"/>
+              <a:buChar char="Ø"/>
+            </a:pPr>
             <a:r>
               <a:rPr lang="en-GB" sz="1400" dirty="0" smtClean="0"/>
               <a:t>ng-app – Starts an AngularJS application</a:t>
             </a:r>
           </a:p>
           <a:p>
-            <a:pPr lvl="1"/>
+            <a:pPr lvl="1">
+              <a:buFont typeface="Wingdings" panose="05000000000000000000" pitchFamily="2" charset="2"/>
+              <a:buChar char="Ø"/>
+            </a:pPr>
             <a:r>
               <a:rPr lang="en-GB" sz="1400" dirty="0" smtClean="0"/>
               <a:t>ng-</a:t>
@@ -3731,14 +3740,20 @@
             </a:r>
           </a:p>
           <a:p>
-            <a:pPr lvl="1"/>
+            <a:pPr lvl="1">
+              <a:buFont typeface="Wingdings" panose="05000000000000000000" pitchFamily="2" charset="2"/>
+              <a:buChar char="Ø"/>
+            </a:pPr>
             <a:r>
               <a:rPr lang="en-GB" sz="1400" dirty="0" smtClean="0"/>
               <a:t>ng-model – defines the model that is variable to be used in AngularJS</a:t>
             </a:r>
           </a:p>
           <a:p>
-            <a:pPr lvl="1"/>
+            <a:pPr lvl="1">
+              <a:buFont typeface="Wingdings" panose="05000000000000000000" pitchFamily="2" charset="2"/>
+              <a:buChar char="Ø"/>
+            </a:pPr>
             <a:r>
               <a:rPr lang="en-GB" sz="1400" dirty="0" smtClean="0"/>
               <a:t>ng-repeat – Repeats the html elements for each item in a collection</a:t>
@@ -3801,11 +3816,7 @@
           <a:p>
             <a:r>
               <a:rPr lang="en-US" dirty="0" smtClean="0"/>
-              <a:t>AngularJS </a:t>
-            </a:r>
-            <a:r>
-              <a:rPr lang="en-US" dirty="0" smtClean="0"/>
-              <a:t>– ngBind</a:t>
+              <a:t>AngularJS – ngBind</a:t>
             </a:r>
             <a:endParaRPr lang="en-US" dirty="0"/>
           </a:p>
@@ -4061,7 +4072,6 @@
               <a:rPr lang="en-GB" sz="1600" dirty="0"/>
               <a:t>before Angular compiles it. Since ngBind is an element attribute, it makes the bindings invisible to the user while the page is loading</a:t>
             </a:r>
-            <a:endParaRPr lang="en-GB" sz="1600" dirty="0"/>
           </a:p>
           <a:p>
             <a:r>
@@ -4139,11 +4149,7 @@
           <a:p>
             <a:r>
               <a:rPr lang="en-US" dirty="0" smtClean="0"/>
-              <a:t>AngularJS </a:t>
-            </a:r>
-            <a:r>
-              <a:rPr lang="en-US" dirty="0" smtClean="0"/>
-              <a:t>– ngCloak</a:t>
+              <a:t>AngularJS – ngCloak</a:t>
             </a:r>
             <a:endParaRPr lang="en-US" dirty="0"/>
           </a:p>
@@ -4478,7 +4484,11 @@
           <a:p>
             <a:r>
               <a:rPr lang="en-US" dirty="0" smtClean="0"/>
-              <a:t>AngularJS Expression &amp; Controller</a:t>
+              <a:t>AngularJS – </a:t>
+            </a:r>
+            <a:r>
+              <a:rPr lang="en-US" dirty="0" smtClean="0"/>
+              <a:t>ngCsp</a:t>
             </a:r>
             <a:endParaRPr lang="en-US" dirty="0"/>
           </a:p>
@@ -4676,245 +4686,82 @@
           <a:p>
             <a:r>
               <a:rPr lang="en-GB" sz="1600" dirty="0"/>
-              <a:t>AngularJS </a:t>
+              <a:t>Angular has some features that can break certain </a:t>
+            </a:r>
+            <a:r>
+              <a:rPr lang="en-GB" sz="1600" dirty="0">
+                <a:hlinkClick r:id="rId2"/>
+              </a:rPr>
+              <a:t>CSP (Content Security Policy)</a:t>
+            </a:r>
+            <a:r>
+              <a:rPr lang="en-GB" sz="1600" dirty="0"/>
+              <a:t> </a:t>
             </a:r>
             <a:r>
               <a:rPr lang="en-GB" sz="1600" dirty="0" smtClean="0"/>
-              <a:t>expressions are used to bind application data to html. Expressions are written in </a:t>
-            </a:r>
-            <a:r>
-              <a:rPr lang="en-US" sz="1600" dirty="0"/>
-              <a:t>double braces like </a:t>
-            </a:r>
-            <a:r>
-              <a:rPr lang="en-US" sz="1600" b="1" dirty="0">
-                <a:solidFill>
-                  <a:srgbClr val="00B050"/>
-                </a:solidFill>
-              </a:rPr>
-              <a:t>{{ expression}}</a:t>
-            </a:r>
-            <a:endParaRPr lang="en-GB" sz="1600" b="1" dirty="0" smtClean="0">
-              <a:solidFill>
-                <a:srgbClr val="00B050"/>
-              </a:solidFill>
-            </a:endParaRPr>
-          </a:p>
-          <a:p>
+              <a:t>rules</a:t>
+            </a:r>
+          </a:p>
+          <a:p>
+            <a:r>
+              <a:rPr lang="en-GB" sz="1600" dirty="0"/>
+              <a:t>If you intend to implement these rules then you must tell Angular not to use these </a:t>
+            </a:r>
             <a:r>
               <a:rPr lang="en-GB" sz="1600" dirty="0" smtClean="0"/>
-              <a:t>AngularJS controller controls the flow of data in the application. It is </a:t>
-            </a:r>
+              <a:t>features</a:t>
+            </a:r>
+          </a:p>
+          <a:p>
             <a:r>
               <a:rPr lang="en-GB" sz="1600" dirty="0"/>
-              <a:t>defined using </a:t>
-            </a:r>
-            <a:r>
-              <a:rPr lang="en-US" sz="1600" b="1" dirty="0">
-                <a:solidFill>
-                  <a:srgbClr val="00B050"/>
-                </a:solidFill>
-              </a:rPr>
-              <a:t>ng-controller</a:t>
-            </a:r>
-            <a:r>
-              <a:rPr lang="en-US" sz="1600" dirty="0"/>
-              <a:t> </a:t>
-            </a:r>
-            <a:r>
-              <a:rPr lang="en-US" sz="1600" dirty="0" smtClean="0"/>
-              <a:t>directive</a:t>
-            </a:r>
-          </a:p>
-          <a:p>
-            <a:pPr lvl="1"/>
+              <a:t>This is necessary when developing things like Google Chrome Extensions or Universal Windows Apps</a:t>
+            </a:r>
+            <a:endParaRPr lang="en-GB" sz="1600" dirty="0" smtClean="0"/>
+          </a:p>
+          <a:p>
+            <a:r>
+              <a:rPr lang="en-GB" sz="1600" dirty="0"/>
+              <a:t>The following rules affect </a:t>
+            </a:r>
+            <a:r>
+              <a:rPr lang="en-GB" sz="1600" dirty="0" smtClean="0"/>
+              <a:t>Angular</a:t>
+            </a:r>
+          </a:p>
+          <a:p>
+            <a:pPr lvl="1">
+              <a:buFont typeface="Wingdings" panose="05000000000000000000" pitchFamily="2" charset="2"/>
+              <a:buChar char="Ø"/>
+            </a:pPr>
             <a:r>
               <a:rPr lang="en-US" sz="1400" dirty="0" smtClean="0"/>
-              <a:t>Controller is a JavaScript object containing attributes / properties and functions</a:t>
-            </a:r>
-          </a:p>
-          <a:p>
-            <a:pPr lvl="1"/>
-            <a:r>
-              <a:rPr lang="en-US" sz="1400" dirty="0" smtClean="0"/>
-              <a:t>Controller accepts </a:t>
-            </a:r>
-            <a:r>
-              <a:rPr lang="en-US" sz="1400" b="1" dirty="0" smtClean="0">
-                <a:solidFill>
-                  <a:srgbClr val="00B050"/>
-                </a:solidFill>
-              </a:rPr>
-              <a:t>$scope </a:t>
-            </a:r>
-            <a:r>
-              <a:rPr lang="en-GB" sz="1400" dirty="0"/>
-              <a:t>as a parameter which refers to the application/module that controller is to </a:t>
-            </a:r>
-            <a:r>
-              <a:rPr lang="en-GB" sz="1400" dirty="0" smtClean="0"/>
-              <a:t>control</a:t>
-            </a:r>
-          </a:p>
-          <a:p>
-            <a:r>
-              <a:rPr lang="en-US" sz="1600" b="1" dirty="0" smtClean="0"/>
-              <a:t>Sample controller:</a:t>
-            </a:r>
-          </a:p>
-          <a:p>
-            <a:endParaRPr lang="en-US" sz="1600" dirty="0"/>
-          </a:p>
-          <a:p>
-            <a:endParaRPr lang="en-US" sz="1600" dirty="0" smtClean="0"/>
-          </a:p>
-          <a:p>
+              <a:t>unsafe-</a:t>
+            </a:r>
+            <a:r>
+              <a:rPr lang="en-US" sz="1400" dirty="0" err="1" smtClean="0"/>
+              <a:t>eval</a:t>
+            </a:r>
             <a:endParaRPr lang="en-US" sz="1400" dirty="0" smtClean="0"/>
           </a:p>
           <a:p>
-            <a:pPr lvl="1"/>
-            <a:endParaRPr lang="en-US" sz="1400" dirty="0" smtClean="0"/>
-          </a:p>
-          <a:p>
-            <a:pPr lvl="1"/>
-            <a:endParaRPr lang="en-US" sz="1400" dirty="0"/>
-          </a:p>
-          <a:p>
-            <a:pPr lvl="1"/>
-            <a:r>
-              <a:rPr lang="en-US" sz="1400" dirty="0" smtClean="0"/>
-              <a:t>$scope – refers to application which is to use the studentController object</a:t>
-            </a:r>
-          </a:p>
-          <a:p>
-            <a:pPr lvl="1"/>
-            <a:r>
-              <a:rPr lang="en-GB" sz="1400" dirty="0"/>
-              <a:t>$</a:t>
-            </a:r>
-            <a:r>
-              <a:rPr lang="en-GB" sz="1400" dirty="0" err="1"/>
-              <a:t>scope.student</a:t>
-            </a:r>
-            <a:r>
-              <a:rPr lang="en-GB" sz="1400" dirty="0"/>
-              <a:t> is property of studentController </a:t>
-            </a:r>
-            <a:r>
-              <a:rPr lang="en-GB" sz="1400" dirty="0" smtClean="0"/>
-              <a:t>object</a:t>
-            </a:r>
-          </a:p>
-          <a:p>
-            <a:pPr lvl="1"/>
-            <a:r>
-              <a:rPr lang="en-GB" sz="1400" dirty="0" err="1"/>
-              <a:t>firstName</a:t>
-            </a:r>
-            <a:r>
-              <a:rPr lang="en-GB" sz="1400" dirty="0"/>
-              <a:t> and </a:t>
-            </a:r>
-            <a:r>
-              <a:rPr lang="en-GB" sz="1400" dirty="0" err="1"/>
-              <a:t>lastName</a:t>
-            </a:r>
-            <a:r>
-              <a:rPr lang="en-GB" sz="1400" dirty="0"/>
-              <a:t> are two properties of $</a:t>
-            </a:r>
-            <a:r>
-              <a:rPr lang="en-GB" sz="1400" dirty="0" err="1"/>
-              <a:t>scope.student</a:t>
-            </a:r>
-            <a:r>
-              <a:rPr lang="en-GB" sz="1400" dirty="0"/>
-              <a:t> </a:t>
-            </a:r>
-            <a:r>
-              <a:rPr lang="en-GB" sz="1400" dirty="0" smtClean="0"/>
-              <a:t>object</a:t>
-            </a:r>
-          </a:p>
-          <a:p>
-            <a:pPr lvl="1"/>
-            <a:r>
-              <a:rPr lang="en-GB" sz="1400" dirty="0" err="1"/>
-              <a:t>fullName</a:t>
-            </a:r>
-            <a:r>
-              <a:rPr lang="en-GB" sz="1400" dirty="0"/>
-              <a:t> is the function of $</a:t>
-            </a:r>
-            <a:r>
-              <a:rPr lang="en-GB" sz="1400" dirty="0" err="1"/>
-              <a:t>scope.student</a:t>
-            </a:r>
-            <a:r>
-              <a:rPr lang="en-GB" sz="1400" dirty="0"/>
-              <a:t> object whose task is to return the combined name</a:t>
-            </a:r>
+            <a:pPr lvl="1">
+              <a:buFont typeface="Wingdings" panose="05000000000000000000" pitchFamily="2" charset="2"/>
+              <a:buChar char="Ø"/>
+            </a:pPr>
+            <a:r>
+              <a:rPr lang="en-US" sz="1400" dirty="0"/>
+              <a:t>unsafe-inline</a:t>
+            </a:r>
+            <a:endParaRPr lang="en-GB" sz="1400" dirty="0" smtClean="0"/>
           </a:p>
         </p:txBody>
       </p:sp>
-      <p:pic>
-        <p:nvPicPr>
-          <p:cNvPr id="1026" name="Picture 2"/>
-          <p:cNvPicPr>
-            <a:picLocks noChangeAspect="1" noChangeArrowheads="1"/>
-          </p:cNvPicPr>
-          <p:nvPr/>
-        </p:nvPicPr>
-        <p:blipFill>
-          <a:blip r:embed="rId2">
-            <a:extLst>
-              <a:ext uri="{28A0092B-C50C-407E-A947-70E740481C1C}">
-                <a14:useLocalDpi xmlns:a14="http://schemas.microsoft.com/office/drawing/2010/main" val="0"/>
-              </a:ext>
-            </a:extLst>
-          </a:blip>
-          <a:srcRect/>
-          <a:stretch>
-            <a:fillRect/>
-          </a:stretch>
-        </p:blipFill>
-        <p:spPr bwMode="auto">
-          <a:xfrm>
-            <a:off x="1043608" y="3861048"/>
-            <a:ext cx="5410200" cy="1133475"/>
-          </a:xfrm>
-          <a:prstGeom prst="rect">
-            <a:avLst/>
-          </a:prstGeom>
-          <a:noFill/>
-          <a:ln>
-            <a:noFill/>
-          </a:ln>
-          <a:extLst>
-            <a:ext uri="{909E8E84-426E-40DD-AFC4-6F175D3DCCD1}">
-              <a14:hiddenFill xmlns:a14="http://schemas.microsoft.com/office/drawing/2010/main">
-                <a:solidFill>
-                  <a:schemeClr val="accent1"/>
-                </a:solidFill>
-              </a14:hiddenFill>
-            </a:ext>
-            <a:ext uri="{91240B29-F687-4F45-9708-019B960494DF}">
-              <a14:hiddenLine xmlns:a14="http://schemas.microsoft.com/office/drawing/2010/main" w="9525">
-                <a:solidFill>
-                  <a:schemeClr val="tx1"/>
-                </a:solidFill>
-                <a:miter lim="800000"/>
-                <a:headEnd/>
-                <a:tailEnd/>
-              </a14:hiddenLine>
-            </a:ext>
-          </a:extLst>
-        </p:spPr>
-      </p:pic>
     </p:spTree>
     <p:extLst>
       <p:ext uri="{BB962C8B-B14F-4D97-AF65-F5344CB8AC3E}">
-        <p14:creationId xmlns:p14="http://schemas.microsoft.com/office/powerpoint/2010/main" val="506101935"/>
+        <p14:creationId xmlns:p14="http://schemas.microsoft.com/office/powerpoint/2010/main" val="1971235150"/>
       </p:ext>
     </p:extLst>
   </p:cSld>
@@ -4965,7 +4812,7 @@
           <a:p>
             <a:r>
               <a:rPr lang="en-US" dirty="0" smtClean="0"/>
-              <a:t>AngularJS Scope</a:t>
+              <a:t>AngularJS Expression &amp; Controller</a:t>
             </a:r>
             <a:endParaRPr lang="en-US" dirty="0"/>
           </a:p>
@@ -5163,24 +5010,71 @@
           <a:p>
             <a:r>
               <a:rPr lang="en-GB" sz="1600" dirty="0"/>
-              <a:t>Scope is a special </a:t>
+              <a:t>AngularJS </a:t>
             </a:r>
             <a:r>
               <a:rPr lang="en-GB" sz="1600" dirty="0" smtClean="0"/>
-              <a:t>JavaScript </a:t>
+              <a:t>expressions are used to bind application data to html. Expressions are written in </a:t>
+            </a:r>
+            <a:r>
+              <a:rPr lang="en-US" sz="1600" dirty="0"/>
+              <a:t>double braces like </a:t>
+            </a:r>
+            <a:r>
+              <a:rPr lang="en-US" sz="1600" b="1" dirty="0">
+                <a:solidFill>
+                  <a:srgbClr val="00B050"/>
+                </a:solidFill>
+              </a:rPr>
+              <a:t>{{ expression}}</a:t>
+            </a:r>
+            <a:endParaRPr lang="en-GB" sz="1600" b="1" dirty="0" smtClean="0">
+              <a:solidFill>
+                <a:srgbClr val="00B050"/>
+              </a:solidFill>
+            </a:endParaRPr>
+          </a:p>
+          <a:p>
+            <a:r>
+              <a:rPr lang="en-GB" sz="1600" dirty="0" smtClean="0"/>
+              <a:t>AngularJS controller controls the flow of data in the application. It is </a:t>
             </a:r>
             <a:r>
               <a:rPr lang="en-GB" sz="1600" dirty="0"/>
-              <a:t>object which plays the role of joining controller with the views. </a:t>
-            </a:r>
-          </a:p>
-          <a:p>
-            <a:r>
-              <a:rPr lang="en-GB" sz="1600" dirty="0" smtClean="0"/>
-              <a:t>Scope contains the model data. In controllers, model data is accessed via </a:t>
-            </a:r>
-            <a:r>
-              <a:rPr lang="en-GB" sz="1600" b="1" dirty="0" smtClean="0">
+              <a:t>defined using </a:t>
+            </a:r>
+            <a:r>
+              <a:rPr lang="en-US" sz="1600" b="1" dirty="0">
+                <a:solidFill>
+                  <a:srgbClr val="00B050"/>
+                </a:solidFill>
+              </a:rPr>
+              <a:t>ng-controller</a:t>
+            </a:r>
+            <a:r>
+              <a:rPr lang="en-US" sz="1600" dirty="0"/>
+              <a:t> </a:t>
+            </a:r>
+            <a:r>
+              <a:rPr lang="en-US" sz="1600" dirty="0" smtClean="0"/>
+              <a:t>directive</a:t>
+            </a:r>
+          </a:p>
+          <a:p>
+            <a:pPr lvl="1"/>
+            <a:r>
+              <a:rPr lang="en-US" sz="1400" dirty="0" smtClean="0"/>
+              <a:t>Controller is a JavaScript object containing attributes / properties and functions</a:t>
+            </a:r>
+          </a:p>
+          <a:p>
+            <a:pPr lvl="1"/>
+            <a:r>
+              <a:rPr lang="en-US" sz="1400" dirty="0" smtClean="0"/>
+              <a:t>Controller accepts </a:t>
+            </a:r>
+            <a:r>
+              <a:rPr lang="en-US" sz="1400" b="1" dirty="0" smtClean="0">
                 <a:solidFill>
                   <a:srgbClr val="00B050"/>
                 </a:solidFill>
@@ -5188,8 +5082,12 @@
               <a:t>$scope </a:t>
             </a:r>
             <a:r>
-              <a:rPr lang="en-GB" sz="1600" dirty="0" smtClean="0"/>
-              <a:t>object</a:t>
+              <a:rPr lang="en-GB" sz="1400" dirty="0"/>
+              <a:t>as a parameter which refers to the application/module that controller is to </a:t>
+            </a:r>
+            <a:r>
+              <a:rPr lang="en-GB" sz="1400" dirty="0" smtClean="0"/>
+              <a:t>control</a:t>
             </a:r>
           </a:p>
           <a:p>
@@ -5199,7 +5097,7 @@
             </a:r>
           </a:p>
           <a:p>
-            <a:endParaRPr lang="en-US" sz="1600" dirty="0" smtClean="0"/>
+            <a:endParaRPr lang="en-US" sz="1600" dirty="0"/>
           </a:p>
           <a:p>
             <a:endParaRPr lang="en-US" sz="1600" dirty="0" smtClean="0"/>
@@ -5213,56 +5111,89 @@
           </a:p>
           <a:p>
             <a:pPr lvl="1"/>
-            <a:endParaRPr lang="en-US" sz="1400" dirty="0" smtClean="0"/>
+            <a:endParaRPr lang="en-US" sz="1400" dirty="0"/>
           </a:p>
           <a:p>
             <a:pPr lvl="1"/>
-            <a:endParaRPr lang="en-US" sz="1400" dirty="0" smtClean="0"/>
+            <a:r>
+              <a:rPr lang="en-US" sz="1400" dirty="0" smtClean="0"/>
+              <a:t>$scope – refers to application which is to use the studentController object</a:t>
+            </a:r>
           </a:p>
           <a:p>
             <a:pPr lvl="1"/>
             <a:r>
+              <a:rPr lang="en-GB" sz="1400" dirty="0"/>
+              <a:t>$</a:t>
+            </a:r>
+            <a:r>
+              <a:rPr lang="en-GB" sz="1400" dirty="0" err="1"/>
+              <a:t>scope.student</a:t>
+            </a:r>
+            <a:r>
+              <a:rPr lang="en-GB" sz="1400" dirty="0"/>
+              <a:t> is property of studentController </a:t>
+            </a:r>
+            <a:r>
               <a:rPr lang="en-GB" sz="1400" dirty="0" smtClean="0"/>
-              <a:t>$scope is passed as first argument to controller during its constructor definition</a:t>
+              <a:t>object</a:t>
             </a:r>
           </a:p>
           <a:p>
             <a:pPr lvl="1"/>
             <a:r>
+              <a:rPr lang="en-GB" sz="1400" dirty="0" err="1"/>
+              <a:t>firstName</a:t>
+            </a:r>
+            <a:r>
+              <a:rPr lang="en-GB" sz="1400" dirty="0"/>
+              <a:t> and </a:t>
+            </a:r>
+            <a:r>
+              <a:rPr lang="en-GB" sz="1400" dirty="0" err="1"/>
+              <a:t>lastName</a:t>
+            </a:r>
+            <a:r>
+              <a:rPr lang="en-GB" sz="1400" dirty="0"/>
+              <a:t> are two properties of $</a:t>
+            </a:r>
+            <a:r>
+              <a:rPr lang="en-GB" sz="1400" dirty="0" err="1"/>
+              <a:t>scope.student</a:t>
+            </a:r>
+            <a:r>
+              <a:rPr lang="en-GB" sz="1400" dirty="0"/>
+              <a:t> </a:t>
+            </a:r>
+            <a:r>
               <a:rPr lang="en-GB" sz="1400" dirty="0" smtClean="0"/>
-              <a:t>$scope.message and $scope.type are the models which are to be used in the HTML page</a:t>
+              <a:t>object</a:t>
             </a:r>
           </a:p>
           <a:p>
             <a:pPr lvl="1"/>
             <a:r>
-              <a:rPr lang="en-GB" sz="1400" dirty="0" smtClean="0"/>
-              <a:t>We've set values to models which will be reflected in the application module whose controller is shapeController</a:t>
-            </a:r>
-          </a:p>
-          <a:p>
-            <a:pPr lvl="1"/>
-            <a:r>
-              <a:rPr lang="en-GB" sz="1400" dirty="0" smtClean="0"/>
-              <a:t>We can define functions as well in $scope</a:t>
-            </a:r>
-          </a:p>
-          <a:p>
-            <a:r>
-              <a:rPr lang="en-GB" sz="1600" b="1" dirty="0" smtClean="0"/>
-              <a:t>Scope Inheritance:</a:t>
-            </a:r>
-            <a:r>
-              <a:rPr lang="en-GB" sz="1600" dirty="0" smtClean="0"/>
-              <a:t> Scope are controllers specific. If we defines nested controllers then child controller will inherit the scope of its parent controller </a:t>
-            </a:r>
-            <a:endParaRPr lang="en-GB" sz="1600" dirty="0" smtClean="0"/>
+              <a:rPr lang="en-GB" sz="1400" dirty="0" err="1"/>
+              <a:t>fullName</a:t>
+            </a:r>
+            <a:r>
+              <a:rPr lang="en-GB" sz="1400" dirty="0"/>
+              <a:t> is the function of $</a:t>
+            </a:r>
+            <a:r>
+              <a:rPr lang="en-GB" sz="1400" dirty="0" err="1"/>
+              <a:t>scope.student</a:t>
+            </a:r>
+            <a:r>
+              <a:rPr lang="en-GB" sz="1400" dirty="0"/>
+              <a:t> object whose task is to return the combined name</a:t>
+            </a:r>
           </a:p>
         </p:txBody>
       </p:sp>
       <p:pic>
         <p:nvPicPr>
-          <p:cNvPr id="2050" name="Picture 2"/>
+          <p:cNvPr id="1026" name="Picture 2"/>
           <p:cNvPicPr>
             <a:picLocks noChangeAspect="1" noChangeArrowheads="1"/>
           </p:cNvPicPr>
@@ -5283,8 +5214,8 @@
         </p:blipFill>
         <p:spPr bwMode="auto">
           <a:xfrm>
-            <a:off x="1403648" y="3068960"/>
-            <a:ext cx="4133850" cy="1438275"/>
+            <a:off x="1043608" y="3861048"/>
+            <a:ext cx="5410200" cy="1133475"/>
           </a:xfrm>
           <a:prstGeom prst="rect">
             <a:avLst/>
@@ -5317,7 +5248,7 @@
     </p:spTree>
     <p:extLst>
       <p:ext uri="{BB962C8B-B14F-4D97-AF65-F5344CB8AC3E}">
-        <p14:creationId xmlns:p14="http://schemas.microsoft.com/office/powerpoint/2010/main" val="3802558768"/>
+        <p14:creationId xmlns:p14="http://schemas.microsoft.com/office/powerpoint/2010/main" val="506101935"/>
       </p:ext>
     </p:extLst>
   </p:cSld>
@@ -5368,7 +5299,7 @@
           <a:p>
             <a:r>
               <a:rPr lang="en-US" dirty="0" smtClean="0"/>
-              <a:t>AngularJS Services</a:t>
+              <a:t>AngularJS Scope</a:t>
             </a:r>
             <a:endParaRPr lang="en-US" dirty="0"/>
           </a:p>
@@ -5566,17 +5497,7 @@
           <a:p>
             <a:r>
               <a:rPr lang="en-GB" sz="1600" dirty="0"/>
-              <a:t>AngularJS supports the concepts of "Separation of Concerns" using services </a:t>
-            </a:r>
-            <a:r>
-              <a:rPr lang="en-GB" sz="1600" dirty="0" smtClean="0"/>
-              <a:t>architecture</a:t>
-            </a:r>
-          </a:p>
-          <a:p>
-            <a:r>
-              <a:rPr lang="en-GB" sz="1600" dirty="0"/>
-              <a:t>Services are </a:t>
+              <a:t>Scope is a special </a:t>
             </a:r>
             <a:r>
               <a:rPr lang="en-GB" sz="1600" dirty="0" smtClean="0"/>
@@ -5584,178 +5505,152 @@
             </a:r>
             <a:r>
               <a:rPr lang="en-GB" sz="1600" dirty="0"/>
-              <a:t>functions and are responsible to do a specific tasks </a:t>
-            </a:r>
+              <a:t>object which plays the role of joining controller with the views. </a:t>
+            </a:r>
+          </a:p>
+          <a:p>
             <a:r>
               <a:rPr lang="en-GB" sz="1600" dirty="0" smtClean="0"/>
-              <a:t>only. Controllers</a:t>
-            </a:r>
-            <a:r>
-              <a:rPr lang="en-GB" sz="1600" dirty="0"/>
-              <a:t>, filters can call them as on requirement basis. Services are normally injected using dependency injection mechanism of </a:t>
+              <a:t>Scope contains the model data. In controllers, model data is accessed via </a:t>
+            </a:r>
+            <a:r>
+              <a:rPr lang="en-GB" sz="1600" b="1" dirty="0" smtClean="0">
+                <a:solidFill>
+                  <a:srgbClr val="00B050"/>
+                </a:solidFill>
+              </a:rPr>
+              <a:t>$scope </a:t>
             </a:r>
             <a:r>
               <a:rPr lang="en-GB" sz="1600" dirty="0" smtClean="0"/>
-              <a:t>AngularJS</a:t>
-            </a:r>
-          </a:p>
-          <a:p>
+              <a:t>object</a:t>
+            </a:r>
+          </a:p>
+          <a:p>
+            <a:r>
+              <a:rPr lang="en-US" sz="1600" b="1" dirty="0" smtClean="0"/>
+              <a:t>Sample controller:</a:t>
+            </a:r>
+          </a:p>
+          <a:p>
+            <a:endParaRPr lang="en-US" sz="1600" dirty="0" smtClean="0"/>
+          </a:p>
+          <a:p>
+            <a:endParaRPr lang="en-US" sz="1600" dirty="0" smtClean="0"/>
+          </a:p>
+          <a:p>
+            <a:endParaRPr lang="en-US" sz="1400" dirty="0" smtClean="0"/>
+          </a:p>
+          <a:p>
+            <a:pPr lvl="1"/>
+            <a:endParaRPr lang="en-US" sz="1400" dirty="0" smtClean="0"/>
+          </a:p>
+          <a:p>
+            <a:pPr lvl="1"/>
+            <a:endParaRPr lang="en-US" sz="1400" dirty="0" smtClean="0"/>
+          </a:p>
+          <a:p>
+            <a:pPr lvl="1"/>
+            <a:endParaRPr lang="en-US" sz="1400" dirty="0" smtClean="0"/>
+          </a:p>
+          <a:p>
+            <a:pPr lvl="1"/>
+            <a:r>
+              <a:rPr lang="en-GB" sz="1400" dirty="0" smtClean="0"/>
+              <a:t>$scope is passed as first argument to controller during its constructor definition</a:t>
+            </a:r>
+          </a:p>
+          <a:p>
+            <a:pPr lvl="1"/>
+            <a:r>
+              <a:rPr lang="en-GB" sz="1400" dirty="0" smtClean="0"/>
+              <a:t>$scope.message and $scope.type are the models which are to be used in the HTML page</a:t>
+            </a:r>
+          </a:p>
+          <a:p>
+            <a:pPr lvl="1"/>
+            <a:r>
+              <a:rPr lang="en-GB" sz="1400" dirty="0" smtClean="0"/>
+              <a:t>We've set values to models which will be reflected in the application module whose controller is shapeController</a:t>
+            </a:r>
+          </a:p>
+          <a:p>
+            <a:pPr lvl="1"/>
+            <a:r>
+              <a:rPr lang="en-GB" sz="1400" dirty="0" smtClean="0"/>
+              <a:t>We can define functions as well in $scope</a:t>
+            </a:r>
+          </a:p>
+          <a:p>
+            <a:r>
+              <a:rPr lang="en-GB" sz="1600" b="1" dirty="0" smtClean="0"/>
+              <a:t>Scope Inheritance:</a:t>
+            </a:r>
             <a:r>
               <a:rPr lang="en-GB" sz="1600" dirty="0" smtClean="0"/>
-              <a:t>Sample built-in services include </a:t>
-            </a:r>
-            <a:r>
-              <a:rPr lang="en-GB" sz="1600" b="1" dirty="0" smtClean="0">
-                <a:solidFill>
-                  <a:srgbClr val="00B050"/>
-                </a:solidFill>
-              </a:rPr>
-              <a:t>$http, $route, $window, $location </a:t>
-            </a:r>
-            <a:r>
-              <a:rPr lang="en-GB" sz="1600" dirty="0" smtClean="0"/>
-              <a:t>etc.</a:t>
-            </a:r>
-          </a:p>
-          <a:p>
-            <a:r>
-              <a:rPr lang="en-GB" sz="1600" dirty="0" smtClean="0"/>
-              <a:t>There are two ways to create service:-</a:t>
-            </a:r>
-          </a:p>
-          <a:p>
-            <a:pPr lvl="1"/>
-            <a:r>
-              <a:rPr lang="en-GB" sz="1400" dirty="0" smtClean="0"/>
-              <a:t>factory - </a:t>
-            </a:r>
-            <a:r>
-              <a:rPr lang="en-US" sz="1400" dirty="0"/>
-              <a:t>module.factory( '</a:t>
-            </a:r>
-            <a:r>
-              <a:rPr lang="en-US" sz="1400" dirty="0" err="1"/>
-              <a:t>factoryName</a:t>
-            </a:r>
-            <a:r>
-              <a:rPr lang="en-US" sz="1400" dirty="0"/>
-              <a:t>', function </a:t>
-            </a:r>
-            <a:r>
-              <a:rPr lang="en-US" sz="1400" dirty="0" smtClean="0"/>
-              <a:t>);	- </a:t>
-            </a:r>
-            <a:r>
-              <a:rPr lang="en-GB" sz="1400" dirty="0"/>
-              <a:t>When you’re using a </a:t>
-            </a:r>
-            <a:r>
-              <a:rPr lang="en-GB" sz="1400" b="1" dirty="0"/>
-              <a:t>Factory</a:t>
-            </a:r>
-            <a:r>
-              <a:rPr lang="en-GB" sz="1400" dirty="0"/>
-              <a:t> you create an object, add properties to it, then return that same object. When you pass this service into your controller, those properties on the object will now be available in that controller through your </a:t>
-            </a:r>
-            <a:r>
-              <a:rPr lang="en-GB" sz="1400" dirty="0" smtClean="0"/>
-              <a:t>factory</a:t>
-            </a:r>
-          </a:p>
-          <a:p>
-            <a:pPr lvl="1"/>
-            <a:r>
-              <a:rPr lang="en-GB" sz="1400" dirty="0" smtClean="0"/>
-              <a:t>service - </a:t>
-            </a:r>
-            <a:r>
-              <a:rPr lang="en-US" sz="1400" dirty="0"/>
-              <a:t>module.service( '</a:t>
-            </a:r>
-            <a:r>
-              <a:rPr lang="en-US" sz="1400" dirty="0" err="1"/>
-              <a:t>serviceName</a:t>
-            </a:r>
-            <a:r>
-              <a:rPr lang="en-US" sz="1400" dirty="0"/>
-              <a:t>', function </a:t>
-            </a:r>
-            <a:r>
-              <a:rPr lang="en-US" sz="1400" dirty="0" smtClean="0"/>
-              <a:t>);	- </a:t>
-            </a:r>
-            <a:r>
-              <a:rPr lang="en-GB" sz="1400" dirty="0"/>
-              <a:t>When you’re using </a:t>
-            </a:r>
-            <a:r>
-              <a:rPr lang="en-GB" sz="1400" b="1" dirty="0"/>
-              <a:t>Service</a:t>
-            </a:r>
-            <a:r>
-              <a:rPr lang="en-GB" sz="1400" dirty="0"/>
-              <a:t>, it’s instantiated with the ‘new’ keyword. Because of that, you’ll add properties to ‘this’ and the service will return ‘this’. When you pass the service into your controller, those properties on ‘this’ will now be available on that controller through your service</a:t>
-            </a:r>
-            <a:r>
-              <a:rPr lang="en-GB" sz="1400" dirty="0" smtClean="0"/>
-              <a:t>.</a:t>
-            </a:r>
-          </a:p>
-          <a:p>
-            <a:pPr lvl="1"/>
-            <a:r>
-              <a:rPr lang="en-GB" sz="1400" dirty="0">
-                <a:hlinkClick r:id="rId2"/>
-              </a:rPr>
-              <a:t>http://tylermcginnis.com/angularjs-factory-vs-service-vs-provider</a:t>
-            </a:r>
-            <a:r>
-              <a:rPr lang="en-GB" sz="1400" dirty="0" smtClean="0">
-                <a:hlinkClick r:id="rId2"/>
-              </a:rPr>
-              <a:t>/</a:t>
-            </a:r>
-            <a:endParaRPr lang="en-GB" sz="1400" dirty="0" smtClean="0"/>
-          </a:p>
-          <a:p>
-            <a:r>
-              <a:rPr lang="en-GB" sz="1600" dirty="0" smtClean="0"/>
-              <a:t>AngularJS services are </a:t>
-            </a:r>
-            <a:r>
-              <a:rPr lang="en-GB" sz="1600" b="1" dirty="0" smtClean="0">
-                <a:solidFill>
-                  <a:srgbClr val="00B050"/>
-                </a:solidFill>
-              </a:rPr>
-              <a:t>singleton</a:t>
-            </a:r>
-          </a:p>
-          <a:p>
-            <a:r>
-              <a:rPr lang="en-GB" sz="1600" b="1" dirty="0" smtClean="0"/>
-              <a:t>Providers</a:t>
-            </a:r>
-            <a:r>
-              <a:rPr lang="en-GB" sz="1600" dirty="0"/>
-              <a:t> are the only service you can pass into your .</a:t>
-            </a:r>
-            <a:r>
-              <a:rPr lang="en-GB" sz="1600" dirty="0" err="1"/>
-              <a:t>config</a:t>
-            </a:r>
-            <a:r>
-              <a:rPr lang="en-GB" sz="1600" dirty="0"/>
-              <a:t>() function</a:t>
-            </a:r>
-            <a:endParaRPr lang="en-GB" sz="1600" dirty="0" smtClean="0"/>
+              <a:t> Scope are controllers specific. If we defines nested controllers then child controller will inherit the scope of its parent controller </a:t>
+            </a:r>
           </a:p>
         </p:txBody>
       </p:sp>
+      <p:pic>
+        <p:nvPicPr>
+          <p:cNvPr id="2050" name="Picture 2"/>
+          <p:cNvPicPr>
+            <a:picLocks noChangeAspect="1" noChangeArrowheads="1"/>
+          </p:cNvPicPr>
+          <p:nvPr/>
+        </p:nvPicPr>
+        <p:blipFill>
+          <a:blip r:embed="rId2">
+            <a:extLst>
+              <a:ext uri="{28A0092B-C50C-407E-A947-70E740481C1C}">
+                <a14:useLocalDpi xmlns:a14="http://schemas.microsoft.com/office/drawing/2010/main" val="0"/>
+              </a:ext>
+            </a:extLst>
+          </a:blip>
+          <a:srcRect/>
+          <a:stretch>
+            <a:fillRect/>
+          </a:stretch>
+        </p:blipFill>
+        <p:spPr bwMode="auto">
+          <a:xfrm>
+            <a:off x="1403648" y="3068960"/>
+            <a:ext cx="4133850" cy="1438275"/>
+          </a:xfrm>
+          <a:prstGeom prst="rect">
+            <a:avLst/>
+          </a:prstGeom>
+          <a:noFill/>
+          <a:ln>
+            <a:noFill/>
+          </a:ln>
+          <a:extLst>
+            <a:ext uri="{909E8E84-426E-40DD-AFC4-6F175D3DCCD1}">
+              <a14:hiddenFill xmlns:a14="http://schemas.microsoft.com/office/drawing/2010/main">
+                <a:solidFill>
+                  <a:schemeClr val="accent1"/>
+                </a:solidFill>
+              </a14:hiddenFill>
+            </a:ext>
+            <a:ext uri="{91240B29-F687-4F45-9708-019B960494DF}">
+              <a14:hiddenLine xmlns:a14="http://schemas.microsoft.com/office/drawing/2010/main" w="9525">
+                <a:solidFill>
+                  <a:schemeClr val="tx1"/>
+                </a:solidFill>
+                <a:miter lim="800000"/>
+                <a:headEnd/>
+                <a:tailEnd/>
+              </a14:hiddenLine>
+            </a:ext>
+          </a:extLst>
+        </p:spPr>
+      </p:pic>
     </p:spTree>
     <p:extLst>
       <p:ext uri="{BB962C8B-B14F-4D97-AF65-F5344CB8AC3E}">
-        <p14:creationId xmlns:p14="http://schemas.microsoft.com/office/powerpoint/2010/main" val="2970492343"/>
+        <p14:creationId xmlns:p14="http://schemas.microsoft.com/office/powerpoint/2010/main" val="3802558768"/>
       </p:ext>
     </p:extLst>
   </p:cSld>
@@ -5806,7 +5701,11 @@
           <a:p>
             <a:r>
               <a:rPr lang="en-US" dirty="0" smtClean="0"/>
-              <a:t>AngularJS Filter</a:t>
+              <a:t>AngularJS </a:t>
+            </a:r>
+            <a:r>
+              <a:rPr lang="en-US" dirty="0" smtClean="0"/>
+              <a:t>Scope Contd…</a:t>
             </a:r>
             <a:endParaRPr lang="en-US" dirty="0"/>
           </a:p>
@@ -6003,115 +5902,118 @@
           </a:lstStyle>
           <a:p>
             <a:r>
+              <a:rPr lang="en-GB" sz="1600" dirty="0" smtClean="0"/>
+              <a:t>$scope functions </a:t>
+            </a:r>
+            <a:r>
+              <a:rPr lang="en-GB" sz="1600" b="1" dirty="0" smtClean="0">
+                <a:solidFill>
+                  <a:srgbClr val="00B050"/>
+                </a:solidFill>
+              </a:rPr>
+              <a:t>$watch(), $digest() and $apply()</a:t>
+            </a:r>
+            <a:r>
+              <a:rPr lang="en-GB" sz="1600" dirty="0" smtClean="0"/>
+              <a:t> are some of the central functions</a:t>
+            </a:r>
+          </a:p>
+          <a:p>
+            <a:r>
               <a:rPr lang="en-GB" sz="1600" dirty="0"/>
-              <a:t>AngularJS </a:t>
+              <a:t>AngularJS creates a "watch" internally. A watch means that AngularJS watches changes in the variable on the </a:t>
+            </a:r>
+            <a:r>
+              <a:rPr lang="en-GB" sz="1600" dirty="0"/>
+              <a:t>$scope</a:t>
+            </a:r>
+            <a:r>
+              <a:rPr lang="en-GB" sz="1600" dirty="0"/>
+              <a:t> </a:t>
             </a:r>
             <a:r>
               <a:rPr lang="en-GB" sz="1600" dirty="0" smtClean="0"/>
-              <a:t>filters are used to </a:t>
+              <a:t>object. </a:t>
             </a:r>
             <a:r>
               <a:rPr lang="en-GB" sz="1600" dirty="0"/>
-              <a:t>change modify the data and can be clubbed in expression or directives using pipe </a:t>
+              <a:t>Watches are created using </a:t>
             </a:r>
             <a:r>
               <a:rPr lang="en-GB" sz="1600" dirty="0" smtClean="0"/>
-              <a:t>character</a:t>
-            </a:r>
-          </a:p>
-          <a:p>
-            <a:pPr lvl="1">
-              <a:buFont typeface="Wingdings" panose="05000000000000000000" pitchFamily="2" charset="2"/>
-              <a:buChar char="Ø"/>
-            </a:pPr>
-            <a:r>
-              <a:rPr lang="en-GB" sz="1400" dirty="0" smtClean="0"/>
-              <a:t>uppercase - </a:t>
-            </a:r>
-            <a:r>
-              <a:rPr lang="en-GB" sz="1400" dirty="0"/>
-              <a:t>converts a text to upper case </a:t>
-            </a:r>
-            <a:r>
-              <a:rPr lang="en-GB" sz="1400" dirty="0" smtClean="0"/>
-              <a:t>text</a:t>
-            </a:r>
-          </a:p>
-          <a:p>
-            <a:pPr lvl="1">
-              <a:buFont typeface="Wingdings" panose="05000000000000000000" pitchFamily="2" charset="2"/>
-              <a:buChar char="Ø"/>
-            </a:pPr>
-            <a:r>
-              <a:rPr lang="en-GB" sz="1400" dirty="0" smtClean="0"/>
-              <a:t>lowercase - </a:t>
-            </a:r>
-            <a:r>
-              <a:rPr lang="en-GB" sz="1400" dirty="0"/>
-              <a:t>converts a text to lower case </a:t>
-            </a:r>
-            <a:r>
-              <a:rPr lang="en-GB" sz="1400" dirty="0" smtClean="0"/>
-              <a:t>text</a:t>
-            </a:r>
-          </a:p>
-          <a:p>
-            <a:pPr lvl="1">
-              <a:buFont typeface="Wingdings" panose="05000000000000000000" pitchFamily="2" charset="2"/>
-              <a:buChar char="Ø"/>
-            </a:pPr>
-            <a:r>
-              <a:rPr lang="en-GB" sz="1400" dirty="0" smtClean="0"/>
-              <a:t>currency - </a:t>
-            </a:r>
-            <a:r>
-              <a:rPr lang="en-GB" sz="1400" dirty="0"/>
-              <a:t>formats text in a currency </a:t>
-            </a:r>
-            <a:r>
-              <a:rPr lang="en-GB" sz="1400" dirty="0" smtClean="0"/>
-              <a:t>format</a:t>
-            </a:r>
-          </a:p>
-          <a:p>
-            <a:pPr lvl="1">
-              <a:buFont typeface="Wingdings" panose="05000000000000000000" pitchFamily="2" charset="2"/>
-              <a:buChar char="Ø"/>
-            </a:pPr>
-            <a:r>
-              <a:rPr lang="en-US" sz="1400" dirty="0" smtClean="0"/>
-              <a:t>filter - </a:t>
-            </a:r>
-            <a:r>
-              <a:rPr lang="en-GB" sz="1400" dirty="0"/>
-              <a:t>filter the array to a subset of it based on provided </a:t>
-            </a:r>
-            <a:r>
-              <a:rPr lang="en-GB" sz="1400" dirty="0" smtClean="0"/>
-              <a:t>criteria</a:t>
-            </a:r>
-          </a:p>
-          <a:p>
-            <a:pPr lvl="1">
-              <a:buFont typeface="Wingdings" panose="05000000000000000000" pitchFamily="2" charset="2"/>
-              <a:buChar char="Ø"/>
-            </a:pPr>
-            <a:r>
-              <a:rPr lang="en-US" sz="1400" dirty="0" smtClean="0"/>
-              <a:t>orderby - </a:t>
-            </a:r>
-            <a:r>
-              <a:rPr lang="en-GB" sz="1400" dirty="0"/>
-              <a:t>orders the array based on provided criteria</a:t>
-            </a:r>
-            <a:endParaRPr lang="en-GB" sz="1400" dirty="0" smtClean="0"/>
+              <a:t>the $scope.$</a:t>
+            </a:r>
+            <a:r>
+              <a:rPr lang="en-GB" sz="1600" dirty="0"/>
+              <a:t>watch()</a:t>
+            </a:r>
+            <a:r>
+              <a:rPr lang="en-GB" sz="1600" dirty="0"/>
+              <a:t> </a:t>
+            </a:r>
+            <a:r>
+              <a:rPr lang="en-GB" sz="1600" dirty="0" smtClean="0"/>
+              <a:t>function</a:t>
+            </a:r>
+          </a:p>
+          <a:p>
+            <a:r>
+              <a:rPr lang="en-GB" sz="1600" dirty="0" smtClean="0"/>
+              <a:t>$digest – Angular calls the </a:t>
+            </a:r>
+            <a:r>
+              <a:rPr lang="en-GB" sz="1600" dirty="0"/>
+              <a:t>d</a:t>
+            </a:r>
+            <a:r>
+              <a:rPr lang="en-GB" sz="1600" dirty="0" smtClean="0"/>
+              <a:t>igest function that iterates through all watchers for any changes. If a watched </a:t>
+            </a:r>
+            <a:r>
+              <a:rPr lang="en-GB" sz="1600" dirty="0"/>
+              <a:t>variable has changed, a corresponding listener function is </a:t>
+            </a:r>
+            <a:r>
+              <a:rPr lang="en-GB" sz="1600" dirty="0" smtClean="0"/>
+              <a:t>called</a:t>
+            </a:r>
+          </a:p>
+          <a:p>
+            <a:r>
+              <a:rPr lang="en-GB" sz="1600" dirty="0" smtClean="0"/>
+              <a:t>$apply is used to execute </a:t>
+            </a:r>
+            <a:r>
+              <a:rPr lang="en-GB" sz="1600" dirty="0"/>
+              <a:t>some code, and then call </a:t>
+            </a:r>
+            <a:r>
+              <a:rPr lang="en-GB" sz="1600" dirty="0"/>
+              <a:t>$</a:t>
+            </a:r>
+            <a:r>
+              <a:rPr lang="en-GB" sz="1600" dirty="0" err="1"/>
+              <a:t>scope.$digest</a:t>
+            </a:r>
+            <a:r>
+              <a:rPr lang="en-GB" sz="1600" dirty="0"/>
+              <a:t>()</a:t>
+            </a:r>
+            <a:r>
+              <a:rPr lang="en-GB" sz="1600" dirty="0"/>
+              <a:t> after that</a:t>
+            </a:r>
+            <a:endParaRPr lang="en-GB" sz="1600" dirty="0" smtClean="0"/>
+          </a:p>
+          <a:p>
+            <a:endParaRPr lang="en-GB" sz="1600" dirty="0"/>
           </a:p>
         </p:txBody>
       </p:sp>
     </p:spTree>
     <p:extLst>
       <p:ext uri="{BB962C8B-B14F-4D97-AF65-F5344CB8AC3E}">
-        <p14:creationId xmlns:p14="http://schemas.microsoft.com/office/powerpoint/2010/main" val="1416244511"/>
+        <p14:creationId xmlns:p14="http://schemas.microsoft.com/office/powerpoint/2010/main" val="1067033832"/>
       </p:ext>
     </p:extLst>
   </p:cSld>
@@ -6162,7 +6064,7 @@
           <a:p>
             <a:r>
               <a:rPr lang="en-US" dirty="0" smtClean="0"/>
-              <a:t>AngularJS Table &amp; Include</a:t>
+              <a:t>AngularJS Services</a:t>
             </a:r>
             <a:endParaRPr lang="en-US" dirty="0"/>
           </a:p>
@@ -6359,186 +6261,197 @@
           </a:lstStyle>
           <a:p>
             <a:r>
-              <a:rPr lang="en-US" sz="1600" b="1" dirty="0" smtClean="0"/>
-              <a:t>ng-repeat</a:t>
-            </a:r>
-            <a:r>
-              <a:rPr lang="en-US" sz="1600" dirty="0" smtClean="0"/>
-              <a:t> directive can be used to draw table easily</a:t>
-            </a:r>
-          </a:p>
-          <a:p>
-            <a:endParaRPr lang="en-US" sz="1600" dirty="0"/>
-          </a:p>
-          <a:p>
-            <a:endParaRPr lang="en-US" sz="1600" dirty="0" smtClean="0"/>
-          </a:p>
-          <a:p>
-            <a:endParaRPr lang="en-US" sz="1600" dirty="0"/>
-          </a:p>
-          <a:p>
-            <a:endParaRPr lang="en-US" sz="1600" dirty="0" smtClean="0"/>
-          </a:p>
-          <a:p>
-            <a:r>
               <a:rPr lang="en-GB" sz="1600" dirty="0"/>
-              <a:t>HTML does not support embedding html pages within html page. To achieve this functionality following ways are </a:t>
+              <a:t>AngularJS supports the concepts of "Separation of Concerns" using services </a:t>
             </a:r>
             <a:r>
               <a:rPr lang="en-GB" sz="1600" dirty="0" smtClean="0"/>
-              <a:t>used:</a:t>
-            </a:r>
-          </a:p>
-          <a:p>
-            <a:pPr lvl="1">
-              <a:buFont typeface="Wingdings" panose="05000000000000000000" pitchFamily="2" charset="2"/>
-              <a:buChar char="Ø"/>
-            </a:pPr>
+              <a:t>architecture</a:t>
+            </a:r>
+          </a:p>
+          <a:p>
+            <a:r>
+              <a:rPr lang="en-GB" sz="1600" dirty="0"/>
+              <a:t>Services are </a:t>
+            </a:r>
+            <a:r>
+              <a:rPr lang="en-GB" sz="1600" dirty="0" smtClean="0"/>
+              <a:t>JavaScript </a:t>
+            </a:r>
+            <a:r>
+              <a:rPr lang="en-GB" sz="1600" dirty="0"/>
+              <a:t>functions and are responsible to do a specific tasks </a:t>
+            </a:r>
+            <a:r>
+              <a:rPr lang="en-GB" sz="1600" dirty="0" smtClean="0"/>
+              <a:t>only. Controllers</a:t>
+            </a:r>
+            <a:r>
+              <a:rPr lang="en-GB" sz="1600" dirty="0"/>
+              <a:t>, filters can call them as on requirement basis. Services are normally injected using dependency injection mechanism of </a:t>
+            </a:r>
+            <a:r>
+              <a:rPr lang="en-GB" sz="1600" dirty="0" smtClean="0"/>
+              <a:t>AngularJS</a:t>
+            </a:r>
+          </a:p>
+          <a:p>
+            <a:r>
+              <a:rPr lang="en-GB" sz="1600" dirty="0" smtClean="0"/>
+              <a:t>Sample built-in services include </a:t>
+            </a:r>
+            <a:r>
+              <a:rPr lang="en-GB" sz="1600" b="1" dirty="0" smtClean="0">
+                <a:solidFill>
+                  <a:srgbClr val="00B050"/>
+                </a:solidFill>
+              </a:rPr>
+              <a:t>$http, $route, $window, $location </a:t>
+            </a:r>
+            <a:r>
+              <a:rPr lang="en-GB" sz="1600" dirty="0" smtClean="0"/>
+              <a:t>etc.</a:t>
+            </a:r>
+          </a:p>
+          <a:p>
+            <a:r>
+              <a:rPr lang="en-GB" sz="1600" dirty="0" smtClean="0"/>
+              <a:t>There are two ways to create service:-</a:t>
+            </a:r>
+          </a:p>
+          <a:p>
+            <a:pPr lvl="1"/>
             <a:r>
               <a:rPr lang="en-GB" sz="1400" dirty="0" smtClean="0"/>
-              <a:t>Using AJAX </a:t>
-            </a:r>
-          </a:p>
-          <a:p>
-            <a:pPr lvl="1">
-              <a:buFont typeface="Wingdings" panose="05000000000000000000" pitchFamily="2" charset="2"/>
-              <a:buChar char="Ø"/>
-            </a:pPr>
+              <a:t>factory - </a:t>
+            </a:r>
+            <a:r>
+              <a:rPr lang="en-US" sz="1400" dirty="0"/>
+              <a:t>module.factory( '</a:t>
+            </a:r>
+            <a:r>
+              <a:rPr lang="en-US" sz="1400" dirty="0" err="1"/>
+              <a:t>factoryName</a:t>
+            </a:r>
+            <a:r>
+              <a:rPr lang="en-US" sz="1400" dirty="0"/>
+              <a:t>', function </a:t>
+            </a:r>
+            <a:r>
+              <a:rPr lang="en-US" sz="1400" dirty="0" smtClean="0"/>
+              <a:t>);	- </a:t>
+            </a:r>
+            <a:r>
+              <a:rPr lang="en-GB" sz="1400" dirty="0"/>
+              <a:t>When you’re using a </a:t>
+            </a:r>
+            <a:r>
+              <a:rPr lang="en-GB" sz="1400" b="1" dirty="0"/>
+              <a:t>Factory</a:t>
+            </a:r>
+            <a:r>
+              <a:rPr lang="en-GB" sz="1400" dirty="0"/>
+              <a:t> you create an object, add properties to it, then return that same object. When you pass this service into your controller, those properties on the object will now be available in that controller through your </a:t>
+            </a:r>
             <a:r>
               <a:rPr lang="en-GB" sz="1400" dirty="0" smtClean="0"/>
-              <a:t>Using Server Side Includes</a:t>
+              <a:t>factory</a:t>
+            </a:r>
+          </a:p>
+          <a:p>
+            <a:pPr lvl="1"/>
+            <a:r>
+              <a:rPr lang="en-GB" sz="1400" dirty="0" smtClean="0"/>
+              <a:t>service - </a:t>
+            </a:r>
+            <a:r>
+              <a:rPr lang="en-US" sz="1400" dirty="0"/>
+              <a:t>module.service( '</a:t>
+            </a:r>
+            <a:r>
+              <a:rPr lang="en-US" sz="1400" dirty="0" err="1"/>
+              <a:t>serviceName</a:t>
+            </a:r>
+            <a:r>
+              <a:rPr lang="en-US" sz="1400" dirty="0"/>
+              <a:t>', function </a:t>
+            </a:r>
+            <a:r>
+              <a:rPr lang="en-US" sz="1400" dirty="0" smtClean="0"/>
+              <a:t>);	- </a:t>
+            </a:r>
+            <a:r>
+              <a:rPr lang="en-GB" sz="1400" dirty="0"/>
+              <a:t>When you’re using </a:t>
+            </a:r>
+            <a:r>
+              <a:rPr lang="en-GB" sz="1400" b="1" dirty="0"/>
+              <a:t>Service</a:t>
+            </a:r>
+            <a:r>
+              <a:rPr lang="en-GB" sz="1400" dirty="0"/>
+              <a:t>, it’s instantiated with the ‘new’ keyword. Because of that, you’ll add properties to ‘this’ and the service will return ‘this’. When you pass the service into your controller, those properties on ‘this’ will now be available on that controller through your service</a:t>
+            </a:r>
+            <a:r>
+              <a:rPr lang="en-GB" sz="1400" dirty="0" smtClean="0"/>
+              <a:t>.</a:t>
+            </a:r>
+          </a:p>
+          <a:p>
+            <a:pPr lvl="1"/>
+            <a:r>
+              <a:rPr lang="en-GB" sz="1400" dirty="0">
+                <a:hlinkClick r:id="rId2"/>
+              </a:rPr>
+              <a:t>http://tylermcginnis.com/angularjs-factory-vs-service-vs-provider</a:t>
+            </a:r>
+            <a:r>
+              <a:rPr lang="en-GB" sz="1400" dirty="0" smtClean="0">
+                <a:hlinkClick r:id="rId2"/>
+              </a:rPr>
+              <a:t>/</a:t>
+            </a:r>
+            <a:endParaRPr lang="en-GB" sz="1400" dirty="0" smtClean="0"/>
+          </a:p>
+          <a:p>
+            <a:r>
+              <a:rPr lang="en-GB" sz="1600" dirty="0" smtClean="0"/>
+              <a:t>AngularJS services are </a:t>
+            </a:r>
+            <a:r>
+              <a:rPr lang="en-GB" sz="1600" b="1" dirty="0" smtClean="0">
+                <a:solidFill>
+                  <a:srgbClr val="00B050"/>
+                </a:solidFill>
+              </a:rPr>
+              <a:t>singleton</a:t>
             </a:r>
           </a:p>
           <a:p>
             <a:r>
               <a:rPr lang="en-GB" sz="1600" b="1" dirty="0" smtClean="0"/>
-              <a:t>ng-include </a:t>
-            </a:r>
-            <a:r>
-              <a:rPr lang="en-GB" sz="1600" dirty="0" smtClean="0"/>
-              <a:t>can be used to embed HTML pages within a HTML page</a:t>
-            </a:r>
-          </a:p>
-          <a:p>
-            <a:endParaRPr lang="en-US" sz="1600" dirty="0"/>
-          </a:p>
-          <a:p>
-            <a:endParaRPr lang="en-US" sz="1600" dirty="0" smtClean="0"/>
+              <a:t>Providers</a:t>
+            </a:r>
+            <a:r>
+              <a:rPr lang="en-GB" sz="1600" dirty="0"/>
+              <a:t> are the only service you can pass into your .</a:t>
+            </a:r>
+            <a:r>
+              <a:rPr lang="en-GB" sz="1600" dirty="0" err="1"/>
+              <a:t>config</a:t>
+            </a:r>
+            <a:r>
+              <a:rPr lang="en-GB" sz="1600" dirty="0"/>
+              <a:t>() function</a:t>
+            </a:r>
+            <a:endParaRPr lang="en-GB" sz="1600" dirty="0" smtClean="0"/>
           </a:p>
         </p:txBody>
       </p:sp>
-      <p:pic>
-        <p:nvPicPr>
-          <p:cNvPr id="3074" name="Picture 2"/>
-          <p:cNvPicPr>
-            <a:picLocks noChangeAspect="1" noChangeArrowheads="1"/>
-          </p:cNvPicPr>
-          <p:nvPr/>
-        </p:nvPicPr>
-        <p:blipFill>
-          <a:blip r:embed="rId2">
-            <a:extLst>
-              <a:ext uri="{28A0092B-C50C-407E-A947-70E740481C1C}">
-                <a14:useLocalDpi xmlns:a14="http://schemas.microsoft.com/office/drawing/2010/main" val="0"/>
-              </a:ext>
-            </a:extLst>
-          </a:blip>
-          <a:srcRect/>
-          <a:stretch>
-            <a:fillRect/>
-          </a:stretch>
-        </p:blipFill>
-        <p:spPr bwMode="auto">
-          <a:xfrm>
-            <a:off x="827584" y="2132856"/>
-            <a:ext cx="3086100" cy="800100"/>
-          </a:xfrm>
-          <a:prstGeom prst="rect">
-            <a:avLst/>
-          </a:prstGeom>
-          <a:noFill/>
-          <a:ln>
-            <a:noFill/>
-          </a:ln>
-          <a:extLst>
-            <a:ext uri="{909E8E84-426E-40DD-AFC4-6F175D3DCCD1}">
-              <a14:hiddenFill xmlns:a14="http://schemas.microsoft.com/office/drawing/2010/main">
-                <a:solidFill>
-                  <a:schemeClr val="accent1"/>
-                </a:solidFill>
-              </a14:hiddenFill>
-            </a:ext>
-            <a:ext uri="{91240B29-F687-4F45-9708-019B960494DF}">
-              <a14:hiddenLine xmlns:a14="http://schemas.microsoft.com/office/drawing/2010/main" w="9525">
-                <a:solidFill>
-                  <a:schemeClr val="tx1"/>
-                </a:solidFill>
-                <a:miter lim="800000"/>
-                <a:headEnd/>
-                <a:tailEnd/>
-              </a14:hiddenLine>
-            </a:ext>
-          </a:extLst>
-        </p:spPr>
-      </p:pic>
-      <p:pic>
-        <p:nvPicPr>
-          <p:cNvPr id="3075" name="Picture 3"/>
-          <p:cNvPicPr>
-            <a:picLocks noChangeAspect="1" noChangeArrowheads="1"/>
-          </p:cNvPicPr>
-          <p:nvPr/>
-        </p:nvPicPr>
-        <p:blipFill>
-          <a:blip r:embed="rId3">
-            <a:extLst>
-              <a:ext uri="{28A0092B-C50C-407E-A947-70E740481C1C}">
-                <a14:useLocalDpi xmlns:a14="http://schemas.microsoft.com/office/drawing/2010/main" val="0"/>
-              </a:ext>
-            </a:extLst>
-          </a:blip>
-          <a:srcRect/>
-          <a:stretch>
-            <a:fillRect/>
-          </a:stretch>
-        </p:blipFill>
-        <p:spPr bwMode="auto">
-          <a:xfrm>
-            <a:off x="827584" y="4581128"/>
-            <a:ext cx="3552825" cy="771525"/>
-          </a:xfrm>
-          <a:prstGeom prst="rect">
-            <a:avLst/>
-          </a:prstGeom>
-          <a:noFill/>
-          <a:ln>
-            <a:noFill/>
-          </a:ln>
-          <a:extLst>
-            <a:ext uri="{909E8E84-426E-40DD-AFC4-6F175D3DCCD1}">
-              <a14:hiddenFill xmlns:a14="http://schemas.microsoft.com/office/drawing/2010/main">
-                <a:solidFill>
-                  <a:schemeClr val="accent1"/>
-                </a:solidFill>
-              </a14:hiddenFill>
-            </a:ext>
-            <a:ext uri="{91240B29-F687-4F45-9708-019B960494DF}">
-              <a14:hiddenLine xmlns:a14="http://schemas.microsoft.com/office/drawing/2010/main" w="9525">
-                <a:solidFill>
-                  <a:schemeClr val="tx1"/>
-                </a:solidFill>
-                <a:miter lim="800000"/>
-                <a:headEnd/>
-                <a:tailEnd/>
-              </a14:hiddenLine>
-            </a:ext>
-          </a:extLst>
-        </p:spPr>
-      </p:pic>
     </p:spTree>
     <p:extLst>
       <p:ext uri="{BB962C8B-B14F-4D97-AF65-F5344CB8AC3E}">
-        <p14:creationId xmlns:p14="http://schemas.microsoft.com/office/powerpoint/2010/main" val="2764337699"/>
+        <p14:creationId xmlns:p14="http://schemas.microsoft.com/office/powerpoint/2010/main" val="2970492343"/>
       </p:ext>
     </p:extLst>
   </p:cSld>
@@ -6589,7 +6502,11 @@
           <a:p>
             <a:r>
               <a:rPr lang="en-US" dirty="0" smtClean="0"/>
-              <a:t>AngularJS Forms</a:t>
+              <a:t>AngularJS </a:t>
+            </a:r>
+            <a:r>
+              <a:rPr lang="en-US" dirty="0" smtClean="0"/>
+              <a:t>JSONP</a:t>
             </a:r>
             <a:endParaRPr lang="en-US" dirty="0"/>
           </a:p>
@@ -6786,200 +6703,170 @@
           </a:lstStyle>
           <a:p>
             <a:r>
+              <a:rPr lang="en-GB" sz="1600" dirty="0" smtClean="0"/>
+              <a:t>JSONP – JSON with Padding</a:t>
+            </a:r>
+          </a:p>
+          <a:p>
+            <a:r>
+              <a:rPr lang="en-GB" sz="1600" dirty="0" smtClean="0"/>
+              <a:t>AngularJS's</a:t>
+            </a:r>
+            <a:r>
               <a:rPr lang="en-GB" sz="1600" dirty="0"/>
-              <a:t>AngularJS enriches form filling and </a:t>
+              <a:t> </a:t>
+            </a:r>
+            <a:r>
+              <a:rPr lang="en-GB" sz="1600" dirty="0"/>
+              <a:t>$http</a:t>
+            </a:r>
+            <a:r>
+              <a:rPr lang="en-GB" sz="1600" dirty="0"/>
+              <a:t> service is also capable of sending JSONP requests. The normal AJAX calls can only send requests to URLs within the same domain as the HTML page sending the requests was loaded from. You can get around this with JSONP </a:t>
             </a:r>
             <a:r>
               <a:rPr lang="en-GB" sz="1600" dirty="0" smtClean="0"/>
-              <a:t>validation</a:t>
-            </a:r>
-          </a:p>
-          <a:p>
-            <a:r>
-              <a:rPr lang="en-GB" sz="1600" b="1" dirty="0" smtClean="0"/>
-              <a:t>Events:</a:t>
+              <a:t>requests</a:t>
+            </a:r>
+          </a:p>
+          <a:p>
+            <a:r>
+              <a:rPr lang="en-GB" sz="1600" dirty="0"/>
+              <a:t>A JSONP request is not sent via the XHR object like AJAX calls normally are. Instead, a </a:t>
+            </a:r>
+            <a:r>
+              <a:rPr lang="en-GB" sz="1600" dirty="0"/>
+              <a:t>&lt;script&gt;</a:t>
+            </a:r>
+            <a:r>
+              <a:rPr lang="en-GB" sz="1600" dirty="0"/>
+              <a:t> element is created and inserted into the HTML </a:t>
             </a:r>
             <a:r>
               <a:rPr lang="en-GB" sz="1600" dirty="0" smtClean="0"/>
-              <a:t> AngularJS provides multiple events which can be associated with the HTML controls. Some of the events are as follows:</a:t>
-            </a:r>
-          </a:p>
-          <a:p>
-            <a:pPr lvl="1"/>
-            <a:r>
-              <a:rPr lang="en-GB" sz="1400" dirty="0" smtClean="0"/>
-              <a:t>ng-click</a:t>
-            </a:r>
-          </a:p>
-          <a:p>
-            <a:pPr lvl="1"/>
-            <a:r>
-              <a:rPr lang="en-GB" sz="1400" dirty="0" smtClean="0"/>
-              <a:t>ng-</a:t>
-            </a:r>
-            <a:r>
-              <a:rPr lang="en-GB" sz="1400" dirty="0" err="1" smtClean="0"/>
-              <a:t>dbl</a:t>
-            </a:r>
-            <a:r>
-              <a:rPr lang="en-GB" sz="1400" dirty="0" smtClean="0"/>
-              <a:t>-click</a:t>
-            </a:r>
-          </a:p>
-          <a:p>
-            <a:pPr lvl="1"/>
-            <a:r>
-              <a:rPr lang="en-GB" sz="1400" dirty="0" smtClean="0"/>
-              <a:t>ng-</a:t>
-            </a:r>
-            <a:r>
-              <a:rPr lang="en-GB" sz="1400" dirty="0" err="1" smtClean="0"/>
-              <a:t>mousedown</a:t>
-            </a:r>
-            <a:endParaRPr lang="en-GB" sz="1400" dirty="0" smtClean="0"/>
-          </a:p>
-          <a:p>
-            <a:pPr lvl="1"/>
-            <a:r>
-              <a:rPr lang="en-GB" sz="1400" dirty="0" smtClean="0"/>
-              <a:t>ng-</a:t>
-            </a:r>
-            <a:r>
-              <a:rPr lang="en-GB" sz="1400" dirty="0" err="1" smtClean="0"/>
-              <a:t>mouseup</a:t>
-            </a:r>
-            <a:endParaRPr lang="en-GB" sz="1400" dirty="0" smtClean="0"/>
-          </a:p>
-          <a:p>
-            <a:pPr lvl="1"/>
-            <a:r>
-              <a:rPr lang="en-GB" sz="1400" dirty="0" smtClean="0"/>
-              <a:t>ng-change</a:t>
-            </a:r>
-          </a:p>
-          <a:p>
-            <a:r>
-              <a:rPr lang="en-GB" sz="1600" b="1" dirty="0" smtClean="0"/>
-              <a:t>Validate Data:</a:t>
+              <a:t>page</a:t>
+            </a:r>
+          </a:p>
+          <a:p>
+            <a:r>
+              <a:rPr lang="en-US" sz="1600" dirty="0"/>
+              <a:t>&lt;script </a:t>
+            </a:r>
+            <a:r>
+              <a:rPr lang="en-US" sz="1600" dirty="0" err="1"/>
+              <a:t>src</a:t>
+            </a:r>
+            <a:r>
+              <a:rPr lang="en-US" sz="1600" dirty="0"/>
+              <a:t>="http</a:t>
+            </a:r>
+            <a:r>
+              <a:rPr lang="en-US" sz="1600" dirty="0" smtClean="0"/>
+              <a:t>://wiki.com/</a:t>
+            </a:r>
+            <a:r>
+              <a:rPr lang="en-US" sz="1600" dirty="0" err="1" smtClean="0"/>
+              <a:t>theService.json?</a:t>
+            </a:r>
+            <a:r>
+              <a:rPr lang="en-US" sz="1600" b="1" dirty="0" err="1" smtClean="0"/>
+              <a:t>callback</a:t>
+            </a:r>
+            <a:r>
+              <a:rPr lang="en-US" sz="1600" b="1" dirty="0" smtClean="0"/>
+              <a:t>=theServiceResponse</a:t>
+            </a:r>
+            <a:r>
+              <a:rPr lang="en-US" sz="1600" dirty="0" smtClean="0"/>
+              <a:t>&amp;p1=v1&amp;p2=v2</a:t>
+            </a:r>
+            <a:r>
+              <a:rPr lang="en-US" sz="1600" dirty="0"/>
+              <a:t>"&gt;&lt;/script</a:t>
+            </a:r>
+            <a:r>
+              <a:rPr lang="en-US" sz="1600" dirty="0" smtClean="0"/>
+              <a:t>&gt;</a:t>
+            </a:r>
+          </a:p>
+          <a:p>
+            <a:r>
+              <a:rPr lang="en-US" sz="1600" dirty="0" smtClean="0"/>
+              <a:t>Note the callback function is padded in the request URL. </a:t>
+            </a:r>
+            <a:r>
+              <a:rPr lang="en-GB" sz="1600" dirty="0"/>
+              <a:t>In </a:t>
             </a:r>
             <a:r>
               <a:rPr lang="en-GB" sz="1600" dirty="0" smtClean="0"/>
-              <a:t> Following can be used to track error</a:t>
-            </a:r>
-          </a:p>
-          <a:p>
-            <a:pPr lvl="1"/>
-            <a:r>
-              <a:rPr lang="en-GB" sz="1400" dirty="0" smtClean="0"/>
-              <a:t>$dirty - </a:t>
-            </a:r>
-            <a:r>
-              <a:rPr lang="en-GB" sz="1400" dirty="0"/>
-              <a:t>states that value has been </a:t>
-            </a:r>
-            <a:r>
-              <a:rPr lang="en-GB" sz="1400" dirty="0" smtClean="0"/>
-              <a:t>changed</a:t>
-            </a:r>
-          </a:p>
-          <a:p>
-            <a:pPr lvl="1"/>
-            <a:r>
-              <a:rPr lang="en-GB" sz="1400" dirty="0" smtClean="0"/>
-              <a:t>$invalid - </a:t>
-            </a:r>
-            <a:r>
-              <a:rPr lang="en-GB" sz="1400" dirty="0"/>
-              <a:t>states that value entered is </a:t>
-            </a:r>
-            <a:r>
-              <a:rPr lang="en-GB" sz="1400" dirty="0" smtClean="0"/>
-              <a:t>invalid</a:t>
-            </a:r>
-          </a:p>
-          <a:p>
-            <a:pPr lvl="1"/>
-            <a:r>
-              <a:rPr lang="en-GB" sz="1400" dirty="0" smtClean="0"/>
-              <a:t>$error - </a:t>
-            </a:r>
-            <a:r>
-              <a:rPr lang="en-US" sz="1400" dirty="0"/>
-              <a:t>states the exact </a:t>
-            </a:r>
-            <a:r>
-              <a:rPr lang="en-US" sz="1400" dirty="0" smtClean="0"/>
-              <a:t>error</a:t>
-            </a:r>
-          </a:p>
-          <a:p>
-            <a:pPr lvl="1"/>
-            <a:endParaRPr lang="en-US" sz="1400" dirty="0"/>
-          </a:p>
-          <a:p>
-            <a:pPr lvl="1"/>
-            <a:endParaRPr lang="en-US" sz="1400" dirty="0"/>
+              <a:t>AngularJS, </a:t>
+            </a:r>
+            <a:r>
+              <a:rPr lang="en-GB" sz="1600" dirty="0"/>
+              <a:t>the function name is supplied behind the scene by AngularJS</a:t>
+            </a:r>
+            <a:endParaRPr lang="en-US" sz="1600" dirty="0" smtClean="0"/>
+          </a:p>
+          <a:p>
+            <a:r>
+              <a:rPr lang="en-US" sz="1600" dirty="0"/>
+              <a:t>$</a:t>
+            </a:r>
+            <a:r>
+              <a:rPr lang="en-US" sz="1600" dirty="0" err="1"/>
+              <a:t>http.jsonp</a:t>
+            </a:r>
+            <a:r>
+              <a:rPr lang="en-US" sz="1600" dirty="0"/>
+              <a:t>( url, </a:t>
+            </a:r>
+            <a:r>
+              <a:rPr lang="en-US" sz="1600" dirty="0" err="1"/>
+              <a:t>config</a:t>
+            </a:r>
+            <a:r>
+              <a:rPr lang="en-US" sz="1600" dirty="0"/>
+              <a:t> </a:t>
+            </a:r>
+            <a:r>
+              <a:rPr lang="en-US" sz="1600" dirty="0" smtClean="0"/>
+              <a:t>);</a:t>
+            </a:r>
+          </a:p>
+          <a:p>
+            <a:r>
+              <a:rPr lang="en-US" sz="1600" b="1" dirty="0" smtClean="0">
+                <a:solidFill>
+                  <a:srgbClr val="FF0000"/>
+                </a:solidFill>
+              </a:rPr>
+              <a:t>JSONP Security</a:t>
+            </a:r>
+            <a:r>
+              <a:rPr lang="en-US" sz="1600" b="1" dirty="0" smtClean="0"/>
+              <a:t>: </a:t>
+            </a:r>
+            <a:r>
+              <a:rPr lang="en-GB" sz="1600" dirty="0"/>
+              <a:t>The remote service could send back </a:t>
+            </a:r>
+            <a:r>
+              <a:rPr lang="en-GB" sz="1600" i="1" dirty="0"/>
+              <a:t>any</a:t>
+            </a:r>
+            <a:r>
+              <a:rPr lang="en-GB" sz="1600" dirty="0"/>
+              <a:t> JavaScript which would then get executed inside your HTML page. An evil remote service could send back JavaScript which attempts to steal information from your application and sent it to a third party service. Only make JSONP calls to services you trust</a:t>
+            </a:r>
+            <a:endParaRPr lang="en-GB" sz="1600" b="1" dirty="0" smtClean="0"/>
           </a:p>
         </p:txBody>
       </p:sp>
-      <p:pic>
-        <p:nvPicPr>
-          <p:cNvPr id="4098" name="Picture 2"/>
-          <p:cNvPicPr>
-            <a:picLocks noChangeAspect="1" noChangeArrowheads="1"/>
-          </p:cNvPicPr>
-          <p:nvPr/>
-        </p:nvPicPr>
-        <p:blipFill>
-          <a:blip r:embed="rId2">
-            <a:extLst>
-              <a:ext uri="{28A0092B-C50C-407E-A947-70E740481C1C}">
-                <a14:useLocalDpi xmlns:a14="http://schemas.microsoft.com/office/drawing/2010/main" val="0"/>
-              </a:ext>
-            </a:extLst>
-          </a:blip>
-          <a:srcRect/>
-          <a:stretch>
-            <a:fillRect/>
-          </a:stretch>
-        </p:blipFill>
-        <p:spPr bwMode="auto">
-          <a:xfrm>
-            <a:off x="768279" y="4941168"/>
-            <a:ext cx="7915275" cy="952500"/>
-          </a:xfrm>
-          <a:prstGeom prst="rect">
-            <a:avLst/>
-          </a:prstGeom>
-          <a:noFill/>
-          <a:ln>
-            <a:noFill/>
-          </a:ln>
-          <a:extLst>
-            <a:ext uri="{909E8E84-426E-40DD-AFC4-6F175D3DCCD1}">
-              <a14:hiddenFill xmlns:a14="http://schemas.microsoft.com/office/drawing/2010/main">
-                <a:solidFill>
-                  <a:schemeClr val="accent1"/>
-                </a:solidFill>
-              </a14:hiddenFill>
-            </a:ext>
-            <a:ext uri="{91240B29-F687-4F45-9708-019B960494DF}">
-              <a14:hiddenLine xmlns:a14="http://schemas.microsoft.com/office/drawing/2010/main" w="9525">
-                <a:solidFill>
-                  <a:schemeClr val="tx1"/>
-                </a:solidFill>
-                <a:miter lim="800000"/>
-                <a:headEnd/>
-                <a:tailEnd/>
-              </a14:hiddenLine>
-            </a:ext>
-          </a:extLst>
-        </p:spPr>
-      </p:pic>
     </p:spTree>
     <p:extLst>
       <p:ext uri="{BB962C8B-B14F-4D97-AF65-F5344CB8AC3E}">
-        <p14:creationId xmlns:p14="http://schemas.microsoft.com/office/powerpoint/2010/main" val="2226374511"/>
+        <p14:creationId xmlns:p14="http://schemas.microsoft.com/office/powerpoint/2010/main" val="3891901585"/>
       </p:ext>
     </p:extLst>
   </p:cSld>
@@ -7030,7 +6917,7 @@
           <a:p>
             <a:r>
               <a:rPr lang="en-US" dirty="0" smtClean="0"/>
-              <a:t>AngularJS HTML DOM</a:t>
+              <a:t>AngularJS Filter</a:t>
             </a:r>
             <a:endParaRPr lang="en-US" dirty="0"/>
           </a:p>
@@ -7227,8 +7114,20 @@
           </a:lstStyle>
           <a:p>
             <a:r>
-              <a:rPr lang="en-US" sz="1600" dirty="0" smtClean="0"/>
-              <a:t>The following directive can be used to bind application data to attributes of HTML DOM Elements</a:t>
+              <a:rPr lang="en-GB" sz="1600" dirty="0"/>
+              <a:t>AngularJS </a:t>
+            </a:r>
+            <a:r>
+              <a:rPr lang="en-GB" sz="1600" dirty="0" smtClean="0"/>
+              <a:t>filters are used to </a:t>
+            </a:r>
+            <a:r>
+              <a:rPr lang="en-GB" sz="1600" dirty="0"/>
+              <a:t>change modify the data and can be clubbed in expression or directives using pipe </a:t>
+            </a:r>
+            <a:r>
+              <a:rPr lang="en-GB" sz="1600" dirty="0" smtClean="0"/>
+              <a:t>character</a:t>
             </a:r>
           </a:p>
           <a:p>
@@ -7237,8 +7136,16 @@
               <a:buChar char="Ø"/>
             </a:pPr>
             <a:r>
-              <a:rPr lang="en-US" sz="1400" dirty="0" smtClean="0"/>
-              <a:t>ng-disabled – disables a given control</a:t>
+              <a:rPr lang="en-GB" sz="1400" dirty="0" smtClean="0"/>
+              <a:t>uppercase - </a:t>
+            </a:r>
+            <a:r>
+              <a:rPr lang="en-GB" sz="1400" dirty="0"/>
+              <a:t>converts a text to upper case </a:t>
+            </a:r>
+            <a:r>
+              <a:rPr lang="en-GB" sz="1400" dirty="0" smtClean="0"/>
+              <a:t>text</a:t>
             </a:r>
           </a:p>
           <a:p>
@@ -7247,8 +7154,16 @@
               <a:buChar char="Ø"/>
             </a:pPr>
             <a:r>
-              <a:rPr lang="en-US" sz="1400" dirty="0" smtClean="0"/>
-              <a:t>ng-show – shows a given control</a:t>
+              <a:rPr lang="en-GB" sz="1400" dirty="0" smtClean="0"/>
+              <a:t>lowercase - </a:t>
+            </a:r>
+            <a:r>
+              <a:rPr lang="en-GB" sz="1400" dirty="0"/>
+              <a:t>converts a text to lower case </a:t>
+            </a:r>
+            <a:r>
+              <a:rPr lang="en-GB" sz="1400" dirty="0" smtClean="0"/>
+              <a:t>text</a:t>
             </a:r>
           </a:p>
           <a:p>
@@ -7257,8 +7172,16 @@
               <a:buChar char="Ø"/>
             </a:pPr>
             <a:r>
-              <a:rPr lang="en-US" sz="1400" dirty="0" smtClean="0"/>
-              <a:t>ng-hide – hides a given control</a:t>
+              <a:rPr lang="en-GB" sz="1400" dirty="0" smtClean="0"/>
+              <a:t>currency - </a:t>
+            </a:r>
+            <a:r>
+              <a:rPr lang="en-GB" sz="1400" dirty="0"/>
+              <a:t>formats text in a currency </a:t>
+            </a:r>
+            <a:r>
+              <a:rPr lang="en-GB" sz="1400" dirty="0" smtClean="0"/>
+              <a:t>format</a:t>
             </a:r>
           </a:p>
           <a:p>
@@ -7268,81 +7191,38 @@
             </a:pPr>
             <a:r>
               <a:rPr lang="en-US" sz="1400" dirty="0" smtClean="0"/>
-              <a:t>ng-click – represents a AngularJS click event</a:t>
-            </a:r>
-          </a:p>
-          <a:p>
-            <a:endParaRPr lang="en-US" sz="1600" dirty="0"/>
-          </a:p>
-          <a:p>
-            <a:endParaRPr lang="en-US" sz="1600" dirty="0" smtClean="0"/>
-          </a:p>
-          <a:p>
-            <a:endParaRPr lang="en-US" sz="1600" dirty="0"/>
-          </a:p>
-          <a:p>
-            <a:endParaRPr lang="en-US" sz="1600" dirty="0" smtClean="0"/>
+              <a:t>filter - </a:t>
+            </a:r>
+            <a:r>
+              <a:rPr lang="en-GB" sz="1400" dirty="0"/>
+              <a:t>filter the array to a subset of it based on provided </a:t>
+            </a:r>
+            <a:r>
+              <a:rPr lang="en-GB" sz="1400" dirty="0" smtClean="0"/>
+              <a:t>criteria</a:t>
+            </a:r>
+          </a:p>
+          <a:p>
+            <a:pPr lvl="1">
+              <a:buFont typeface="Wingdings" panose="05000000000000000000" pitchFamily="2" charset="2"/>
+              <a:buChar char="Ø"/>
+            </a:pPr>
+            <a:r>
+              <a:rPr lang="en-US" sz="1400" dirty="0" smtClean="0"/>
+              <a:t>orderby - </a:t>
+            </a:r>
+            <a:r>
+              <a:rPr lang="en-GB" sz="1400" dirty="0"/>
+              <a:t>orders the array based on provided criteria</a:t>
+            </a:r>
+            <a:endParaRPr lang="en-GB" sz="1400" dirty="0" smtClean="0"/>
           </a:p>
         </p:txBody>
       </p:sp>
-      <p:pic>
-        <p:nvPicPr>
-          <p:cNvPr id="5122" name="Picture 2"/>
-          <p:cNvPicPr>
-            <a:picLocks noChangeAspect="1" noChangeArrowheads="1"/>
-          </p:cNvPicPr>
-          <p:nvPr/>
-        </p:nvPicPr>
-        <p:blipFill>
-          <a:blip r:embed="rId2">
-            <a:extLst>
-              <a:ext uri="{28A0092B-C50C-407E-A947-70E740481C1C}">
-                <a14:useLocalDpi xmlns:a14="http://schemas.microsoft.com/office/drawing/2010/main" val="0"/>
-              </a:ext>
-            </a:extLst>
-          </a:blip>
-          <a:srcRect/>
-          <a:stretch>
-            <a:fillRect/>
-          </a:stretch>
-        </p:blipFill>
-        <p:spPr bwMode="auto">
-          <a:xfrm>
-            <a:off x="755576" y="3309937"/>
-            <a:ext cx="5791200" cy="1457325"/>
-          </a:xfrm>
-          <a:prstGeom prst="rect">
-            <a:avLst/>
-          </a:prstGeom>
-          <a:noFill/>
-          <a:ln>
-            <a:noFill/>
-          </a:ln>
-          <a:extLst>
-            <a:ext uri="{909E8E84-426E-40DD-AFC4-6F175D3DCCD1}">
-              <a14:hiddenFill xmlns:a14="http://schemas.microsoft.com/office/drawing/2010/main">
-                <a:solidFill>
-                  <a:schemeClr val="accent1"/>
-                </a:solidFill>
-              </a14:hiddenFill>
-            </a:ext>
-            <a:ext uri="{91240B29-F687-4F45-9708-019B960494DF}">
-              <a14:hiddenLine xmlns:a14="http://schemas.microsoft.com/office/drawing/2010/main" w="9525">
-                <a:solidFill>
-                  <a:schemeClr val="tx1"/>
-                </a:solidFill>
-                <a:miter lim="800000"/>
-                <a:headEnd/>
-                <a:tailEnd/>
-              </a14:hiddenLine>
-            </a:ext>
-          </a:extLst>
-        </p:spPr>
-      </p:pic>
     </p:spTree>
     <p:extLst>
       <p:ext uri="{BB962C8B-B14F-4D97-AF65-F5344CB8AC3E}">
-        <p14:creationId xmlns:p14="http://schemas.microsoft.com/office/powerpoint/2010/main" val="2094990842"/>
+        <p14:creationId xmlns:p14="http://schemas.microsoft.com/office/powerpoint/2010/main" val="1416244511"/>
       </p:ext>
     </p:extLst>
   </p:cSld>
@@ -7526,7 +7406,7 @@
           <a:p>
             <a:r>
               <a:rPr lang="en-US" dirty="0" smtClean="0"/>
-              <a:t>AngularJS Custom Directive</a:t>
+              <a:t>AngularJS Table &amp; Include</a:t>
             </a:r>
             <a:endParaRPr lang="en-US" dirty="0"/>
           </a:p>
@@ -7723,218 +7603,186 @@
           </a:lstStyle>
           <a:p>
             <a:r>
+              <a:rPr lang="en-US" sz="1600" b="1" dirty="0" smtClean="0"/>
+              <a:t>ng-repeat</a:t>
+            </a:r>
+            <a:r>
+              <a:rPr lang="en-US" sz="1600" dirty="0" smtClean="0"/>
+              <a:t> directive can be used to draw table easily</a:t>
+            </a:r>
+          </a:p>
+          <a:p>
+            <a:endParaRPr lang="en-US" sz="1600" dirty="0"/>
+          </a:p>
+          <a:p>
+            <a:endParaRPr lang="en-US" sz="1600" dirty="0" smtClean="0"/>
+          </a:p>
+          <a:p>
+            <a:endParaRPr lang="en-US" sz="1600" dirty="0"/>
+          </a:p>
+          <a:p>
+            <a:endParaRPr lang="en-US" sz="1600" dirty="0" smtClean="0"/>
+          </a:p>
+          <a:p>
+            <a:r>
               <a:rPr lang="en-GB" sz="1600" dirty="0"/>
-              <a:t>Custom directives are used in AngularJS to extend the functionality of HTML. Custom directives are defined using </a:t>
-            </a:r>
-            <a:r>
-              <a:rPr lang="en-GB" sz="1600" b="1" dirty="0">
-                <a:solidFill>
-                  <a:srgbClr val="00B050"/>
-                </a:solidFill>
-              </a:rPr>
-              <a:t>"directive" </a:t>
+              <a:t>HTML does not support embedding html pages within html page. To achieve this functionality following ways are </a:t>
             </a:r>
             <a:r>
               <a:rPr lang="en-GB" sz="1600" dirty="0" smtClean="0"/>
-              <a:t>function</a:t>
-            </a:r>
-            <a:endParaRPr lang="en-GB" sz="1600" dirty="0"/>
-          </a:p>
-          <a:p>
+              <a:t>used:</a:t>
+            </a:r>
+          </a:p>
+          <a:p>
+            <a:pPr lvl="1">
+              <a:buFont typeface="Wingdings" panose="05000000000000000000" pitchFamily="2" charset="2"/>
+              <a:buChar char="Ø"/>
+            </a:pPr>
+            <a:r>
+              <a:rPr lang="en-GB" sz="1400" dirty="0" smtClean="0"/>
+              <a:t>Using AJAX </a:t>
+            </a:r>
+          </a:p>
+          <a:p>
+            <a:pPr lvl="1">
+              <a:buFont typeface="Wingdings" panose="05000000000000000000" pitchFamily="2" charset="2"/>
+              <a:buChar char="Ø"/>
+            </a:pPr>
+            <a:r>
+              <a:rPr lang="en-GB" sz="1400" dirty="0" smtClean="0"/>
+              <a:t>Using Server Side Includes</a:t>
+            </a:r>
+          </a:p>
+          <a:p>
+            <a:r>
+              <a:rPr lang="en-GB" sz="1600" b="1" dirty="0" smtClean="0"/>
+              <a:t>ng-include </a:t>
+            </a:r>
             <a:r>
               <a:rPr lang="en-GB" sz="1600" dirty="0" smtClean="0"/>
-              <a:t>During bootstrap (one time activity),</a:t>
-            </a:r>
-          </a:p>
-          <a:p>
-            <a:pPr lvl="1"/>
-            <a:r>
-              <a:rPr lang="en-GB" sz="1400" b="1" dirty="0" smtClean="0">
-                <a:solidFill>
-                  <a:srgbClr val="00B050"/>
-                </a:solidFill>
-              </a:rPr>
-              <a:t>compile() </a:t>
-            </a:r>
-            <a:r>
-              <a:rPr lang="en-GB" sz="1400" dirty="0" smtClean="0"/>
-              <a:t>method finds the matching elements </a:t>
-            </a:r>
-          </a:p>
-          <a:p>
-            <a:pPr lvl="1"/>
-            <a:r>
-              <a:rPr lang="en-GB" sz="1400" b="1" dirty="0" smtClean="0">
-                <a:solidFill>
-                  <a:srgbClr val="00B050"/>
-                </a:solidFill>
-              </a:rPr>
-              <a:t>link()</a:t>
-            </a:r>
-            <a:r>
-              <a:rPr lang="en-GB" sz="1400" dirty="0" smtClean="0"/>
-              <a:t> method will process the element based on the scope of the directive</a:t>
-            </a:r>
-          </a:p>
-          <a:p>
-            <a:r>
-              <a:rPr lang="en-GB" sz="1600" dirty="0" smtClean="0"/>
-              <a:t>AngularJS provides support to create custom directives for following type of elements</a:t>
-            </a:r>
-          </a:p>
-          <a:p>
-            <a:pPr lvl="1"/>
-            <a:r>
-              <a:rPr lang="en-GB" sz="1400" b="1" dirty="0" smtClean="0">
-                <a:solidFill>
-                  <a:srgbClr val="00B050"/>
-                </a:solidFill>
-              </a:rPr>
-              <a:t>Element directives </a:t>
-            </a:r>
-            <a:r>
-              <a:rPr lang="en-GB" sz="1400" dirty="0" smtClean="0"/>
-              <a:t>– Activates when a matching element is encountered</a:t>
-            </a:r>
-          </a:p>
-          <a:p>
-            <a:pPr lvl="1"/>
-            <a:r>
-              <a:rPr lang="en-GB" sz="1400" b="1" dirty="0" smtClean="0">
-                <a:solidFill>
-                  <a:srgbClr val="00B050"/>
-                </a:solidFill>
-              </a:rPr>
-              <a:t>Attribute</a:t>
-            </a:r>
-            <a:r>
-              <a:rPr lang="en-GB" sz="1400" dirty="0" smtClean="0"/>
-              <a:t> - Activates </a:t>
-            </a:r>
-            <a:r>
-              <a:rPr lang="en-GB" sz="1400" dirty="0"/>
-              <a:t>when </a:t>
-            </a:r>
-            <a:r>
-              <a:rPr lang="en-GB" sz="1400" dirty="0" smtClean="0"/>
-              <a:t>a matching attribute is encountered</a:t>
-            </a:r>
-          </a:p>
-          <a:p>
-            <a:pPr lvl="1"/>
-            <a:r>
-              <a:rPr lang="en-GB" sz="1400" b="1" dirty="0">
-                <a:solidFill>
-                  <a:srgbClr val="00B050"/>
-                </a:solidFill>
-              </a:rPr>
-              <a:t>CSS</a:t>
-            </a:r>
-            <a:r>
-              <a:rPr lang="en-GB" sz="1400" dirty="0" smtClean="0"/>
-              <a:t> – Activates when a matching CSS is encountered</a:t>
-            </a:r>
-          </a:p>
-          <a:p>
-            <a:pPr lvl="1"/>
-            <a:r>
-              <a:rPr lang="en-GB" sz="1400" b="1" dirty="0">
-                <a:solidFill>
-                  <a:srgbClr val="00B050"/>
-                </a:solidFill>
-              </a:rPr>
-              <a:t>Comment</a:t>
-            </a:r>
-            <a:r>
-              <a:rPr lang="en-GB" sz="1400" dirty="0" smtClean="0"/>
-              <a:t> – Activates when a matching comment is encountered</a:t>
-            </a:r>
-          </a:p>
-          <a:p>
-            <a:r>
-              <a:rPr lang="en-GB" sz="1600" dirty="0" smtClean="0"/>
-              <a:t>Define custom html tags</a:t>
-            </a:r>
-          </a:p>
-          <a:p>
-            <a:pPr lvl="1"/>
-            <a:r>
-              <a:rPr lang="nl-NL" sz="1200" dirty="0"/>
-              <a:t>&lt;student name = </a:t>
-            </a:r>
-            <a:r>
-              <a:rPr lang="nl-NL" sz="1200" dirty="0" smtClean="0"/>
-              <a:t>“Hello"&gt;&lt;/</a:t>
-            </a:r>
-            <a:r>
-              <a:rPr lang="nl-NL" sz="1200" dirty="0"/>
-              <a:t>student&gt;&lt;br/&gt; </a:t>
-            </a:r>
-            <a:endParaRPr lang="nl-NL" sz="1200" dirty="0" smtClean="0"/>
-          </a:p>
-          <a:p>
-            <a:pPr lvl="1"/>
-            <a:r>
-              <a:rPr lang="nl-NL" sz="1200" dirty="0" smtClean="0"/>
-              <a:t>&lt;</a:t>
-            </a:r>
-            <a:r>
-              <a:rPr lang="nl-NL" sz="1200" dirty="0"/>
-              <a:t>student name = </a:t>
-            </a:r>
-            <a:r>
-              <a:rPr lang="nl-NL" sz="1200" dirty="0" smtClean="0"/>
-              <a:t>“World"&gt;&lt;/</a:t>
-            </a:r>
-            <a:r>
-              <a:rPr lang="nl-NL" sz="1200" dirty="0"/>
-              <a:t>student</a:t>
-            </a:r>
-            <a:r>
-              <a:rPr lang="nl-NL" sz="1200" dirty="0" smtClean="0"/>
-              <a:t>&gt;</a:t>
-            </a:r>
-          </a:p>
-          <a:p>
-            <a:r>
-              <a:rPr lang="nl-NL" sz="1600" dirty="0" smtClean="0"/>
-              <a:t>Define the </a:t>
-            </a:r>
-            <a:r>
-              <a:rPr lang="en-GB" sz="1600" dirty="0"/>
-              <a:t>custom directive to handle above custom html </a:t>
-            </a:r>
-            <a:r>
-              <a:rPr lang="en-GB" sz="1600" dirty="0" smtClean="0"/>
-              <a:t>tags</a:t>
-            </a:r>
-          </a:p>
-          <a:p>
-            <a:pPr lvl="1"/>
-            <a:r>
-              <a:rPr lang="en-US" sz="1200" dirty="0" err="1"/>
-              <a:t>mainApp.directive</a:t>
-            </a:r>
-            <a:r>
-              <a:rPr lang="en-US" sz="1200" dirty="0"/>
-              <a:t>('student', function() {</a:t>
-            </a:r>
-            <a:endParaRPr lang="en-GB" sz="1200" dirty="0"/>
-          </a:p>
-          <a:p>
-            <a:pPr lvl="1"/>
-            <a:endParaRPr lang="en-GB" sz="1400" b="1" dirty="0">
-              <a:solidFill>
-                <a:srgbClr val="00B050"/>
-              </a:solidFill>
-            </a:endParaRPr>
+              <a:t>can be used to embed HTML pages within a HTML page</a:t>
+            </a:r>
+          </a:p>
+          <a:p>
+            <a:endParaRPr lang="en-US" sz="1600" dirty="0"/>
+          </a:p>
+          <a:p>
+            <a:endParaRPr lang="en-US" sz="1600" dirty="0" smtClean="0"/>
           </a:p>
         </p:txBody>
       </p:sp>
+      <p:pic>
+        <p:nvPicPr>
+          <p:cNvPr id="3074" name="Picture 2"/>
+          <p:cNvPicPr>
+            <a:picLocks noChangeAspect="1" noChangeArrowheads="1"/>
+          </p:cNvPicPr>
+          <p:nvPr/>
+        </p:nvPicPr>
+        <p:blipFill>
+          <a:blip r:embed="rId2">
+            <a:extLst>
+              <a:ext uri="{28A0092B-C50C-407E-A947-70E740481C1C}">
+                <a14:useLocalDpi xmlns:a14="http://schemas.microsoft.com/office/drawing/2010/main" val="0"/>
+              </a:ext>
+            </a:extLst>
+          </a:blip>
+          <a:srcRect/>
+          <a:stretch>
+            <a:fillRect/>
+          </a:stretch>
+        </p:blipFill>
+        <p:spPr bwMode="auto">
+          <a:xfrm>
+            <a:off x="827584" y="2132856"/>
+            <a:ext cx="3086100" cy="800100"/>
+          </a:xfrm>
+          <a:prstGeom prst="rect">
+            <a:avLst/>
+          </a:prstGeom>
+          <a:noFill/>
+          <a:ln>
+            <a:noFill/>
+          </a:ln>
+          <a:extLst>
+            <a:ext uri="{909E8E84-426E-40DD-AFC4-6F175D3DCCD1}">
+              <a14:hiddenFill xmlns:a14="http://schemas.microsoft.com/office/drawing/2010/main">
+                <a:solidFill>
+                  <a:schemeClr val="accent1"/>
+                </a:solidFill>
+              </a14:hiddenFill>
+            </a:ext>
+            <a:ext uri="{91240B29-F687-4F45-9708-019B960494DF}">
+              <a14:hiddenLine xmlns:a14="http://schemas.microsoft.com/office/drawing/2010/main" w="9525">
+                <a:solidFill>
+                  <a:schemeClr val="tx1"/>
+                </a:solidFill>
+                <a:miter lim="800000"/>
+                <a:headEnd/>
+                <a:tailEnd/>
+              </a14:hiddenLine>
+            </a:ext>
+          </a:extLst>
+        </p:spPr>
+      </p:pic>
+      <p:pic>
+        <p:nvPicPr>
+          <p:cNvPr id="3075" name="Picture 3"/>
+          <p:cNvPicPr>
+            <a:picLocks noChangeAspect="1" noChangeArrowheads="1"/>
+          </p:cNvPicPr>
+          <p:nvPr/>
+        </p:nvPicPr>
+        <p:blipFill>
+          <a:blip r:embed="rId3">
+            <a:extLst>
+              <a:ext uri="{28A0092B-C50C-407E-A947-70E740481C1C}">
+                <a14:useLocalDpi xmlns:a14="http://schemas.microsoft.com/office/drawing/2010/main" val="0"/>
+              </a:ext>
+            </a:extLst>
+          </a:blip>
+          <a:srcRect/>
+          <a:stretch>
+            <a:fillRect/>
+          </a:stretch>
+        </p:blipFill>
+        <p:spPr bwMode="auto">
+          <a:xfrm>
+            <a:off x="827584" y="4581128"/>
+            <a:ext cx="3552825" cy="771525"/>
+          </a:xfrm>
+          <a:prstGeom prst="rect">
+            <a:avLst/>
+          </a:prstGeom>
+          <a:noFill/>
+          <a:ln>
+            <a:noFill/>
+          </a:ln>
+          <a:extLst>
+            <a:ext uri="{909E8E84-426E-40DD-AFC4-6F175D3DCCD1}">
+              <a14:hiddenFill xmlns:a14="http://schemas.microsoft.com/office/drawing/2010/main">
+                <a:solidFill>
+                  <a:schemeClr val="accent1"/>
+                </a:solidFill>
+              </a14:hiddenFill>
+            </a:ext>
+            <a:ext uri="{91240B29-F687-4F45-9708-019B960494DF}">
+              <a14:hiddenLine xmlns:a14="http://schemas.microsoft.com/office/drawing/2010/main" w="9525">
+                <a:solidFill>
+                  <a:schemeClr val="tx1"/>
+                </a:solidFill>
+                <a:miter lim="800000"/>
+                <a:headEnd/>
+                <a:tailEnd/>
+              </a14:hiddenLine>
+            </a:ext>
+          </a:extLst>
+        </p:spPr>
+      </p:pic>
     </p:spTree>
     <p:extLst>
       <p:ext uri="{BB962C8B-B14F-4D97-AF65-F5344CB8AC3E}">
-        <p14:creationId xmlns:p14="http://schemas.microsoft.com/office/powerpoint/2010/main" val="455349659"/>
+        <p14:creationId xmlns:p14="http://schemas.microsoft.com/office/powerpoint/2010/main" val="2764337699"/>
       </p:ext>
     </p:extLst>
   </p:cSld>
@@ -7985,7 +7833,7 @@
           <a:p>
             <a:r>
               <a:rPr lang="en-US" dirty="0" smtClean="0"/>
-              <a:t>AngularJS Views</a:t>
+              <a:t>AngularJS Forms</a:t>
             </a:r>
             <a:endParaRPr lang="en-US" dirty="0"/>
           </a:p>
@@ -8183,123 +8031,199 @@
           <a:p>
             <a:r>
               <a:rPr lang="en-GB" sz="1600" dirty="0"/>
-              <a:t>AngularJS supports Single Page Application via multiple views on a single page. To do this AngularJS has provided </a:t>
-            </a:r>
-            <a:r>
-              <a:rPr lang="en-GB" sz="1600" b="1" dirty="0">
-                <a:solidFill>
-                  <a:srgbClr val="00B050"/>
-                </a:solidFill>
-              </a:rPr>
-              <a:t>ng-view</a:t>
-            </a:r>
-            <a:r>
-              <a:rPr lang="en-GB" sz="1600" dirty="0"/>
-              <a:t> and </a:t>
-            </a:r>
-            <a:r>
-              <a:rPr lang="en-GB" sz="1600" b="1" dirty="0">
-                <a:solidFill>
-                  <a:srgbClr val="00B050"/>
-                </a:solidFill>
-              </a:rPr>
-              <a:t>ng-template</a:t>
-            </a:r>
-            <a:r>
-              <a:rPr lang="en-GB" sz="1600" dirty="0"/>
-              <a:t> directives and </a:t>
-            </a:r>
-            <a:r>
-              <a:rPr lang="en-GB" sz="1600" b="1" dirty="0">
-                <a:solidFill>
-                  <a:srgbClr val="00B050"/>
-                </a:solidFill>
-              </a:rPr>
-              <a:t>$routeProvider </a:t>
+              <a:t>AngularJS enriches form filling and </a:t>
             </a:r>
             <a:r>
               <a:rPr lang="en-GB" sz="1600" dirty="0" smtClean="0"/>
-              <a:t>services</a:t>
-            </a:r>
-          </a:p>
-          <a:p>
-            <a:pPr lvl="1">
-              <a:buFont typeface="Wingdings" panose="05000000000000000000" pitchFamily="2" charset="2"/>
-              <a:buChar char="Ø"/>
-            </a:pPr>
-            <a:r>
-              <a:rPr lang="en-US" sz="1400" b="1" dirty="0" smtClean="0"/>
-              <a:t>ng-view</a:t>
+              <a:t>validation</a:t>
+            </a:r>
+          </a:p>
+          <a:p>
+            <a:r>
+              <a:rPr lang="en-GB" sz="1600" b="1" dirty="0" smtClean="0"/>
+              <a:t>Events:</a:t>
+            </a:r>
+            <a:r>
+              <a:rPr lang="en-GB" sz="1600" dirty="0" smtClean="0"/>
+              <a:t> AngularJS provides multiple events which can be associated with the HTML controls. Some of the events are as follows:</a:t>
+            </a:r>
+          </a:p>
+          <a:p>
+            <a:pPr lvl="1"/>
+            <a:r>
+              <a:rPr lang="en-GB" sz="1400" dirty="0" smtClean="0"/>
+              <a:t>ng-click</a:t>
+            </a:r>
+          </a:p>
+          <a:p>
+            <a:pPr lvl="1"/>
+            <a:r>
+              <a:rPr lang="en-GB" sz="1400" dirty="0" smtClean="0"/>
+              <a:t>ng-</a:t>
+            </a:r>
+            <a:r>
+              <a:rPr lang="en-GB" sz="1400" dirty="0" err="1" smtClean="0"/>
+              <a:t>dbl</a:t>
+            </a:r>
+            <a:r>
+              <a:rPr lang="en-GB" sz="1400" dirty="0" smtClean="0"/>
+              <a:t>-click</a:t>
+            </a:r>
+          </a:p>
+          <a:p>
+            <a:pPr lvl="1"/>
+            <a:r>
+              <a:rPr lang="en-GB" sz="1400" dirty="0" smtClean="0"/>
+              <a:t>ng-</a:t>
+            </a:r>
+            <a:r>
+              <a:rPr lang="en-GB" sz="1400" dirty="0" err="1" smtClean="0"/>
+              <a:t>mousedown</a:t>
+            </a:r>
+            <a:endParaRPr lang="en-GB" sz="1400" dirty="0" smtClean="0"/>
+          </a:p>
+          <a:p>
+            <a:pPr lvl="1"/>
+            <a:r>
+              <a:rPr lang="en-GB" sz="1400" dirty="0" smtClean="0"/>
+              <a:t>ng-</a:t>
+            </a:r>
+            <a:r>
+              <a:rPr lang="en-GB" sz="1400" dirty="0" err="1" smtClean="0"/>
+              <a:t>mouseup</a:t>
+            </a:r>
+            <a:endParaRPr lang="en-GB" sz="1400" dirty="0" smtClean="0"/>
+          </a:p>
+          <a:p>
+            <a:pPr lvl="1"/>
+            <a:r>
+              <a:rPr lang="en-GB" sz="1400" dirty="0" smtClean="0"/>
+              <a:t>ng-change</a:t>
+            </a:r>
+          </a:p>
+          <a:p>
+            <a:r>
+              <a:rPr lang="en-GB" sz="1600" b="1" dirty="0" smtClean="0"/>
+              <a:t>Validate Data:</a:t>
+            </a:r>
+            <a:r>
+              <a:rPr lang="en-GB" sz="1600" dirty="0" smtClean="0"/>
+              <a:t> Following can be used to track error</a:t>
+            </a:r>
+          </a:p>
+          <a:p>
+            <a:pPr lvl="1"/>
+            <a:r>
+              <a:rPr lang="en-GB" sz="1400" dirty="0" smtClean="0"/>
+              <a:t>$dirty - </a:t>
+            </a:r>
+            <a:r>
+              <a:rPr lang="en-GB" sz="1400" dirty="0"/>
+              <a:t>states that value has been </a:t>
+            </a:r>
+            <a:r>
+              <a:rPr lang="en-GB" sz="1400" dirty="0" smtClean="0"/>
+              <a:t>changed</a:t>
+            </a:r>
+          </a:p>
+          <a:p>
+            <a:pPr lvl="1"/>
+            <a:r>
+              <a:rPr lang="en-GB" sz="1400" dirty="0" smtClean="0"/>
+              <a:t>$invalid - </a:t>
+            </a:r>
+            <a:r>
+              <a:rPr lang="en-GB" sz="1400" dirty="0"/>
+              <a:t>states that value entered is </a:t>
+            </a:r>
+            <a:r>
+              <a:rPr lang="en-GB" sz="1400" dirty="0" smtClean="0"/>
+              <a:t>invalid</a:t>
+            </a:r>
+          </a:p>
+          <a:p>
+            <a:pPr lvl="1"/>
+            <a:r>
+              <a:rPr lang="en-GB" sz="1400" dirty="0" smtClean="0"/>
+              <a:t>$error - </a:t>
+            </a:r>
+            <a:r>
+              <a:rPr lang="en-US" sz="1400" dirty="0"/>
+              <a:t>states the exact </a:t>
             </a:r>
             <a:r>
               <a:rPr lang="en-US" sz="1400" dirty="0" smtClean="0"/>
-              <a:t> – simply creates a place holder where a corresponding view can be placed based on the configuration</a:t>
-            </a:r>
-          </a:p>
-          <a:p>
-            <a:pPr lvl="1">
-              <a:buFont typeface="Wingdings" panose="05000000000000000000" pitchFamily="2" charset="2"/>
-              <a:buChar char="Ø"/>
-            </a:pPr>
-            <a:r>
-              <a:rPr lang="en-US" sz="1400" b="1" dirty="0" smtClean="0"/>
-              <a:t>ng-template</a:t>
-            </a:r>
-            <a:r>
-              <a:rPr lang="en-US" sz="1400" dirty="0" smtClean="0"/>
-              <a:t> – </a:t>
-            </a:r>
-            <a:r>
-              <a:rPr lang="en-GB" sz="1400" dirty="0" smtClean="0"/>
-              <a:t>directive </a:t>
-            </a:r>
-            <a:r>
-              <a:rPr lang="en-GB" sz="1400" dirty="0"/>
-              <a:t>is used to create an html view using script tag. It contains "id" attribute which is used by $routeProvider to map a view with a </a:t>
-            </a:r>
-            <a:r>
-              <a:rPr lang="en-GB" sz="1400" dirty="0" smtClean="0"/>
-              <a:t>controller</a:t>
-            </a:r>
-          </a:p>
-          <a:p>
-            <a:pPr lvl="1">
-              <a:buFont typeface="Wingdings" panose="05000000000000000000" pitchFamily="2" charset="2"/>
-              <a:buChar char="Ø"/>
-            </a:pPr>
-            <a:r>
-              <a:rPr lang="en-GB" sz="1400" b="1" dirty="0"/>
-              <a:t>$routeProvider</a:t>
-            </a:r>
-            <a:r>
-              <a:rPr lang="en-GB" sz="1400" dirty="0"/>
-              <a:t> is the key service which set the configuration of </a:t>
-            </a:r>
-            <a:r>
-              <a:rPr lang="en-GB" sz="1400" dirty="0" smtClean="0"/>
-              <a:t>URLs, </a:t>
-            </a:r>
-            <a:r>
-              <a:rPr lang="en-GB" sz="1400" dirty="0"/>
-              <a:t>map them with the corresponding html page or ng-template, and attach a controller with the same</a:t>
-            </a:r>
-            <a:endParaRPr lang="en-US" sz="1600" dirty="0"/>
-          </a:p>
-          <a:p>
-            <a:endParaRPr lang="en-US" sz="1600" dirty="0" smtClean="0"/>
-          </a:p>
-          <a:p>
-            <a:endParaRPr lang="en-US" sz="1600" dirty="0"/>
-          </a:p>
-          <a:p>
-            <a:endParaRPr lang="en-US" sz="1600" dirty="0" smtClean="0"/>
+              <a:t>error</a:t>
+            </a:r>
+          </a:p>
+          <a:p>
+            <a:pPr lvl="1"/>
+            <a:endParaRPr lang="en-US" sz="1400" dirty="0"/>
+          </a:p>
+          <a:p>
+            <a:pPr lvl="1"/>
+            <a:endParaRPr lang="en-US" sz="1400" dirty="0"/>
           </a:p>
         </p:txBody>
       </p:sp>
+      <p:pic>
+        <p:nvPicPr>
+          <p:cNvPr id="4098" name="Picture 2"/>
+          <p:cNvPicPr>
+            <a:picLocks noChangeAspect="1" noChangeArrowheads="1"/>
+          </p:cNvPicPr>
+          <p:nvPr/>
+        </p:nvPicPr>
+        <p:blipFill>
+          <a:blip r:embed="rId2">
+            <a:extLst>
+              <a:ext uri="{28A0092B-C50C-407E-A947-70E740481C1C}">
+                <a14:useLocalDpi xmlns:a14="http://schemas.microsoft.com/office/drawing/2010/main" val="0"/>
+              </a:ext>
+            </a:extLst>
+          </a:blip>
+          <a:srcRect/>
+          <a:stretch>
+            <a:fillRect/>
+          </a:stretch>
+        </p:blipFill>
+        <p:spPr bwMode="auto">
+          <a:xfrm>
+            <a:off x="768279" y="4941168"/>
+            <a:ext cx="7915275" cy="952500"/>
+          </a:xfrm>
+          <a:prstGeom prst="rect">
+            <a:avLst/>
+          </a:prstGeom>
+          <a:noFill/>
+          <a:ln>
+            <a:noFill/>
+          </a:ln>
+          <a:extLst>
+            <a:ext uri="{909E8E84-426E-40DD-AFC4-6F175D3DCCD1}">
+              <a14:hiddenFill xmlns:a14="http://schemas.microsoft.com/office/drawing/2010/main">
+                <a:solidFill>
+                  <a:schemeClr val="accent1"/>
+                </a:solidFill>
+              </a14:hiddenFill>
+            </a:ext>
+            <a:ext uri="{91240B29-F687-4F45-9708-019B960494DF}">
+              <a14:hiddenLine xmlns:a14="http://schemas.microsoft.com/office/drawing/2010/main" w="9525">
+                <a:solidFill>
+                  <a:schemeClr val="tx1"/>
+                </a:solidFill>
+                <a:miter lim="800000"/>
+                <a:headEnd/>
+                <a:tailEnd/>
+              </a14:hiddenLine>
+            </a:ext>
+          </a:extLst>
+        </p:spPr>
+      </p:pic>
     </p:spTree>
     <p:extLst>
       <p:ext uri="{BB962C8B-B14F-4D97-AF65-F5344CB8AC3E}">
-        <p14:creationId xmlns:p14="http://schemas.microsoft.com/office/powerpoint/2010/main" val="4187617310"/>
+        <p14:creationId xmlns:p14="http://schemas.microsoft.com/office/powerpoint/2010/main" val="2226374511"/>
       </p:ext>
     </p:extLst>
   </p:cSld>
@@ -8350,7 +8274,7 @@
           <a:p>
             <a:r>
               <a:rPr lang="en-US" dirty="0" smtClean="0"/>
-              <a:t>Routing and Multiple Views</a:t>
+              <a:t>AngularJS HTML DOM</a:t>
             </a:r>
             <a:endParaRPr lang="en-US" dirty="0"/>
           </a:p>
@@ -8547,66 +8471,122 @@
           </a:lstStyle>
           <a:p>
             <a:r>
-              <a:rPr lang="en-GB" sz="1600" b="1" dirty="0" smtClean="0"/>
-              <a:t>ngRoute module: </a:t>
-            </a:r>
-            <a:r>
-              <a:rPr lang="en-GB" sz="1600" dirty="0" smtClean="0"/>
-              <a:t>is disturbed separately from the core Angular framework</a:t>
-            </a:r>
-          </a:p>
-          <a:p>
-            <a:r>
-              <a:rPr lang="en-GB" sz="1600" dirty="0" smtClean="0"/>
-              <a:t>Provides routing and deep linking services and directives for angular apps</a:t>
-            </a:r>
-          </a:p>
-          <a:p>
-            <a:r>
-              <a:rPr lang="en-GB" sz="1600" dirty="0"/>
-              <a:t>Application routes in Angular are declared via the </a:t>
-            </a:r>
-            <a:r>
-              <a:rPr lang="en-GB" sz="1600" dirty="0">
-                <a:hlinkClick r:id="rId2"/>
-              </a:rPr>
-              <a:t>$routeProvider</a:t>
-            </a:r>
-            <a:r>
-              <a:rPr lang="en-GB" sz="1600" dirty="0"/>
-              <a:t>, which is the provider of the </a:t>
-            </a:r>
-            <a:r>
-              <a:rPr lang="en-GB" sz="1600" dirty="0">
-                <a:hlinkClick r:id="rId3"/>
-              </a:rPr>
-              <a:t>$route service</a:t>
-            </a:r>
-            <a:r>
-              <a:rPr lang="en-GB" sz="1600" dirty="0"/>
-              <a:t>.  This service makes it easy to wire together controllers, view templates, and the current URL location in the browser. Using this feature, we can implement </a:t>
-            </a:r>
-            <a:r>
-              <a:rPr lang="en-GB" sz="1600" dirty="0">
-                <a:hlinkClick r:id="rId4"/>
-              </a:rPr>
-              <a:t>deep linking</a:t>
-            </a:r>
-            <a:r>
-              <a:rPr lang="en-GB" sz="1600" dirty="0"/>
-              <a:t>, which lets us utilize the browser's history (back and forward navigation) and </a:t>
-            </a:r>
-            <a:r>
-              <a:rPr lang="en-GB" sz="1600" dirty="0" smtClean="0"/>
-              <a:t>bookmarks</a:t>
-            </a:r>
+              <a:rPr lang="en-US" sz="1600" dirty="0" smtClean="0"/>
+              <a:t>The following directive can be used to bind application data to attributes of HTML DOM Elements</a:t>
+            </a:r>
+          </a:p>
+          <a:p>
+            <a:pPr lvl="1">
+              <a:buFont typeface="Wingdings" panose="05000000000000000000" pitchFamily="2" charset="2"/>
+              <a:buChar char="Ø"/>
+            </a:pPr>
+            <a:r>
+              <a:rPr lang="en-US" sz="1400" dirty="0" smtClean="0"/>
+              <a:t>ng-disabled – disables a given control</a:t>
+            </a:r>
+          </a:p>
+          <a:p>
+            <a:pPr lvl="1">
+              <a:buFont typeface="Wingdings" panose="05000000000000000000" pitchFamily="2" charset="2"/>
+              <a:buChar char="Ø"/>
+            </a:pPr>
+            <a:r>
+              <a:rPr lang="en-US" sz="1400" dirty="0" smtClean="0"/>
+              <a:t>ng-show – shows a given control</a:t>
+            </a:r>
+          </a:p>
+          <a:p>
+            <a:pPr lvl="1">
+              <a:buFont typeface="Wingdings" panose="05000000000000000000" pitchFamily="2" charset="2"/>
+              <a:buChar char="Ø"/>
+            </a:pPr>
+            <a:r>
+              <a:rPr lang="en-US" sz="1400" dirty="0" smtClean="0"/>
+              <a:t>ng-hide – hides a given control</a:t>
+            </a:r>
+          </a:p>
+          <a:p>
+            <a:pPr lvl="1">
+              <a:buFont typeface="Wingdings" panose="05000000000000000000" pitchFamily="2" charset="2"/>
+              <a:buChar char="Ø"/>
+            </a:pPr>
+            <a:r>
+              <a:rPr lang="en-US" sz="1400" dirty="0" smtClean="0"/>
+              <a:t>ng-click – represents a AngularJS click event</a:t>
+            </a:r>
+          </a:p>
+          <a:p>
+            <a:endParaRPr lang="en-US" sz="1600" dirty="0"/>
+          </a:p>
+          <a:p>
+            <a:endParaRPr lang="en-US" sz="1600" dirty="0" smtClean="0"/>
+          </a:p>
+          <a:p>
+            <a:endParaRPr lang="en-US" sz="1600" dirty="0"/>
+          </a:p>
+          <a:p>
+            <a:endParaRPr lang="en-US" sz="1600" dirty="0" smtClean="0"/>
           </a:p>
         </p:txBody>
       </p:sp>
+      <p:pic>
+        <p:nvPicPr>
+          <p:cNvPr id="5122" name="Picture 2"/>
+          <p:cNvPicPr>
+            <a:picLocks noChangeAspect="1" noChangeArrowheads="1"/>
+          </p:cNvPicPr>
+          <p:nvPr/>
+        </p:nvPicPr>
+        <p:blipFill>
+          <a:blip r:embed="rId2">
+            <a:extLst>
+              <a:ext uri="{28A0092B-C50C-407E-A947-70E740481C1C}">
+                <a14:useLocalDpi xmlns:a14="http://schemas.microsoft.com/office/drawing/2010/main" val="0"/>
+              </a:ext>
+            </a:extLst>
+          </a:blip>
+          <a:srcRect/>
+          <a:stretch>
+            <a:fillRect/>
+          </a:stretch>
+        </p:blipFill>
+        <p:spPr bwMode="auto">
+          <a:xfrm>
+            <a:off x="755576" y="3309937"/>
+            <a:ext cx="5791200" cy="1457325"/>
+          </a:xfrm>
+          <a:prstGeom prst="rect">
+            <a:avLst/>
+          </a:prstGeom>
+          <a:noFill/>
+          <a:ln>
+            <a:noFill/>
+          </a:ln>
+          <a:extLst>
+            <a:ext uri="{909E8E84-426E-40DD-AFC4-6F175D3DCCD1}">
+              <a14:hiddenFill xmlns:a14="http://schemas.microsoft.com/office/drawing/2010/main">
+                <a:solidFill>
+                  <a:schemeClr val="accent1"/>
+                </a:solidFill>
+              </a14:hiddenFill>
+            </a:ext>
+            <a:ext uri="{91240B29-F687-4F45-9708-019B960494DF}">
+              <a14:hiddenLine xmlns:a14="http://schemas.microsoft.com/office/drawing/2010/main" w="9525">
+                <a:solidFill>
+                  <a:schemeClr val="tx1"/>
+                </a:solidFill>
+                <a:miter lim="800000"/>
+                <a:headEnd/>
+                <a:tailEnd/>
+              </a14:hiddenLine>
+            </a:ext>
+          </a:extLst>
+        </p:spPr>
+      </p:pic>
     </p:spTree>
     <p:extLst>
       <p:ext uri="{BB962C8B-B14F-4D97-AF65-F5344CB8AC3E}">
-        <p14:creationId xmlns:p14="http://schemas.microsoft.com/office/powerpoint/2010/main" val="475202200"/>
+        <p14:creationId xmlns:p14="http://schemas.microsoft.com/office/powerpoint/2010/main" val="2094990842"/>
       </p:ext>
     </p:extLst>
   </p:cSld>
@@ -8657,7 +8637,7 @@
           <a:p>
             <a:r>
               <a:rPr lang="en-US" dirty="0" smtClean="0"/>
-              <a:t>AngularJS – HTTP Service</a:t>
+              <a:t>AngularJS Custom Directive</a:t>
             </a:r>
             <a:endParaRPr lang="en-US" dirty="0"/>
           </a:p>
@@ -8855,7 +8835,7 @@
           <a:p>
             <a:r>
               <a:rPr lang="en-GB" sz="1600" dirty="0"/>
-              <a:t>AngularJS provides </a:t>
+              <a:t>Custom directives are used in AngularJS to extend the functionality of HTML. Custom directives are defined using </a:t>
             </a:r>
             <a:r>
               <a:rPr lang="en-GB" sz="1600" b="1" dirty="0">
@@ -8863,80 +8843,209 @@
                   <a:srgbClr val="00B050"/>
                 </a:solidFill>
               </a:rPr>
-              <a:t>$http </a:t>
+              <a:t>"directive" </a:t>
+            </a:r>
+            <a:r>
+              <a:rPr lang="en-GB" sz="1600" dirty="0" smtClean="0"/>
+              <a:t>function</a:t>
+            </a:r>
+            <a:endParaRPr lang="en-GB" sz="1600" dirty="0"/>
+          </a:p>
+          <a:p>
+            <a:r>
+              <a:rPr lang="en-GB" sz="1600" dirty="0" smtClean="0"/>
+              <a:t>During bootstrap (one time activity),</a:t>
+            </a:r>
+          </a:p>
+          <a:p>
+            <a:pPr lvl="1"/>
+            <a:r>
+              <a:rPr lang="en-GB" sz="1400" b="1" dirty="0" smtClean="0">
+                <a:solidFill>
+                  <a:srgbClr val="00B050"/>
+                </a:solidFill>
+              </a:rPr>
+              <a:t>compile() </a:t>
+            </a:r>
+            <a:r>
+              <a:rPr lang="en-GB" sz="1400" dirty="0" smtClean="0"/>
+              <a:t>method finds the matching elements </a:t>
+            </a:r>
+          </a:p>
+          <a:p>
+            <a:pPr lvl="1"/>
+            <a:r>
+              <a:rPr lang="en-GB" sz="1400" b="1" dirty="0" smtClean="0">
+                <a:solidFill>
+                  <a:srgbClr val="00B050"/>
+                </a:solidFill>
+              </a:rPr>
+              <a:t>link()</a:t>
+            </a:r>
+            <a:r>
+              <a:rPr lang="en-GB" sz="1400" dirty="0" smtClean="0"/>
+              <a:t> method will process the element based on the scope of the directive</a:t>
+            </a:r>
+          </a:p>
+          <a:p>
+            <a:r>
+              <a:rPr lang="en-GB" sz="1600" dirty="0" smtClean="0"/>
+              <a:t>AngularJS provides support to create custom directives for following type of elements</a:t>
+            </a:r>
+          </a:p>
+          <a:p>
+            <a:pPr lvl="1"/>
+            <a:r>
+              <a:rPr lang="en-GB" sz="1400" b="1" dirty="0" smtClean="0">
+                <a:solidFill>
+                  <a:srgbClr val="00B050"/>
+                </a:solidFill>
+              </a:rPr>
+              <a:t>Element directives </a:t>
+            </a:r>
+            <a:r>
+              <a:rPr lang="en-GB" sz="1400" dirty="0" smtClean="0"/>
+              <a:t>– Activates when a matching element is encountered</a:t>
+            </a:r>
+          </a:p>
+          <a:p>
+            <a:pPr lvl="1"/>
+            <a:r>
+              <a:rPr lang="en-GB" sz="1400" b="1" dirty="0" smtClean="0">
+                <a:solidFill>
+                  <a:srgbClr val="00B050"/>
+                </a:solidFill>
+              </a:rPr>
+              <a:t>Attribute</a:t>
+            </a:r>
+            <a:r>
+              <a:rPr lang="en-GB" sz="1400" dirty="0" smtClean="0"/>
+              <a:t> - Activates </a:t>
+            </a:r>
+            <a:r>
+              <a:rPr lang="en-GB" sz="1400" dirty="0"/>
+              <a:t>when </a:t>
+            </a:r>
+            <a:r>
+              <a:rPr lang="en-GB" sz="1400" dirty="0" smtClean="0"/>
+              <a:t>a matching attribute is encountered</a:t>
+            </a:r>
+          </a:p>
+          <a:p>
+            <a:pPr lvl="1"/>
+            <a:r>
+              <a:rPr lang="en-GB" sz="1400" b="1" dirty="0">
+                <a:solidFill>
+                  <a:srgbClr val="00B050"/>
+                </a:solidFill>
+              </a:rPr>
+              <a:t>CSS</a:t>
+            </a:r>
+            <a:r>
+              <a:rPr lang="en-GB" sz="1400" dirty="0" smtClean="0"/>
+              <a:t> – Activates when a matching CSS is encountered</a:t>
+            </a:r>
+          </a:p>
+          <a:p>
+            <a:pPr lvl="1"/>
+            <a:r>
+              <a:rPr lang="en-GB" sz="1400" b="1" dirty="0">
+                <a:solidFill>
+                  <a:srgbClr val="00B050"/>
+                </a:solidFill>
+              </a:rPr>
+              <a:t>Comment</a:t>
+            </a:r>
+            <a:r>
+              <a:rPr lang="en-GB" sz="1400" dirty="0" smtClean="0"/>
+              <a:t> – Activates when a matching comment is encountered</a:t>
+            </a:r>
+          </a:p>
+          <a:p>
+            <a:r>
+              <a:rPr lang="en-GB" sz="1600" dirty="0" smtClean="0"/>
+              <a:t>Define custom html tags</a:t>
+            </a:r>
+          </a:p>
+          <a:p>
+            <a:pPr lvl="1"/>
+            <a:r>
+              <a:rPr lang="nl-NL" sz="1200" dirty="0"/>
+              <a:t>&lt;student name = </a:t>
+            </a:r>
+            <a:r>
+              <a:rPr lang="nl-NL" sz="1200" dirty="0" smtClean="0"/>
+              <a:t>“Hello"&gt;&lt;/</a:t>
+            </a:r>
+            <a:r>
+              <a:rPr lang="nl-NL" sz="1200" dirty="0"/>
+              <a:t>student&gt;&lt;br/&gt; </a:t>
+            </a:r>
+            <a:endParaRPr lang="nl-NL" sz="1200" dirty="0" smtClean="0"/>
+          </a:p>
+          <a:p>
+            <a:pPr lvl="1"/>
+            <a:r>
+              <a:rPr lang="nl-NL" sz="1200" dirty="0" smtClean="0"/>
+              <a:t>&lt;</a:t>
+            </a:r>
+            <a:r>
+              <a:rPr lang="nl-NL" sz="1200" dirty="0"/>
+              <a:t>student name = </a:t>
+            </a:r>
+            <a:r>
+              <a:rPr lang="nl-NL" sz="1200" dirty="0" smtClean="0"/>
+              <a:t>“World"&gt;&lt;/</a:t>
+            </a:r>
+            <a:r>
+              <a:rPr lang="nl-NL" sz="1200" dirty="0"/>
+              <a:t>student</a:t>
+            </a:r>
+            <a:r>
+              <a:rPr lang="nl-NL" sz="1200" dirty="0" smtClean="0"/>
+              <a:t>&gt;</a:t>
+            </a:r>
+          </a:p>
+          <a:p>
+            <a:r>
+              <a:rPr lang="nl-NL" sz="1600" dirty="0" smtClean="0"/>
+              <a:t>Define the </a:t>
             </a:r>
             <a:r>
               <a:rPr lang="en-GB" sz="1600" dirty="0"/>
-              <a:t>control which works as a service to read data from the server. The server makes a database call to get the desired </a:t>
+              <a:t>custom directive to handle above custom html </a:t>
             </a:r>
             <a:r>
               <a:rPr lang="en-GB" sz="1600" dirty="0" smtClean="0"/>
-              <a:t>records</a:t>
-            </a:r>
-          </a:p>
-          <a:p>
-            <a:endParaRPr lang="en-GB" sz="1600" dirty="0" smtClean="0"/>
+              <a:t>tags</a:t>
+            </a:r>
+          </a:p>
+          <a:p>
+            <a:pPr lvl="1"/>
+            <a:r>
+              <a:rPr lang="en-US" sz="1200" dirty="0" err="1"/>
+              <a:t>mainApp.directive</a:t>
+            </a:r>
+            <a:r>
+              <a:rPr lang="en-US" sz="1200" dirty="0"/>
+              <a:t>('student', function() {</a:t>
+            </a:r>
+            <a:endParaRPr lang="en-GB" sz="1200" dirty="0"/>
+          </a:p>
+          <a:p>
+            <a:pPr lvl="1"/>
+            <a:endParaRPr lang="en-GB" sz="1400" b="1" dirty="0">
+              <a:solidFill>
+                <a:srgbClr val="00B050"/>
+              </a:solidFill>
+            </a:endParaRPr>
           </a:p>
         </p:txBody>
       </p:sp>
-      <p:pic>
-        <p:nvPicPr>
-          <p:cNvPr id="6146" name="Picture 2"/>
-          <p:cNvPicPr>
-            <a:picLocks noChangeAspect="1" noChangeArrowheads="1"/>
-          </p:cNvPicPr>
-          <p:nvPr/>
-        </p:nvPicPr>
-        <p:blipFill>
-          <a:blip r:embed="rId2">
-            <a:extLst>
-              <a:ext uri="{28A0092B-C50C-407E-A947-70E740481C1C}">
-                <a14:useLocalDpi xmlns:a14="http://schemas.microsoft.com/office/drawing/2010/main" val="0"/>
-              </a:ext>
-            </a:extLst>
-          </a:blip>
-          <a:srcRect/>
-          <a:stretch>
-            <a:fillRect/>
-          </a:stretch>
-        </p:blipFill>
-        <p:spPr bwMode="auto">
-          <a:xfrm>
-            <a:off x="755576" y="2420888"/>
-            <a:ext cx="3238500" cy="1295400"/>
-          </a:xfrm>
-          <a:prstGeom prst="rect">
-            <a:avLst/>
-          </a:prstGeom>
-          <a:noFill/>
-          <a:ln>
-            <a:noFill/>
-          </a:ln>
-          <a:extLst>
-            <a:ext uri="{909E8E84-426E-40DD-AFC4-6F175D3DCCD1}">
-              <a14:hiddenFill xmlns:a14="http://schemas.microsoft.com/office/drawing/2010/main">
-                <a:solidFill>
-                  <a:schemeClr val="accent1"/>
-                </a:solidFill>
-              </a14:hiddenFill>
-            </a:ext>
-            <a:ext uri="{91240B29-F687-4F45-9708-019B960494DF}">
-              <a14:hiddenLine xmlns:a14="http://schemas.microsoft.com/office/drawing/2010/main" w="9525">
-                <a:solidFill>
-                  <a:schemeClr val="tx1"/>
-                </a:solidFill>
-                <a:miter lim="800000"/>
-                <a:headEnd/>
-                <a:tailEnd/>
-              </a14:hiddenLine>
-            </a:ext>
-          </a:extLst>
-        </p:spPr>
-      </p:pic>
     </p:spTree>
     <p:extLst>
       <p:ext uri="{BB962C8B-B14F-4D97-AF65-F5344CB8AC3E}">
-        <p14:creationId xmlns:p14="http://schemas.microsoft.com/office/powerpoint/2010/main" val="1605535473"/>
+        <p14:creationId xmlns:p14="http://schemas.microsoft.com/office/powerpoint/2010/main" val="455349659"/>
       </p:ext>
     </p:extLst>
   </p:cSld>
@@ -8987,7 +9096,7 @@
           <a:p>
             <a:r>
               <a:rPr lang="en-US" dirty="0" smtClean="0"/>
-              <a:t>AngularJS – Internationalization</a:t>
+              <a:t>AngularJS Views</a:t>
             </a:r>
             <a:endParaRPr lang="en-US" dirty="0"/>
           </a:p>
@@ -9185,96 +9294,123 @@
           <a:p>
             <a:r>
               <a:rPr lang="en-GB" sz="1600" dirty="0"/>
-              <a:t>AngularJS supports inbuilt </a:t>
+              <a:t>AngularJS supports Single Page Application via multiple views on a single page. To do this AngularJS has provided </a:t>
+            </a:r>
+            <a:r>
+              <a:rPr lang="en-GB" sz="1600" b="1" dirty="0">
+                <a:solidFill>
+                  <a:srgbClr val="00B050"/>
+                </a:solidFill>
+              </a:rPr>
+              <a:t>ng-view</a:t>
+            </a:r>
+            <a:r>
+              <a:rPr lang="en-GB" sz="1600" dirty="0"/>
+              <a:t> and </a:t>
+            </a:r>
+            <a:r>
+              <a:rPr lang="en-GB" sz="1600" b="1" dirty="0">
+                <a:solidFill>
+                  <a:srgbClr val="00B050"/>
+                </a:solidFill>
+              </a:rPr>
+              <a:t>ng-template</a:t>
+            </a:r>
+            <a:r>
+              <a:rPr lang="en-GB" sz="1600" dirty="0"/>
+              <a:t> directives and </a:t>
+            </a:r>
+            <a:r>
+              <a:rPr lang="en-GB" sz="1600" b="1" dirty="0">
+                <a:solidFill>
+                  <a:srgbClr val="00B050"/>
+                </a:solidFill>
+              </a:rPr>
+              <a:t>$routeProvider </a:t>
             </a:r>
             <a:r>
               <a:rPr lang="en-GB" sz="1600" dirty="0" smtClean="0"/>
-              <a:t>internationalization for </a:t>
-            </a:r>
-            <a:r>
-              <a:rPr lang="en-GB" sz="1600" dirty="0"/>
-              <a:t>three types of </a:t>
-            </a:r>
-            <a:r>
-              <a:rPr lang="en-GB" sz="1600" dirty="0" smtClean="0"/>
-              <a:t>filters:</a:t>
-            </a:r>
-          </a:p>
-          <a:p>
-            <a:pPr lvl="1"/>
+              <a:t>services</a:t>
+            </a:r>
+          </a:p>
+          <a:p>
+            <a:pPr lvl="1">
+              <a:buFont typeface="Wingdings" panose="05000000000000000000" pitchFamily="2" charset="2"/>
+              <a:buChar char="Ø"/>
+            </a:pPr>
+            <a:r>
+              <a:rPr lang="en-US" sz="1400" b="1" dirty="0" smtClean="0"/>
+              <a:t>ng-view</a:t>
+            </a:r>
+            <a:r>
+              <a:rPr lang="en-US" sz="1400" dirty="0" smtClean="0"/>
+              <a:t> – simply creates a place holder where a corresponding view can be placed based on the configuration</a:t>
+            </a:r>
+          </a:p>
+          <a:p>
+            <a:pPr lvl="1">
+              <a:buFont typeface="Wingdings" panose="05000000000000000000" pitchFamily="2" charset="2"/>
+              <a:buChar char="Ø"/>
+            </a:pPr>
+            <a:r>
+              <a:rPr lang="en-US" sz="1400" b="1" dirty="0" smtClean="0"/>
+              <a:t>ng-template</a:t>
+            </a:r>
+            <a:r>
+              <a:rPr lang="en-US" sz="1400" dirty="0" smtClean="0"/>
+              <a:t> – </a:t>
+            </a:r>
             <a:r>
               <a:rPr lang="en-GB" sz="1400" dirty="0" smtClean="0"/>
-              <a:t>currency</a:t>
+              <a:t>directive </a:t>
             </a:r>
             <a:r>
               <a:rPr lang="en-GB" sz="1400" dirty="0"/>
-              <a:t>, date and </a:t>
+              <a:t>is used to create an html view using script tag. It contains "id" attribute which is used by $routeProvider to map a view with a </a:t>
             </a:r>
             <a:r>
               <a:rPr lang="en-GB" sz="1400" dirty="0" smtClean="0"/>
-              <a:t>numbers</a:t>
-            </a:r>
+              <a:t>controller</a:t>
+            </a:r>
+          </a:p>
+          <a:p>
+            <a:pPr lvl="1">
+              <a:buFont typeface="Wingdings" panose="05000000000000000000" pitchFamily="2" charset="2"/>
+              <a:buChar char="Ø"/>
+            </a:pPr>
+            <a:r>
+              <a:rPr lang="en-GB" sz="1400" b="1" dirty="0"/>
+              <a:t>$routeProvider</a:t>
+            </a:r>
+            <a:r>
+              <a:rPr lang="en-GB" sz="1400" dirty="0"/>
+              <a:t> is the key service which set the configuration of </a:t>
+            </a:r>
+            <a:r>
+              <a:rPr lang="en-GB" sz="1400" dirty="0" smtClean="0"/>
+              <a:t>URLs, </a:t>
+            </a:r>
+            <a:r>
+              <a:rPr lang="en-GB" sz="1400" dirty="0"/>
+              <a:t>map them with the corresponding html page or ng-template, and attach a controller with the same</a:t>
+            </a:r>
+            <a:endParaRPr lang="en-US" sz="1600" dirty="0"/>
+          </a:p>
+          <a:p>
+            <a:endParaRPr lang="en-US" sz="1600" dirty="0" smtClean="0"/>
+          </a:p>
+          <a:p>
+            <a:endParaRPr lang="en-US" sz="1600" dirty="0"/>
+          </a:p>
+          <a:p>
+            <a:endParaRPr lang="en-US" sz="1600" dirty="0" smtClean="0"/>
           </a:p>
         </p:txBody>
       </p:sp>
-      <p:pic>
-        <p:nvPicPr>
-          <p:cNvPr id="7170" name="Picture 2"/>
-          <p:cNvPicPr>
-            <a:picLocks noChangeAspect="1" noChangeArrowheads="1"/>
-          </p:cNvPicPr>
-          <p:nvPr/>
-        </p:nvPicPr>
-        <p:blipFill>
-          <a:blip r:embed="rId2">
-            <a:extLst>
-              <a:ext uri="{28A0092B-C50C-407E-A947-70E740481C1C}">
-                <a14:useLocalDpi xmlns:a14="http://schemas.microsoft.com/office/drawing/2010/main" val="0"/>
-              </a:ext>
-            </a:extLst>
-          </a:blip>
-          <a:srcRect/>
-          <a:stretch>
-            <a:fillRect/>
-          </a:stretch>
-        </p:blipFill>
-        <p:spPr bwMode="auto">
-          <a:xfrm>
-            <a:off x="683568" y="2276872"/>
-            <a:ext cx="6619875" cy="4000500"/>
-          </a:xfrm>
-          <a:prstGeom prst="rect">
-            <a:avLst/>
-          </a:prstGeom>
-          <a:noFill/>
-          <a:ln>
-            <a:noFill/>
-          </a:ln>
-          <a:extLst>
-            <a:ext uri="{909E8E84-426E-40DD-AFC4-6F175D3DCCD1}">
-              <a14:hiddenFill xmlns:a14="http://schemas.microsoft.com/office/drawing/2010/main">
-                <a:solidFill>
-                  <a:schemeClr val="accent1"/>
-                </a:solidFill>
-              </a14:hiddenFill>
-            </a:ext>
-            <a:ext uri="{91240B29-F687-4F45-9708-019B960494DF}">
-              <a14:hiddenLine xmlns:a14="http://schemas.microsoft.com/office/drawing/2010/main" w="9525">
-                <a:solidFill>
-                  <a:schemeClr val="tx1"/>
-                </a:solidFill>
-                <a:miter lim="800000"/>
-                <a:headEnd/>
-                <a:tailEnd/>
-              </a14:hiddenLine>
-            </a:ext>
-          </a:extLst>
-        </p:spPr>
-      </p:pic>
     </p:spTree>
     <p:extLst>
       <p:ext uri="{BB962C8B-B14F-4D97-AF65-F5344CB8AC3E}">
-        <p14:creationId xmlns:p14="http://schemas.microsoft.com/office/powerpoint/2010/main" val="1514800240"/>
+        <p14:creationId xmlns:p14="http://schemas.microsoft.com/office/powerpoint/2010/main" val="4187617310"/>
       </p:ext>
     </p:extLst>
   </p:cSld>
@@ -9325,7 +9461,7 @@
           <a:p>
             <a:r>
               <a:rPr lang="en-US" dirty="0" smtClean="0"/>
-              <a:t>AngularJS Testability</a:t>
+              <a:t>Routing and Multiple Views</a:t>
             </a:r>
             <a:endParaRPr lang="en-US" dirty="0"/>
           </a:p>
@@ -9522,203 +9658,66 @@
           </a:lstStyle>
           <a:p>
             <a:r>
+              <a:rPr lang="en-GB" sz="1600" b="1" dirty="0" smtClean="0"/>
+              <a:t>ngRoute module: </a:t>
+            </a:r>
+            <a:r>
               <a:rPr lang="en-GB" sz="1600" dirty="0" smtClean="0"/>
-              <a:t>AngularJS has </a:t>
-            </a:r>
+              <a:t>is disturbed separately from the core Angular framework</a:t>
+            </a:r>
+          </a:p>
+          <a:p>
+            <a:r>
+              <a:rPr lang="en-GB" sz="1600" dirty="0" smtClean="0"/>
+              <a:t>Provides routing and deep linking services and directives for angular apps</a:t>
+            </a:r>
+          </a:p>
+          <a:p>
             <a:r>
               <a:rPr lang="en-GB" sz="1600" dirty="0"/>
-              <a:t>an integrated dependency injection framework, provides mocks for many heavy dependencies (server-side communication) </a:t>
-            </a:r>
-            <a:endParaRPr lang="en-GB" sz="1600" dirty="0" smtClean="0"/>
-          </a:p>
-          <a:p>
-            <a:r>
-              <a:rPr lang="en-GB" sz="1600" b="1" dirty="0" smtClean="0"/>
-              <a:t>ngMock: </a:t>
+              <a:t>Application routes in Angular are declared via the </a:t>
+            </a:r>
+            <a:r>
+              <a:rPr lang="en-GB" sz="1600" dirty="0">
+                <a:hlinkClick r:id="rId2"/>
+              </a:rPr>
+              <a:t>$routeProvider</a:t>
             </a:r>
             <a:r>
               <a:rPr lang="en-GB" sz="1600" dirty="0"/>
-              <a:t>module provides support to inject and mock Angular services into unit tests. In addition, ngMock also extends various core ng services such that they can be inspected and controlled in a synchronous manner within test </a:t>
+              <a:t>, which is the provider of the </a:t>
+            </a:r>
+            <a:r>
+              <a:rPr lang="en-GB" sz="1600" dirty="0">
+                <a:hlinkClick r:id="rId3"/>
+              </a:rPr>
+              <a:t>$route service</a:t>
+            </a:r>
+            <a:r>
+              <a:rPr lang="en-GB" sz="1600" dirty="0"/>
+              <a:t>.  This service makes it easy to wire together controllers, view templates, and the current URL location in the browser. Using this feature, we can implement </a:t>
+            </a:r>
+            <a:r>
+              <a:rPr lang="en-GB" sz="1600" dirty="0">
+                <a:hlinkClick r:id="rId4"/>
+              </a:rPr>
+              <a:t>deep linking</a:t>
+            </a:r>
+            <a:r>
+              <a:rPr lang="en-GB" sz="1600" dirty="0"/>
+              <a:t>, which lets us utilize the browser's history (back and forward navigation) and </a:t>
             </a:r>
             <a:r>
               <a:rPr lang="en-GB" sz="1600" dirty="0" smtClean="0"/>
-              <a:t>code</a:t>
-            </a:r>
-          </a:p>
-          <a:p>
-            <a:r>
-              <a:rPr lang="en-GB" sz="1600" b="1" dirty="0" smtClean="0"/>
-              <a:t>angular.mock: </a:t>
-            </a:r>
-            <a:r>
-              <a:rPr lang="en-GB" sz="1600" dirty="0"/>
-              <a:t>Namespace from 'angular-mocks.js' which contains testing related </a:t>
-            </a:r>
-            <a:r>
-              <a:rPr lang="en-GB" sz="1600" dirty="0" smtClean="0"/>
-              <a:t>code</a:t>
-            </a:r>
-          </a:p>
-          <a:p>
-            <a:r>
-              <a:rPr lang="en-GB" sz="1600" b="1" dirty="0"/>
-              <a:t>Jasmine: </a:t>
-            </a:r>
-            <a:r>
-              <a:rPr lang="en-GB" sz="1600" dirty="0"/>
-              <a:t>Jasmine is a behavior-driven development framework for testing JavaScript code. It does not depend on any other JavaScript frameworks. It does not require a </a:t>
-            </a:r>
-            <a:r>
-              <a:rPr lang="en-GB" sz="1600" dirty="0" smtClean="0"/>
-              <a:t>DOM</a:t>
-            </a:r>
-            <a:endParaRPr lang="en-GB" sz="1600" dirty="0"/>
-          </a:p>
-          <a:p>
-            <a:pPr lvl="1"/>
-            <a:r>
-              <a:rPr lang="en-GB" sz="1200" dirty="0" smtClean="0"/>
-              <a:t>describe – Global Jasmine function with two parameters: a string and a function</a:t>
-            </a:r>
-          </a:p>
-          <a:p>
-            <a:pPr lvl="1"/>
-            <a:r>
-              <a:rPr lang="en-GB" sz="1200" dirty="0" smtClean="0"/>
-              <a:t>Matchers – Each matcher implements a boolean comparison between actual and expected value</a:t>
-            </a:r>
-          </a:p>
-          <a:p>
-            <a:pPr lvl="2"/>
-            <a:r>
-              <a:rPr lang="en-US" sz="1200" dirty="0"/>
-              <a:t>expect(a).toBe(b); expect(a).not.toBe(</a:t>
-            </a:r>
-            <a:r>
-              <a:rPr lang="en-US" sz="1200" b="1" dirty="0"/>
-              <a:t>null</a:t>
-            </a:r>
-            <a:r>
-              <a:rPr lang="en-US" sz="1200" dirty="0" smtClean="0"/>
-              <a:t>);</a:t>
-            </a:r>
-          </a:p>
-          <a:p>
-            <a:pPr lvl="1"/>
-            <a:r>
-              <a:rPr lang="en-US" sz="1200" dirty="0"/>
-              <a:t>Jasmine unit test are run with </a:t>
-            </a:r>
-            <a:r>
-              <a:rPr lang="en-US" sz="1200" b="1" dirty="0">
-                <a:solidFill>
-                  <a:srgbClr val="00B050"/>
-                </a:solidFill>
-              </a:rPr>
-              <a:t>Karma Test </a:t>
-            </a:r>
-            <a:r>
-              <a:rPr lang="en-US" sz="1200" b="1" dirty="0" smtClean="0">
-                <a:solidFill>
-                  <a:srgbClr val="00B050"/>
-                </a:solidFill>
-              </a:rPr>
-              <a:t>Runner</a:t>
-            </a:r>
-          </a:p>
-          <a:p>
-            <a:pPr lvl="1"/>
-            <a:r>
-              <a:rPr lang="en-US" sz="1200" dirty="0" smtClean="0"/>
-              <a:t>Jasmine end to end tests are run with </a:t>
-            </a:r>
-            <a:r>
-              <a:rPr lang="en-US" sz="1200" b="1" dirty="0" smtClean="0">
-                <a:solidFill>
-                  <a:srgbClr val="00B050"/>
-                </a:solidFill>
-              </a:rPr>
-              <a:t>Protracter End-to-End test runner</a:t>
-            </a:r>
-          </a:p>
-          <a:p>
-            <a:pPr lvl="1"/>
-            <a:r>
-              <a:rPr lang="en-US" sz="1200" dirty="0" smtClean="0"/>
-              <a:t>Web driver is required to </a:t>
-            </a:r>
-            <a:r>
-              <a:rPr lang="en-US" sz="1200" dirty="0"/>
-              <a:t>execute the </a:t>
-            </a:r>
-            <a:r>
-              <a:rPr lang="en-US" sz="1200" dirty="0" smtClean="0"/>
-              <a:t>Protracter script : </a:t>
-            </a:r>
-            <a:r>
-              <a:rPr lang="en-US" sz="1200" b="1" dirty="0" smtClean="0">
-                <a:solidFill>
-                  <a:srgbClr val="00B050"/>
-                </a:solidFill>
-              </a:rPr>
-              <a:t>npm </a:t>
-            </a:r>
-            <a:r>
-              <a:rPr lang="en-US" sz="1200" b="1" dirty="0">
-                <a:solidFill>
-                  <a:srgbClr val="00B050"/>
-                </a:solidFill>
-              </a:rPr>
-              <a:t>run </a:t>
-            </a:r>
-            <a:r>
-              <a:rPr lang="en-US" sz="1200" b="1" dirty="0" smtClean="0">
-                <a:solidFill>
-                  <a:srgbClr val="00B050"/>
-                </a:solidFill>
-              </a:rPr>
-              <a:t>update-</a:t>
-            </a:r>
-            <a:r>
-              <a:rPr lang="en-US" sz="1200" b="1" dirty="0" err="1" smtClean="0">
-                <a:solidFill>
-                  <a:srgbClr val="00B050"/>
-                </a:solidFill>
-              </a:rPr>
-              <a:t>webdriver</a:t>
-            </a:r>
-            <a:endParaRPr lang="en-US" sz="1200" b="1" dirty="0" smtClean="0">
-              <a:solidFill>
-                <a:srgbClr val="00B050"/>
-              </a:solidFill>
-            </a:endParaRPr>
-          </a:p>
-          <a:p>
-            <a:pPr lvl="1"/>
-            <a:r>
-              <a:rPr lang="en-US" sz="1200" dirty="0"/>
-              <a:t>Run the Protracter test : </a:t>
-            </a:r>
-            <a:r>
-              <a:rPr lang="en-US" sz="1200" b="1" dirty="0">
-                <a:solidFill>
-                  <a:srgbClr val="00B050"/>
-                </a:solidFill>
-              </a:rPr>
-              <a:t>npm run protractor</a:t>
-            </a:r>
-            <a:endParaRPr lang="en-GB" sz="1200" b="1" dirty="0">
-              <a:solidFill>
-                <a:srgbClr val="00B050"/>
-              </a:solidFill>
-            </a:endParaRPr>
+              <a:t>bookmarks</a:t>
+            </a:r>
           </a:p>
         </p:txBody>
       </p:sp>
     </p:spTree>
     <p:extLst>
       <p:ext uri="{BB962C8B-B14F-4D97-AF65-F5344CB8AC3E}">
-        <p14:creationId xmlns:p14="http://schemas.microsoft.com/office/powerpoint/2010/main" val="634700337"/>
+        <p14:creationId xmlns:p14="http://schemas.microsoft.com/office/powerpoint/2010/main" val="475202200"/>
       </p:ext>
     </p:extLst>
   </p:cSld>
@@ -9769,7 +9768,7 @@
           <a:p>
             <a:r>
               <a:rPr lang="en-US" dirty="0" smtClean="0"/>
-              <a:t>AngularJS Continuous Integration</a:t>
+              <a:t>AngularJS – HTTP Service</a:t>
             </a:r>
             <a:endParaRPr lang="en-US" dirty="0"/>
           </a:p>
@@ -9966,43 +9965,89 @@
           </a:lstStyle>
           <a:p>
             <a:r>
-              <a:rPr lang="en-GB" sz="1600" b="1" dirty="0"/>
-              <a:t>Travis CI</a:t>
-            </a:r>
-            <a:r>
-              <a:rPr lang="en-GB" sz="1600" b="1" dirty="0" smtClean="0"/>
-              <a:t>: </a:t>
+              <a:rPr lang="en-GB" sz="1600" dirty="0"/>
+              <a:t>AngularJS provides </a:t>
+            </a:r>
+            <a:r>
+              <a:rPr lang="en-GB" sz="1600" b="1" dirty="0">
+                <a:solidFill>
+                  <a:srgbClr val="00B050"/>
+                </a:solidFill>
+              </a:rPr>
+              <a:t>$http </a:t>
+            </a:r>
+            <a:r>
+              <a:rPr lang="en-GB" sz="1600" dirty="0"/>
+              <a:t>control which works as a service to read data from the server. The server makes a database call to get the desired </a:t>
             </a:r>
             <a:r>
               <a:rPr lang="en-GB" sz="1600" dirty="0" smtClean="0"/>
-              <a:t>Travis </a:t>
-            </a:r>
-            <a:r>
-              <a:rPr lang="en-GB" sz="1600" dirty="0"/>
-              <a:t>CI is a continuous integration service, which can monitor GitHub for new commits to your repository and execute scripts such as building the app or running </a:t>
-            </a:r>
-            <a:r>
-              <a:rPr lang="en-GB" sz="1600" dirty="0" smtClean="0"/>
-              <a:t>tests</a:t>
-            </a:r>
-            <a:endParaRPr lang="en-GB" sz="1600" dirty="0"/>
-          </a:p>
-          <a:p>
-            <a:r>
-              <a:rPr lang="en-GB" sz="1600" b="1" dirty="0" smtClean="0"/>
-              <a:t>CloudBees:</a:t>
-            </a:r>
-            <a:r>
-              <a:rPr lang="en-GB" sz="1600" dirty="0" smtClean="0"/>
-              <a:t> CloudBees have provided a CI/deployment setup</a:t>
-            </a:r>
+              <a:t>records</a:t>
+            </a:r>
+          </a:p>
+          <a:p>
+            <a:endParaRPr lang="en-GB" sz="1600" dirty="0" smtClean="0"/>
           </a:p>
         </p:txBody>
       </p:sp>
+      <p:pic>
+        <p:nvPicPr>
+          <p:cNvPr id="6146" name="Picture 2"/>
+          <p:cNvPicPr>
+            <a:picLocks noChangeAspect="1" noChangeArrowheads="1"/>
+          </p:cNvPicPr>
+          <p:nvPr/>
+        </p:nvPicPr>
+        <p:blipFill>
+          <a:blip r:embed="rId2">
+            <a:extLst>
+              <a:ext uri="{28A0092B-C50C-407E-A947-70E740481C1C}">
+                <a14:useLocalDpi xmlns:a14="http://schemas.microsoft.com/office/drawing/2010/main" val="0"/>
+              </a:ext>
+            </a:extLst>
+          </a:blip>
+          <a:srcRect/>
+          <a:stretch>
+            <a:fillRect/>
+          </a:stretch>
+        </p:blipFill>
+        <p:spPr bwMode="auto">
+          <a:xfrm>
+            <a:off x="755576" y="2420888"/>
+            <a:ext cx="3238500" cy="1295400"/>
+          </a:xfrm>
+          <a:prstGeom prst="rect">
+            <a:avLst/>
+          </a:prstGeom>
+          <a:noFill/>
+          <a:ln>
+            <a:noFill/>
+          </a:ln>
+          <a:extLst>
+            <a:ext uri="{909E8E84-426E-40DD-AFC4-6F175D3DCCD1}">
+              <a14:hiddenFill xmlns:a14="http://schemas.microsoft.com/office/drawing/2010/main">
+                <a:solidFill>
+                  <a:schemeClr val="accent1"/>
+                </a:solidFill>
+              </a14:hiddenFill>
+            </a:ext>
+            <a:ext uri="{91240B29-F687-4F45-9708-019B960494DF}">
+              <a14:hiddenLine xmlns:a14="http://schemas.microsoft.com/office/drawing/2010/main" w="9525">
+                <a:solidFill>
+                  <a:schemeClr val="tx1"/>
+                </a:solidFill>
+                <a:miter lim="800000"/>
+                <a:headEnd/>
+                <a:tailEnd/>
+              </a14:hiddenLine>
+            </a:ext>
+          </a:extLst>
+        </p:spPr>
+      </p:pic>
     </p:spTree>
     <p:extLst>
       <p:ext uri="{BB962C8B-B14F-4D97-AF65-F5344CB8AC3E}">
-        <p14:creationId xmlns:p14="http://schemas.microsoft.com/office/powerpoint/2010/main" val="2250921310"/>
+        <p14:creationId xmlns:p14="http://schemas.microsoft.com/office/powerpoint/2010/main" val="1605535473"/>
       </p:ext>
     </p:extLst>
   </p:cSld>
@@ -10053,7 +10098,7 @@
           <a:p>
             <a:r>
               <a:rPr lang="en-US" dirty="0" smtClean="0"/>
-              <a:t>JQuery</a:t>
+              <a:t>AngularJS – Internationalization</a:t>
             </a:r>
             <a:endParaRPr lang="en-US" dirty="0"/>
           </a:p>
@@ -10250,96 +10295,97 @@
           </a:lstStyle>
           <a:p>
             <a:r>
+              <a:rPr lang="en-GB" sz="1600" dirty="0"/>
+              <a:t>AngularJS supports inbuilt </a:t>
+            </a:r>
+            <a:r>
               <a:rPr lang="en-GB" sz="1600" dirty="0" smtClean="0"/>
-              <a:t>AngularJS can </a:t>
+              <a:t>internationalization for </a:t>
             </a:r>
             <a:r>
               <a:rPr lang="en-GB" sz="1600" dirty="0"/>
-              <a:t>use </a:t>
-            </a:r>
-            <a:r>
-              <a:rPr lang="en-GB" sz="1600" dirty="0">
-                <a:hlinkClick r:id="rId2"/>
-              </a:rPr>
-              <a:t>jQuery</a:t>
-            </a:r>
-            <a:r>
-              <a:rPr lang="en-GB" sz="1600" dirty="0"/>
-              <a:t> if it's present in your app when the application is being bootstrapped. If jQuery is not present in your script path, Angular falls back to its own implementation of the subset of jQuery that we call </a:t>
-            </a:r>
-            <a:r>
-              <a:rPr lang="en-GB" sz="1600" dirty="0" smtClean="0">
-                <a:hlinkClick r:id="rId3"/>
-              </a:rPr>
-              <a:t>jQLite</a:t>
-            </a:r>
-            <a:endParaRPr lang="en-GB" sz="1600" dirty="0" smtClean="0"/>
-          </a:p>
-          <a:p>
-            <a:r>
-              <a:rPr lang="en-GB" sz="1600" b="1" dirty="0"/>
-              <a:t>jqLite</a:t>
-            </a:r>
-            <a:r>
-              <a:rPr lang="en-GB" sz="1600" dirty="0"/>
-              <a:t> is a tiny, API-compatible subset of jQuery that allows Angular to manipulate the DOM in a cross-browser compatible way. jqLite implements only the most commonly needed functionality with the goal of having a very small </a:t>
+              <a:t>three types of </a:t>
             </a:r>
             <a:r>
               <a:rPr lang="en-GB" sz="1600" dirty="0" smtClean="0"/>
-              <a:t>footprint</a:t>
-            </a:r>
-          </a:p>
-          <a:p>
-            <a:r>
-              <a:rPr lang="en-GB" sz="1600" dirty="0"/>
-              <a:t>To use jQuery, simply ensure it is loaded before the angular.js file. You can also use the </a:t>
-            </a:r>
-            <a:r>
-              <a:rPr lang="en-GB" sz="1600" dirty="0">
-                <a:hlinkClick r:id="rId4"/>
-              </a:rPr>
-              <a:t>ngJq</a:t>
-            </a:r>
-            <a:r>
-              <a:rPr lang="en-GB" sz="1600" dirty="0"/>
-              <a:t> directive to specify that jqlite should be used over jQuery, or to use a specific version of jQuery if multiple versions exist on the </a:t>
-            </a:r>
-            <a:r>
-              <a:rPr lang="en-GB" sz="1600" dirty="0" smtClean="0"/>
-              <a:t>page</a:t>
-            </a:r>
-          </a:p>
-          <a:p>
-            <a:r>
-              <a:rPr lang="en-GB" sz="1600" dirty="0"/>
-              <a:t>If jQuery is available, angular.element is an alias for the </a:t>
-            </a:r>
-            <a:r>
-              <a:rPr lang="en-GB" sz="1600" dirty="0">
-                <a:hlinkClick r:id="rId5"/>
-              </a:rPr>
-              <a:t>jQuery</a:t>
-            </a:r>
-            <a:r>
-              <a:rPr lang="en-GB" sz="1600" dirty="0"/>
-              <a:t> function. If jQuery is not available, angular.element delegates to Angular's built-in subset of jQuery, called "jQuery lite" or </a:t>
-            </a:r>
-            <a:r>
-              <a:rPr lang="en-GB" sz="1600" b="1" dirty="0"/>
-              <a:t>jqLite</a:t>
-            </a:r>
-            <a:r>
-              <a:rPr lang="en-GB" sz="1600" dirty="0"/>
-              <a:t>.</a:t>
-            </a:r>
-            <a:endParaRPr lang="en-GB" sz="1600" b="1" dirty="0" smtClean="0"/>
+              <a:t>filters:</a:t>
+            </a:r>
+          </a:p>
+          <a:p>
+            <a:pPr lvl="1"/>
+            <a:r>
+              <a:rPr lang="en-GB" sz="1400" dirty="0" smtClean="0"/>
+              <a:t>currency</a:t>
+            </a:r>
+            <a:r>
+              <a:rPr lang="en-GB" sz="1400" dirty="0"/>
+              <a:t>, date and </a:t>
+            </a:r>
+            <a:r>
+              <a:rPr lang="en-GB" sz="1400" dirty="0" smtClean="0"/>
+              <a:t>numbers</a:t>
+            </a:r>
           </a:p>
         </p:txBody>
       </p:sp>
+      <p:pic>
+        <p:nvPicPr>
+          <p:cNvPr id="7170" name="Picture 2"/>
+          <p:cNvPicPr>
+            <a:picLocks noChangeAspect="1" noChangeArrowheads="1"/>
+          </p:cNvPicPr>
+          <p:nvPr/>
+        </p:nvPicPr>
+        <p:blipFill>
+          <a:blip r:embed="rId2">
+            <a:extLst>
+              <a:ext uri="{28A0092B-C50C-407E-A947-70E740481C1C}">
+                <a14:useLocalDpi xmlns:a14="http://schemas.microsoft.com/office/drawing/2010/main" val="0"/>
+              </a:ext>
+            </a:extLst>
+          </a:blip>
+          <a:srcRect/>
+          <a:stretch>
+            <a:fillRect/>
+          </a:stretch>
+        </p:blipFill>
+        <p:spPr bwMode="auto">
+          <a:xfrm>
+            <a:off x="683568" y="2276872"/>
+            <a:ext cx="6619875" cy="4000500"/>
+          </a:xfrm>
+          <a:prstGeom prst="rect">
+            <a:avLst/>
+          </a:prstGeom>
+          <a:noFill/>
+          <a:ln>
+            <a:noFill/>
+          </a:ln>
+          <a:extLst>
+            <a:ext uri="{909E8E84-426E-40DD-AFC4-6F175D3DCCD1}">
+              <a14:hiddenFill xmlns:a14="http://schemas.microsoft.com/office/drawing/2010/main">
+                <a:solidFill>
+                  <a:schemeClr val="accent1"/>
+                </a:solidFill>
+              </a14:hiddenFill>
+            </a:ext>
+            <a:ext uri="{91240B29-F687-4F45-9708-019B960494DF}">
+              <a14:hiddenLine xmlns:a14="http://schemas.microsoft.com/office/drawing/2010/main" w="9525">
+                <a:solidFill>
+                  <a:schemeClr val="tx1"/>
+                </a:solidFill>
+                <a:miter lim="800000"/>
+                <a:headEnd/>
+                <a:tailEnd/>
+              </a14:hiddenLine>
+            </a:ext>
+          </a:extLst>
+        </p:spPr>
+      </p:pic>
     </p:spTree>
     <p:extLst>
       <p:ext uri="{BB962C8B-B14F-4D97-AF65-F5344CB8AC3E}">
-        <p14:creationId xmlns:p14="http://schemas.microsoft.com/office/powerpoint/2010/main" val="1507745833"/>
+        <p14:creationId xmlns:p14="http://schemas.microsoft.com/office/powerpoint/2010/main" val="1514800240"/>
       </p:ext>
     </p:extLst>
   </p:cSld>
@@ -10390,7 +10436,7 @@
           <a:p>
             <a:r>
               <a:rPr lang="en-US" dirty="0" smtClean="0"/>
-              <a:t>Best Practices</a:t>
+              <a:t>AngularJS Testability</a:t>
             </a:r>
             <a:endParaRPr lang="en-US" dirty="0"/>
           </a:p>
@@ -10587,111 +10633,203 @@
           </a:lstStyle>
           <a:p>
             <a:r>
+              <a:rPr lang="en-GB" sz="1600" dirty="0" smtClean="0"/>
+              <a:t>AngularJS has </a:t>
+            </a:r>
+            <a:r>
+              <a:rPr lang="en-GB" sz="1600" dirty="0"/>
+              <a:t>an integrated dependency injection framework, provides mocks for many heavy dependencies (server-side communication) </a:t>
+            </a:r>
+            <a:endParaRPr lang="en-GB" sz="1600" dirty="0" smtClean="0"/>
+          </a:p>
+          <a:p>
+            <a:r>
               <a:rPr lang="en-GB" sz="1600" b="1" dirty="0" smtClean="0"/>
-              <a:t>Namespace</a:t>
+              <a:t>ngMock: </a:t>
+            </a:r>
+            <a:r>
+              <a:rPr lang="en-GB" sz="1600" dirty="0"/>
+              <a:t>module provides support to inject and mock Angular services into unit tests. In addition, ngMock also extends various core ng services such that they can be inspected and controlled in a synchronous manner within test </a:t>
             </a:r>
             <a:r>
               <a:rPr lang="en-GB" sz="1600" dirty="0" smtClean="0"/>
-              <a:t> distributed code – OpenSource code should be name spaced</a:t>
-            </a:r>
-          </a:p>
-          <a:p>
+              <a:t>code</a:t>
+            </a:r>
+          </a:p>
+          <a:p>
+            <a:r>
+              <a:rPr lang="en-GB" sz="1600" b="1" dirty="0" smtClean="0"/>
+              <a:t>angular.mock: </a:t>
+            </a:r>
+            <a:r>
+              <a:rPr lang="en-GB" sz="1600" dirty="0"/>
+              <a:t>Namespace from 'angular-mocks.js' which contains testing related </a:t>
+            </a:r>
             <a:r>
               <a:rPr lang="en-GB" sz="1600" dirty="0" smtClean="0"/>
-              <a:t>Only use .$broadcast(), .$emit(), and .$on() for atomic events</a:t>
-            </a:r>
-          </a:p>
-          <a:p>
+              <a:t>code</a:t>
+            </a:r>
+          </a:p>
+          <a:p>
+            <a:r>
+              <a:rPr lang="en-GB" sz="1600" b="1" dirty="0"/>
+              <a:t>Jasmine: </a:t>
+            </a:r>
+            <a:r>
+              <a:rPr lang="en-GB" sz="1600" dirty="0"/>
+              <a:t>Jasmine is a behavior-driven development framework for testing JavaScript code. It does not depend on any other JavaScript frameworks. It does not require a </a:t>
+            </a:r>
             <a:r>
               <a:rPr lang="en-GB" sz="1600" dirty="0" smtClean="0"/>
-              <a:t>Always let users use </a:t>
-            </a:r>
-            <a:r>
-              <a:rPr lang="en-GB" sz="1600" b="1" dirty="0" smtClean="0"/>
-              <a:t>expressions</a:t>
-            </a:r>
-            <a:r>
-              <a:rPr lang="en-GB" sz="1600" dirty="0" smtClean="0"/>
-              <a:t> “{{}}” whenever possible</a:t>
-            </a:r>
-          </a:p>
-          <a:p>
-            <a:r>
-              <a:rPr lang="en-GB" sz="1600" dirty="0" smtClean="0"/>
-              <a:t>Extend directives by using </a:t>
-            </a:r>
-            <a:r>
-              <a:rPr lang="en-GB" sz="1600" b="1" dirty="0" smtClean="0"/>
-              <a:t>Directive Controllers</a:t>
-            </a:r>
-          </a:p>
-          <a:p>
-            <a:r>
-              <a:rPr lang="en-GB" sz="1600" dirty="0" smtClean="0"/>
-              <a:t>Add </a:t>
-            </a:r>
-            <a:r>
-              <a:rPr lang="en-GB" sz="1600" b="1" dirty="0" smtClean="0"/>
-              <a:t>teardown code to controllers and directives </a:t>
-            </a:r>
-            <a:r>
-              <a:rPr lang="en-GB" sz="1600" dirty="0" smtClean="0"/>
-              <a:t>- Controllers </a:t>
-            </a:r>
-            <a:r>
-              <a:rPr lang="en-GB" sz="1600" dirty="0"/>
-              <a:t>and </a:t>
-            </a:r>
-            <a:r>
-              <a:rPr lang="en-GB" sz="1600" dirty="0" smtClean="0"/>
-              <a:t>directives emit an event right before they are destroyed. You can perform the garbage collection there.</a:t>
-            </a:r>
-          </a:p>
-          <a:p>
-            <a:r>
-              <a:rPr lang="en-GB" sz="1600" dirty="0" smtClean="0"/>
-              <a:t>Leverage </a:t>
-            </a:r>
-            <a:r>
-              <a:rPr lang="en-GB" sz="1600" b="1" dirty="0" smtClean="0"/>
-              <a:t>modules</a:t>
-            </a:r>
-            <a:r>
-              <a:rPr lang="en-GB" sz="1600" dirty="0" smtClean="0"/>
-              <a:t> properly – Group your code into related bundles. This way if you remove a module, your app still works</a:t>
-            </a:r>
-          </a:p>
-          <a:p>
-            <a:r>
-              <a:rPr lang="en-GB" sz="1600" dirty="0" smtClean="0"/>
-              <a:t>Add </a:t>
-            </a:r>
-            <a:r>
-              <a:rPr lang="en-GB" sz="1600" b="1" dirty="0" smtClean="0"/>
-              <a:t>NPM</a:t>
-            </a:r>
-            <a:r>
-              <a:rPr lang="en-GB" sz="1600" dirty="0" smtClean="0"/>
-              <a:t> and </a:t>
-            </a:r>
-            <a:r>
-              <a:rPr lang="en-GB" sz="1600" b="1" dirty="0" smtClean="0"/>
-              <a:t>Bower</a:t>
-            </a:r>
-            <a:r>
-              <a:rPr lang="en-GB" sz="1600" dirty="0" smtClean="0"/>
-              <a:t> support</a:t>
-            </a:r>
-          </a:p>
-          <a:p>
-            <a:endParaRPr lang="en-GB" sz="1600" dirty="0" smtClean="0"/>
+              <a:t>DOM</a:t>
+            </a:r>
+            <a:endParaRPr lang="en-GB" sz="1600" dirty="0"/>
+          </a:p>
+          <a:p>
+            <a:pPr lvl="1"/>
+            <a:r>
+              <a:rPr lang="en-GB" sz="1200" dirty="0" smtClean="0"/>
+              <a:t>describe – Global Jasmine function with two parameters: a string and a function</a:t>
+            </a:r>
+          </a:p>
+          <a:p>
+            <a:pPr lvl="1"/>
+            <a:r>
+              <a:rPr lang="en-GB" sz="1200" dirty="0" smtClean="0"/>
+              <a:t>Matchers – Each matcher implements a boolean comparison between actual and expected value</a:t>
+            </a:r>
+          </a:p>
+          <a:p>
+            <a:pPr lvl="2"/>
+            <a:r>
+              <a:rPr lang="en-US" sz="1200" dirty="0"/>
+              <a:t>expect(a).toBe(b); expect(a).not.toBe(</a:t>
+            </a:r>
+            <a:r>
+              <a:rPr lang="en-US" sz="1200" b="1" dirty="0"/>
+              <a:t>null</a:t>
+            </a:r>
+            <a:r>
+              <a:rPr lang="en-US" sz="1200" dirty="0" smtClean="0"/>
+              <a:t>);</a:t>
+            </a:r>
+          </a:p>
+          <a:p>
+            <a:pPr lvl="1"/>
+            <a:r>
+              <a:rPr lang="en-US" sz="1200" dirty="0"/>
+              <a:t>Jasmine unit test are run with </a:t>
+            </a:r>
+            <a:r>
+              <a:rPr lang="en-US" sz="1200" b="1" dirty="0">
+                <a:solidFill>
+                  <a:srgbClr val="00B050"/>
+                </a:solidFill>
+              </a:rPr>
+              <a:t>Karma Test </a:t>
+            </a:r>
+            <a:r>
+              <a:rPr lang="en-US" sz="1200" b="1" dirty="0" smtClean="0">
+                <a:solidFill>
+                  <a:srgbClr val="00B050"/>
+                </a:solidFill>
+              </a:rPr>
+              <a:t>Runner</a:t>
+            </a:r>
+          </a:p>
+          <a:p>
+            <a:pPr lvl="1"/>
+            <a:r>
+              <a:rPr lang="en-US" sz="1200" dirty="0" smtClean="0"/>
+              <a:t>Jasmine end to end tests are run with </a:t>
+            </a:r>
+            <a:r>
+              <a:rPr lang="en-US" sz="1200" b="1" dirty="0" smtClean="0">
+                <a:solidFill>
+                  <a:srgbClr val="00B050"/>
+                </a:solidFill>
+              </a:rPr>
+              <a:t>Protracter End-to-End test runner</a:t>
+            </a:r>
+          </a:p>
+          <a:p>
+            <a:pPr lvl="1"/>
+            <a:r>
+              <a:rPr lang="en-US" sz="1200" dirty="0" smtClean="0"/>
+              <a:t>Web driver is required to </a:t>
+            </a:r>
+            <a:r>
+              <a:rPr lang="en-US" sz="1200" dirty="0"/>
+              <a:t>execute the </a:t>
+            </a:r>
+            <a:r>
+              <a:rPr lang="en-US" sz="1200" dirty="0" smtClean="0"/>
+              <a:t>Protracter script : </a:t>
+            </a:r>
+            <a:r>
+              <a:rPr lang="en-US" sz="1200" b="1" dirty="0" smtClean="0">
+                <a:solidFill>
+                  <a:srgbClr val="00B050"/>
+                </a:solidFill>
+              </a:rPr>
+              <a:t>npm </a:t>
+            </a:r>
+            <a:r>
+              <a:rPr lang="en-US" sz="1200" b="1" dirty="0">
+                <a:solidFill>
+                  <a:srgbClr val="00B050"/>
+                </a:solidFill>
+              </a:rPr>
+              <a:t>run </a:t>
+            </a:r>
+            <a:r>
+              <a:rPr lang="en-US" sz="1200" b="1" dirty="0" smtClean="0">
+                <a:solidFill>
+                  <a:srgbClr val="00B050"/>
+                </a:solidFill>
+              </a:rPr>
+              <a:t>update-</a:t>
+            </a:r>
+            <a:r>
+              <a:rPr lang="en-US" sz="1200" b="1" dirty="0" err="1" smtClean="0">
+                <a:solidFill>
+                  <a:srgbClr val="00B050"/>
+                </a:solidFill>
+              </a:rPr>
+              <a:t>webdriver</a:t>
+            </a:r>
+            <a:endParaRPr lang="en-US" sz="1200" b="1" dirty="0" smtClean="0">
+              <a:solidFill>
+                <a:srgbClr val="00B050"/>
+              </a:solidFill>
+            </a:endParaRPr>
+          </a:p>
+          <a:p>
+            <a:pPr lvl="1"/>
+            <a:r>
+              <a:rPr lang="en-US" sz="1200" dirty="0"/>
+              <a:t>Run the Protracter test : </a:t>
+            </a:r>
+            <a:r>
+              <a:rPr lang="en-US" sz="1200" b="1" dirty="0">
+                <a:solidFill>
+                  <a:srgbClr val="00B050"/>
+                </a:solidFill>
+              </a:rPr>
+              <a:t>npm run protractor</a:t>
+            </a:r>
+            <a:endParaRPr lang="en-GB" sz="1200" b="1" dirty="0">
+              <a:solidFill>
+                <a:srgbClr val="00B050"/>
+              </a:solidFill>
+            </a:endParaRPr>
           </a:p>
         </p:txBody>
       </p:sp>
     </p:spTree>
     <p:extLst>
       <p:ext uri="{BB962C8B-B14F-4D97-AF65-F5344CB8AC3E}">
-        <p14:creationId xmlns:p14="http://schemas.microsoft.com/office/powerpoint/2010/main" val="1523614148"/>
+        <p14:creationId xmlns:p14="http://schemas.microsoft.com/office/powerpoint/2010/main" val="634700337"/>
       </p:ext>
     </p:extLst>
   </p:cSld>
@@ -10737,14 +10875,12 @@
         </p:nvSpPr>
         <p:spPr/>
         <p:txBody>
-          <a:bodyPr>
-            <a:normAutofit/>
-          </a:bodyPr>
+          <a:bodyPr/>
           <a:lstStyle/>
           <a:p>
             <a:r>
               <a:rPr lang="en-US" dirty="0" smtClean="0"/>
-              <a:t>Angular – Performance Improvement</a:t>
+              <a:t>AngularJS Continuous Integration</a:t>
             </a:r>
             <a:endParaRPr lang="en-US" dirty="0"/>
           </a:p>
@@ -10941,130 +11077,43 @@
           </a:lstStyle>
           <a:p>
             <a:r>
+              <a:rPr lang="en-GB" sz="1600" b="1" dirty="0"/>
+              <a:t>Travis CI</a:t>
+            </a:r>
+            <a:r>
+              <a:rPr lang="en-GB" sz="1600" b="1" dirty="0" smtClean="0"/>
+              <a:t>: </a:t>
+            </a:r>
+            <a:r>
               <a:rPr lang="en-GB" sz="1600" dirty="0" smtClean="0"/>
-              <a:t>Minimize the number of registered watchers</a:t>
-            </a:r>
-          </a:p>
-          <a:p>
-            <a:pPr lvl="1">
-              <a:buFont typeface="Wingdings" panose="05000000000000000000" pitchFamily="2" charset="2"/>
-              <a:buChar char="Ø"/>
-            </a:pPr>
-            <a:r>
-              <a:rPr lang="en-GB" sz="1400" dirty="0" smtClean="0"/>
-              <a:t>Tools such as Batarang, chrome Angular watchers are useful tools</a:t>
-            </a:r>
-            <a:endParaRPr lang="en-GB" sz="1400" dirty="0" smtClean="0"/>
-          </a:p>
-          <a:p>
+              <a:t>Travis </a:t>
+            </a:r>
+            <a:r>
+              <a:rPr lang="en-GB" sz="1600" dirty="0"/>
+              <a:t>CI is a continuous integration service, which can monitor GitHub for new commits to your repository and execute scripts such as building the app or running </a:t>
+            </a:r>
             <a:r>
               <a:rPr lang="en-GB" sz="1600" dirty="0" smtClean="0"/>
-              <a:t>Maximum the performance of registered watchers</a:t>
-            </a:r>
-          </a:p>
-          <a:p>
+              <a:t>tests</a:t>
+            </a:r>
+            <a:endParaRPr lang="en-GB" sz="1600" dirty="0"/>
+          </a:p>
+          <a:p>
+            <a:r>
+              <a:rPr lang="en-GB" sz="1600" b="1" dirty="0" smtClean="0"/>
+              <a:t>CloudBees:</a:t>
+            </a:r>
             <a:r>
               <a:rPr lang="en-GB" sz="1600" dirty="0" smtClean="0"/>
-              <a:t>Use ng-if rather than ng-show</a:t>
-            </a:r>
-          </a:p>
-          <a:p>
-            <a:r>
-              <a:rPr lang="en-GB" sz="1600" dirty="0" smtClean="0"/>
-              <a:t>As AngularJS doesn’t have native support for unregistering watchers, you can use solutions like </a:t>
-            </a:r>
-            <a:r>
-              <a:rPr lang="en-GB" sz="1600" b="1" dirty="0" smtClean="0"/>
-              <a:t>bindonce </a:t>
-            </a:r>
-          </a:p>
-          <a:p>
-            <a:pPr lvl="1">
-              <a:buFont typeface="Wingdings" panose="05000000000000000000" pitchFamily="2" charset="2"/>
-              <a:buChar char="Ø"/>
-            </a:pPr>
-            <a:r>
-              <a:rPr lang="en-GB" sz="1400" dirty="0"/>
-              <a:t>&lt;div bindonce </a:t>
-            </a:r>
-            <a:r>
-              <a:rPr lang="en-GB" sz="1400" dirty="0" err="1"/>
-              <a:t>bo</a:t>
-            </a:r>
-            <a:r>
-              <a:rPr lang="en-GB" sz="1400" dirty="0"/>
-              <a:t>-text=” ’TRANSLATION.KEY’ | translate ”&gt;&lt;/div</a:t>
-            </a:r>
-            <a:r>
-              <a:rPr lang="en-GB" sz="1400" dirty="0" smtClean="0"/>
-              <a:t>&gt;</a:t>
-            </a:r>
-          </a:p>
-          <a:p>
-            <a:r>
-              <a:rPr lang="en-GB" sz="1600" dirty="0" smtClean="0"/>
-              <a:t>Pagination i.e. use paginate:page in &lt;ng-repeat&gt; directory</a:t>
-            </a:r>
-          </a:p>
-          <a:p>
-            <a:r>
-              <a:rPr lang="en-GB" sz="1600" dirty="0" smtClean="0"/>
-              <a:t>Infinite scrolling</a:t>
-            </a:r>
-          </a:p>
-          <a:p>
-            <a:r>
-              <a:rPr lang="en-GB" sz="1600" dirty="0" smtClean="0"/>
-              <a:t>Cache calculated properties</a:t>
-            </a:r>
-          </a:p>
-          <a:p>
-            <a:r>
-              <a:rPr lang="en-GB" sz="1600" dirty="0" smtClean="0"/>
-              <a:t>Scalyr Directives</a:t>
-            </a:r>
-          </a:p>
-          <a:p>
-            <a:r>
-              <a:rPr lang="en-GB" sz="1600" dirty="0" smtClean="0"/>
-              <a:t>Angular Fastscroll (in div tags)</a:t>
-            </a:r>
-            <a:endParaRPr lang="en-GB" sz="1600" dirty="0" smtClean="0"/>
-          </a:p>
-          <a:p>
-            <a:r>
-              <a:rPr lang="en-GB" sz="1600" dirty="0" smtClean="0"/>
-              <a:t>Tools:</a:t>
-            </a:r>
-          </a:p>
-          <a:p>
-            <a:pPr lvl="1"/>
-            <a:r>
-              <a:rPr lang="en-GB" sz="1200" dirty="0" smtClean="0"/>
-              <a:t>Chrome DevTools</a:t>
-            </a:r>
-          </a:p>
-          <a:p>
-            <a:pPr lvl="1"/>
-            <a:r>
-              <a:rPr lang="en-GB" sz="1200" dirty="0" smtClean="0"/>
-              <a:t>Batarang Plugin</a:t>
-            </a:r>
-          </a:p>
-          <a:p>
-            <a:pPr lvl="1"/>
-            <a:r>
-              <a:rPr lang="en-GB" sz="1200" dirty="0" smtClean="0"/>
-              <a:t>angular-instruments</a:t>
-            </a:r>
-            <a:endParaRPr lang="en-GB" sz="1200" dirty="0" smtClean="0"/>
+              <a:t> CloudBees have provided a CI/deployment setup</a:t>
+            </a:r>
           </a:p>
         </p:txBody>
       </p:sp>
     </p:spTree>
     <p:extLst>
       <p:ext uri="{BB962C8B-B14F-4D97-AF65-F5344CB8AC3E}">
-        <p14:creationId xmlns:p14="http://schemas.microsoft.com/office/powerpoint/2010/main" val="866641604"/>
+        <p14:creationId xmlns:p14="http://schemas.microsoft.com/office/powerpoint/2010/main" val="2250921310"/>
       </p:ext>
     </p:extLst>
   </p:cSld>
@@ -11304,6 +11353,1065 @@
           <a:p>
             <a:r>
               <a:rPr lang="en-US" dirty="0" smtClean="0"/>
+              <a:t>JQuery</a:t>
+            </a:r>
+            <a:endParaRPr lang="en-US" dirty="0"/>
+          </a:p>
+        </p:txBody>
+      </p:sp>
+      <p:sp>
+        <p:nvSpPr>
+          <p:cNvPr id="6" name="Content Placeholder 2"/>
+          <p:cNvSpPr txBox="1">
+            <a:spLocks/>
+          </p:cNvSpPr>
+          <p:nvPr/>
+        </p:nvSpPr>
+        <p:spPr>
+          <a:xfrm>
+            <a:off x="457200" y="1600200"/>
+            <a:ext cx="8229600" cy="4876800"/>
+          </a:xfrm>
+          <a:prstGeom prst="rect">
+            <a:avLst/>
+          </a:prstGeom>
+        </p:spPr>
+        <p:txBody>
+          <a:bodyPr vert="horz" lIns="91440" tIns="45720" rIns="91440" bIns="45720" rtlCol="0">
+            <a:normAutofit/>
+          </a:bodyPr>
+          <a:lstStyle>
+            <a:lvl1pPr marL="182880" indent="-182880" algn="l" defTabSz="914400" rtl="0" eaLnBrk="1" latinLnBrk="0" hangingPunct="1">
+              <a:spcBef>
+                <a:spcPct val="20000"/>
+              </a:spcBef>
+              <a:buClr>
+                <a:schemeClr val="accent1"/>
+              </a:buClr>
+              <a:buSzPct val="85000"/>
+              <a:buFont typeface="Arial" pitchFamily="34" charset="0"/>
+              <a:buChar char="•"/>
+              <a:defRPr sz="2400" kern="1200">
+                <a:solidFill>
+                  <a:schemeClr val="tx1"/>
+                </a:solidFill>
+                <a:latin typeface="+mn-lt"/>
+                <a:ea typeface="+mn-ea"/>
+                <a:cs typeface="+mn-cs"/>
+              </a:defRPr>
+            </a:lvl1pPr>
+            <a:lvl2pPr marL="457200" indent="-182880" algn="l" defTabSz="914400" rtl="0" eaLnBrk="1" latinLnBrk="0" hangingPunct="1">
+              <a:spcBef>
+                <a:spcPct val="20000"/>
+              </a:spcBef>
+              <a:buClr>
+                <a:schemeClr val="accent1"/>
+              </a:buClr>
+              <a:buSzPct val="85000"/>
+              <a:buFont typeface="Arial" pitchFamily="34" charset="0"/>
+              <a:buChar char="•"/>
+              <a:defRPr sz="2000" kern="1200">
+                <a:solidFill>
+                  <a:schemeClr val="tx1"/>
+                </a:solidFill>
+                <a:latin typeface="+mn-lt"/>
+                <a:ea typeface="+mn-ea"/>
+                <a:cs typeface="+mn-cs"/>
+              </a:defRPr>
+            </a:lvl2pPr>
+            <a:lvl3pPr marL="731520" indent="-182880" algn="l" defTabSz="914400" rtl="0" eaLnBrk="1" latinLnBrk="0" hangingPunct="1">
+              <a:spcBef>
+                <a:spcPct val="20000"/>
+              </a:spcBef>
+              <a:buClr>
+                <a:schemeClr val="accent1"/>
+              </a:buClr>
+              <a:buSzPct val="90000"/>
+              <a:buFont typeface="Arial" pitchFamily="34" charset="0"/>
+              <a:buChar char="•"/>
+              <a:defRPr sz="1800" kern="1200">
+                <a:solidFill>
+                  <a:schemeClr val="tx1"/>
+                </a:solidFill>
+                <a:latin typeface="+mn-lt"/>
+                <a:ea typeface="+mn-ea"/>
+                <a:cs typeface="+mn-cs"/>
+              </a:defRPr>
+            </a:lvl3pPr>
+            <a:lvl4pPr marL="1005840" indent="-182880" algn="l" defTabSz="914400" rtl="0" eaLnBrk="1" latinLnBrk="0" hangingPunct="1">
+              <a:spcBef>
+                <a:spcPct val="20000"/>
+              </a:spcBef>
+              <a:buClr>
+                <a:schemeClr val="accent1"/>
+              </a:buClr>
+              <a:buFont typeface="Arial" pitchFamily="34" charset="0"/>
+              <a:buChar char="•"/>
+              <a:defRPr sz="1600" kern="1200">
+                <a:solidFill>
+                  <a:schemeClr val="tx1"/>
+                </a:solidFill>
+                <a:latin typeface="+mn-lt"/>
+                <a:ea typeface="+mn-ea"/>
+                <a:cs typeface="+mn-cs"/>
+              </a:defRPr>
+            </a:lvl4pPr>
+            <a:lvl5pPr marL="1188720" indent="-137160" algn="l" defTabSz="914400" rtl="0" eaLnBrk="1" latinLnBrk="0" hangingPunct="1">
+              <a:spcBef>
+                <a:spcPct val="20000"/>
+              </a:spcBef>
+              <a:buClr>
+                <a:schemeClr val="accent1"/>
+              </a:buClr>
+              <a:buSzPct val="100000"/>
+              <a:buFont typeface="Arial" pitchFamily="34" charset="0"/>
+              <a:buChar char="•"/>
+              <a:defRPr sz="1400" kern="1200" baseline="0">
+                <a:solidFill>
+                  <a:schemeClr val="tx1"/>
+                </a:solidFill>
+                <a:latin typeface="+mn-lt"/>
+                <a:ea typeface="+mn-ea"/>
+                <a:cs typeface="+mn-cs"/>
+              </a:defRPr>
+            </a:lvl5pPr>
+            <a:lvl6pPr marL="1371600" indent="-182880" algn="l" defTabSz="914400" rtl="0" eaLnBrk="1" latinLnBrk="0" hangingPunct="1">
+              <a:spcBef>
+                <a:spcPct val="20000"/>
+              </a:spcBef>
+              <a:buClr>
+                <a:schemeClr val="accent1"/>
+              </a:buClr>
+              <a:buFont typeface="Arial" pitchFamily="34" charset="0"/>
+              <a:buChar char="•"/>
+              <a:defRPr sz="1300" kern="1200">
+                <a:solidFill>
+                  <a:schemeClr val="tx1"/>
+                </a:solidFill>
+                <a:latin typeface="+mn-lt"/>
+                <a:ea typeface="+mn-ea"/>
+                <a:cs typeface="+mn-cs"/>
+              </a:defRPr>
+            </a:lvl6pPr>
+            <a:lvl7pPr marL="1554480" indent="-182880" algn="l" defTabSz="914400" rtl="0" eaLnBrk="1" latinLnBrk="0" hangingPunct="1">
+              <a:spcBef>
+                <a:spcPct val="20000"/>
+              </a:spcBef>
+              <a:buClr>
+                <a:schemeClr val="accent1"/>
+              </a:buClr>
+              <a:buFont typeface="Arial" pitchFamily="34" charset="0"/>
+              <a:buChar char="•"/>
+              <a:defRPr sz="1300" kern="1200">
+                <a:solidFill>
+                  <a:schemeClr val="tx1"/>
+                </a:solidFill>
+                <a:latin typeface="+mn-lt"/>
+                <a:ea typeface="+mn-ea"/>
+                <a:cs typeface="+mn-cs"/>
+              </a:defRPr>
+            </a:lvl7pPr>
+            <a:lvl8pPr marL="1737360" indent="-182880" algn="l" defTabSz="914400" rtl="0" eaLnBrk="1" latinLnBrk="0" hangingPunct="1">
+              <a:spcBef>
+                <a:spcPct val="20000"/>
+              </a:spcBef>
+              <a:buClr>
+                <a:schemeClr val="accent1"/>
+              </a:buClr>
+              <a:buFont typeface="Arial" pitchFamily="34" charset="0"/>
+              <a:buChar char="•"/>
+              <a:defRPr sz="1300" kern="1200">
+                <a:solidFill>
+                  <a:schemeClr val="tx1"/>
+                </a:solidFill>
+                <a:latin typeface="+mn-lt"/>
+                <a:ea typeface="+mn-ea"/>
+                <a:cs typeface="+mn-cs"/>
+              </a:defRPr>
+            </a:lvl8pPr>
+            <a:lvl9pPr marL="1920240" indent="-182880" algn="l" defTabSz="914400" rtl="0" eaLnBrk="1" latinLnBrk="0" hangingPunct="1">
+              <a:spcBef>
+                <a:spcPct val="20000"/>
+              </a:spcBef>
+              <a:buClr>
+                <a:schemeClr val="accent1"/>
+              </a:buClr>
+              <a:buFont typeface="Arial" pitchFamily="34" charset="0"/>
+              <a:buChar char="•"/>
+              <a:defRPr sz="1300" kern="1200">
+                <a:solidFill>
+                  <a:schemeClr val="tx1"/>
+                </a:solidFill>
+                <a:latin typeface="+mn-lt"/>
+                <a:ea typeface="+mn-ea"/>
+                <a:cs typeface="+mn-cs"/>
+              </a:defRPr>
+            </a:lvl9pPr>
+          </a:lstStyle>
+          <a:p>
+            <a:r>
+              <a:rPr lang="en-GB" sz="1600" dirty="0" smtClean="0"/>
+              <a:t>AngularJS can </a:t>
+            </a:r>
+            <a:r>
+              <a:rPr lang="en-GB" sz="1600" dirty="0"/>
+              <a:t>use </a:t>
+            </a:r>
+            <a:r>
+              <a:rPr lang="en-GB" sz="1600" dirty="0">
+                <a:hlinkClick r:id="rId2"/>
+              </a:rPr>
+              <a:t>jQuery</a:t>
+            </a:r>
+            <a:r>
+              <a:rPr lang="en-GB" sz="1600" dirty="0"/>
+              <a:t> if it's present in your app when the application is being bootstrapped. If jQuery is not present in your script path, Angular falls back to its own implementation of the subset of jQuery that we call </a:t>
+            </a:r>
+            <a:r>
+              <a:rPr lang="en-GB" sz="1600" dirty="0" smtClean="0">
+                <a:hlinkClick r:id="rId3"/>
+              </a:rPr>
+              <a:t>jQLite</a:t>
+            </a:r>
+            <a:endParaRPr lang="en-GB" sz="1600" dirty="0" smtClean="0"/>
+          </a:p>
+          <a:p>
+            <a:r>
+              <a:rPr lang="en-GB" sz="1600" b="1" dirty="0"/>
+              <a:t>jqLite</a:t>
+            </a:r>
+            <a:r>
+              <a:rPr lang="en-GB" sz="1600" dirty="0"/>
+              <a:t> is a tiny, API-compatible subset of jQuery that allows Angular to manipulate the DOM in a cross-browser compatible way. jqLite implements only the most commonly needed functionality with the goal of having a very small </a:t>
+            </a:r>
+            <a:r>
+              <a:rPr lang="en-GB" sz="1600" dirty="0" smtClean="0"/>
+              <a:t>footprint</a:t>
+            </a:r>
+          </a:p>
+          <a:p>
+            <a:r>
+              <a:rPr lang="en-GB" sz="1600" dirty="0"/>
+              <a:t>To use jQuery, simply ensure it is loaded before the angular.js file. You can also use the </a:t>
+            </a:r>
+            <a:r>
+              <a:rPr lang="en-GB" sz="1600" dirty="0">
+                <a:hlinkClick r:id="rId4"/>
+              </a:rPr>
+              <a:t>ngJq</a:t>
+            </a:r>
+            <a:r>
+              <a:rPr lang="en-GB" sz="1600" dirty="0"/>
+              <a:t> directive to specify that jqlite should be used over jQuery, or to use a specific version of jQuery if multiple versions exist on the </a:t>
+            </a:r>
+            <a:r>
+              <a:rPr lang="en-GB" sz="1600" dirty="0" smtClean="0"/>
+              <a:t>page</a:t>
+            </a:r>
+          </a:p>
+          <a:p>
+            <a:r>
+              <a:rPr lang="en-GB" sz="1600" dirty="0"/>
+              <a:t>If jQuery is available, angular.element is an alias for the </a:t>
+            </a:r>
+            <a:r>
+              <a:rPr lang="en-GB" sz="1600" dirty="0">
+                <a:hlinkClick r:id="rId5"/>
+              </a:rPr>
+              <a:t>jQuery</a:t>
+            </a:r>
+            <a:r>
+              <a:rPr lang="en-GB" sz="1600" dirty="0"/>
+              <a:t> function. If jQuery is not available, angular.element delegates to Angular's built-in subset of jQuery, called "jQuery lite" or </a:t>
+            </a:r>
+            <a:r>
+              <a:rPr lang="en-GB" sz="1600" b="1" dirty="0"/>
+              <a:t>jqLite</a:t>
+            </a:r>
+            <a:r>
+              <a:rPr lang="en-GB" sz="1600" dirty="0"/>
+              <a:t>.</a:t>
+            </a:r>
+            <a:endParaRPr lang="en-GB" sz="1600" b="1" dirty="0" smtClean="0"/>
+          </a:p>
+        </p:txBody>
+      </p:sp>
+    </p:spTree>
+    <p:extLst>
+      <p:ext uri="{BB962C8B-B14F-4D97-AF65-F5344CB8AC3E}">
+        <p14:creationId xmlns:p14="http://schemas.microsoft.com/office/powerpoint/2010/main" val="1507745833"/>
+      </p:ext>
+    </p:extLst>
+  </p:cSld>
+  <p:clrMapOvr>
+    <a:masterClrMapping/>
+  </p:clrMapOvr>
+  <p:timing>
+    <p:tnLst>
+      <p:par>
+        <p:cTn id="1" dur="indefinite" restart="never" nodeType="tmRoot"/>
+      </p:par>
+    </p:tnLst>
+  </p:timing>
+</p:sld>
+</file>
+
+<file path=ppt/slides/slide31.xml><?xml version="1.0" encoding="utf-8"?>
+<p:sld xmlns:a="http://schemas.openxmlformats.org/drawingml/2006/main" xmlns:r="http://schemas.openxmlformats.org/officeDocument/2006/relationships" xmlns:p="http://schemas.openxmlformats.org/presentationml/2006/main">
+  <p:cSld>
+    <p:spTree>
+      <p:nvGrpSpPr>
+        <p:cNvPr id="1" name=""/>
+        <p:cNvGrpSpPr/>
+        <p:nvPr/>
+      </p:nvGrpSpPr>
+      <p:grpSpPr>
+        <a:xfrm>
+          <a:off x="0" y="0"/>
+          <a:ext cx="0" cy="0"/>
+          <a:chOff x="0" y="0"/>
+          <a:chExt cx="0" cy="0"/>
+        </a:xfrm>
+      </p:grpSpPr>
+      <p:sp>
+        <p:nvSpPr>
+          <p:cNvPr id="2" name="Title 1"/>
+          <p:cNvSpPr>
+            <a:spLocks noGrp="1"/>
+          </p:cNvSpPr>
+          <p:nvPr>
+            <p:ph type="title"/>
+          </p:nvPr>
+        </p:nvSpPr>
+        <p:spPr/>
+        <p:txBody>
+          <a:bodyPr/>
+          <a:lstStyle/>
+          <a:p>
+            <a:r>
+              <a:rPr lang="en-US" dirty="0" smtClean="0"/>
+              <a:t>Best Practices</a:t>
+            </a:r>
+            <a:endParaRPr lang="en-US" dirty="0"/>
+          </a:p>
+        </p:txBody>
+      </p:sp>
+      <p:sp>
+        <p:nvSpPr>
+          <p:cNvPr id="6" name="Content Placeholder 2"/>
+          <p:cNvSpPr txBox="1">
+            <a:spLocks/>
+          </p:cNvSpPr>
+          <p:nvPr/>
+        </p:nvSpPr>
+        <p:spPr>
+          <a:xfrm>
+            <a:off x="457200" y="1600200"/>
+            <a:ext cx="8229600" cy="4876800"/>
+          </a:xfrm>
+          <a:prstGeom prst="rect">
+            <a:avLst/>
+          </a:prstGeom>
+        </p:spPr>
+        <p:txBody>
+          <a:bodyPr vert="horz" lIns="91440" tIns="45720" rIns="91440" bIns="45720" rtlCol="0">
+            <a:normAutofit/>
+          </a:bodyPr>
+          <a:lstStyle>
+            <a:lvl1pPr marL="182880" indent="-182880" algn="l" defTabSz="914400" rtl="0" eaLnBrk="1" latinLnBrk="0" hangingPunct="1">
+              <a:spcBef>
+                <a:spcPct val="20000"/>
+              </a:spcBef>
+              <a:buClr>
+                <a:schemeClr val="accent1"/>
+              </a:buClr>
+              <a:buSzPct val="85000"/>
+              <a:buFont typeface="Arial" pitchFamily="34" charset="0"/>
+              <a:buChar char="•"/>
+              <a:defRPr sz="2400" kern="1200">
+                <a:solidFill>
+                  <a:schemeClr val="tx1"/>
+                </a:solidFill>
+                <a:latin typeface="+mn-lt"/>
+                <a:ea typeface="+mn-ea"/>
+                <a:cs typeface="+mn-cs"/>
+              </a:defRPr>
+            </a:lvl1pPr>
+            <a:lvl2pPr marL="457200" indent="-182880" algn="l" defTabSz="914400" rtl="0" eaLnBrk="1" latinLnBrk="0" hangingPunct="1">
+              <a:spcBef>
+                <a:spcPct val="20000"/>
+              </a:spcBef>
+              <a:buClr>
+                <a:schemeClr val="accent1"/>
+              </a:buClr>
+              <a:buSzPct val="85000"/>
+              <a:buFont typeface="Arial" pitchFamily="34" charset="0"/>
+              <a:buChar char="•"/>
+              <a:defRPr sz="2000" kern="1200">
+                <a:solidFill>
+                  <a:schemeClr val="tx1"/>
+                </a:solidFill>
+                <a:latin typeface="+mn-lt"/>
+                <a:ea typeface="+mn-ea"/>
+                <a:cs typeface="+mn-cs"/>
+              </a:defRPr>
+            </a:lvl2pPr>
+            <a:lvl3pPr marL="731520" indent="-182880" algn="l" defTabSz="914400" rtl="0" eaLnBrk="1" latinLnBrk="0" hangingPunct="1">
+              <a:spcBef>
+                <a:spcPct val="20000"/>
+              </a:spcBef>
+              <a:buClr>
+                <a:schemeClr val="accent1"/>
+              </a:buClr>
+              <a:buSzPct val="90000"/>
+              <a:buFont typeface="Arial" pitchFamily="34" charset="0"/>
+              <a:buChar char="•"/>
+              <a:defRPr sz="1800" kern="1200">
+                <a:solidFill>
+                  <a:schemeClr val="tx1"/>
+                </a:solidFill>
+                <a:latin typeface="+mn-lt"/>
+                <a:ea typeface="+mn-ea"/>
+                <a:cs typeface="+mn-cs"/>
+              </a:defRPr>
+            </a:lvl3pPr>
+            <a:lvl4pPr marL="1005840" indent="-182880" algn="l" defTabSz="914400" rtl="0" eaLnBrk="1" latinLnBrk="0" hangingPunct="1">
+              <a:spcBef>
+                <a:spcPct val="20000"/>
+              </a:spcBef>
+              <a:buClr>
+                <a:schemeClr val="accent1"/>
+              </a:buClr>
+              <a:buFont typeface="Arial" pitchFamily="34" charset="0"/>
+              <a:buChar char="•"/>
+              <a:defRPr sz="1600" kern="1200">
+                <a:solidFill>
+                  <a:schemeClr val="tx1"/>
+                </a:solidFill>
+                <a:latin typeface="+mn-lt"/>
+                <a:ea typeface="+mn-ea"/>
+                <a:cs typeface="+mn-cs"/>
+              </a:defRPr>
+            </a:lvl4pPr>
+            <a:lvl5pPr marL="1188720" indent="-137160" algn="l" defTabSz="914400" rtl="0" eaLnBrk="1" latinLnBrk="0" hangingPunct="1">
+              <a:spcBef>
+                <a:spcPct val="20000"/>
+              </a:spcBef>
+              <a:buClr>
+                <a:schemeClr val="accent1"/>
+              </a:buClr>
+              <a:buSzPct val="100000"/>
+              <a:buFont typeface="Arial" pitchFamily="34" charset="0"/>
+              <a:buChar char="•"/>
+              <a:defRPr sz="1400" kern="1200" baseline="0">
+                <a:solidFill>
+                  <a:schemeClr val="tx1"/>
+                </a:solidFill>
+                <a:latin typeface="+mn-lt"/>
+                <a:ea typeface="+mn-ea"/>
+                <a:cs typeface="+mn-cs"/>
+              </a:defRPr>
+            </a:lvl5pPr>
+            <a:lvl6pPr marL="1371600" indent="-182880" algn="l" defTabSz="914400" rtl="0" eaLnBrk="1" latinLnBrk="0" hangingPunct="1">
+              <a:spcBef>
+                <a:spcPct val="20000"/>
+              </a:spcBef>
+              <a:buClr>
+                <a:schemeClr val="accent1"/>
+              </a:buClr>
+              <a:buFont typeface="Arial" pitchFamily="34" charset="0"/>
+              <a:buChar char="•"/>
+              <a:defRPr sz="1300" kern="1200">
+                <a:solidFill>
+                  <a:schemeClr val="tx1"/>
+                </a:solidFill>
+                <a:latin typeface="+mn-lt"/>
+                <a:ea typeface="+mn-ea"/>
+                <a:cs typeface="+mn-cs"/>
+              </a:defRPr>
+            </a:lvl6pPr>
+            <a:lvl7pPr marL="1554480" indent="-182880" algn="l" defTabSz="914400" rtl="0" eaLnBrk="1" latinLnBrk="0" hangingPunct="1">
+              <a:spcBef>
+                <a:spcPct val="20000"/>
+              </a:spcBef>
+              <a:buClr>
+                <a:schemeClr val="accent1"/>
+              </a:buClr>
+              <a:buFont typeface="Arial" pitchFamily="34" charset="0"/>
+              <a:buChar char="•"/>
+              <a:defRPr sz="1300" kern="1200">
+                <a:solidFill>
+                  <a:schemeClr val="tx1"/>
+                </a:solidFill>
+                <a:latin typeface="+mn-lt"/>
+                <a:ea typeface="+mn-ea"/>
+                <a:cs typeface="+mn-cs"/>
+              </a:defRPr>
+            </a:lvl7pPr>
+            <a:lvl8pPr marL="1737360" indent="-182880" algn="l" defTabSz="914400" rtl="0" eaLnBrk="1" latinLnBrk="0" hangingPunct="1">
+              <a:spcBef>
+                <a:spcPct val="20000"/>
+              </a:spcBef>
+              <a:buClr>
+                <a:schemeClr val="accent1"/>
+              </a:buClr>
+              <a:buFont typeface="Arial" pitchFamily="34" charset="0"/>
+              <a:buChar char="•"/>
+              <a:defRPr sz="1300" kern="1200">
+                <a:solidFill>
+                  <a:schemeClr val="tx1"/>
+                </a:solidFill>
+                <a:latin typeface="+mn-lt"/>
+                <a:ea typeface="+mn-ea"/>
+                <a:cs typeface="+mn-cs"/>
+              </a:defRPr>
+            </a:lvl8pPr>
+            <a:lvl9pPr marL="1920240" indent="-182880" algn="l" defTabSz="914400" rtl="0" eaLnBrk="1" latinLnBrk="0" hangingPunct="1">
+              <a:spcBef>
+                <a:spcPct val="20000"/>
+              </a:spcBef>
+              <a:buClr>
+                <a:schemeClr val="accent1"/>
+              </a:buClr>
+              <a:buFont typeface="Arial" pitchFamily="34" charset="0"/>
+              <a:buChar char="•"/>
+              <a:defRPr sz="1300" kern="1200">
+                <a:solidFill>
+                  <a:schemeClr val="tx1"/>
+                </a:solidFill>
+                <a:latin typeface="+mn-lt"/>
+                <a:ea typeface="+mn-ea"/>
+                <a:cs typeface="+mn-cs"/>
+              </a:defRPr>
+            </a:lvl9pPr>
+          </a:lstStyle>
+          <a:p>
+            <a:r>
+              <a:rPr lang="en-GB" sz="1600" b="1" dirty="0" smtClean="0"/>
+              <a:t>Namespace</a:t>
+            </a:r>
+            <a:r>
+              <a:rPr lang="en-GB" sz="1600" dirty="0" smtClean="0"/>
+              <a:t> distributed code – OpenSource code should be name spaced</a:t>
+            </a:r>
+          </a:p>
+          <a:p>
+            <a:r>
+              <a:rPr lang="en-GB" sz="1600" dirty="0" smtClean="0"/>
+              <a:t>Only use .$broadcast(), .$emit(), and .$on() for atomic events</a:t>
+            </a:r>
+          </a:p>
+          <a:p>
+            <a:r>
+              <a:rPr lang="en-GB" sz="1600" dirty="0" smtClean="0"/>
+              <a:t>Always let users use </a:t>
+            </a:r>
+            <a:r>
+              <a:rPr lang="en-GB" sz="1600" b="1" dirty="0" smtClean="0"/>
+              <a:t>expressions</a:t>
+            </a:r>
+            <a:r>
+              <a:rPr lang="en-GB" sz="1600" dirty="0" smtClean="0"/>
+              <a:t> “{{}}” whenever possible</a:t>
+            </a:r>
+          </a:p>
+          <a:p>
+            <a:r>
+              <a:rPr lang="en-GB" sz="1600" dirty="0" smtClean="0"/>
+              <a:t>Extend directives by using </a:t>
+            </a:r>
+            <a:r>
+              <a:rPr lang="en-GB" sz="1600" b="1" dirty="0" smtClean="0"/>
+              <a:t>Directive Controllers</a:t>
+            </a:r>
+          </a:p>
+          <a:p>
+            <a:r>
+              <a:rPr lang="en-GB" sz="1600" dirty="0" smtClean="0"/>
+              <a:t>Add </a:t>
+            </a:r>
+            <a:r>
+              <a:rPr lang="en-GB" sz="1600" b="1" dirty="0" smtClean="0"/>
+              <a:t>teardown code to controllers and directives </a:t>
+            </a:r>
+            <a:r>
+              <a:rPr lang="en-GB" sz="1600" dirty="0" smtClean="0"/>
+              <a:t>- Controllers </a:t>
+            </a:r>
+            <a:r>
+              <a:rPr lang="en-GB" sz="1600" dirty="0"/>
+              <a:t>and </a:t>
+            </a:r>
+            <a:r>
+              <a:rPr lang="en-GB" sz="1600" dirty="0" smtClean="0"/>
+              <a:t>directives emit an event right before they are destroyed. You can perform the garbage collection there.</a:t>
+            </a:r>
+          </a:p>
+          <a:p>
+            <a:r>
+              <a:rPr lang="en-GB" sz="1600" dirty="0" smtClean="0"/>
+              <a:t>Leverage </a:t>
+            </a:r>
+            <a:r>
+              <a:rPr lang="en-GB" sz="1600" b="1" dirty="0" smtClean="0"/>
+              <a:t>modules</a:t>
+            </a:r>
+            <a:r>
+              <a:rPr lang="en-GB" sz="1600" dirty="0" smtClean="0"/>
+              <a:t> properly – Group your code into related bundles. This way if you remove a module, your app still works</a:t>
+            </a:r>
+          </a:p>
+          <a:p>
+            <a:r>
+              <a:rPr lang="en-GB" sz="1600" dirty="0" smtClean="0"/>
+              <a:t>Add </a:t>
+            </a:r>
+            <a:r>
+              <a:rPr lang="en-GB" sz="1600" b="1" dirty="0" smtClean="0"/>
+              <a:t>NPM</a:t>
+            </a:r>
+            <a:r>
+              <a:rPr lang="en-GB" sz="1600" dirty="0" smtClean="0"/>
+              <a:t> and </a:t>
+            </a:r>
+            <a:r>
+              <a:rPr lang="en-GB" sz="1600" b="1" dirty="0" smtClean="0"/>
+              <a:t>Bower</a:t>
+            </a:r>
+            <a:r>
+              <a:rPr lang="en-GB" sz="1600" dirty="0" smtClean="0"/>
+              <a:t> support</a:t>
+            </a:r>
+          </a:p>
+          <a:p>
+            <a:endParaRPr lang="en-GB" sz="1600" dirty="0" smtClean="0"/>
+          </a:p>
+        </p:txBody>
+      </p:sp>
+    </p:spTree>
+    <p:extLst>
+      <p:ext uri="{BB962C8B-B14F-4D97-AF65-F5344CB8AC3E}">
+        <p14:creationId xmlns:p14="http://schemas.microsoft.com/office/powerpoint/2010/main" val="1523614148"/>
+      </p:ext>
+    </p:extLst>
+  </p:cSld>
+  <p:clrMapOvr>
+    <a:masterClrMapping/>
+  </p:clrMapOvr>
+  <p:timing>
+    <p:tnLst>
+      <p:par>
+        <p:cTn id="1" dur="indefinite" restart="never" nodeType="tmRoot"/>
+      </p:par>
+    </p:tnLst>
+  </p:timing>
+</p:sld>
+</file>
+
+<file path=ppt/slides/slide32.xml><?xml version="1.0" encoding="utf-8"?>
+<p:sld xmlns:a="http://schemas.openxmlformats.org/drawingml/2006/main" xmlns:r="http://schemas.openxmlformats.org/officeDocument/2006/relationships" xmlns:p="http://schemas.openxmlformats.org/presentationml/2006/main">
+  <p:cSld>
+    <p:spTree>
+      <p:nvGrpSpPr>
+        <p:cNvPr id="1" name=""/>
+        <p:cNvGrpSpPr/>
+        <p:nvPr/>
+      </p:nvGrpSpPr>
+      <p:grpSpPr>
+        <a:xfrm>
+          <a:off x="0" y="0"/>
+          <a:ext cx="0" cy="0"/>
+          <a:chOff x="0" y="0"/>
+          <a:chExt cx="0" cy="0"/>
+        </a:xfrm>
+      </p:grpSpPr>
+      <p:sp>
+        <p:nvSpPr>
+          <p:cNvPr id="2" name="Title 1"/>
+          <p:cNvSpPr>
+            <a:spLocks noGrp="1"/>
+          </p:cNvSpPr>
+          <p:nvPr>
+            <p:ph type="title"/>
+          </p:nvPr>
+        </p:nvSpPr>
+        <p:spPr/>
+        <p:txBody>
+          <a:bodyPr>
+            <a:normAutofit/>
+          </a:bodyPr>
+          <a:lstStyle/>
+          <a:p>
+            <a:r>
+              <a:rPr lang="en-US" dirty="0" smtClean="0"/>
+              <a:t>Angular – Performance Improvement</a:t>
+            </a:r>
+            <a:endParaRPr lang="en-US" dirty="0"/>
+          </a:p>
+        </p:txBody>
+      </p:sp>
+      <p:sp>
+        <p:nvSpPr>
+          <p:cNvPr id="6" name="Content Placeholder 2"/>
+          <p:cNvSpPr txBox="1">
+            <a:spLocks/>
+          </p:cNvSpPr>
+          <p:nvPr/>
+        </p:nvSpPr>
+        <p:spPr>
+          <a:xfrm>
+            <a:off x="457200" y="1600200"/>
+            <a:ext cx="8229600" cy="4876800"/>
+          </a:xfrm>
+          <a:prstGeom prst="rect">
+            <a:avLst/>
+          </a:prstGeom>
+        </p:spPr>
+        <p:txBody>
+          <a:bodyPr vert="horz" lIns="91440" tIns="45720" rIns="91440" bIns="45720" rtlCol="0">
+            <a:normAutofit/>
+          </a:bodyPr>
+          <a:lstStyle>
+            <a:lvl1pPr marL="182880" indent="-182880" algn="l" defTabSz="914400" rtl="0" eaLnBrk="1" latinLnBrk="0" hangingPunct="1">
+              <a:spcBef>
+                <a:spcPct val="20000"/>
+              </a:spcBef>
+              <a:buClr>
+                <a:schemeClr val="accent1"/>
+              </a:buClr>
+              <a:buSzPct val="85000"/>
+              <a:buFont typeface="Arial" pitchFamily="34" charset="0"/>
+              <a:buChar char="•"/>
+              <a:defRPr sz="2400" kern="1200">
+                <a:solidFill>
+                  <a:schemeClr val="tx1"/>
+                </a:solidFill>
+                <a:latin typeface="+mn-lt"/>
+                <a:ea typeface="+mn-ea"/>
+                <a:cs typeface="+mn-cs"/>
+              </a:defRPr>
+            </a:lvl1pPr>
+            <a:lvl2pPr marL="457200" indent="-182880" algn="l" defTabSz="914400" rtl="0" eaLnBrk="1" latinLnBrk="0" hangingPunct="1">
+              <a:spcBef>
+                <a:spcPct val="20000"/>
+              </a:spcBef>
+              <a:buClr>
+                <a:schemeClr val="accent1"/>
+              </a:buClr>
+              <a:buSzPct val="85000"/>
+              <a:buFont typeface="Arial" pitchFamily="34" charset="0"/>
+              <a:buChar char="•"/>
+              <a:defRPr sz="2000" kern="1200">
+                <a:solidFill>
+                  <a:schemeClr val="tx1"/>
+                </a:solidFill>
+                <a:latin typeface="+mn-lt"/>
+                <a:ea typeface="+mn-ea"/>
+                <a:cs typeface="+mn-cs"/>
+              </a:defRPr>
+            </a:lvl2pPr>
+            <a:lvl3pPr marL="731520" indent="-182880" algn="l" defTabSz="914400" rtl="0" eaLnBrk="1" latinLnBrk="0" hangingPunct="1">
+              <a:spcBef>
+                <a:spcPct val="20000"/>
+              </a:spcBef>
+              <a:buClr>
+                <a:schemeClr val="accent1"/>
+              </a:buClr>
+              <a:buSzPct val="90000"/>
+              <a:buFont typeface="Arial" pitchFamily="34" charset="0"/>
+              <a:buChar char="•"/>
+              <a:defRPr sz="1800" kern="1200">
+                <a:solidFill>
+                  <a:schemeClr val="tx1"/>
+                </a:solidFill>
+                <a:latin typeface="+mn-lt"/>
+                <a:ea typeface="+mn-ea"/>
+                <a:cs typeface="+mn-cs"/>
+              </a:defRPr>
+            </a:lvl3pPr>
+            <a:lvl4pPr marL="1005840" indent="-182880" algn="l" defTabSz="914400" rtl="0" eaLnBrk="1" latinLnBrk="0" hangingPunct="1">
+              <a:spcBef>
+                <a:spcPct val="20000"/>
+              </a:spcBef>
+              <a:buClr>
+                <a:schemeClr val="accent1"/>
+              </a:buClr>
+              <a:buFont typeface="Arial" pitchFamily="34" charset="0"/>
+              <a:buChar char="•"/>
+              <a:defRPr sz="1600" kern="1200">
+                <a:solidFill>
+                  <a:schemeClr val="tx1"/>
+                </a:solidFill>
+                <a:latin typeface="+mn-lt"/>
+                <a:ea typeface="+mn-ea"/>
+                <a:cs typeface="+mn-cs"/>
+              </a:defRPr>
+            </a:lvl4pPr>
+            <a:lvl5pPr marL="1188720" indent="-137160" algn="l" defTabSz="914400" rtl="0" eaLnBrk="1" latinLnBrk="0" hangingPunct="1">
+              <a:spcBef>
+                <a:spcPct val="20000"/>
+              </a:spcBef>
+              <a:buClr>
+                <a:schemeClr val="accent1"/>
+              </a:buClr>
+              <a:buSzPct val="100000"/>
+              <a:buFont typeface="Arial" pitchFamily="34" charset="0"/>
+              <a:buChar char="•"/>
+              <a:defRPr sz="1400" kern="1200" baseline="0">
+                <a:solidFill>
+                  <a:schemeClr val="tx1"/>
+                </a:solidFill>
+                <a:latin typeface="+mn-lt"/>
+                <a:ea typeface="+mn-ea"/>
+                <a:cs typeface="+mn-cs"/>
+              </a:defRPr>
+            </a:lvl5pPr>
+            <a:lvl6pPr marL="1371600" indent="-182880" algn="l" defTabSz="914400" rtl="0" eaLnBrk="1" latinLnBrk="0" hangingPunct="1">
+              <a:spcBef>
+                <a:spcPct val="20000"/>
+              </a:spcBef>
+              <a:buClr>
+                <a:schemeClr val="accent1"/>
+              </a:buClr>
+              <a:buFont typeface="Arial" pitchFamily="34" charset="0"/>
+              <a:buChar char="•"/>
+              <a:defRPr sz="1300" kern="1200">
+                <a:solidFill>
+                  <a:schemeClr val="tx1"/>
+                </a:solidFill>
+                <a:latin typeface="+mn-lt"/>
+                <a:ea typeface="+mn-ea"/>
+                <a:cs typeface="+mn-cs"/>
+              </a:defRPr>
+            </a:lvl6pPr>
+            <a:lvl7pPr marL="1554480" indent="-182880" algn="l" defTabSz="914400" rtl="0" eaLnBrk="1" latinLnBrk="0" hangingPunct="1">
+              <a:spcBef>
+                <a:spcPct val="20000"/>
+              </a:spcBef>
+              <a:buClr>
+                <a:schemeClr val="accent1"/>
+              </a:buClr>
+              <a:buFont typeface="Arial" pitchFamily="34" charset="0"/>
+              <a:buChar char="•"/>
+              <a:defRPr sz="1300" kern="1200">
+                <a:solidFill>
+                  <a:schemeClr val="tx1"/>
+                </a:solidFill>
+                <a:latin typeface="+mn-lt"/>
+                <a:ea typeface="+mn-ea"/>
+                <a:cs typeface="+mn-cs"/>
+              </a:defRPr>
+            </a:lvl7pPr>
+            <a:lvl8pPr marL="1737360" indent="-182880" algn="l" defTabSz="914400" rtl="0" eaLnBrk="1" latinLnBrk="0" hangingPunct="1">
+              <a:spcBef>
+                <a:spcPct val="20000"/>
+              </a:spcBef>
+              <a:buClr>
+                <a:schemeClr val="accent1"/>
+              </a:buClr>
+              <a:buFont typeface="Arial" pitchFamily="34" charset="0"/>
+              <a:buChar char="•"/>
+              <a:defRPr sz="1300" kern="1200">
+                <a:solidFill>
+                  <a:schemeClr val="tx1"/>
+                </a:solidFill>
+                <a:latin typeface="+mn-lt"/>
+                <a:ea typeface="+mn-ea"/>
+                <a:cs typeface="+mn-cs"/>
+              </a:defRPr>
+            </a:lvl8pPr>
+            <a:lvl9pPr marL="1920240" indent="-182880" algn="l" defTabSz="914400" rtl="0" eaLnBrk="1" latinLnBrk="0" hangingPunct="1">
+              <a:spcBef>
+                <a:spcPct val="20000"/>
+              </a:spcBef>
+              <a:buClr>
+                <a:schemeClr val="accent1"/>
+              </a:buClr>
+              <a:buFont typeface="Arial" pitchFamily="34" charset="0"/>
+              <a:buChar char="•"/>
+              <a:defRPr sz="1300" kern="1200">
+                <a:solidFill>
+                  <a:schemeClr val="tx1"/>
+                </a:solidFill>
+                <a:latin typeface="+mn-lt"/>
+                <a:ea typeface="+mn-ea"/>
+                <a:cs typeface="+mn-cs"/>
+              </a:defRPr>
+            </a:lvl9pPr>
+          </a:lstStyle>
+          <a:p>
+            <a:r>
+              <a:rPr lang="en-GB" sz="1600" dirty="0" smtClean="0"/>
+              <a:t>Minimize the number of registered watchers</a:t>
+            </a:r>
+          </a:p>
+          <a:p>
+            <a:pPr lvl="1">
+              <a:buFont typeface="Wingdings" panose="05000000000000000000" pitchFamily="2" charset="2"/>
+              <a:buChar char="Ø"/>
+            </a:pPr>
+            <a:r>
+              <a:rPr lang="en-GB" sz="1400" dirty="0" smtClean="0"/>
+              <a:t>Tools such as Batarang, chrome Angular watchers are useful tools</a:t>
+            </a:r>
+          </a:p>
+          <a:p>
+            <a:r>
+              <a:rPr lang="en-GB" sz="1600" dirty="0" smtClean="0"/>
+              <a:t>Maximum the performance of registered watchers</a:t>
+            </a:r>
+          </a:p>
+          <a:p>
+            <a:r>
+              <a:rPr lang="en-GB" sz="1600" dirty="0" smtClean="0"/>
+              <a:t>Use ng-if rather than ng-show</a:t>
+            </a:r>
+          </a:p>
+          <a:p>
+            <a:r>
+              <a:rPr lang="en-GB" sz="1600" dirty="0" smtClean="0"/>
+              <a:t>As AngularJS doesn’t have native support for unregistering watchers, you can use solutions like </a:t>
+            </a:r>
+            <a:r>
+              <a:rPr lang="en-GB" sz="1600" b="1" dirty="0" smtClean="0"/>
+              <a:t>bindonce </a:t>
+            </a:r>
+          </a:p>
+          <a:p>
+            <a:pPr lvl="1">
+              <a:buFont typeface="Wingdings" panose="05000000000000000000" pitchFamily="2" charset="2"/>
+              <a:buChar char="Ø"/>
+            </a:pPr>
+            <a:r>
+              <a:rPr lang="en-GB" sz="1400" dirty="0"/>
+              <a:t>&lt;div bindonce </a:t>
+            </a:r>
+            <a:r>
+              <a:rPr lang="en-GB" sz="1400" dirty="0" err="1"/>
+              <a:t>bo</a:t>
+            </a:r>
+            <a:r>
+              <a:rPr lang="en-GB" sz="1400" dirty="0"/>
+              <a:t>-text=” ’TRANSLATION.KEY’ | translate ”&gt;&lt;/div</a:t>
+            </a:r>
+            <a:r>
+              <a:rPr lang="en-GB" sz="1400" dirty="0" smtClean="0"/>
+              <a:t>&gt;</a:t>
+            </a:r>
+          </a:p>
+          <a:p>
+            <a:r>
+              <a:rPr lang="en-GB" sz="1600" dirty="0" smtClean="0"/>
+              <a:t>Pagination i.e. use paginate:page in &lt;ng-repeat&gt; directory</a:t>
+            </a:r>
+          </a:p>
+          <a:p>
+            <a:r>
+              <a:rPr lang="en-GB" sz="1600" dirty="0" smtClean="0"/>
+              <a:t>Infinite scrolling</a:t>
+            </a:r>
+          </a:p>
+          <a:p>
+            <a:r>
+              <a:rPr lang="en-GB" sz="1600" dirty="0" smtClean="0"/>
+              <a:t>Cache calculated properties</a:t>
+            </a:r>
+          </a:p>
+          <a:p>
+            <a:r>
+              <a:rPr lang="en-GB" sz="1600" dirty="0" smtClean="0"/>
+              <a:t>Scalyr Directives</a:t>
+            </a:r>
+          </a:p>
+          <a:p>
+            <a:r>
+              <a:rPr lang="en-GB" sz="1600" dirty="0" smtClean="0"/>
+              <a:t>Angular Fastscroll (in div tags)</a:t>
+            </a:r>
+          </a:p>
+          <a:p>
+            <a:r>
+              <a:rPr lang="en-GB" sz="1600" dirty="0" smtClean="0"/>
+              <a:t>Tools:</a:t>
+            </a:r>
+          </a:p>
+          <a:p>
+            <a:pPr lvl="1"/>
+            <a:r>
+              <a:rPr lang="en-GB" sz="1200" dirty="0" smtClean="0"/>
+              <a:t>Chrome DevTools</a:t>
+            </a:r>
+          </a:p>
+          <a:p>
+            <a:pPr lvl="1"/>
+            <a:r>
+              <a:rPr lang="en-GB" sz="1200" dirty="0" smtClean="0"/>
+              <a:t>Batarang Plugin</a:t>
+            </a:r>
+          </a:p>
+          <a:p>
+            <a:pPr lvl="1"/>
+            <a:r>
+              <a:rPr lang="en-GB" sz="1200" dirty="0" smtClean="0"/>
+              <a:t>angular-instruments</a:t>
+            </a:r>
+          </a:p>
+        </p:txBody>
+      </p:sp>
+    </p:spTree>
+    <p:extLst>
+      <p:ext uri="{BB962C8B-B14F-4D97-AF65-F5344CB8AC3E}">
+        <p14:creationId xmlns:p14="http://schemas.microsoft.com/office/powerpoint/2010/main" val="866641604"/>
+      </p:ext>
+    </p:extLst>
+  </p:cSld>
+  <p:clrMapOvr>
+    <a:masterClrMapping/>
+  </p:clrMapOvr>
+  <p:timing>
+    <p:tnLst>
+      <p:par>
+        <p:cTn id="1" dur="indefinite" restart="never" nodeType="tmRoot"/>
+      </p:par>
+    </p:tnLst>
+  </p:timing>
+</p:sld>
+</file>
+
+<file path=ppt/slides/slide33.xml><?xml version="1.0" encoding="utf-8"?>
+<p:sld xmlns:a="http://schemas.openxmlformats.org/drawingml/2006/main" xmlns:r="http://schemas.openxmlformats.org/officeDocument/2006/relationships" xmlns:p="http://schemas.openxmlformats.org/presentationml/2006/main">
+  <p:cSld>
+    <p:spTree>
+      <p:nvGrpSpPr>
+        <p:cNvPr id="1" name=""/>
+        <p:cNvGrpSpPr/>
+        <p:nvPr/>
+      </p:nvGrpSpPr>
+      <p:grpSpPr>
+        <a:xfrm>
+          <a:off x="0" y="0"/>
+          <a:ext cx="0" cy="0"/>
+          <a:chOff x="0" y="0"/>
+          <a:chExt cx="0" cy="0"/>
+        </a:xfrm>
+      </p:grpSpPr>
+      <p:sp>
+        <p:nvSpPr>
+          <p:cNvPr id="2" name="Title 1"/>
+          <p:cNvSpPr>
+            <a:spLocks noGrp="1"/>
+          </p:cNvSpPr>
+          <p:nvPr>
+            <p:ph type="title"/>
+          </p:nvPr>
+        </p:nvSpPr>
+        <p:spPr/>
+        <p:txBody>
+          <a:bodyPr/>
+          <a:lstStyle/>
+          <a:p>
+            <a:r>
+              <a:rPr lang="en-US" dirty="0" smtClean="0"/>
               <a:t>References</a:t>
             </a:r>
             <a:endParaRPr lang="en-US" dirty="0"/>
@@ -12058,24 +13166,24 @@
               <a:buAutoNum type="arabicParenR"/>
             </a:pPr>
             <a:r>
-              <a:rPr lang="en-GB" sz="1200" dirty="0"/>
+              <a:rPr lang="en-GB" sz="1400" dirty="0"/>
               <a:t>The </a:t>
             </a:r>
             <a:r>
-              <a:rPr lang="en-GB" sz="1200" dirty="0">
+              <a:rPr lang="en-GB" sz="1400" dirty="0">
                 <a:hlinkClick r:id="rId2"/>
               </a:rPr>
               <a:t>injector</a:t>
             </a:r>
             <a:r>
-              <a:rPr lang="en-GB" sz="1200" dirty="0"/>
+              <a:rPr lang="en-GB" sz="1400" dirty="0"/>
               <a:t> that will be used for dependency injection is </a:t>
             </a:r>
             <a:r>
-              <a:rPr lang="en-GB" sz="1200" dirty="0" smtClean="0"/>
+              <a:rPr lang="en-GB" sz="1400" dirty="0" smtClean="0"/>
               <a:t>created</a:t>
             </a:r>
-            <a:endParaRPr lang="en-GB" sz="1200" dirty="0"/>
+            <a:endParaRPr lang="en-GB" sz="1400" dirty="0"/>
           </a:p>
           <a:p>
             <a:pPr marL="617220" lvl="1" indent="-342900">
@@ -12083,21 +13191,21 @@
               <a:buAutoNum type="arabicParenR"/>
             </a:pPr>
             <a:r>
-              <a:rPr lang="en-GB" sz="1200" dirty="0"/>
+              <a:rPr lang="en-GB" sz="1400" dirty="0"/>
               <a:t>The injector will then create the </a:t>
             </a:r>
             <a:r>
-              <a:rPr lang="en-GB" sz="1200" dirty="0">
+              <a:rPr lang="en-GB" sz="1400" dirty="0">
                 <a:hlinkClick r:id="rId3"/>
               </a:rPr>
               <a:t>root scope</a:t>
             </a:r>
             <a:r>
-              <a:rPr lang="en-GB" sz="1200" dirty="0"/>
+              <a:rPr lang="en-GB" sz="1400" dirty="0"/>
               <a:t> that will become the </a:t>
             </a:r>
             <a:r>
-              <a:rPr lang="en-GB" sz="1200" b="1" dirty="0">
+              <a:rPr lang="en-GB" sz="1400" b="1" dirty="0">
                 <a:solidFill>
                   <a:srgbClr val="00B050"/>
                 </a:solidFill>
@@ -12105,7 +13213,7 @@
               <a:t>context</a:t>
             </a:r>
             <a:r>
-              <a:rPr lang="en-GB" sz="1200" dirty="0">
+              <a:rPr lang="en-GB" sz="1400" dirty="0">
                 <a:solidFill>
                   <a:srgbClr val="00B050"/>
                 </a:solidFill>
@@ -12113,14 +13221,14 @@
               <a:t> </a:t>
             </a:r>
             <a:r>
-              <a:rPr lang="en-GB" sz="1200" dirty="0"/>
+              <a:rPr lang="en-GB" sz="1400" dirty="0"/>
               <a:t>for the model of our </a:t>
             </a:r>
             <a:r>
-              <a:rPr lang="en-GB" sz="1200" dirty="0" smtClean="0"/>
+              <a:rPr lang="en-GB" sz="1400" dirty="0" smtClean="0"/>
               <a:t>application</a:t>
             </a:r>
-            <a:endParaRPr lang="en-GB" sz="1200" dirty="0"/>
+            <a:endParaRPr lang="en-GB" sz="1400" dirty="0"/>
           </a:p>
           <a:p>
             <a:pPr marL="617220" lvl="1" indent="-342900">
@@ -12128,22 +13236,22 @@
               <a:buAutoNum type="arabicParenR"/>
             </a:pPr>
             <a:r>
-              <a:rPr lang="en-GB" sz="1200" dirty="0"/>
+              <a:rPr lang="en-GB" sz="1400" dirty="0"/>
               <a:t>Angular will then "compile" the DOM starting at the </a:t>
             </a:r>
             <a:r>
-              <a:rPr lang="en-GB" sz="1200" b="1" dirty="0" err="1"/>
+              <a:rPr lang="en-GB" sz="1400" b="1" dirty="0" err="1"/>
               <a:t>ngApp</a:t>
             </a:r>
             <a:r>
-              <a:rPr lang="en-GB" sz="1200" dirty="0"/>
+              <a:rPr lang="en-GB" sz="1400" dirty="0"/>
               <a:t> root element, processing any directives and bindings found along the </a:t>
             </a:r>
             <a:r>
-              <a:rPr lang="en-GB" sz="1200" dirty="0" smtClean="0"/>
+              <a:rPr lang="en-GB" sz="1400" dirty="0" smtClean="0"/>
               <a:t>way</a:t>
             </a:r>
-            <a:endParaRPr lang="en-GB" sz="1200" dirty="0"/>
+            <a:endParaRPr lang="en-GB" sz="1400" dirty="0"/>
           </a:p>
           <a:p>
             <a:r>
@@ -12191,8 +13299,8 @@
         </p:blipFill>
         <p:spPr bwMode="auto">
           <a:xfrm>
-            <a:off x="2659092" y="4653136"/>
-            <a:ext cx="2510889" cy="1944216"/>
+            <a:off x="2659091" y="4902503"/>
+            <a:ext cx="3137045" cy="1550833"/>
           </a:xfrm>
           <a:prstGeom prst="rect">
             <a:avLst/>

--- a/AngularJS.pptx
+++ b/AngularJS.pptx
@@ -327,7 +327,7 @@
           <a:p>
             <a:fld id="{8F235549-BF0A-4B98-8561-3786244E808C}" type="datetimeFigureOut">
               <a:rPr lang="en-US" smtClean="0"/>
-              <a:t>3/4/2016</a:t>
+              <a:t>3/7/2016</a:t>
             </a:fld>
             <a:endParaRPr lang="en-US"/>
           </a:p>
@@ -527,7 +527,7 @@
           <a:p>
             <a:fld id="{8F235549-BF0A-4B98-8561-3786244E808C}" type="datetimeFigureOut">
               <a:rPr lang="en-US" smtClean="0"/>
-              <a:t>3/4/2016</a:t>
+              <a:t>3/7/2016</a:t>
             </a:fld>
             <a:endParaRPr lang="en-US"/>
           </a:p>
@@ -702,7 +702,7 @@
           <a:p>
             <a:fld id="{8F235549-BF0A-4B98-8561-3786244E808C}" type="datetimeFigureOut">
               <a:rPr lang="en-US" smtClean="0"/>
-              <a:t>3/4/2016</a:t>
+              <a:t>3/7/2016</a:t>
             </a:fld>
             <a:endParaRPr lang="en-US"/>
           </a:p>
@@ -867,7 +867,7 @@
           <a:p>
             <a:fld id="{8F235549-BF0A-4B98-8561-3786244E808C}" type="datetimeFigureOut">
               <a:rPr lang="en-US" smtClean="0"/>
-              <a:t>3/4/2016</a:t>
+              <a:t>3/7/2016</a:t>
             </a:fld>
             <a:endParaRPr lang="en-US"/>
           </a:p>
@@ -1115,7 +1115,7 @@
           <a:p>
             <a:fld id="{8F235549-BF0A-4B98-8561-3786244E808C}" type="datetimeFigureOut">
               <a:rPr lang="en-US" smtClean="0"/>
-              <a:t>3/4/2016</a:t>
+              <a:t>3/7/2016</a:t>
             </a:fld>
             <a:endParaRPr lang="en-US"/>
           </a:p>
@@ -1433,7 +1433,7 @@
           <a:p>
             <a:fld id="{8F235549-BF0A-4B98-8561-3786244E808C}" type="datetimeFigureOut">
               <a:rPr lang="en-US" smtClean="0"/>
-              <a:t>3/4/2016</a:t>
+              <a:t>3/7/2016</a:t>
             </a:fld>
             <a:endParaRPr lang="en-US"/>
           </a:p>
@@ -1899,7 +1899,7 @@
           <a:p>
             <a:fld id="{8F235549-BF0A-4B98-8561-3786244E808C}" type="datetimeFigureOut">
               <a:rPr lang="en-US" smtClean="0"/>
-              <a:t>3/4/2016</a:t>
+              <a:t>3/7/2016</a:t>
             </a:fld>
             <a:endParaRPr lang="en-US"/>
           </a:p>
@@ -2047,7 +2047,7 @@
           <a:p>
             <a:fld id="{8F235549-BF0A-4B98-8561-3786244E808C}" type="datetimeFigureOut">
               <a:rPr lang="en-US" smtClean="0"/>
-              <a:t>3/4/2016</a:t>
+              <a:t>3/7/2016</a:t>
             </a:fld>
             <a:endParaRPr lang="en-US"/>
           </a:p>
@@ -2137,7 +2137,7 @@
           <a:p>
             <a:fld id="{8F235549-BF0A-4B98-8561-3786244E808C}" type="datetimeFigureOut">
               <a:rPr lang="en-US" smtClean="0"/>
-              <a:t>3/4/2016</a:t>
+              <a:t>3/7/2016</a:t>
             </a:fld>
             <a:endParaRPr lang="en-US"/>
           </a:p>
@@ -2411,7 +2411,7 @@
           <a:p>
             <a:fld id="{8F235549-BF0A-4B98-8561-3786244E808C}" type="datetimeFigureOut">
               <a:rPr lang="en-US" smtClean="0"/>
-              <a:t>3/4/2016</a:t>
+              <a:t>3/7/2016</a:t>
             </a:fld>
             <a:endParaRPr lang="en-US"/>
           </a:p>
@@ -2716,7 +2716,7 @@
           <a:p>
             <a:fld id="{8F235549-BF0A-4B98-8561-3786244E808C}" type="datetimeFigureOut">
               <a:rPr lang="en-US" smtClean="0"/>
-              <a:t>3/4/2016</a:t>
+              <a:t>3/7/2016</a:t>
             </a:fld>
             <a:endParaRPr lang="en-US"/>
           </a:p>
@@ -3014,7 +3014,7 @@
           <a:p>
             <a:fld id="{8F235549-BF0A-4B98-8561-3786244E808C}" type="datetimeFigureOut">
               <a:rPr lang="en-US" smtClean="0"/>
-              <a:t>3/4/2016</a:t>
+              <a:t>3/7/2016</a:t>
             </a:fld>
             <a:endParaRPr lang="en-US"/>
           </a:p>
@@ -4484,11 +4484,7 @@
           <a:p>
             <a:r>
               <a:rPr lang="en-US" dirty="0" smtClean="0"/>
-              <a:t>AngularJS – </a:t>
-            </a:r>
-            <a:r>
-              <a:rPr lang="en-US" dirty="0" smtClean="0"/>
-              <a:t>ngCsp</a:t>
+              <a:t>AngularJS – ngCsp</a:t>
             </a:r>
             <a:endParaRPr lang="en-US" dirty="0"/>
           </a:p>
@@ -5701,11 +5697,7 @@
           <a:p>
             <a:r>
               <a:rPr lang="en-US" dirty="0" smtClean="0"/>
-              <a:t>AngularJS </a:t>
-            </a:r>
-            <a:r>
-              <a:rPr lang="en-US" dirty="0" smtClean="0"/>
-              <a:t>Scope Contd…</a:t>
+              <a:t>AngularJS Scope Contd…</a:t>
             </a:r>
             <a:endParaRPr lang="en-US" dirty="0"/>
           </a:p>
@@ -5921,15 +5913,7 @@
           <a:p>
             <a:r>
               <a:rPr lang="en-GB" sz="1600" dirty="0"/>
-              <a:t>AngularJS creates a "watch" internally. A watch means that AngularJS watches changes in the variable on the </a:t>
-            </a:r>
-            <a:r>
-              <a:rPr lang="en-GB" sz="1600" dirty="0"/>
-              <a:t>$scope</a:t>
-            </a:r>
-            <a:r>
-              <a:rPr lang="en-GB" sz="1600" dirty="0"/>
-              <a:t> </a:t>
+              <a:t>AngularJS creates a "watch" internally. A watch means that AngularJS watches changes in the variable on the $scope </a:t>
             </a:r>
             <a:r>
               <a:rPr lang="en-GB" sz="1600" dirty="0" smtClean="0"/>
@@ -5945,11 +5929,7 @@
             </a:r>
             <a:r>
               <a:rPr lang="en-GB" sz="1600" dirty="0"/>
-              <a:t>watch()</a:t>
-            </a:r>
-            <a:r>
-              <a:rPr lang="en-GB" sz="1600" dirty="0"/>
-              <a:t> </a:t>
+              <a:t>watch() </a:t>
             </a:r>
             <a:r>
               <a:rPr lang="en-GB" sz="1600" dirty="0" smtClean="0"/>
@@ -5985,11 +5965,7 @@
             </a:r>
             <a:r>
               <a:rPr lang="en-GB" sz="1600" dirty="0"/>
-              <a:t>some code, and then call </a:t>
-            </a:r>
-            <a:r>
-              <a:rPr lang="en-GB" sz="1600" dirty="0"/>
-              <a:t>$</a:t>
+              <a:t>some code, and then call $</a:t>
             </a:r>
             <a:r>
               <a:rPr lang="en-GB" sz="1600" dirty="0" err="1"/>
@@ -5997,11 +5973,7 @@
             </a:r>
             <a:r>
               <a:rPr lang="en-GB" sz="1600" dirty="0"/>
-              <a:t>()</a:t>
-            </a:r>
-            <a:r>
-              <a:rPr lang="en-GB" sz="1600" dirty="0"/>
-              <a:t> after that</a:t>
+              <a:t>() after that</a:t>
             </a:r>
             <a:endParaRPr lang="en-GB" sz="1600" dirty="0" smtClean="0"/>
           </a:p>
@@ -6502,11 +6474,7 @@
           <a:p>
             <a:r>
               <a:rPr lang="en-US" dirty="0" smtClean="0"/>
-              <a:t>AngularJS </a:t>
-            </a:r>
-            <a:r>
-              <a:rPr lang="en-US" dirty="0" smtClean="0"/>
-              <a:t>JSONP</a:t>
+              <a:t>AngularJS JSONP</a:t>
             </a:r>
             <a:endParaRPr lang="en-US" dirty="0"/>
           </a:p>
@@ -6714,15 +6682,7 @@
             </a:r>
             <a:r>
               <a:rPr lang="en-GB" sz="1600" dirty="0"/>
-              <a:t> </a:t>
-            </a:r>
-            <a:r>
-              <a:rPr lang="en-GB" sz="1600" dirty="0"/>
-              <a:t>$http</a:t>
-            </a:r>
-            <a:r>
-              <a:rPr lang="en-GB" sz="1600" dirty="0"/>
-              <a:t> service is also capable of sending JSONP requests. The normal AJAX calls can only send requests to URLs within the same domain as the HTML page sending the requests was loaded from. You can get around this with JSONP </a:t>
+              <a:t> $http service is also capable of sending JSONP requests. The normal AJAX calls can only send requests to URLs within the same domain as the HTML page sending the requests was loaded from. You can get around this with JSONP </a:t>
             </a:r>
             <a:r>
               <a:rPr lang="en-GB" sz="1600" dirty="0" smtClean="0"/>
@@ -6732,15 +6692,7 @@
           <a:p>
             <a:r>
               <a:rPr lang="en-GB" sz="1600" dirty="0"/>
-              <a:t>A JSONP request is not sent via the XHR object like AJAX calls normally are. Instead, a </a:t>
-            </a:r>
-            <a:r>
-              <a:rPr lang="en-GB" sz="1600" dirty="0"/>
-              <a:t>&lt;script&gt;</a:t>
-            </a:r>
-            <a:r>
-              <a:rPr lang="en-GB" sz="1600" dirty="0"/>
-              <a:t> element is created and inserted into the HTML </a:t>
+              <a:t>A JSONP request is not sent via the XHR object like AJAX calls normally are. Instead, a &lt;script&gt; element is created and inserted into the HTML </a:t>
             </a:r>
             <a:r>
               <a:rPr lang="en-GB" sz="1600" dirty="0" smtClean="0"/>

--- a/AngularJS.pptx
+++ b/AngularJS.pptx
@@ -327,7 +327,7 @@
           <a:p>
             <a:fld id="{8F235549-BF0A-4B98-8561-3786244E808C}" type="datetimeFigureOut">
               <a:rPr lang="en-US" smtClean="0"/>
-              <a:t>3/7/2016</a:t>
+              <a:t>3/31/2016</a:t>
             </a:fld>
             <a:endParaRPr lang="en-US"/>
           </a:p>
@@ -527,7 +527,7 @@
           <a:p>
             <a:fld id="{8F235549-BF0A-4B98-8561-3786244E808C}" type="datetimeFigureOut">
               <a:rPr lang="en-US" smtClean="0"/>
-              <a:t>3/7/2016</a:t>
+              <a:t>3/31/2016</a:t>
             </a:fld>
             <a:endParaRPr lang="en-US"/>
           </a:p>
@@ -702,7 +702,7 @@
           <a:p>
             <a:fld id="{8F235549-BF0A-4B98-8561-3786244E808C}" type="datetimeFigureOut">
               <a:rPr lang="en-US" smtClean="0"/>
-              <a:t>3/7/2016</a:t>
+              <a:t>3/31/2016</a:t>
             </a:fld>
             <a:endParaRPr lang="en-US"/>
           </a:p>
@@ -867,7 +867,7 @@
           <a:p>
             <a:fld id="{8F235549-BF0A-4B98-8561-3786244E808C}" type="datetimeFigureOut">
               <a:rPr lang="en-US" smtClean="0"/>
-              <a:t>3/7/2016</a:t>
+              <a:t>3/31/2016</a:t>
             </a:fld>
             <a:endParaRPr lang="en-US"/>
           </a:p>
@@ -1115,7 +1115,7 @@
           <a:p>
             <a:fld id="{8F235549-BF0A-4B98-8561-3786244E808C}" type="datetimeFigureOut">
               <a:rPr lang="en-US" smtClean="0"/>
-              <a:t>3/7/2016</a:t>
+              <a:t>3/31/2016</a:t>
             </a:fld>
             <a:endParaRPr lang="en-US"/>
           </a:p>
@@ -1433,7 +1433,7 @@
           <a:p>
             <a:fld id="{8F235549-BF0A-4B98-8561-3786244E808C}" type="datetimeFigureOut">
               <a:rPr lang="en-US" smtClean="0"/>
-              <a:t>3/7/2016</a:t>
+              <a:t>3/31/2016</a:t>
             </a:fld>
             <a:endParaRPr lang="en-US"/>
           </a:p>
@@ -1899,7 +1899,7 @@
           <a:p>
             <a:fld id="{8F235549-BF0A-4B98-8561-3786244E808C}" type="datetimeFigureOut">
               <a:rPr lang="en-US" smtClean="0"/>
-              <a:t>3/7/2016</a:t>
+              <a:t>3/31/2016</a:t>
             </a:fld>
             <a:endParaRPr lang="en-US"/>
           </a:p>
@@ -2047,7 +2047,7 @@
           <a:p>
             <a:fld id="{8F235549-BF0A-4B98-8561-3786244E808C}" type="datetimeFigureOut">
               <a:rPr lang="en-US" smtClean="0"/>
-              <a:t>3/7/2016</a:t>
+              <a:t>3/31/2016</a:t>
             </a:fld>
             <a:endParaRPr lang="en-US"/>
           </a:p>
@@ -2137,7 +2137,7 @@
           <a:p>
             <a:fld id="{8F235549-BF0A-4B98-8561-3786244E808C}" type="datetimeFigureOut">
               <a:rPr lang="en-US" smtClean="0"/>
-              <a:t>3/7/2016</a:t>
+              <a:t>3/31/2016</a:t>
             </a:fld>
             <a:endParaRPr lang="en-US"/>
           </a:p>
@@ -2411,7 +2411,7 @@
           <a:p>
             <a:fld id="{8F235549-BF0A-4B98-8561-3786244E808C}" type="datetimeFigureOut">
               <a:rPr lang="en-US" smtClean="0"/>
-              <a:t>3/7/2016</a:t>
+              <a:t>3/31/2016</a:t>
             </a:fld>
             <a:endParaRPr lang="en-US"/>
           </a:p>
@@ -2716,7 +2716,7 @@
           <a:p>
             <a:fld id="{8F235549-BF0A-4B98-8561-3786244E808C}" type="datetimeFigureOut">
               <a:rPr lang="en-US" smtClean="0"/>
-              <a:t>3/7/2016</a:t>
+              <a:t>3/31/2016</a:t>
             </a:fld>
             <a:endParaRPr lang="en-US"/>
           </a:p>
@@ -3014,7 +3014,7 @@
           <a:p>
             <a:fld id="{8F235549-BF0A-4B98-8561-3786244E808C}" type="datetimeFigureOut">
               <a:rPr lang="en-US" smtClean="0"/>
-              <a:t>3/7/2016</a:t>
+              <a:t>3/31/2016</a:t>
             </a:fld>
             <a:endParaRPr lang="en-US"/>
           </a:p>

--- a/AngularJS.pptx
+++ b/AngularJS.pptx
@@ -37,7 +37,8 @@
     <p:sldId id="279" r:id="rId31"/>
     <p:sldId id="277" r:id="rId32"/>
     <p:sldId id="295" r:id="rId33"/>
-    <p:sldId id="269" r:id="rId34"/>
+    <p:sldId id="299" r:id="rId34"/>
+    <p:sldId id="269" r:id="rId35"/>
   </p:sldIdLst>
   <p:sldSz cx="9144000" cy="6858000" type="screen4x3"/>
   <p:notesSz cx="6858000" cy="9144000"/>
@@ -327,7 +328,7 @@
           <a:p>
             <a:fld id="{8F235549-BF0A-4B98-8561-3786244E808C}" type="datetimeFigureOut">
               <a:rPr lang="en-US" smtClean="0"/>
-              <a:t>3/31/2016</a:t>
+              <a:t>11/16/2017</a:t>
             </a:fld>
             <a:endParaRPr lang="en-US"/>
           </a:p>
@@ -527,7 +528,7 @@
           <a:p>
             <a:fld id="{8F235549-BF0A-4B98-8561-3786244E808C}" type="datetimeFigureOut">
               <a:rPr lang="en-US" smtClean="0"/>
-              <a:t>3/31/2016</a:t>
+              <a:t>11/16/2017</a:t>
             </a:fld>
             <a:endParaRPr lang="en-US"/>
           </a:p>
@@ -702,7 +703,7 @@
           <a:p>
             <a:fld id="{8F235549-BF0A-4B98-8561-3786244E808C}" type="datetimeFigureOut">
               <a:rPr lang="en-US" smtClean="0"/>
-              <a:t>3/31/2016</a:t>
+              <a:t>11/16/2017</a:t>
             </a:fld>
             <a:endParaRPr lang="en-US"/>
           </a:p>
@@ -867,7 +868,7 @@
           <a:p>
             <a:fld id="{8F235549-BF0A-4B98-8561-3786244E808C}" type="datetimeFigureOut">
               <a:rPr lang="en-US" smtClean="0"/>
-              <a:t>3/31/2016</a:t>
+              <a:t>11/16/2017</a:t>
             </a:fld>
             <a:endParaRPr lang="en-US"/>
           </a:p>
@@ -1115,7 +1116,7 @@
           <a:p>
             <a:fld id="{8F235549-BF0A-4B98-8561-3786244E808C}" type="datetimeFigureOut">
               <a:rPr lang="en-US" smtClean="0"/>
-              <a:t>3/31/2016</a:t>
+              <a:t>11/16/2017</a:t>
             </a:fld>
             <a:endParaRPr lang="en-US"/>
           </a:p>
@@ -1433,7 +1434,7 @@
           <a:p>
             <a:fld id="{8F235549-BF0A-4B98-8561-3786244E808C}" type="datetimeFigureOut">
               <a:rPr lang="en-US" smtClean="0"/>
-              <a:t>3/31/2016</a:t>
+              <a:t>11/16/2017</a:t>
             </a:fld>
             <a:endParaRPr lang="en-US"/>
           </a:p>
@@ -1899,7 +1900,7 @@
           <a:p>
             <a:fld id="{8F235549-BF0A-4B98-8561-3786244E808C}" type="datetimeFigureOut">
               <a:rPr lang="en-US" smtClean="0"/>
-              <a:t>3/31/2016</a:t>
+              <a:t>11/16/2017</a:t>
             </a:fld>
             <a:endParaRPr lang="en-US"/>
           </a:p>
@@ -2047,7 +2048,7 @@
           <a:p>
             <a:fld id="{8F235549-BF0A-4B98-8561-3786244E808C}" type="datetimeFigureOut">
               <a:rPr lang="en-US" smtClean="0"/>
-              <a:t>3/31/2016</a:t>
+              <a:t>11/16/2017</a:t>
             </a:fld>
             <a:endParaRPr lang="en-US"/>
           </a:p>
@@ -2137,7 +2138,7 @@
           <a:p>
             <a:fld id="{8F235549-BF0A-4B98-8561-3786244E808C}" type="datetimeFigureOut">
               <a:rPr lang="en-US" smtClean="0"/>
-              <a:t>3/31/2016</a:t>
+              <a:t>11/16/2017</a:t>
             </a:fld>
             <a:endParaRPr lang="en-US"/>
           </a:p>
@@ -2411,7 +2412,7 @@
           <a:p>
             <a:fld id="{8F235549-BF0A-4B98-8561-3786244E808C}" type="datetimeFigureOut">
               <a:rPr lang="en-US" smtClean="0"/>
-              <a:t>3/31/2016</a:t>
+              <a:t>11/16/2017</a:t>
             </a:fld>
             <a:endParaRPr lang="en-US"/>
           </a:p>
@@ -2716,7 +2717,7 @@
           <a:p>
             <a:fld id="{8F235549-BF0A-4B98-8561-3786244E808C}" type="datetimeFigureOut">
               <a:rPr lang="en-US" smtClean="0"/>
-              <a:t>3/31/2016</a:t>
+              <a:t>11/16/2017</a:t>
             </a:fld>
             <a:endParaRPr lang="en-US"/>
           </a:p>
@@ -3014,7 +3015,7 @@
           <a:p>
             <a:fld id="{8F235549-BF0A-4B98-8561-3786244E808C}" type="datetimeFigureOut">
               <a:rPr lang="en-US" smtClean="0"/>
-              <a:t>3/31/2016</a:t>
+              <a:t>11/16/2017</a:t>
             </a:fld>
             <a:endParaRPr lang="en-US"/>
           </a:p>
@@ -12359,6 +12360,373 @@
         </p:nvSpPr>
         <p:spPr/>
         <p:txBody>
+          <a:bodyPr>
+            <a:normAutofit/>
+          </a:bodyPr>
+          <a:lstStyle/>
+          <a:p>
+            <a:r>
+              <a:rPr lang="en-US" dirty="0" smtClean="0"/>
+              <a:t>Angular – </a:t>
+            </a:r>
+            <a:r>
+              <a:rPr lang="en-US" dirty="0" smtClean="0"/>
+              <a:t>Top 3 Performance Tips</a:t>
+            </a:r>
+            <a:endParaRPr lang="en-US" dirty="0"/>
+          </a:p>
+        </p:txBody>
+      </p:sp>
+      <p:sp>
+        <p:nvSpPr>
+          <p:cNvPr id="6" name="Content Placeholder 2"/>
+          <p:cNvSpPr txBox="1">
+            <a:spLocks/>
+          </p:cNvSpPr>
+          <p:nvPr/>
+        </p:nvSpPr>
+        <p:spPr>
+          <a:xfrm>
+            <a:off x="457200" y="1600200"/>
+            <a:ext cx="8229600" cy="4876800"/>
+          </a:xfrm>
+          <a:prstGeom prst="rect">
+            <a:avLst/>
+          </a:prstGeom>
+        </p:spPr>
+        <p:txBody>
+          <a:bodyPr vert="horz" lIns="91440" tIns="45720" rIns="91440" bIns="45720" rtlCol="0">
+            <a:normAutofit/>
+          </a:bodyPr>
+          <a:lstStyle>
+            <a:lvl1pPr marL="182880" indent="-182880" algn="l" defTabSz="914400" rtl="0" eaLnBrk="1" latinLnBrk="0" hangingPunct="1">
+              <a:spcBef>
+                <a:spcPct val="20000"/>
+              </a:spcBef>
+              <a:buClr>
+                <a:schemeClr val="accent1"/>
+              </a:buClr>
+              <a:buSzPct val="85000"/>
+              <a:buFont typeface="Arial" pitchFamily="34" charset="0"/>
+              <a:buChar char="•"/>
+              <a:defRPr sz="2400" kern="1200">
+                <a:solidFill>
+                  <a:schemeClr val="tx1"/>
+                </a:solidFill>
+                <a:latin typeface="+mn-lt"/>
+                <a:ea typeface="+mn-ea"/>
+                <a:cs typeface="+mn-cs"/>
+              </a:defRPr>
+            </a:lvl1pPr>
+            <a:lvl2pPr marL="457200" indent="-182880" algn="l" defTabSz="914400" rtl="0" eaLnBrk="1" latinLnBrk="0" hangingPunct="1">
+              <a:spcBef>
+                <a:spcPct val="20000"/>
+              </a:spcBef>
+              <a:buClr>
+                <a:schemeClr val="accent1"/>
+              </a:buClr>
+              <a:buSzPct val="85000"/>
+              <a:buFont typeface="Arial" pitchFamily="34" charset="0"/>
+              <a:buChar char="•"/>
+              <a:defRPr sz="2000" kern="1200">
+                <a:solidFill>
+                  <a:schemeClr val="tx1"/>
+                </a:solidFill>
+                <a:latin typeface="+mn-lt"/>
+                <a:ea typeface="+mn-ea"/>
+                <a:cs typeface="+mn-cs"/>
+              </a:defRPr>
+            </a:lvl2pPr>
+            <a:lvl3pPr marL="731520" indent="-182880" algn="l" defTabSz="914400" rtl="0" eaLnBrk="1" latinLnBrk="0" hangingPunct="1">
+              <a:spcBef>
+                <a:spcPct val="20000"/>
+              </a:spcBef>
+              <a:buClr>
+                <a:schemeClr val="accent1"/>
+              </a:buClr>
+              <a:buSzPct val="90000"/>
+              <a:buFont typeface="Arial" pitchFamily="34" charset="0"/>
+              <a:buChar char="•"/>
+              <a:defRPr sz="1800" kern="1200">
+                <a:solidFill>
+                  <a:schemeClr val="tx1"/>
+                </a:solidFill>
+                <a:latin typeface="+mn-lt"/>
+                <a:ea typeface="+mn-ea"/>
+                <a:cs typeface="+mn-cs"/>
+              </a:defRPr>
+            </a:lvl3pPr>
+            <a:lvl4pPr marL="1005840" indent="-182880" algn="l" defTabSz="914400" rtl="0" eaLnBrk="1" latinLnBrk="0" hangingPunct="1">
+              <a:spcBef>
+                <a:spcPct val="20000"/>
+              </a:spcBef>
+              <a:buClr>
+                <a:schemeClr val="accent1"/>
+              </a:buClr>
+              <a:buFont typeface="Arial" pitchFamily="34" charset="0"/>
+              <a:buChar char="•"/>
+              <a:defRPr sz="1600" kern="1200">
+                <a:solidFill>
+                  <a:schemeClr val="tx1"/>
+                </a:solidFill>
+                <a:latin typeface="+mn-lt"/>
+                <a:ea typeface="+mn-ea"/>
+                <a:cs typeface="+mn-cs"/>
+              </a:defRPr>
+            </a:lvl4pPr>
+            <a:lvl5pPr marL="1188720" indent="-137160" algn="l" defTabSz="914400" rtl="0" eaLnBrk="1" latinLnBrk="0" hangingPunct="1">
+              <a:spcBef>
+                <a:spcPct val="20000"/>
+              </a:spcBef>
+              <a:buClr>
+                <a:schemeClr val="accent1"/>
+              </a:buClr>
+              <a:buSzPct val="100000"/>
+              <a:buFont typeface="Arial" pitchFamily="34" charset="0"/>
+              <a:buChar char="•"/>
+              <a:defRPr sz="1400" kern="1200" baseline="0">
+                <a:solidFill>
+                  <a:schemeClr val="tx1"/>
+                </a:solidFill>
+                <a:latin typeface="+mn-lt"/>
+                <a:ea typeface="+mn-ea"/>
+                <a:cs typeface="+mn-cs"/>
+              </a:defRPr>
+            </a:lvl5pPr>
+            <a:lvl6pPr marL="1371600" indent="-182880" algn="l" defTabSz="914400" rtl="0" eaLnBrk="1" latinLnBrk="0" hangingPunct="1">
+              <a:spcBef>
+                <a:spcPct val="20000"/>
+              </a:spcBef>
+              <a:buClr>
+                <a:schemeClr val="accent1"/>
+              </a:buClr>
+              <a:buFont typeface="Arial" pitchFamily="34" charset="0"/>
+              <a:buChar char="•"/>
+              <a:defRPr sz="1300" kern="1200">
+                <a:solidFill>
+                  <a:schemeClr val="tx1"/>
+                </a:solidFill>
+                <a:latin typeface="+mn-lt"/>
+                <a:ea typeface="+mn-ea"/>
+                <a:cs typeface="+mn-cs"/>
+              </a:defRPr>
+            </a:lvl6pPr>
+            <a:lvl7pPr marL="1554480" indent="-182880" algn="l" defTabSz="914400" rtl="0" eaLnBrk="1" latinLnBrk="0" hangingPunct="1">
+              <a:spcBef>
+                <a:spcPct val="20000"/>
+              </a:spcBef>
+              <a:buClr>
+                <a:schemeClr val="accent1"/>
+              </a:buClr>
+              <a:buFont typeface="Arial" pitchFamily="34" charset="0"/>
+              <a:buChar char="•"/>
+              <a:defRPr sz="1300" kern="1200">
+                <a:solidFill>
+                  <a:schemeClr val="tx1"/>
+                </a:solidFill>
+                <a:latin typeface="+mn-lt"/>
+                <a:ea typeface="+mn-ea"/>
+                <a:cs typeface="+mn-cs"/>
+              </a:defRPr>
+            </a:lvl7pPr>
+            <a:lvl8pPr marL="1737360" indent="-182880" algn="l" defTabSz="914400" rtl="0" eaLnBrk="1" latinLnBrk="0" hangingPunct="1">
+              <a:spcBef>
+                <a:spcPct val="20000"/>
+              </a:spcBef>
+              <a:buClr>
+                <a:schemeClr val="accent1"/>
+              </a:buClr>
+              <a:buFont typeface="Arial" pitchFamily="34" charset="0"/>
+              <a:buChar char="•"/>
+              <a:defRPr sz="1300" kern="1200">
+                <a:solidFill>
+                  <a:schemeClr val="tx1"/>
+                </a:solidFill>
+                <a:latin typeface="+mn-lt"/>
+                <a:ea typeface="+mn-ea"/>
+                <a:cs typeface="+mn-cs"/>
+              </a:defRPr>
+            </a:lvl8pPr>
+            <a:lvl9pPr marL="1920240" indent="-182880" algn="l" defTabSz="914400" rtl="0" eaLnBrk="1" latinLnBrk="0" hangingPunct="1">
+              <a:spcBef>
+                <a:spcPct val="20000"/>
+              </a:spcBef>
+              <a:buClr>
+                <a:schemeClr val="accent1"/>
+              </a:buClr>
+              <a:buFont typeface="Arial" pitchFamily="34" charset="0"/>
+              <a:buChar char="•"/>
+              <a:defRPr sz="1300" kern="1200">
+                <a:solidFill>
+                  <a:schemeClr val="tx1"/>
+                </a:solidFill>
+                <a:latin typeface="+mn-lt"/>
+                <a:ea typeface="+mn-ea"/>
+                <a:cs typeface="+mn-cs"/>
+              </a:defRPr>
+            </a:lvl9pPr>
+          </a:lstStyle>
+          <a:p>
+            <a:r>
+              <a:rPr lang="en-GB" sz="1400" dirty="0" smtClean="0"/>
+              <a:t>Make events fast</a:t>
+            </a:r>
+          </a:p>
+          <a:p>
+            <a:r>
+              <a:rPr lang="en-GB" sz="1400" dirty="0" smtClean="0"/>
+              <a:t>Minimize </a:t>
+            </a:r>
+            <a:r>
+              <a:rPr lang="en-GB" sz="1400" dirty="0"/>
+              <a:t>change </a:t>
+            </a:r>
+            <a:r>
+              <a:rPr lang="en-GB" sz="1400" dirty="0" smtClean="0"/>
+              <a:t>detections:-</a:t>
+            </a:r>
+          </a:p>
+          <a:p>
+            <a:pPr marL="274320" lvl="1" indent="0">
+              <a:buNone/>
+            </a:pPr>
+            <a:r>
+              <a:rPr lang="en-GB" sz="1400" dirty="0" smtClean="0"/>
+              <a:t>By </a:t>
+            </a:r>
+            <a:r>
+              <a:rPr lang="en-GB" sz="1400" dirty="0"/>
+              <a:t>default, components in an Angular application undergo change detection with nearly every user interaction. But, Angular allows you take control of this process. You can indicate to Angular if a component subtree is up to date and exclude it from change detection</a:t>
+            </a:r>
+            <a:r>
+              <a:rPr lang="en-GB" sz="1400" dirty="0" smtClean="0"/>
+              <a:t>.</a:t>
+            </a:r>
+          </a:p>
+          <a:p>
+            <a:pPr marL="274320" lvl="1" indent="0">
+              <a:buNone/>
+            </a:pPr>
+            <a:endParaRPr lang="en-GB" sz="1400" dirty="0" smtClean="0"/>
+          </a:p>
+          <a:p>
+            <a:pPr marL="274320" lvl="1" indent="0">
+              <a:buNone/>
+            </a:pPr>
+            <a:r>
+              <a:rPr lang="en-GB" sz="1400" dirty="0"/>
+              <a:t>The first way to exclude a component subtree from change detection is by setting the `</a:t>
+            </a:r>
+            <a:r>
+              <a:rPr lang="en-GB" sz="1400" dirty="0" err="1"/>
+              <a:t>changeDetection</a:t>
+            </a:r>
+            <a:r>
+              <a:rPr lang="en-GB" sz="1400" dirty="0"/>
+              <a:t>` property to `</a:t>
+            </a:r>
+            <a:r>
+              <a:rPr lang="en-GB" sz="1400" dirty="0" err="1"/>
+              <a:t>ChangeDetectionStrategy.OnPush</a:t>
+            </a:r>
+            <a:r>
+              <a:rPr lang="en-GB" sz="1400" dirty="0"/>
+              <a:t>` in the @Component decorator</a:t>
+            </a:r>
+            <a:r>
+              <a:rPr lang="en-GB" sz="1400" dirty="0" smtClean="0"/>
+              <a:t>.</a:t>
+            </a:r>
+          </a:p>
+          <a:p>
+            <a:pPr marL="274320" lvl="1" indent="0">
+              <a:buNone/>
+            </a:pPr>
+            <a:endParaRPr lang="en-GB" sz="1400" dirty="0"/>
+          </a:p>
+          <a:p>
+            <a:r>
+              <a:rPr lang="en-GB" sz="1400" dirty="0" smtClean="0"/>
+              <a:t>Minimize DOM manipulations:-</a:t>
+            </a:r>
+          </a:p>
+          <a:p>
+            <a:pPr marL="274320" lvl="1" indent="0">
+              <a:buNone/>
+            </a:pPr>
+            <a:r>
+              <a:rPr lang="en-GB" sz="1400" dirty="0"/>
+              <a:t>By default, when iterating over a list of objects, Angular will use object identity to determine if items are added, removed, or rearranged. This works well for most situations. However, with the introduction of immutable practices, changes to the list’s content generates new objects. In turn, </a:t>
+            </a:r>
+            <a:r>
+              <a:rPr lang="en-GB" sz="1400" dirty="0" err="1"/>
+              <a:t>ngFor</a:t>
+            </a:r>
+            <a:r>
+              <a:rPr lang="en-GB" sz="1400" dirty="0"/>
+              <a:t> will generate a new collection of DOM elements to be rendered. If the list is long or complex enough, this will increase the time it takes the browser to render updates. To mitigate this issue, it is possible to use </a:t>
+            </a:r>
+            <a:r>
+              <a:rPr lang="en-GB" sz="1400" dirty="0" err="1"/>
+              <a:t>trackBy</a:t>
+            </a:r>
+            <a:r>
+              <a:rPr lang="en-GB" sz="1400" dirty="0"/>
+              <a:t> to indicate how a change to an entry is determined.</a:t>
+            </a:r>
+            <a:endParaRPr lang="en-GB" sz="1400" dirty="0" smtClean="0"/>
+          </a:p>
+        </p:txBody>
+      </p:sp>
+    </p:spTree>
+    <p:extLst>
+      <p:ext uri="{BB962C8B-B14F-4D97-AF65-F5344CB8AC3E}">
+        <p14:creationId xmlns:p14="http://schemas.microsoft.com/office/powerpoint/2010/main" val="2706082745"/>
+      </p:ext>
+    </p:extLst>
+  </p:cSld>
+  <p:clrMapOvr>
+    <a:masterClrMapping/>
+  </p:clrMapOvr>
+  <p:timing>
+    <p:tnLst>
+      <p:par>
+        <p:cTn id="1" dur="indefinite" restart="never" nodeType="tmRoot"/>
+      </p:par>
+    </p:tnLst>
+  </p:timing>
+</p:sld>
+</file>
+
+<file path=ppt/slides/slide34.xml><?xml version="1.0" encoding="utf-8"?>
+<p:sld xmlns:a="http://schemas.openxmlformats.org/drawingml/2006/main" xmlns:r="http://schemas.openxmlformats.org/officeDocument/2006/relationships" xmlns:p="http://schemas.openxmlformats.org/presentationml/2006/main">
+  <p:cSld>
+    <p:spTree>
+      <p:nvGrpSpPr>
+        <p:cNvPr id="1" name=""/>
+        <p:cNvGrpSpPr/>
+        <p:nvPr/>
+      </p:nvGrpSpPr>
+      <p:grpSpPr>
+        <a:xfrm>
+          <a:off x="0" y="0"/>
+          <a:ext cx="0" cy="0"/>
+          <a:chOff x="0" y="0"/>
+          <a:chExt cx="0" cy="0"/>
+        </a:xfrm>
+      </p:grpSpPr>
+      <p:sp>
+        <p:nvSpPr>
+          <p:cNvPr id="2" name="Title 1"/>
+          <p:cNvSpPr>
+            <a:spLocks noGrp="1"/>
+          </p:cNvSpPr>
+          <p:nvPr>
+            <p:ph type="title"/>
+          </p:nvPr>
+        </p:nvSpPr>
+        <p:spPr/>
+        <p:txBody>
           <a:bodyPr/>
           <a:lstStyle/>
           <a:p>
@@ -12478,8 +12846,23 @@
           </a:p>
           <a:p>
             <a:r>
+              <a:rPr lang="en-US" sz="1600" dirty="0">
+                <a:hlinkClick r:id="rId7"/>
+              </a:rPr>
+              <a:t>http://</a:t>
+            </a:r>
+            <a:r>
+              <a:rPr lang="en-US" sz="1600" dirty="0" smtClean="0">
+                <a:hlinkClick r:id="rId7"/>
+              </a:rPr>
+              <a:t>www.slideshare.net/damienklinnert/angular-performance-tuning-for-large</a:t>
+            </a:r>
+            <a:endParaRPr lang="en-US" sz="1600" dirty="0" smtClean="0"/>
+          </a:p>
+          <a:p>
+            <a:r>
               <a:rPr lang="en-US" sz="1600" dirty="0"/>
-              <a:t>http://www.slideshare.net/damienklinnert/angular-performance-tuning-for-large</a:t>
+              <a:t>https://blog.angular.io/3-tips-for-angular-runtime-performance-from-the-real-world-d467fbc8f66e</a:t>
             </a:r>
             <a:endParaRPr lang="en-US" sz="1600" dirty="0" smtClean="0"/>
           </a:p>

--- a/AngularJS.pptx
+++ b/AngularJS.pptx
@@ -35,10 +35,11 @@
     <p:sldId id="281" r:id="rId29"/>
     <p:sldId id="278" r:id="rId30"/>
     <p:sldId id="279" r:id="rId31"/>
-    <p:sldId id="277" r:id="rId32"/>
-    <p:sldId id="295" r:id="rId33"/>
-    <p:sldId id="299" r:id="rId34"/>
-    <p:sldId id="269" r:id="rId35"/>
+    <p:sldId id="300" r:id="rId32"/>
+    <p:sldId id="277" r:id="rId33"/>
+    <p:sldId id="295" r:id="rId34"/>
+    <p:sldId id="299" r:id="rId35"/>
+    <p:sldId id="269" r:id="rId36"/>
   </p:sldIdLst>
   <p:sldSz cx="9144000" cy="6858000" type="screen4x3"/>
   <p:notesSz cx="6858000" cy="9144000"/>
@@ -328,7 +329,7 @@
           <a:p>
             <a:fld id="{8F235549-BF0A-4B98-8561-3786244E808C}" type="datetimeFigureOut">
               <a:rPr lang="en-US" smtClean="0"/>
-              <a:t>11/16/2017</a:t>
+              <a:t>12/4/2017</a:t>
             </a:fld>
             <a:endParaRPr lang="en-US"/>
           </a:p>
@@ -528,7 +529,7 @@
           <a:p>
             <a:fld id="{8F235549-BF0A-4B98-8561-3786244E808C}" type="datetimeFigureOut">
               <a:rPr lang="en-US" smtClean="0"/>
-              <a:t>11/16/2017</a:t>
+              <a:t>12/4/2017</a:t>
             </a:fld>
             <a:endParaRPr lang="en-US"/>
           </a:p>
@@ -703,7 +704,7 @@
           <a:p>
             <a:fld id="{8F235549-BF0A-4B98-8561-3786244E808C}" type="datetimeFigureOut">
               <a:rPr lang="en-US" smtClean="0"/>
-              <a:t>11/16/2017</a:t>
+              <a:t>12/4/2017</a:t>
             </a:fld>
             <a:endParaRPr lang="en-US"/>
           </a:p>
@@ -868,7 +869,7 @@
           <a:p>
             <a:fld id="{8F235549-BF0A-4B98-8561-3786244E808C}" type="datetimeFigureOut">
               <a:rPr lang="en-US" smtClean="0"/>
-              <a:t>11/16/2017</a:t>
+              <a:t>12/4/2017</a:t>
             </a:fld>
             <a:endParaRPr lang="en-US"/>
           </a:p>
@@ -1116,7 +1117,7 @@
           <a:p>
             <a:fld id="{8F235549-BF0A-4B98-8561-3786244E808C}" type="datetimeFigureOut">
               <a:rPr lang="en-US" smtClean="0"/>
-              <a:t>11/16/2017</a:t>
+              <a:t>12/4/2017</a:t>
             </a:fld>
             <a:endParaRPr lang="en-US"/>
           </a:p>
@@ -1434,7 +1435,7 @@
           <a:p>
             <a:fld id="{8F235549-BF0A-4B98-8561-3786244E808C}" type="datetimeFigureOut">
               <a:rPr lang="en-US" smtClean="0"/>
-              <a:t>11/16/2017</a:t>
+              <a:t>12/4/2017</a:t>
             </a:fld>
             <a:endParaRPr lang="en-US"/>
           </a:p>
@@ -1900,7 +1901,7 @@
           <a:p>
             <a:fld id="{8F235549-BF0A-4B98-8561-3786244E808C}" type="datetimeFigureOut">
               <a:rPr lang="en-US" smtClean="0"/>
-              <a:t>11/16/2017</a:t>
+              <a:t>12/4/2017</a:t>
             </a:fld>
             <a:endParaRPr lang="en-US"/>
           </a:p>
@@ -2048,7 +2049,7 @@
           <a:p>
             <a:fld id="{8F235549-BF0A-4B98-8561-3786244E808C}" type="datetimeFigureOut">
               <a:rPr lang="en-US" smtClean="0"/>
-              <a:t>11/16/2017</a:t>
+              <a:t>12/4/2017</a:t>
             </a:fld>
             <a:endParaRPr lang="en-US"/>
           </a:p>
@@ -2138,7 +2139,7 @@
           <a:p>
             <a:fld id="{8F235549-BF0A-4B98-8561-3786244E808C}" type="datetimeFigureOut">
               <a:rPr lang="en-US" smtClean="0"/>
-              <a:t>11/16/2017</a:t>
+              <a:t>12/4/2017</a:t>
             </a:fld>
             <a:endParaRPr lang="en-US"/>
           </a:p>
@@ -2412,7 +2413,7 @@
           <a:p>
             <a:fld id="{8F235549-BF0A-4B98-8561-3786244E808C}" type="datetimeFigureOut">
               <a:rPr lang="en-US" smtClean="0"/>
-              <a:t>11/16/2017</a:t>
+              <a:t>12/4/2017</a:t>
             </a:fld>
             <a:endParaRPr lang="en-US"/>
           </a:p>
@@ -2717,7 +2718,7 @@
           <a:p>
             <a:fld id="{8F235549-BF0A-4B98-8561-3786244E808C}" type="datetimeFigureOut">
               <a:rPr lang="en-US" smtClean="0"/>
-              <a:t>11/16/2017</a:t>
+              <a:t>12/4/2017</a:t>
             </a:fld>
             <a:endParaRPr lang="en-US"/>
           </a:p>
@@ -3015,7 +3016,7 @@
           <a:p>
             <a:fld id="{8F235549-BF0A-4B98-8561-3786244E808C}" type="datetimeFigureOut">
               <a:rPr lang="en-US" smtClean="0"/>
-              <a:t>11/16/2017</a:t>
+              <a:t>12/4/2017</a:t>
             </a:fld>
             <a:endParaRPr lang="en-US"/>
           </a:p>
@@ -11643,7 +11644,7 @@
           <a:p>
             <a:r>
               <a:rPr lang="en-US" dirty="0" smtClean="0"/>
-              <a:t>Best Practices</a:t>
+              <a:t>CSS in Angular</a:t>
             </a:r>
             <a:endParaRPr lang="en-US" dirty="0"/>
           </a:p>
@@ -11840,111 +11841,90 @@
           </a:lstStyle>
           <a:p>
             <a:r>
-              <a:rPr lang="en-GB" sz="1600" b="1" dirty="0" smtClean="0"/>
-              <a:t>Namespace</a:t>
-            </a:r>
+              <a:rPr lang="en-GB" sz="1600" dirty="0"/>
+              <a:t>By default in Angular, when you attach CSS directly to a component, we scope that </a:t>
+            </a:r>
+            <a:r>
+              <a:rPr lang="en-GB" sz="1600" dirty="0" err="1"/>
+              <a:t>css</a:t>
+            </a:r>
+            <a:r>
+              <a:rPr lang="en-GB" sz="1600" dirty="0"/>
+              <a:t> exclusively to that component. </a:t>
+            </a:r>
+            <a:endParaRPr lang="en-GB" sz="1600" dirty="0" smtClean="0"/>
+          </a:p>
+          <a:p>
             <a:r>
               <a:rPr lang="en-GB" sz="1600" dirty="0" smtClean="0"/>
-              <a:t> distributed code – OpenSource code should be name spaced</a:t>
-            </a:r>
-          </a:p>
-          <a:p>
-            <a:r>
-              <a:rPr lang="en-GB" sz="1600" dirty="0" smtClean="0"/>
-              <a:t>Only use .$broadcast(), .$emit(), and .$on() for atomic events</a:t>
-            </a:r>
-          </a:p>
-          <a:p>
-            <a:r>
-              <a:rPr lang="en-GB" sz="1600" dirty="0" smtClean="0"/>
-              <a:t>Always let users use </a:t>
-            </a:r>
-            <a:r>
-              <a:rPr lang="en-GB" sz="1600" b="1" dirty="0" smtClean="0"/>
-              <a:t>expressions</a:t>
-            </a:r>
-            <a:r>
-              <a:rPr lang="en-GB" sz="1600" dirty="0" smtClean="0"/>
-              <a:t> “{{}}” whenever possible</a:t>
-            </a:r>
-          </a:p>
-          <a:p>
-            <a:r>
-              <a:rPr lang="en-GB" sz="1600" dirty="0" smtClean="0"/>
-              <a:t>Extend directives by using </a:t>
-            </a:r>
-            <a:r>
-              <a:rPr lang="en-GB" sz="1600" b="1" dirty="0" smtClean="0"/>
-              <a:t>Directive Controllers</a:t>
-            </a:r>
-          </a:p>
-          <a:p>
-            <a:r>
-              <a:rPr lang="en-GB" sz="1600" dirty="0" smtClean="0"/>
-              <a:t>Add </a:t>
-            </a:r>
-            <a:r>
-              <a:rPr lang="en-GB" sz="1600" b="1" dirty="0" smtClean="0"/>
-              <a:t>teardown code to controllers and directives </a:t>
-            </a:r>
-            <a:r>
-              <a:rPr lang="en-GB" sz="1600" dirty="0" smtClean="0"/>
-              <a:t>- Controllers </a:t>
-            </a:r>
-            <a:r>
-              <a:rPr lang="en-GB" sz="1600" dirty="0"/>
-              <a:t>and </a:t>
-            </a:r>
-            <a:r>
-              <a:rPr lang="en-GB" sz="1600" dirty="0" smtClean="0"/>
-              <a:t>directives emit an event right before they are destroyed. You can perform the garbage collection there.</a:t>
-            </a:r>
-          </a:p>
-          <a:p>
-            <a:r>
-              <a:rPr lang="en-GB" sz="1600" dirty="0" smtClean="0"/>
-              <a:t>Leverage </a:t>
-            </a:r>
-            <a:r>
-              <a:rPr lang="en-GB" sz="1600" b="1" dirty="0" smtClean="0"/>
-              <a:t>modules</a:t>
-            </a:r>
-            <a:r>
-              <a:rPr lang="en-GB" sz="1600" dirty="0" smtClean="0"/>
-              <a:t> properly – Group your code into related bundles. This way if you remove a module, your app still works</a:t>
-            </a:r>
-          </a:p>
-          <a:p>
-            <a:r>
-              <a:rPr lang="en-GB" sz="1600" dirty="0" smtClean="0"/>
-              <a:t>Add </a:t>
-            </a:r>
-            <a:r>
-              <a:rPr lang="en-GB" sz="1600" b="1" dirty="0" smtClean="0"/>
-              <a:t>NPM</a:t>
-            </a:r>
-            <a:r>
-              <a:rPr lang="en-GB" sz="1600" dirty="0" smtClean="0"/>
-              <a:t> and </a:t>
-            </a:r>
-            <a:r>
-              <a:rPr lang="en-GB" sz="1600" b="1" dirty="0" smtClean="0"/>
-              <a:t>Bower</a:t>
-            </a:r>
-            <a:r>
-              <a:rPr lang="en-GB" sz="1600" dirty="0" smtClean="0"/>
-              <a:t> support</a:t>
-            </a:r>
-          </a:p>
-          <a:p>
-            <a:endParaRPr lang="en-GB" sz="1600" dirty="0" smtClean="0"/>
+              <a:t>Two ways:-</a:t>
+            </a:r>
+          </a:p>
+          <a:p>
+            <a:pPr lvl="1">
+              <a:buFont typeface="Wingdings" panose="05000000000000000000" pitchFamily="2" charset="2"/>
+              <a:buChar char="Ø"/>
+            </a:pPr>
+            <a:r>
+              <a:rPr lang="en-GB" sz="1400" dirty="0" smtClean="0"/>
+              <a:t>Global CSS</a:t>
+            </a:r>
+          </a:p>
+          <a:p>
+            <a:pPr lvl="1">
+              <a:buFont typeface="Wingdings" panose="05000000000000000000" pitchFamily="2" charset="2"/>
+              <a:buChar char="Ø"/>
+            </a:pPr>
+            <a:r>
+              <a:rPr lang="en-GB" sz="1400" dirty="0" smtClean="0"/>
+              <a:t>Component-scoped CSS</a:t>
+            </a:r>
+          </a:p>
+          <a:p>
+            <a:r>
+              <a:rPr lang="en-GB" sz="1800" dirty="0" smtClean="0"/>
+              <a:t>Three ways of component encapsulation:-</a:t>
+            </a:r>
+          </a:p>
+          <a:p>
+            <a:pPr lvl="1"/>
+            <a:r>
+              <a:rPr lang="en-GB" sz="1400" dirty="0" smtClean="0"/>
+              <a:t>Emulated mode</a:t>
+            </a:r>
+          </a:p>
+          <a:p>
+            <a:pPr lvl="1"/>
+            <a:r>
+              <a:rPr lang="en-GB" sz="1400" dirty="0" smtClean="0"/>
+              <a:t>Native mode – uses Shadow DOM</a:t>
+            </a:r>
+          </a:p>
+          <a:p>
+            <a:pPr lvl="1"/>
+            <a:r>
+              <a:rPr lang="en-GB" sz="1400" smtClean="0"/>
+              <a:t>None</a:t>
+            </a:r>
+            <a:endParaRPr lang="en-GB" sz="1400" dirty="0" smtClean="0"/>
+          </a:p>
+          <a:p>
+            <a:pPr lvl="1"/>
+            <a:endParaRPr lang="en-GB" sz="1400" dirty="0"/>
+          </a:p>
+          <a:p>
+            <a:pPr lvl="1">
+              <a:buFont typeface="Wingdings" panose="05000000000000000000" pitchFamily="2" charset="2"/>
+              <a:buChar char="Ø"/>
+            </a:pPr>
+            <a:endParaRPr lang="en-GB" sz="1400" dirty="0" smtClean="0"/>
           </a:p>
         </p:txBody>
       </p:sp>
     </p:spTree>
     <p:extLst>
       <p:ext uri="{BB962C8B-B14F-4D97-AF65-F5344CB8AC3E}">
-        <p14:creationId xmlns:p14="http://schemas.microsoft.com/office/powerpoint/2010/main" val="1523614148"/>
+        <p14:creationId xmlns:p14="http://schemas.microsoft.com/office/powerpoint/2010/main" val="711465106"/>
       </p:ext>
     </p:extLst>
   </p:cSld>
@@ -11990,14 +11970,12 @@
         </p:nvSpPr>
         <p:spPr/>
         <p:txBody>
-          <a:bodyPr>
-            <a:normAutofit/>
-          </a:bodyPr>
+          <a:bodyPr/>
           <a:lstStyle/>
           <a:p>
             <a:r>
               <a:rPr lang="en-US" dirty="0" smtClean="0"/>
-              <a:t>Angular – Performance Improvement</a:t>
+              <a:t>Best Practices</a:t>
             </a:r>
             <a:endParaRPr lang="en-US" dirty="0"/>
           </a:p>
@@ -12194,127 +12172,111 @@
           </a:lstStyle>
           <a:p>
             <a:r>
+              <a:rPr lang="en-GB" sz="1600" b="1" dirty="0" smtClean="0"/>
+              <a:t>Namespace</a:t>
+            </a:r>
+            <a:r>
               <a:rPr lang="en-GB" sz="1600" dirty="0" smtClean="0"/>
-              <a:t>Minimize the number of registered watchers</a:t>
-            </a:r>
-          </a:p>
-          <a:p>
-            <a:pPr lvl="1">
-              <a:buFont typeface="Wingdings" panose="05000000000000000000" pitchFamily="2" charset="2"/>
-              <a:buChar char="Ø"/>
-            </a:pPr>
-            <a:r>
-              <a:rPr lang="en-GB" sz="1400" dirty="0" smtClean="0"/>
-              <a:t>Tools such as Batarang, chrome Angular watchers are useful tools</a:t>
+              <a:t> distributed code – OpenSource code should be name spaced</a:t>
             </a:r>
           </a:p>
           <a:p>
             <a:r>
               <a:rPr lang="en-GB" sz="1600" dirty="0" smtClean="0"/>
-              <a:t>Maximum the performance of registered watchers</a:t>
+              <a:t>Only use .$broadcast(), .$emit(), and .$on() for atomic events</a:t>
             </a:r>
           </a:p>
           <a:p>
             <a:r>
               <a:rPr lang="en-GB" sz="1600" dirty="0" smtClean="0"/>
-              <a:t>Use ng-if rather than ng-show</a:t>
-            </a:r>
-          </a:p>
-          <a:p>
+              <a:t>Always let users use </a:t>
+            </a:r>
+            <a:r>
+              <a:rPr lang="en-GB" sz="1600" b="1" dirty="0" smtClean="0"/>
+              <a:t>expressions</a:t>
+            </a:r>
             <a:r>
               <a:rPr lang="en-GB" sz="1600" dirty="0" smtClean="0"/>
-              <a:t>As AngularJS doesn’t have native support for unregistering watchers, you can use solutions like </a:t>
+              <a:t> “{{}}” whenever possible</a:t>
+            </a:r>
+          </a:p>
+          <a:p>
+            <a:r>
+              <a:rPr lang="en-GB" sz="1600" dirty="0" smtClean="0"/>
+              <a:t>Extend directives by using </a:t>
             </a:r>
             <a:r>
               <a:rPr lang="en-GB" sz="1600" b="1" dirty="0" smtClean="0"/>
-              <a:t>bindonce </a:t>
-            </a:r>
-          </a:p>
-          <a:p>
-            <a:pPr lvl="1">
-              <a:buFont typeface="Wingdings" panose="05000000000000000000" pitchFamily="2" charset="2"/>
-              <a:buChar char="Ø"/>
-            </a:pPr>
-            <a:r>
-              <a:rPr lang="en-GB" sz="1400" dirty="0"/>
-              <a:t>&lt;div bindonce </a:t>
-            </a:r>
-            <a:r>
-              <a:rPr lang="en-GB" sz="1400" dirty="0" err="1"/>
-              <a:t>bo</a:t>
-            </a:r>
-            <a:r>
-              <a:rPr lang="en-GB" sz="1400" dirty="0"/>
-              <a:t>-text=” ’TRANSLATION.KEY’ | translate ”&gt;&lt;/div</a:t>
-            </a:r>
-            <a:r>
-              <a:rPr lang="en-GB" sz="1400" dirty="0" smtClean="0"/>
-              <a:t>&gt;</a:t>
+              <a:t>Directive Controllers</a:t>
             </a:r>
           </a:p>
           <a:p>
             <a:r>
               <a:rPr lang="en-GB" sz="1600" dirty="0" smtClean="0"/>
-              <a:t>Pagination i.e. use paginate:page in &lt;ng-repeat&gt; directory</a:t>
-            </a:r>
-          </a:p>
-          <a:p>
+              <a:t>Add </a:t>
+            </a:r>
+            <a:r>
+              <a:rPr lang="en-GB" sz="1600" b="1" dirty="0" smtClean="0"/>
+              <a:t>teardown code to controllers and directives </a:t>
+            </a:r>
             <a:r>
               <a:rPr lang="en-GB" sz="1600" dirty="0" smtClean="0"/>
-              <a:t>Infinite scrolling</a:t>
-            </a:r>
-          </a:p>
-          <a:p>
+              <a:t>- Controllers </a:t>
+            </a:r>
+            <a:r>
+              <a:rPr lang="en-GB" sz="1600" dirty="0"/>
+              <a:t>and </a:t>
+            </a:r>
             <a:r>
               <a:rPr lang="en-GB" sz="1600" dirty="0" smtClean="0"/>
-              <a:t>Cache calculated properties</a:t>
+              <a:t>directives emit an event right before they are destroyed. You can perform the garbage collection there.</a:t>
             </a:r>
           </a:p>
           <a:p>
             <a:r>
               <a:rPr lang="en-GB" sz="1600" dirty="0" smtClean="0"/>
-              <a:t>Scalyr Directives</a:t>
-            </a:r>
-          </a:p>
-          <a:p>
+              <a:t>Leverage </a:t>
+            </a:r>
+            <a:r>
+              <a:rPr lang="en-GB" sz="1600" b="1" dirty="0" smtClean="0"/>
+              <a:t>modules</a:t>
+            </a:r>
             <a:r>
               <a:rPr lang="en-GB" sz="1600" dirty="0" smtClean="0"/>
-              <a:t>Angular Fastscroll (in div tags)</a:t>
+              <a:t> properly – Group your code into related bundles. This way if you remove a module, your app still works</a:t>
             </a:r>
           </a:p>
           <a:p>
             <a:r>
               <a:rPr lang="en-GB" sz="1600" dirty="0" smtClean="0"/>
-              <a:t>Tools:</a:t>
-            </a:r>
-          </a:p>
-          <a:p>
-            <a:pPr lvl="1"/>
-            <a:r>
-              <a:rPr lang="en-GB" sz="1200" dirty="0" smtClean="0"/>
-              <a:t>Chrome DevTools</a:t>
-            </a:r>
-          </a:p>
-          <a:p>
-            <a:pPr lvl="1"/>
-            <a:r>
-              <a:rPr lang="en-GB" sz="1200" dirty="0" smtClean="0"/>
-              <a:t>Batarang Plugin</a:t>
-            </a:r>
-          </a:p>
-          <a:p>
-            <a:pPr lvl="1"/>
-            <a:r>
-              <a:rPr lang="en-GB" sz="1200" dirty="0" smtClean="0"/>
-              <a:t>angular-instruments</a:t>
-            </a:r>
+              <a:t>Add </a:t>
+            </a:r>
+            <a:r>
+              <a:rPr lang="en-GB" sz="1600" b="1" dirty="0" smtClean="0"/>
+              <a:t>NPM</a:t>
+            </a:r>
+            <a:r>
+              <a:rPr lang="en-GB" sz="1600" dirty="0" smtClean="0"/>
+              <a:t> and </a:t>
+            </a:r>
+            <a:r>
+              <a:rPr lang="en-GB" sz="1600" b="1" dirty="0" smtClean="0"/>
+              <a:t>Bower</a:t>
+            </a:r>
+            <a:r>
+              <a:rPr lang="en-GB" sz="1600" dirty="0" smtClean="0"/>
+              <a:t> support</a:t>
+            </a:r>
+          </a:p>
+          <a:p>
+            <a:endParaRPr lang="en-GB" sz="1600" dirty="0" smtClean="0"/>
           </a:p>
         </p:txBody>
       </p:sp>
     </p:spTree>
     <p:extLst>
       <p:ext uri="{BB962C8B-B14F-4D97-AF65-F5344CB8AC3E}">
-        <p14:creationId xmlns:p14="http://schemas.microsoft.com/office/powerpoint/2010/main" val="866641604"/>
+        <p14:creationId xmlns:p14="http://schemas.microsoft.com/office/powerpoint/2010/main" val="1523614148"/>
       </p:ext>
     </p:extLst>
   </p:cSld>
@@ -12367,11 +12329,7 @@
           <a:p>
             <a:r>
               <a:rPr lang="en-US" dirty="0" smtClean="0"/>
-              <a:t>Angular – </a:t>
-            </a:r>
-            <a:r>
-              <a:rPr lang="en-US" dirty="0" smtClean="0"/>
-              <a:t>Top 3 Performance Tips</a:t>
+              <a:t>Angular – Performance Improvement</a:t>
             </a:r>
             <a:endParaRPr lang="en-US" dirty="0"/>
           </a:p>
@@ -12568,6 +12526,376 @@
           </a:lstStyle>
           <a:p>
             <a:r>
+              <a:rPr lang="en-GB" sz="1600" dirty="0" smtClean="0"/>
+              <a:t>Minimize the number of registered watchers</a:t>
+            </a:r>
+          </a:p>
+          <a:p>
+            <a:pPr lvl="1">
+              <a:buFont typeface="Wingdings" panose="05000000000000000000" pitchFamily="2" charset="2"/>
+              <a:buChar char="Ø"/>
+            </a:pPr>
+            <a:r>
+              <a:rPr lang="en-GB" sz="1400" dirty="0" smtClean="0"/>
+              <a:t>Tools such as Batarang, chrome Angular watchers are useful tools</a:t>
+            </a:r>
+          </a:p>
+          <a:p>
+            <a:r>
+              <a:rPr lang="en-GB" sz="1600" dirty="0" smtClean="0"/>
+              <a:t>Maximum the performance of registered watchers</a:t>
+            </a:r>
+          </a:p>
+          <a:p>
+            <a:r>
+              <a:rPr lang="en-GB" sz="1600" dirty="0" smtClean="0"/>
+              <a:t>Use ng-if rather than ng-show</a:t>
+            </a:r>
+          </a:p>
+          <a:p>
+            <a:r>
+              <a:rPr lang="en-GB" sz="1600" dirty="0" smtClean="0"/>
+              <a:t>As AngularJS doesn’t have native support for unregistering watchers, you can use solutions like </a:t>
+            </a:r>
+            <a:r>
+              <a:rPr lang="en-GB" sz="1600" b="1" dirty="0" smtClean="0"/>
+              <a:t>bindonce </a:t>
+            </a:r>
+          </a:p>
+          <a:p>
+            <a:pPr lvl="1">
+              <a:buFont typeface="Wingdings" panose="05000000000000000000" pitchFamily="2" charset="2"/>
+              <a:buChar char="Ø"/>
+            </a:pPr>
+            <a:r>
+              <a:rPr lang="en-GB" sz="1400" dirty="0"/>
+              <a:t>&lt;div bindonce </a:t>
+            </a:r>
+            <a:r>
+              <a:rPr lang="en-GB" sz="1400" dirty="0" err="1"/>
+              <a:t>bo</a:t>
+            </a:r>
+            <a:r>
+              <a:rPr lang="en-GB" sz="1400" dirty="0"/>
+              <a:t>-text=” ’TRANSLATION.KEY’ | translate ”&gt;&lt;/div</a:t>
+            </a:r>
+            <a:r>
+              <a:rPr lang="en-GB" sz="1400" dirty="0" smtClean="0"/>
+              <a:t>&gt;</a:t>
+            </a:r>
+          </a:p>
+          <a:p>
+            <a:r>
+              <a:rPr lang="en-GB" sz="1600" dirty="0" smtClean="0"/>
+              <a:t>Pagination i.e. use paginate:page in &lt;ng-repeat&gt; directory</a:t>
+            </a:r>
+          </a:p>
+          <a:p>
+            <a:r>
+              <a:rPr lang="en-GB" sz="1600" dirty="0" smtClean="0"/>
+              <a:t>Infinite scrolling</a:t>
+            </a:r>
+          </a:p>
+          <a:p>
+            <a:r>
+              <a:rPr lang="en-GB" sz="1600" dirty="0" smtClean="0"/>
+              <a:t>Cache calculated properties</a:t>
+            </a:r>
+          </a:p>
+          <a:p>
+            <a:r>
+              <a:rPr lang="en-GB" sz="1600" dirty="0" smtClean="0"/>
+              <a:t>Scalyr Directives</a:t>
+            </a:r>
+          </a:p>
+          <a:p>
+            <a:r>
+              <a:rPr lang="en-GB" sz="1600" dirty="0" smtClean="0"/>
+              <a:t>Angular Fastscroll (in div tags)</a:t>
+            </a:r>
+          </a:p>
+          <a:p>
+            <a:r>
+              <a:rPr lang="en-GB" sz="1600" dirty="0" smtClean="0"/>
+              <a:t>Tools:</a:t>
+            </a:r>
+          </a:p>
+          <a:p>
+            <a:pPr lvl="1"/>
+            <a:r>
+              <a:rPr lang="en-GB" sz="1200" dirty="0" smtClean="0"/>
+              <a:t>Chrome DevTools</a:t>
+            </a:r>
+          </a:p>
+          <a:p>
+            <a:pPr lvl="1"/>
+            <a:r>
+              <a:rPr lang="en-GB" sz="1200" dirty="0" smtClean="0"/>
+              <a:t>Batarang Plugin</a:t>
+            </a:r>
+          </a:p>
+          <a:p>
+            <a:pPr lvl="1"/>
+            <a:r>
+              <a:rPr lang="en-GB" sz="1200" dirty="0" smtClean="0"/>
+              <a:t>angular-instruments</a:t>
+            </a:r>
+          </a:p>
+        </p:txBody>
+      </p:sp>
+    </p:spTree>
+    <p:extLst>
+      <p:ext uri="{BB962C8B-B14F-4D97-AF65-F5344CB8AC3E}">
+        <p14:creationId xmlns:p14="http://schemas.microsoft.com/office/powerpoint/2010/main" val="866641604"/>
+      </p:ext>
+    </p:extLst>
+  </p:cSld>
+  <p:clrMapOvr>
+    <a:masterClrMapping/>
+  </p:clrMapOvr>
+  <p:timing>
+    <p:tnLst>
+      <p:par>
+        <p:cTn id="1" dur="indefinite" restart="never" nodeType="tmRoot"/>
+      </p:par>
+    </p:tnLst>
+  </p:timing>
+</p:sld>
+</file>
+
+<file path=ppt/slides/slide34.xml><?xml version="1.0" encoding="utf-8"?>
+<p:sld xmlns:a="http://schemas.openxmlformats.org/drawingml/2006/main" xmlns:r="http://schemas.openxmlformats.org/officeDocument/2006/relationships" xmlns:p="http://schemas.openxmlformats.org/presentationml/2006/main">
+  <p:cSld>
+    <p:spTree>
+      <p:nvGrpSpPr>
+        <p:cNvPr id="1" name=""/>
+        <p:cNvGrpSpPr/>
+        <p:nvPr/>
+      </p:nvGrpSpPr>
+      <p:grpSpPr>
+        <a:xfrm>
+          <a:off x="0" y="0"/>
+          <a:ext cx="0" cy="0"/>
+          <a:chOff x="0" y="0"/>
+          <a:chExt cx="0" cy="0"/>
+        </a:xfrm>
+      </p:grpSpPr>
+      <p:sp>
+        <p:nvSpPr>
+          <p:cNvPr id="2" name="Title 1"/>
+          <p:cNvSpPr>
+            <a:spLocks noGrp="1"/>
+          </p:cNvSpPr>
+          <p:nvPr>
+            <p:ph type="title"/>
+          </p:nvPr>
+        </p:nvSpPr>
+        <p:spPr/>
+        <p:txBody>
+          <a:bodyPr>
+            <a:normAutofit/>
+          </a:bodyPr>
+          <a:lstStyle/>
+          <a:p>
+            <a:r>
+              <a:rPr lang="en-US" dirty="0" smtClean="0"/>
+              <a:t>Angular – Top 3 Performance Tips</a:t>
+            </a:r>
+            <a:endParaRPr lang="en-US" dirty="0"/>
+          </a:p>
+        </p:txBody>
+      </p:sp>
+      <p:sp>
+        <p:nvSpPr>
+          <p:cNvPr id="6" name="Content Placeholder 2"/>
+          <p:cNvSpPr txBox="1">
+            <a:spLocks/>
+          </p:cNvSpPr>
+          <p:nvPr/>
+        </p:nvSpPr>
+        <p:spPr>
+          <a:xfrm>
+            <a:off x="457200" y="1600200"/>
+            <a:ext cx="8229600" cy="4876800"/>
+          </a:xfrm>
+          <a:prstGeom prst="rect">
+            <a:avLst/>
+          </a:prstGeom>
+        </p:spPr>
+        <p:txBody>
+          <a:bodyPr vert="horz" lIns="91440" tIns="45720" rIns="91440" bIns="45720" rtlCol="0">
+            <a:normAutofit/>
+          </a:bodyPr>
+          <a:lstStyle>
+            <a:lvl1pPr marL="182880" indent="-182880" algn="l" defTabSz="914400" rtl="0" eaLnBrk="1" latinLnBrk="0" hangingPunct="1">
+              <a:spcBef>
+                <a:spcPct val="20000"/>
+              </a:spcBef>
+              <a:buClr>
+                <a:schemeClr val="accent1"/>
+              </a:buClr>
+              <a:buSzPct val="85000"/>
+              <a:buFont typeface="Arial" pitchFamily="34" charset="0"/>
+              <a:buChar char="•"/>
+              <a:defRPr sz="2400" kern="1200">
+                <a:solidFill>
+                  <a:schemeClr val="tx1"/>
+                </a:solidFill>
+                <a:latin typeface="+mn-lt"/>
+                <a:ea typeface="+mn-ea"/>
+                <a:cs typeface="+mn-cs"/>
+              </a:defRPr>
+            </a:lvl1pPr>
+            <a:lvl2pPr marL="457200" indent="-182880" algn="l" defTabSz="914400" rtl="0" eaLnBrk="1" latinLnBrk="0" hangingPunct="1">
+              <a:spcBef>
+                <a:spcPct val="20000"/>
+              </a:spcBef>
+              <a:buClr>
+                <a:schemeClr val="accent1"/>
+              </a:buClr>
+              <a:buSzPct val="85000"/>
+              <a:buFont typeface="Arial" pitchFamily="34" charset="0"/>
+              <a:buChar char="•"/>
+              <a:defRPr sz="2000" kern="1200">
+                <a:solidFill>
+                  <a:schemeClr val="tx1"/>
+                </a:solidFill>
+                <a:latin typeface="+mn-lt"/>
+                <a:ea typeface="+mn-ea"/>
+                <a:cs typeface="+mn-cs"/>
+              </a:defRPr>
+            </a:lvl2pPr>
+            <a:lvl3pPr marL="731520" indent="-182880" algn="l" defTabSz="914400" rtl="0" eaLnBrk="1" latinLnBrk="0" hangingPunct="1">
+              <a:spcBef>
+                <a:spcPct val="20000"/>
+              </a:spcBef>
+              <a:buClr>
+                <a:schemeClr val="accent1"/>
+              </a:buClr>
+              <a:buSzPct val="90000"/>
+              <a:buFont typeface="Arial" pitchFamily="34" charset="0"/>
+              <a:buChar char="•"/>
+              <a:defRPr sz="1800" kern="1200">
+                <a:solidFill>
+                  <a:schemeClr val="tx1"/>
+                </a:solidFill>
+                <a:latin typeface="+mn-lt"/>
+                <a:ea typeface="+mn-ea"/>
+                <a:cs typeface="+mn-cs"/>
+              </a:defRPr>
+            </a:lvl3pPr>
+            <a:lvl4pPr marL="1005840" indent="-182880" algn="l" defTabSz="914400" rtl="0" eaLnBrk="1" latinLnBrk="0" hangingPunct="1">
+              <a:spcBef>
+                <a:spcPct val="20000"/>
+              </a:spcBef>
+              <a:buClr>
+                <a:schemeClr val="accent1"/>
+              </a:buClr>
+              <a:buFont typeface="Arial" pitchFamily="34" charset="0"/>
+              <a:buChar char="•"/>
+              <a:defRPr sz="1600" kern="1200">
+                <a:solidFill>
+                  <a:schemeClr val="tx1"/>
+                </a:solidFill>
+                <a:latin typeface="+mn-lt"/>
+                <a:ea typeface="+mn-ea"/>
+                <a:cs typeface="+mn-cs"/>
+              </a:defRPr>
+            </a:lvl4pPr>
+            <a:lvl5pPr marL="1188720" indent="-137160" algn="l" defTabSz="914400" rtl="0" eaLnBrk="1" latinLnBrk="0" hangingPunct="1">
+              <a:spcBef>
+                <a:spcPct val="20000"/>
+              </a:spcBef>
+              <a:buClr>
+                <a:schemeClr val="accent1"/>
+              </a:buClr>
+              <a:buSzPct val="100000"/>
+              <a:buFont typeface="Arial" pitchFamily="34" charset="0"/>
+              <a:buChar char="•"/>
+              <a:defRPr sz="1400" kern="1200" baseline="0">
+                <a:solidFill>
+                  <a:schemeClr val="tx1"/>
+                </a:solidFill>
+                <a:latin typeface="+mn-lt"/>
+                <a:ea typeface="+mn-ea"/>
+                <a:cs typeface="+mn-cs"/>
+              </a:defRPr>
+            </a:lvl5pPr>
+            <a:lvl6pPr marL="1371600" indent="-182880" algn="l" defTabSz="914400" rtl="0" eaLnBrk="1" latinLnBrk="0" hangingPunct="1">
+              <a:spcBef>
+                <a:spcPct val="20000"/>
+              </a:spcBef>
+              <a:buClr>
+                <a:schemeClr val="accent1"/>
+              </a:buClr>
+              <a:buFont typeface="Arial" pitchFamily="34" charset="0"/>
+              <a:buChar char="•"/>
+              <a:defRPr sz="1300" kern="1200">
+                <a:solidFill>
+                  <a:schemeClr val="tx1"/>
+                </a:solidFill>
+                <a:latin typeface="+mn-lt"/>
+                <a:ea typeface="+mn-ea"/>
+                <a:cs typeface="+mn-cs"/>
+              </a:defRPr>
+            </a:lvl6pPr>
+            <a:lvl7pPr marL="1554480" indent="-182880" algn="l" defTabSz="914400" rtl="0" eaLnBrk="1" latinLnBrk="0" hangingPunct="1">
+              <a:spcBef>
+                <a:spcPct val="20000"/>
+              </a:spcBef>
+              <a:buClr>
+                <a:schemeClr val="accent1"/>
+              </a:buClr>
+              <a:buFont typeface="Arial" pitchFamily="34" charset="0"/>
+              <a:buChar char="•"/>
+              <a:defRPr sz="1300" kern="1200">
+                <a:solidFill>
+                  <a:schemeClr val="tx1"/>
+                </a:solidFill>
+                <a:latin typeface="+mn-lt"/>
+                <a:ea typeface="+mn-ea"/>
+                <a:cs typeface="+mn-cs"/>
+              </a:defRPr>
+            </a:lvl7pPr>
+            <a:lvl8pPr marL="1737360" indent="-182880" algn="l" defTabSz="914400" rtl="0" eaLnBrk="1" latinLnBrk="0" hangingPunct="1">
+              <a:spcBef>
+                <a:spcPct val="20000"/>
+              </a:spcBef>
+              <a:buClr>
+                <a:schemeClr val="accent1"/>
+              </a:buClr>
+              <a:buFont typeface="Arial" pitchFamily="34" charset="0"/>
+              <a:buChar char="•"/>
+              <a:defRPr sz="1300" kern="1200">
+                <a:solidFill>
+                  <a:schemeClr val="tx1"/>
+                </a:solidFill>
+                <a:latin typeface="+mn-lt"/>
+                <a:ea typeface="+mn-ea"/>
+                <a:cs typeface="+mn-cs"/>
+              </a:defRPr>
+            </a:lvl8pPr>
+            <a:lvl9pPr marL="1920240" indent="-182880" algn="l" defTabSz="914400" rtl="0" eaLnBrk="1" latinLnBrk="0" hangingPunct="1">
+              <a:spcBef>
+                <a:spcPct val="20000"/>
+              </a:spcBef>
+              <a:buClr>
+                <a:schemeClr val="accent1"/>
+              </a:buClr>
+              <a:buFont typeface="Arial" pitchFamily="34" charset="0"/>
+              <a:buChar char="•"/>
+              <a:defRPr sz="1300" kern="1200">
+                <a:solidFill>
+                  <a:schemeClr val="tx1"/>
+                </a:solidFill>
+                <a:latin typeface="+mn-lt"/>
+                <a:ea typeface="+mn-ea"/>
+                <a:cs typeface="+mn-cs"/>
+              </a:defRPr>
+            </a:lvl9pPr>
+          </a:lstStyle>
+          <a:p>
+            <a:r>
               <a:rPr lang="en-GB" sz="1400" dirty="0" smtClean="0"/>
               <a:t>Make events fast</a:t>
             </a:r>
@@ -12698,7 +13026,7 @@
 </p:sld>
 </file>
 
-<file path=ppt/slides/slide34.xml><?xml version="1.0" encoding="utf-8"?>
+<file path=ppt/slides/slide35.xml><?xml version="1.0" encoding="utf-8"?>
 <p:sld xmlns:a="http://schemas.openxmlformats.org/drawingml/2006/main" xmlns:r="http://schemas.openxmlformats.org/officeDocument/2006/relationships" xmlns:p="http://schemas.openxmlformats.org/presentationml/2006/main">
   <p:cSld>
     <p:spTree>
